--- a/Documents/JobZoom Presentation.pptx
+++ b/Documents/JobZoom Presentation.pptx
@@ -5,35 +5,36 @@
     <p:sldMasterId id="2147483694" r:id="rId1"/>
   </p:sldMasterIdLst>
   <p:notesMasterIdLst>
-    <p:notesMasterId r:id="rId25"/>
+    <p:notesMasterId r:id="rId26"/>
   </p:notesMasterIdLst>
   <p:handoutMasterIdLst>
-    <p:handoutMasterId r:id="rId26"/>
+    <p:handoutMasterId r:id="rId27"/>
   </p:handoutMasterIdLst>
   <p:sldIdLst>
     <p:sldId id="256" r:id="rId2"/>
     <p:sldId id="257" r:id="rId3"/>
     <p:sldId id="258" r:id="rId4"/>
     <p:sldId id="259" r:id="rId5"/>
-    <p:sldId id="261" r:id="rId6"/>
-    <p:sldId id="262" r:id="rId7"/>
-    <p:sldId id="263" r:id="rId8"/>
-    <p:sldId id="264" r:id="rId9"/>
-    <p:sldId id="265" r:id="rId10"/>
-    <p:sldId id="266" r:id="rId11"/>
-    <p:sldId id="267" r:id="rId12"/>
-    <p:sldId id="268" r:id="rId13"/>
-    <p:sldId id="269" r:id="rId14"/>
-    <p:sldId id="270" r:id="rId15"/>
-    <p:sldId id="271" r:id="rId16"/>
-    <p:sldId id="272" r:id="rId17"/>
-    <p:sldId id="273" r:id="rId18"/>
-    <p:sldId id="274" r:id="rId19"/>
-    <p:sldId id="275" r:id="rId20"/>
-    <p:sldId id="279" r:id="rId21"/>
-    <p:sldId id="276" r:id="rId22"/>
-    <p:sldId id="277" r:id="rId23"/>
-    <p:sldId id="278" r:id="rId24"/>
+    <p:sldId id="280" r:id="rId6"/>
+    <p:sldId id="261" r:id="rId7"/>
+    <p:sldId id="262" r:id="rId8"/>
+    <p:sldId id="263" r:id="rId9"/>
+    <p:sldId id="264" r:id="rId10"/>
+    <p:sldId id="265" r:id="rId11"/>
+    <p:sldId id="266" r:id="rId12"/>
+    <p:sldId id="267" r:id="rId13"/>
+    <p:sldId id="268" r:id="rId14"/>
+    <p:sldId id="269" r:id="rId15"/>
+    <p:sldId id="270" r:id="rId16"/>
+    <p:sldId id="271" r:id="rId17"/>
+    <p:sldId id="272" r:id="rId18"/>
+    <p:sldId id="273" r:id="rId19"/>
+    <p:sldId id="274" r:id="rId20"/>
+    <p:sldId id="275" r:id="rId21"/>
+    <p:sldId id="279" r:id="rId22"/>
+    <p:sldId id="276" r:id="rId23"/>
+    <p:sldId id="277" r:id="rId24"/>
+    <p:sldId id="278" r:id="rId25"/>
   </p:sldIdLst>
   <p:sldSz cx="9144000" cy="6858000" type="screen4x3"/>
   <p:notesSz cx="6858000" cy="9144000"/>
@@ -217,7 +218,7 @@
           <a:p>
             <a:fld id="{303156EA-FEF9-40C4-8452-A54742E06326}" type="datetimeFigureOut">
               <a:rPr lang="vi-VN" smtClean="0"/>
-              <a:t>28/12/2011</a:t>
+              <a:t>30/12/2011</a:t>
             </a:fld>
             <a:endParaRPr lang="vi-VN"/>
           </a:p>
@@ -384,7 +385,7 @@
             <a:fld id="{2447E72A-D913-4DC2-9E0A-E520CE8FCC86}" type="datetimeFigureOut">
               <a:rPr lang="en-US" smtClean="0"/>
               <a:pPr/>
-              <a:t>12/28/2011</a:t>
+              <a:t>12/30/2011</a:t>
             </a:fld>
             <a:endParaRPr lang="en-US"/>
           </a:p>
@@ -1001,7 +1002,7 @@
             <a:pPr algn="ctr"/>
             <a:fld id="{DB3AC4FF-7527-473D-9116-A78ACDB7B002}" type="datetime8">
               <a:rPr lang="en-US" smtClean="0"/>
-              <a:t>12/28/2011 4:46 PM</a:t>
+              <a:t>12/30/2011 2:21 PM</a:t>
             </a:fld>
             <a:endParaRPr lang="en-US" sz="2000" dirty="0">
               <a:solidFill>
@@ -1217,7 +1218,7 @@
                   <a:schemeClr val="tx2"/>
                 </a:solidFill>
               </a:rPr>
-              <a:t>12/28/2011 4:46 PM</a:t>
+              <a:t>12/30/2011 2:21 PM</a:t>
             </a:fld>
             <a:endParaRPr lang="en-US"/>
           </a:p>
@@ -1413,7 +1414,7 @@
                   <a:schemeClr val="tx2"/>
                 </a:solidFill>
               </a:rPr>
-              <a:t>12/28/2011 4:46 PM</a:t>
+              <a:t>12/30/2011 2:21 PM</a:t>
             </a:fld>
             <a:endParaRPr lang="en-US" dirty="0"/>
           </a:p>
@@ -1713,7 +1714,7 @@
           <a:p>
             <a:fld id="{ACFA9F14-9E1D-4A50-9760-EADEBCF8875A}" type="datetime8">
               <a:rPr lang="en-US" smtClean="0"/>
-              <a:t>12/28/2011 4:46 PM</a:t>
+              <a:t>12/30/2011 2:21 PM</a:t>
             </a:fld>
             <a:endParaRPr lang="en-US" dirty="0"/>
           </a:p>
@@ -2129,7 +2130,7 @@
           <a:p>
             <a:fld id="{67583CB6-BCF9-42D4-BCDC-9094FDF08539}" type="datetime8">
               <a:rPr lang="en-US" smtClean="0"/>
-              <a:t>12/28/2011 4:46 PM</a:t>
+              <a:t>12/30/2011 2:21 PM</a:t>
             </a:fld>
             <a:endParaRPr lang="en-US"/>
           </a:p>
@@ -2384,7 +2385,7 @@
           <a:p>
             <a:fld id="{F3B0C4B6-2525-4AE6-B3C3-55AC237D96E5}" type="datetime8">
               <a:rPr lang="en-US" smtClean="0"/>
-              <a:t>12/28/2011 4:46 PM</a:t>
+              <a:t>12/30/2011 2:21 PM</a:t>
             </a:fld>
             <a:endParaRPr lang="en-US"/>
           </a:p>
@@ -2629,7 +2630,7 @@
           <a:p>
             <a:fld id="{B0884233-0FCF-49FD-96DF-1DAAE5FB8E5F}" type="datetime8">
               <a:rPr lang="en-US" smtClean="0"/>
-              <a:t>12/28/2011 4:46 PM</a:t>
+              <a:t>12/30/2011 2:21 PM</a:t>
             </a:fld>
             <a:endParaRPr lang="en-US"/>
           </a:p>
@@ -2826,7 +2827,7 @@
           <a:p>
             <a:fld id="{925A36DC-A6B9-49A0-8592-C10893892C73}" type="datetime8">
               <a:rPr lang="en-US" smtClean="0"/>
-              <a:t>12/28/2011 4:46 PM</a:t>
+              <a:t>12/30/2011 2:21 PM</a:t>
             </a:fld>
             <a:endParaRPr lang="en-US"/>
           </a:p>
@@ -2929,7 +2930,7 @@
           <a:p>
             <a:fld id="{9D46CA07-655C-445C-9C09-8E6C2DF4CEC3}" type="datetime8">
               <a:rPr lang="en-US" smtClean="0"/>
-              <a:t>12/28/2011 4:46 PM</a:t>
+              <a:t>12/30/2011 2:21 PM</a:t>
             </a:fld>
             <a:endParaRPr lang="en-US"/>
           </a:p>
@@ -3077,7 +3078,7 @@
           <a:p>
             <a:fld id="{F2D3B79E-6498-490A-A85A-E8302493EBB7}" type="datetime8">
               <a:rPr lang="en-US" smtClean="0"/>
-              <a:t>12/28/2011 4:46 PM</a:t>
+              <a:t>12/30/2011 2:21 PM</a:t>
             </a:fld>
             <a:endParaRPr lang="en-US"/>
           </a:p>
@@ -3551,7 +3552,7 @@
           <a:p>
             <a:fld id="{D73C48E5-5E3A-4FFD-8978-6ECFCE87ADA1}" type="datetime8">
               <a:rPr lang="en-US" smtClean="0"/>
-              <a:t>12/28/2011 4:46 PM</a:t>
+              <a:t>12/30/2011 2:21 PM</a:t>
             </a:fld>
             <a:endParaRPr lang="en-US"/>
           </a:p>
@@ -3834,7 +3835,7 @@
                   <a:schemeClr val="tx2"/>
                 </a:solidFill>
               </a:rPr>
-              <a:t>12/28/2011 4:46 PM</a:t>
+              <a:t>12/30/2011 2:21 PM</a:t>
             </a:fld>
             <a:endParaRPr lang="en-US" sz="1400" dirty="0">
               <a:solidFill>
@@ -5559,6 +5560,14 @@
   <p:clrMapOvr>
     <a:masterClrMapping/>
   </p:clrMapOvr>
+  <mc:AlternateContent xmlns:mc="http://schemas.openxmlformats.org/markup-compatibility/2006">
+    <mc:Choice xmlns:p14="http://schemas.microsoft.com/office/powerpoint/2010/main" Requires="p14">
+      <p:transition p14:dur="0"/>
+    </mc:Choice>
+    <mc:Fallback>
+      <p:transition/>
+    </mc:Fallback>
+  </mc:AlternateContent>
   <p:timing>
     <p:tnLst>
       <p:par>
@@ -5598,30 +5607,44 @@
         </p:nvSpPr>
         <p:spPr/>
         <p:txBody>
-          <a:bodyPr/>
-          <a:lstStyle/>
-          <a:p>
-            <a:r>
-              <a:rPr lang="en-US" dirty="0" err="1" smtClean="0"/>
-              <a:t>Cây</a:t>
-            </a:r>
-            <a:r>
-              <a:rPr lang="en-US" dirty="0" smtClean="0"/>
-              <a:t> </a:t>
-            </a:r>
-            <a:r>
-              <a:rPr lang="en-US" dirty="0" err="1" smtClean="0"/>
-              <a:t>quyết</a:t>
-            </a:r>
-            <a:r>
-              <a:rPr lang="en-US" dirty="0" smtClean="0"/>
-              <a:t> </a:t>
-            </a:r>
-            <a:r>
-              <a:rPr lang="en-US" dirty="0" err="1" smtClean="0"/>
-              <a:t>định</a:t>
-            </a:r>
-            <a:endParaRPr lang="vi-VN" dirty="0"/>
+          <a:bodyPr>
+            <a:normAutofit/>
+          </a:bodyPr>
+          <a:lstStyle/>
+          <a:p>
+            <a:r>
+              <a:rPr lang="en-US" sz="3600" dirty="0" err="1" smtClean="0"/>
+              <a:t>Giải</a:t>
+            </a:r>
+            <a:r>
+              <a:rPr lang="en-US" sz="3600" dirty="0" smtClean="0"/>
+              <a:t> </a:t>
+            </a:r>
+            <a:r>
+              <a:rPr lang="en-US" sz="3600" dirty="0" err="1" smtClean="0"/>
+              <a:t>pháp</a:t>
+            </a:r>
+            <a:r>
+              <a:rPr lang="en-US" sz="3600" dirty="0" smtClean="0"/>
+              <a:t> so </a:t>
+            </a:r>
+            <a:r>
+              <a:rPr lang="en-US" sz="3600" dirty="0" err="1" smtClean="0"/>
+              <a:t>khớp</a:t>
+            </a:r>
+            <a:r>
+              <a:rPr lang="en-US" sz="3600" dirty="0" smtClean="0"/>
+              <a:t> </a:t>
+            </a:r>
+            <a:r>
+              <a:rPr lang="en-US" sz="3600" dirty="0" err="1" smtClean="0"/>
+              <a:t>thông</a:t>
+            </a:r>
+            <a:r>
+              <a:rPr lang="en-US" sz="3600" dirty="0" smtClean="0"/>
+              <a:t> tin</a:t>
+            </a:r>
+            <a:endParaRPr lang="vi-VN" sz="3600" dirty="0"/>
           </a:p>
         </p:txBody>
       </p:sp>
@@ -5658,7 +5681,7 @@
     </p:spTree>
     <p:extLst>
       <p:ext uri="{BB962C8B-B14F-4D97-AF65-F5344CB8AC3E}">
-        <p14:creationId xmlns:p14="http://schemas.microsoft.com/office/powerpoint/2010/main" val="949264263"/>
+        <p14:creationId xmlns:p14="http://schemas.microsoft.com/office/powerpoint/2010/main" val="1169248967"/>
       </p:ext>
     </p:extLst>
   </p:cSld>
@@ -5709,31 +5732,23 @@
           <a:p>
             <a:r>
               <a:rPr lang="en-US" dirty="0" err="1" smtClean="0"/>
-              <a:t>Kiến</a:t>
-            </a:r>
-            <a:r>
-              <a:rPr lang="en-US" dirty="0" smtClean="0"/>
-              <a:t> </a:t>
-            </a:r>
-            <a:r>
-              <a:rPr lang="en-US" dirty="0" err="1" smtClean="0"/>
-              <a:t>trúc</a:t>
-            </a:r>
-            <a:r>
-              <a:rPr lang="en-US" dirty="0" smtClean="0"/>
-              <a:t> </a:t>
-            </a:r>
-            <a:r>
-              <a:rPr lang="en-US" dirty="0" err="1" smtClean="0"/>
-              <a:t>phần</a:t>
-            </a:r>
-            <a:r>
-              <a:rPr lang="en-US" dirty="0" smtClean="0"/>
-              <a:t> </a:t>
-            </a:r>
-            <a:r>
-              <a:rPr lang="en-US" dirty="0" err="1" smtClean="0"/>
-              <a:t>mềm</a:t>
+              <a:t>Cây</a:t>
+            </a:r>
+            <a:r>
+              <a:rPr lang="en-US" dirty="0" smtClean="0"/>
+              <a:t> </a:t>
+            </a:r>
+            <a:r>
+              <a:rPr lang="en-US" dirty="0" err="1" smtClean="0"/>
+              <a:t>quyết</a:t>
+            </a:r>
+            <a:r>
+              <a:rPr lang="en-US" dirty="0" smtClean="0"/>
+              <a:t> </a:t>
+            </a:r>
+            <a:r>
+              <a:rPr lang="en-US" dirty="0" err="1" smtClean="0"/>
+              <a:t>định</a:t>
             </a:r>
             <a:endParaRPr lang="vi-VN" dirty="0"/>
           </a:p>
@@ -5772,7 +5787,7 @@
     </p:spTree>
     <p:extLst>
       <p:ext uri="{BB962C8B-B14F-4D97-AF65-F5344CB8AC3E}">
-        <p14:creationId xmlns:p14="http://schemas.microsoft.com/office/powerpoint/2010/main" val="1901457727"/>
+        <p14:creationId xmlns:p14="http://schemas.microsoft.com/office/powerpoint/2010/main" val="949264263"/>
       </p:ext>
     </p:extLst>
   </p:cSld>
@@ -5808,12 +5823,12 @@
       </p:grpSpPr>
       <p:sp>
         <p:nvSpPr>
-          <p:cNvPr id="5" name="Text Placeholder 4"/>
-          <p:cNvSpPr>
-            <a:spLocks noGrp="1"/>
-          </p:cNvSpPr>
-          <p:nvPr>
-            <p:ph type="body" idx="1"/>
+          <p:cNvPr id="2" name="Title 1"/>
+          <p:cNvSpPr>
+            <a:spLocks noGrp="1"/>
+          </p:cNvSpPr>
+          <p:nvPr>
+            <p:ph type="title"/>
           </p:nvPr>
         </p:nvSpPr>
         <p:spPr/>
@@ -5839,147 +5854,15 @@
             </a:r>
             <a:r>
               <a:rPr lang="en-US" dirty="0" err="1" smtClean="0"/>
-              <a:t>cổng</a:t>
-            </a:r>
-            <a:r>
-              <a:rPr lang="en-US" dirty="0" smtClean="0"/>
-              <a:t> </a:t>
-            </a:r>
-            <a:r>
-              <a:rPr lang="en-US" dirty="0" err="1" smtClean="0"/>
-              <a:t>thông</a:t>
-            </a:r>
-            <a:r>
-              <a:rPr lang="en-US" dirty="0" smtClean="0"/>
-              <a:t> tin </a:t>
-            </a:r>
-            <a:r>
-              <a:rPr lang="en-US" dirty="0" err="1" smtClean="0"/>
-              <a:t>tìm</a:t>
-            </a:r>
-            <a:r>
-              <a:rPr lang="en-US" dirty="0" smtClean="0"/>
-              <a:t> </a:t>
-            </a:r>
-            <a:r>
-              <a:rPr lang="en-US" dirty="0" err="1" smtClean="0"/>
-              <a:t>việc</a:t>
-            </a:r>
-            <a:r>
-              <a:rPr lang="en-US" dirty="0" smtClean="0"/>
-              <a:t> </a:t>
-            </a:r>
-            <a:r>
-              <a:rPr lang="en-US" dirty="0" err="1" smtClean="0"/>
-              <a:t>JobZoom</a:t>
-            </a:r>
-            <a:r>
-              <a:rPr lang="en-US" dirty="0" smtClean="0"/>
-              <a:t> framework </a:t>
-            </a:r>
-            <a:r>
-              <a:rPr lang="en-US" dirty="0" err="1" smtClean="0"/>
-              <a:t>được</a:t>
-            </a:r>
-            <a:r>
-              <a:rPr lang="en-US" dirty="0" smtClean="0"/>
-              <a:t> </a:t>
-            </a:r>
-            <a:r>
-              <a:rPr lang="en-US" dirty="0" err="1" smtClean="0"/>
-              <a:t>áp</a:t>
-            </a:r>
-            <a:r>
-              <a:rPr lang="en-US" dirty="0" smtClean="0"/>
-              <a:t> </a:t>
-            </a:r>
-            <a:r>
-              <a:rPr lang="en-US" dirty="0" err="1" smtClean="0"/>
-              <a:t>dụng</a:t>
-            </a:r>
-            <a:r>
-              <a:rPr lang="en-US" dirty="0" smtClean="0"/>
-              <a:t> </a:t>
-            </a:r>
-            <a:r>
-              <a:rPr lang="en-US" dirty="0" err="1" smtClean="0"/>
-              <a:t>từ</a:t>
-            </a:r>
-            <a:r>
-              <a:rPr lang="en-US" dirty="0" smtClean="0"/>
-              <a:t> </a:t>
-            </a:r>
-            <a:r>
-              <a:rPr lang="en-US" dirty="0" err="1" smtClean="0"/>
-              <a:t>giải</a:t>
-            </a:r>
-            <a:r>
-              <a:rPr lang="en-US" dirty="0" smtClean="0"/>
-              <a:t> </a:t>
-            </a:r>
-            <a:r>
-              <a:rPr lang="en-US" dirty="0" err="1" smtClean="0"/>
-              <a:t>pháp</a:t>
-            </a:r>
-            <a:r>
-              <a:rPr lang="en-US" dirty="0" smtClean="0"/>
-              <a:t> </a:t>
-            </a:r>
-            <a:r>
-              <a:rPr lang="en-US" dirty="0" err="1" smtClean="0"/>
-              <a:t>của</a:t>
-            </a:r>
-            <a:r>
-              <a:rPr lang="en-US" dirty="0" smtClean="0"/>
-              <a:t> </a:t>
-            </a:r>
-            <a:r>
-              <a:rPr lang="en-US" dirty="0" err="1" smtClean="0"/>
-              <a:t>bài</a:t>
-            </a:r>
-            <a:r>
-              <a:rPr lang="en-US" dirty="0" smtClean="0"/>
-              <a:t> </a:t>
-            </a:r>
-            <a:r>
-              <a:rPr lang="en-US" dirty="0" err="1" smtClean="0"/>
-              <a:t>toán</a:t>
-            </a:r>
-            <a:r>
-              <a:rPr lang="en-US" dirty="0" smtClean="0"/>
-              <a:t> </a:t>
-            </a:r>
-            <a:r>
-              <a:rPr lang="en-US" dirty="0" err="1" smtClean="0"/>
-              <a:t>kiến</a:t>
-            </a:r>
-            <a:r>
-              <a:rPr lang="en-US" dirty="0" smtClean="0"/>
-              <a:t> </a:t>
-            </a:r>
-            <a:r>
-              <a:rPr lang="en-US" dirty="0" err="1" smtClean="0"/>
-              <a:t>trúc</a:t>
-            </a:r>
-            <a:r>
-              <a:rPr lang="en-US" dirty="0" smtClean="0"/>
-              <a:t> </a:t>
-            </a:r>
-            <a:r>
-              <a:rPr lang="en-US" dirty="0" err="1" smtClean="0"/>
-              <a:t>nói</a:t>
-            </a:r>
-            <a:r>
-              <a:rPr lang="en-US" dirty="0" smtClean="0"/>
-              <a:t> </a:t>
-            </a:r>
-            <a:r>
-              <a:rPr lang="en-US" dirty="0" err="1" smtClean="0"/>
-              <a:t>trên</a:t>
-            </a:r>
-            <a:r>
-              <a:rPr lang="en-US" dirty="0" smtClean="0"/>
-              <a:t>.</a:t>
+              <a:t>phần</a:t>
+            </a:r>
+            <a:r>
+              <a:rPr lang="en-US" dirty="0" smtClean="0"/>
+              <a:t> </a:t>
+            </a:r>
+            <a:r>
+              <a:rPr lang="en-US" dirty="0" err="1" smtClean="0"/>
+              <a:t>mềm</a:t>
             </a:r>
             <a:endParaRPr lang="vi-VN" dirty="0"/>
           </a:p>
@@ -5987,45 +5870,18 @@
       </p:sp>
       <p:sp>
         <p:nvSpPr>
-          <p:cNvPr id="4" name="Title 3"/>
-          <p:cNvSpPr>
-            <a:spLocks noGrp="1"/>
-          </p:cNvSpPr>
-          <p:nvPr>
-            <p:ph type="title"/>
+          <p:cNvPr id="3" name="Slide Number Placeholder 2"/>
+          <p:cNvSpPr>
+            <a:spLocks noGrp="1"/>
+          </p:cNvSpPr>
+          <p:nvPr>
+            <p:ph type="sldNum" sz="quarter" idx="12"/>
           </p:nvPr>
         </p:nvSpPr>
         <p:spPr/>
         <p:txBody>
-          <a:bodyPr/>
-          <a:lstStyle/>
-          <a:p>
-            <a:r>
-              <a:rPr lang="en-US" dirty="0" err="1" smtClean="0"/>
-              <a:t>JobZoom</a:t>
-            </a:r>
-            <a:r>
-              <a:rPr lang="en-US" dirty="0" smtClean="0"/>
-              <a:t> framework</a:t>
-            </a:r>
-            <a:endParaRPr lang="vi-VN" dirty="0"/>
-          </a:p>
-        </p:txBody>
-      </p:sp>
-      <p:sp>
-        <p:nvSpPr>
-          <p:cNvPr id="3" name="Slide Number Placeholder 2"/>
-          <p:cNvSpPr>
-            <a:spLocks noGrp="1"/>
-          </p:cNvSpPr>
-          <p:nvPr>
-            <p:ph type="sldNum" sz="quarter" idx="11"/>
-          </p:nvPr>
-        </p:nvSpPr>
-        <p:spPr/>
-        <p:txBody>
           <a:bodyPr>
-            <a:normAutofit/>
+            <a:normAutofit fontScale="85000" lnSpcReduction="20000"/>
           </a:bodyPr>
           <a:lstStyle/>
           <a:p>
@@ -6045,7 +5901,7 @@
     </p:spTree>
     <p:extLst>
       <p:ext uri="{BB962C8B-B14F-4D97-AF65-F5344CB8AC3E}">
-        <p14:creationId xmlns:p14="http://schemas.microsoft.com/office/powerpoint/2010/main" val="1258374253"/>
+        <p14:creationId xmlns:p14="http://schemas.microsoft.com/office/powerpoint/2010/main" val="1901457727"/>
       </p:ext>
     </p:extLst>
   </p:cSld>
@@ -6081,7 +5937,186 @@
       </p:grpSpPr>
       <p:sp>
         <p:nvSpPr>
-          <p:cNvPr id="2" name="Title 1"/>
+          <p:cNvPr id="5" name="Text Placeholder 4"/>
+          <p:cNvSpPr>
+            <a:spLocks noGrp="1"/>
+          </p:cNvSpPr>
+          <p:nvPr>
+            <p:ph type="body" idx="1"/>
+          </p:nvPr>
+        </p:nvSpPr>
+        <p:spPr/>
+        <p:txBody>
+          <a:bodyPr/>
+          <a:lstStyle/>
+          <a:p>
+            <a:r>
+              <a:rPr lang="en-US" dirty="0" err="1" smtClean="0"/>
+              <a:t>Kiến</a:t>
+            </a:r>
+            <a:r>
+              <a:rPr lang="en-US" dirty="0" smtClean="0"/>
+              <a:t> </a:t>
+            </a:r>
+            <a:r>
+              <a:rPr lang="en-US" dirty="0" err="1" smtClean="0"/>
+              <a:t>trúc</a:t>
+            </a:r>
+            <a:r>
+              <a:rPr lang="en-US" dirty="0" smtClean="0"/>
+              <a:t> </a:t>
+            </a:r>
+            <a:r>
+              <a:rPr lang="en-US" dirty="0" err="1" smtClean="0"/>
+              <a:t>cổng</a:t>
+            </a:r>
+            <a:r>
+              <a:rPr lang="en-US" dirty="0" smtClean="0"/>
+              <a:t> </a:t>
+            </a:r>
+            <a:r>
+              <a:rPr lang="en-US" dirty="0" err="1" smtClean="0"/>
+              <a:t>thông</a:t>
+            </a:r>
+            <a:r>
+              <a:rPr lang="en-US" dirty="0" smtClean="0"/>
+              <a:t> tin </a:t>
+            </a:r>
+            <a:r>
+              <a:rPr lang="en-US" dirty="0" err="1" smtClean="0"/>
+              <a:t>tìm</a:t>
+            </a:r>
+            <a:r>
+              <a:rPr lang="en-US" dirty="0" smtClean="0"/>
+              <a:t> </a:t>
+            </a:r>
+            <a:r>
+              <a:rPr lang="en-US" dirty="0" err="1" smtClean="0"/>
+              <a:t>việc</a:t>
+            </a:r>
+            <a:r>
+              <a:rPr lang="en-US" dirty="0" smtClean="0"/>
+              <a:t> </a:t>
+            </a:r>
+            <a:r>
+              <a:rPr lang="en-US" dirty="0" err="1" smtClean="0"/>
+              <a:t>JobZoom</a:t>
+            </a:r>
+            <a:r>
+              <a:rPr lang="en-US" dirty="0" smtClean="0"/>
+              <a:t> framework </a:t>
+            </a:r>
+            <a:r>
+              <a:rPr lang="en-US" dirty="0" err="1" smtClean="0"/>
+              <a:t>được</a:t>
+            </a:r>
+            <a:r>
+              <a:rPr lang="en-US" dirty="0" smtClean="0"/>
+              <a:t> </a:t>
+            </a:r>
+            <a:r>
+              <a:rPr lang="en-US" dirty="0" err="1" smtClean="0"/>
+              <a:t>áp</a:t>
+            </a:r>
+            <a:r>
+              <a:rPr lang="en-US" dirty="0" smtClean="0"/>
+              <a:t> </a:t>
+            </a:r>
+            <a:r>
+              <a:rPr lang="en-US" dirty="0" err="1" smtClean="0"/>
+              <a:t>dụng</a:t>
+            </a:r>
+            <a:r>
+              <a:rPr lang="en-US" dirty="0" smtClean="0"/>
+              <a:t> </a:t>
+            </a:r>
+            <a:r>
+              <a:rPr lang="en-US" dirty="0" err="1" smtClean="0"/>
+              <a:t>từ</a:t>
+            </a:r>
+            <a:r>
+              <a:rPr lang="en-US" dirty="0" smtClean="0"/>
+              <a:t> </a:t>
+            </a:r>
+            <a:r>
+              <a:rPr lang="en-US" dirty="0" err="1" smtClean="0"/>
+              <a:t>giải</a:t>
+            </a:r>
+            <a:r>
+              <a:rPr lang="en-US" dirty="0" smtClean="0"/>
+              <a:t> </a:t>
+            </a:r>
+            <a:r>
+              <a:rPr lang="en-US" dirty="0" err="1" smtClean="0"/>
+              <a:t>pháp</a:t>
+            </a:r>
+            <a:r>
+              <a:rPr lang="en-US" dirty="0" smtClean="0"/>
+              <a:t> </a:t>
+            </a:r>
+            <a:r>
+              <a:rPr lang="en-US" dirty="0" err="1" smtClean="0"/>
+              <a:t>của</a:t>
+            </a:r>
+            <a:r>
+              <a:rPr lang="en-US" dirty="0" smtClean="0"/>
+              <a:t> </a:t>
+            </a:r>
+            <a:r>
+              <a:rPr lang="en-US" dirty="0" err="1" smtClean="0"/>
+              <a:t>bài</a:t>
+            </a:r>
+            <a:r>
+              <a:rPr lang="en-US" dirty="0" smtClean="0"/>
+              <a:t> </a:t>
+            </a:r>
+            <a:r>
+              <a:rPr lang="en-US" dirty="0" err="1" smtClean="0"/>
+              <a:t>toán</a:t>
+            </a:r>
+            <a:r>
+              <a:rPr lang="en-US" dirty="0" smtClean="0"/>
+              <a:t> </a:t>
+            </a:r>
+            <a:r>
+              <a:rPr lang="en-US" dirty="0" err="1" smtClean="0"/>
+              <a:t>kiến</a:t>
+            </a:r>
+            <a:r>
+              <a:rPr lang="en-US" dirty="0" smtClean="0"/>
+              <a:t> </a:t>
+            </a:r>
+            <a:r>
+              <a:rPr lang="en-US" dirty="0" err="1" smtClean="0"/>
+              <a:t>trúc</a:t>
+            </a:r>
+            <a:r>
+              <a:rPr lang="en-US" dirty="0" smtClean="0"/>
+              <a:t> </a:t>
+            </a:r>
+            <a:r>
+              <a:rPr lang="en-US" dirty="0" err="1" smtClean="0"/>
+              <a:t>nói</a:t>
+            </a:r>
+            <a:r>
+              <a:rPr lang="en-US" dirty="0" smtClean="0"/>
+              <a:t> </a:t>
+            </a:r>
+            <a:r>
+              <a:rPr lang="en-US" dirty="0" err="1" smtClean="0"/>
+              <a:t>trên</a:t>
+            </a:r>
+            <a:r>
+              <a:rPr lang="en-US" dirty="0" smtClean="0"/>
+              <a:t>.</a:t>
+            </a:r>
+            <a:endParaRPr lang="vi-VN" dirty="0"/>
+          </a:p>
+        </p:txBody>
+      </p:sp>
+      <p:sp>
+        <p:nvSpPr>
+          <p:cNvPr id="4" name="Title 3"/>
           <p:cNvSpPr>
             <a:spLocks noGrp="1"/>
           </p:cNvSpPr>
@@ -6096,31 +6131,11 @@
           <a:p>
             <a:r>
               <a:rPr lang="en-US" dirty="0" err="1" smtClean="0"/>
-              <a:t>Kiến</a:t>
-            </a:r>
-            <a:r>
-              <a:rPr lang="en-US" dirty="0" smtClean="0"/>
-              <a:t> </a:t>
-            </a:r>
-            <a:r>
-              <a:rPr lang="en-US" dirty="0" err="1" smtClean="0"/>
-              <a:t>trúc</a:t>
-            </a:r>
-            <a:r>
-              <a:rPr lang="en-US" dirty="0" smtClean="0"/>
-              <a:t> </a:t>
-            </a:r>
-            <a:r>
-              <a:rPr lang="en-US" dirty="0" err="1" smtClean="0"/>
-              <a:t>tổng</a:t>
-            </a:r>
-            <a:r>
-              <a:rPr lang="en-US" dirty="0" smtClean="0"/>
-              <a:t> </a:t>
-            </a:r>
-            <a:r>
-              <a:rPr lang="en-US" dirty="0" err="1" smtClean="0"/>
-              <a:t>quan</a:t>
+              <a:t>JobZoom</a:t>
+            </a:r>
+            <a:r>
+              <a:rPr lang="en-US" dirty="0" smtClean="0"/>
+              <a:t> framework</a:t>
             </a:r>
             <a:endParaRPr lang="vi-VN" dirty="0"/>
           </a:p>
@@ -6133,13 +6148,13 @@
             <a:spLocks noGrp="1"/>
           </p:cNvSpPr>
           <p:nvPr>
-            <p:ph type="sldNum" sz="quarter" idx="12"/>
+            <p:ph type="sldNum" sz="quarter" idx="11"/>
           </p:nvPr>
         </p:nvSpPr>
         <p:spPr/>
         <p:txBody>
           <a:bodyPr>
-            <a:normAutofit fontScale="85000" lnSpcReduction="20000"/>
+            <a:normAutofit/>
           </a:bodyPr>
           <a:lstStyle/>
           <a:p>
@@ -6159,7 +6174,7 @@
     </p:spTree>
     <p:extLst>
       <p:ext uri="{BB962C8B-B14F-4D97-AF65-F5344CB8AC3E}">
-        <p14:creationId xmlns:p14="http://schemas.microsoft.com/office/powerpoint/2010/main" val="3453574344"/>
+        <p14:creationId xmlns:p14="http://schemas.microsoft.com/office/powerpoint/2010/main" val="1258374253"/>
       </p:ext>
     </p:extLst>
   </p:cSld>
@@ -6205,60 +6220,38 @@
         </p:nvSpPr>
         <p:spPr/>
         <p:txBody>
-          <a:bodyPr>
-            <a:normAutofit/>
-          </a:bodyPr>
-          <a:lstStyle/>
-          <a:p>
-            <a:r>
-              <a:rPr lang="en-US" sz="3600" dirty="0" err="1" smtClean="0"/>
-              <a:t>Tổ</a:t>
-            </a:r>
-            <a:r>
-              <a:rPr lang="en-US" sz="3600" dirty="0" smtClean="0"/>
-              <a:t> </a:t>
-            </a:r>
-            <a:r>
-              <a:rPr lang="en-US" sz="3600" dirty="0" err="1" smtClean="0"/>
-              <a:t>chức</a:t>
-            </a:r>
-            <a:r>
-              <a:rPr lang="en-US" sz="3600" dirty="0" smtClean="0"/>
-              <a:t> </a:t>
-            </a:r>
-            <a:r>
-              <a:rPr lang="en-US" sz="3600" dirty="0" err="1" smtClean="0"/>
-              <a:t>và</a:t>
-            </a:r>
-            <a:r>
-              <a:rPr lang="en-US" sz="3600" dirty="0" smtClean="0"/>
-              <a:t> </a:t>
-            </a:r>
-            <a:r>
-              <a:rPr lang="en-US" sz="3600" dirty="0" err="1" smtClean="0"/>
-              <a:t>lưu</a:t>
-            </a:r>
-            <a:r>
-              <a:rPr lang="en-US" sz="3600" dirty="0" smtClean="0"/>
-              <a:t> </a:t>
-            </a:r>
-            <a:r>
-              <a:rPr lang="en-US" sz="3600" dirty="0" err="1" smtClean="0"/>
-              <a:t>trữ</a:t>
-            </a:r>
-            <a:r>
-              <a:rPr lang="en-US" sz="3600" dirty="0" smtClean="0"/>
-              <a:t> </a:t>
-            </a:r>
-            <a:r>
-              <a:rPr lang="en-US" sz="3600" dirty="0" err="1" smtClean="0"/>
-              <a:t>thông</a:t>
-            </a:r>
-            <a:r>
-              <a:rPr lang="en-US" sz="3600" dirty="0" smtClean="0"/>
-              <a:t> tin</a:t>
-            </a:r>
-            <a:endParaRPr lang="vi-VN" sz="3600" dirty="0"/>
+          <a:bodyPr/>
+          <a:lstStyle/>
+          <a:p>
+            <a:r>
+              <a:rPr lang="en-US" dirty="0" err="1" smtClean="0"/>
+              <a:t>Kiến</a:t>
+            </a:r>
+            <a:r>
+              <a:rPr lang="en-US" dirty="0" smtClean="0"/>
+              <a:t> </a:t>
+            </a:r>
+            <a:r>
+              <a:rPr lang="en-US" dirty="0" err="1" smtClean="0"/>
+              <a:t>trúc</a:t>
+            </a:r>
+            <a:r>
+              <a:rPr lang="en-US" dirty="0" smtClean="0"/>
+              <a:t> </a:t>
+            </a:r>
+            <a:r>
+              <a:rPr lang="en-US" dirty="0" err="1" smtClean="0"/>
+              <a:t>tổng</a:t>
+            </a:r>
+            <a:r>
+              <a:rPr lang="en-US" dirty="0" smtClean="0"/>
+              <a:t> </a:t>
+            </a:r>
+            <a:r>
+              <a:rPr lang="en-US" dirty="0" err="1" smtClean="0"/>
+              <a:t>quan</a:t>
+            </a:r>
+            <a:endParaRPr lang="vi-VN" dirty="0"/>
           </a:p>
         </p:txBody>
       </p:sp>
@@ -6295,7 +6288,7 @@
     </p:spTree>
     <p:extLst>
       <p:ext uri="{BB962C8B-B14F-4D97-AF65-F5344CB8AC3E}">
-        <p14:creationId xmlns:p14="http://schemas.microsoft.com/office/powerpoint/2010/main" val="3149494895"/>
+        <p14:creationId xmlns:p14="http://schemas.microsoft.com/office/powerpoint/2010/main" val="3453574344"/>
       </p:ext>
     </p:extLst>
   </p:cSld>
@@ -6342,35 +6335,59 @@
         <p:spPr/>
         <p:txBody>
           <a:bodyPr>
-            <a:noAutofit/>
+            <a:normAutofit/>
           </a:bodyPr>
           <a:lstStyle/>
           <a:p>
             <a:r>
-              <a:rPr lang="en-US" sz="2800" dirty="0" err="1" smtClean="0"/>
-              <a:t>Hệ</a:t>
-            </a:r>
-            <a:r>
-              <a:rPr lang="en-US" sz="2800" dirty="0" smtClean="0"/>
-              <a:t> </a:t>
-            </a:r>
-            <a:r>
-              <a:rPr lang="en-US" sz="2800" dirty="0" err="1" smtClean="0"/>
-              <a:t>thống</a:t>
-            </a:r>
-            <a:r>
-              <a:rPr lang="en-US" sz="2800" dirty="0" smtClean="0"/>
-              <a:t> so </a:t>
-            </a:r>
-            <a:r>
-              <a:rPr lang="en-US" sz="2800" dirty="0" err="1" smtClean="0"/>
-              <a:t>khớp</a:t>
-            </a:r>
-            <a:r>
-              <a:rPr lang="en-US" sz="2800" dirty="0" smtClean="0"/>
-              <a:t> – matching tool</a:t>
-            </a:r>
-            <a:endParaRPr lang="vi-VN" sz="2800" dirty="0"/>
+              <a:rPr lang="en-US" sz="3600" dirty="0" err="1" smtClean="0"/>
+              <a:t>Tổ</a:t>
+            </a:r>
+            <a:r>
+              <a:rPr lang="en-US" sz="3600" dirty="0" smtClean="0"/>
+              <a:t> </a:t>
+            </a:r>
+            <a:r>
+              <a:rPr lang="en-US" sz="3600" dirty="0" err="1" smtClean="0"/>
+              <a:t>chức</a:t>
+            </a:r>
+            <a:r>
+              <a:rPr lang="en-US" sz="3600" dirty="0" smtClean="0"/>
+              <a:t> </a:t>
+            </a:r>
+            <a:r>
+              <a:rPr lang="en-US" sz="3600" dirty="0" err="1" smtClean="0"/>
+              <a:t>và</a:t>
+            </a:r>
+            <a:r>
+              <a:rPr lang="en-US" sz="3600" dirty="0" smtClean="0"/>
+              <a:t> </a:t>
+            </a:r>
+            <a:r>
+              <a:rPr lang="en-US" sz="3600" dirty="0" err="1" smtClean="0"/>
+              <a:t>lưu</a:t>
+            </a:r>
+            <a:r>
+              <a:rPr lang="en-US" sz="3600" dirty="0" smtClean="0"/>
+              <a:t> </a:t>
+            </a:r>
+            <a:r>
+              <a:rPr lang="en-US" sz="3600" dirty="0" err="1" smtClean="0"/>
+              <a:t>trữ</a:t>
+            </a:r>
+            <a:r>
+              <a:rPr lang="en-US" sz="3600" dirty="0" smtClean="0"/>
+              <a:t> </a:t>
+            </a:r>
+            <a:r>
+              <a:rPr lang="en-US" sz="3600" dirty="0" err="1" smtClean="0"/>
+              <a:t>thông</a:t>
+            </a:r>
+            <a:r>
+              <a:rPr lang="en-US" sz="3600" dirty="0" smtClean="0"/>
+              <a:t> tin</a:t>
+            </a:r>
+            <a:endParaRPr lang="vi-VN" sz="3600" dirty="0"/>
           </a:p>
         </p:txBody>
       </p:sp>
@@ -6407,7 +6424,7 @@
     </p:spTree>
     <p:extLst>
       <p:ext uri="{BB962C8B-B14F-4D97-AF65-F5344CB8AC3E}">
-        <p14:creationId xmlns:p14="http://schemas.microsoft.com/office/powerpoint/2010/main" val="3939877510"/>
+        <p14:creationId xmlns:p14="http://schemas.microsoft.com/office/powerpoint/2010/main" val="3149494895"/>
       </p:ext>
     </p:extLst>
   </p:cSld>
@@ -6454,15 +6471,35 @@
         <p:spPr/>
         <p:txBody>
           <a:bodyPr>
-            <a:normAutofit/>
+            <a:noAutofit/>
           </a:bodyPr>
           <a:lstStyle/>
           <a:p>
             <a:r>
-              <a:rPr lang="en-US" sz="4000" dirty="0" smtClean="0"/>
-              <a:t>Data mining engine</a:t>
-            </a:r>
-            <a:endParaRPr lang="vi-VN" sz="4000" dirty="0"/>
+              <a:rPr lang="en-US" sz="2800" dirty="0" err="1" smtClean="0"/>
+              <a:t>Hệ</a:t>
+            </a:r>
+            <a:r>
+              <a:rPr lang="en-US" sz="2800" dirty="0" smtClean="0"/>
+              <a:t> </a:t>
+            </a:r>
+            <a:r>
+              <a:rPr lang="en-US" sz="2800" dirty="0" err="1" smtClean="0"/>
+              <a:t>thống</a:t>
+            </a:r>
+            <a:r>
+              <a:rPr lang="en-US" sz="2800" dirty="0" smtClean="0"/>
+              <a:t> so </a:t>
+            </a:r>
+            <a:r>
+              <a:rPr lang="en-US" sz="2800" dirty="0" err="1" smtClean="0"/>
+              <a:t>khớp</a:t>
+            </a:r>
+            <a:r>
+              <a:rPr lang="en-US" sz="2800" dirty="0" smtClean="0"/>
+              <a:t> – matching tool</a:t>
+            </a:r>
+            <a:endParaRPr lang="vi-VN" sz="2800" dirty="0"/>
           </a:p>
         </p:txBody>
       </p:sp>
@@ -6499,7 +6536,7 @@
     </p:spTree>
     <p:extLst>
       <p:ext uri="{BB962C8B-B14F-4D97-AF65-F5344CB8AC3E}">
-        <p14:creationId xmlns:p14="http://schemas.microsoft.com/office/powerpoint/2010/main" val="2360626904"/>
+        <p14:creationId xmlns:p14="http://schemas.microsoft.com/office/powerpoint/2010/main" val="3939877510"/>
       </p:ext>
     </p:extLst>
   </p:cSld>
@@ -6535,68 +6572,43 @@
       </p:grpSpPr>
       <p:sp>
         <p:nvSpPr>
-          <p:cNvPr id="5" name="Text Placeholder 4"/>
-          <p:cNvSpPr>
-            <a:spLocks noGrp="1"/>
-          </p:cNvSpPr>
-          <p:nvPr>
-            <p:ph type="body" idx="1"/>
-          </p:nvPr>
-        </p:nvSpPr>
-        <p:spPr/>
-        <p:txBody>
-          <a:bodyPr/>
-          <a:lstStyle/>
-          <a:p>
-            <a:endParaRPr lang="vi-VN" dirty="0"/>
-          </a:p>
-        </p:txBody>
-      </p:sp>
-      <p:sp>
-        <p:nvSpPr>
-          <p:cNvPr id="4" name="Title 3"/>
+          <p:cNvPr id="2" name="Title 1"/>
           <p:cNvSpPr>
             <a:spLocks noGrp="1"/>
           </p:cNvSpPr>
           <p:nvPr>
             <p:ph type="title"/>
-          </p:nvPr>
-        </p:nvSpPr>
-        <p:spPr/>
-        <p:txBody>
-          <a:bodyPr/>
-          <a:lstStyle/>
-          <a:p>
-            <a:r>
-              <a:rPr lang="en-US" dirty="0" err="1" smtClean="0"/>
-              <a:t>Kết</a:t>
-            </a:r>
-            <a:r>
-              <a:rPr lang="en-US" dirty="0" smtClean="0"/>
-              <a:t> </a:t>
-            </a:r>
-            <a:r>
-              <a:rPr lang="en-US" dirty="0" err="1" smtClean="0"/>
-              <a:t>luận</a:t>
-            </a:r>
-            <a:endParaRPr lang="vi-VN" dirty="0"/>
-          </a:p>
-        </p:txBody>
-      </p:sp>
-      <p:sp>
-        <p:nvSpPr>
-          <p:cNvPr id="3" name="Slide Number Placeholder 2"/>
-          <p:cNvSpPr>
-            <a:spLocks noGrp="1"/>
-          </p:cNvSpPr>
-          <p:nvPr>
-            <p:ph type="sldNum" sz="quarter" idx="11"/>
           </p:nvPr>
         </p:nvSpPr>
         <p:spPr/>
         <p:txBody>
           <a:bodyPr>
             <a:normAutofit/>
+          </a:bodyPr>
+          <a:lstStyle/>
+          <a:p>
+            <a:r>
+              <a:rPr lang="en-US" sz="4000" dirty="0" smtClean="0"/>
+              <a:t>Data mining engine</a:t>
+            </a:r>
+            <a:endParaRPr lang="vi-VN" sz="4000" dirty="0"/>
+          </a:p>
+        </p:txBody>
+      </p:sp>
+      <p:sp>
+        <p:nvSpPr>
+          <p:cNvPr id="3" name="Slide Number Placeholder 2"/>
+          <p:cNvSpPr>
+            <a:spLocks noGrp="1"/>
+          </p:cNvSpPr>
+          <p:nvPr>
+            <p:ph type="sldNum" sz="quarter" idx="12"/>
+          </p:nvPr>
+        </p:nvSpPr>
+        <p:spPr/>
+        <p:txBody>
+          <a:bodyPr>
+            <a:normAutofit fontScale="85000" lnSpcReduction="20000"/>
           </a:bodyPr>
           <a:lstStyle/>
           <a:p>
@@ -6616,7 +6628,7 @@
     </p:spTree>
     <p:extLst>
       <p:ext uri="{BB962C8B-B14F-4D97-AF65-F5344CB8AC3E}">
-        <p14:creationId xmlns:p14="http://schemas.microsoft.com/office/powerpoint/2010/main" val="1500730890"/>
+        <p14:creationId xmlns:p14="http://schemas.microsoft.com/office/powerpoint/2010/main" val="2360626904"/>
       </p:ext>
     </p:extLst>
   </p:cSld>
@@ -6652,7 +6664,26 @@
       </p:grpSpPr>
       <p:sp>
         <p:nvSpPr>
-          <p:cNvPr id="2" name="Title 1"/>
+          <p:cNvPr id="5" name="Text Placeholder 4"/>
+          <p:cNvSpPr>
+            <a:spLocks noGrp="1"/>
+          </p:cNvSpPr>
+          <p:nvPr>
+            <p:ph type="body" idx="1"/>
+          </p:nvPr>
+        </p:nvSpPr>
+        <p:spPr/>
+        <p:txBody>
+          <a:bodyPr/>
+          <a:lstStyle/>
+          <a:p>
+            <a:endParaRPr lang="vi-VN" dirty="0"/>
+          </a:p>
+        </p:txBody>
+      </p:sp>
+      <p:sp>
+        <p:nvSpPr>
+          <p:cNvPr id="4" name="Title 3"/>
           <p:cNvSpPr>
             <a:spLocks noGrp="1"/>
           </p:cNvSpPr>
@@ -6666,8 +6697,16 @@
           <a:lstStyle/>
           <a:p>
             <a:r>
-              <a:rPr lang="en-US" dirty="0" smtClean="0"/>
-              <a:t>KẾT QUẢ ĐẠT ĐƯỢC</a:t>
+              <a:rPr lang="en-US" dirty="0" err="1" smtClean="0"/>
+              <a:t>Kết</a:t>
+            </a:r>
+            <a:r>
+              <a:rPr lang="en-US" dirty="0" smtClean="0"/>
+              <a:t> </a:t>
+            </a:r>
+            <a:r>
+              <a:rPr lang="en-US" dirty="0" err="1" smtClean="0"/>
+              <a:t>luận</a:t>
             </a:r>
             <a:endParaRPr lang="vi-VN" dirty="0"/>
           </a:p>
@@ -6680,13 +6719,13 @@
             <a:spLocks noGrp="1"/>
           </p:cNvSpPr>
           <p:nvPr>
-            <p:ph type="sldNum" sz="quarter" idx="12"/>
+            <p:ph type="sldNum" sz="quarter" idx="11"/>
           </p:nvPr>
         </p:nvSpPr>
         <p:spPr/>
         <p:txBody>
           <a:bodyPr>
-            <a:normAutofit fontScale="85000" lnSpcReduction="20000"/>
+            <a:normAutofit/>
           </a:bodyPr>
           <a:lstStyle/>
           <a:p>
@@ -6706,7 +6745,7 @@
     </p:spTree>
     <p:extLst>
       <p:ext uri="{BB962C8B-B14F-4D97-AF65-F5344CB8AC3E}">
-        <p14:creationId xmlns:p14="http://schemas.microsoft.com/office/powerpoint/2010/main" val="3067536780"/>
+        <p14:creationId xmlns:p14="http://schemas.microsoft.com/office/powerpoint/2010/main" val="1500730890"/>
       </p:ext>
     </p:extLst>
   </p:cSld>
@@ -6756,16 +6795,8 @@
           <a:lstStyle/>
           <a:p>
             <a:r>
-              <a:rPr lang="en-US" dirty="0" err="1" smtClean="0"/>
-              <a:t>Đánh</a:t>
-            </a:r>
-            <a:r>
-              <a:rPr lang="en-US" dirty="0" smtClean="0"/>
-              <a:t> </a:t>
-            </a:r>
-            <a:r>
-              <a:rPr lang="en-US" dirty="0" err="1" smtClean="0"/>
-              <a:t>giá</a:t>
+              <a:rPr lang="en-US" dirty="0" smtClean="0"/>
+              <a:t>KẾT QUẢ ĐẠT ĐƯỢC</a:t>
             </a:r>
             <a:endParaRPr lang="vi-VN" dirty="0"/>
           </a:p>
@@ -6804,7 +6835,7 @@
     </p:spTree>
     <p:extLst>
       <p:ext uri="{BB962C8B-B14F-4D97-AF65-F5344CB8AC3E}">
-        <p14:creationId xmlns:p14="http://schemas.microsoft.com/office/powerpoint/2010/main" val="2449681135"/>
+        <p14:creationId xmlns:p14="http://schemas.microsoft.com/office/powerpoint/2010/main" val="3067536780"/>
       </p:ext>
     </p:extLst>
   </p:cSld>
@@ -7192,23 +7223,15 @@
           <a:p>
             <a:r>
               <a:rPr lang="en-US" dirty="0" err="1" smtClean="0"/>
-              <a:t>Những</a:t>
-            </a:r>
-            <a:r>
-              <a:rPr lang="en-US" dirty="0" smtClean="0"/>
-              <a:t> </a:t>
-            </a:r>
-            <a:r>
-              <a:rPr lang="en-US" dirty="0" err="1" smtClean="0"/>
-              <a:t>hạn</a:t>
-            </a:r>
-            <a:r>
-              <a:rPr lang="en-US" dirty="0" smtClean="0"/>
-              <a:t> </a:t>
-            </a:r>
-            <a:r>
-              <a:rPr lang="en-US" dirty="0" err="1" smtClean="0"/>
-              <a:t>chế</a:t>
+              <a:t>Đánh</a:t>
+            </a:r>
+            <a:r>
+              <a:rPr lang="en-US" dirty="0" smtClean="0"/>
+              <a:t> </a:t>
+            </a:r>
+            <a:r>
+              <a:rPr lang="en-US" dirty="0" err="1" smtClean="0"/>
+              <a:t>giá</a:t>
             </a:r>
             <a:endParaRPr lang="vi-VN" dirty="0"/>
           </a:p>
@@ -7247,7 +7270,7 @@
     </p:spTree>
     <p:extLst>
       <p:ext uri="{BB962C8B-B14F-4D97-AF65-F5344CB8AC3E}">
-        <p14:creationId xmlns:p14="http://schemas.microsoft.com/office/powerpoint/2010/main" val="1913792255"/>
+        <p14:creationId xmlns:p14="http://schemas.microsoft.com/office/powerpoint/2010/main" val="2449681135"/>
       </p:ext>
     </p:extLst>
   </p:cSld>
@@ -7283,12 +7306,12 @@
       </p:grpSpPr>
       <p:sp>
         <p:nvSpPr>
-          <p:cNvPr id="5" name="Text Placeholder 4"/>
-          <p:cNvSpPr>
-            <a:spLocks noGrp="1"/>
-          </p:cNvSpPr>
-          <p:nvPr>
-            <p:ph type="body" idx="1"/>
+          <p:cNvPr id="2" name="Title 1"/>
+          <p:cNvSpPr>
+            <a:spLocks noGrp="1"/>
+          </p:cNvSpPr>
+          <p:nvPr>
+            <p:ph type="title"/>
           </p:nvPr>
         </p:nvSpPr>
         <p:spPr/>
@@ -7296,47 +7319,44 @@
           <a:bodyPr/>
           <a:lstStyle/>
           <a:p>
-            <a:endParaRPr lang="vi-VN"/>
-          </a:p>
-        </p:txBody>
-      </p:sp>
-      <p:sp>
-        <p:nvSpPr>
-          <p:cNvPr id="4" name="Title 3"/>
-          <p:cNvSpPr>
-            <a:spLocks noGrp="1"/>
-          </p:cNvSpPr>
-          <p:nvPr>
-            <p:ph type="title"/>
+            <a:r>
+              <a:rPr lang="en-US" dirty="0" err="1" smtClean="0"/>
+              <a:t>Những</a:t>
+            </a:r>
+            <a:r>
+              <a:rPr lang="en-US" dirty="0" smtClean="0"/>
+              <a:t> </a:t>
+            </a:r>
+            <a:r>
+              <a:rPr lang="en-US" dirty="0" err="1" smtClean="0"/>
+              <a:t>hạn</a:t>
+            </a:r>
+            <a:r>
+              <a:rPr lang="en-US" dirty="0" smtClean="0"/>
+              <a:t> </a:t>
+            </a:r>
+            <a:r>
+              <a:rPr lang="en-US" dirty="0" err="1" smtClean="0"/>
+              <a:t>chế</a:t>
+            </a:r>
+            <a:endParaRPr lang="vi-VN" dirty="0"/>
+          </a:p>
+        </p:txBody>
+      </p:sp>
+      <p:sp>
+        <p:nvSpPr>
+          <p:cNvPr id="3" name="Slide Number Placeholder 2"/>
+          <p:cNvSpPr>
+            <a:spLocks noGrp="1"/>
+          </p:cNvSpPr>
+          <p:nvPr>
+            <p:ph type="sldNum" sz="quarter" idx="12"/>
           </p:nvPr>
         </p:nvSpPr>
         <p:spPr/>
         <p:txBody>
-          <a:bodyPr/>
-          <a:lstStyle/>
-          <a:p>
-            <a:r>
-              <a:rPr lang="en-US" dirty="0" smtClean="0"/>
-              <a:t>DEMONSTRATION</a:t>
-            </a:r>
-            <a:endParaRPr lang="vi-VN" dirty="0"/>
-          </a:p>
-        </p:txBody>
-      </p:sp>
-      <p:sp>
-        <p:nvSpPr>
-          <p:cNvPr id="3" name="Slide Number Placeholder 2"/>
-          <p:cNvSpPr>
-            <a:spLocks noGrp="1"/>
-          </p:cNvSpPr>
-          <p:nvPr>
-            <p:ph type="sldNum" sz="quarter" idx="11"/>
-          </p:nvPr>
-        </p:nvSpPr>
-        <p:spPr/>
-        <p:txBody>
           <a:bodyPr>
-            <a:normAutofit/>
+            <a:normAutofit fontScale="85000" lnSpcReduction="20000"/>
           </a:bodyPr>
           <a:lstStyle/>
           <a:p>
@@ -7356,7 +7376,7 @@
     </p:spTree>
     <p:extLst>
       <p:ext uri="{BB962C8B-B14F-4D97-AF65-F5344CB8AC3E}">
-        <p14:creationId xmlns:p14="http://schemas.microsoft.com/office/powerpoint/2010/main" val="1870866790"/>
+        <p14:creationId xmlns:p14="http://schemas.microsoft.com/office/powerpoint/2010/main" val="1913792255"/>
       </p:ext>
     </p:extLst>
   </p:cSld>
@@ -7426,7 +7446,7 @@
           <a:p>
             <a:r>
               <a:rPr lang="en-US" dirty="0" smtClean="0"/>
-              <a:t>Q &amp; A</a:t>
+              <a:t>DEMONSTRATION</a:t>
             </a:r>
             <a:endParaRPr lang="vi-VN" dirty="0"/>
           </a:p>
@@ -7465,7 +7485,7 @@
     </p:spTree>
     <p:extLst>
       <p:ext uri="{BB962C8B-B14F-4D97-AF65-F5344CB8AC3E}">
-        <p14:creationId xmlns:p14="http://schemas.microsoft.com/office/powerpoint/2010/main" val="2443692379"/>
+        <p14:creationId xmlns:p14="http://schemas.microsoft.com/office/powerpoint/2010/main" val="1870866790"/>
       </p:ext>
     </p:extLst>
   </p:cSld>
@@ -7501,6 +7521,115 @@
       </p:grpSpPr>
       <p:sp>
         <p:nvSpPr>
+          <p:cNvPr id="5" name="Text Placeholder 4"/>
+          <p:cNvSpPr>
+            <a:spLocks noGrp="1"/>
+          </p:cNvSpPr>
+          <p:nvPr>
+            <p:ph type="body" idx="1"/>
+          </p:nvPr>
+        </p:nvSpPr>
+        <p:spPr/>
+        <p:txBody>
+          <a:bodyPr/>
+          <a:lstStyle/>
+          <a:p>
+            <a:endParaRPr lang="vi-VN"/>
+          </a:p>
+        </p:txBody>
+      </p:sp>
+      <p:sp>
+        <p:nvSpPr>
+          <p:cNvPr id="4" name="Title 3"/>
+          <p:cNvSpPr>
+            <a:spLocks noGrp="1"/>
+          </p:cNvSpPr>
+          <p:nvPr>
+            <p:ph type="title"/>
+          </p:nvPr>
+        </p:nvSpPr>
+        <p:spPr/>
+        <p:txBody>
+          <a:bodyPr/>
+          <a:lstStyle/>
+          <a:p>
+            <a:r>
+              <a:rPr lang="en-US" dirty="0" smtClean="0"/>
+              <a:t>Q &amp; A</a:t>
+            </a:r>
+            <a:endParaRPr lang="vi-VN" dirty="0"/>
+          </a:p>
+        </p:txBody>
+      </p:sp>
+      <p:sp>
+        <p:nvSpPr>
+          <p:cNvPr id="3" name="Slide Number Placeholder 2"/>
+          <p:cNvSpPr>
+            <a:spLocks noGrp="1"/>
+          </p:cNvSpPr>
+          <p:nvPr>
+            <p:ph type="sldNum" sz="quarter" idx="11"/>
+          </p:nvPr>
+        </p:nvSpPr>
+        <p:spPr/>
+        <p:txBody>
+          <a:bodyPr>
+            <a:normAutofit/>
+          </a:bodyPr>
+          <a:lstStyle/>
+          <a:p>
+            <a:fld id="{1AD93096-5B34-4342-9326-69289CEAE4C2}" type="slidenum">
+              <a:rPr lang="en-US" smtClean="0"/>
+              <a:pPr/>
+              <a:t>23</a:t>
+            </a:fld>
+            <a:endParaRPr lang="en-US" dirty="0">
+              <a:solidFill>
+                <a:srgbClr val="FFFFFF"/>
+              </a:solidFill>
+            </a:endParaRPr>
+          </a:p>
+        </p:txBody>
+      </p:sp>
+    </p:spTree>
+    <p:extLst>
+      <p:ext uri="{BB962C8B-B14F-4D97-AF65-F5344CB8AC3E}">
+        <p14:creationId xmlns:p14="http://schemas.microsoft.com/office/powerpoint/2010/main" val="2443692379"/>
+      </p:ext>
+    </p:extLst>
+  </p:cSld>
+  <p:clrMapOvr>
+    <a:masterClrMapping/>
+  </p:clrMapOvr>
+  <p:timing>
+    <p:tnLst>
+      <p:par>
+        <p:cTn id="1" dur="indefinite" restart="never" nodeType="tmRoot"/>
+      </p:par>
+    </p:tnLst>
+  </p:timing>
+</p:sld>
+</file>
+
+<file path=ppt/slides/slide24.xml><?xml version="1.0" encoding="utf-8"?>
+<p:sld xmlns:a="http://schemas.openxmlformats.org/drawingml/2006/main" xmlns:r="http://schemas.openxmlformats.org/officeDocument/2006/relationships" xmlns:p="http://schemas.openxmlformats.org/presentationml/2006/main">
+  <p:cSld>
+    <p:spTree>
+      <p:nvGrpSpPr>
+        <p:cNvPr id="1" name=""/>
+        <p:cNvGrpSpPr/>
+        <p:nvPr/>
+      </p:nvGrpSpPr>
+      <p:grpSpPr>
+        <a:xfrm>
+          <a:off x="0" y="0"/>
+          <a:ext cx="0" cy="0"/>
+          <a:chOff x="0" y="0"/>
+          <a:chExt cx="0" cy="0"/>
+        </a:xfrm>
+      </p:grpSpPr>
+      <p:sp>
+        <p:nvSpPr>
           <p:cNvPr id="8" name="Text Placeholder 7"/>
           <p:cNvSpPr>
             <a:spLocks noGrp="1"/>
@@ -7568,7 +7697,7 @@
             <a:fld id="{1AD93096-5B34-4342-9326-69289CEAE4C2}" type="slidenum">
               <a:rPr lang="en-US" smtClean="0"/>
               <a:pPr/>
-              <a:t>23</a:t>
+              <a:t>24</a:t>
             </a:fld>
             <a:endParaRPr lang="en-US" dirty="0">
               <a:solidFill>
@@ -8359,6 +8488,161 @@
           </a:p>
         </p:txBody>
       </p:sp>
+      <p:sp>
+        <p:nvSpPr>
+          <p:cNvPr id="2" name="Content Placeholder 1"/>
+          <p:cNvSpPr>
+            <a:spLocks noGrp="1"/>
+          </p:cNvSpPr>
+          <p:nvPr>
+            <p:ph sz="quarter" idx="1"/>
+          </p:nvPr>
+        </p:nvSpPr>
+        <p:spPr/>
+        <p:txBody>
+          <a:bodyPr/>
+          <a:lstStyle/>
+          <a:p>
+            <a:r>
+              <a:rPr lang="en-US"/>
+              <a:t>V</a:t>
+            </a:r>
+            <a:r>
+              <a:rPr lang="en-US" smtClean="0"/>
+              <a:t>iệc </a:t>
+            </a:r>
+            <a:r>
+              <a:rPr lang="en-US"/>
+              <a:t>tổ chức và lưu trữ thông </a:t>
+            </a:r>
+            <a:r>
+              <a:rPr lang="en-US"/>
+              <a:t>tin </a:t>
+            </a:r>
+            <a:r>
+              <a:rPr lang="en-US" smtClean="0"/>
+              <a:t>đa </a:t>
+            </a:r>
+            <a:r>
+              <a:rPr lang="en-US"/>
+              <a:t>dạng </a:t>
+            </a:r>
+            <a:endParaRPr lang="en-US" smtClean="0"/>
+          </a:p>
+          <a:p>
+            <a:r>
+              <a:rPr lang="en-US"/>
+              <a:t>P</a:t>
+            </a:r>
+            <a:r>
+              <a:rPr lang="en-US" smtClean="0"/>
+              <a:t>hụ </a:t>
+            </a:r>
+            <a:r>
+              <a:rPr lang="en-US"/>
+              <a:t>thuộc vào đặc thù của đối tượng thông </a:t>
+            </a:r>
+            <a:r>
+              <a:rPr lang="en-US"/>
+              <a:t>tin </a:t>
+            </a:r>
+            <a:r>
+              <a:rPr lang="en-US" smtClean="0"/>
+              <a:t>và </a:t>
+            </a:r>
+            <a:r>
+              <a:rPr lang="en-US"/>
+              <a:t>chiến lược của nhà phát triển phần mềm</a:t>
+            </a:r>
+            <a:r>
+              <a:rPr lang="en-US"/>
+              <a:t>. </a:t>
+            </a:r>
+            <a:endParaRPr lang="en-US" smtClean="0"/>
+          </a:p>
+          <a:p>
+            <a:endParaRPr lang="en-US"/>
+          </a:p>
+          <a:p>
+            <a:pPr marL="0" indent="0">
+              <a:buNone/>
+            </a:pPr>
+            <a:r>
+              <a:rPr lang="en-US"/>
+              <a:t> </a:t>
+            </a:r>
+            <a:r>
+              <a:rPr lang="en-US" smtClean="0"/>
+              <a:t>   Làm </a:t>
+            </a:r>
+            <a:r>
+              <a:rPr lang="en-US"/>
+              <a:t>thế nào thiết kế một </a:t>
+            </a:r>
+            <a:r>
+              <a:rPr lang="en-US" i="1"/>
+              <a:t>kiến trúc phần mềm </a:t>
+            </a:r>
+            <a:r>
+              <a:rPr lang="en-US"/>
+              <a:t>dùng chung có thể đáp ứng khả năng tổ chức thông tin một cách </a:t>
+            </a:r>
+            <a:r>
+              <a:rPr lang="en-US" i="1"/>
+              <a:t>linh </a:t>
+            </a:r>
+            <a:r>
+              <a:rPr lang="en-US" i="1" smtClean="0"/>
+              <a:t>hoạt </a:t>
+            </a:r>
+            <a:r>
+              <a:rPr lang="en-US" smtClean="0"/>
+              <a:t>?</a:t>
+            </a:r>
+            <a:endParaRPr lang="en-US"/>
+          </a:p>
+        </p:txBody>
+      </p:sp>
+      <p:sp>
+        <p:nvSpPr>
+          <p:cNvPr id="3" name="Right Arrow 2"/>
+          <p:cNvSpPr/>
+          <p:nvPr/>
+        </p:nvSpPr>
+        <p:spPr>
+          <a:xfrm>
+            <a:off x="554066" y="3762426"/>
+            <a:ext cx="504056" cy="327309"/>
+          </a:xfrm>
+          <a:prstGeom prst="rightArrow">
+            <a:avLst/>
+          </a:prstGeom>
+        </p:spPr>
+        <p:style>
+          <a:lnRef idx="2">
+            <a:schemeClr val="accent1">
+              <a:shade val="50000"/>
+            </a:schemeClr>
+          </a:lnRef>
+          <a:fillRef idx="1">
+            <a:schemeClr val="accent1"/>
+          </a:fillRef>
+          <a:effectRef idx="0">
+            <a:schemeClr val="accent1"/>
+          </a:effectRef>
+          <a:fontRef idx="minor">
+            <a:schemeClr val="lt1"/>
+          </a:fontRef>
+        </p:style>
+        <p:txBody>
+          <a:bodyPr rtlCol="0" anchor="ctr"/>
+          <a:lstStyle/>
+          <a:p>
+            <a:pPr algn="ctr"/>
+            <a:endParaRPr lang="en-US"/>
+          </a:p>
+        </p:txBody>
+      </p:sp>
     </p:spTree>
     <p:extLst>
       <p:ext uri="{BB962C8B-B14F-4D97-AF65-F5344CB8AC3E}">
@@ -8398,7 +8682,7 @@
       </p:grpSpPr>
       <p:sp>
         <p:nvSpPr>
-          <p:cNvPr id="2" name="Title 1"/>
+          <p:cNvPr id="5" name="Title 4"/>
           <p:cNvSpPr>
             <a:spLocks noGrp="1"/>
           </p:cNvSpPr>
@@ -8408,7 +8692,9 @@
         </p:nvSpPr>
         <p:spPr/>
         <p:txBody>
-          <a:bodyPr/>
+          <a:bodyPr>
+            <a:normAutofit/>
+          </a:bodyPr>
           <a:lstStyle/>
           <a:p>
             <a:r>
@@ -8441,7 +8727,7 @@
             </a:r>
             <a:r>
               <a:rPr lang="en-US" dirty="0" smtClean="0"/>
-              <a:t> #2</a:t>
+              <a:t> #1</a:t>
             </a:r>
             <a:endParaRPr lang="vi-VN" dirty="0"/>
           </a:p>
@@ -8449,7 +8735,7 @@
       </p:sp>
       <p:sp>
         <p:nvSpPr>
-          <p:cNvPr id="3" name="Slide Number Placeholder 2"/>
+          <p:cNvPr id="4" name="Slide Number Placeholder 3"/>
           <p:cNvSpPr>
             <a:spLocks noGrp="1"/>
           </p:cNvSpPr>
@@ -8464,12 +8750,13 @@
           </a:bodyPr>
           <a:lstStyle/>
           <a:p>
+            <a:pPr algn="ctr"/>
             <a:fld id="{1AD93096-5B34-4342-9326-69289CEAE4C2}" type="slidenum">
               <a:rPr lang="en-US" smtClean="0"/>
-              <a:pPr/>
+              <a:pPr algn="ctr"/>
               <a:t>5</a:t>
             </a:fld>
-            <a:endParaRPr lang="en-US" dirty="0">
+            <a:endParaRPr lang="en-US" sz="2400" dirty="0">
               <a:solidFill>
                 <a:srgbClr val="FFFFFF"/>
               </a:solidFill>
@@ -8477,10 +8764,59 @@
           </a:p>
         </p:txBody>
       </p:sp>
+      <p:sp>
+        <p:nvSpPr>
+          <p:cNvPr id="2" name="Content Placeholder 1"/>
+          <p:cNvSpPr>
+            <a:spLocks noGrp="1"/>
+          </p:cNvSpPr>
+          <p:nvPr>
+            <p:ph sz="quarter" idx="1"/>
+          </p:nvPr>
+        </p:nvSpPr>
+        <p:spPr/>
+        <p:txBody>
+          <a:bodyPr>
+            <a:normAutofit/>
+          </a:bodyPr>
+          <a:lstStyle/>
+          <a:p>
+            <a:r>
+              <a:rPr lang="en-US" smtClean="0"/>
+              <a:t>Xây dựng </a:t>
+            </a:r>
+            <a:r>
+              <a:rPr lang="en-US"/>
+              <a:t>kiến trúc phần mềm dùng chung có khả năng tổ chức thông tin một cách linh hoạt, </a:t>
+            </a:r>
+            <a:r>
+              <a:rPr lang="en-US"/>
+              <a:t>có </a:t>
+            </a:r>
+            <a:r>
+              <a:rPr lang="en-US" smtClean="0"/>
+              <a:t>thể áp </a:t>
+            </a:r>
+            <a:r>
+              <a:rPr lang="en-US"/>
+              <a:t>dụng cho nhiều phần mềm, nhiều nghiệp vụ khác nhau mà vẫn đảm bảo được khả năng so khớp giữa những các thông tin nội tại </a:t>
+            </a:r>
+            <a:r>
+              <a:rPr lang="en-US"/>
+              <a:t>đó</a:t>
+            </a:r>
+            <a:r>
+              <a:rPr lang="en-US" smtClean="0"/>
+              <a:t>.</a:t>
+            </a:r>
+            <a:endParaRPr lang="en-US"/>
+          </a:p>
+        </p:txBody>
+      </p:sp>
     </p:spTree>
     <p:extLst>
       <p:ext uri="{BB962C8B-B14F-4D97-AF65-F5344CB8AC3E}">
-        <p14:creationId xmlns:p14="http://schemas.microsoft.com/office/powerpoint/2010/main" val="4107862945"/>
+        <p14:creationId xmlns:p14="http://schemas.microsoft.com/office/powerpoint/2010/main" val="816399148"/>
       </p:ext>
     </p:extLst>
   </p:cSld>
@@ -8559,7 +8895,7 @@
             </a:r>
             <a:r>
               <a:rPr lang="en-US" dirty="0" smtClean="0"/>
-              <a:t> #3</a:t>
+              <a:t> #2</a:t>
             </a:r>
             <a:endParaRPr lang="vi-VN" dirty="0"/>
           </a:p>
@@ -8598,7 +8934,7 @@
     </p:spTree>
     <p:extLst>
       <p:ext uri="{BB962C8B-B14F-4D97-AF65-F5344CB8AC3E}">
-        <p14:creationId xmlns:p14="http://schemas.microsoft.com/office/powerpoint/2010/main" val="2379150528"/>
+        <p14:creationId xmlns:p14="http://schemas.microsoft.com/office/powerpoint/2010/main" val="4107862945"/>
       </p:ext>
     </p:extLst>
   </p:cSld>
@@ -8634,12 +8970,12 @@
       </p:grpSpPr>
       <p:sp>
         <p:nvSpPr>
-          <p:cNvPr id="5" name="Text Placeholder 4"/>
-          <p:cNvSpPr>
-            <a:spLocks noGrp="1"/>
-          </p:cNvSpPr>
-          <p:nvPr>
-            <p:ph type="body" idx="1"/>
+          <p:cNvPr id="2" name="Title 1"/>
+          <p:cNvSpPr>
+            <a:spLocks noGrp="1"/>
+          </p:cNvSpPr>
+          <p:nvPr>
+            <p:ph type="title"/>
           </p:nvPr>
         </p:nvSpPr>
         <p:spPr/>
@@ -8647,47 +8983,56 @@
           <a:bodyPr/>
           <a:lstStyle/>
           <a:p>
+            <a:r>
+              <a:rPr lang="en-US" dirty="0" err="1" smtClean="0"/>
+              <a:t>Bài</a:t>
+            </a:r>
+            <a:r>
+              <a:rPr lang="en-US" dirty="0" smtClean="0"/>
+              <a:t> </a:t>
+            </a:r>
+            <a:r>
+              <a:rPr lang="en-US" dirty="0" err="1" smtClean="0"/>
+              <a:t>toán</a:t>
+            </a:r>
+            <a:r>
+              <a:rPr lang="en-US" dirty="0" smtClean="0"/>
+              <a:t> </a:t>
+            </a:r>
+            <a:r>
+              <a:rPr lang="en-US" dirty="0" err="1" smtClean="0"/>
+              <a:t>kiến</a:t>
+            </a:r>
+            <a:r>
+              <a:rPr lang="en-US" dirty="0" smtClean="0"/>
+              <a:t> </a:t>
+            </a:r>
+            <a:r>
+              <a:rPr lang="en-US" dirty="0" err="1" smtClean="0"/>
+              <a:t>trúc</a:t>
+            </a:r>
+            <a:r>
+              <a:rPr lang="en-US" dirty="0" smtClean="0"/>
+              <a:t> #3</a:t>
+            </a:r>
             <a:endParaRPr lang="vi-VN" dirty="0"/>
           </a:p>
         </p:txBody>
       </p:sp>
       <p:sp>
         <p:nvSpPr>
-          <p:cNvPr id="4" name="Title 3"/>
-          <p:cNvSpPr>
-            <a:spLocks noGrp="1"/>
-          </p:cNvSpPr>
-          <p:nvPr>
-            <p:ph type="title"/>
+          <p:cNvPr id="3" name="Slide Number Placeholder 2"/>
+          <p:cNvSpPr>
+            <a:spLocks noGrp="1"/>
+          </p:cNvSpPr>
+          <p:nvPr>
+            <p:ph type="sldNum" sz="quarter" idx="12"/>
           </p:nvPr>
         </p:nvSpPr>
         <p:spPr/>
         <p:txBody>
-          <a:bodyPr/>
-          <a:lstStyle/>
-          <a:p>
-            <a:r>
-              <a:rPr lang="en-US" dirty="0" smtClean="0"/>
-              <a:t>GIẢI QUYẾT BÀI TOÁN</a:t>
-            </a:r>
-            <a:endParaRPr lang="vi-VN" dirty="0"/>
-          </a:p>
-        </p:txBody>
-      </p:sp>
-      <p:sp>
-        <p:nvSpPr>
-          <p:cNvPr id="3" name="Slide Number Placeholder 2"/>
-          <p:cNvSpPr>
-            <a:spLocks noGrp="1"/>
-          </p:cNvSpPr>
-          <p:nvPr>
-            <p:ph type="sldNum" sz="quarter" idx="11"/>
-          </p:nvPr>
-        </p:nvSpPr>
-        <p:spPr/>
-        <p:txBody>
           <a:bodyPr>
-            <a:normAutofit/>
+            <a:normAutofit fontScale="85000" lnSpcReduction="20000"/>
           </a:bodyPr>
           <a:lstStyle/>
           <a:p>
@@ -8707,7 +9052,7 @@
     </p:spTree>
     <p:extLst>
       <p:ext uri="{BB962C8B-B14F-4D97-AF65-F5344CB8AC3E}">
-        <p14:creationId xmlns:p14="http://schemas.microsoft.com/office/powerpoint/2010/main" val="1789735374"/>
+        <p14:creationId xmlns:p14="http://schemas.microsoft.com/office/powerpoint/2010/main" val="2379150528"/>
       </p:ext>
     </p:extLst>
   </p:cSld>
@@ -8743,12 +9088,54 @@
       </p:grpSpPr>
       <p:sp>
         <p:nvSpPr>
-          <p:cNvPr id="5" name="Title 4"/>
+          <p:cNvPr id="5" name="Text Placeholder 4"/>
+          <p:cNvSpPr>
+            <a:spLocks noGrp="1"/>
+          </p:cNvSpPr>
+          <p:nvPr>
+            <p:ph type="body" idx="1"/>
+          </p:nvPr>
+        </p:nvSpPr>
+        <p:spPr/>
+        <p:txBody>
+          <a:bodyPr/>
+          <a:lstStyle/>
+          <a:p>
+            <a:endParaRPr lang="vi-VN" dirty="0"/>
+          </a:p>
+        </p:txBody>
+      </p:sp>
+      <p:sp>
+        <p:nvSpPr>
+          <p:cNvPr id="4" name="Title 3"/>
           <p:cNvSpPr>
             <a:spLocks noGrp="1"/>
           </p:cNvSpPr>
           <p:nvPr>
             <p:ph type="title"/>
+          </p:nvPr>
+        </p:nvSpPr>
+        <p:spPr/>
+        <p:txBody>
+          <a:bodyPr/>
+          <a:lstStyle/>
+          <a:p>
+            <a:r>
+              <a:rPr lang="en-US" dirty="0" smtClean="0"/>
+              <a:t>GIẢI QUYẾT BÀI TOÁN</a:t>
+            </a:r>
+            <a:endParaRPr lang="vi-VN" dirty="0"/>
+          </a:p>
+        </p:txBody>
+      </p:sp>
+      <p:sp>
+        <p:nvSpPr>
+          <p:cNvPr id="3" name="Slide Number Placeholder 2"/>
+          <p:cNvSpPr>
+            <a:spLocks noGrp="1"/>
+          </p:cNvSpPr>
+          <p:nvPr>
+            <p:ph type="sldNum" sz="quarter" idx="11"/>
           </p:nvPr>
         </p:nvSpPr>
         <p:spPr/>
@@ -8758,54 +9145,12 @@
           </a:bodyPr>
           <a:lstStyle/>
           <a:p>
-            <a:r>
-              <a:rPr lang="en-US" sz="4000" dirty="0" smtClean="0"/>
-              <a:t>Tag </a:t>
-            </a:r>
-            <a:r>
-              <a:rPr lang="en-US" sz="4000" dirty="0" err="1" smtClean="0"/>
-              <a:t>kết</a:t>
-            </a:r>
-            <a:r>
-              <a:rPr lang="en-US" sz="4000" dirty="0" smtClean="0"/>
-              <a:t> </a:t>
-            </a:r>
-            <a:r>
-              <a:rPr lang="en-US" sz="4000" dirty="0" err="1" smtClean="0"/>
-              <a:t>hợp</a:t>
-            </a:r>
-            <a:r>
-              <a:rPr lang="en-US" sz="4000" dirty="0" smtClean="0"/>
-              <a:t> taxonomy</a:t>
-            </a:r>
-            <a:endParaRPr lang="vi-VN" sz="4000" dirty="0"/>
-          </a:p>
-        </p:txBody>
-      </p:sp>
-      <p:sp>
-        <p:nvSpPr>
-          <p:cNvPr id="4" name="Slide Number Placeholder 3"/>
-          <p:cNvSpPr>
-            <a:spLocks noGrp="1"/>
-          </p:cNvSpPr>
-          <p:nvPr>
-            <p:ph type="sldNum" sz="quarter" idx="12"/>
-          </p:nvPr>
-        </p:nvSpPr>
-        <p:spPr/>
-        <p:txBody>
-          <a:bodyPr>
-            <a:normAutofit fontScale="85000" lnSpcReduction="20000"/>
-          </a:bodyPr>
-          <a:lstStyle/>
-          <a:p>
-            <a:pPr algn="ctr"/>
             <a:fld id="{1AD93096-5B34-4342-9326-69289CEAE4C2}" type="slidenum">
               <a:rPr lang="en-US" smtClean="0"/>
-              <a:pPr algn="ctr"/>
+              <a:pPr/>
               <a:t>8</a:t>
             </a:fld>
-            <a:endParaRPr lang="en-US" sz="2400" dirty="0">
+            <a:endParaRPr lang="en-US" dirty="0">
               <a:solidFill>
                 <a:srgbClr val="FFFFFF"/>
               </a:solidFill>
@@ -8816,7 +9161,7 @@
     </p:spTree>
     <p:extLst>
       <p:ext uri="{BB962C8B-B14F-4D97-AF65-F5344CB8AC3E}">
-        <p14:creationId xmlns:p14="http://schemas.microsoft.com/office/powerpoint/2010/main" val="2793530087"/>
+        <p14:creationId xmlns:p14="http://schemas.microsoft.com/office/powerpoint/2010/main" val="1789735374"/>
       </p:ext>
     </p:extLst>
   </p:cSld>
@@ -8852,7 +9197,7 @@
       </p:grpSpPr>
       <p:sp>
         <p:nvSpPr>
-          <p:cNvPr id="2" name="Title 1"/>
+          <p:cNvPr id="5" name="Title 4"/>
           <p:cNvSpPr>
             <a:spLocks noGrp="1"/>
           </p:cNvSpPr>
@@ -8868,44 +9213,32 @@
           <a:lstStyle/>
           <a:p>
             <a:r>
-              <a:rPr lang="en-US" sz="3600" dirty="0" err="1" smtClean="0"/>
-              <a:t>Giải</a:t>
-            </a:r>
-            <a:r>
-              <a:rPr lang="en-US" sz="3600" dirty="0" smtClean="0"/>
-              <a:t> </a:t>
-            </a:r>
-            <a:r>
-              <a:rPr lang="en-US" sz="3600" dirty="0" err="1" smtClean="0"/>
-              <a:t>pháp</a:t>
-            </a:r>
-            <a:r>
-              <a:rPr lang="en-US" sz="3600" dirty="0" smtClean="0"/>
-              <a:t> so </a:t>
-            </a:r>
-            <a:r>
-              <a:rPr lang="en-US" sz="3600" dirty="0" err="1" smtClean="0"/>
-              <a:t>khớp</a:t>
-            </a:r>
-            <a:r>
-              <a:rPr lang="en-US" sz="3600" dirty="0" smtClean="0"/>
-              <a:t> </a:t>
-            </a:r>
-            <a:r>
-              <a:rPr lang="en-US" sz="3600" dirty="0" err="1" smtClean="0"/>
-              <a:t>thông</a:t>
-            </a:r>
-            <a:r>
-              <a:rPr lang="en-US" sz="3600" dirty="0" smtClean="0"/>
-              <a:t> tin</a:t>
-            </a:r>
-            <a:endParaRPr lang="vi-VN" sz="3600" dirty="0"/>
-          </a:p>
-        </p:txBody>
-      </p:sp>
-      <p:sp>
-        <p:nvSpPr>
-          <p:cNvPr id="3" name="Slide Number Placeholder 2"/>
+              <a:rPr lang="en-US" sz="4000" dirty="0" smtClean="0"/>
+              <a:t>Tag </a:t>
+            </a:r>
+            <a:r>
+              <a:rPr lang="en-US" sz="4000" dirty="0" err="1" smtClean="0"/>
+              <a:t>kết</a:t>
+            </a:r>
+            <a:r>
+              <a:rPr lang="en-US" sz="4000" dirty="0" smtClean="0"/>
+              <a:t> </a:t>
+            </a:r>
+            <a:r>
+              <a:rPr lang="en-US" sz="4000" dirty="0" err="1" smtClean="0"/>
+              <a:t>hợp</a:t>
+            </a:r>
+            <a:r>
+              <a:rPr lang="en-US" sz="4000" dirty="0" smtClean="0"/>
+              <a:t> taxonomy</a:t>
+            </a:r>
+            <a:endParaRPr lang="vi-VN" sz="4000" dirty="0"/>
+          </a:p>
+        </p:txBody>
+      </p:sp>
+      <p:sp>
+        <p:nvSpPr>
+          <p:cNvPr id="4" name="Slide Number Placeholder 3"/>
           <p:cNvSpPr>
             <a:spLocks noGrp="1"/>
           </p:cNvSpPr>
@@ -8920,12 +9253,13 @@
           </a:bodyPr>
           <a:lstStyle/>
           <a:p>
+            <a:pPr algn="ctr"/>
             <a:fld id="{1AD93096-5B34-4342-9326-69289CEAE4C2}" type="slidenum">
               <a:rPr lang="en-US" smtClean="0"/>
-              <a:pPr/>
+              <a:pPr algn="ctr"/>
               <a:t>9</a:t>
             </a:fld>
-            <a:endParaRPr lang="en-US" dirty="0">
+            <a:endParaRPr lang="en-US" sz="2400" dirty="0">
               <a:solidFill>
                 <a:srgbClr val="FFFFFF"/>
               </a:solidFill>
@@ -8936,7 +9270,7 @@
     </p:spTree>
     <p:extLst>
       <p:ext uri="{BB962C8B-B14F-4D97-AF65-F5344CB8AC3E}">
-        <p14:creationId xmlns:p14="http://schemas.microsoft.com/office/powerpoint/2010/main" val="1169248967"/>
+        <p14:creationId xmlns:p14="http://schemas.microsoft.com/office/powerpoint/2010/main" val="2793530087"/>
       </p:ext>
     </p:extLst>
   </p:cSld>

--- a/Documents/JobZoom Presentation.pptx
+++ b/Documents/JobZoom Presentation.pptx
@@ -1002,7 +1002,7 @@
             <a:pPr algn="ctr"/>
             <a:fld id="{DB3AC4FF-7527-473D-9116-A78ACDB7B002}" type="datetime8">
               <a:rPr lang="en-US" smtClean="0"/>
-              <a:t>12/30/2011 2:21 PM</a:t>
+              <a:t>12/30/2011 2:39 PM</a:t>
             </a:fld>
             <a:endParaRPr lang="en-US" sz="2000" dirty="0">
               <a:solidFill>
@@ -1218,7 +1218,7 @@
                   <a:schemeClr val="tx2"/>
                 </a:solidFill>
               </a:rPr>
-              <a:t>12/30/2011 2:21 PM</a:t>
+              <a:t>12/30/2011 2:39 PM</a:t>
             </a:fld>
             <a:endParaRPr lang="en-US"/>
           </a:p>
@@ -1414,7 +1414,7 @@
                   <a:schemeClr val="tx2"/>
                 </a:solidFill>
               </a:rPr>
-              <a:t>12/30/2011 2:21 PM</a:t>
+              <a:t>12/30/2011 2:39 PM</a:t>
             </a:fld>
             <a:endParaRPr lang="en-US" dirty="0"/>
           </a:p>
@@ -1714,7 +1714,7 @@
           <a:p>
             <a:fld id="{ACFA9F14-9E1D-4A50-9760-EADEBCF8875A}" type="datetime8">
               <a:rPr lang="en-US" smtClean="0"/>
-              <a:t>12/30/2011 2:21 PM</a:t>
+              <a:t>12/30/2011 2:39 PM</a:t>
             </a:fld>
             <a:endParaRPr lang="en-US" dirty="0"/>
           </a:p>
@@ -2130,7 +2130,7 @@
           <a:p>
             <a:fld id="{67583CB6-BCF9-42D4-BCDC-9094FDF08539}" type="datetime8">
               <a:rPr lang="en-US" smtClean="0"/>
-              <a:t>12/30/2011 2:21 PM</a:t>
+              <a:t>12/30/2011 2:39 PM</a:t>
             </a:fld>
             <a:endParaRPr lang="en-US"/>
           </a:p>
@@ -2385,7 +2385,7 @@
           <a:p>
             <a:fld id="{F3B0C4B6-2525-4AE6-B3C3-55AC237D96E5}" type="datetime8">
               <a:rPr lang="en-US" smtClean="0"/>
-              <a:t>12/30/2011 2:21 PM</a:t>
+              <a:t>12/30/2011 2:39 PM</a:t>
             </a:fld>
             <a:endParaRPr lang="en-US"/>
           </a:p>
@@ -2630,7 +2630,7 @@
           <a:p>
             <a:fld id="{B0884233-0FCF-49FD-96DF-1DAAE5FB8E5F}" type="datetime8">
               <a:rPr lang="en-US" smtClean="0"/>
-              <a:t>12/30/2011 2:21 PM</a:t>
+              <a:t>12/30/2011 2:39 PM</a:t>
             </a:fld>
             <a:endParaRPr lang="en-US"/>
           </a:p>
@@ -2827,7 +2827,7 @@
           <a:p>
             <a:fld id="{925A36DC-A6B9-49A0-8592-C10893892C73}" type="datetime8">
               <a:rPr lang="en-US" smtClean="0"/>
-              <a:t>12/30/2011 2:21 PM</a:t>
+              <a:t>12/30/2011 2:39 PM</a:t>
             </a:fld>
             <a:endParaRPr lang="en-US"/>
           </a:p>
@@ -2930,7 +2930,7 @@
           <a:p>
             <a:fld id="{9D46CA07-655C-445C-9C09-8E6C2DF4CEC3}" type="datetime8">
               <a:rPr lang="en-US" smtClean="0"/>
-              <a:t>12/30/2011 2:21 PM</a:t>
+              <a:t>12/30/2011 2:39 PM</a:t>
             </a:fld>
             <a:endParaRPr lang="en-US"/>
           </a:p>
@@ -3078,7 +3078,7 @@
           <a:p>
             <a:fld id="{F2D3B79E-6498-490A-A85A-E8302493EBB7}" type="datetime8">
               <a:rPr lang="en-US" smtClean="0"/>
-              <a:t>12/30/2011 2:21 PM</a:t>
+              <a:t>12/30/2011 2:39 PM</a:t>
             </a:fld>
             <a:endParaRPr lang="en-US"/>
           </a:p>
@@ -3552,7 +3552,7 @@
           <a:p>
             <a:fld id="{D73C48E5-5E3A-4FFD-8978-6ECFCE87ADA1}" type="datetime8">
               <a:rPr lang="en-US" smtClean="0"/>
-              <a:t>12/30/2011 2:21 PM</a:t>
+              <a:t>12/30/2011 2:39 PM</a:t>
             </a:fld>
             <a:endParaRPr lang="en-US"/>
           </a:p>
@@ -3835,7 +3835,7 @@
                   <a:schemeClr val="tx2"/>
                 </a:solidFill>
               </a:rPr>
-              <a:t>12/30/2011 2:21 PM</a:t>
+              <a:t>12/30/2011 2:39 PM</a:t>
             </a:fld>
             <a:endParaRPr lang="en-US" sz="1400" dirty="0">
               <a:solidFill>
@@ -5560,11 +5560,11 @@
   <p:clrMapOvr>
     <a:masterClrMapping/>
   </p:clrMapOvr>
-  <mc:AlternateContent xmlns:mc="http://schemas.openxmlformats.org/markup-compatibility/2006">
-    <mc:Choice xmlns:p14="http://schemas.microsoft.com/office/powerpoint/2010/main" Requires="p14">
+  <mc:AlternateContent xmlns:mc="http://schemas.openxmlformats.org/markup-compatibility/2006" xmlns:p14="http://schemas.microsoft.com/office/powerpoint/2010/main">
+    <mc:Choice Requires="p14">
       <p:transition p14:dur="0"/>
     </mc:Choice>
-    <mc:Fallback>
+    <mc:Fallback xmlns="">
       <p:transition/>
     </mc:Fallback>
   </mc:AlternateContent>
@@ -5675,6 +5675,25 @@
                 <a:srgbClr val="FFFFFF"/>
               </a:solidFill>
             </a:endParaRPr>
+          </a:p>
+        </p:txBody>
+      </p:sp>
+      <p:sp>
+        <p:nvSpPr>
+          <p:cNvPr id="4" name="Content Placeholder 3"/>
+          <p:cNvSpPr>
+            <a:spLocks noGrp="1"/>
+          </p:cNvSpPr>
+          <p:nvPr>
+            <p:ph sz="quarter" idx="1"/>
+          </p:nvPr>
+        </p:nvSpPr>
+        <p:spPr/>
+        <p:txBody>
+          <a:bodyPr/>
+          <a:lstStyle/>
+          <a:p>
+            <a:endParaRPr lang="vi-VN"/>
           </a:p>
         </p:txBody>
       </p:sp>
@@ -5784,6 +5803,25 @@
           </a:p>
         </p:txBody>
       </p:sp>
+      <p:sp>
+        <p:nvSpPr>
+          <p:cNvPr id="4" name="Content Placeholder 3"/>
+          <p:cNvSpPr>
+            <a:spLocks noGrp="1"/>
+          </p:cNvSpPr>
+          <p:nvPr>
+            <p:ph sz="quarter" idx="1"/>
+          </p:nvPr>
+        </p:nvSpPr>
+        <p:spPr/>
+        <p:txBody>
+          <a:bodyPr/>
+          <a:lstStyle/>
+          <a:p>
+            <a:endParaRPr lang="vi-VN"/>
+          </a:p>
+        </p:txBody>
+      </p:sp>
     </p:spTree>
     <p:extLst>
       <p:ext uri="{BB962C8B-B14F-4D97-AF65-F5344CB8AC3E}">
@@ -5898,6 +5936,25 @@
           </a:p>
         </p:txBody>
       </p:sp>
+      <p:sp>
+        <p:nvSpPr>
+          <p:cNvPr id="4" name="Content Placeholder 3"/>
+          <p:cNvSpPr>
+            <a:spLocks noGrp="1"/>
+          </p:cNvSpPr>
+          <p:nvPr>
+            <p:ph sz="quarter" idx="1"/>
+          </p:nvPr>
+        </p:nvSpPr>
+        <p:spPr/>
+        <p:txBody>
+          <a:bodyPr/>
+          <a:lstStyle/>
+          <a:p>
+            <a:endParaRPr lang="vi-VN"/>
+          </a:p>
+        </p:txBody>
+      </p:sp>
     </p:spTree>
     <p:extLst>
       <p:ext uri="{BB962C8B-B14F-4D97-AF65-F5344CB8AC3E}">
@@ -6285,6 +6342,25 @@
           </a:p>
         </p:txBody>
       </p:sp>
+      <p:sp>
+        <p:nvSpPr>
+          <p:cNvPr id="4" name="Content Placeholder 3"/>
+          <p:cNvSpPr>
+            <a:spLocks noGrp="1"/>
+          </p:cNvSpPr>
+          <p:nvPr>
+            <p:ph sz="quarter" idx="1"/>
+          </p:nvPr>
+        </p:nvSpPr>
+        <p:spPr/>
+        <p:txBody>
+          <a:bodyPr/>
+          <a:lstStyle/>
+          <a:p>
+            <a:endParaRPr lang="vi-VN"/>
+          </a:p>
+        </p:txBody>
+      </p:sp>
     </p:spTree>
     <p:extLst>
       <p:ext uri="{BB962C8B-B14F-4D97-AF65-F5344CB8AC3E}">
@@ -6421,6 +6497,25 @@
           </a:p>
         </p:txBody>
       </p:sp>
+      <p:sp>
+        <p:nvSpPr>
+          <p:cNvPr id="4" name="Content Placeholder 3"/>
+          <p:cNvSpPr>
+            <a:spLocks noGrp="1"/>
+          </p:cNvSpPr>
+          <p:nvPr>
+            <p:ph sz="quarter" idx="1"/>
+          </p:nvPr>
+        </p:nvSpPr>
+        <p:spPr/>
+        <p:txBody>
+          <a:bodyPr/>
+          <a:lstStyle/>
+          <a:p>
+            <a:endParaRPr lang="vi-VN"/>
+          </a:p>
+        </p:txBody>
+      </p:sp>
     </p:spTree>
     <p:extLst>
       <p:ext uri="{BB962C8B-B14F-4D97-AF65-F5344CB8AC3E}">
@@ -6533,6 +6628,25 @@
           </a:p>
         </p:txBody>
       </p:sp>
+      <p:sp>
+        <p:nvSpPr>
+          <p:cNvPr id="4" name="Content Placeholder 3"/>
+          <p:cNvSpPr>
+            <a:spLocks noGrp="1"/>
+          </p:cNvSpPr>
+          <p:nvPr>
+            <p:ph sz="quarter" idx="1"/>
+          </p:nvPr>
+        </p:nvSpPr>
+        <p:spPr/>
+        <p:txBody>
+          <a:bodyPr/>
+          <a:lstStyle/>
+          <a:p>
+            <a:endParaRPr lang="vi-VN"/>
+          </a:p>
+        </p:txBody>
+      </p:sp>
     </p:spTree>
     <p:extLst>
       <p:ext uri="{BB962C8B-B14F-4D97-AF65-F5344CB8AC3E}">
@@ -6625,6 +6739,25 @@
           </a:p>
         </p:txBody>
       </p:sp>
+      <p:sp>
+        <p:nvSpPr>
+          <p:cNvPr id="4" name="Content Placeholder 3"/>
+          <p:cNvSpPr>
+            <a:spLocks noGrp="1"/>
+          </p:cNvSpPr>
+          <p:nvPr>
+            <p:ph sz="quarter" idx="1"/>
+          </p:nvPr>
+        </p:nvSpPr>
+        <p:spPr/>
+        <p:txBody>
+          <a:bodyPr/>
+          <a:lstStyle/>
+          <a:p>
+            <a:endParaRPr lang="vi-VN"/>
+          </a:p>
+        </p:txBody>
+      </p:sp>
     </p:spTree>
     <p:extLst>
       <p:ext uri="{BB962C8B-B14F-4D97-AF65-F5344CB8AC3E}">
@@ -6829,6 +6962,25 @@
                 <a:srgbClr val="FFFFFF"/>
               </a:solidFill>
             </a:endParaRPr>
+          </a:p>
+        </p:txBody>
+      </p:sp>
+      <p:sp>
+        <p:nvSpPr>
+          <p:cNvPr id="4" name="Content Placeholder 3"/>
+          <p:cNvSpPr>
+            <a:spLocks noGrp="1"/>
+          </p:cNvSpPr>
+          <p:nvPr>
+            <p:ph sz="quarter" idx="1"/>
+          </p:nvPr>
+        </p:nvSpPr>
+        <p:spPr/>
+        <p:txBody>
+          <a:bodyPr/>
+          <a:lstStyle/>
+          <a:p>
+            <a:endParaRPr lang="vi-VN"/>
           </a:p>
         </p:txBody>
       </p:sp>
@@ -7222,16 +7374,8 @@
           <a:lstStyle/>
           <a:p>
             <a:r>
-              <a:rPr lang="en-US" dirty="0" err="1" smtClean="0"/>
-              <a:t>Đánh</a:t>
-            </a:r>
-            <a:r>
-              <a:rPr lang="en-US" dirty="0" smtClean="0"/>
-              <a:t> </a:t>
-            </a:r>
-            <a:r>
-              <a:rPr lang="en-US" dirty="0" err="1" smtClean="0"/>
-              <a:t>giá</a:t>
+              <a:rPr lang="en-US" smtClean="0"/>
+              <a:t>Đánh giá</a:t>
             </a:r>
             <a:endParaRPr lang="vi-VN" dirty="0"/>
           </a:p>
@@ -7259,11 +7403,26 @@
               <a:pPr/>
               <a:t>20</a:t>
             </a:fld>
-            <a:endParaRPr lang="en-US" dirty="0">
-              <a:solidFill>
-                <a:srgbClr val="FFFFFF"/>
-              </a:solidFill>
-            </a:endParaRPr>
+            <a:endParaRPr lang="en-US" dirty="0"/>
+          </a:p>
+        </p:txBody>
+      </p:sp>
+      <p:sp>
+        <p:nvSpPr>
+          <p:cNvPr id="6" name="Content Placeholder 5"/>
+          <p:cNvSpPr>
+            <a:spLocks noGrp="1"/>
+          </p:cNvSpPr>
+          <p:nvPr>
+            <p:ph sz="quarter" idx="1"/>
+          </p:nvPr>
+        </p:nvSpPr>
+        <p:spPr/>
+        <p:txBody>
+          <a:bodyPr/>
+          <a:lstStyle/>
+          <a:p>
+            <a:endParaRPr lang="vi-VN"/>
           </a:p>
         </p:txBody>
       </p:sp>
@@ -7370,6 +7529,25 @@
                 <a:srgbClr val="FFFFFF"/>
               </a:solidFill>
             </a:endParaRPr>
+          </a:p>
+        </p:txBody>
+      </p:sp>
+      <p:sp>
+        <p:nvSpPr>
+          <p:cNvPr id="4" name="Content Placeholder 3"/>
+          <p:cNvSpPr>
+            <a:spLocks noGrp="1"/>
+          </p:cNvSpPr>
+          <p:nvPr>
+            <p:ph sz="quarter" idx="1"/>
+          </p:nvPr>
+        </p:nvSpPr>
+        <p:spPr/>
+        <p:txBody>
+          <a:bodyPr/>
+          <a:lstStyle/>
+          <a:p>
+            <a:endParaRPr lang="vi-VN"/>
           </a:p>
         </p:txBody>
       </p:sp>
@@ -8513,11 +8691,7 @@
             </a:r>
             <a:r>
               <a:rPr lang="en-US"/>
-              <a:t>tổ chức và lưu trữ thông </a:t>
-            </a:r>
-            <a:r>
-              <a:rPr lang="en-US"/>
-              <a:t>tin </a:t>
+              <a:t>tổ chức và lưu trữ thông tin </a:t>
             </a:r>
             <a:r>
               <a:rPr lang="en-US" smtClean="0"/>
@@ -8540,23 +8714,15 @@
             </a:r>
             <a:r>
               <a:rPr lang="en-US"/>
-              <a:t>thuộc vào đặc thù của đối tượng thông </a:t>
+              <a:t>thuộc vào đặc thù của đối tượng thông tin </a:t>
+            </a:r>
+            <a:r>
+              <a:rPr lang="en-US" smtClean="0"/>
+              <a:t>và </a:t>
             </a:r>
             <a:r>
               <a:rPr lang="en-US"/>
-              <a:t>tin </a:t>
-            </a:r>
-            <a:r>
-              <a:rPr lang="en-US" smtClean="0"/>
-              <a:t>và </a:t>
-            </a:r>
-            <a:r>
-              <a:rPr lang="en-US"/>
-              <a:t>chiến lược của nhà phát triển phần mềm</a:t>
-            </a:r>
-            <a:r>
-              <a:rPr lang="en-US"/>
-              <a:t>. </a:t>
+              <a:t>chiến lược của nhà phát triển phần mềm. </a:t>
             </a:r>
             <a:endParaRPr lang="en-US" smtClean="0"/>
           </a:p>
@@ -8787,23 +8953,15 @@
             </a:r>
             <a:r>
               <a:rPr lang="en-US"/>
-              <a:t>kiến trúc phần mềm dùng chung có khả năng tổ chức thông tin một cách linh hoạt, </a:t>
+              <a:t>kiến trúc phần mềm dùng chung có khả năng tổ chức thông tin một cách linh hoạt, có </a:t>
+            </a:r>
+            <a:r>
+              <a:rPr lang="en-US" smtClean="0"/>
+              <a:t>thể áp </a:t>
             </a:r>
             <a:r>
               <a:rPr lang="en-US"/>
-              <a:t>có </a:t>
-            </a:r>
-            <a:r>
-              <a:rPr lang="en-US" smtClean="0"/>
-              <a:t>thể áp </a:t>
-            </a:r>
-            <a:r>
-              <a:rPr lang="en-US"/>
-              <a:t>dụng cho nhiều phần mềm, nhiều nghiệp vụ khác nhau mà vẫn đảm bảo được khả năng so khớp giữa những các thông tin nội tại </a:t>
-            </a:r>
-            <a:r>
-              <a:rPr lang="en-US"/>
-              <a:t>đó</a:t>
+              <a:t>dụng cho nhiều phần mềm, nhiều nghiệp vụ khác nhau mà vẫn đảm bảo được khả năng so khớp giữa những các thông tin nội tại đó</a:t>
             </a:r>
             <a:r>
               <a:rPr lang="en-US" smtClean="0"/>
@@ -9158,6 +9316,47 @@
           </a:p>
         </p:txBody>
       </p:sp>
+      <p:pic>
+        <p:nvPicPr>
+          <p:cNvPr id="1026" name="Picture 2" descr="http://www.google.com.vn/url?source=imglanding&amp;ct=img&amp;q=http://merlin2011graduates.com/blog/wp-content/uploads/2011/11/solution.png&amp;sa=X&amp;ei=aGr9Tu7MA8aSiQeNou2xAQ&amp;ved=0CAsQ8wc&amp;usg=AFQjCNGcOPplEFMSM8mg_N0VQ-_h29Jsew"/>
+          <p:cNvPicPr>
+            <a:picLocks noChangeAspect="1" noChangeArrowheads="1"/>
+          </p:cNvPicPr>
+          <p:nvPr/>
+        </p:nvPicPr>
+        <p:blipFill>
+          <a:blip r:embed="rId2">
+            <a:extLst>
+              <a:ext uri="{28A0092B-C50C-407E-A947-70E740481C1C}">
+                <a14:useLocalDpi xmlns:a14="http://schemas.microsoft.com/office/drawing/2010/main" val="0"/>
+              </a:ext>
+            </a:extLst>
+          </a:blip>
+          <a:srcRect/>
+          <a:stretch>
+            <a:fillRect/>
+          </a:stretch>
+        </p:blipFill>
+        <p:spPr bwMode="auto">
+          <a:xfrm>
+            <a:off x="14515" y="2579418"/>
+            <a:ext cx="9114971" cy="4293096"/>
+          </a:xfrm>
+          <a:prstGeom prst="rect">
+            <a:avLst/>
+          </a:prstGeom>
+          <a:noFill/>
+          <a:extLst>
+            <a:ext uri="{909E8E84-426E-40DD-AFC4-6F175D3DCCD1}">
+              <a14:hiddenFill xmlns:a14="http://schemas.microsoft.com/office/drawing/2010/main">
+                <a:solidFill>
+                  <a:srgbClr val="FFFFFF"/>
+                </a:solidFill>
+              </a14:hiddenFill>
+            </a:ext>
+          </a:extLst>
+        </p:spPr>
+      </p:pic>
     </p:spTree>
     <p:extLst>
       <p:ext uri="{BB962C8B-B14F-4D97-AF65-F5344CB8AC3E}">
@@ -9267,6 +9466,93 @@
           </a:p>
         </p:txBody>
       </p:sp>
+      <p:sp>
+        <p:nvSpPr>
+          <p:cNvPr id="2" name="Content Placeholder 1"/>
+          <p:cNvSpPr>
+            <a:spLocks noGrp="1"/>
+          </p:cNvSpPr>
+          <p:nvPr>
+            <p:ph sz="quarter" idx="1"/>
+          </p:nvPr>
+        </p:nvSpPr>
+        <p:spPr/>
+        <p:txBody>
+          <a:bodyPr/>
+          <a:lstStyle/>
+          <a:p>
+            <a:r>
+              <a:rPr lang="en-US" dirty="0" smtClean="0"/>
+              <a:t>a</a:t>
+            </a:r>
+            <a:endParaRPr lang="vi-VN" dirty="0"/>
+          </a:p>
+        </p:txBody>
+      </p:sp>
+      <p:pic>
+        <p:nvPicPr>
+          <p:cNvPr id="2050" name="Picture 2"/>
+          <p:cNvPicPr>
+            <a:picLocks noChangeAspect="1" noChangeArrowheads="1"/>
+          </p:cNvPicPr>
+          <p:nvPr/>
+        </p:nvPicPr>
+        <p:blipFill>
+          <a:blip r:embed="rId2" cstate="print">
+            <a:extLst>
+              <a:ext uri="{28A0092B-C50C-407E-A947-70E740481C1C}">
+                <a14:useLocalDpi xmlns:a14="http://schemas.microsoft.com/office/drawing/2010/main" val="0"/>
+              </a:ext>
+            </a:extLst>
+          </a:blip>
+          <a:srcRect/>
+          <a:stretch>
+            <a:fillRect/>
+          </a:stretch>
+        </p:blipFill>
+        <p:spPr bwMode="auto">
+          <a:xfrm>
+            <a:off x="6660232" y="1844824"/>
+            <a:ext cx="2160240" cy="1710190"/>
+          </a:xfrm>
+          <a:prstGeom prst="rect">
+            <a:avLst/>
+          </a:prstGeom>
+          <a:noFill/>
+          <a:ln>
+            <a:noFill/>
+          </a:ln>
+          <a:effectLst/>
+          <a:extLst>
+            <a:ext uri="{909E8E84-426E-40DD-AFC4-6F175D3DCCD1}">
+              <a14:hiddenFill xmlns:a14="http://schemas.microsoft.com/office/drawing/2010/main">
+                <a:solidFill>
+                  <a:schemeClr val="accent1"/>
+                </a:solidFill>
+              </a14:hiddenFill>
+            </a:ext>
+            <a:ext uri="{91240B29-F687-4F45-9708-019B960494DF}">
+              <a14:hiddenLine xmlns:a14="http://schemas.microsoft.com/office/drawing/2010/main" w="9525">
+                <a:solidFill>
+                  <a:schemeClr val="tx1"/>
+                </a:solidFill>
+                <a:miter lim="800000"/>
+                <a:headEnd/>
+                <a:tailEnd/>
+              </a14:hiddenLine>
+            </a:ext>
+            <a:ext uri="{AF507438-7753-43E0-B8FC-AC1667EBCBE1}">
+              <a14:hiddenEffects xmlns:a14="http://schemas.microsoft.com/office/drawing/2010/main">
+                <a:effectLst>
+                  <a:outerShdw dist="35921" dir="2700000" algn="ctr" rotWithShape="0">
+                    <a:schemeClr val="bg2"/>
+                  </a:outerShdw>
+                </a:effectLst>
+              </a14:hiddenEffects>
+            </a:ext>
+          </a:extLst>
+        </p:spPr>
+      </p:pic>
     </p:spTree>
     <p:extLst>
       <p:ext uri="{BB962C8B-B14F-4D97-AF65-F5344CB8AC3E}">

--- a/Documents/JobZoom Presentation.pptx
+++ b/Documents/JobZoom Presentation.pptx
@@ -5,36 +5,35 @@
     <p:sldMasterId id="2147483694" r:id="rId1"/>
   </p:sldMasterIdLst>
   <p:notesMasterIdLst>
-    <p:notesMasterId r:id="rId26"/>
+    <p:notesMasterId r:id="rId25"/>
   </p:notesMasterIdLst>
   <p:handoutMasterIdLst>
-    <p:handoutMasterId r:id="rId27"/>
+    <p:handoutMasterId r:id="rId26"/>
   </p:handoutMasterIdLst>
   <p:sldIdLst>
     <p:sldId id="256" r:id="rId2"/>
     <p:sldId id="257" r:id="rId3"/>
     <p:sldId id="258" r:id="rId4"/>
     <p:sldId id="259" r:id="rId5"/>
-    <p:sldId id="280" r:id="rId6"/>
-    <p:sldId id="261" r:id="rId7"/>
-    <p:sldId id="262" r:id="rId8"/>
-    <p:sldId id="263" r:id="rId9"/>
-    <p:sldId id="264" r:id="rId10"/>
-    <p:sldId id="265" r:id="rId11"/>
-    <p:sldId id="266" r:id="rId12"/>
-    <p:sldId id="267" r:id="rId13"/>
-    <p:sldId id="268" r:id="rId14"/>
-    <p:sldId id="269" r:id="rId15"/>
-    <p:sldId id="270" r:id="rId16"/>
-    <p:sldId id="271" r:id="rId17"/>
-    <p:sldId id="272" r:id="rId18"/>
-    <p:sldId id="273" r:id="rId19"/>
-    <p:sldId id="274" r:id="rId20"/>
-    <p:sldId id="275" r:id="rId21"/>
-    <p:sldId id="279" r:id="rId22"/>
-    <p:sldId id="276" r:id="rId23"/>
-    <p:sldId id="277" r:id="rId24"/>
-    <p:sldId id="278" r:id="rId25"/>
+    <p:sldId id="261" r:id="rId6"/>
+    <p:sldId id="262" r:id="rId7"/>
+    <p:sldId id="263" r:id="rId8"/>
+    <p:sldId id="264" r:id="rId9"/>
+    <p:sldId id="265" r:id="rId10"/>
+    <p:sldId id="266" r:id="rId11"/>
+    <p:sldId id="267" r:id="rId12"/>
+    <p:sldId id="268" r:id="rId13"/>
+    <p:sldId id="269" r:id="rId14"/>
+    <p:sldId id="270" r:id="rId15"/>
+    <p:sldId id="271" r:id="rId16"/>
+    <p:sldId id="272" r:id="rId17"/>
+    <p:sldId id="273" r:id="rId18"/>
+    <p:sldId id="274" r:id="rId19"/>
+    <p:sldId id="275" r:id="rId20"/>
+    <p:sldId id="279" r:id="rId21"/>
+    <p:sldId id="276" r:id="rId22"/>
+    <p:sldId id="277" r:id="rId23"/>
+    <p:sldId id="278" r:id="rId24"/>
   </p:sldIdLst>
   <p:sldSz cx="9144000" cy="6858000" type="screen4x3"/>
   <p:notesSz cx="6858000" cy="9144000"/>
@@ -134,6 +133,4473 @@
     </a:lvl9pPr>
   </p:defaultTextStyle>
 </p:presentation>
+</file>
+
+<file path=ppt/diagrams/colors1.xml><?xml version="1.0" encoding="utf-8"?>
+<dgm:colorsDef xmlns:dgm="http://schemas.openxmlformats.org/drawingml/2006/diagram" xmlns:a="http://schemas.openxmlformats.org/drawingml/2006/main" uniqueId="urn:microsoft.com/office/officeart/2005/8/colors/accent1_2">
+  <dgm:title val=""/>
+  <dgm:desc val=""/>
+  <dgm:catLst>
+    <dgm:cat type="accent1" pri="11200"/>
+  </dgm:catLst>
+  <dgm:styleLbl name="node0">
+    <dgm:fillClrLst meth="repeat">
+      <a:schemeClr val="accent1"/>
+    </dgm:fillClrLst>
+    <dgm:linClrLst meth="repeat">
+      <a:schemeClr val="lt1"/>
+    </dgm:linClrLst>
+    <dgm:effectClrLst/>
+    <dgm:txLinClrLst/>
+    <dgm:txFillClrLst/>
+    <dgm:txEffectClrLst/>
+  </dgm:styleLbl>
+  <dgm:styleLbl name="alignNode1">
+    <dgm:fillClrLst meth="repeat">
+      <a:schemeClr val="accent1"/>
+    </dgm:fillClrLst>
+    <dgm:linClrLst meth="repeat">
+      <a:schemeClr val="accent1"/>
+    </dgm:linClrLst>
+    <dgm:effectClrLst/>
+    <dgm:txLinClrLst/>
+    <dgm:txFillClrLst/>
+    <dgm:txEffectClrLst/>
+  </dgm:styleLbl>
+  <dgm:styleLbl name="node1">
+    <dgm:fillClrLst meth="repeat">
+      <a:schemeClr val="accent1"/>
+    </dgm:fillClrLst>
+    <dgm:linClrLst meth="repeat">
+      <a:schemeClr val="lt1"/>
+    </dgm:linClrLst>
+    <dgm:effectClrLst/>
+    <dgm:txLinClrLst/>
+    <dgm:txFillClrLst/>
+    <dgm:txEffectClrLst/>
+  </dgm:styleLbl>
+  <dgm:styleLbl name="lnNode1">
+    <dgm:fillClrLst meth="repeat">
+      <a:schemeClr val="accent1"/>
+    </dgm:fillClrLst>
+    <dgm:linClrLst meth="repeat">
+      <a:schemeClr val="lt1"/>
+    </dgm:linClrLst>
+    <dgm:effectClrLst/>
+    <dgm:txLinClrLst/>
+    <dgm:txFillClrLst/>
+    <dgm:txEffectClrLst/>
+  </dgm:styleLbl>
+  <dgm:styleLbl name="vennNode1">
+    <dgm:fillClrLst meth="repeat">
+      <a:schemeClr val="accent1">
+        <a:alpha val="50000"/>
+      </a:schemeClr>
+    </dgm:fillClrLst>
+    <dgm:linClrLst meth="repeat">
+      <a:schemeClr val="lt1"/>
+    </dgm:linClrLst>
+    <dgm:effectClrLst/>
+    <dgm:txLinClrLst/>
+    <dgm:txFillClrLst/>
+    <dgm:txEffectClrLst/>
+  </dgm:styleLbl>
+  <dgm:styleLbl name="node2">
+    <dgm:fillClrLst meth="repeat">
+      <a:schemeClr val="accent1"/>
+    </dgm:fillClrLst>
+    <dgm:linClrLst meth="repeat">
+      <a:schemeClr val="lt1"/>
+    </dgm:linClrLst>
+    <dgm:effectClrLst/>
+    <dgm:txLinClrLst/>
+    <dgm:txFillClrLst/>
+    <dgm:txEffectClrLst/>
+  </dgm:styleLbl>
+  <dgm:styleLbl name="node3">
+    <dgm:fillClrLst meth="repeat">
+      <a:schemeClr val="accent1"/>
+    </dgm:fillClrLst>
+    <dgm:linClrLst meth="repeat">
+      <a:schemeClr val="lt1"/>
+    </dgm:linClrLst>
+    <dgm:effectClrLst/>
+    <dgm:txLinClrLst/>
+    <dgm:txFillClrLst/>
+    <dgm:txEffectClrLst/>
+  </dgm:styleLbl>
+  <dgm:styleLbl name="node4">
+    <dgm:fillClrLst meth="repeat">
+      <a:schemeClr val="accent1"/>
+    </dgm:fillClrLst>
+    <dgm:linClrLst meth="repeat">
+      <a:schemeClr val="lt1"/>
+    </dgm:linClrLst>
+    <dgm:effectClrLst/>
+    <dgm:txLinClrLst/>
+    <dgm:txFillClrLst/>
+    <dgm:txEffectClrLst/>
+  </dgm:styleLbl>
+  <dgm:styleLbl name="fgImgPlace1">
+    <dgm:fillClrLst meth="repeat">
+      <a:schemeClr val="accent1">
+        <a:tint val="50000"/>
+      </a:schemeClr>
+    </dgm:fillClrLst>
+    <dgm:linClrLst meth="repeat">
+      <a:schemeClr val="lt1"/>
+    </dgm:linClrLst>
+    <dgm:effectClrLst/>
+    <dgm:txLinClrLst/>
+    <dgm:txFillClrLst meth="repeat">
+      <a:schemeClr val="lt1"/>
+    </dgm:txFillClrLst>
+    <dgm:txEffectClrLst/>
+  </dgm:styleLbl>
+  <dgm:styleLbl name="alignImgPlace1">
+    <dgm:fillClrLst meth="repeat">
+      <a:schemeClr val="accent1">
+        <a:tint val="50000"/>
+      </a:schemeClr>
+    </dgm:fillClrLst>
+    <dgm:linClrLst meth="repeat">
+      <a:schemeClr val="lt1"/>
+    </dgm:linClrLst>
+    <dgm:effectClrLst/>
+    <dgm:txLinClrLst/>
+    <dgm:txFillClrLst meth="repeat">
+      <a:schemeClr val="lt1"/>
+    </dgm:txFillClrLst>
+    <dgm:txEffectClrLst/>
+  </dgm:styleLbl>
+  <dgm:styleLbl name="bgImgPlace1">
+    <dgm:fillClrLst meth="repeat">
+      <a:schemeClr val="accent1">
+        <a:tint val="50000"/>
+      </a:schemeClr>
+    </dgm:fillClrLst>
+    <dgm:linClrLst meth="repeat">
+      <a:schemeClr val="lt1"/>
+    </dgm:linClrLst>
+    <dgm:effectClrLst/>
+    <dgm:txLinClrLst/>
+    <dgm:txFillClrLst meth="repeat">
+      <a:schemeClr val="lt1"/>
+    </dgm:txFillClrLst>
+    <dgm:txEffectClrLst/>
+  </dgm:styleLbl>
+  <dgm:styleLbl name="sibTrans2D1">
+    <dgm:fillClrLst meth="repeat">
+      <a:schemeClr val="accent1">
+        <a:tint val="60000"/>
+      </a:schemeClr>
+    </dgm:fillClrLst>
+    <dgm:linClrLst meth="repeat">
+      <a:schemeClr val="accent1">
+        <a:tint val="60000"/>
+      </a:schemeClr>
+    </dgm:linClrLst>
+    <dgm:effectClrLst/>
+    <dgm:txLinClrLst/>
+    <dgm:txFillClrLst/>
+    <dgm:txEffectClrLst/>
+  </dgm:styleLbl>
+  <dgm:styleLbl name="fgSibTrans2D1">
+    <dgm:fillClrLst meth="repeat">
+      <a:schemeClr val="accent1">
+        <a:tint val="60000"/>
+      </a:schemeClr>
+    </dgm:fillClrLst>
+    <dgm:linClrLst meth="repeat">
+      <a:schemeClr val="accent1">
+        <a:tint val="60000"/>
+      </a:schemeClr>
+    </dgm:linClrLst>
+    <dgm:effectClrLst/>
+    <dgm:txLinClrLst/>
+    <dgm:txFillClrLst/>
+    <dgm:txEffectClrLst/>
+  </dgm:styleLbl>
+  <dgm:styleLbl name="bgSibTrans2D1">
+    <dgm:fillClrLst meth="repeat">
+      <a:schemeClr val="accent1">
+        <a:tint val="60000"/>
+      </a:schemeClr>
+    </dgm:fillClrLst>
+    <dgm:linClrLst meth="repeat">
+      <a:schemeClr val="accent1">
+        <a:tint val="60000"/>
+      </a:schemeClr>
+    </dgm:linClrLst>
+    <dgm:effectClrLst/>
+    <dgm:txLinClrLst/>
+    <dgm:txFillClrLst/>
+    <dgm:txEffectClrLst/>
+  </dgm:styleLbl>
+  <dgm:styleLbl name="sibTrans1D1">
+    <dgm:fillClrLst meth="repeat">
+      <a:schemeClr val="accent1"/>
+    </dgm:fillClrLst>
+    <dgm:linClrLst meth="repeat">
+      <a:schemeClr val="accent1"/>
+    </dgm:linClrLst>
+    <dgm:effectClrLst/>
+    <dgm:txLinClrLst/>
+    <dgm:txFillClrLst meth="repeat">
+      <a:schemeClr val="tx1"/>
+    </dgm:txFillClrLst>
+    <dgm:txEffectClrLst/>
+  </dgm:styleLbl>
+  <dgm:styleLbl name="callout">
+    <dgm:fillClrLst meth="repeat">
+      <a:schemeClr val="accent1"/>
+    </dgm:fillClrLst>
+    <dgm:linClrLst meth="repeat">
+      <a:schemeClr val="accent1">
+        <a:tint val="50000"/>
+      </a:schemeClr>
+    </dgm:linClrLst>
+    <dgm:effectClrLst/>
+    <dgm:txLinClrLst/>
+    <dgm:txFillClrLst meth="repeat">
+      <a:schemeClr val="tx1"/>
+    </dgm:txFillClrLst>
+    <dgm:txEffectClrLst/>
+  </dgm:styleLbl>
+  <dgm:styleLbl name="asst0">
+    <dgm:fillClrLst meth="repeat">
+      <a:schemeClr val="accent1"/>
+    </dgm:fillClrLst>
+    <dgm:linClrLst meth="repeat">
+      <a:schemeClr val="lt1"/>
+    </dgm:linClrLst>
+    <dgm:effectClrLst/>
+    <dgm:txLinClrLst/>
+    <dgm:txFillClrLst/>
+    <dgm:txEffectClrLst/>
+  </dgm:styleLbl>
+  <dgm:styleLbl name="asst1">
+    <dgm:fillClrLst meth="repeat">
+      <a:schemeClr val="accent1"/>
+    </dgm:fillClrLst>
+    <dgm:linClrLst meth="repeat">
+      <a:schemeClr val="lt1"/>
+    </dgm:linClrLst>
+    <dgm:effectClrLst/>
+    <dgm:txLinClrLst/>
+    <dgm:txFillClrLst/>
+    <dgm:txEffectClrLst/>
+  </dgm:styleLbl>
+  <dgm:styleLbl name="asst2">
+    <dgm:fillClrLst meth="repeat">
+      <a:schemeClr val="accent1"/>
+    </dgm:fillClrLst>
+    <dgm:linClrLst meth="repeat">
+      <a:schemeClr val="lt1"/>
+    </dgm:linClrLst>
+    <dgm:effectClrLst/>
+    <dgm:txLinClrLst/>
+    <dgm:txFillClrLst/>
+    <dgm:txEffectClrLst/>
+  </dgm:styleLbl>
+  <dgm:styleLbl name="asst3">
+    <dgm:fillClrLst meth="repeat">
+      <a:schemeClr val="accent1"/>
+    </dgm:fillClrLst>
+    <dgm:linClrLst meth="repeat">
+      <a:schemeClr val="lt1"/>
+    </dgm:linClrLst>
+    <dgm:effectClrLst/>
+    <dgm:txLinClrLst/>
+    <dgm:txFillClrLst/>
+    <dgm:txEffectClrLst/>
+  </dgm:styleLbl>
+  <dgm:styleLbl name="asst4">
+    <dgm:fillClrLst meth="repeat">
+      <a:schemeClr val="accent1"/>
+    </dgm:fillClrLst>
+    <dgm:linClrLst meth="repeat">
+      <a:schemeClr val="lt1"/>
+    </dgm:linClrLst>
+    <dgm:effectClrLst/>
+    <dgm:txLinClrLst/>
+    <dgm:txFillClrLst/>
+    <dgm:txEffectClrLst/>
+  </dgm:styleLbl>
+  <dgm:styleLbl name="parChTrans2D1">
+    <dgm:fillClrLst meth="repeat">
+      <a:schemeClr val="accent1">
+        <a:tint val="60000"/>
+      </a:schemeClr>
+    </dgm:fillClrLst>
+    <dgm:linClrLst meth="repeat">
+      <a:schemeClr val="accent1">
+        <a:tint val="60000"/>
+      </a:schemeClr>
+    </dgm:linClrLst>
+    <dgm:effectClrLst/>
+    <dgm:txLinClrLst/>
+    <dgm:txFillClrLst meth="repeat">
+      <a:schemeClr val="lt1"/>
+    </dgm:txFillClrLst>
+    <dgm:txEffectClrLst/>
+  </dgm:styleLbl>
+  <dgm:styleLbl name="parChTrans2D2">
+    <dgm:fillClrLst meth="repeat">
+      <a:schemeClr val="accent1"/>
+    </dgm:fillClrLst>
+    <dgm:linClrLst meth="repeat">
+      <a:schemeClr val="accent1"/>
+    </dgm:linClrLst>
+    <dgm:effectClrLst/>
+    <dgm:txLinClrLst/>
+    <dgm:txFillClrLst meth="repeat">
+      <a:schemeClr val="lt1"/>
+    </dgm:txFillClrLst>
+    <dgm:txEffectClrLst/>
+  </dgm:styleLbl>
+  <dgm:styleLbl name="parChTrans2D3">
+    <dgm:fillClrLst meth="repeat">
+      <a:schemeClr val="accent1"/>
+    </dgm:fillClrLst>
+    <dgm:linClrLst meth="repeat">
+      <a:schemeClr val="accent1"/>
+    </dgm:linClrLst>
+    <dgm:effectClrLst/>
+    <dgm:txLinClrLst/>
+    <dgm:txFillClrLst meth="repeat">
+      <a:schemeClr val="lt1"/>
+    </dgm:txFillClrLst>
+    <dgm:txEffectClrLst/>
+  </dgm:styleLbl>
+  <dgm:styleLbl name="parChTrans2D4">
+    <dgm:fillClrLst meth="repeat">
+      <a:schemeClr val="accent1"/>
+    </dgm:fillClrLst>
+    <dgm:linClrLst meth="repeat">
+      <a:schemeClr val="accent1"/>
+    </dgm:linClrLst>
+    <dgm:effectClrLst/>
+    <dgm:txLinClrLst/>
+    <dgm:txFillClrLst meth="repeat">
+      <a:schemeClr val="lt1"/>
+    </dgm:txFillClrLst>
+    <dgm:txEffectClrLst/>
+  </dgm:styleLbl>
+  <dgm:styleLbl name="parChTrans1D1">
+    <dgm:fillClrLst meth="repeat">
+      <a:schemeClr val="accent1"/>
+    </dgm:fillClrLst>
+    <dgm:linClrLst meth="repeat">
+      <a:schemeClr val="accent1">
+        <a:shade val="60000"/>
+      </a:schemeClr>
+    </dgm:linClrLst>
+    <dgm:effectClrLst/>
+    <dgm:txLinClrLst/>
+    <dgm:txFillClrLst meth="repeat">
+      <a:schemeClr val="tx1"/>
+    </dgm:txFillClrLst>
+    <dgm:txEffectClrLst/>
+  </dgm:styleLbl>
+  <dgm:styleLbl name="parChTrans1D2">
+    <dgm:fillClrLst meth="repeat">
+      <a:schemeClr val="accent1"/>
+    </dgm:fillClrLst>
+    <dgm:linClrLst meth="repeat">
+      <a:schemeClr val="accent1">
+        <a:shade val="60000"/>
+      </a:schemeClr>
+    </dgm:linClrLst>
+    <dgm:effectClrLst/>
+    <dgm:txLinClrLst/>
+    <dgm:txFillClrLst meth="repeat">
+      <a:schemeClr val="tx1"/>
+    </dgm:txFillClrLst>
+    <dgm:txEffectClrLst/>
+  </dgm:styleLbl>
+  <dgm:styleLbl name="parChTrans1D3">
+    <dgm:fillClrLst meth="repeat">
+      <a:schemeClr val="accent1"/>
+    </dgm:fillClrLst>
+    <dgm:linClrLst meth="repeat">
+      <a:schemeClr val="accent1">
+        <a:shade val="80000"/>
+      </a:schemeClr>
+    </dgm:linClrLst>
+    <dgm:effectClrLst/>
+    <dgm:txLinClrLst/>
+    <dgm:txFillClrLst meth="repeat">
+      <a:schemeClr val="tx1"/>
+    </dgm:txFillClrLst>
+    <dgm:txEffectClrLst/>
+  </dgm:styleLbl>
+  <dgm:styleLbl name="parChTrans1D4">
+    <dgm:fillClrLst meth="repeat">
+      <a:schemeClr val="accent1"/>
+    </dgm:fillClrLst>
+    <dgm:linClrLst meth="repeat">
+      <a:schemeClr val="accent1">
+        <a:shade val="80000"/>
+      </a:schemeClr>
+    </dgm:linClrLst>
+    <dgm:effectClrLst/>
+    <dgm:txLinClrLst/>
+    <dgm:txFillClrLst meth="repeat">
+      <a:schemeClr val="tx1"/>
+    </dgm:txFillClrLst>
+    <dgm:txEffectClrLst/>
+  </dgm:styleLbl>
+  <dgm:styleLbl name="fgAcc1">
+    <dgm:fillClrLst meth="repeat">
+      <a:schemeClr val="lt1">
+        <a:alpha val="90000"/>
+      </a:schemeClr>
+    </dgm:fillClrLst>
+    <dgm:linClrLst meth="repeat">
+      <a:schemeClr val="accent1"/>
+    </dgm:linClrLst>
+    <dgm:effectClrLst/>
+    <dgm:txLinClrLst/>
+    <dgm:txFillClrLst meth="repeat">
+      <a:schemeClr val="dk1"/>
+    </dgm:txFillClrLst>
+    <dgm:txEffectClrLst/>
+  </dgm:styleLbl>
+  <dgm:styleLbl name="conFgAcc1">
+    <dgm:fillClrLst meth="repeat">
+      <a:schemeClr val="lt1">
+        <a:alpha val="90000"/>
+      </a:schemeClr>
+    </dgm:fillClrLst>
+    <dgm:linClrLst meth="repeat">
+      <a:schemeClr val="accent1"/>
+    </dgm:linClrLst>
+    <dgm:effectClrLst/>
+    <dgm:txLinClrLst/>
+    <dgm:txFillClrLst meth="repeat">
+      <a:schemeClr val="dk1"/>
+    </dgm:txFillClrLst>
+    <dgm:txEffectClrLst/>
+  </dgm:styleLbl>
+  <dgm:styleLbl name="alignAcc1">
+    <dgm:fillClrLst meth="repeat">
+      <a:schemeClr val="lt1">
+        <a:alpha val="90000"/>
+      </a:schemeClr>
+    </dgm:fillClrLst>
+    <dgm:linClrLst meth="repeat">
+      <a:schemeClr val="accent1"/>
+    </dgm:linClrLst>
+    <dgm:effectClrLst/>
+    <dgm:txLinClrLst/>
+    <dgm:txFillClrLst meth="repeat">
+      <a:schemeClr val="dk1"/>
+    </dgm:txFillClrLst>
+    <dgm:txEffectClrLst/>
+  </dgm:styleLbl>
+  <dgm:styleLbl name="trAlignAcc1">
+    <dgm:fillClrLst meth="repeat">
+      <a:schemeClr val="lt1">
+        <a:alpha val="40000"/>
+      </a:schemeClr>
+    </dgm:fillClrLst>
+    <dgm:linClrLst meth="repeat">
+      <a:schemeClr val="accent1"/>
+    </dgm:linClrLst>
+    <dgm:effectClrLst/>
+    <dgm:txLinClrLst/>
+    <dgm:txFillClrLst meth="repeat">
+      <a:schemeClr val="dk1"/>
+    </dgm:txFillClrLst>
+    <dgm:txEffectClrLst/>
+  </dgm:styleLbl>
+  <dgm:styleLbl name="bgAcc1">
+    <dgm:fillClrLst meth="repeat">
+      <a:schemeClr val="lt1">
+        <a:alpha val="90000"/>
+      </a:schemeClr>
+    </dgm:fillClrLst>
+    <dgm:linClrLst meth="repeat">
+      <a:schemeClr val="accent1"/>
+    </dgm:linClrLst>
+    <dgm:effectClrLst/>
+    <dgm:txLinClrLst/>
+    <dgm:txFillClrLst meth="repeat">
+      <a:schemeClr val="dk1"/>
+    </dgm:txFillClrLst>
+    <dgm:txEffectClrLst/>
+  </dgm:styleLbl>
+  <dgm:styleLbl name="solidFgAcc1">
+    <dgm:fillClrLst meth="repeat">
+      <a:schemeClr val="lt1"/>
+    </dgm:fillClrLst>
+    <dgm:linClrLst meth="repeat">
+      <a:schemeClr val="accent1"/>
+    </dgm:linClrLst>
+    <dgm:effectClrLst/>
+    <dgm:txLinClrLst/>
+    <dgm:txFillClrLst meth="repeat">
+      <a:schemeClr val="dk1"/>
+    </dgm:txFillClrLst>
+    <dgm:txEffectClrLst/>
+  </dgm:styleLbl>
+  <dgm:styleLbl name="solidAlignAcc1">
+    <dgm:fillClrLst meth="repeat">
+      <a:schemeClr val="lt1"/>
+    </dgm:fillClrLst>
+    <dgm:linClrLst meth="repeat">
+      <a:schemeClr val="accent1"/>
+    </dgm:linClrLst>
+    <dgm:effectClrLst/>
+    <dgm:txLinClrLst/>
+    <dgm:txFillClrLst meth="repeat">
+      <a:schemeClr val="dk1"/>
+    </dgm:txFillClrLst>
+    <dgm:txEffectClrLst/>
+  </dgm:styleLbl>
+  <dgm:styleLbl name="solidBgAcc1">
+    <dgm:fillClrLst meth="repeat">
+      <a:schemeClr val="lt1"/>
+    </dgm:fillClrLst>
+    <dgm:linClrLst meth="repeat">
+      <a:schemeClr val="accent1"/>
+    </dgm:linClrLst>
+    <dgm:effectClrLst/>
+    <dgm:txLinClrLst/>
+    <dgm:txFillClrLst meth="repeat">
+      <a:schemeClr val="dk1"/>
+    </dgm:txFillClrLst>
+    <dgm:txEffectClrLst/>
+  </dgm:styleLbl>
+  <dgm:styleLbl name="fgAccFollowNode1">
+    <dgm:fillClrLst meth="repeat">
+      <a:schemeClr val="accent1">
+        <a:alpha val="90000"/>
+        <a:tint val="40000"/>
+      </a:schemeClr>
+    </dgm:fillClrLst>
+    <dgm:linClrLst meth="repeat">
+      <a:schemeClr val="accent1">
+        <a:alpha val="90000"/>
+        <a:tint val="40000"/>
+      </a:schemeClr>
+    </dgm:linClrLst>
+    <dgm:effectClrLst/>
+    <dgm:txLinClrLst/>
+    <dgm:txFillClrLst meth="repeat">
+      <a:schemeClr val="dk1"/>
+    </dgm:txFillClrLst>
+    <dgm:txEffectClrLst/>
+  </dgm:styleLbl>
+  <dgm:styleLbl name="alignAccFollowNode1">
+    <dgm:fillClrLst meth="repeat">
+      <a:schemeClr val="accent1">
+        <a:alpha val="90000"/>
+        <a:tint val="40000"/>
+      </a:schemeClr>
+    </dgm:fillClrLst>
+    <dgm:linClrLst meth="repeat">
+      <a:schemeClr val="accent1">
+        <a:alpha val="90000"/>
+        <a:tint val="40000"/>
+      </a:schemeClr>
+    </dgm:linClrLst>
+    <dgm:effectClrLst/>
+    <dgm:txLinClrLst/>
+    <dgm:txFillClrLst meth="repeat">
+      <a:schemeClr val="dk1"/>
+    </dgm:txFillClrLst>
+    <dgm:txEffectClrLst/>
+  </dgm:styleLbl>
+  <dgm:styleLbl name="bgAccFollowNode1">
+    <dgm:fillClrLst meth="repeat">
+      <a:schemeClr val="accent1">
+        <a:alpha val="90000"/>
+        <a:tint val="40000"/>
+      </a:schemeClr>
+    </dgm:fillClrLst>
+    <dgm:linClrLst meth="repeat">
+      <a:schemeClr val="accent1">
+        <a:alpha val="90000"/>
+        <a:tint val="40000"/>
+      </a:schemeClr>
+    </dgm:linClrLst>
+    <dgm:effectClrLst/>
+    <dgm:txLinClrLst/>
+    <dgm:txFillClrLst meth="repeat">
+      <a:schemeClr val="dk1"/>
+    </dgm:txFillClrLst>
+    <dgm:txEffectClrLst/>
+  </dgm:styleLbl>
+  <dgm:styleLbl name="fgAcc0">
+    <dgm:fillClrLst meth="repeat">
+      <a:schemeClr val="lt1">
+        <a:alpha val="90000"/>
+      </a:schemeClr>
+    </dgm:fillClrLst>
+    <dgm:linClrLst meth="repeat">
+      <a:schemeClr val="accent1"/>
+    </dgm:linClrLst>
+    <dgm:effectClrLst/>
+    <dgm:txLinClrLst/>
+    <dgm:txFillClrLst meth="repeat">
+      <a:schemeClr val="dk1"/>
+    </dgm:txFillClrLst>
+    <dgm:txEffectClrLst/>
+  </dgm:styleLbl>
+  <dgm:styleLbl name="fgAcc2">
+    <dgm:fillClrLst meth="repeat">
+      <a:schemeClr val="lt1">
+        <a:alpha val="90000"/>
+      </a:schemeClr>
+    </dgm:fillClrLst>
+    <dgm:linClrLst meth="repeat">
+      <a:schemeClr val="accent1"/>
+    </dgm:linClrLst>
+    <dgm:effectClrLst/>
+    <dgm:txLinClrLst/>
+    <dgm:txFillClrLst meth="repeat">
+      <a:schemeClr val="dk1"/>
+    </dgm:txFillClrLst>
+    <dgm:txEffectClrLst/>
+  </dgm:styleLbl>
+  <dgm:styleLbl name="fgAcc3">
+    <dgm:fillClrLst meth="repeat">
+      <a:schemeClr val="lt1">
+        <a:alpha val="90000"/>
+      </a:schemeClr>
+    </dgm:fillClrLst>
+    <dgm:linClrLst meth="repeat">
+      <a:schemeClr val="accent1"/>
+    </dgm:linClrLst>
+    <dgm:effectClrLst/>
+    <dgm:txLinClrLst/>
+    <dgm:txFillClrLst meth="repeat">
+      <a:schemeClr val="dk1"/>
+    </dgm:txFillClrLst>
+    <dgm:txEffectClrLst/>
+  </dgm:styleLbl>
+  <dgm:styleLbl name="fgAcc4">
+    <dgm:fillClrLst meth="repeat">
+      <a:schemeClr val="lt1">
+        <a:alpha val="90000"/>
+      </a:schemeClr>
+    </dgm:fillClrLst>
+    <dgm:linClrLst meth="repeat">
+      <a:schemeClr val="accent1"/>
+    </dgm:linClrLst>
+    <dgm:effectClrLst/>
+    <dgm:txLinClrLst/>
+    <dgm:txFillClrLst meth="repeat">
+      <a:schemeClr val="dk1"/>
+    </dgm:txFillClrLst>
+    <dgm:txEffectClrLst/>
+  </dgm:styleLbl>
+  <dgm:styleLbl name="bgShp">
+    <dgm:fillClrLst meth="repeat">
+      <a:schemeClr val="accent1">
+        <a:tint val="40000"/>
+      </a:schemeClr>
+    </dgm:fillClrLst>
+    <dgm:linClrLst meth="repeat">
+      <a:schemeClr val="accent1"/>
+    </dgm:linClrLst>
+    <dgm:effectClrLst/>
+    <dgm:txLinClrLst/>
+    <dgm:txFillClrLst meth="repeat">
+      <a:schemeClr val="dk1"/>
+    </dgm:txFillClrLst>
+    <dgm:txEffectClrLst/>
+  </dgm:styleLbl>
+  <dgm:styleLbl name="dkBgShp">
+    <dgm:fillClrLst meth="repeat">
+      <a:schemeClr val="accent1">
+        <a:shade val="80000"/>
+      </a:schemeClr>
+    </dgm:fillClrLst>
+    <dgm:linClrLst meth="repeat">
+      <a:schemeClr val="accent1"/>
+    </dgm:linClrLst>
+    <dgm:effectClrLst/>
+    <dgm:txLinClrLst/>
+    <dgm:txFillClrLst meth="repeat">
+      <a:schemeClr val="lt1"/>
+    </dgm:txFillClrLst>
+    <dgm:txEffectClrLst/>
+  </dgm:styleLbl>
+  <dgm:styleLbl name="trBgShp">
+    <dgm:fillClrLst meth="repeat">
+      <a:schemeClr val="accent1">
+        <a:tint val="50000"/>
+        <a:alpha val="40000"/>
+      </a:schemeClr>
+    </dgm:fillClrLst>
+    <dgm:linClrLst meth="repeat">
+      <a:schemeClr val="accent1"/>
+    </dgm:linClrLst>
+    <dgm:effectClrLst/>
+    <dgm:txLinClrLst/>
+    <dgm:txFillClrLst meth="repeat">
+      <a:schemeClr val="lt1"/>
+    </dgm:txFillClrLst>
+    <dgm:txEffectClrLst/>
+  </dgm:styleLbl>
+  <dgm:styleLbl name="fgShp">
+    <dgm:fillClrLst meth="repeat">
+      <a:schemeClr val="accent1">
+        <a:tint val="60000"/>
+      </a:schemeClr>
+    </dgm:fillClrLst>
+    <dgm:linClrLst meth="repeat">
+      <a:schemeClr val="lt1"/>
+    </dgm:linClrLst>
+    <dgm:effectClrLst/>
+    <dgm:txLinClrLst/>
+    <dgm:txFillClrLst meth="repeat">
+      <a:schemeClr val="dk1"/>
+    </dgm:txFillClrLst>
+    <dgm:txEffectClrLst/>
+  </dgm:styleLbl>
+  <dgm:styleLbl name="revTx">
+    <dgm:fillClrLst meth="repeat">
+      <a:schemeClr val="lt1">
+        <a:alpha val="0"/>
+      </a:schemeClr>
+    </dgm:fillClrLst>
+    <dgm:linClrLst meth="repeat">
+      <a:schemeClr val="dk1">
+        <a:alpha val="0"/>
+      </a:schemeClr>
+    </dgm:linClrLst>
+    <dgm:effectClrLst/>
+    <dgm:txLinClrLst/>
+    <dgm:txFillClrLst meth="repeat">
+      <a:schemeClr val="tx1"/>
+    </dgm:txFillClrLst>
+    <dgm:txEffectClrLst/>
+  </dgm:styleLbl>
+</dgm:colorsDef>
+</file>
+
+<file path=ppt/diagrams/data1.xml><?xml version="1.0" encoding="utf-8"?>
+<dgm:dataModel xmlns:dgm="http://schemas.openxmlformats.org/drawingml/2006/diagram" xmlns:a="http://schemas.openxmlformats.org/drawingml/2006/main">
+  <dgm:ptLst>
+    <dgm:pt modelId="{E2C9F037-FE6A-4292-840A-18589993EED2}" type="doc">
+      <dgm:prSet loTypeId="urn:microsoft.com/office/officeart/2008/layout/VerticalCurvedList" loCatId="list" qsTypeId="urn:microsoft.com/office/officeart/2005/8/quickstyle/3d4" qsCatId="3D" csTypeId="urn:microsoft.com/office/officeart/2005/8/colors/accent1_2" csCatId="accent1" phldr="1"/>
+      <dgm:spPr/>
+      <dgm:t>
+        <a:bodyPr/>
+        <a:lstStyle/>
+        <a:p>
+          <a:endParaRPr lang="vi-VN"/>
+        </a:p>
+      </dgm:t>
+    </dgm:pt>
+    <dgm:pt modelId="{737069CB-41C6-40C9-947D-22986A453186}">
+      <dgm:prSet phldrT="[Text]"/>
+      <dgm:spPr/>
+      <dgm:t>
+        <a:bodyPr/>
+        <a:lstStyle/>
+        <a:p>
+          <a:r>
+            <a:rPr lang="en-US" dirty="0" err="1" smtClean="0">
+              <a:latin typeface="Times New Roman" pitchFamily="18" charset="0"/>
+              <a:cs typeface="Times New Roman" pitchFamily="18" charset="0"/>
+            </a:rPr>
+            <a:t>Bài</a:t>
+          </a:r>
+          <a:r>
+            <a:rPr lang="en-US" dirty="0" smtClean="0">
+              <a:latin typeface="Times New Roman" pitchFamily="18" charset="0"/>
+              <a:cs typeface="Times New Roman" pitchFamily="18" charset="0"/>
+            </a:rPr>
+            <a:t> </a:t>
+          </a:r>
+          <a:r>
+            <a:rPr lang="en-US" dirty="0" err="1" smtClean="0">
+              <a:latin typeface="Times New Roman" pitchFamily="18" charset="0"/>
+              <a:cs typeface="Times New Roman" pitchFamily="18" charset="0"/>
+            </a:rPr>
+            <a:t>toán</a:t>
+          </a:r>
+          <a:r>
+            <a:rPr lang="en-US" dirty="0" smtClean="0">
+              <a:latin typeface="Times New Roman" pitchFamily="18" charset="0"/>
+              <a:cs typeface="Times New Roman" pitchFamily="18" charset="0"/>
+            </a:rPr>
+            <a:t> </a:t>
+          </a:r>
+          <a:r>
+            <a:rPr lang="en-US" dirty="0" err="1" smtClean="0">
+              <a:latin typeface="Times New Roman" pitchFamily="18" charset="0"/>
+              <a:cs typeface="Times New Roman" pitchFamily="18" charset="0"/>
+            </a:rPr>
+            <a:t>kiến</a:t>
+          </a:r>
+          <a:r>
+            <a:rPr lang="en-US" dirty="0" smtClean="0">
+              <a:latin typeface="Times New Roman" pitchFamily="18" charset="0"/>
+              <a:cs typeface="Times New Roman" pitchFamily="18" charset="0"/>
+            </a:rPr>
+            <a:t> </a:t>
+          </a:r>
+          <a:r>
+            <a:rPr lang="en-US" dirty="0" err="1" smtClean="0">
+              <a:latin typeface="Times New Roman" pitchFamily="18" charset="0"/>
+              <a:cs typeface="Times New Roman" pitchFamily="18" charset="0"/>
+            </a:rPr>
+            <a:t>trúc</a:t>
+          </a:r>
+          <a:r>
+            <a:rPr lang="en-US" dirty="0" smtClean="0">
+              <a:latin typeface="Times New Roman" pitchFamily="18" charset="0"/>
+              <a:cs typeface="Times New Roman" pitchFamily="18" charset="0"/>
+            </a:rPr>
+            <a:t> </a:t>
+          </a:r>
+          <a:r>
+            <a:rPr lang="en-US" dirty="0" err="1" smtClean="0">
+              <a:latin typeface="Times New Roman" pitchFamily="18" charset="0"/>
+              <a:cs typeface="Times New Roman" pitchFamily="18" charset="0"/>
+            </a:rPr>
+            <a:t>tổ</a:t>
+          </a:r>
+          <a:r>
+            <a:rPr lang="en-US" dirty="0" smtClean="0">
+              <a:latin typeface="Times New Roman" pitchFamily="18" charset="0"/>
+              <a:cs typeface="Times New Roman" pitchFamily="18" charset="0"/>
+            </a:rPr>
+            <a:t> </a:t>
+          </a:r>
+          <a:r>
+            <a:rPr lang="en-US" dirty="0" err="1" smtClean="0">
+              <a:latin typeface="Times New Roman" pitchFamily="18" charset="0"/>
+              <a:cs typeface="Times New Roman" pitchFamily="18" charset="0"/>
+            </a:rPr>
+            <a:t>chức</a:t>
+          </a:r>
+          <a:r>
+            <a:rPr lang="en-US" dirty="0" smtClean="0">
+              <a:latin typeface="Times New Roman" pitchFamily="18" charset="0"/>
+              <a:cs typeface="Times New Roman" pitchFamily="18" charset="0"/>
+            </a:rPr>
+            <a:t> </a:t>
+          </a:r>
+          <a:r>
+            <a:rPr lang="en-US" dirty="0" err="1" smtClean="0">
+              <a:latin typeface="Times New Roman" pitchFamily="18" charset="0"/>
+              <a:cs typeface="Times New Roman" pitchFamily="18" charset="0"/>
+            </a:rPr>
+            <a:t>và</a:t>
+          </a:r>
+          <a:r>
+            <a:rPr lang="en-US" dirty="0" smtClean="0">
+              <a:latin typeface="Times New Roman" pitchFamily="18" charset="0"/>
+              <a:cs typeface="Times New Roman" pitchFamily="18" charset="0"/>
+            </a:rPr>
+            <a:t> so </a:t>
+          </a:r>
+          <a:r>
+            <a:rPr lang="en-US" dirty="0" err="1" smtClean="0">
+              <a:latin typeface="Times New Roman" pitchFamily="18" charset="0"/>
+              <a:cs typeface="Times New Roman" pitchFamily="18" charset="0"/>
+            </a:rPr>
+            <a:t>khớp</a:t>
+          </a:r>
+          <a:r>
+            <a:rPr lang="en-US" dirty="0" smtClean="0">
+              <a:latin typeface="Times New Roman" pitchFamily="18" charset="0"/>
+              <a:cs typeface="Times New Roman" pitchFamily="18" charset="0"/>
+            </a:rPr>
+            <a:t> </a:t>
+          </a:r>
+          <a:r>
+            <a:rPr lang="en-US" dirty="0" err="1" smtClean="0">
+              <a:latin typeface="Times New Roman" pitchFamily="18" charset="0"/>
+              <a:cs typeface="Times New Roman" pitchFamily="18" charset="0"/>
+            </a:rPr>
+            <a:t>thông</a:t>
+          </a:r>
+          <a:r>
+            <a:rPr lang="en-US" dirty="0" smtClean="0">
+              <a:latin typeface="Times New Roman" pitchFamily="18" charset="0"/>
+              <a:cs typeface="Times New Roman" pitchFamily="18" charset="0"/>
+            </a:rPr>
+            <a:t> tin</a:t>
+          </a:r>
+        </a:p>
+      </dgm:t>
+    </dgm:pt>
+    <dgm:pt modelId="{C07E9965-DC5B-4E71-89D4-06F3B1B45AE2}" type="parTrans" cxnId="{DCD0E480-527D-44F3-ABB5-A185614E42AC}">
+      <dgm:prSet/>
+      <dgm:spPr/>
+      <dgm:t>
+        <a:bodyPr/>
+        <a:lstStyle/>
+        <a:p>
+          <a:endParaRPr lang="vi-VN">
+            <a:latin typeface="Times New Roman" pitchFamily="18" charset="0"/>
+            <a:cs typeface="Times New Roman" pitchFamily="18" charset="0"/>
+          </a:endParaRPr>
+        </a:p>
+      </dgm:t>
+    </dgm:pt>
+    <dgm:pt modelId="{1CDA44A4-0DE5-40B4-8AC6-81AF2EBB71E3}" type="sibTrans" cxnId="{DCD0E480-527D-44F3-ABB5-A185614E42AC}">
+      <dgm:prSet/>
+      <dgm:spPr/>
+      <dgm:t>
+        <a:bodyPr/>
+        <a:lstStyle/>
+        <a:p>
+          <a:endParaRPr lang="vi-VN">
+            <a:latin typeface="Times New Roman" pitchFamily="18" charset="0"/>
+            <a:cs typeface="Times New Roman" pitchFamily="18" charset="0"/>
+          </a:endParaRPr>
+        </a:p>
+      </dgm:t>
+    </dgm:pt>
+    <dgm:pt modelId="{67828CE5-48A2-41EB-A5F6-3ECCA762CB4C}">
+      <dgm:prSet phldrT="[Text]"/>
+      <dgm:spPr/>
+      <dgm:t>
+        <a:bodyPr/>
+        <a:lstStyle/>
+        <a:p>
+          <a:r>
+            <a:rPr lang="en-US" dirty="0" err="1" smtClean="0">
+              <a:latin typeface="Times New Roman" pitchFamily="18" charset="0"/>
+              <a:cs typeface="Times New Roman" pitchFamily="18" charset="0"/>
+            </a:rPr>
+            <a:t>Giải</a:t>
+          </a:r>
+          <a:r>
+            <a:rPr lang="en-US" dirty="0" smtClean="0">
+              <a:latin typeface="Times New Roman" pitchFamily="18" charset="0"/>
+              <a:cs typeface="Times New Roman" pitchFamily="18" charset="0"/>
+            </a:rPr>
+            <a:t> </a:t>
+          </a:r>
+          <a:r>
+            <a:rPr lang="en-US" dirty="0" err="1" smtClean="0">
+              <a:latin typeface="Times New Roman" pitchFamily="18" charset="0"/>
+              <a:cs typeface="Times New Roman" pitchFamily="18" charset="0"/>
+            </a:rPr>
+            <a:t>quyết</a:t>
+          </a:r>
+          <a:r>
+            <a:rPr lang="en-US" dirty="0" smtClean="0">
+              <a:latin typeface="Times New Roman" pitchFamily="18" charset="0"/>
+              <a:cs typeface="Times New Roman" pitchFamily="18" charset="0"/>
+            </a:rPr>
+            <a:t> </a:t>
+          </a:r>
+          <a:r>
+            <a:rPr lang="en-US" dirty="0" err="1" smtClean="0">
+              <a:latin typeface="Times New Roman" pitchFamily="18" charset="0"/>
+              <a:cs typeface="Times New Roman" pitchFamily="18" charset="0"/>
+            </a:rPr>
+            <a:t>bài</a:t>
+          </a:r>
+          <a:r>
+            <a:rPr lang="en-US" dirty="0" smtClean="0">
+              <a:latin typeface="Times New Roman" pitchFamily="18" charset="0"/>
+              <a:cs typeface="Times New Roman" pitchFamily="18" charset="0"/>
+            </a:rPr>
+            <a:t> </a:t>
+          </a:r>
+          <a:r>
+            <a:rPr lang="en-US" dirty="0" err="1" smtClean="0">
+              <a:latin typeface="Times New Roman" pitchFamily="18" charset="0"/>
+              <a:cs typeface="Times New Roman" pitchFamily="18" charset="0"/>
+            </a:rPr>
+            <a:t>toán</a:t>
+          </a:r>
+          <a:endParaRPr lang="vi-VN" dirty="0">
+            <a:latin typeface="Times New Roman" pitchFamily="18" charset="0"/>
+            <a:cs typeface="Times New Roman" pitchFamily="18" charset="0"/>
+          </a:endParaRPr>
+        </a:p>
+      </dgm:t>
+    </dgm:pt>
+    <dgm:pt modelId="{30C9EC7E-0E77-4326-8A3A-88C551983E50}" type="parTrans" cxnId="{987282EE-319B-48D5-87E4-04CEFCF46EC7}">
+      <dgm:prSet/>
+      <dgm:spPr/>
+      <dgm:t>
+        <a:bodyPr/>
+        <a:lstStyle/>
+        <a:p>
+          <a:endParaRPr lang="vi-VN">
+            <a:latin typeface="Times New Roman" pitchFamily="18" charset="0"/>
+            <a:cs typeface="Times New Roman" pitchFamily="18" charset="0"/>
+          </a:endParaRPr>
+        </a:p>
+      </dgm:t>
+    </dgm:pt>
+    <dgm:pt modelId="{1EEEC95D-CBA7-4E5A-8131-C6194A0C2DB8}" type="sibTrans" cxnId="{987282EE-319B-48D5-87E4-04CEFCF46EC7}">
+      <dgm:prSet/>
+      <dgm:spPr/>
+      <dgm:t>
+        <a:bodyPr/>
+        <a:lstStyle/>
+        <a:p>
+          <a:endParaRPr lang="vi-VN">
+            <a:latin typeface="Times New Roman" pitchFamily="18" charset="0"/>
+            <a:cs typeface="Times New Roman" pitchFamily="18" charset="0"/>
+          </a:endParaRPr>
+        </a:p>
+      </dgm:t>
+    </dgm:pt>
+    <dgm:pt modelId="{DCD6900D-DC82-44E2-907C-BF3DEA1CF9C8}">
+      <dgm:prSet phldrT="[Text]"/>
+      <dgm:spPr/>
+      <dgm:t>
+        <a:bodyPr/>
+        <a:lstStyle/>
+        <a:p>
+          <a:r>
+            <a:rPr lang="en-US" dirty="0" err="1" smtClean="0">
+              <a:latin typeface="Times New Roman" pitchFamily="18" charset="0"/>
+              <a:cs typeface="Times New Roman" pitchFamily="18" charset="0"/>
+            </a:rPr>
+            <a:t>JobZoom</a:t>
+          </a:r>
+          <a:r>
+            <a:rPr lang="en-US" dirty="0" smtClean="0">
+              <a:latin typeface="Times New Roman" pitchFamily="18" charset="0"/>
+              <a:cs typeface="Times New Roman" pitchFamily="18" charset="0"/>
+            </a:rPr>
+            <a:t> framework</a:t>
+          </a:r>
+        </a:p>
+      </dgm:t>
+    </dgm:pt>
+    <dgm:pt modelId="{D728D569-967A-4C49-8DDE-BAAF2B0E5B37}" type="parTrans" cxnId="{2E2ABD8F-2084-4232-8259-B6E5AAC59C2C}">
+      <dgm:prSet/>
+      <dgm:spPr/>
+      <dgm:t>
+        <a:bodyPr/>
+        <a:lstStyle/>
+        <a:p>
+          <a:endParaRPr lang="vi-VN">
+            <a:latin typeface="Times New Roman" pitchFamily="18" charset="0"/>
+            <a:cs typeface="Times New Roman" pitchFamily="18" charset="0"/>
+          </a:endParaRPr>
+        </a:p>
+      </dgm:t>
+    </dgm:pt>
+    <dgm:pt modelId="{1AC5FDE0-B9FA-4D66-B462-FEE0B14E26E6}" type="sibTrans" cxnId="{2E2ABD8F-2084-4232-8259-B6E5AAC59C2C}">
+      <dgm:prSet/>
+      <dgm:spPr/>
+      <dgm:t>
+        <a:bodyPr/>
+        <a:lstStyle/>
+        <a:p>
+          <a:endParaRPr lang="vi-VN">
+            <a:latin typeface="Times New Roman" pitchFamily="18" charset="0"/>
+            <a:cs typeface="Times New Roman" pitchFamily="18" charset="0"/>
+          </a:endParaRPr>
+        </a:p>
+      </dgm:t>
+    </dgm:pt>
+    <dgm:pt modelId="{267B4ABB-5ADE-4183-AF18-1998890F806A}">
+      <dgm:prSet phldrT="[Text]"/>
+      <dgm:spPr/>
+      <dgm:t>
+        <a:bodyPr/>
+        <a:lstStyle/>
+        <a:p>
+          <a:r>
+            <a:rPr lang="en-US" dirty="0" err="1" smtClean="0">
+              <a:latin typeface="Times New Roman" pitchFamily="18" charset="0"/>
+              <a:cs typeface="Times New Roman" pitchFamily="18" charset="0"/>
+            </a:rPr>
+            <a:t>Kết</a:t>
+          </a:r>
+          <a:r>
+            <a:rPr lang="en-US" dirty="0" smtClean="0">
+              <a:latin typeface="Times New Roman" pitchFamily="18" charset="0"/>
+              <a:cs typeface="Times New Roman" pitchFamily="18" charset="0"/>
+            </a:rPr>
+            <a:t> </a:t>
+          </a:r>
+          <a:r>
+            <a:rPr lang="en-US" dirty="0" err="1" smtClean="0">
+              <a:latin typeface="Times New Roman" pitchFamily="18" charset="0"/>
+              <a:cs typeface="Times New Roman" pitchFamily="18" charset="0"/>
+            </a:rPr>
+            <a:t>luận</a:t>
+          </a:r>
+          <a:endParaRPr lang="en-US" dirty="0" smtClean="0">
+            <a:latin typeface="Times New Roman" pitchFamily="18" charset="0"/>
+            <a:cs typeface="Times New Roman" pitchFamily="18" charset="0"/>
+          </a:endParaRPr>
+        </a:p>
+      </dgm:t>
+    </dgm:pt>
+    <dgm:pt modelId="{5A6D19BD-4A01-4AEA-A87A-786940449ED5}" type="parTrans" cxnId="{6AD0F139-FD4B-449C-9BF2-AE330528A3E9}">
+      <dgm:prSet/>
+      <dgm:spPr/>
+      <dgm:t>
+        <a:bodyPr/>
+        <a:lstStyle/>
+        <a:p>
+          <a:endParaRPr lang="vi-VN">
+            <a:latin typeface="Times New Roman" pitchFamily="18" charset="0"/>
+            <a:cs typeface="Times New Roman" pitchFamily="18" charset="0"/>
+          </a:endParaRPr>
+        </a:p>
+      </dgm:t>
+    </dgm:pt>
+    <dgm:pt modelId="{F2A4B289-69F5-439B-8DCD-927647940F20}" type="sibTrans" cxnId="{6AD0F139-FD4B-449C-9BF2-AE330528A3E9}">
+      <dgm:prSet/>
+      <dgm:spPr/>
+      <dgm:t>
+        <a:bodyPr/>
+        <a:lstStyle/>
+        <a:p>
+          <a:endParaRPr lang="vi-VN">
+            <a:latin typeface="Times New Roman" pitchFamily="18" charset="0"/>
+            <a:cs typeface="Times New Roman" pitchFamily="18" charset="0"/>
+          </a:endParaRPr>
+        </a:p>
+      </dgm:t>
+    </dgm:pt>
+    <dgm:pt modelId="{FC72C3E8-9C09-4292-9A17-6E4F588CD49C}" type="pres">
+      <dgm:prSet presAssocID="{E2C9F037-FE6A-4292-840A-18589993EED2}" presName="Name0" presStyleCnt="0">
+        <dgm:presLayoutVars>
+          <dgm:chMax val="7"/>
+          <dgm:chPref val="7"/>
+          <dgm:dir/>
+        </dgm:presLayoutVars>
+      </dgm:prSet>
+      <dgm:spPr/>
+    </dgm:pt>
+    <dgm:pt modelId="{F3C69C12-6239-49DC-A295-BCB8304A980A}" type="pres">
+      <dgm:prSet presAssocID="{E2C9F037-FE6A-4292-840A-18589993EED2}" presName="Name1" presStyleCnt="0"/>
+      <dgm:spPr/>
+    </dgm:pt>
+    <dgm:pt modelId="{24598DBF-31B3-4A7A-8AA5-251C625A80C7}" type="pres">
+      <dgm:prSet presAssocID="{E2C9F037-FE6A-4292-840A-18589993EED2}" presName="cycle" presStyleCnt="0"/>
+      <dgm:spPr/>
+    </dgm:pt>
+    <dgm:pt modelId="{BA11E070-939D-4149-A144-64D0DDEAC629}" type="pres">
+      <dgm:prSet presAssocID="{E2C9F037-FE6A-4292-840A-18589993EED2}" presName="srcNode" presStyleLbl="node1" presStyleIdx="0" presStyleCnt="4"/>
+      <dgm:spPr/>
+    </dgm:pt>
+    <dgm:pt modelId="{A3D2EB73-6317-4035-8540-7D7FB52C1BFA}" type="pres">
+      <dgm:prSet presAssocID="{E2C9F037-FE6A-4292-840A-18589993EED2}" presName="conn" presStyleLbl="parChTrans1D2" presStyleIdx="0" presStyleCnt="1"/>
+      <dgm:spPr/>
+    </dgm:pt>
+    <dgm:pt modelId="{F7545FEE-517A-4A5B-BE33-932AD1A60D24}" type="pres">
+      <dgm:prSet presAssocID="{E2C9F037-FE6A-4292-840A-18589993EED2}" presName="extraNode" presStyleLbl="node1" presStyleIdx="0" presStyleCnt="4"/>
+      <dgm:spPr/>
+    </dgm:pt>
+    <dgm:pt modelId="{7A8F4000-891A-406D-B597-9237B621F926}" type="pres">
+      <dgm:prSet presAssocID="{E2C9F037-FE6A-4292-840A-18589993EED2}" presName="dstNode" presStyleLbl="node1" presStyleIdx="0" presStyleCnt="4"/>
+      <dgm:spPr/>
+    </dgm:pt>
+    <dgm:pt modelId="{91201B5D-C969-4907-A960-D864D358D898}" type="pres">
+      <dgm:prSet presAssocID="{737069CB-41C6-40C9-947D-22986A453186}" presName="text_1" presStyleLbl="node1" presStyleIdx="0" presStyleCnt="4">
+        <dgm:presLayoutVars>
+          <dgm:bulletEnabled val="1"/>
+        </dgm:presLayoutVars>
+      </dgm:prSet>
+      <dgm:spPr/>
+      <dgm:t>
+        <a:bodyPr/>
+        <a:lstStyle/>
+        <a:p>
+          <a:endParaRPr lang="vi-VN"/>
+        </a:p>
+      </dgm:t>
+    </dgm:pt>
+    <dgm:pt modelId="{45FAE651-6FA1-407E-A988-B72A49D45A63}" type="pres">
+      <dgm:prSet presAssocID="{737069CB-41C6-40C9-947D-22986A453186}" presName="accent_1" presStyleCnt="0"/>
+      <dgm:spPr/>
+    </dgm:pt>
+    <dgm:pt modelId="{68745E51-0345-4658-A7A4-B1F4C3EFB484}" type="pres">
+      <dgm:prSet presAssocID="{737069CB-41C6-40C9-947D-22986A453186}" presName="accentRepeatNode" presStyleLbl="solidFgAcc1" presStyleIdx="0" presStyleCnt="4"/>
+      <dgm:spPr/>
+    </dgm:pt>
+    <dgm:pt modelId="{897C9CA3-C172-4C9B-9FB3-C896A53C1066}" type="pres">
+      <dgm:prSet presAssocID="{67828CE5-48A2-41EB-A5F6-3ECCA762CB4C}" presName="text_2" presStyleLbl="node1" presStyleIdx="1" presStyleCnt="4">
+        <dgm:presLayoutVars>
+          <dgm:bulletEnabled val="1"/>
+        </dgm:presLayoutVars>
+      </dgm:prSet>
+      <dgm:spPr/>
+      <dgm:t>
+        <a:bodyPr/>
+        <a:lstStyle/>
+        <a:p>
+          <a:endParaRPr lang="vi-VN"/>
+        </a:p>
+      </dgm:t>
+    </dgm:pt>
+    <dgm:pt modelId="{E1078EEB-0C3E-46DD-A2A1-D2E8F74B1BC3}" type="pres">
+      <dgm:prSet presAssocID="{67828CE5-48A2-41EB-A5F6-3ECCA762CB4C}" presName="accent_2" presStyleCnt="0"/>
+      <dgm:spPr/>
+    </dgm:pt>
+    <dgm:pt modelId="{77C541FC-1512-4E44-8731-08C4D27DDA33}" type="pres">
+      <dgm:prSet presAssocID="{67828CE5-48A2-41EB-A5F6-3ECCA762CB4C}" presName="accentRepeatNode" presStyleLbl="solidFgAcc1" presStyleIdx="1" presStyleCnt="4"/>
+      <dgm:spPr/>
+    </dgm:pt>
+    <dgm:pt modelId="{A7D4EF17-AF13-4749-A937-9B4D41E6B87C}" type="pres">
+      <dgm:prSet presAssocID="{DCD6900D-DC82-44E2-907C-BF3DEA1CF9C8}" presName="text_3" presStyleLbl="node1" presStyleIdx="2" presStyleCnt="4" custLinFactNeighborX="635" custLinFactNeighborY="6311">
+        <dgm:presLayoutVars>
+          <dgm:bulletEnabled val="1"/>
+        </dgm:presLayoutVars>
+      </dgm:prSet>
+      <dgm:spPr/>
+      <dgm:t>
+        <a:bodyPr/>
+        <a:lstStyle/>
+        <a:p>
+          <a:endParaRPr lang="vi-VN"/>
+        </a:p>
+      </dgm:t>
+    </dgm:pt>
+    <dgm:pt modelId="{3D902EA1-7ACE-452B-9FC7-AB5885A60CED}" type="pres">
+      <dgm:prSet presAssocID="{DCD6900D-DC82-44E2-907C-BF3DEA1CF9C8}" presName="accent_3" presStyleCnt="0"/>
+      <dgm:spPr/>
+    </dgm:pt>
+    <dgm:pt modelId="{9719BA85-BF0E-47F7-A721-995E2FF0224B}" type="pres">
+      <dgm:prSet presAssocID="{DCD6900D-DC82-44E2-907C-BF3DEA1CF9C8}" presName="accentRepeatNode" presStyleLbl="solidFgAcc1" presStyleIdx="2" presStyleCnt="4"/>
+      <dgm:spPr/>
+    </dgm:pt>
+    <dgm:pt modelId="{34A328F5-5D56-47C6-BFEE-22CF0A478FFB}" type="pres">
+      <dgm:prSet presAssocID="{267B4ABB-5ADE-4183-AF18-1998890F806A}" presName="text_4" presStyleLbl="node1" presStyleIdx="3" presStyleCnt="4">
+        <dgm:presLayoutVars>
+          <dgm:bulletEnabled val="1"/>
+        </dgm:presLayoutVars>
+      </dgm:prSet>
+      <dgm:spPr/>
+      <dgm:t>
+        <a:bodyPr/>
+        <a:lstStyle/>
+        <a:p>
+          <a:endParaRPr lang="vi-VN"/>
+        </a:p>
+      </dgm:t>
+    </dgm:pt>
+    <dgm:pt modelId="{624ED994-D4EE-4E89-AB1C-974252F64A42}" type="pres">
+      <dgm:prSet presAssocID="{267B4ABB-5ADE-4183-AF18-1998890F806A}" presName="accent_4" presStyleCnt="0"/>
+      <dgm:spPr/>
+    </dgm:pt>
+    <dgm:pt modelId="{7CAEB1B3-2AE6-49F7-BC49-C99683973853}" type="pres">
+      <dgm:prSet presAssocID="{267B4ABB-5ADE-4183-AF18-1998890F806A}" presName="accentRepeatNode" presStyleLbl="solidFgAcc1" presStyleIdx="3" presStyleCnt="4"/>
+      <dgm:spPr/>
+    </dgm:pt>
+  </dgm:ptLst>
+  <dgm:cxnLst>
+    <dgm:cxn modelId="{000C3A73-C2AB-4476-AF62-DD1B3EC1F488}" type="presOf" srcId="{1CDA44A4-0DE5-40B4-8AC6-81AF2EBB71E3}" destId="{A3D2EB73-6317-4035-8540-7D7FB52C1BFA}" srcOrd="0" destOrd="0" presId="urn:microsoft.com/office/officeart/2008/layout/VerticalCurvedList"/>
+    <dgm:cxn modelId="{62D9179B-8B91-4790-A0CC-180DE4FD5FD9}" type="presOf" srcId="{67828CE5-48A2-41EB-A5F6-3ECCA762CB4C}" destId="{897C9CA3-C172-4C9B-9FB3-C896A53C1066}" srcOrd="0" destOrd="0" presId="urn:microsoft.com/office/officeart/2008/layout/VerticalCurvedList"/>
+    <dgm:cxn modelId="{8AC778B7-4A37-49A4-A620-3F6FD03E6137}" type="presOf" srcId="{737069CB-41C6-40C9-947D-22986A453186}" destId="{91201B5D-C969-4907-A960-D864D358D898}" srcOrd="0" destOrd="0" presId="urn:microsoft.com/office/officeart/2008/layout/VerticalCurvedList"/>
+    <dgm:cxn modelId="{9A9693B1-3A53-4759-A8AC-D2B6AB0ABAC0}" type="presOf" srcId="{267B4ABB-5ADE-4183-AF18-1998890F806A}" destId="{34A328F5-5D56-47C6-BFEE-22CF0A478FFB}" srcOrd="0" destOrd="0" presId="urn:microsoft.com/office/officeart/2008/layout/VerticalCurvedList"/>
+    <dgm:cxn modelId="{2FA9B42B-BF3F-4BAD-A341-FB62F5934DC1}" type="presOf" srcId="{DCD6900D-DC82-44E2-907C-BF3DEA1CF9C8}" destId="{A7D4EF17-AF13-4749-A937-9B4D41E6B87C}" srcOrd="0" destOrd="0" presId="urn:microsoft.com/office/officeart/2008/layout/VerticalCurvedList"/>
+    <dgm:cxn modelId="{6AD0F139-FD4B-449C-9BF2-AE330528A3E9}" srcId="{E2C9F037-FE6A-4292-840A-18589993EED2}" destId="{267B4ABB-5ADE-4183-AF18-1998890F806A}" srcOrd="3" destOrd="0" parTransId="{5A6D19BD-4A01-4AEA-A87A-786940449ED5}" sibTransId="{F2A4B289-69F5-439B-8DCD-927647940F20}"/>
+    <dgm:cxn modelId="{DCD0E480-527D-44F3-ABB5-A185614E42AC}" srcId="{E2C9F037-FE6A-4292-840A-18589993EED2}" destId="{737069CB-41C6-40C9-947D-22986A453186}" srcOrd="0" destOrd="0" parTransId="{C07E9965-DC5B-4E71-89D4-06F3B1B45AE2}" sibTransId="{1CDA44A4-0DE5-40B4-8AC6-81AF2EBB71E3}"/>
+    <dgm:cxn modelId="{987282EE-319B-48D5-87E4-04CEFCF46EC7}" srcId="{E2C9F037-FE6A-4292-840A-18589993EED2}" destId="{67828CE5-48A2-41EB-A5F6-3ECCA762CB4C}" srcOrd="1" destOrd="0" parTransId="{30C9EC7E-0E77-4326-8A3A-88C551983E50}" sibTransId="{1EEEC95D-CBA7-4E5A-8131-C6194A0C2DB8}"/>
+    <dgm:cxn modelId="{025537A6-947A-4593-AA67-B4C82EB7B892}" type="presOf" srcId="{E2C9F037-FE6A-4292-840A-18589993EED2}" destId="{FC72C3E8-9C09-4292-9A17-6E4F588CD49C}" srcOrd="0" destOrd="0" presId="urn:microsoft.com/office/officeart/2008/layout/VerticalCurvedList"/>
+    <dgm:cxn modelId="{2E2ABD8F-2084-4232-8259-B6E5AAC59C2C}" srcId="{E2C9F037-FE6A-4292-840A-18589993EED2}" destId="{DCD6900D-DC82-44E2-907C-BF3DEA1CF9C8}" srcOrd="2" destOrd="0" parTransId="{D728D569-967A-4C49-8DDE-BAAF2B0E5B37}" sibTransId="{1AC5FDE0-B9FA-4D66-B462-FEE0B14E26E6}"/>
+    <dgm:cxn modelId="{66AF1A4F-668C-489E-B421-46AD3F0C1837}" type="presParOf" srcId="{FC72C3E8-9C09-4292-9A17-6E4F588CD49C}" destId="{F3C69C12-6239-49DC-A295-BCB8304A980A}" srcOrd="0" destOrd="0" presId="urn:microsoft.com/office/officeart/2008/layout/VerticalCurvedList"/>
+    <dgm:cxn modelId="{027154EB-2EA2-449D-A5FB-A3C5BD9B5134}" type="presParOf" srcId="{F3C69C12-6239-49DC-A295-BCB8304A980A}" destId="{24598DBF-31B3-4A7A-8AA5-251C625A80C7}" srcOrd="0" destOrd="0" presId="urn:microsoft.com/office/officeart/2008/layout/VerticalCurvedList"/>
+    <dgm:cxn modelId="{75184980-624D-4EDB-8B60-CEED1A02A021}" type="presParOf" srcId="{24598DBF-31B3-4A7A-8AA5-251C625A80C7}" destId="{BA11E070-939D-4149-A144-64D0DDEAC629}" srcOrd="0" destOrd="0" presId="urn:microsoft.com/office/officeart/2008/layout/VerticalCurvedList"/>
+    <dgm:cxn modelId="{28BB1766-FBEA-4529-84DD-BE15690BD85C}" type="presParOf" srcId="{24598DBF-31B3-4A7A-8AA5-251C625A80C7}" destId="{A3D2EB73-6317-4035-8540-7D7FB52C1BFA}" srcOrd="1" destOrd="0" presId="urn:microsoft.com/office/officeart/2008/layout/VerticalCurvedList"/>
+    <dgm:cxn modelId="{2D3B6D1C-C18A-4CF2-82CC-71F75120AFFD}" type="presParOf" srcId="{24598DBF-31B3-4A7A-8AA5-251C625A80C7}" destId="{F7545FEE-517A-4A5B-BE33-932AD1A60D24}" srcOrd="2" destOrd="0" presId="urn:microsoft.com/office/officeart/2008/layout/VerticalCurvedList"/>
+    <dgm:cxn modelId="{9906AC57-83A8-43D3-83AF-DF84C823FBA9}" type="presParOf" srcId="{24598DBF-31B3-4A7A-8AA5-251C625A80C7}" destId="{7A8F4000-891A-406D-B597-9237B621F926}" srcOrd="3" destOrd="0" presId="urn:microsoft.com/office/officeart/2008/layout/VerticalCurvedList"/>
+    <dgm:cxn modelId="{E24A12A5-A818-4093-83EC-2968EBBE61EC}" type="presParOf" srcId="{F3C69C12-6239-49DC-A295-BCB8304A980A}" destId="{91201B5D-C969-4907-A960-D864D358D898}" srcOrd="1" destOrd="0" presId="urn:microsoft.com/office/officeart/2008/layout/VerticalCurvedList"/>
+    <dgm:cxn modelId="{D8D7E7EB-CFC2-4FBC-8167-0793DDA1AD7F}" type="presParOf" srcId="{F3C69C12-6239-49DC-A295-BCB8304A980A}" destId="{45FAE651-6FA1-407E-A988-B72A49D45A63}" srcOrd="2" destOrd="0" presId="urn:microsoft.com/office/officeart/2008/layout/VerticalCurvedList"/>
+    <dgm:cxn modelId="{34FB63D9-DD1A-4B6A-8F16-6694915534E8}" type="presParOf" srcId="{45FAE651-6FA1-407E-A988-B72A49D45A63}" destId="{68745E51-0345-4658-A7A4-B1F4C3EFB484}" srcOrd="0" destOrd="0" presId="urn:microsoft.com/office/officeart/2008/layout/VerticalCurvedList"/>
+    <dgm:cxn modelId="{A436F519-68DB-446E-AA94-D8AFA83AA234}" type="presParOf" srcId="{F3C69C12-6239-49DC-A295-BCB8304A980A}" destId="{897C9CA3-C172-4C9B-9FB3-C896A53C1066}" srcOrd="3" destOrd="0" presId="urn:microsoft.com/office/officeart/2008/layout/VerticalCurvedList"/>
+    <dgm:cxn modelId="{DABDE11A-5BCF-416F-8CCA-5984328E8D04}" type="presParOf" srcId="{F3C69C12-6239-49DC-A295-BCB8304A980A}" destId="{E1078EEB-0C3E-46DD-A2A1-D2E8F74B1BC3}" srcOrd="4" destOrd="0" presId="urn:microsoft.com/office/officeart/2008/layout/VerticalCurvedList"/>
+    <dgm:cxn modelId="{3A249475-873A-4A5B-8C83-BFFADCBFCC98}" type="presParOf" srcId="{E1078EEB-0C3E-46DD-A2A1-D2E8F74B1BC3}" destId="{77C541FC-1512-4E44-8731-08C4D27DDA33}" srcOrd="0" destOrd="0" presId="urn:microsoft.com/office/officeart/2008/layout/VerticalCurvedList"/>
+    <dgm:cxn modelId="{E9981BB3-5DAB-44DB-8504-E4E0435D9BAD}" type="presParOf" srcId="{F3C69C12-6239-49DC-A295-BCB8304A980A}" destId="{A7D4EF17-AF13-4749-A937-9B4D41E6B87C}" srcOrd="5" destOrd="0" presId="urn:microsoft.com/office/officeart/2008/layout/VerticalCurvedList"/>
+    <dgm:cxn modelId="{2BA8FF35-92D2-4EC6-98A5-C112992AD23C}" type="presParOf" srcId="{F3C69C12-6239-49DC-A295-BCB8304A980A}" destId="{3D902EA1-7ACE-452B-9FC7-AB5885A60CED}" srcOrd="6" destOrd="0" presId="urn:microsoft.com/office/officeart/2008/layout/VerticalCurvedList"/>
+    <dgm:cxn modelId="{FD0EC3AF-C682-44EB-95B5-8A76128BD7F8}" type="presParOf" srcId="{3D902EA1-7ACE-452B-9FC7-AB5885A60CED}" destId="{9719BA85-BF0E-47F7-A721-995E2FF0224B}" srcOrd="0" destOrd="0" presId="urn:microsoft.com/office/officeart/2008/layout/VerticalCurvedList"/>
+    <dgm:cxn modelId="{0069733F-6C35-4F80-AA3D-0BBC49C81462}" type="presParOf" srcId="{F3C69C12-6239-49DC-A295-BCB8304A980A}" destId="{34A328F5-5D56-47C6-BFEE-22CF0A478FFB}" srcOrd="7" destOrd="0" presId="urn:microsoft.com/office/officeart/2008/layout/VerticalCurvedList"/>
+    <dgm:cxn modelId="{1CD533B6-9289-4BC3-9CE2-B0F5A92D3E98}" type="presParOf" srcId="{F3C69C12-6239-49DC-A295-BCB8304A980A}" destId="{624ED994-D4EE-4E89-AB1C-974252F64A42}" srcOrd="8" destOrd="0" presId="urn:microsoft.com/office/officeart/2008/layout/VerticalCurvedList"/>
+    <dgm:cxn modelId="{7408F803-6185-45DC-93D1-745E8B5A6D8A}" type="presParOf" srcId="{624ED994-D4EE-4E89-AB1C-974252F64A42}" destId="{7CAEB1B3-2AE6-49F7-BC49-C99683973853}" srcOrd="0" destOrd="0" presId="urn:microsoft.com/office/officeart/2008/layout/VerticalCurvedList"/>
+  </dgm:cxnLst>
+  <dgm:bg/>
+  <dgm:whole/>
+  <dgm:extLst>
+    <a:ext uri="http://schemas.microsoft.com/office/drawing/2008/diagram">
+      <dsp:dataModelExt xmlns:dsp="http://schemas.microsoft.com/office/drawing/2008/diagram" relId="rId8" minVer="http://schemas.openxmlformats.org/drawingml/2006/diagram"/>
+    </a:ext>
+  </dgm:extLst>
+</dgm:dataModel>
+</file>
+
+<file path=ppt/diagrams/drawing1.xml><?xml version="1.0" encoding="utf-8"?>
+<dsp:drawing xmlns:dgm="http://schemas.openxmlformats.org/drawingml/2006/diagram" xmlns:dsp="http://schemas.microsoft.com/office/drawing/2008/diagram" xmlns:a="http://schemas.openxmlformats.org/drawingml/2006/main">
+  <dsp:spTree>
+    <dsp:nvGrpSpPr>
+      <dsp:cNvPr id="0" name=""/>
+      <dsp:cNvGrpSpPr/>
+    </dsp:nvGrpSpPr>
+    <dsp:grpSpPr/>
+    <dsp:sp modelId="{A3D2EB73-6317-4035-8540-7D7FB52C1BFA}">
+      <dsp:nvSpPr>
+        <dsp:cNvPr id="0" name=""/>
+        <dsp:cNvSpPr/>
+      </dsp:nvSpPr>
+      <dsp:spPr>
+        <a:xfrm>
+          <a:off x="-5717046" y="-875089"/>
+          <a:ext cx="6806515" cy="6806515"/>
+        </a:xfrm>
+        <a:prstGeom prst="blockArc">
+          <a:avLst>
+            <a:gd name="adj1" fmla="val 18900000"/>
+            <a:gd name="adj2" fmla="val 2700000"/>
+            <a:gd name="adj3" fmla="val 317"/>
+          </a:avLst>
+        </a:prstGeom>
+        <a:noFill/>
+        <a:ln w="19050" cap="flat" cmpd="sng" algn="ctr">
+          <a:solidFill>
+            <a:schemeClr val="accent1">
+              <a:shade val="60000"/>
+              <a:hueOff val="0"/>
+              <a:satOff val="0"/>
+              <a:lumOff val="0"/>
+              <a:alphaOff val="0"/>
+            </a:schemeClr>
+          </a:solidFill>
+          <a:prstDash val="solid"/>
+        </a:ln>
+        <a:effectLst/>
+        <a:sp3d z="-40000" prstMaterial="matte"/>
+      </dsp:spPr>
+      <dsp:style>
+        <a:lnRef idx="2">
+          <a:scrgbClr r="0" g="0" b="0"/>
+        </a:lnRef>
+        <a:fillRef idx="0">
+          <a:scrgbClr r="0" g="0" b="0"/>
+        </a:fillRef>
+        <a:effectRef idx="0">
+          <a:scrgbClr r="0" g="0" b="0"/>
+        </a:effectRef>
+        <a:fontRef idx="minor"/>
+      </dsp:style>
+    </dsp:sp>
+    <dsp:sp modelId="{91201B5D-C969-4907-A960-D864D358D898}">
+      <dsp:nvSpPr>
+        <dsp:cNvPr id="0" name=""/>
+        <dsp:cNvSpPr/>
+      </dsp:nvSpPr>
+      <dsp:spPr>
+        <a:xfrm>
+          <a:off x="570283" y="388731"/>
+          <a:ext cx="7135720" cy="777866"/>
+        </a:xfrm>
+        <a:prstGeom prst="rect">
+          <a:avLst/>
+        </a:prstGeom>
+        <a:solidFill>
+          <a:schemeClr val="accent1">
+            <a:hueOff val="0"/>
+            <a:satOff val="0"/>
+            <a:lumOff val="0"/>
+            <a:alphaOff val="0"/>
+          </a:schemeClr>
+        </a:solidFill>
+        <a:ln>
+          <a:noFill/>
+        </a:ln>
+        <a:effectLst/>
+        <a:scene3d>
+          <a:camera prst="orthographicFront"/>
+          <a:lightRig rig="chilly" dir="t"/>
+        </a:scene3d>
+        <a:sp3d prstMaterial="translucentPowder">
+          <a:bevelT w="127000" h="25400" prst="softRound"/>
+        </a:sp3d>
+      </dsp:spPr>
+      <dsp:style>
+        <a:lnRef idx="0">
+          <a:scrgbClr r="0" g="0" b="0"/>
+        </a:lnRef>
+        <a:fillRef idx="1">
+          <a:scrgbClr r="0" g="0" b="0"/>
+        </a:fillRef>
+        <a:effectRef idx="0">
+          <a:scrgbClr r="0" g="0" b="0"/>
+        </a:effectRef>
+        <a:fontRef idx="minor">
+          <a:schemeClr val="lt1"/>
+        </a:fontRef>
+      </dsp:style>
+      <dsp:txBody>
+        <a:bodyPr spcFirstLastPara="0" vert="horz" wrap="square" lIns="617432" tIns="68580" rIns="68580" bIns="68580" numCol="1" spcCol="1270" anchor="ctr" anchorCtr="0">
+          <a:noAutofit/>
+        </a:bodyPr>
+        <a:lstStyle/>
+        <a:p>
+          <a:pPr lvl="0" algn="l" defTabSz="1200150">
+            <a:lnSpc>
+              <a:spcPct val="90000"/>
+            </a:lnSpc>
+            <a:spcBef>
+              <a:spcPct val="0"/>
+            </a:spcBef>
+            <a:spcAft>
+              <a:spcPct val="35000"/>
+            </a:spcAft>
+          </a:pPr>
+          <a:r>
+            <a:rPr lang="en-US" sz="2700" kern="1200" dirty="0" err="1" smtClean="0">
+              <a:latin typeface="Times New Roman" pitchFamily="18" charset="0"/>
+              <a:cs typeface="Times New Roman" pitchFamily="18" charset="0"/>
+            </a:rPr>
+            <a:t>Bài</a:t>
+          </a:r>
+          <a:r>
+            <a:rPr lang="en-US" sz="2700" kern="1200" dirty="0" smtClean="0">
+              <a:latin typeface="Times New Roman" pitchFamily="18" charset="0"/>
+              <a:cs typeface="Times New Roman" pitchFamily="18" charset="0"/>
+            </a:rPr>
+            <a:t> </a:t>
+          </a:r>
+          <a:r>
+            <a:rPr lang="en-US" sz="2700" kern="1200" dirty="0" err="1" smtClean="0">
+              <a:latin typeface="Times New Roman" pitchFamily="18" charset="0"/>
+              <a:cs typeface="Times New Roman" pitchFamily="18" charset="0"/>
+            </a:rPr>
+            <a:t>toán</a:t>
+          </a:r>
+          <a:r>
+            <a:rPr lang="en-US" sz="2700" kern="1200" dirty="0" smtClean="0">
+              <a:latin typeface="Times New Roman" pitchFamily="18" charset="0"/>
+              <a:cs typeface="Times New Roman" pitchFamily="18" charset="0"/>
+            </a:rPr>
+            <a:t> </a:t>
+          </a:r>
+          <a:r>
+            <a:rPr lang="en-US" sz="2700" kern="1200" dirty="0" err="1" smtClean="0">
+              <a:latin typeface="Times New Roman" pitchFamily="18" charset="0"/>
+              <a:cs typeface="Times New Roman" pitchFamily="18" charset="0"/>
+            </a:rPr>
+            <a:t>kiến</a:t>
+          </a:r>
+          <a:r>
+            <a:rPr lang="en-US" sz="2700" kern="1200" dirty="0" smtClean="0">
+              <a:latin typeface="Times New Roman" pitchFamily="18" charset="0"/>
+              <a:cs typeface="Times New Roman" pitchFamily="18" charset="0"/>
+            </a:rPr>
+            <a:t> </a:t>
+          </a:r>
+          <a:r>
+            <a:rPr lang="en-US" sz="2700" kern="1200" dirty="0" err="1" smtClean="0">
+              <a:latin typeface="Times New Roman" pitchFamily="18" charset="0"/>
+              <a:cs typeface="Times New Roman" pitchFamily="18" charset="0"/>
+            </a:rPr>
+            <a:t>trúc</a:t>
+          </a:r>
+          <a:r>
+            <a:rPr lang="en-US" sz="2700" kern="1200" dirty="0" smtClean="0">
+              <a:latin typeface="Times New Roman" pitchFamily="18" charset="0"/>
+              <a:cs typeface="Times New Roman" pitchFamily="18" charset="0"/>
+            </a:rPr>
+            <a:t> </a:t>
+          </a:r>
+          <a:r>
+            <a:rPr lang="en-US" sz="2700" kern="1200" dirty="0" err="1" smtClean="0">
+              <a:latin typeface="Times New Roman" pitchFamily="18" charset="0"/>
+              <a:cs typeface="Times New Roman" pitchFamily="18" charset="0"/>
+            </a:rPr>
+            <a:t>tổ</a:t>
+          </a:r>
+          <a:r>
+            <a:rPr lang="en-US" sz="2700" kern="1200" dirty="0" smtClean="0">
+              <a:latin typeface="Times New Roman" pitchFamily="18" charset="0"/>
+              <a:cs typeface="Times New Roman" pitchFamily="18" charset="0"/>
+            </a:rPr>
+            <a:t> </a:t>
+          </a:r>
+          <a:r>
+            <a:rPr lang="en-US" sz="2700" kern="1200" dirty="0" err="1" smtClean="0">
+              <a:latin typeface="Times New Roman" pitchFamily="18" charset="0"/>
+              <a:cs typeface="Times New Roman" pitchFamily="18" charset="0"/>
+            </a:rPr>
+            <a:t>chức</a:t>
+          </a:r>
+          <a:r>
+            <a:rPr lang="en-US" sz="2700" kern="1200" dirty="0" smtClean="0">
+              <a:latin typeface="Times New Roman" pitchFamily="18" charset="0"/>
+              <a:cs typeface="Times New Roman" pitchFamily="18" charset="0"/>
+            </a:rPr>
+            <a:t> </a:t>
+          </a:r>
+          <a:r>
+            <a:rPr lang="en-US" sz="2700" kern="1200" dirty="0" err="1" smtClean="0">
+              <a:latin typeface="Times New Roman" pitchFamily="18" charset="0"/>
+              <a:cs typeface="Times New Roman" pitchFamily="18" charset="0"/>
+            </a:rPr>
+            <a:t>và</a:t>
+          </a:r>
+          <a:r>
+            <a:rPr lang="en-US" sz="2700" kern="1200" dirty="0" smtClean="0">
+              <a:latin typeface="Times New Roman" pitchFamily="18" charset="0"/>
+              <a:cs typeface="Times New Roman" pitchFamily="18" charset="0"/>
+            </a:rPr>
+            <a:t> so </a:t>
+          </a:r>
+          <a:r>
+            <a:rPr lang="en-US" sz="2700" kern="1200" dirty="0" err="1" smtClean="0">
+              <a:latin typeface="Times New Roman" pitchFamily="18" charset="0"/>
+              <a:cs typeface="Times New Roman" pitchFamily="18" charset="0"/>
+            </a:rPr>
+            <a:t>khớp</a:t>
+          </a:r>
+          <a:r>
+            <a:rPr lang="en-US" sz="2700" kern="1200" dirty="0" smtClean="0">
+              <a:latin typeface="Times New Roman" pitchFamily="18" charset="0"/>
+              <a:cs typeface="Times New Roman" pitchFamily="18" charset="0"/>
+            </a:rPr>
+            <a:t> </a:t>
+          </a:r>
+          <a:r>
+            <a:rPr lang="en-US" sz="2700" kern="1200" dirty="0" err="1" smtClean="0">
+              <a:latin typeface="Times New Roman" pitchFamily="18" charset="0"/>
+              <a:cs typeface="Times New Roman" pitchFamily="18" charset="0"/>
+            </a:rPr>
+            <a:t>thông</a:t>
+          </a:r>
+          <a:r>
+            <a:rPr lang="en-US" sz="2700" kern="1200" dirty="0" smtClean="0">
+              <a:latin typeface="Times New Roman" pitchFamily="18" charset="0"/>
+              <a:cs typeface="Times New Roman" pitchFamily="18" charset="0"/>
+            </a:rPr>
+            <a:t> tin</a:t>
+          </a:r>
+        </a:p>
+      </dsp:txBody>
+      <dsp:txXfrm>
+        <a:off x="570283" y="388731"/>
+        <a:ext cx="7135720" cy="777866"/>
+      </dsp:txXfrm>
+    </dsp:sp>
+    <dsp:sp modelId="{68745E51-0345-4658-A7A4-B1F4C3EFB484}">
+      <dsp:nvSpPr>
+        <dsp:cNvPr id="0" name=""/>
+        <dsp:cNvSpPr/>
+      </dsp:nvSpPr>
+      <dsp:spPr>
+        <a:xfrm>
+          <a:off x="84117" y="291497"/>
+          <a:ext cx="972333" cy="972333"/>
+        </a:xfrm>
+        <a:prstGeom prst="ellipse">
+          <a:avLst/>
+        </a:prstGeom>
+        <a:solidFill>
+          <a:schemeClr val="lt1">
+            <a:hueOff val="0"/>
+            <a:satOff val="0"/>
+            <a:lumOff val="0"/>
+            <a:alphaOff val="0"/>
+          </a:schemeClr>
+        </a:solidFill>
+        <a:ln w="10000" cap="flat" cmpd="sng" algn="ctr">
+          <a:solidFill>
+            <a:schemeClr val="accent1">
+              <a:hueOff val="0"/>
+              <a:satOff val="0"/>
+              <a:lumOff val="0"/>
+              <a:alphaOff val="0"/>
+            </a:schemeClr>
+          </a:solidFill>
+          <a:prstDash val="solid"/>
+        </a:ln>
+        <a:effectLst/>
+        <a:scene3d>
+          <a:camera prst="orthographicFront"/>
+          <a:lightRig rig="chilly" dir="t"/>
+        </a:scene3d>
+        <a:sp3d z="12700" extrusionH="1700" prstMaterial="dkEdge">
+          <a:bevelT w="25400" h="6350" prst="softRound"/>
+          <a:bevelB w="0" h="0" prst="convex"/>
+        </a:sp3d>
+      </dsp:spPr>
+      <dsp:style>
+        <a:lnRef idx="1">
+          <a:scrgbClr r="0" g="0" b="0"/>
+        </a:lnRef>
+        <a:fillRef idx="1">
+          <a:scrgbClr r="0" g="0" b="0"/>
+        </a:fillRef>
+        <a:effectRef idx="0">
+          <a:scrgbClr r="0" g="0" b="0"/>
+        </a:effectRef>
+        <a:fontRef idx="minor"/>
+      </dsp:style>
+    </dsp:sp>
+    <dsp:sp modelId="{897C9CA3-C172-4C9B-9FB3-C896A53C1066}">
+      <dsp:nvSpPr>
+        <dsp:cNvPr id="0" name=""/>
+        <dsp:cNvSpPr/>
+      </dsp:nvSpPr>
+      <dsp:spPr>
+        <a:xfrm>
+          <a:off x="1016252" y="1555733"/>
+          <a:ext cx="6689751" cy="777866"/>
+        </a:xfrm>
+        <a:prstGeom prst="rect">
+          <a:avLst/>
+        </a:prstGeom>
+        <a:solidFill>
+          <a:schemeClr val="accent1">
+            <a:hueOff val="0"/>
+            <a:satOff val="0"/>
+            <a:lumOff val="0"/>
+            <a:alphaOff val="0"/>
+          </a:schemeClr>
+        </a:solidFill>
+        <a:ln>
+          <a:noFill/>
+        </a:ln>
+        <a:effectLst/>
+        <a:scene3d>
+          <a:camera prst="orthographicFront"/>
+          <a:lightRig rig="chilly" dir="t"/>
+        </a:scene3d>
+        <a:sp3d prstMaterial="translucentPowder">
+          <a:bevelT w="127000" h="25400" prst="softRound"/>
+        </a:sp3d>
+      </dsp:spPr>
+      <dsp:style>
+        <a:lnRef idx="0">
+          <a:scrgbClr r="0" g="0" b="0"/>
+        </a:lnRef>
+        <a:fillRef idx="1">
+          <a:scrgbClr r="0" g="0" b="0"/>
+        </a:fillRef>
+        <a:effectRef idx="0">
+          <a:scrgbClr r="0" g="0" b="0"/>
+        </a:effectRef>
+        <a:fontRef idx="minor">
+          <a:schemeClr val="lt1"/>
+        </a:fontRef>
+      </dsp:style>
+      <dsp:txBody>
+        <a:bodyPr spcFirstLastPara="0" vert="horz" wrap="square" lIns="617432" tIns="68580" rIns="68580" bIns="68580" numCol="1" spcCol="1270" anchor="ctr" anchorCtr="0">
+          <a:noAutofit/>
+        </a:bodyPr>
+        <a:lstStyle/>
+        <a:p>
+          <a:pPr lvl="0" algn="l" defTabSz="1200150">
+            <a:lnSpc>
+              <a:spcPct val="90000"/>
+            </a:lnSpc>
+            <a:spcBef>
+              <a:spcPct val="0"/>
+            </a:spcBef>
+            <a:spcAft>
+              <a:spcPct val="35000"/>
+            </a:spcAft>
+          </a:pPr>
+          <a:r>
+            <a:rPr lang="en-US" sz="2700" kern="1200" dirty="0" err="1" smtClean="0">
+              <a:latin typeface="Times New Roman" pitchFamily="18" charset="0"/>
+              <a:cs typeface="Times New Roman" pitchFamily="18" charset="0"/>
+            </a:rPr>
+            <a:t>Giải</a:t>
+          </a:r>
+          <a:r>
+            <a:rPr lang="en-US" sz="2700" kern="1200" dirty="0" smtClean="0">
+              <a:latin typeface="Times New Roman" pitchFamily="18" charset="0"/>
+              <a:cs typeface="Times New Roman" pitchFamily="18" charset="0"/>
+            </a:rPr>
+            <a:t> </a:t>
+          </a:r>
+          <a:r>
+            <a:rPr lang="en-US" sz="2700" kern="1200" dirty="0" err="1" smtClean="0">
+              <a:latin typeface="Times New Roman" pitchFamily="18" charset="0"/>
+              <a:cs typeface="Times New Roman" pitchFamily="18" charset="0"/>
+            </a:rPr>
+            <a:t>quyết</a:t>
+          </a:r>
+          <a:r>
+            <a:rPr lang="en-US" sz="2700" kern="1200" dirty="0" smtClean="0">
+              <a:latin typeface="Times New Roman" pitchFamily="18" charset="0"/>
+              <a:cs typeface="Times New Roman" pitchFamily="18" charset="0"/>
+            </a:rPr>
+            <a:t> </a:t>
+          </a:r>
+          <a:r>
+            <a:rPr lang="en-US" sz="2700" kern="1200" dirty="0" err="1" smtClean="0">
+              <a:latin typeface="Times New Roman" pitchFamily="18" charset="0"/>
+              <a:cs typeface="Times New Roman" pitchFamily="18" charset="0"/>
+            </a:rPr>
+            <a:t>bài</a:t>
+          </a:r>
+          <a:r>
+            <a:rPr lang="en-US" sz="2700" kern="1200" dirty="0" smtClean="0">
+              <a:latin typeface="Times New Roman" pitchFamily="18" charset="0"/>
+              <a:cs typeface="Times New Roman" pitchFamily="18" charset="0"/>
+            </a:rPr>
+            <a:t> </a:t>
+          </a:r>
+          <a:r>
+            <a:rPr lang="en-US" sz="2700" kern="1200" dirty="0" err="1" smtClean="0">
+              <a:latin typeface="Times New Roman" pitchFamily="18" charset="0"/>
+              <a:cs typeface="Times New Roman" pitchFamily="18" charset="0"/>
+            </a:rPr>
+            <a:t>toán</a:t>
+          </a:r>
+          <a:endParaRPr lang="vi-VN" sz="2700" kern="1200" dirty="0">
+            <a:latin typeface="Times New Roman" pitchFamily="18" charset="0"/>
+            <a:cs typeface="Times New Roman" pitchFamily="18" charset="0"/>
+          </a:endParaRPr>
+        </a:p>
+      </dsp:txBody>
+      <dsp:txXfrm>
+        <a:off x="1016252" y="1555733"/>
+        <a:ext cx="6689751" cy="777866"/>
+      </dsp:txXfrm>
+    </dsp:sp>
+    <dsp:sp modelId="{77C541FC-1512-4E44-8731-08C4D27DDA33}">
+      <dsp:nvSpPr>
+        <dsp:cNvPr id="0" name=""/>
+        <dsp:cNvSpPr/>
+      </dsp:nvSpPr>
+      <dsp:spPr>
+        <a:xfrm>
+          <a:off x="530086" y="1458500"/>
+          <a:ext cx="972333" cy="972333"/>
+        </a:xfrm>
+        <a:prstGeom prst="ellipse">
+          <a:avLst/>
+        </a:prstGeom>
+        <a:solidFill>
+          <a:schemeClr val="lt1">
+            <a:hueOff val="0"/>
+            <a:satOff val="0"/>
+            <a:lumOff val="0"/>
+            <a:alphaOff val="0"/>
+          </a:schemeClr>
+        </a:solidFill>
+        <a:ln w="10000" cap="flat" cmpd="sng" algn="ctr">
+          <a:solidFill>
+            <a:schemeClr val="accent1">
+              <a:hueOff val="0"/>
+              <a:satOff val="0"/>
+              <a:lumOff val="0"/>
+              <a:alphaOff val="0"/>
+            </a:schemeClr>
+          </a:solidFill>
+          <a:prstDash val="solid"/>
+        </a:ln>
+        <a:effectLst/>
+        <a:scene3d>
+          <a:camera prst="orthographicFront"/>
+          <a:lightRig rig="chilly" dir="t"/>
+        </a:scene3d>
+        <a:sp3d z="12700" extrusionH="1700" prstMaterial="dkEdge">
+          <a:bevelT w="25400" h="6350" prst="softRound"/>
+          <a:bevelB w="0" h="0" prst="convex"/>
+        </a:sp3d>
+      </dsp:spPr>
+      <dsp:style>
+        <a:lnRef idx="1">
+          <a:scrgbClr r="0" g="0" b="0"/>
+        </a:lnRef>
+        <a:fillRef idx="1">
+          <a:scrgbClr r="0" g="0" b="0"/>
+        </a:fillRef>
+        <a:effectRef idx="0">
+          <a:scrgbClr r="0" g="0" b="0"/>
+        </a:effectRef>
+        <a:fontRef idx="minor"/>
+      </dsp:style>
+    </dsp:sp>
+    <dsp:sp modelId="{A7D4EF17-AF13-4749-A937-9B4D41E6B87C}">
+      <dsp:nvSpPr>
+        <dsp:cNvPr id="0" name=""/>
+        <dsp:cNvSpPr/>
+      </dsp:nvSpPr>
+      <dsp:spPr>
+        <a:xfrm>
+          <a:off x="1058732" y="2771826"/>
+          <a:ext cx="6689751" cy="777866"/>
+        </a:xfrm>
+        <a:prstGeom prst="rect">
+          <a:avLst/>
+        </a:prstGeom>
+        <a:solidFill>
+          <a:schemeClr val="accent1">
+            <a:hueOff val="0"/>
+            <a:satOff val="0"/>
+            <a:lumOff val="0"/>
+            <a:alphaOff val="0"/>
+          </a:schemeClr>
+        </a:solidFill>
+        <a:ln>
+          <a:noFill/>
+        </a:ln>
+        <a:effectLst/>
+        <a:scene3d>
+          <a:camera prst="orthographicFront"/>
+          <a:lightRig rig="chilly" dir="t"/>
+        </a:scene3d>
+        <a:sp3d prstMaterial="translucentPowder">
+          <a:bevelT w="127000" h="25400" prst="softRound"/>
+        </a:sp3d>
+      </dsp:spPr>
+      <dsp:style>
+        <a:lnRef idx="0">
+          <a:scrgbClr r="0" g="0" b="0"/>
+        </a:lnRef>
+        <a:fillRef idx="1">
+          <a:scrgbClr r="0" g="0" b="0"/>
+        </a:fillRef>
+        <a:effectRef idx="0">
+          <a:scrgbClr r="0" g="0" b="0"/>
+        </a:effectRef>
+        <a:fontRef idx="minor">
+          <a:schemeClr val="lt1"/>
+        </a:fontRef>
+      </dsp:style>
+      <dsp:txBody>
+        <a:bodyPr spcFirstLastPara="0" vert="horz" wrap="square" lIns="617432" tIns="68580" rIns="68580" bIns="68580" numCol="1" spcCol="1270" anchor="ctr" anchorCtr="0">
+          <a:noAutofit/>
+        </a:bodyPr>
+        <a:lstStyle/>
+        <a:p>
+          <a:pPr lvl="0" algn="l" defTabSz="1200150">
+            <a:lnSpc>
+              <a:spcPct val="90000"/>
+            </a:lnSpc>
+            <a:spcBef>
+              <a:spcPct val="0"/>
+            </a:spcBef>
+            <a:spcAft>
+              <a:spcPct val="35000"/>
+            </a:spcAft>
+          </a:pPr>
+          <a:r>
+            <a:rPr lang="en-US" sz="2700" kern="1200" dirty="0" err="1" smtClean="0">
+              <a:latin typeface="Times New Roman" pitchFamily="18" charset="0"/>
+              <a:cs typeface="Times New Roman" pitchFamily="18" charset="0"/>
+            </a:rPr>
+            <a:t>JobZoom</a:t>
+          </a:r>
+          <a:r>
+            <a:rPr lang="en-US" sz="2700" kern="1200" dirty="0" smtClean="0">
+              <a:latin typeface="Times New Roman" pitchFamily="18" charset="0"/>
+              <a:cs typeface="Times New Roman" pitchFamily="18" charset="0"/>
+            </a:rPr>
+            <a:t> framework</a:t>
+          </a:r>
+        </a:p>
+      </dsp:txBody>
+      <dsp:txXfrm>
+        <a:off x="1058732" y="2771826"/>
+        <a:ext cx="6689751" cy="777866"/>
+      </dsp:txXfrm>
+    </dsp:sp>
+    <dsp:sp modelId="{9719BA85-BF0E-47F7-A721-995E2FF0224B}">
+      <dsp:nvSpPr>
+        <dsp:cNvPr id="0" name=""/>
+        <dsp:cNvSpPr/>
+      </dsp:nvSpPr>
+      <dsp:spPr>
+        <a:xfrm>
+          <a:off x="530086" y="2625502"/>
+          <a:ext cx="972333" cy="972333"/>
+        </a:xfrm>
+        <a:prstGeom prst="ellipse">
+          <a:avLst/>
+        </a:prstGeom>
+        <a:solidFill>
+          <a:schemeClr val="lt1">
+            <a:hueOff val="0"/>
+            <a:satOff val="0"/>
+            <a:lumOff val="0"/>
+            <a:alphaOff val="0"/>
+          </a:schemeClr>
+        </a:solidFill>
+        <a:ln w="10000" cap="flat" cmpd="sng" algn="ctr">
+          <a:solidFill>
+            <a:schemeClr val="accent1">
+              <a:hueOff val="0"/>
+              <a:satOff val="0"/>
+              <a:lumOff val="0"/>
+              <a:alphaOff val="0"/>
+            </a:schemeClr>
+          </a:solidFill>
+          <a:prstDash val="solid"/>
+        </a:ln>
+        <a:effectLst/>
+        <a:scene3d>
+          <a:camera prst="orthographicFront"/>
+          <a:lightRig rig="chilly" dir="t"/>
+        </a:scene3d>
+        <a:sp3d z="12700" extrusionH="1700" prstMaterial="dkEdge">
+          <a:bevelT w="25400" h="6350" prst="softRound"/>
+          <a:bevelB w="0" h="0" prst="convex"/>
+        </a:sp3d>
+      </dsp:spPr>
+      <dsp:style>
+        <a:lnRef idx="1">
+          <a:scrgbClr r="0" g="0" b="0"/>
+        </a:lnRef>
+        <a:fillRef idx="1">
+          <a:scrgbClr r="0" g="0" b="0"/>
+        </a:fillRef>
+        <a:effectRef idx="0">
+          <a:scrgbClr r="0" g="0" b="0"/>
+        </a:effectRef>
+        <a:fontRef idx="minor"/>
+      </dsp:style>
+    </dsp:sp>
+    <dsp:sp modelId="{34A328F5-5D56-47C6-BFEE-22CF0A478FFB}">
+      <dsp:nvSpPr>
+        <dsp:cNvPr id="0" name=""/>
+        <dsp:cNvSpPr/>
+      </dsp:nvSpPr>
+      <dsp:spPr>
+        <a:xfrm>
+          <a:off x="570283" y="3889738"/>
+          <a:ext cx="7135720" cy="777866"/>
+        </a:xfrm>
+        <a:prstGeom prst="rect">
+          <a:avLst/>
+        </a:prstGeom>
+        <a:solidFill>
+          <a:schemeClr val="accent1">
+            <a:hueOff val="0"/>
+            <a:satOff val="0"/>
+            <a:lumOff val="0"/>
+            <a:alphaOff val="0"/>
+          </a:schemeClr>
+        </a:solidFill>
+        <a:ln>
+          <a:noFill/>
+        </a:ln>
+        <a:effectLst/>
+        <a:scene3d>
+          <a:camera prst="orthographicFront"/>
+          <a:lightRig rig="chilly" dir="t"/>
+        </a:scene3d>
+        <a:sp3d prstMaterial="translucentPowder">
+          <a:bevelT w="127000" h="25400" prst="softRound"/>
+        </a:sp3d>
+      </dsp:spPr>
+      <dsp:style>
+        <a:lnRef idx="0">
+          <a:scrgbClr r="0" g="0" b="0"/>
+        </a:lnRef>
+        <a:fillRef idx="1">
+          <a:scrgbClr r="0" g="0" b="0"/>
+        </a:fillRef>
+        <a:effectRef idx="0">
+          <a:scrgbClr r="0" g="0" b="0"/>
+        </a:effectRef>
+        <a:fontRef idx="minor">
+          <a:schemeClr val="lt1"/>
+        </a:fontRef>
+      </dsp:style>
+      <dsp:txBody>
+        <a:bodyPr spcFirstLastPara="0" vert="horz" wrap="square" lIns="617432" tIns="68580" rIns="68580" bIns="68580" numCol="1" spcCol="1270" anchor="ctr" anchorCtr="0">
+          <a:noAutofit/>
+        </a:bodyPr>
+        <a:lstStyle/>
+        <a:p>
+          <a:pPr lvl="0" algn="l" defTabSz="1200150">
+            <a:lnSpc>
+              <a:spcPct val="90000"/>
+            </a:lnSpc>
+            <a:spcBef>
+              <a:spcPct val="0"/>
+            </a:spcBef>
+            <a:spcAft>
+              <a:spcPct val="35000"/>
+            </a:spcAft>
+          </a:pPr>
+          <a:r>
+            <a:rPr lang="en-US" sz="2700" kern="1200" dirty="0" err="1" smtClean="0">
+              <a:latin typeface="Times New Roman" pitchFamily="18" charset="0"/>
+              <a:cs typeface="Times New Roman" pitchFamily="18" charset="0"/>
+            </a:rPr>
+            <a:t>Kết</a:t>
+          </a:r>
+          <a:r>
+            <a:rPr lang="en-US" sz="2700" kern="1200" dirty="0" smtClean="0">
+              <a:latin typeface="Times New Roman" pitchFamily="18" charset="0"/>
+              <a:cs typeface="Times New Roman" pitchFamily="18" charset="0"/>
+            </a:rPr>
+            <a:t> </a:t>
+          </a:r>
+          <a:r>
+            <a:rPr lang="en-US" sz="2700" kern="1200" dirty="0" err="1" smtClean="0">
+              <a:latin typeface="Times New Roman" pitchFamily="18" charset="0"/>
+              <a:cs typeface="Times New Roman" pitchFamily="18" charset="0"/>
+            </a:rPr>
+            <a:t>luận</a:t>
+          </a:r>
+          <a:endParaRPr lang="en-US" sz="2700" kern="1200" dirty="0" smtClean="0">
+            <a:latin typeface="Times New Roman" pitchFamily="18" charset="0"/>
+            <a:cs typeface="Times New Roman" pitchFamily="18" charset="0"/>
+          </a:endParaRPr>
+        </a:p>
+      </dsp:txBody>
+      <dsp:txXfrm>
+        <a:off x="570283" y="3889738"/>
+        <a:ext cx="7135720" cy="777866"/>
+      </dsp:txXfrm>
+    </dsp:sp>
+    <dsp:sp modelId="{7CAEB1B3-2AE6-49F7-BC49-C99683973853}">
+      <dsp:nvSpPr>
+        <dsp:cNvPr id="0" name=""/>
+        <dsp:cNvSpPr/>
+      </dsp:nvSpPr>
+      <dsp:spPr>
+        <a:xfrm>
+          <a:off x="84117" y="3792504"/>
+          <a:ext cx="972333" cy="972333"/>
+        </a:xfrm>
+        <a:prstGeom prst="ellipse">
+          <a:avLst/>
+        </a:prstGeom>
+        <a:solidFill>
+          <a:schemeClr val="lt1">
+            <a:hueOff val="0"/>
+            <a:satOff val="0"/>
+            <a:lumOff val="0"/>
+            <a:alphaOff val="0"/>
+          </a:schemeClr>
+        </a:solidFill>
+        <a:ln w="10000" cap="flat" cmpd="sng" algn="ctr">
+          <a:solidFill>
+            <a:schemeClr val="accent1">
+              <a:hueOff val="0"/>
+              <a:satOff val="0"/>
+              <a:lumOff val="0"/>
+              <a:alphaOff val="0"/>
+            </a:schemeClr>
+          </a:solidFill>
+          <a:prstDash val="solid"/>
+        </a:ln>
+        <a:effectLst/>
+        <a:scene3d>
+          <a:camera prst="orthographicFront"/>
+          <a:lightRig rig="chilly" dir="t"/>
+        </a:scene3d>
+        <a:sp3d z="12700" extrusionH="1700" prstMaterial="dkEdge">
+          <a:bevelT w="25400" h="6350" prst="softRound"/>
+          <a:bevelB w="0" h="0" prst="convex"/>
+        </a:sp3d>
+      </dsp:spPr>
+      <dsp:style>
+        <a:lnRef idx="1">
+          <a:scrgbClr r="0" g="0" b="0"/>
+        </a:lnRef>
+        <a:fillRef idx="1">
+          <a:scrgbClr r="0" g="0" b="0"/>
+        </a:fillRef>
+        <a:effectRef idx="0">
+          <a:scrgbClr r="0" g="0" b="0"/>
+        </a:effectRef>
+        <a:fontRef idx="minor"/>
+      </dsp:style>
+    </dsp:sp>
+  </dsp:spTree>
+</dsp:drawing>
+</file>
+
+<file path=ppt/diagrams/layout1.xml><?xml version="1.0" encoding="utf-8"?>
+<dgm:layoutDef xmlns:dgm="http://schemas.openxmlformats.org/drawingml/2006/diagram" xmlns:a="http://schemas.openxmlformats.org/drawingml/2006/main" uniqueId="urn:microsoft.com/office/officeart/2008/layout/VerticalCurvedList">
+  <dgm:title val=""/>
+  <dgm:desc val=""/>
+  <dgm:catLst>
+    <dgm:cat type="list" pri="20000"/>
+  </dgm:catLst>
+  <dgm:sampData>
+    <dgm:dataModel>
+      <dgm:ptLst>
+        <dgm:pt modelId="0" type="doc"/>
+        <dgm:pt modelId="1">
+          <dgm:prSet phldr="1"/>
+        </dgm:pt>
+        <dgm:pt modelId="2">
+          <dgm:prSet phldr="1"/>
+        </dgm:pt>
+        <dgm:pt modelId="3">
+          <dgm:prSet phldr="1"/>
+        </dgm:pt>
+      </dgm:ptLst>
+      <dgm:cxnLst>
+        <dgm:cxn modelId="4" srcId="0" destId="1" srcOrd="0" destOrd="0"/>
+        <dgm:cxn modelId="5" srcId="0" destId="2" srcOrd="1" destOrd="0"/>
+        <dgm:cxn modelId="6" srcId="0" destId="3" srcOrd="2" destOrd="0"/>
+      </dgm:cxnLst>
+      <dgm:bg/>
+      <dgm:whole/>
+    </dgm:dataModel>
+  </dgm:sampData>
+  <dgm:styleData>
+    <dgm:dataModel>
+      <dgm:ptLst>
+        <dgm:pt modelId="0" type="doc"/>
+        <dgm:pt modelId="1">
+          <dgm:prSet phldr="1"/>
+        </dgm:pt>
+        <dgm:pt modelId="2">
+          <dgm:prSet phldr="1"/>
+        </dgm:pt>
+      </dgm:ptLst>
+      <dgm:cxnLst>
+        <dgm:cxn modelId="3" srcId="0" destId="1" srcOrd="0" destOrd="0"/>
+        <dgm:cxn modelId="4" srcId="0" destId="2" srcOrd="1" destOrd="0"/>
+      </dgm:cxnLst>
+      <dgm:bg/>
+      <dgm:whole/>
+    </dgm:dataModel>
+  </dgm:styleData>
+  <dgm:clrData>
+    <dgm:dataModel>
+      <dgm:ptLst>
+        <dgm:pt modelId="0" type="doc"/>
+        <dgm:pt modelId="1">
+          <dgm:prSet phldr="1"/>
+        </dgm:pt>
+        <dgm:pt modelId="2">
+          <dgm:prSet phldr="1"/>
+        </dgm:pt>
+        <dgm:pt modelId="3">
+          <dgm:prSet phldr="1"/>
+        </dgm:pt>
+        <dgm:pt modelId="4">
+          <dgm:prSet phldr="1"/>
+        </dgm:pt>
+      </dgm:ptLst>
+      <dgm:cxnLst>
+        <dgm:cxn modelId="5" srcId="0" destId="1" srcOrd="0" destOrd="0"/>
+        <dgm:cxn modelId="6" srcId="0" destId="2" srcOrd="1" destOrd="0"/>
+        <dgm:cxn modelId="7" srcId="0" destId="3" srcOrd="2" destOrd="0"/>
+        <dgm:cxn modelId="8" srcId="0" destId="4" srcOrd="3" destOrd="0"/>
+      </dgm:cxnLst>
+      <dgm:bg/>
+      <dgm:whole/>
+    </dgm:dataModel>
+  </dgm:clrData>
+  <dgm:layoutNode name="Name0">
+    <dgm:varLst>
+      <dgm:chMax val="7"/>
+      <dgm:chPref val="7"/>
+      <dgm:dir/>
+    </dgm:varLst>
+    <dgm:alg type="composite"/>
+    <dgm:shape xmlns:r="http://schemas.openxmlformats.org/officeDocument/2006/relationships" r:blip="">
+      <dgm:adjLst/>
+    </dgm:shape>
+    <dgm:constrLst>
+      <dgm:constr type="w" for="ch" refType="h" refFor="ch" op="gte" fact="0.8"/>
+    </dgm:constrLst>
+    <dgm:layoutNode name="Name1">
+      <dgm:alg type="composite"/>
+      <dgm:shape xmlns:r="http://schemas.openxmlformats.org/officeDocument/2006/relationships" r:blip="">
+        <dgm:adjLst/>
+      </dgm:shape>
+      <dgm:choose name="Name2">
+        <dgm:if name="Name3" func="var" arg="dir" op="equ" val="norm">
+          <dgm:choose name="Name4">
+            <dgm:if name="Name5" axis="ch" ptType="node" func="cnt" op="equ" val="1">
+              <dgm:constrLst>
+                <dgm:constr type="h" for="ch" forName="cycle" refType="h"/>
+                <dgm:constr type="w" for="ch" forName="cycle" refType="h" refFor="ch" refForName="cycle" fact="0.26"/>
+                <dgm:constr type="l" for="ch" forName="cycle"/>
+                <dgm:constr type="ctrY" for="ch" forName="cycle" refType="h" fact="0.5"/>
+                <dgm:constr type="diam" for="ch" forName="cycle" refType="h" fact="1.344"/>
+                <dgm:constr type="h" for="ch" forName="accent_1" refType="h" fact="0.625"/>
+                <dgm:constr type="w" for="ch" forName="accent_1" refType="h" refFor="ch" refForName="accent_1" op="equ"/>
+                <dgm:constr type="ctrY" for="ch" forName="accent_1" refType="h" fact="0.5"/>
+                <dgm:constr type="ctrX" for="ch" forName="accent_1" refType="h" fact="0.2253"/>
+                <dgm:constr type="l" for="ch" forName="text_1" refType="ctrX" refFor="ch" refForName="accent_1"/>
+                <dgm:constr type="r" for="ch" forName="text_1" refType="w"/>
+                <dgm:constr type="w" for="ch" forName="text_1" refType="h" refFor="ch" refForName="text_1" op="gte"/>
+                <dgm:constr type="h" for="ch" forName="text_1" refType="h" refFor="ch" refForName="accent_1" fact="0.8"/>
+                <dgm:constr type="ctrY" for="ch" forName="text_1" refType="ctrY" refFor="ch" refForName="accent_1"/>
+                <dgm:constr type="lMarg" for="ch" forName="text_1" refType="w" refFor="ch" refForName="accent_1" fact="1.8"/>
+                <dgm:constr type="primFontSz" for="ch" ptType="node" op="equ" val="65"/>
+              </dgm:constrLst>
+            </dgm:if>
+            <dgm:if name="Name6" axis="ch" ptType="node" func="cnt" op="equ" val="2">
+              <dgm:constrLst>
+                <dgm:constr type="h" for="ch" forName="cycle" refType="h"/>
+                <dgm:constr type="w" for="ch" forName="cycle" refType="h" refFor="ch" refForName="cycle" fact="0.26"/>
+                <dgm:constr type="l" for="ch" forName="cycle"/>
+                <dgm:constr type="ctrY" for="ch" forName="cycle" refType="h" fact="0.5"/>
+                <dgm:constr type="diam" for="ch" forName="cycle" refType="h" fact="1.344"/>
+                <dgm:constr type="h" for="ch" forName="accent_1" refType="h" fact="0.3571"/>
+                <dgm:constr type="w" for="ch" forName="accent_1" refType="h" refFor="ch" refForName="accent_1" op="equ"/>
+                <dgm:constr type="ctrY" for="ch" forName="accent_1" refType="h" fact="0.2857"/>
+                <dgm:constr type="ctrX" for="ch" forName="accent_1" refType="h" fact="0.1891"/>
+                <dgm:constr type="l" for="ch" forName="text_1" refType="ctrX" refFor="ch" refForName="accent_1"/>
+                <dgm:constr type="r" for="ch" forName="text_1" refType="w"/>
+                <dgm:constr type="w" for="ch" forName="text_1" refType="h" refFor="ch" refForName="text_1" op="gte"/>
+                <dgm:constr type="h" for="ch" forName="text_1" refType="h" refFor="ch" refForName="accent_1" fact="0.8"/>
+                <dgm:constr type="ctrY" for="ch" forName="text_1" refType="ctrY" refFor="ch" refForName="accent_1"/>
+                <dgm:constr type="lMarg" for="ch" forName="text_1" refType="w" refFor="ch" refForName="accent_1" fact="1.8"/>
+                <dgm:constr type="h" for="ch" forName="accent_2" refType="h" fact="0.3571"/>
+                <dgm:constr type="w" for="ch" forName="accent_2" refType="h" refFor="ch" refForName="accent_2" op="equ"/>
+                <dgm:constr type="ctrY" for="ch" forName="accent_2" refType="h" fact="0.7143"/>
+                <dgm:constr type="ctrX" for="ch" forName="accent_2" refType="h" fact="0.1891"/>
+                <dgm:constr type="l" for="ch" forName="text_2" refType="ctrX" refFor="ch" refForName="accent_2"/>
+                <dgm:constr type="r" for="ch" forName="text_2" refType="w"/>
+                <dgm:constr type="w" for="ch" forName="text_2" refType="h" refFor="ch" refForName="text_2" op="gte"/>
+                <dgm:constr type="h" for="ch" forName="text_2" refType="h" refFor="ch" refForName="accent_2" fact="0.8"/>
+                <dgm:constr type="ctrY" for="ch" forName="text_2" refType="ctrY" refFor="ch" refForName="accent_2"/>
+                <dgm:constr type="lMarg" for="ch" forName="text_2" refType="w" refFor="ch" refForName="accent_2" fact="1.8"/>
+                <dgm:constr type="primFontSz" for="ch" ptType="node" op="equ" val="65"/>
+              </dgm:constrLst>
+            </dgm:if>
+            <dgm:if name="Name7" axis="ch" ptType="node" func="cnt" op="equ" val="3">
+              <dgm:constrLst>
+                <dgm:constr type="h" for="ch" forName="cycle" refType="h"/>
+                <dgm:constr type="w" for="ch" forName="cycle" refType="h" refFor="ch" refForName="cycle" fact="0.26"/>
+                <dgm:constr type="l" for="ch" forName="cycle"/>
+                <dgm:constr type="ctrY" for="ch" forName="cycle" refType="h" fact="0.5"/>
+                <dgm:constr type="diam" for="ch" forName="cycle" refType="h" fact="1.344"/>
+                <dgm:constr type="h" for="ch" forName="accent_1" refType="h" fact="0.25"/>
+                <dgm:constr type="w" for="ch" forName="accent_1" refType="h" refFor="ch" refForName="accent_1" op="equ"/>
+                <dgm:constr type="ctrY" for="ch" forName="accent_1" refType="h" fact="0.2"/>
+                <dgm:constr type="ctrX" for="ch" forName="accent_1" refType="h" fact="0.1526"/>
+                <dgm:constr type="l" for="ch" forName="text_1" refType="ctrX" refFor="ch" refForName="accent_1"/>
+                <dgm:constr type="r" for="ch" forName="text_1" refType="w"/>
+                <dgm:constr type="w" for="ch" forName="text_1" refType="h" refFor="ch" refForName="text_1" op="gte"/>
+                <dgm:constr type="h" for="ch" forName="text_1" refType="h" refFor="ch" refForName="accent_1" fact="0.8"/>
+                <dgm:constr type="ctrY" for="ch" forName="text_1" refType="ctrY" refFor="ch" refForName="accent_1"/>
+                <dgm:constr type="lMarg" for="ch" forName="text_1" refType="w" refFor="ch" refForName="accent_1" fact="1.8"/>
+                <dgm:constr type="h" for="ch" forName="accent_2" refType="h" fact="0.25"/>
+                <dgm:constr type="w" for="ch" forName="accent_2" refType="h" refFor="ch" refForName="accent_2" op="equ"/>
+                <dgm:constr type="ctrY" for="ch" forName="accent_2" refType="h" fact="0.5"/>
+                <dgm:constr type="ctrX" for="ch" forName="accent_2" refType="h" fact="0.2253"/>
+                <dgm:constr type="l" for="ch" forName="text_2" refType="ctrX" refFor="ch" refForName="accent_2"/>
+                <dgm:constr type="r" for="ch" forName="text_2" refType="w"/>
+                <dgm:constr type="w" for="ch" forName="text_2" refType="h" refFor="ch" refForName="text_2" op="gte"/>
+                <dgm:constr type="h" for="ch" forName="text_2" refType="h" refFor="ch" refForName="accent_2" fact="0.8"/>
+                <dgm:constr type="ctrY" for="ch" forName="text_2" refType="ctrY" refFor="ch" refForName="accent_2"/>
+                <dgm:constr type="lMarg" for="ch" forName="text_2" refType="w" refFor="ch" refForName="accent_2" fact="1.8"/>
+                <dgm:constr type="h" for="ch" forName="accent_3" refType="h" fact="0.25"/>
+                <dgm:constr type="w" for="ch" forName="accent_3" refType="h" refFor="ch" refForName="accent_3" op="equ"/>
+                <dgm:constr type="ctrY" for="ch" forName="accent_3" refType="h" fact="0.8"/>
+                <dgm:constr type="ctrX" for="ch" forName="accent_3" refType="h" fact="0.1526"/>
+                <dgm:constr type="l" for="ch" forName="text_3" refType="ctrX" refFor="ch" refForName="accent_3"/>
+                <dgm:constr type="r" for="ch" forName="text_3" refType="w"/>
+                <dgm:constr type="w" for="ch" forName="text_3" refType="h" refFor="ch" refForName="text_3" op="gte"/>
+                <dgm:constr type="h" for="ch" forName="text_3" refType="h" refFor="ch" refForName="accent_3" fact="0.8"/>
+                <dgm:constr type="ctrY" for="ch" forName="text_3" refType="ctrY" refFor="ch" refForName="accent_3"/>
+                <dgm:constr type="lMarg" for="ch" forName="text_3" refType="w" refFor="ch" refForName="accent_3" fact="1.8"/>
+                <dgm:constr type="primFontSz" for="ch" ptType="node" op="equ" val="65"/>
+              </dgm:constrLst>
+            </dgm:if>
+            <dgm:if name="Name8" axis="ch" ptType="node" func="cnt" op="equ" val="4">
+              <dgm:constrLst>
+                <dgm:constr type="h" for="ch" forName="cycle" refType="h"/>
+                <dgm:constr type="w" for="ch" forName="cycle" refType="h" refFor="ch" refForName="cycle" fact="0.26"/>
+                <dgm:constr type="l" for="ch" forName="cycle"/>
+                <dgm:constr type="ctrY" for="ch" forName="cycle" refType="h" fact="0.5"/>
+                <dgm:constr type="diam" for="ch" forName="cycle" refType="h" fact="1.344"/>
+                <dgm:constr type="h" for="ch" forName="accent_1" refType="h" fact="0.1923"/>
+                <dgm:constr type="w" for="ch" forName="accent_1" refType="h" refFor="ch" refForName="accent_1" op="equ"/>
+                <dgm:constr type="ctrY" for="ch" forName="accent_1" refType="h" fact="0.1538"/>
+                <dgm:constr type="ctrX" for="ch" forName="accent_1" refType="h" fact="0.1268"/>
+                <dgm:constr type="l" for="ch" forName="text_1" refType="ctrX" refFor="ch" refForName="accent_1"/>
+                <dgm:constr type="r" for="ch" forName="text_1" refType="w"/>
+                <dgm:constr type="w" for="ch" forName="text_1" refType="h" refFor="ch" refForName="text_1" op="gte"/>
+                <dgm:constr type="h" for="ch" forName="text_1" refType="h" refFor="ch" refForName="accent_1" fact="0.8"/>
+                <dgm:constr type="ctrY" for="ch" forName="text_1" refType="ctrY" refFor="ch" refForName="accent_1"/>
+                <dgm:constr type="lMarg" for="ch" forName="text_1" refType="w" refFor="ch" refForName="accent_1" fact="1.8"/>
+                <dgm:constr type="h" for="ch" forName="accent_2" refType="h" fact="0.1923"/>
+                <dgm:constr type="w" for="ch" forName="accent_2" refType="h" refFor="ch" refForName="accent_2" op="equ"/>
+                <dgm:constr type="ctrY" for="ch" forName="accent_2" refType="h" fact="0.3846"/>
+                <dgm:constr type="ctrX" for="ch" forName="accent_2" refType="h" fact="0.215"/>
+                <dgm:constr type="l" for="ch" forName="text_2" refType="ctrX" refFor="ch" refForName="accent_2"/>
+                <dgm:constr type="r" for="ch" forName="text_2" refType="w"/>
+                <dgm:constr type="w" for="ch" forName="text_2" refType="h" refFor="ch" refForName="text_2" op="gte"/>
+                <dgm:constr type="h" for="ch" forName="text_2" refType="h" refFor="ch" refForName="accent_2" fact="0.8"/>
+                <dgm:constr type="ctrY" for="ch" forName="text_2" refType="ctrY" refFor="ch" refForName="accent_2"/>
+                <dgm:constr type="lMarg" for="ch" forName="text_2" refType="w" refFor="ch" refForName="accent_2" fact="1.8"/>
+                <dgm:constr type="h" for="ch" forName="accent_3" refType="h" fact="0.1923"/>
+                <dgm:constr type="w" for="ch" forName="accent_3" refType="h" refFor="ch" refForName="accent_3" op="equ"/>
+                <dgm:constr type="ctrY" for="ch" forName="accent_3" refType="h" fact="0.6154"/>
+                <dgm:constr type="ctrX" for="ch" forName="accent_3" refType="h" fact="0.215"/>
+                <dgm:constr type="l" for="ch" forName="text_3" refType="ctrX" refFor="ch" refForName="accent_3"/>
+                <dgm:constr type="r" for="ch" forName="text_3" refType="w"/>
+                <dgm:constr type="w" for="ch" forName="text_3" refType="h" refFor="ch" refForName="text_3" op="gte"/>
+                <dgm:constr type="h" for="ch" forName="text_3" refType="h" refFor="ch" refForName="accent_3" fact="0.8"/>
+                <dgm:constr type="ctrY" for="ch" forName="text_3" refType="ctrY" refFor="ch" refForName="accent_3"/>
+                <dgm:constr type="lMarg" for="ch" forName="text_3" refType="w" refFor="ch" refForName="accent_3" fact="1.8"/>
+                <dgm:constr type="h" for="ch" forName="accent_4" refType="h" fact="0.1923"/>
+                <dgm:constr type="w" for="ch" forName="accent_4" refType="h" refFor="ch" refForName="accent_4" op="equ"/>
+                <dgm:constr type="ctrY" for="ch" forName="accent_4" refType="h" fact="0.8462"/>
+                <dgm:constr type="ctrX" for="ch" forName="accent_4" refType="h" fact="0.1268"/>
+                <dgm:constr type="l" for="ch" forName="text_4" refType="ctrX" refFor="ch" refForName="accent_4"/>
+                <dgm:constr type="r" for="ch" forName="text_4" refType="w"/>
+                <dgm:constr type="w" for="ch" forName="text_4" refType="h" refFor="ch" refForName="text_4" op="gte"/>
+                <dgm:constr type="h" for="ch" forName="text_4" refType="h" refFor="ch" refForName="accent_4" fact="0.8"/>
+                <dgm:constr type="ctrY" for="ch" forName="text_4" refType="ctrY" refFor="ch" refForName="accent_4"/>
+                <dgm:constr type="lMarg" for="ch" forName="text_4" refType="w" refFor="ch" refForName="accent_4" fact="1.8"/>
+                <dgm:constr type="primFontSz" for="ch" ptType="node" op="equ" val="65"/>
+              </dgm:constrLst>
+            </dgm:if>
+            <dgm:if name="Name9" axis="ch" ptType="node" func="cnt" op="equ" val="5">
+              <dgm:constrLst>
+                <dgm:constr type="h" for="ch" forName="cycle" refType="h"/>
+                <dgm:constr type="w" for="ch" forName="cycle" refType="h" refFor="ch" refForName="cycle" fact="0.26"/>
+                <dgm:constr type="l" for="ch" forName="cycle"/>
+                <dgm:constr type="ctrY" for="ch" forName="cycle" refType="h" fact="0.5"/>
+                <dgm:constr type="diam" for="ch" forName="cycle" refType="h" fact="1.344"/>
+                <dgm:constr type="h" for="ch" forName="accent_1" refType="h" fact="0.1563"/>
+                <dgm:constr type="w" for="ch" forName="accent_1" refType="h" refFor="ch" refForName="accent_1" op="equ"/>
+                <dgm:constr type="ctrY" for="ch" forName="accent_1" refType="h" fact="0.125"/>
+                <dgm:constr type="ctrX" for="ch" forName="accent_1" refType="h" fact="0.1082"/>
+                <dgm:constr type="l" for="ch" forName="text_1" refType="ctrX" refFor="ch" refForName="accent_1"/>
+                <dgm:constr type="r" for="ch" forName="text_1" refType="w"/>
+                <dgm:constr type="w" for="ch" forName="text_1" refType="h" refFor="ch" refForName="text_1" op="gte"/>
+                <dgm:constr type="h" for="ch" forName="text_1" refType="h" refFor="ch" refForName="accent_1" fact="0.8"/>
+                <dgm:constr type="ctrY" for="ch" forName="text_1" refType="ctrY" refFor="ch" refForName="accent_1"/>
+                <dgm:constr type="lMarg" for="ch" forName="text_1" refType="w" refFor="ch" refForName="accent_1" fact="1.8"/>
+                <dgm:constr type="h" for="ch" forName="accent_2" refType="h" fact="0.1563"/>
+                <dgm:constr type="w" for="ch" forName="accent_2" refType="h" refFor="ch" refForName="accent_2" op="equ"/>
+                <dgm:constr type="ctrY" for="ch" forName="accent_2" refType="h" fact="0.3125"/>
+                <dgm:constr type="ctrX" for="ch" forName="accent_2" refType="h" fact="0.1978"/>
+                <dgm:constr type="l" for="ch" forName="text_2" refType="ctrX" refFor="ch" refForName="accent_2"/>
+                <dgm:constr type="r" for="ch" forName="text_2" refType="w"/>
+                <dgm:constr type="w" for="ch" forName="text_2" refType="h" refFor="ch" refForName="text_2" op="gte"/>
+                <dgm:constr type="h" for="ch" forName="text_2" refType="h" refFor="ch" refForName="accent_2" fact="0.8"/>
+                <dgm:constr type="ctrY" for="ch" forName="text_2" refType="ctrY" refFor="ch" refForName="accent_2"/>
+                <dgm:constr type="lMarg" for="ch" forName="text_2" refType="w" refFor="ch" refForName="accent_2" fact="1.8"/>
+                <dgm:constr type="h" for="ch" forName="accent_3" refType="h" fact="0.1563"/>
+                <dgm:constr type="w" for="ch" forName="accent_3" refType="h" refFor="ch" refForName="accent_3" op="equ"/>
+                <dgm:constr type="ctrY" for="ch" forName="accent_3" refType="h" fact="0.5"/>
+                <dgm:constr type="ctrX" for="ch" forName="accent_3" refType="h" fact="0.2253"/>
+                <dgm:constr type="l" for="ch" forName="text_3" refType="ctrX" refFor="ch" refForName="accent_3"/>
+                <dgm:constr type="r" for="ch" forName="text_3" refType="w"/>
+                <dgm:constr type="w" for="ch" forName="text_3" refType="h" refFor="ch" refForName="text_3" op="gte"/>
+                <dgm:constr type="h" for="ch" forName="text_3" refType="h" refFor="ch" refForName="accent_3" fact="0.8"/>
+                <dgm:constr type="ctrY" for="ch" forName="text_3" refType="ctrY" refFor="ch" refForName="accent_3"/>
+                <dgm:constr type="lMarg" for="ch" forName="text_3" refType="w" refFor="ch" refForName="accent_3" fact="1.8"/>
+                <dgm:constr type="h" for="ch" forName="accent_4" refType="h" fact="0.1563"/>
+                <dgm:constr type="w" for="ch" forName="accent_4" refType="h" refFor="ch" refForName="accent_4" op="equ"/>
+                <dgm:constr type="ctrY" for="ch" forName="accent_4" refType="h" fact="0.6875"/>
+                <dgm:constr type="ctrX" for="ch" forName="accent_4" refType="h" fact="0.1978"/>
+                <dgm:constr type="l" for="ch" forName="text_4" refType="ctrX" refFor="ch" refForName="accent_4"/>
+                <dgm:constr type="r" for="ch" forName="text_4" refType="w"/>
+                <dgm:constr type="w" for="ch" forName="text_4" refType="h" refFor="ch" refForName="text_4" op="gte"/>
+                <dgm:constr type="h" for="ch" forName="text_4" refType="h" refFor="ch" refForName="accent_4" fact="0.8"/>
+                <dgm:constr type="ctrY" for="ch" forName="text_4" refType="ctrY" refFor="ch" refForName="accent_4"/>
+                <dgm:constr type="lMarg" for="ch" forName="text_4" refType="w" refFor="ch" refForName="accent_4" fact="1.8"/>
+                <dgm:constr type="h" for="ch" forName="accent_5" refType="h" fact="0.1563"/>
+                <dgm:constr type="w" for="ch" forName="accent_5" refType="h" refFor="ch" refForName="accent_5" op="equ"/>
+                <dgm:constr type="ctrY" for="ch" forName="accent_5" refType="h" fact="0.875"/>
+                <dgm:constr type="ctrX" for="ch" forName="accent_5" refType="h" fact="0.1082"/>
+                <dgm:constr type="l" for="ch" forName="text_5" refType="ctrX" refFor="ch" refForName="accent_5"/>
+                <dgm:constr type="r" for="ch" forName="text_5" refType="w"/>
+                <dgm:constr type="w" for="ch" forName="text_5" refType="h" refFor="ch" refForName="text_5" op="gte"/>
+                <dgm:constr type="h" for="ch" forName="text_5" refType="h" refFor="ch" refForName="accent_5" fact="0.8"/>
+                <dgm:constr type="ctrY" for="ch" forName="text_5" refType="ctrY" refFor="ch" refForName="accent_5"/>
+                <dgm:constr type="lMarg" for="ch" forName="text_5" refType="w" refFor="ch" refForName="accent_5" fact="1.8"/>
+                <dgm:constr type="primFontSz" for="ch" ptType="node" op="equ" val="65"/>
+              </dgm:constrLst>
+            </dgm:if>
+            <dgm:if name="Name10" axis="ch" ptType="node" func="cnt" op="equ" val="6">
+              <dgm:constrLst>
+                <dgm:constr type="h" for="ch" forName="cycle" refType="h"/>
+                <dgm:constr type="w" for="ch" forName="cycle" refType="h" refFor="ch" refForName="cycle" fact="0.26"/>
+                <dgm:constr type="l" for="ch" forName="cycle"/>
+                <dgm:constr type="ctrY" for="ch" forName="cycle" refType="h" fact="0.5"/>
+                <dgm:constr type="diam" for="ch" forName="cycle" refType="h" fact="1.344"/>
+                <dgm:constr type="h" for="ch" forName="accent_1" refType="h" fact="0.1316"/>
+                <dgm:constr type="w" for="ch" forName="accent_1" refType="h" refFor="ch" refForName="accent_1" op="equ"/>
+                <dgm:constr type="ctrY" for="ch" forName="accent_1" refType="h" fact="0.1053"/>
+                <dgm:constr type="ctrX" for="ch" forName="accent_1" refType="h" fact="0.0943"/>
+                <dgm:constr type="l" for="ch" forName="text_1" refType="ctrX" refFor="ch" refForName="accent_1"/>
+                <dgm:constr type="r" for="ch" forName="text_1" refType="w"/>
+                <dgm:constr type="w" for="ch" forName="text_1" refType="h" refFor="ch" refForName="text_1" op="gte"/>
+                <dgm:constr type="h" for="ch" forName="text_1" refType="h" refFor="ch" refForName="accent_1" fact="0.8"/>
+                <dgm:constr type="ctrY" for="ch" forName="text_1" refType="ctrY" refFor="ch" refForName="accent_1"/>
+                <dgm:constr type="lMarg" for="ch" forName="text_1" refType="w" refFor="ch" refForName="accent_1" fact="1.8"/>
+                <dgm:constr type="h" for="ch" forName="accent_2" refType="h" fact="0.1316"/>
+                <dgm:constr type="w" for="ch" forName="accent_2" refType="h" refFor="ch" refForName="accent_2" op="equ"/>
+                <dgm:constr type="ctrY" for="ch" forName="accent_2" refType="h" fact="0.2632"/>
+                <dgm:constr type="ctrX" for="ch" forName="accent_2" refType="h" fact="0.1809"/>
+                <dgm:constr type="l" for="ch" forName="text_2" refType="ctrX" refFor="ch" refForName="accent_2"/>
+                <dgm:constr type="r" for="ch" forName="text_2" refType="w"/>
+                <dgm:constr type="w" for="ch" forName="text_2" refType="h" refFor="ch" refForName="text_2" op="gte"/>
+                <dgm:constr type="h" for="ch" forName="text_2" refType="h" refFor="ch" refForName="accent_2" fact="0.8"/>
+                <dgm:constr type="ctrY" for="ch" forName="text_2" refType="ctrY" refFor="ch" refForName="accent_2"/>
+                <dgm:constr type="lMarg" for="ch" forName="text_2" refType="w" refFor="ch" refForName="accent_2" fact="1.8"/>
+                <dgm:constr type="h" for="ch" forName="accent_3" refType="h" fact="0.1316"/>
+                <dgm:constr type="w" for="ch" forName="accent_3" refType="h" refFor="ch" refForName="accent_3" op="equ"/>
+                <dgm:constr type="ctrY" for="ch" forName="accent_3" refType="h" fact="0.4211"/>
+                <dgm:constr type="ctrX" for="ch" forName="accent_3" refType="h" fact="0.2205"/>
+                <dgm:constr type="l" for="ch" forName="text_3" refType="ctrX" refFor="ch" refForName="accent_3"/>
+                <dgm:constr type="r" for="ch" forName="text_3" refType="w"/>
+                <dgm:constr type="w" for="ch" forName="text_3" refType="h" refFor="ch" refForName="text_3" op="gte"/>
+                <dgm:constr type="h" for="ch" forName="text_3" refType="h" refFor="ch" refForName="accent_3" fact="0.8"/>
+                <dgm:constr type="ctrY" for="ch" forName="text_3" refType="ctrY" refFor="ch" refForName="accent_3"/>
+                <dgm:constr type="lMarg" for="ch" forName="text_3" refType="w" refFor="ch" refForName="accent_3" fact="1.8"/>
+                <dgm:constr type="h" for="ch" forName="accent_4" refType="h" fact="0.1316"/>
+                <dgm:constr type="w" for="ch" forName="accent_4" refType="h" refFor="ch" refForName="accent_4" op="equ"/>
+                <dgm:constr type="ctrY" for="ch" forName="accent_4" refType="h" fact="0.5789"/>
+                <dgm:constr type="ctrX" for="ch" forName="accent_4" refType="h" fact="0.2205"/>
+                <dgm:constr type="l" for="ch" forName="text_4" refType="ctrX" refFor="ch" refForName="accent_4"/>
+                <dgm:constr type="r" for="ch" forName="text_4" refType="w"/>
+                <dgm:constr type="w" for="ch" forName="text_4" refType="h" refFor="ch" refForName="text_4" op="gte"/>
+                <dgm:constr type="h" for="ch" forName="text_4" refType="h" refFor="ch" refForName="accent_4" fact="0.8"/>
+                <dgm:constr type="ctrY" for="ch" forName="text_4" refType="ctrY" refFor="ch" refForName="accent_4"/>
+                <dgm:constr type="lMarg" for="ch" forName="text_4" refType="w" refFor="ch" refForName="accent_4" fact="1.8"/>
+                <dgm:constr type="h" for="ch" forName="accent_5" refType="h" fact="0.1316"/>
+                <dgm:constr type="w" for="ch" forName="accent_5" refType="h" refFor="ch" refForName="accent_5" op="equ"/>
+                <dgm:constr type="ctrY" for="ch" forName="accent_5" refType="h" fact="0.7368"/>
+                <dgm:constr type="ctrX" for="ch" forName="accent_5" refType="h" fact="0.1809"/>
+                <dgm:constr type="l" for="ch" forName="text_5" refType="ctrX" refFor="ch" refForName="accent_5"/>
+                <dgm:constr type="r" for="ch" forName="text_5" refType="w"/>
+                <dgm:constr type="w" for="ch" forName="text_5" refType="h" refFor="ch" refForName="text_5" op="gte"/>
+                <dgm:constr type="h" for="ch" forName="text_5" refType="h" refFor="ch" refForName="accent_5" fact="0.8"/>
+                <dgm:constr type="ctrY" for="ch" forName="text_5" refType="ctrY" refFor="ch" refForName="accent_5"/>
+                <dgm:constr type="lMarg" for="ch" forName="text_5" refType="w" refFor="ch" refForName="accent_5" fact="1.8"/>
+                <dgm:constr type="h" for="ch" forName="accent_6" refType="h" fact="0.1316"/>
+                <dgm:constr type="w" for="ch" forName="accent_6" refType="h" refFor="ch" refForName="accent_6" op="equ"/>
+                <dgm:constr type="ctrY" for="ch" forName="accent_6" refType="h" fact="0.8947"/>
+                <dgm:constr type="ctrX" for="ch" forName="accent_6" refType="h" fact="0.0943"/>
+                <dgm:constr type="l" for="ch" forName="text_6" refType="ctrX" refFor="ch" refForName="accent_6"/>
+                <dgm:constr type="r" for="ch" forName="text_6" refType="w"/>
+                <dgm:constr type="w" for="ch" forName="text_6" refType="h" refFor="ch" refForName="text_6" op="gte"/>
+                <dgm:constr type="h" for="ch" forName="text_6" refType="h" refFor="ch" refForName="accent_6" fact="0.8"/>
+                <dgm:constr type="ctrY" for="ch" forName="text_6" refType="ctrY" refFor="ch" refForName="accent_6"/>
+                <dgm:constr type="lMarg" for="ch" forName="text_6" refType="w" refFor="ch" refForName="accent_6" fact="1.8"/>
+                <dgm:constr type="primFontSz" for="ch" ptType="node" op="equ" val="65"/>
+              </dgm:constrLst>
+            </dgm:if>
+            <dgm:else name="Name11">
+              <dgm:constrLst>
+                <dgm:constr type="h" for="ch" forName="cycle" refType="h"/>
+                <dgm:constr type="w" for="ch" forName="cycle" refType="h" refFor="ch" refForName="cycle" fact="0.26"/>
+                <dgm:constr type="l" for="ch" forName="cycle"/>
+                <dgm:constr type="ctrY" for="ch" forName="cycle" refType="h" fact="0.5"/>
+                <dgm:constr type="diam" for="ch" forName="cycle" refType="h" fact="1.344"/>
+                <dgm:constr type="h" for="ch" forName="accent_1" refType="h" fact="0.1136"/>
+                <dgm:constr type="w" for="ch" forName="accent_1" refType="h" refFor="ch" refForName="accent_1" op="equ"/>
+                <dgm:constr type="ctrY" for="ch" forName="accent_1" refType="h" fact="0.0909"/>
+                <dgm:constr type="ctrX" for="ch" forName="accent_1" refType="h" fact="0.0835"/>
+                <dgm:constr type="l" for="ch" forName="text_1" refType="ctrX" refFor="ch" refForName="accent_1"/>
+                <dgm:constr type="r" for="ch" forName="text_1" refType="w"/>
+                <dgm:constr type="w" for="ch" forName="text_1" refType="h" refFor="ch" refForName="text_1" op="gte"/>
+                <dgm:constr type="h" for="ch" forName="text_1" refType="h" refFor="ch" refForName="accent_1" fact="0.8"/>
+                <dgm:constr type="ctrY" for="ch" forName="text_1" refType="ctrY" refFor="ch" refForName="accent_1"/>
+                <dgm:constr type="lMarg" for="ch" forName="text_1" refType="w" refFor="ch" refForName="accent_1" fact="1.8"/>
+                <dgm:constr type="h" for="ch" forName="accent_2" refType="h" fact="0.1136"/>
+                <dgm:constr type="w" for="ch" forName="accent_2" refType="h" refFor="ch" refForName="accent_2" op="equ"/>
+                <dgm:constr type="ctrY" for="ch" forName="accent_2" refType="h" fact="0.2273"/>
+                <dgm:constr type="ctrX" for="ch" forName="accent_2" refType="h" fact="0.1658"/>
+                <dgm:constr type="l" for="ch" forName="text_2" refType="ctrX" refFor="ch" refForName="accent_2"/>
+                <dgm:constr type="r" for="ch" forName="text_2" refType="w"/>
+                <dgm:constr type="w" for="ch" forName="text_2" refType="h" refFor="ch" refForName="text_2" op="gte"/>
+                <dgm:constr type="h" for="ch" forName="text_2" refType="h" refFor="ch" refForName="accent_2" fact="0.8"/>
+                <dgm:constr type="ctrY" for="ch" forName="text_2" refType="ctrY" refFor="ch" refForName="accent_2"/>
+                <dgm:constr type="lMarg" for="ch" forName="text_2" refType="w" refFor="ch" refForName="accent_2" fact="1.8"/>
+                <dgm:constr type="h" for="ch" forName="accent_3" refType="h" fact="0.1136"/>
+                <dgm:constr type="w" for="ch" forName="accent_3" refType="h" refFor="ch" refForName="accent_3" op="equ"/>
+                <dgm:constr type="ctrY" for="ch" forName="accent_3" refType="h" fact="0.3636"/>
+                <dgm:constr type="ctrX" for="ch" forName="accent_3" refType="h" fact="0.2109"/>
+                <dgm:constr type="l" for="ch" forName="text_3" refType="ctrX" refFor="ch" refForName="accent_3"/>
+                <dgm:constr type="r" for="ch" forName="text_3" refType="w"/>
+                <dgm:constr type="w" for="ch" forName="text_3" refType="h" refFor="ch" refForName="text_3" op="gte"/>
+                <dgm:constr type="h" for="ch" forName="text_3" refType="h" refFor="ch" refForName="accent_3" fact="0.8"/>
+                <dgm:constr type="ctrY" for="ch" forName="text_3" refType="ctrY" refFor="ch" refForName="accent_3"/>
+                <dgm:constr type="lMarg" for="ch" forName="text_3" refType="w" refFor="ch" refForName="accent_3" fact="1.8"/>
+                <dgm:constr type="h" for="ch" forName="accent_4" refType="h" fact="0.1136"/>
+                <dgm:constr type="w" for="ch" forName="accent_4" refType="h" refFor="ch" refForName="accent_4" op="equ"/>
+                <dgm:constr type="ctrY" for="ch" forName="accent_4" refType="h" fact="0.5"/>
+                <dgm:constr type="ctrX" for="ch" forName="accent_4" refType="h" fact="0.2253"/>
+                <dgm:constr type="l" for="ch" forName="text_4" refType="ctrX" refFor="ch" refForName="accent_4"/>
+                <dgm:constr type="r" for="ch" forName="text_4" refType="w"/>
+                <dgm:constr type="w" for="ch" forName="text_4" refType="h" refFor="ch" refForName="text_4" op="gte"/>
+                <dgm:constr type="h" for="ch" forName="text_4" refType="h" refFor="ch" refForName="accent_4" fact="0.8"/>
+                <dgm:constr type="ctrY" for="ch" forName="text_4" refType="ctrY" refFor="ch" refForName="accent_4"/>
+                <dgm:constr type="lMarg" for="ch" forName="text_4" refType="w" refFor="ch" refForName="accent_4" fact="1.8"/>
+                <dgm:constr type="h" for="ch" forName="accent_5" refType="h" fact="0.1136"/>
+                <dgm:constr type="w" for="ch" forName="accent_5" refType="h" refFor="ch" refForName="accent_5" op="equ"/>
+                <dgm:constr type="ctrY" for="ch" forName="accent_5" refType="h" fact="0.6364"/>
+                <dgm:constr type="ctrX" for="ch" forName="accent_5" refType="h" fact="0.2109"/>
+                <dgm:constr type="l" for="ch" forName="text_5" refType="ctrX" refFor="ch" refForName="accent_5"/>
+                <dgm:constr type="r" for="ch" forName="text_5" refType="w"/>
+                <dgm:constr type="w" for="ch" forName="text_5" refType="h" refFor="ch" refForName="text_5" op="gte"/>
+                <dgm:constr type="h" for="ch" forName="text_5" refType="h" refFor="ch" refForName="accent_5" fact="0.8"/>
+                <dgm:constr type="ctrY" for="ch" forName="text_5" refType="ctrY" refFor="ch" refForName="accent_5"/>
+                <dgm:constr type="lMarg" for="ch" forName="text_5" refType="w" refFor="ch" refForName="accent_5" fact="1.8"/>
+                <dgm:constr type="h" for="ch" forName="accent_6" refType="h" fact="0.1136"/>
+                <dgm:constr type="w" for="ch" forName="accent_6" refType="h" refFor="ch" refForName="accent_6" op="equ"/>
+                <dgm:constr type="ctrY" for="ch" forName="accent_6" refType="h" fact="0.7727"/>
+                <dgm:constr type="ctrX" for="ch" forName="accent_6" refType="h" fact="0.1658"/>
+                <dgm:constr type="l" for="ch" forName="text_6" refType="ctrX" refFor="ch" refForName="accent_6"/>
+                <dgm:constr type="r" for="ch" forName="text_6" refType="w"/>
+                <dgm:constr type="w" for="ch" forName="text_6" refType="h" refFor="ch" refForName="text_6" op="gte"/>
+                <dgm:constr type="h" for="ch" forName="text_6" refType="h" refFor="ch" refForName="accent_6" fact="0.8"/>
+                <dgm:constr type="ctrY" for="ch" forName="text_6" refType="ctrY" refFor="ch" refForName="accent_6"/>
+                <dgm:constr type="lMarg" for="ch" forName="text_6" refType="w" refFor="ch" refForName="accent_6" fact="1.8"/>
+                <dgm:constr type="h" for="ch" forName="accent_7" refType="h" fact="0.1136"/>
+                <dgm:constr type="w" for="ch" forName="accent_7" refType="h" refFor="ch" refForName="accent_7" op="equ"/>
+                <dgm:constr type="ctrY" for="ch" forName="accent_7" refType="h" fact="0.9091"/>
+                <dgm:constr type="ctrX" for="ch" forName="accent_7" refType="h" fact="0.0835"/>
+                <dgm:constr type="l" for="ch" forName="text_7" refType="ctrX" refFor="ch" refForName="accent_7"/>
+                <dgm:constr type="r" for="ch" forName="text_7" refType="w"/>
+                <dgm:constr type="w" for="ch" forName="text_7" refType="h" refFor="ch" refForName="text_7" op="gte"/>
+                <dgm:constr type="h" for="ch" forName="text_7" refType="h" refFor="ch" refForName="accent_7" fact="0.8"/>
+                <dgm:constr type="ctrY" for="ch" forName="text_7" refType="ctrY" refFor="ch" refForName="accent_7"/>
+                <dgm:constr type="lMarg" for="ch" forName="text_7" refType="w" refFor="ch" refForName="accent_7" fact="1.8"/>
+                <dgm:constr type="primFontSz" for="ch" ptType="node" op="equ" val="65"/>
+              </dgm:constrLst>
+            </dgm:else>
+          </dgm:choose>
+        </dgm:if>
+        <dgm:else name="Name12">
+          <dgm:choose name="Name13">
+            <dgm:if name="Name14" axis="ch" ptType="node" func="cnt" op="equ" val="1">
+              <dgm:constrLst>
+                <dgm:constr type="h" for="ch" forName="cycle" refType="h"/>
+                <dgm:constr type="w" for="ch" forName="cycle" refType="h" refFor="ch" refForName="cycle" fact="0.26"/>
+                <dgm:constr type="r" for="ch" forName="cycle" refType="w"/>
+                <dgm:constr type="ctrY" for="ch" forName="cycle" refType="h" fact="0.5"/>
+                <dgm:constr type="diam" for="ch" forName="cycle" refType="h" fact="1.344"/>
+                <dgm:constr type="h" for="ch" forName="accent_1" refType="h" fact="0.625"/>
+                <dgm:constr type="w" for="ch" forName="accent_1" refType="h" refFor="ch" refForName="accent_1" op="equ"/>
+                <dgm:constr type="ctrY" for="ch" forName="accent_1" refType="h" fact="0.5"/>
+                <dgm:constr type="ctrX" for="ch" forName="accent_1" refType="w"/>
+                <dgm:constr type="ctrXOff" for="ch" forName="accent_1" refType="h" fact="-0.2253"/>
+                <dgm:constr type="r" for="ch" forName="text_1" refType="ctrX" refFor="ch" refForName="accent_1"/>
+                <dgm:constr type="rOff" for="ch" forName="text_1" refType="ctrXOff" refFor="ch" refForName="accent_1"/>
+                <dgm:constr type="l" for="ch" forName="text_1"/>
+                <dgm:constr type="w" for="ch" forName="text_1" refType="h" refFor="ch" refForName="text_1" op="gte"/>
+                <dgm:constr type="h" for="ch" forName="text_1" refType="h" refFor="ch" refForName="accent_1" fact="0.8"/>
+                <dgm:constr type="ctrY" for="ch" forName="text_1" refType="ctrY" refFor="ch" refForName="accent_1"/>
+                <dgm:constr type="rMarg" for="ch" forName="text_1" refType="w" refFor="ch" refForName="accent_1" fact="1.8"/>
+                <dgm:constr type="primFontSz" for="ch" ptType="node" op="equ" val="65"/>
+              </dgm:constrLst>
+            </dgm:if>
+            <dgm:if name="Name15" axis="ch" ptType="node" func="cnt" op="equ" val="2">
+              <dgm:constrLst>
+                <dgm:constr type="h" for="ch" forName="cycle" refType="h"/>
+                <dgm:constr type="w" for="ch" forName="cycle" refType="h" refFor="ch" refForName="cycle" fact="0.26"/>
+                <dgm:constr type="r" for="ch" forName="cycle" refType="w"/>
+                <dgm:constr type="ctrY" for="ch" forName="cycle" refType="h" fact="0.5"/>
+                <dgm:constr type="diam" for="ch" forName="cycle" refType="h" fact="1.344"/>
+                <dgm:constr type="h" for="ch" forName="accent_1" refType="h" fact="0.3571"/>
+                <dgm:constr type="w" for="ch" forName="accent_1" refType="h" refFor="ch" refForName="accent_1" op="equ"/>
+                <dgm:constr type="ctrY" for="ch" forName="accent_1" refType="h" fact="0.2857"/>
+                <dgm:constr type="ctrX" for="ch" forName="accent_1" refType="w"/>
+                <dgm:constr type="ctrXOff" for="ch" forName="accent_1" refType="h" fact="-0.1891"/>
+                <dgm:constr type="r" for="ch" forName="text_1" refType="ctrX" refFor="ch" refForName="accent_1"/>
+                <dgm:constr type="rOff" for="ch" forName="text_1" refType="ctrXOff" refFor="ch" refForName="accent_1"/>
+                <dgm:constr type="l" for="ch" forName="text_1"/>
+                <dgm:constr type="w" for="ch" forName="text_1" refType="h" refFor="ch" refForName="text_1" op="gte"/>
+                <dgm:constr type="h" for="ch" forName="text_1" refType="h" refFor="ch" refForName="accent_1" fact="0.8"/>
+                <dgm:constr type="ctrY" for="ch" forName="text_1" refType="ctrY" refFor="ch" refForName="accent_1"/>
+                <dgm:constr type="rMarg" for="ch" forName="text_1" refType="w" refFor="ch" refForName="accent_1" fact="1.8"/>
+                <dgm:constr type="h" for="ch" forName="accent_2" refType="h" fact="0.3571"/>
+                <dgm:constr type="w" for="ch" forName="accent_2" refType="h" refFor="ch" refForName="accent_2" op="equ"/>
+                <dgm:constr type="ctrY" for="ch" forName="accent_2" refType="h" fact="0.7143"/>
+                <dgm:constr type="ctrX" for="ch" forName="accent_2" refType="w"/>
+                <dgm:constr type="ctrXOff" for="ch" forName="accent_2" refType="h" fact="-0.1891"/>
+                <dgm:constr type="r" for="ch" forName="text_2" refType="ctrX" refFor="ch" refForName="accent_2"/>
+                <dgm:constr type="rOff" for="ch" forName="text_2" refType="ctrXOff" refFor="ch" refForName="accent_2"/>
+                <dgm:constr type="l" for="ch" forName="text_2"/>
+                <dgm:constr type="w" for="ch" forName="text_2" refType="h" refFor="ch" refForName="text_2" op="gte"/>
+                <dgm:constr type="h" for="ch" forName="text_2" refType="h" refFor="ch" refForName="accent_2" fact="0.8"/>
+                <dgm:constr type="ctrY" for="ch" forName="text_2" refType="ctrY" refFor="ch" refForName="accent_2"/>
+                <dgm:constr type="rMarg" for="ch" forName="text_2" refType="w" refFor="ch" refForName="accent_2" fact="1.8"/>
+                <dgm:constr type="primFontSz" for="ch" ptType="node" op="equ" val="65"/>
+              </dgm:constrLst>
+            </dgm:if>
+            <dgm:if name="Name16" axis="ch" ptType="node" func="cnt" op="equ" val="3">
+              <dgm:constrLst>
+                <dgm:constr type="h" for="ch" forName="cycle" refType="h"/>
+                <dgm:constr type="w" for="ch" forName="cycle" refType="h" refFor="ch" refForName="cycle" fact="0.26"/>
+                <dgm:constr type="r" for="ch" forName="cycle" refType="w"/>
+                <dgm:constr type="ctrY" for="ch" forName="cycle" refType="h" fact="0.5"/>
+                <dgm:constr type="diam" for="ch" forName="cycle" refType="h" fact="1.344"/>
+                <dgm:constr type="h" for="ch" forName="accent_1" refType="h" fact="0.25"/>
+                <dgm:constr type="w" for="ch" forName="accent_1" refType="h" refFor="ch" refForName="accent_1" op="equ"/>
+                <dgm:constr type="ctrY" for="ch" forName="accent_1" refType="h" fact="0.2"/>
+                <dgm:constr type="ctrX" for="ch" forName="accent_1" refType="w"/>
+                <dgm:constr type="ctrXOff" for="ch" forName="accent_1" refType="h" fact="-0.1526"/>
+                <dgm:constr type="r" for="ch" forName="text_1" refType="ctrX" refFor="ch" refForName="accent_1"/>
+                <dgm:constr type="rOff" for="ch" forName="text_1" refType="ctrXOff" refFor="ch" refForName="accent_1"/>
+                <dgm:constr type="l" for="ch" forName="text_1"/>
+                <dgm:constr type="w" for="ch" forName="text_1" refType="h" refFor="ch" refForName="text_1" op="gte"/>
+                <dgm:constr type="h" for="ch" forName="text_1" refType="h" refFor="ch" refForName="accent_1" fact="0.8"/>
+                <dgm:constr type="ctrY" for="ch" forName="text_1" refType="ctrY" refFor="ch" refForName="accent_1"/>
+                <dgm:constr type="rMarg" for="ch" forName="text_1" refType="w" refFor="ch" refForName="accent_1" fact="1.8"/>
+                <dgm:constr type="h" for="ch" forName="accent_2" refType="h" fact="0.25"/>
+                <dgm:constr type="w" for="ch" forName="accent_2" refType="h" refFor="ch" refForName="accent_2" op="equ"/>
+                <dgm:constr type="ctrY" for="ch" forName="accent_2" refType="h" fact="0.5"/>
+                <dgm:constr type="ctrX" for="ch" forName="accent_2" refType="w"/>
+                <dgm:constr type="ctrXOff" for="ch" forName="accent_2" refType="h" fact="-0.2253"/>
+                <dgm:constr type="r" for="ch" forName="text_2" refType="ctrX" refFor="ch" refForName="accent_2"/>
+                <dgm:constr type="rOff" for="ch" forName="text_2" refType="ctrXOff" refFor="ch" refForName="accent_2"/>
+                <dgm:constr type="l" for="ch" forName="text_2"/>
+                <dgm:constr type="w" for="ch" forName="text_2" refType="h" refFor="ch" refForName="text_2" op="gte"/>
+                <dgm:constr type="h" for="ch" forName="text_2" refType="h" refFor="ch" refForName="accent_2" fact="0.8"/>
+                <dgm:constr type="ctrY" for="ch" forName="text_2" refType="ctrY" refFor="ch" refForName="accent_2"/>
+                <dgm:constr type="rMarg" for="ch" forName="text_2" refType="w" refFor="ch" refForName="accent_2" fact="1.8"/>
+                <dgm:constr type="h" for="ch" forName="accent_3" refType="h" fact="0.25"/>
+                <dgm:constr type="w" for="ch" forName="accent_3" refType="h" refFor="ch" refForName="accent_3" op="equ"/>
+                <dgm:constr type="ctrY" for="ch" forName="accent_3" refType="h" fact="0.8"/>
+                <dgm:constr type="ctrX" for="ch" forName="accent_3" refType="w"/>
+                <dgm:constr type="ctrXOff" for="ch" forName="accent_3" refType="h" fact="-0.1526"/>
+                <dgm:constr type="r" for="ch" forName="text_3" refType="ctrX" refFor="ch" refForName="accent_3"/>
+                <dgm:constr type="rOff" for="ch" forName="text_3" refType="ctrXOff" refFor="ch" refForName="accent_3"/>
+                <dgm:constr type="l" for="ch" forName="text_3"/>
+                <dgm:constr type="w" for="ch" forName="text_3" refType="h" refFor="ch" refForName="text_3" op="gte"/>
+                <dgm:constr type="h" for="ch" forName="text_3" refType="h" refFor="ch" refForName="accent_3" fact="0.8"/>
+                <dgm:constr type="ctrY" for="ch" forName="text_3" refType="ctrY" refFor="ch" refForName="accent_3"/>
+                <dgm:constr type="rMarg" for="ch" forName="text_3" refType="w" refFor="ch" refForName="accent_3" fact="1.8"/>
+                <dgm:constr type="primFontSz" for="ch" ptType="node" op="equ" val="65"/>
+              </dgm:constrLst>
+            </dgm:if>
+            <dgm:if name="Name17" axis="ch" ptType="node" func="cnt" op="equ" val="4">
+              <dgm:constrLst>
+                <dgm:constr type="h" for="ch" forName="cycle" refType="h"/>
+                <dgm:constr type="w" for="ch" forName="cycle" refType="h" refFor="ch" refForName="cycle" fact="0.26"/>
+                <dgm:constr type="r" for="ch" forName="cycle" refType="w"/>
+                <dgm:constr type="ctrY" for="ch" forName="cycle" refType="h" fact="0.5"/>
+                <dgm:constr type="diam" for="ch" forName="cycle" refType="h" fact="1.344"/>
+                <dgm:constr type="h" for="ch" forName="accent_1" refType="h" fact="0.1923"/>
+                <dgm:constr type="w" for="ch" forName="accent_1" refType="h" refFor="ch" refForName="accent_1" op="equ"/>
+                <dgm:constr type="ctrY" for="ch" forName="accent_1" refType="h" fact="0.1538"/>
+                <dgm:constr type="ctrX" for="ch" forName="accent_1" refType="w"/>
+                <dgm:constr type="ctrXOff" for="ch" forName="accent_1" refType="h" fact="-0.1268"/>
+                <dgm:constr type="r" for="ch" forName="text_1" refType="ctrX" refFor="ch" refForName="accent_1"/>
+                <dgm:constr type="rOff" for="ch" forName="text_1" refType="ctrXOff" refFor="ch" refForName="accent_1"/>
+                <dgm:constr type="l" for="ch" forName="text_1"/>
+                <dgm:constr type="w" for="ch" forName="text_1" refType="h" refFor="ch" refForName="text_1" op="gte"/>
+                <dgm:constr type="h" for="ch" forName="text_1" refType="h" refFor="ch" refForName="accent_1" fact="0.8"/>
+                <dgm:constr type="ctrY" for="ch" forName="text_1" refType="ctrY" refFor="ch" refForName="accent_1"/>
+                <dgm:constr type="rMarg" for="ch" forName="text_1" refType="w" refFor="ch" refForName="accent_1" fact="1.8"/>
+                <dgm:constr type="h" for="ch" forName="accent_2" refType="h" fact="0.1923"/>
+                <dgm:constr type="w" for="ch" forName="accent_2" refType="h" refFor="ch" refForName="accent_2" op="equ"/>
+                <dgm:constr type="ctrY" for="ch" forName="accent_2" refType="h" fact="0.3846"/>
+                <dgm:constr type="ctrX" for="ch" forName="accent_2" refType="w"/>
+                <dgm:constr type="ctrXOff" for="ch" forName="accent_2" refType="h" fact="-0.215"/>
+                <dgm:constr type="r" for="ch" forName="text_2" refType="ctrX" refFor="ch" refForName="accent_2"/>
+                <dgm:constr type="rOff" for="ch" forName="text_2" refType="ctrXOff" refFor="ch" refForName="accent_2"/>
+                <dgm:constr type="l" for="ch" forName="text_2"/>
+                <dgm:constr type="w" for="ch" forName="text_2" refType="h" refFor="ch" refForName="text_2" op="gte"/>
+                <dgm:constr type="h" for="ch" forName="text_2" refType="h" refFor="ch" refForName="accent_2" fact="0.8"/>
+                <dgm:constr type="ctrY" for="ch" forName="text_2" refType="ctrY" refFor="ch" refForName="accent_2"/>
+                <dgm:constr type="rMarg" for="ch" forName="text_2" refType="w" refFor="ch" refForName="accent_2" fact="1.8"/>
+                <dgm:constr type="h" for="ch" forName="accent_3" refType="h" fact="0.1923"/>
+                <dgm:constr type="w" for="ch" forName="accent_3" refType="h" refFor="ch" refForName="accent_3" op="equ"/>
+                <dgm:constr type="ctrY" for="ch" forName="accent_3" refType="h" fact="0.6154"/>
+                <dgm:constr type="ctrX" for="ch" forName="accent_3" refType="w"/>
+                <dgm:constr type="ctrXOff" for="ch" forName="accent_3" refType="h" fact="-0.215"/>
+                <dgm:constr type="r" for="ch" forName="text_3" refType="ctrX" refFor="ch" refForName="accent_3"/>
+                <dgm:constr type="rOff" for="ch" forName="text_3" refType="ctrXOff" refFor="ch" refForName="accent_3"/>
+                <dgm:constr type="l" for="ch" forName="text_3"/>
+                <dgm:constr type="w" for="ch" forName="text_3" refType="h" refFor="ch" refForName="text_3" op="gte"/>
+                <dgm:constr type="h" for="ch" forName="text_3" refType="h" refFor="ch" refForName="accent_3" fact="0.8"/>
+                <dgm:constr type="ctrY" for="ch" forName="text_3" refType="ctrY" refFor="ch" refForName="accent_3"/>
+                <dgm:constr type="rMarg" for="ch" forName="text_3" refType="w" refFor="ch" refForName="accent_3" fact="1.8"/>
+                <dgm:constr type="h" for="ch" forName="accent_4" refType="h" fact="0.1923"/>
+                <dgm:constr type="w" for="ch" forName="accent_4" refType="h" refFor="ch" refForName="accent_4" op="equ"/>
+                <dgm:constr type="ctrY" for="ch" forName="accent_4" refType="h" fact="0.8462"/>
+                <dgm:constr type="ctrX" for="ch" forName="accent_4" refType="w"/>
+                <dgm:constr type="ctrXOff" for="ch" forName="accent_4" refType="h" fact="-0.1268"/>
+                <dgm:constr type="r" for="ch" forName="text_4" refType="ctrX" refFor="ch" refForName="accent_4"/>
+                <dgm:constr type="rOff" for="ch" forName="text_4" refType="ctrXOff" refFor="ch" refForName="accent_4"/>
+                <dgm:constr type="l" for="ch" forName="text_4"/>
+                <dgm:constr type="w" for="ch" forName="text_4" refType="h" refFor="ch" refForName="text_4" op="gte"/>
+                <dgm:constr type="h" for="ch" forName="text_4" refType="h" refFor="ch" refForName="accent_4" fact="0.8"/>
+                <dgm:constr type="ctrY" for="ch" forName="text_4" refType="ctrY" refFor="ch" refForName="accent_4"/>
+                <dgm:constr type="rMarg" for="ch" forName="text_4" refType="w" refFor="ch" refForName="accent_4" fact="1.8"/>
+                <dgm:constr type="primFontSz" for="ch" ptType="node" op="equ" val="65"/>
+              </dgm:constrLst>
+            </dgm:if>
+            <dgm:if name="Name18" axis="ch" ptType="node" func="cnt" op="equ" val="5">
+              <dgm:constrLst>
+                <dgm:constr type="h" for="ch" forName="cycle" refType="h"/>
+                <dgm:constr type="w" for="ch" forName="cycle" refType="h" refFor="ch" refForName="cycle" fact="0.26"/>
+                <dgm:constr type="r" for="ch" forName="cycle" refType="w"/>
+                <dgm:constr type="ctrY" for="ch" forName="cycle" refType="h" fact="0.5"/>
+                <dgm:constr type="diam" for="ch" forName="cycle" refType="h" fact="1.344"/>
+                <dgm:constr type="h" for="ch" forName="accent_1" refType="h" fact="0.1563"/>
+                <dgm:constr type="w" for="ch" forName="accent_1" refType="h" refFor="ch" refForName="accent_1" op="equ"/>
+                <dgm:constr type="ctrY" for="ch" forName="accent_1" refType="h" fact="0.125"/>
+                <dgm:constr type="ctrX" for="ch" forName="accent_1" refType="w"/>
+                <dgm:constr type="ctrXOff" for="ch" forName="accent_1" refType="h" fact="-0.1082"/>
+                <dgm:constr type="r" for="ch" forName="text_1" refType="ctrX" refFor="ch" refForName="accent_1"/>
+                <dgm:constr type="rOff" for="ch" forName="text_1" refType="ctrXOff" refFor="ch" refForName="accent_1"/>
+                <dgm:constr type="l" for="ch" forName="text_1"/>
+                <dgm:constr type="w" for="ch" forName="text_1" refType="h" refFor="ch" refForName="text_1" op="gte"/>
+                <dgm:constr type="h" for="ch" forName="text_1" refType="h" refFor="ch" refForName="accent_1" fact="0.8"/>
+                <dgm:constr type="ctrY" for="ch" forName="text_1" refType="ctrY" refFor="ch" refForName="accent_1"/>
+                <dgm:constr type="rMarg" for="ch" forName="text_1" refType="w" refFor="ch" refForName="accent_1" fact="1.8"/>
+                <dgm:constr type="h" for="ch" forName="accent_2" refType="h" fact="0.1563"/>
+                <dgm:constr type="w" for="ch" forName="accent_2" refType="h" refFor="ch" refForName="accent_2" op="equ"/>
+                <dgm:constr type="ctrY" for="ch" forName="accent_2" refType="h" fact="0.3125"/>
+                <dgm:constr type="ctrX" for="ch" forName="accent_2" refType="w"/>
+                <dgm:constr type="ctrXOff" for="ch" forName="accent_2" refType="h" fact="-0.1978"/>
+                <dgm:constr type="r" for="ch" forName="text_2" refType="ctrX" refFor="ch" refForName="accent_2"/>
+                <dgm:constr type="rOff" for="ch" forName="text_2" refType="ctrXOff" refFor="ch" refForName="accent_2"/>
+                <dgm:constr type="l" for="ch" forName="text_2"/>
+                <dgm:constr type="w" for="ch" forName="text_2" refType="h" refFor="ch" refForName="text_2" op="gte"/>
+                <dgm:constr type="h" for="ch" forName="text_2" refType="h" refFor="ch" refForName="accent_2" fact="0.8"/>
+                <dgm:constr type="ctrY" for="ch" forName="text_2" refType="ctrY" refFor="ch" refForName="accent_2"/>
+                <dgm:constr type="rMarg" for="ch" forName="text_2" refType="w" refFor="ch" refForName="accent_2" fact="1.8"/>
+                <dgm:constr type="h" for="ch" forName="accent_3" refType="h" fact="0.1563"/>
+                <dgm:constr type="w" for="ch" forName="accent_3" refType="h" refFor="ch" refForName="accent_3" op="equ"/>
+                <dgm:constr type="ctrY" for="ch" forName="accent_3" refType="h" fact="0.5"/>
+                <dgm:constr type="ctrX" for="ch" forName="accent_3" refType="w"/>
+                <dgm:constr type="ctrXOff" for="ch" forName="accent_3" refType="h" fact="-0.2253"/>
+                <dgm:constr type="r" for="ch" forName="text_3" refType="ctrX" refFor="ch" refForName="accent_3"/>
+                <dgm:constr type="rOff" for="ch" forName="text_3" refType="ctrXOff" refFor="ch" refForName="accent_3"/>
+                <dgm:constr type="l" for="ch" forName="text_3"/>
+                <dgm:constr type="w" for="ch" forName="text_3" refType="h" refFor="ch" refForName="text_3" op="gte"/>
+                <dgm:constr type="h" for="ch" forName="text_3" refType="h" refFor="ch" refForName="accent_3" fact="0.8"/>
+                <dgm:constr type="ctrY" for="ch" forName="text_3" refType="ctrY" refFor="ch" refForName="accent_3"/>
+                <dgm:constr type="rMarg" for="ch" forName="text_3" refType="w" refFor="ch" refForName="accent_3" fact="1.8"/>
+                <dgm:constr type="h" for="ch" forName="accent_4" refType="h" fact="0.1563"/>
+                <dgm:constr type="w" for="ch" forName="accent_4" refType="h" refFor="ch" refForName="accent_4" op="equ"/>
+                <dgm:constr type="ctrY" for="ch" forName="accent_4" refType="h" fact="0.6875"/>
+                <dgm:constr type="ctrX" for="ch" forName="accent_4" refType="w"/>
+                <dgm:constr type="ctrXOff" for="ch" forName="accent_4" refType="h" fact="-0.1978"/>
+                <dgm:constr type="r" for="ch" forName="text_4" refType="ctrX" refFor="ch" refForName="accent_4"/>
+                <dgm:constr type="rOff" for="ch" forName="text_4" refType="ctrXOff" refFor="ch" refForName="accent_4"/>
+                <dgm:constr type="l" for="ch" forName="text_4"/>
+                <dgm:constr type="w" for="ch" forName="text_4" refType="h" refFor="ch" refForName="text_4" op="gte"/>
+                <dgm:constr type="h" for="ch" forName="text_4" refType="h" refFor="ch" refForName="accent_4" fact="0.8"/>
+                <dgm:constr type="ctrY" for="ch" forName="text_4" refType="ctrY" refFor="ch" refForName="accent_4"/>
+                <dgm:constr type="rMarg" for="ch" forName="text_4" refType="w" refFor="ch" refForName="accent_4" fact="1.8"/>
+                <dgm:constr type="h" for="ch" forName="accent_5" refType="h" fact="0.1563"/>
+                <dgm:constr type="w" for="ch" forName="accent_5" refType="h" refFor="ch" refForName="accent_5" op="equ"/>
+                <dgm:constr type="ctrY" for="ch" forName="accent_5" refType="h" fact="0.875"/>
+                <dgm:constr type="ctrX" for="ch" forName="accent_5" refType="w"/>
+                <dgm:constr type="ctrXOff" for="ch" forName="accent_5" refType="h" fact="-0.1082"/>
+                <dgm:constr type="r" for="ch" forName="text_5" refType="ctrX" refFor="ch" refForName="accent_5"/>
+                <dgm:constr type="rOff" for="ch" forName="text_5" refType="ctrXOff" refFor="ch" refForName="accent_5"/>
+                <dgm:constr type="l" for="ch" forName="text_5"/>
+                <dgm:constr type="w" for="ch" forName="text_5" refType="h" refFor="ch" refForName="text_5" op="gte"/>
+                <dgm:constr type="h" for="ch" forName="text_5" refType="h" refFor="ch" refForName="accent_5" fact="0.8"/>
+                <dgm:constr type="ctrY" for="ch" forName="text_5" refType="ctrY" refFor="ch" refForName="accent_5"/>
+                <dgm:constr type="rMarg" for="ch" forName="text_5" refType="w" refFor="ch" refForName="accent_5" fact="1.8"/>
+                <dgm:constr type="primFontSz" for="ch" ptType="node" op="equ" val="65"/>
+              </dgm:constrLst>
+            </dgm:if>
+            <dgm:if name="Name19" axis="ch" ptType="node" func="cnt" op="equ" val="6">
+              <dgm:constrLst>
+                <dgm:constr type="h" for="ch" forName="cycle" refType="h"/>
+                <dgm:constr type="w" for="ch" forName="cycle" refType="h" refFor="ch" refForName="cycle" fact="0.26"/>
+                <dgm:constr type="r" for="ch" forName="cycle" refType="w"/>
+                <dgm:constr type="ctrY" for="ch" forName="cycle" refType="h" fact="0.5"/>
+                <dgm:constr type="diam" for="ch" forName="cycle" refType="h" fact="1.344"/>
+                <dgm:constr type="h" for="ch" forName="accent_1" refType="h" fact="0.1316"/>
+                <dgm:constr type="w" for="ch" forName="accent_1" refType="h" refFor="ch" refForName="accent_1" op="equ"/>
+                <dgm:constr type="ctrY" for="ch" forName="accent_1" refType="h" fact="0.1053"/>
+                <dgm:constr type="ctrX" for="ch" forName="accent_1" refType="w"/>
+                <dgm:constr type="ctrXOff" for="ch" forName="accent_1" refType="h" fact="-0.0943"/>
+                <dgm:constr type="r" for="ch" forName="text_1" refType="ctrX" refFor="ch" refForName="accent_1"/>
+                <dgm:constr type="rOff" for="ch" forName="text_1" refType="ctrXOff" refFor="ch" refForName="accent_1"/>
+                <dgm:constr type="l" for="ch" forName="text_1"/>
+                <dgm:constr type="w" for="ch" forName="text_1" refType="h" refFor="ch" refForName="text_1" op="gte"/>
+                <dgm:constr type="h" for="ch" forName="text_1" refType="h" refFor="ch" refForName="accent_1" fact="0.8"/>
+                <dgm:constr type="ctrY" for="ch" forName="text_1" refType="ctrY" refFor="ch" refForName="accent_1"/>
+                <dgm:constr type="rMarg" for="ch" forName="text_1" refType="w" refFor="ch" refForName="accent_1" fact="1.8"/>
+                <dgm:constr type="h" for="ch" forName="accent_2" refType="h" fact="0.1316"/>
+                <dgm:constr type="w" for="ch" forName="accent_2" refType="h" refFor="ch" refForName="accent_2" op="equ"/>
+                <dgm:constr type="ctrY" for="ch" forName="accent_2" refType="h" fact="0.2632"/>
+                <dgm:constr type="ctrX" for="ch" forName="accent_2" refType="w"/>
+                <dgm:constr type="ctrXOff" for="ch" forName="accent_2" refType="h" fact="-0.1809"/>
+                <dgm:constr type="r" for="ch" forName="text_2" refType="ctrX" refFor="ch" refForName="accent_2"/>
+                <dgm:constr type="rOff" for="ch" forName="text_2" refType="ctrXOff" refFor="ch" refForName="accent_2"/>
+                <dgm:constr type="l" for="ch" forName="text_2"/>
+                <dgm:constr type="w" for="ch" forName="text_2" refType="h" refFor="ch" refForName="text_2" op="gte"/>
+                <dgm:constr type="h" for="ch" forName="text_2" refType="h" refFor="ch" refForName="accent_2" fact="0.8"/>
+                <dgm:constr type="ctrY" for="ch" forName="text_2" refType="ctrY" refFor="ch" refForName="accent_2"/>
+                <dgm:constr type="rMarg" for="ch" forName="text_2" refType="w" refFor="ch" refForName="accent_2" fact="1.8"/>
+                <dgm:constr type="h" for="ch" forName="accent_3" refType="h" fact="0.1316"/>
+                <dgm:constr type="w" for="ch" forName="accent_3" refType="h" refFor="ch" refForName="accent_3" op="equ"/>
+                <dgm:constr type="ctrY" for="ch" forName="accent_3" refType="h" fact="0.4211"/>
+                <dgm:constr type="ctrX" for="ch" forName="accent_3" refType="w"/>
+                <dgm:constr type="ctrXOff" for="ch" forName="accent_3" refType="h" fact="-0.2205"/>
+                <dgm:constr type="r" for="ch" forName="text_3" refType="ctrX" refFor="ch" refForName="accent_3"/>
+                <dgm:constr type="rOff" for="ch" forName="text_3" refType="ctrXOff" refFor="ch" refForName="accent_3"/>
+                <dgm:constr type="l" for="ch" forName="text_3"/>
+                <dgm:constr type="w" for="ch" forName="text_3" refType="h" refFor="ch" refForName="text_3" op="gte"/>
+                <dgm:constr type="h" for="ch" forName="text_3" refType="h" refFor="ch" refForName="accent_3" fact="0.8"/>
+                <dgm:constr type="ctrY" for="ch" forName="text_3" refType="ctrY" refFor="ch" refForName="accent_3"/>
+                <dgm:constr type="rMarg" for="ch" forName="text_3" refType="w" refFor="ch" refForName="accent_3" fact="1.8"/>
+                <dgm:constr type="h" for="ch" forName="accent_4" refType="h" fact="0.1316"/>
+                <dgm:constr type="w" for="ch" forName="accent_4" refType="h" refFor="ch" refForName="accent_4" op="equ"/>
+                <dgm:constr type="ctrY" for="ch" forName="accent_4" refType="h" fact="0.5789"/>
+                <dgm:constr type="ctrX" for="ch" forName="accent_4" refType="w"/>
+                <dgm:constr type="ctrXOff" for="ch" forName="accent_4" refType="h" fact="-0.2205"/>
+                <dgm:constr type="r" for="ch" forName="text_4" refType="ctrX" refFor="ch" refForName="accent_4"/>
+                <dgm:constr type="rOff" for="ch" forName="text_4" refType="ctrXOff" refFor="ch" refForName="accent_4"/>
+                <dgm:constr type="l" for="ch" forName="text_4"/>
+                <dgm:constr type="w" for="ch" forName="text_4" refType="h" refFor="ch" refForName="text_4" op="gte"/>
+                <dgm:constr type="h" for="ch" forName="text_4" refType="h" refFor="ch" refForName="accent_4" fact="0.8"/>
+                <dgm:constr type="ctrY" for="ch" forName="text_4" refType="ctrY" refFor="ch" refForName="accent_4"/>
+                <dgm:constr type="rMarg" for="ch" forName="text_4" refType="w" refFor="ch" refForName="accent_4" fact="1.8"/>
+                <dgm:constr type="h" for="ch" forName="accent_5" refType="h" fact="0.1316"/>
+                <dgm:constr type="w" for="ch" forName="accent_5" refType="h" refFor="ch" refForName="accent_5" op="equ"/>
+                <dgm:constr type="ctrY" for="ch" forName="accent_5" refType="h" fact="0.7368"/>
+                <dgm:constr type="ctrX" for="ch" forName="accent_5" refType="w"/>
+                <dgm:constr type="ctrXOff" for="ch" forName="accent_5" refType="h" fact="-0.1809"/>
+                <dgm:constr type="r" for="ch" forName="text_5" refType="ctrX" refFor="ch" refForName="accent_5"/>
+                <dgm:constr type="rOff" for="ch" forName="text_5" refType="ctrXOff" refFor="ch" refForName="accent_5"/>
+                <dgm:constr type="l" for="ch" forName="text_5"/>
+                <dgm:constr type="w" for="ch" forName="text_5" refType="h" refFor="ch" refForName="text_5" op="gte"/>
+                <dgm:constr type="h" for="ch" forName="text_5" refType="h" refFor="ch" refForName="accent_5" fact="0.8"/>
+                <dgm:constr type="ctrY" for="ch" forName="text_5" refType="ctrY" refFor="ch" refForName="accent_5"/>
+                <dgm:constr type="rMarg" for="ch" forName="text_5" refType="w" refFor="ch" refForName="accent_5" fact="1.8"/>
+                <dgm:constr type="h" for="ch" forName="accent_6" refType="h" fact="0.1316"/>
+                <dgm:constr type="w" for="ch" forName="accent_6" refType="h" refFor="ch" refForName="accent_6" op="equ"/>
+                <dgm:constr type="ctrY" for="ch" forName="accent_6" refType="h" fact="0.8947"/>
+                <dgm:constr type="ctrX" for="ch" forName="accent_6" refType="w"/>
+                <dgm:constr type="ctrXOff" for="ch" forName="accent_6" refType="h" fact="-0.0943"/>
+                <dgm:constr type="r" for="ch" forName="text_6" refType="ctrX" refFor="ch" refForName="accent_6"/>
+                <dgm:constr type="rOff" for="ch" forName="text_6" refType="ctrXOff" refFor="ch" refForName="accent_6"/>
+                <dgm:constr type="l" for="ch" forName="text_6"/>
+                <dgm:constr type="w" for="ch" forName="text_6" refType="h" refFor="ch" refForName="text_6" op="gte"/>
+                <dgm:constr type="h" for="ch" forName="text_6" refType="h" refFor="ch" refForName="accent_6" fact="0.8"/>
+                <dgm:constr type="ctrY" for="ch" forName="text_6" refType="ctrY" refFor="ch" refForName="accent_6"/>
+                <dgm:constr type="rMarg" for="ch" forName="text_6" refType="w" refFor="ch" refForName="accent_6" fact="1.8"/>
+                <dgm:constr type="primFontSz" for="ch" ptType="node" op="equ" val="65"/>
+              </dgm:constrLst>
+            </dgm:if>
+            <dgm:else name="Name20">
+              <dgm:constrLst>
+                <dgm:constr type="h" for="ch" forName="cycle" refType="h"/>
+                <dgm:constr type="w" for="ch" forName="cycle" refType="h" refFor="ch" refForName="cycle" fact="0.26"/>
+                <dgm:constr type="r" for="ch" forName="cycle" refType="w"/>
+                <dgm:constr type="ctrY" for="ch" forName="cycle" refType="h" fact="0.5"/>
+                <dgm:constr type="diam" for="ch" forName="cycle" refType="h" fact="1.344"/>
+                <dgm:constr type="h" for="ch" forName="accent_1" refType="h" fact="0.1136"/>
+                <dgm:constr type="w" for="ch" forName="accent_1" refType="h" refFor="ch" refForName="accent_1" op="equ"/>
+                <dgm:constr type="ctrY" for="ch" forName="accent_1" refType="h" fact="0.0909"/>
+                <dgm:constr type="ctrX" for="ch" forName="accent_1" refType="w"/>
+                <dgm:constr type="ctrXOff" for="ch" forName="accent_1" refType="h" fact="-0.0835"/>
+                <dgm:constr type="r" for="ch" forName="text_1" refType="ctrX" refFor="ch" refForName="accent_1"/>
+                <dgm:constr type="rOff" for="ch" forName="text_1" refType="ctrXOff" refFor="ch" refForName="accent_1"/>
+                <dgm:constr type="l" for="ch" forName="text_1"/>
+                <dgm:constr type="w" for="ch" forName="text_1" refType="h" refFor="ch" refForName="text_1" op="gte"/>
+                <dgm:constr type="h" for="ch" forName="text_1" refType="h" refFor="ch" refForName="accent_1" fact="0.8"/>
+                <dgm:constr type="ctrY" for="ch" forName="text_1" refType="ctrY" refFor="ch" refForName="accent_1"/>
+                <dgm:constr type="rMarg" for="ch" forName="text_1" refType="w" refFor="ch" refForName="accent_1" fact="1.8"/>
+                <dgm:constr type="h" for="ch" forName="accent_2" refType="h" fact="0.1136"/>
+                <dgm:constr type="w" for="ch" forName="accent_2" refType="h" refFor="ch" refForName="accent_2" op="equ"/>
+                <dgm:constr type="ctrY" for="ch" forName="accent_2" refType="h" fact="0.2273"/>
+                <dgm:constr type="ctrX" for="ch" forName="accent_2" refType="w"/>
+                <dgm:constr type="ctrXOff" for="ch" forName="accent_2" refType="h" fact="-0.1658"/>
+                <dgm:constr type="r" for="ch" forName="text_2" refType="ctrX" refFor="ch" refForName="accent_2"/>
+                <dgm:constr type="rOff" for="ch" forName="text_2" refType="ctrXOff" refFor="ch" refForName="accent_2"/>
+                <dgm:constr type="l" for="ch" forName="text_2"/>
+                <dgm:constr type="w" for="ch" forName="text_2" refType="h" refFor="ch" refForName="text_2" op="gte"/>
+                <dgm:constr type="h" for="ch" forName="text_2" refType="h" refFor="ch" refForName="accent_2" fact="0.8"/>
+                <dgm:constr type="ctrY" for="ch" forName="text_2" refType="ctrY" refFor="ch" refForName="accent_2"/>
+                <dgm:constr type="rMarg" for="ch" forName="text_2" refType="w" refFor="ch" refForName="accent_2" fact="1.8"/>
+                <dgm:constr type="h" for="ch" forName="accent_3" refType="h" fact="0.1136"/>
+                <dgm:constr type="w" for="ch" forName="accent_3" refType="h" refFor="ch" refForName="accent_3" op="equ"/>
+                <dgm:constr type="ctrY" for="ch" forName="accent_3" refType="h" fact="0.3636"/>
+                <dgm:constr type="ctrX" for="ch" forName="accent_3" refType="w"/>
+                <dgm:constr type="ctrXOff" for="ch" forName="accent_3" refType="h" fact="-0.2109"/>
+                <dgm:constr type="r" for="ch" forName="text_3" refType="ctrX" refFor="ch" refForName="accent_3"/>
+                <dgm:constr type="rOff" for="ch" forName="text_3" refType="ctrXOff" refFor="ch" refForName="accent_3"/>
+                <dgm:constr type="l" for="ch" forName="text_3"/>
+                <dgm:constr type="w" for="ch" forName="text_3" refType="h" refFor="ch" refForName="text_3" op="gte"/>
+                <dgm:constr type="h" for="ch" forName="text_3" refType="h" refFor="ch" refForName="accent_3" fact="0.8"/>
+                <dgm:constr type="ctrY" for="ch" forName="text_3" refType="ctrY" refFor="ch" refForName="accent_3"/>
+                <dgm:constr type="rMarg" for="ch" forName="text_3" refType="w" refFor="ch" refForName="accent_3" fact="1.8"/>
+                <dgm:constr type="h" for="ch" forName="accent_4" refType="h" fact="0.1136"/>
+                <dgm:constr type="w" for="ch" forName="accent_4" refType="h" refFor="ch" refForName="accent_4" op="equ"/>
+                <dgm:constr type="ctrY" for="ch" forName="accent_4" refType="h" fact="0.5"/>
+                <dgm:constr type="ctrX" for="ch" forName="accent_4" refType="w"/>
+                <dgm:constr type="ctrXOff" for="ch" forName="accent_4" refType="h" fact="-0.2253"/>
+                <dgm:constr type="r" for="ch" forName="text_4" refType="ctrX" refFor="ch" refForName="accent_4"/>
+                <dgm:constr type="rOff" for="ch" forName="text_4" refType="ctrXOff" refFor="ch" refForName="accent_4"/>
+                <dgm:constr type="l" for="ch" forName="text_4"/>
+                <dgm:constr type="w" for="ch" forName="text_4" refType="h" refFor="ch" refForName="text_4" op="gte"/>
+                <dgm:constr type="h" for="ch" forName="text_4" refType="h" refFor="ch" refForName="accent_4" fact="0.8"/>
+                <dgm:constr type="ctrY" for="ch" forName="text_4" refType="ctrY" refFor="ch" refForName="accent_4"/>
+                <dgm:constr type="rMarg" for="ch" forName="text_4" refType="w" refFor="ch" refForName="accent_4" fact="1.8"/>
+                <dgm:constr type="h" for="ch" forName="accent_5" refType="h" fact="0.1136"/>
+                <dgm:constr type="w" for="ch" forName="accent_5" refType="h" refFor="ch" refForName="accent_5" op="equ"/>
+                <dgm:constr type="ctrY" for="ch" forName="accent_5" refType="h" fact="0.6364"/>
+                <dgm:constr type="ctrX" for="ch" forName="accent_5" refType="w"/>
+                <dgm:constr type="ctrXOff" for="ch" forName="accent_5" refType="h" fact="-0.2109"/>
+                <dgm:constr type="r" for="ch" forName="text_5" refType="ctrX" refFor="ch" refForName="accent_5"/>
+                <dgm:constr type="rOff" for="ch" forName="text_5" refType="ctrXOff" refFor="ch" refForName="accent_5"/>
+                <dgm:constr type="l" for="ch" forName="text_5"/>
+                <dgm:constr type="w" for="ch" forName="text_5" refType="h" refFor="ch" refForName="text_5" op="gte"/>
+                <dgm:constr type="h" for="ch" forName="text_5" refType="h" refFor="ch" refForName="accent_5" fact="0.8"/>
+                <dgm:constr type="ctrY" for="ch" forName="text_5" refType="ctrY" refFor="ch" refForName="accent_5"/>
+                <dgm:constr type="rMarg" for="ch" forName="text_5" refType="w" refFor="ch" refForName="accent_5" fact="1.8"/>
+                <dgm:constr type="h" for="ch" forName="accent_6" refType="h" fact="0.1136"/>
+                <dgm:constr type="w" for="ch" forName="accent_6" refType="h" refFor="ch" refForName="accent_6" op="equ"/>
+                <dgm:constr type="ctrY" for="ch" forName="accent_6" refType="h" fact="0.7727"/>
+                <dgm:constr type="ctrX" for="ch" forName="accent_6" refType="w"/>
+                <dgm:constr type="ctrXOff" for="ch" forName="accent_6" refType="h" fact="-0.1658"/>
+                <dgm:constr type="r" for="ch" forName="text_6" refType="ctrX" refFor="ch" refForName="accent_6"/>
+                <dgm:constr type="rOff" for="ch" forName="text_6" refType="ctrXOff" refFor="ch" refForName="accent_6"/>
+                <dgm:constr type="l" for="ch" forName="text_6"/>
+                <dgm:constr type="w" for="ch" forName="text_6" refType="h" refFor="ch" refForName="text_6" op="gte"/>
+                <dgm:constr type="h" for="ch" forName="text_6" refType="h" refFor="ch" refForName="accent_6" fact="0.8"/>
+                <dgm:constr type="ctrY" for="ch" forName="text_6" refType="ctrY" refFor="ch" refForName="accent_6"/>
+                <dgm:constr type="rMarg" for="ch" forName="text_6" refType="w" refFor="ch" refForName="accent_6" fact="1.8"/>
+                <dgm:constr type="h" for="ch" forName="accent_7" refType="h" fact="0.1136"/>
+                <dgm:constr type="w" for="ch" forName="accent_7" refType="h" refFor="ch" refForName="accent_7" op="equ"/>
+                <dgm:constr type="ctrY" for="ch" forName="accent_7" refType="h" fact="0.9091"/>
+                <dgm:constr type="ctrX" for="ch" forName="accent_7" refType="w"/>
+                <dgm:constr type="ctrXOff" for="ch" forName="accent_7" refType="h" fact="-0.0835"/>
+                <dgm:constr type="r" for="ch" forName="text_7" refType="ctrX" refFor="ch" refForName="accent_7"/>
+                <dgm:constr type="rOff" for="ch" forName="text_7" refType="ctrXOff" refFor="ch" refForName="accent_7"/>
+                <dgm:constr type="l" for="ch" forName="text_7"/>
+                <dgm:constr type="w" for="ch" forName="text_7" refType="h" refFor="ch" refForName="text_7" op="gte"/>
+                <dgm:constr type="h" for="ch" forName="text_7" refType="h" refFor="ch" refForName="accent_7" fact="0.8"/>
+                <dgm:constr type="ctrY" for="ch" forName="text_7" refType="ctrY" refFor="ch" refForName="accent_7"/>
+                <dgm:constr type="rMarg" for="ch" forName="text_7" refType="w" refFor="ch" refForName="accent_7" fact="1.8"/>
+                <dgm:constr type="primFontSz" for="ch" ptType="node" op="equ" val="65"/>
+              </dgm:constrLst>
+            </dgm:else>
+          </dgm:choose>
+        </dgm:else>
+      </dgm:choose>
+      <dgm:layoutNode name="cycle">
+        <dgm:choose name="Name21">
+          <dgm:if name="Name22" func="var" arg="dir" op="equ" val="norm">
+            <dgm:alg type="cycle">
+              <dgm:param type="stAng" val="45"/>
+              <dgm:param type="spanAng" val="90"/>
+            </dgm:alg>
+          </dgm:if>
+          <dgm:else name="Name23">
+            <dgm:alg type="cycle">
+              <dgm:param type="stAng" val="225"/>
+              <dgm:param type="spanAng" val="90"/>
+            </dgm:alg>
+          </dgm:else>
+        </dgm:choose>
+        <dgm:shape xmlns:r="http://schemas.openxmlformats.org/officeDocument/2006/relationships" r:blip="">
+          <dgm:adjLst/>
+        </dgm:shape>
+        <dgm:presOf/>
+        <dgm:constrLst>
+          <dgm:constr type="w" for="ch" val="1"/>
+          <dgm:constr type="h" for="ch" val="1"/>
+          <dgm:constr type="diam" for="ch" forName="conn" refType="diam"/>
+        </dgm:constrLst>
+        <dgm:layoutNode name="srcNode">
+          <dgm:alg type="sp"/>
+          <dgm:shape xmlns:r="http://schemas.openxmlformats.org/officeDocument/2006/relationships" type="rect" r:blip="" hideGeom="1">
+            <dgm:adjLst/>
+          </dgm:shape>
+          <dgm:presOf/>
+        </dgm:layoutNode>
+        <dgm:layoutNode name="conn" styleLbl="parChTrans1D2">
+          <dgm:alg type="conn">
+            <dgm:param type="connRout" val="curve"/>
+            <dgm:param type="srcNode" val="srcNode"/>
+            <dgm:param type="dstNode" val="dstNode"/>
+            <dgm:param type="begPts" val="ctr"/>
+            <dgm:param type="endPts" val="ctr"/>
+            <dgm:param type="endSty" val="noArr"/>
+          </dgm:alg>
+          <dgm:shape xmlns:r="http://schemas.openxmlformats.org/officeDocument/2006/relationships" type="conn" r:blip="">
+            <dgm:adjLst/>
+          </dgm:shape>
+          <dgm:presOf axis="desOrSelf" ptType="sibTrans" hideLastTrans="0" st="0" cnt="1"/>
+          <dgm:constrLst>
+            <dgm:constr type="begPad"/>
+            <dgm:constr type="endPad"/>
+          </dgm:constrLst>
+        </dgm:layoutNode>
+        <dgm:layoutNode name="extraNode">
+          <dgm:alg type="sp"/>
+          <dgm:shape xmlns:r="http://schemas.openxmlformats.org/officeDocument/2006/relationships" type="rect" r:blip="" hideGeom="1">
+            <dgm:adjLst/>
+          </dgm:shape>
+          <dgm:presOf/>
+        </dgm:layoutNode>
+        <dgm:layoutNode name="dstNode">
+          <dgm:alg type="sp"/>
+          <dgm:shape xmlns:r="http://schemas.openxmlformats.org/officeDocument/2006/relationships" type="rect" r:blip="" hideGeom="1">
+            <dgm:adjLst/>
+          </dgm:shape>
+          <dgm:presOf/>
+        </dgm:layoutNode>
+      </dgm:layoutNode>
+      <dgm:forEach name="wrapper" axis="self" ptType="parTrans">
+        <dgm:forEach name="wrapper2" axis="self" ptType="sibTrans" st="2">
+          <dgm:forEach name="accentRepeat" axis="self">
+            <dgm:layoutNode name="accentRepeatNode" styleLbl="solidFgAcc1">
+              <dgm:alg type="sp"/>
+              <dgm:shape xmlns:r="http://schemas.openxmlformats.org/officeDocument/2006/relationships" type="ellipse" r:blip="">
+                <dgm:adjLst/>
+              </dgm:shape>
+              <dgm:presOf/>
+            </dgm:layoutNode>
+          </dgm:forEach>
+        </dgm:forEach>
+      </dgm:forEach>
+      <dgm:forEach name="Name24" axis="ch" ptType="node" cnt="1">
+        <dgm:layoutNode name="text_1" styleLbl="node1">
+          <dgm:varLst>
+            <dgm:bulletEnabled val="1"/>
+          </dgm:varLst>
+          <dgm:choose name="Name25">
+            <dgm:if name="Name26" func="var" arg="dir" op="equ" val="norm">
+              <dgm:alg type="tx">
+                <dgm:param type="parTxLTRAlign" val="l"/>
+                <dgm:param type="shpTxLTRAlignCh" val="l"/>
+                <dgm:param type="parTxRTLAlign" val="l"/>
+                <dgm:param type="shpTxRTLAlignCh" val="l"/>
+              </dgm:alg>
+            </dgm:if>
+            <dgm:else name="Name27">
+              <dgm:alg type="tx">
+                <dgm:param type="parTxLTRAlign" val="r"/>
+                <dgm:param type="shpTxLTRAlignCh" val="r"/>
+                <dgm:param type="parTxRTLAlign" val="r"/>
+                <dgm:param type="shpTxRTLAlignCh" val="r"/>
+              </dgm:alg>
+            </dgm:else>
+          </dgm:choose>
+          <dgm:shape xmlns:r="http://schemas.openxmlformats.org/officeDocument/2006/relationships" type="rect" r:blip="">
+            <dgm:adjLst/>
+          </dgm:shape>
+          <dgm:presOf axis="desOrSelf" ptType="node"/>
+          <dgm:constrLst>
+            <dgm:constr type="primFontSz" val="65"/>
+            <dgm:constr type="lMarg" refType="primFontSz" fact="0.2"/>
+            <dgm:constr type="rMarg" refType="primFontSz" fact="0.2"/>
+            <dgm:constr type="tMarg" refType="primFontSz" fact="0.2"/>
+            <dgm:constr type="bMarg" refType="primFontSz" fact="0.2"/>
+          </dgm:constrLst>
+          <dgm:ruleLst>
+            <dgm:rule type="primFontSz" val="5" fact="NaN" max="NaN"/>
+          </dgm:ruleLst>
+        </dgm:layoutNode>
+        <dgm:layoutNode name="accent_1">
+          <dgm:alg type="sp"/>
+          <dgm:shape xmlns:r="http://schemas.openxmlformats.org/officeDocument/2006/relationships" r:blip="">
+            <dgm:adjLst/>
+          </dgm:shape>
+          <dgm:presOf/>
+          <dgm:constrLst/>
+          <dgm:forEach name="Name28" ref="accentRepeat"/>
+        </dgm:layoutNode>
+      </dgm:forEach>
+      <dgm:forEach name="Name29" axis="ch" ptType="node" st="2" cnt="1">
+        <dgm:layoutNode name="text_2" styleLbl="node1">
+          <dgm:varLst>
+            <dgm:bulletEnabled val="1"/>
+          </dgm:varLst>
+          <dgm:choose name="Name30">
+            <dgm:if name="Name31" func="var" arg="dir" op="equ" val="norm">
+              <dgm:alg type="tx">
+                <dgm:param type="parTxLTRAlign" val="l"/>
+                <dgm:param type="shpTxLTRAlignCh" val="l"/>
+                <dgm:param type="parTxRTLAlign" val="l"/>
+                <dgm:param type="shpTxRTLAlignCh" val="l"/>
+              </dgm:alg>
+            </dgm:if>
+            <dgm:else name="Name32">
+              <dgm:alg type="tx">
+                <dgm:param type="parTxLTRAlign" val="r"/>
+                <dgm:param type="shpTxLTRAlignCh" val="r"/>
+                <dgm:param type="parTxRTLAlign" val="r"/>
+                <dgm:param type="shpTxRTLAlignCh" val="r"/>
+              </dgm:alg>
+            </dgm:else>
+          </dgm:choose>
+          <dgm:shape xmlns:r="http://schemas.openxmlformats.org/officeDocument/2006/relationships" type="rect" r:blip="">
+            <dgm:adjLst/>
+          </dgm:shape>
+          <dgm:presOf axis="desOrSelf" ptType="node"/>
+          <dgm:constrLst>
+            <dgm:constr type="primFontSz" val="65"/>
+            <dgm:constr type="lMarg" refType="primFontSz" fact="0.2"/>
+            <dgm:constr type="rMarg" refType="primFontSz" fact="0.2"/>
+            <dgm:constr type="tMarg" refType="primFontSz" fact="0.2"/>
+            <dgm:constr type="bMarg" refType="primFontSz" fact="0.2"/>
+          </dgm:constrLst>
+          <dgm:ruleLst>
+            <dgm:rule type="primFontSz" val="5" fact="NaN" max="NaN"/>
+          </dgm:ruleLst>
+        </dgm:layoutNode>
+        <dgm:layoutNode name="accent_2">
+          <dgm:alg type="sp"/>
+          <dgm:shape xmlns:r="http://schemas.openxmlformats.org/officeDocument/2006/relationships" r:blip="">
+            <dgm:adjLst/>
+          </dgm:shape>
+          <dgm:presOf/>
+          <dgm:constrLst/>
+          <dgm:forEach name="Name33" ref="accentRepeat"/>
+        </dgm:layoutNode>
+      </dgm:forEach>
+      <dgm:forEach name="Name34" axis="ch" ptType="node" st="3" cnt="1">
+        <dgm:layoutNode name="text_3" styleLbl="node1">
+          <dgm:varLst>
+            <dgm:bulletEnabled val="1"/>
+          </dgm:varLst>
+          <dgm:choose name="Name35">
+            <dgm:if name="Name36" func="var" arg="dir" op="equ" val="norm">
+              <dgm:alg type="tx">
+                <dgm:param type="parTxLTRAlign" val="l"/>
+                <dgm:param type="shpTxLTRAlignCh" val="l"/>
+                <dgm:param type="parTxRTLAlign" val="l"/>
+                <dgm:param type="shpTxRTLAlignCh" val="l"/>
+              </dgm:alg>
+            </dgm:if>
+            <dgm:else name="Name37">
+              <dgm:alg type="tx">
+                <dgm:param type="parTxLTRAlign" val="r"/>
+                <dgm:param type="shpTxLTRAlignCh" val="r"/>
+                <dgm:param type="parTxRTLAlign" val="r"/>
+                <dgm:param type="shpTxRTLAlignCh" val="r"/>
+              </dgm:alg>
+            </dgm:else>
+          </dgm:choose>
+          <dgm:shape xmlns:r="http://schemas.openxmlformats.org/officeDocument/2006/relationships" type="rect" r:blip="">
+            <dgm:adjLst/>
+          </dgm:shape>
+          <dgm:presOf axis="desOrSelf" ptType="node"/>
+          <dgm:constrLst>
+            <dgm:constr type="primFontSz" val="65"/>
+            <dgm:constr type="lMarg" refType="primFontSz" fact="0.2"/>
+            <dgm:constr type="rMarg" refType="primFontSz" fact="0.2"/>
+            <dgm:constr type="tMarg" refType="primFontSz" fact="0.2"/>
+            <dgm:constr type="bMarg" refType="primFontSz" fact="0.2"/>
+          </dgm:constrLst>
+          <dgm:ruleLst>
+            <dgm:rule type="primFontSz" val="5" fact="NaN" max="NaN"/>
+          </dgm:ruleLst>
+        </dgm:layoutNode>
+        <dgm:layoutNode name="accent_3">
+          <dgm:alg type="sp"/>
+          <dgm:shape xmlns:r="http://schemas.openxmlformats.org/officeDocument/2006/relationships" r:blip="">
+            <dgm:adjLst/>
+          </dgm:shape>
+          <dgm:presOf/>
+          <dgm:constrLst/>
+          <dgm:forEach name="Name38" ref="accentRepeat"/>
+        </dgm:layoutNode>
+      </dgm:forEach>
+      <dgm:forEach name="Name39" axis="ch" ptType="node" st="4" cnt="1">
+        <dgm:layoutNode name="text_4" styleLbl="node1">
+          <dgm:varLst>
+            <dgm:bulletEnabled val="1"/>
+          </dgm:varLst>
+          <dgm:choose name="Name40">
+            <dgm:if name="Name41" func="var" arg="dir" op="equ" val="norm">
+              <dgm:alg type="tx">
+                <dgm:param type="parTxLTRAlign" val="l"/>
+                <dgm:param type="shpTxLTRAlignCh" val="l"/>
+                <dgm:param type="parTxRTLAlign" val="l"/>
+                <dgm:param type="shpTxRTLAlignCh" val="l"/>
+              </dgm:alg>
+            </dgm:if>
+            <dgm:else name="Name42">
+              <dgm:alg type="tx">
+                <dgm:param type="parTxLTRAlign" val="r"/>
+                <dgm:param type="shpTxLTRAlignCh" val="r"/>
+                <dgm:param type="parTxRTLAlign" val="r"/>
+                <dgm:param type="shpTxRTLAlignCh" val="r"/>
+              </dgm:alg>
+            </dgm:else>
+          </dgm:choose>
+          <dgm:shape xmlns:r="http://schemas.openxmlformats.org/officeDocument/2006/relationships" type="rect" r:blip="">
+            <dgm:adjLst/>
+          </dgm:shape>
+          <dgm:presOf axis="desOrSelf" ptType="node"/>
+          <dgm:constrLst>
+            <dgm:constr type="primFontSz" val="65"/>
+            <dgm:constr type="lMarg" refType="primFontSz" fact="0.2"/>
+            <dgm:constr type="rMarg" refType="primFontSz" fact="0.2"/>
+            <dgm:constr type="tMarg" refType="primFontSz" fact="0.2"/>
+            <dgm:constr type="bMarg" refType="primFontSz" fact="0.2"/>
+          </dgm:constrLst>
+          <dgm:ruleLst>
+            <dgm:rule type="primFontSz" val="5" fact="NaN" max="NaN"/>
+          </dgm:ruleLst>
+        </dgm:layoutNode>
+        <dgm:layoutNode name="accent_4">
+          <dgm:alg type="sp"/>
+          <dgm:shape xmlns:r="http://schemas.openxmlformats.org/officeDocument/2006/relationships" r:blip="">
+            <dgm:adjLst/>
+          </dgm:shape>
+          <dgm:presOf/>
+          <dgm:constrLst/>
+          <dgm:forEach name="Name43" ref="accentRepeat"/>
+        </dgm:layoutNode>
+      </dgm:forEach>
+      <dgm:forEach name="Name44" axis="ch" ptType="node" st="5" cnt="1">
+        <dgm:layoutNode name="text_5" styleLbl="node1">
+          <dgm:varLst>
+            <dgm:bulletEnabled val="1"/>
+          </dgm:varLst>
+          <dgm:choose name="Name45">
+            <dgm:if name="Name46" func="var" arg="dir" op="equ" val="norm">
+              <dgm:alg type="tx">
+                <dgm:param type="parTxLTRAlign" val="l"/>
+                <dgm:param type="shpTxLTRAlignCh" val="l"/>
+                <dgm:param type="parTxRTLAlign" val="l"/>
+                <dgm:param type="shpTxRTLAlignCh" val="l"/>
+              </dgm:alg>
+            </dgm:if>
+            <dgm:else name="Name47">
+              <dgm:alg type="tx">
+                <dgm:param type="parTxLTRAlign" val="r"/>
+                <dgm:param type="shpTxLTRAlignCh" val="r"/>
+                <dgm:param type="parTxRTLAlign" val="r"/>
+                <dgm:param type="shpTxRTLAlignCh" val="r"/>
+              </dgm:alg>
+            </dgm:else>
+          </dgm:choose>
+          <dgm:shape xmlns:r="http://schemas.openxmlformats.org/officeDocument/2006/relationships" type="rect" r:blip="">
+            <dgm:adjLst/>
+          </dgm:shape>
+          <dgm:presOf axis="desOrSelf" ptType="node"/>
+          <dgm:constrLst>
+            <dgm:constr type="primFontSz" val="65"/>
+            <dgm:constr type="lMarg" refType="primFontSz" fact="0.2"/>
+            <dgm:constr type="rMarg" refType="primFontSz" fact="0.2"/>
+            <dgm:constr type="tMarg" refType="primFontSz" fact="0.2"/>
+            <dgm:constr type="bMarg" refType="primFontSz" fact="0.2"/>
+          </dgm:constrLst>
+          <dgm:ruleLst>
+            <dgm:rule type="primFontSz" val="5" fact="NaN" max="NaN"/>
+          </dgm:ruleLst>
+        </dgm:layoutNode>
+        <dgm:layoutNode name="accent_5">
+          <dgm:alg type="sp"/>
+          <dgm:shape xmlns:r="http://schemas.openxmlformats.org/officeDocument/2006/relationships" r:blip="">
+            <dgm:adjLst/>
+          </dgm:shape>
+          <dgm:presOf/>
+          <dgm:constrLst/>
+          <dgm:forEach name="Name48" ref="accentRepeat"/>
+        </dgm:layoutNode>
+      </dgm:forEach>
+      <dgm:forEach name="Name49" axis="ch" ptType="node" st="6" cnt="1">
+        <dgm:layoutNode name="text_6" styleLbl="node1">
+          <dgm:varLst>
+            <dgm:bulletEnabled val="1"/>
+          </dgm:varLst>
+          <dgm:choose name="Name50">
+            <dgm:if name="Name51" func="var" arg="dir" op="equ" val="norm">
+              <dgm:alg type="tx">
+                <dgm:param type="parTxLTRAlign" val="l"/>
+                <dgm:param type="shpTxLTRAlignCh" val="l"/>
+                <dgm:param type="parTxRTLAlign" val="l"/>
+                <dgm:param type="shpTxRTLAlignCh" val="l"/>
+              </dgm:alg>
+            </dgm:if>
+            <dgm:else name="Name52">
+              <dgm:alg type="tx">
+                <dgm:param type="parTxLTRAlign" val="r"/>
+                <dgm:param type="shpTxLTRAlignCh" val="r"/>
+                <dgm:param type="parTxRTLAlign" val="r"/>
+                <dgm:param type="shpTxRTLAlignCh" val="r"/>
+              </dgm:alg>
+            </dgm:else>
+          </dgm:choose>
+          <dgm:shape xmlns:r="http://schemas.openxmlformats.org/officeDocument/2006/relationships" type="rect" r:blip="">
+            <dgm:adjLst/>
+          </dgm:shape>
+          <dgm:presOf axis="desOrSelf" ptType="node"/>
+          <dgm:constrLst>
+            <dgm:constr type="primFontSz" val="65"/>
+            <dgm:constr type="lMarg" refType="primFontSz" fact="0.2"/>
+            <dgm:constr type="rMarg" refType="primFontSz" fact="0.2"/>
+            <dgm:constr type="tMarg" refType="primFontSz" fact="0.2"/>
+            <dgm:constr type="bMarg" refType="primFontSz" fact="0.2"/>
+          </dgm:constrLst>
+          <dgm:ruleLst>
+            <dgm:rule type="primFontSz" val="5" fact="NaN" max="NaN"/>
+          </dgm:ruleLst>
+        </dgm:layoutNode>
+        <dgm:layoutNode name="accent_6">
+          <dgm:alg type="sp"/>
+          <dgm:shape xmlns:r="http://schemas.openxmlformats.org/officeDocument/2006/relationships" r:blip="">
+            <dgm:adjLst/>
+          </dgm:shape>
+          <dgm:presOf/>
+          <dgm:constrLst/>
+          <dgm:forEach name="Name53" ref="accentRepeat"/>
+        </dgm:layoutNode>
+      </dgm:forEach>
+      <dgm:forEach name="Name54" axis="ch" ptType="node" st="7" cnt="1">
+        <dgm:layoutNode name="text_7" styleLbl="node1">
+          <dgm:varLst>
+            <dgm:bulletEnabled val="1"/>
+          </dgm:varLst>
+          <dgm:choose name="Name55">
+            <dgm:if name="Name56" func="var" arg="dir" op="equ" val="norm">
+              <dgm:alg type="tx">
+                <dgm:param type="parTxLTRAlign" val="l"/>
+                <dgm:param type="shpTxLTRAlignCh" val="l"/>
+                <dgm:param type="parTxRTLAlign" val="l"/>
+                <dgm:param type="shpTxRTLAlignCh" val="l"/>
+              </dgm:alg>
+            </dgm:if>
+            <dgm:else name="Name57">
+              <dgm:alg type="tx">
+                <dgm:param type="parTxLTRAlign" val="r"/>
+                <dgm:param type="shpTxLTRAlignCh" val="r"/>
+                <dgm:param type="parTxRTLAlign" val="r"/>
+                <dgm:param type="shpTxRTLAlignCh" val="r"/>
+              </dgm:alg>
+            </dgm:else>
+          </dgm:choose>
+          <dgm:shape xmlns:r="http://schemas.openxmlformats.org/officeDocument/2006/relationships" type="rect" r:blip="">
+            <dgm:adjLst/>
+          </dgm:shape>
+          <dgm:presOf axis="desOrSelf" ptType="node"/>
+          <dgm:constrLst>
+            <dgm:constr type="primFontSz" val="65"/>
+            <dgm:constr type="lMarg" refType="primFontSz" fact="0.2"/>
+            <dgm:constr type="rMarg" refType="primFontSz" fact="0.2"/>
+            <dgm:constr type="tMarg" refType="primFontSz" fact="0.2"/>
+            <dgm:constr type="bMarg" refType="primFontSz" fact="0.2"/>
+          </dgm:constrLst>
+          <dgm:ruleLst>
+            <dgm:rule type="primFontSz" val="5" fact="NaN" max="NaN"/>
+          </dgm:ruleLst>
+        </dgm:layoutNode>
+        <dgm:layoutNode name="accent_7">
+          <dgm:alg type="sp"/>
+          <dgm:shape xmlns:r="http://schemas.openxmlformats.org/officeDocument/2006/relationships" r:blip="">
+            <dgm:adjLst/>
+          </dgm:shape>
+          <dgm:presOf/>
+          <dgm:constrLst/>
+          <dgm:forEach name="Name58" ref="accentRepeat"/>
+        </dgm:layoutNode>
+      </dgm:forEach>
+    </dgm:layoutNode>
+  </dgm:layoutNode>
+</dgm:layoutDef>
+</file>
+
+<file path=ppt/diagrams/quickStyle1.xml><?xml version="1.0" encoding="utf-8"?>
+<dgm:styleDef xmlns:dgm="http://schemas.openxmlformats.org/drawingml/2006/diagram" xmlns:a="http://schemas.openxmlformats.org/drawingml/2006/main" uniqueId="urn:microsoft.com/office/officeart/2005/8/quickstyle/3d4">
+  <dgm:title val=""/>
+  <dgm:desc val=""/>
+  <dgm:catLst>
+    <dgm:cat type="3D" pri="11400"/>
+  </dgm:catLst>
+  <dgm:scene3d>
+    <a:camera prst="orthographicFront"/>
+    <a:lightRig rig="threePt" dir="t"/>
+  </dgm:scene3d>
+  <dgm:styleLbl name="node0">
+    <dgm:scene3d>
+      <a:camera prst="orthographicFront"/>
+      <a:lightRig rig="chilly" dir="t"/>
+    </dgm:scene3d>
+    <dgm:sp3d prstMaterial="translucentPowder">
+      <a:bevelT w="127000" h="25400" prst="softRound"/>
+    </dgm:sp3d>
+    <dgm:txPr/>
+    <dgm:style>
+      <a:lnRef idx="0">
+        <a:scrgbClr r="0" g="0" b="0"/>
+      </a:lnRef>
+      <a:fillRef idx="1">
+        <a:scrgbClr r="0" g="0" b="0"/>
+      </a:fillRef>
+      <a:effectRef idx="0">
+        <a:scrgbClr r="0" g="0" b="0"/>
+      </a:effectRef>
+      <a:fontRef idx="minor">
+        <a:schemeClr val="lt1"/>
+      </a:fontRef>
+    </dgm:style>
+  </dgm:styleLbl>
+  <dgm:styleLbl name="lnNode1">
+    <dgm:scene3d>
+      <a:camera prst="orthographicFront"/>
+      <a:lightRig rig="chilly" dir="t"/>
+    </dgm:scene3d>
+    <dgm:sp3d prstMaterial="translucentPowder">
+      <a:bevelT w="127000" h="25400" prst="softRound"/>
+    </dgm:sp3d>
+    <dgm:txPr/>
+    <dgm:style>
+      <a:lnRef idx="0">
+        <a:scrgbClr r="0" g="0" b="0"/>
+      </a:lnRef>
+      <a:fillRef idx="1">
+        <a:scrgbClr r="0" g="0" b="0"/>
+      </a:fillRef>
+      <a:effectRef idx="0">
+        <a:scrgbClr r="0" g="0" b="0"/>
+      </a:effectRef>
+      <a:fontRef idx="minor">
+        <a:schemeClr val="lt1"/>
+      </a:fontRef>
+    </dgm:style>
+  </dgm:styleLbl>
+  <dgm:styleLbl name="vennNode1">
+    <dgm:scene3d>
+      <a:camera prst="orthographicFront"/>
+      <a:lightRig rig="chilly" dir="t"/>
+    </dgm:scene3d>
+    <dgm:sp3d prstMaterial="translucentPowder">
+      <a:bevelT w="127000" h="25400" prst="softRound"/>
+    </dgm:sp3d>
+    <dgm:txPr/>
+    <dgm:style>
+      <a:lnRef idx="0">
+        <a:scrgbClr r="0" g="0" b="0"/>
+      </a:lnRef>
+      <a:fillRef idx="1">
+        <a:scrgbClr r="0" g="0" b="0"/>
+      </a:fillRef>
+      <a:effectRef idx="0">
+        <a:scrgbClr r="0" g="0" b="0"/>
+      </a:effectRef>
+      <a:fontRef idx="minor">
+        <a:schemeClr val="tx1"/>
+      </a:fontRef>
+    </dgm:style>
+  </dgm:styleLbl>
+  <dgm:styleLbl name="alignNode1">
+    <dgm:scene3d>
+      <a:camera prst="orthographicFront"/>
+      <a:lightRig rig="chilly" dir="t"/>
+    </dgm:scene3d>
+    <dgm:sp3d prstMaterial="translucentPowder">
+      <a:bevelT w="127000" h="25400" prst="softRound"/>
+    </dgm:sp3d>
+    <dgm:txPr/>
+    <dgm:style>
+      <a:lnRef idx="1">
+        <a:scrgbClr r="0" g="0" b="0"/>
+      </a:lnRef>
+      <a:fillRef idx="1">
+        <a:scrgbClr r="0" g="0" b="0"/>
+      </a:fillRef>
+      <a:effectRef idx="0">
+        <a:scrgbClr r="0" g="0" b="0"/>
+      </a:effectRef>
+      <a:fontRef idx="minor">
+        <a:schemeClr val="lt1"/>
+      </a:fontRef>
+    </dgm:style>
+  </dgm:styleLbl>
+  <dgm:styleLbl name="node1">
+    <dgm:scene3d>
+      <a:camera prst="orthographicFront"/>
+      <a:lightRig rig="chilly" dir="t"/>
+    </dgm:scene3d>
+    <dgm:sp3d prstMaterial="translucentPowder">
+      <a:bevelT w="127000" h="25400" prst="softRound"/>
+    </dgm:sp3d>
+    <dgm:txPr/>
+    <dgm:style>
+      <a:lnRef idx="0">
+        <a:scrgbClr r="0" g="0" b="0"/>
+      </a:lnRef>
+      <a:fillRef idx="1">
+        <a:scrgbClr r="0" g="0" b="0"/>
+      </a:fillRef>
+      <a:effectRef idx="0">
+        <a:scrgbClr r="0" g="0" b="0"/>
+      </a:effectRef>
+      <a:fontRef idx="minor">
+        <a:schemeClr val="lt1"/>
+      </a:fontRef>
+    </dgm:style>
+  </dgm:styleLbl>
+  <dgm:styleLbl name="node2">
+    <dgm:scene3d>
+      <a:camera prst="orthographicFront"/>
+      <a:lightRig rig="chilly" dir="t"/>
+    </dgm:scene3d>
+    <dgm:sp3d prstMaterial="translucentPowder">
+      <a:bevelT w="127000" h="25400" prst="softRound"/>
+    </dgm:sp3d>
+    <dgm:txPr/>
+    <dgm:style>
+      <a:lnRef idx="0">
+        <a:scrgbClr r="0" g="0" b="0"/>
+      </a:lnRef>
+      <a:fillRef idx="1">
+        <a:scrgbClr r="0" g="0" b="0"/>
+      </a:fillRef>
+      <a:effectRef idx="0">
+        <a:scrgbClr r="0" g="0" b="0"/>
+      </a:effectRef>
+      <a:fontRef idx="minor">
+        <a:schemeClr val="lt1"/>
+      </a:fontRef>
+    </dgm:style>
+  </dgm:styleLbl>
+  <dgm:styleLbl name="node3">
+    <dgm:scene3d>
+      <a:camera prst="orthographicFront"/>
+      <a:lightRig rig="chilly" dir="t"/>
+    </dgm:scene3d>
+    <dgm:sp3d prstMaterial="translucentPowder">
+      <a:bevelT w="127000" h="25400" prst="softRound"/>
+    </dgm:sp3d>
+    <dgm:txPr/>
+    <dgm:style>
+      <a:lnRef idx="0">
+        <a:scrgbClr r="0" g="0" b="0"/>
+      </a:lnRef>
+      <a:fillRef idx="1">
+        <a:scrgbClr r="0" g="0" b="0"/>
+      </a:fillRef>
+      <a:effectRef idx="0">
+        <a:scrgbClr r="0" g="0" b="0"/>
+      </a:effectRef>
+      <a:fontRef idx="minor">
+        <a:schemeClr val="lt1"/>
+      </a:fontRef>
+    </dgm:style>
+  </dgm:styleLbl>
+  <dgm:styleLbl name="node4">
+    <dgm:scene3d>
+      <a:camera prst="orthographicFront"/>
+      <a:lightRig rig="chilly" dir="t"/>
+    </dgm:scene3d>
+    <dgm:sp3d prstMaterial="translucentPowder">
+      <a:bevelT w="127000" h="25400" prst="softRound"/>
+    </dgm:sp3d>
+    <dgm:txPr/>
+    <dgm:style>
+      <a:lnRef idx="0">
+        <a:scrgbClr r="0" g="0" b="0"/>
+      </a:lnRef>
+      <a:fillRef idx="1">
+        <a:scrgbClr r="0" g="0" b="0"/>
+      </a:fillRef>
+      <a:effectRef idx="0">
+        <a:scrgbClr r="0" g="0" b="0"/>
+      </a:effectRef>
+      <a:fontRef idx="minor">
+        <a:schemeClr val="lt1"/>
+      </a:fontRef>
+    </dgm:style>
+  </dgm:styleLbl>
+  <dgm:styleLbl name="fgImgPlace1">
+    <dgm:scene3d>
+      <a:camera prst="orthographicFront"/>
+      <a:lightRig rig="chilly" dir="t"/>
+    </dgm:scene3d>
+    <dgm:sp3d z="12700" extrusionH="12700" prstMaterial="translucentPowder">
+      <a:bevelT w="25400" h="6350" prst="softRound"/>
+      <a:bevelB w="0" h="0" prst="convex"/>
+    </dgm:sp3d>
+    <dgm:txPr/>
+    <dgm:style>
+      <a:lnRef idx="0">
+        <a:scrgbClr r="0" g="0" b="0"/>
+      </a:lnRef>
+      <a:fillRef idx="1">
+        <a:scrgbClr r="0" g="0" b="0"/>
+      </a:fillRef>
+      <a:effectRef idx="0">
+        <a:scrgbClr r="0" g="0" b="0"/>
+      </a:effectRef>
+      <a:fontRef idx="minor"/>
+    </dgm:style>
+  </dgm:styleLbl>
+  <dgm:styleLbl name="alignImgPlace1">
+    <dgm:scene3d>
+      <a:camera prst="orthographicFront"/>
+      <a:lightRig rig="chilly" dir="t"/>
+    </dgm:scene3d>
+    <dgm:sp3d prstMaterial="translucentPowder">
+      <a:bevelT w="127000" h="25400" prst="softRound"/>
+    </dgm:sp3d>
+    <dgm:txPr/>
+    <dgm:style>
+      <a:lnRef idx="0">
+        <a:scrgbClr r="0" g="0" b="0"/>
+      </a:lnRef>
+      <a:fillRef idx="1">
+        <a:scrgbClr r="0" g="0" b="0"/>
+      </a:fillRef>
+      <a:effectRef idx="0">
+        <a:scrgbClr r="0" g="0" b="0"/>
+      </a:effectRef>
+      <a:fontRef idx="minor">
+        <a:schemeClr val="lt1"/>
+      </a:fontRef>
+    </dgm:style>
+  </dgm:styleLbl>
+  <dgm:styleLbl name="bgImgPlace1">
+    <dgm:scene3d>
+      <a:camera prst="orthographicFront"/>
+      <a:lightRig rig="chilly" dir="t"/>
+    </dgm:scene3d>
+    <dgm:sp3d z="-25700" extrusionH="63500" contourW="12700" prstMaterial="matte">
+      <a:contourClr>
+        <a:schemeClr val="lt1"/>
+      </a:contourClr>
+    </dgm:sp3d>
+    <dgm:txPr/>
+    <dgm:style>
+      <a:lnRef idx="0">
+        <a:scrgbClr r="0" g="0" b="0"/>
+      </a:lnRef>
+      <a:fillRef idx="1">
+        <a:scrgbClr r="0" g="0" b="0"/>
+      </a:fillRef>
+      <a:effectRef idx="0">
+        <a:scrgbClr r="0" g="0" b="0"/>
+      </a:effectRef>
+      <a:fontRef idx="minor"/>
+    </dgm:style>
+  </dgm:styleLbl>
+  <dgm:styleLbl name="sibTrans2D1">
+    <dgm:scene3d>
+      <a:camera prst="orthographicFront"/>
+      <a:lightRig rig="chilly" dir="t"/>
+    </dgm:scene3d>
+    <dgm:sp3d z="-70000" extrusionH="1700" prstMaterial="translucentPowder">
+      <a:bevelT w="25400" h="6350" prst="softRound"/>
+      <a:bevelB w="0" h="0" prst="convex"/>
+    </dgm:sp3d>
+    <dgm:txPr/>
+    <dgm:style>
+      <a:lnRef idx="0">
+        <a:scrgbClr r="0" g="0" b="0"/>
+      </a:lnRef>
+      <a:fillRef idx="1">
+        <a:scrgbClr r="0" g="0" b="0"/>
+      </a:fillRef>
+      <a:effectRef idx="0">
+        <a:scrgbClr r="0" g="0" b="0"/>
+      </a:effectRef>
+      <a:fontRef idx="minor">
+        <a:schemeClr val="lt1"/>
+      </a:fontRef>
+    </dgm:style>
+  </dgm:styleLbl>
+  <dgm:styleLbl name="fgSibTrans2D1">
+    <dgm:scene3d>
+      <a:camera prst="orthographicFront"/>
+      <a:lightRig rig="chilly" dir="t"/>
+    </dgm:scene3d>
+    <dgm:sp3d z="12700" extrusionH="1700" prstMaterial="translucentPowder">
+      <a:bevelT w="25400" h="6350" prst="softRound"/>
+      <a:bevelB w="0" h="0" prst="convex"/>
+    </dgm:sp3d>
+    <dgm:txPr/>
+    <dgm:style>
+      <a:lnRef idx="0">
+        <a:scrgbClr r="0" g="0" b="0"/>
+      </a:lnRef>
+      <a:fillRef idx="1">
+        <a:scrgbClr r="0" g="0" b="0"/>
+      </a:fillRef>
+      <a:effectRef idx="0">
+        <a:scrgbClr r="0" g="0" b="0"/>
+      </a:effectRef>
+      <a:fontRef idx="minor"/>
+    </dgm:style>
+  </dgm:styleLbl>
+  <dgm:styleLbl name="bgSibTrans2D1">
+    <dgm:scene3d>
+      <a:camera prst="orthographicFront"/>
+      <a:lightRig rig="chilly" dir="t"/>
+    </dgm:scene3d>
+    <dgm:sp3d z="-25700" extrusionH="1700" prstMaterial="translucentPowder">
+      <a:bevelT w="25400" h="6350" prst="softRound"/>
+      <a:bevelB w="0" h="0" prst="convex"/>
+    </dgm:sp3d>
+    <dgm:txPr/>
+    <dgm:style>
+      <a:lnRef idx="0">
+        <a:scrgbClr r="0" g="0" b="0"/>
+      </a:lnRef>
+      <a:fillRef idx="1">
+        <a:scrgbClr r="0" g="0" b="0"/>
+      </a:fillRef>
+      <a:effectRef idx="0">
+        <a:scrgbClr r="0" g="0" b="0"/>
+      </a:effectRef>
+      <a:fontRef idx="minor"/>
+    </dgm:style>
+  </dgm:styleLbl>
+  <dgm:styleLbl name="sibTrans1D1">
+    <dgm:scene3d>
+      <a:camera prst="orthographicFront"/>
+      <a:lightRig rig="chilly" dir="t"/>
+    </dgm:scene3d>
+    <dgm:sp3d z="-40000" prstMaterial="matte"/>
+    <dgm:txPr/>
+    <dgm:style>
+      <a:lnRef idx="1">
+        <a:scrgbClr r="0" g="0" b="0"/>
+      </a:lnRef>
+      <a:fillRef idx="0">
+        <a:scrgbClr r="0" g="0" b="0"/>
+      </a:fillRef>
+      <a:effectRef idx="0">
+        <a:scrgbClr r="0" g="0" b="0"/>
+      </a:effectRef>
+      <a:fontRef idx="minor"/>
+    </dgm:style>
+  </dgm:styleLbl>
+  <dgm:styleLbl name="callout">
+    <dgm:scene3d>
+      <a:camera prst="orthographicFront"/>
+      <a:lightRig rig="chilly" dir="t"/>
+    </dgm:scene3d>
+    <dgm:sp3d z="127000" prstMaterial="matte"/>
+    <dgm:txPr/>
+    <dgm:style>
+      <a:lnRef idx="2">
+        <a:scrgbClr r="0" g="0" b="0"/>
+      </a:lnRef>
+      <a:fillRef idx="1">
+        <a:scrgbClr r="0" g="0" b="0"/>
+      </a:fillRef>
+      <a:effectRef idx="0">
+        <a:scrgbClr r="0" g="0" b="0"/>
+      </a:effectRef>
+      <a:fontRef idx="minor"/>
+    </dgm:style>
+  </dgm:styleLbl>
+  <dgm:styleLbl name="asst0">
+    <dgm:scene3d>
+      <a:camera prst="orthographicFront"/>
+      <a:lightRig rig="chilly" dir="t"/>
+    </dgm:scene3d>
+    <dgm:sp3d prstMaterial="translucentPowder">
+      <a:bevelT w="127000" h="25400" prst="softRound"/>
+    </dgm:sp3d>
+    <dgm:txPr/>
+    <dgm:style>
+      <a:lnRef idx="0">
+        <a:scrgbClr r="0" g="0" b="0"/>
+      </a:lnRef>
+      <a:fillRef idx="1">
+        <a:scrgbClr r="0" g="0" b="0"/>
+      </a:fillRef>
+      <a:effectRef idx="0">
+        <a:scrgbClr r="0" g="0" b="0"/>
+      </a:effectRef>
+      <a:fontRef idx="minor">
+        <a:schemeClr val="lt1"/>
+      </a:fontRef>
+    </dgm:style>
+  </dgm:styleLbl>
+  <dgm:styleLbl name="asst1">
+    <dgm:scene3d>
+      <a:camera prst="orthographicFront"/>
+      <a:lightRig rig="chilly" dir="t"/>
+    </dgm:scene3d>
+    <dgm:sp3d prstMaterial="translucentPowder">
+      <a:bevelT w="127000" h="25400" prst="softRound"/>
+    </dgm:sp3d>
+    <dgm:txPr/>
+    <dgm:style>
+      <a:lnRef idx="0">
+        <a:scrgbClr r="0" g="0" b="0"/>
+      </a:lnRef>
+      <a:fillRef idx="1">
+        <a:scrgbClr r="0" g="0" b="0"/>
+      </a:fillRef>
+      <a:effectRef idx="0">
+        <a:scrgbClr r="0" g="0" b="0"/>
+      </a:effectRef>
+      <a:fontRef idx="minor">
+        <a:schemeClr val="lt1"/>
+      </a:fontRef>
+    </dgm:style>
+  </dgm:styleLbl>
+  <dgm:styleLbl name="asst2">
+    <dgm:scene3d>
+      <a:camera prst="orthographicFront"/>
+      <a:lightRig rig="chilly" dir="t"/>
+    </dgm:scene3d>
+    <dgm:sp3d prstMaterial="translucentPowder">
+      <a:bevelT w="127000" h="25400" prst="softRound"/>
+    </dgm:sp3d>
+    <dgm:txPr/>
+    <dgm:style>
+      <a:lnRef idx="0">
+        <a:scrgbClr r="0" g="0" b="0"/>
+      </a:lnRef>
+      <a:fillRef idx="1">
+        <a:scrgbClr r="0" g="0" b="0"/>
+      </a:fillRef>
+      <a:effectRef idx="0">
+        <a:scrgbClr r="0" g="0" b="0"/>
+      </a:effectRef>
+      <a:fontRef idx="minor">
+        <a:schemeClr val="lt1"/>
+      </a:fontRef>
+    </dgm:style>
+  </dgm:styleLbl>
+  <dgm:styleLbl name="asst3">
+    <dgm:scene3d>
+      <a:camera prst="orthographicFront"/>
+      <a:lightRig rig="chilly" dir="t"/>
+    </dgm:scene3d>
+    <dgm:sp3d prstMaterial="translucentPowder">
+      <a:bevelT w="127000" h="25400" prst="softRound"/>
+    </dgm:sp3d>
+    <dgm:txPr/>
+    <dgm:style>
+      <a:lnRef idx="0">
+        <a:scrgbClr r="0" g="0" b="0"/>
+      </a:lnRef>
+      <a:fillRef idx="1">
+        <a:scrgbClr r="0" g="0" b="0"/>
+      </a:fillRef>
+      <a:effectRef idx="0">
+        <a:scrgbClr r="0" g="0" b="0"/>
+      </a:effectRef>
+      <a:fontRef idx="minor">
+        <a:schemeClr val="lt1"/>
+      </a:fontRef>
+    </dgm:style>
+  </dgm:styleLbl>
+  <dgm:styleLbl name="parChTrans2D1">
+    <dgm:scene3d>
+      <a:camera prst="orthographicFront"/>
+      <a:lightRig rig="chilly" dir="t"/>
+    </dgm:scene3d>
+    <dgm:sp3d z="1700" extrusionH="1700" prstMaterial="translucentPowder">
+      <a:bevelT w="25400" h="6350" prst="softRound"/>
+      <a:bevelB w="0" h="0" prst="convex"/>
+    </dgm:sp3d>
+    <dgm:txPr/>
+    <dgm:style>
+      <a:lnRef idx="0">
+        <a:scrgbClr r="0" g="0" b="0"/>
+      </a:lnRef>
+      <a:fillRef idx="1">
+        <a:scrgbClr r="0" g="0" b="0"/>
+      </a:fillRef>
+      <a:effectRef idx="0">
+        <a:scrgbClr r="0" g="0" b="0"/>
+      </a:effectRef>
+      <a:fontRef idx="minor"/>
+    </dgm:style>
+  </dgm:styleLbl>
+  <dgm:styleLbl name="parChTrans2D2">
+    <dgm:scene3d>
+      <a:camera prst="orthographicFront"/>
+      <a:lightRig rig="chilly" dir="t"/>
+    </dgm:scene3d>
+    <dgm:sp3d z="1700" extrusionH="1700" prstMaterial="translucentPowder">
+      <a:bevelT w="25400" h="6350" prst="softRound"/>
+      <a:bevelB w="0" h="0" prst="convex"/>
+    </dgm:sp3d>
+    <dgm:txPr/>
+    <dgm:style>
+      <a:lnRef idx="0">
+        <a:scrgbClr r="0" g="0" b="0"/>
+      </a:lnRef>
+      <a:fillRef idx="1">
+        <a:scrgbClr r="0" g="0" b="0"/>
+      </a:fillRef>
+      <a:effectRef idx="0">
+        <a:scrgbClr r="0" g="0" b="0"/>
+      </a:effectRef>
+      <a:fontRef idx="minor"/>
+    </dgm:style>
+  </dgm:styleLbl>
+  <dgm:styleLbl name="parChTrans2D3">
+    <dgm:scene3d>
+      <a:camera prst="orthographicFront"/>
+      <a:lightRig rig="chilly" dir="t"/>
+    </dgm:scene3d>
+    <dgm:sp3d extrusionH="1700" prstMaterial="translucentPowder">
+      <a:bevelT w="25400" h="6350" prst="softRound"/>
+      <a:bevelB w="0" h="0" prst="convex"/>
+    </dgm:sp3d>
+    <dgm:txPr/>
+    <dgm:style>
+      <a:lnRef idx="0">
+        <a:scrgbClr r="0" g="0" b="0"/>
+      </a:lnRef>
+      <a:fillRef idx="1">
+        <a:scrgbClr r="0" g="0" b="0"/>
+      </a:fillRef>
+      <a:effectRef idx="0">
+        <a:scrgbClr r="0" g="0" b="0"/>
+      </a:effectRef>
+      <a:fontRef idx="minor"/>
+    </dgm:style>
+  </dgm:styleLbl>
+  <dgm:styleLbl name="parChTrans2D4">
+    <dgm:scene3d>
+      <a:camera prst="orthographicFront"/>
+      <a:lightRig rig="chilly" dir="t"/>
+    </dgm:scene3d>
+    <dgm:sp3d extrusionH="1700" prstMaterial="translucentPowder">
+      <a:bevelT w="25400" h="6350" prst="softRound"/>
+      <a:bevelB w="0" h="0" prst="convex"/>
+    </dgm:sp3d>
+    <dgm:txPr/>
+    <dgm:style>
+      <a:lnRef idx="0">
+        <a:scrgbClr r="0" g="0" b="0"/>
+      </a:lnRef>
+      <a:fillRef idx="1">
+        <a:scrgbClr r="0" g="0" b="0"/>
+      </a:fillRef>
+      <a:effectRef idx="0">
+        <a:scrgbClr r="0" g="0" b="0"/>
+      </a:effectRef>
+      <a:fontRef idx="minor"/>
+    </dgm:style>
+  </dgm:styleLbl>
+  <dgm:styleLbl name="parChTrans1D1">
+    <dgm:scene3d>
+      <a:camera prst="orthographicFront"/>
+      <a:lightRig rig="chilly" dir="t"/>
+    </dgm:scene3d>
+    <dgm:sp3d z="-40000" prstMaterial="matte"/>
+    <dgm:txPr/>
+    <dgm:style>
+      <a:lnRef idx="2">
+        <a:scrgbClr r="0" g="0" b="0"/>
+      </a:lnRef>
+      <a:fillRef idx="0">
+        <a:scrgbClr r="0" g="0" b="0"/>
+      </a:fillRef>
+      <a:effectRef idx="0">
+        <a:scrgbClr r="0" g="0" b="0"/>
+      </a:effectRef>
+      <a:fontRef idx="minor"/>
+    </dgm:style>
+  </dgm:styleLbl>
+  <dgm:styleLbl name="parChTrans1D2">
+    <dgm:scene3d>
+      <a:camera prst="orthographicFront"/>
+      <a:lightRig rig="threePt" dir="t"/>
+    </dgm:scene3d>
+    <dgm:sp3d z="-40000" prstMaterial="matte"/>
+    <dgm:txPr/>
+    <dgm:style>
+      <a:lnRef idx="2">
+        <a:scrgbClr r="0" g="0" b="0"/>
+      </a:lnRef>
+      <a:fillRef idx="0">
+        <a:scrgbClr r="0" g="0" b="0"/>
+      </a:fillRef>
+      <a:effectRef idx="0">
+        <a:scrgbClr r="0" g="0" b="0"/>
+      </a:effectRef>
+      <a:fontRef idx="minor"/>
+    </dgm:style>
+  </dgm:styleLbl>
+  <dgm:styleLbl name="parChTrans1D3">
+    <dgm:scene3d>
+      <a:camera prst="orthographicFront"/>
+      <a:lightRig rig="chilly" dir="t"/>
+    </dgm:scene3d>
+    <dgm:sp3d z="-40000" prstMaterial="matte"/>
+    <dgm:txPr/>
+    <dgm:style>
+      <a:lnRef idx="2">
+        <a:scrgbClr r="0" g="0" b="0"/>
+      </a:lnRef>
+      <a:fillRef idx="0">
+        <a:scrgbClr r="0" g="0" b="0"/>
+      </a:fillRef>
+      <a:effectRef idx="0">
+        <a:scrgbClr r="0" g="0" b="0"/>
+      </a:effectRef>
+      <a:fontRef idx="minor"/>
+    </dgm:style>
+  </dgm:styleLbl>
+  <dgm:styleLbl name="parChTrans1D4">
+    <dgm:scene3d>
+      <a:camera prst="orthographicFront"/>
+      <a:lightRig rig="chilly" dir="t"/>
+    </dgm:scene3d>
+    <dgm:sp3d z="-40000" prstMaterial="matte"/>
+    <dgm:txPr/>
+    <dgm:style>
+      <a:lnRef idx="2">
+        <a:scrgbClr r="0" g="0" b="0"/>
+      </a:lnRef>
+      <a:fillRef idx="0">
+        <a:scrgbClr r="0" g="0" b="0"/>
+      </a:fillRef>
+      <a:effectRef idx="0">
+        <a:scrgbClr r="0" g="0" b="0"/>
+      </a:effectRef>
+      <a:fontRef idx="minor"/>
+    </dgm:style>
+  </dgm:styleLbl>
+  <dgm:styleLbl name="fgAcc1">
+    <dgm:scene3d>
+      <a:camera prst="orthographicFront"/>
+      <a:lightRig rig="chilly" dir="t"/>
+    </dgm:scene3d>
+    <dgm:sp3d z="12700" extrusionH="1700" prstMaterial="dkEdge">
+      <a:bevelT w="25400" h="6350" prst="softRound"/>
+      <a:bevelB w="0" h="0" prst="convex"/>
+    </dgm:sp3d>
+    <dgm:txPr/>
+    <dgm:style>
+      <a:lnRef idx="1">
+        <a:scrgbClr r="0" g="0" b="0"/>
+      </a:lnRef>
+      <a:fillRef idx="1">
+        <a:scrgbClr r="0" g="0" b="0"/>
+      </a:fillRef>
+      <a:effectRef idx="0">
+        <a:scrgbClr r="0" g="0" b="0"/>
+      </a:effectRef>
+      <a:fontRef idx="minor"/>
+    </dgm:style>
+  </dgm:styleLbl>
+  <dgm:styleLbl name="conFgAcc1">
+    <dgm:scene3d>
+      <a:camera prst="orthographicFront"/>
+      <a:lightRig rig="chilly" dir="t"/>
+    </dgm:scene3d>
+    <dgm:sp3d z="12700" extrusionH="1700" prstMaterial="dkEdge">
+      <a:bevelT w="25400" h="6350" prst="softRound"/>
+      <a:bevelB w="0" h="0" prst="convex"/>
+    </dgm:sp3d>
+    <dgm:txPr/>
+    <dgm:style>
+      <a:lnRef idx="1">
+        <a:scrgbClr r="0" g="0" b="0"/>
+      </a:lnRef>
+      <a:fillRef idx="1">
+        <a:scrgbClr r="0" g="0" b="0"/>
+      </a:fillRef>
+      <a:effectRef idx="0">
+        <a:scrgbClr r="0" g="0" b="0"/>
+      </a:effectRef>
+      <a:fontRef idx="minor"/>
+    </dgm:style>
+  </dgm:styleLbl>
+  <dgm:styleLbl name="alignAcc1">
+    <dgm:scene3d>
+      <a:camera prst="orthographicFront"/>
+      <a:lightRig rig="chilly" dir="t"/>
+    </dgm:scene3d>
+    <dgm:sp3d prstMaterial="dkEdge">
+      <a:bevelT w="25400" h="6350" prst="softRound"/>
+      <a:bevelB w="0" h="0" prst="convex"/>
+    </dgm:sp3d>
+    <dgm:txPr/>
+    <dgm:style>
+      <a:lnRef idx="1">
+        <a:scrgbClr r="0" g="0" b="0"/>
+      </a:lnRef>
+      <a:fillRef idx="1">
+        <a:scrgbClr r="0" g="0" b="0"/>
+      </a:fillRef>
+      <a:effectRef idx="0">
+        <a:scrgbClr r="0" g="0" b="0"/>
+      </a:effectRef>
+      <a:fontRef idx="minor"/>
+    </dgm:style>
+  </dgm:styleLbl>
+  <dgm:styleLbl name="trAlignAcc1">
+    <dgm:scene3d>
+      <a:camera prst="orthographicFront"/>
+      <a:lightRig rig="chilly" dir="t"/>
+    </dgm:scene3d>
+    <dgm:sp3d prstMaterial="dkEdge">
+      <a:bevelT w="127000" h="25400"/>
+    </dgm:sp3d>
+    <dgm:txPr/>
+    <dgm:style>
+      <a:lnRef idx="1">
+        <a:scrgbClr r="0" g="0" b="0"/>
+      </a:lnRef>
+      <a:fillRef idx="1">
+        <a:scrgbClr r="0" g="0" b="0"/>
+      </a:fillRef>
+      <a:effectRef idx="0">
+        <a:scrgbClr r="0" g="0" b="0"/>
+      </a:effectRef>
+      <a:fontRef idx="minor">
+        <a:schemeClr val="lt1"/>
+      </a:fontRef>
+    </dgm:style>
+  </dgm:styleLbl>
+  <dgm:styleLbl name="bgAcc1">
+    <dgm:scene3d>
+      <a:camera prst="orthographicFront"/>
+      <a:lightRig rig="chilly" dir="t"/>
+    </dgm:scene3d>
+    <dgm:sp3d z="-12700" extrusionH="1700" prstMaterial="dkEdge">
+      <a:bevelT w="25400" h="6350" prst="softRound"/>
+      <a:bevelB w="0" h="0" prst="convex"/>
+    </dgm:sp3d>
+    <dgm:txPr/>
+    <dgm:style>
+      <a:lnRef idx="1">
+        <a:scrgbClr r="0" g="0" b="0"/>
+      </a:lnRef>
+      <a:fillRef idx="1">
+        <a:scrgbClr r="0" g="0" b="0"/>
+      </a:fillRef>
+      <a:effectRef idx="0">
+        <a:scrgbClr r="0" g="0" b="0"/>
+      </a:effectRef>
+      <a:fontRef idx="minor"/>
+    </dgm:style>
+  </dgm:styleLbl>
+  <dgm:styleLbl name="solidFgAcc1">
+    <dgm:scene3d>
+      <a:camera prst="orthographicFront"/>
+      <a:lightRig rig="chilly" dir="t"/>
+    </dgm:scene3d>
+    <dgm:sp3d z="12700" extrusionH="1700" prstMaterial="dkEdge">
+      <a:bevelT w="25400" h="6350" prst="softRound"/>
+      <a:bevelB w="0" h="0" prst="convex"/>
+    </dgm:sp3d>
+    <dgm:txPr/>
+    <dgm:style>
+      <a:lnRef idx="1">
+        <a:scrgbClr r="0" g="0" b="0"/>
+      </a:lnRef>
+      <a:fillRef idx="1">
+        <a:scrgbClr r="0" g="0" b="0"/>
+      </a:fillRef>
+      <a:effectRef idx="0">
+        <a:scrgbClr r="0" g="0" b="0"/>
+      </a:effectRef>
+      <a:fontRef idx="minor"/>
+    </dgm:style>
+  </dgm:styleLbl>
+  <dgm:styleLbl name="solidAlignAcc1">
+    <dgm:scene3d>
+      <a:camera prst="orthographicFront"/>
+      <a:lightRig rig="chilly" dir="t"/>
+    </dgm:scene3d>
+    <dgm:sp3d extrusionH="1700" prstMaterial="dkEdge">
+      <a:bevelT w="25400" h="6350" prst="softRound"/>
+      <a:bevelB w="0" h="0" prst="convex"/>
+    </dgm:sp3d>
+    <dgm:txPr/>
+    <dgm:style>
+      <a:lnRef idx="1">
+        <a:scrgbClr r="0" g="0" b="0"/>
+      </a:lnRef>
+      <a:fillRef idx="1">
+        <a:scrgbClr r="0" g="0" b="0"/>
+      </a:fillRef>
+      <a:effectRef idx="0">
+        <a:scrgbClr r="0" g="0" b="0"/>
+      </a:effectRef>
+      <a:fontRef idx="minor"/>
+    </dgm:style>
+  </dgm:styleLbl>
+  <dgm:styleLbl name="solidBgAcc1">
+    <dgm:scene3d>
+      <a:camera prst="orthographicFront"/>
+      <a:lightRig rig="chilly" dir="t"/>
+    </dgm:scene3d>
+    <dgm:sp3d z="-12700" extrusionH="1700" prstMaterial="dkEdge">
+      <a:bevelT w="25400" h="6350" prst="softRound"/>
+      <a:bevelB w="0" h="0" prst="convex"/>
+    </dgm:sp3d>
+    <dgm:txPr/>
+    <dgm:style>
+      <a:lnRef idx="1">
+        <a:scrgbClr r="0" g="0" b="0"/>
+      </a:lnRef>
+      <a:fillRef idx="1">
+        <a:scrgbClr r="0" g="0" b="0"/>
+      </a:fillRef>
+      <a:effectRef idx="0">
+        <a:scrgbClr r="0" g="0" b="0"/>
+      </a:effectRef>
+      <a:fontRef idx="minor"/>
+    </dgm:style>
+  </dgm:styleLbl>
+  <dgm:styleLbl name="fgAccFollowNode1">
+    <dgm:scene3d>
+      <a:camera prst="orthographicFront"/>
+      <a:lightRig rig="chilly" dir="t"/>
+    </dgm:scene3d>
+    <dgm:sp3d z="12700" extrusionH="1700" prstMaterial="dkEdge">
+      <a:bevelT w="25400" h="6350" prst="softRound"/>
+      <a:bevelB w="0" h="0" prst="convex"/>
+    </dgm:sp3d>
+    <dgm:txPr/>
+    <dgm:style>
+      <a:lnRef idx="1">
+        <a:scrgbClr r="0" g="0" b="0"/>
+      </a:lnRef>
+      <a:fillRef idx="1">
+        <a:scrgbClr r="0" g="0" b="0"/>
+      </a:fillRef>
+      <a:effectRef idx="0">
+        <a:scrgbClr r="0" g="0" b="0"/>
+      </a:effectRef>
+      <a:fontRef idx="minor"/>
+    </dgm:style>
+  </dgm:styleLbl>
+  <dgm:styleLbl name="alignAccFollowNode1">
+    <dgm:scene3d>
+      <a:camera prst="orthographicFront"/>
+      <a:lightRig rig="chilly" dir="t"/>
+    </dgm:scene3d>
+    <dgm:sp3d extrusionH="1700" prstMaterial="dkEdge">
+      <a:bevelT w="25400" h="6350" prst="softRound"/>
+      <a:bevelB w="0" h="0" prst="convex"/>
+    </dgm:sp3d>
+    <dgm:txPr/>
+    <dgm:style>
+      <a:lnRef idx="1">
+        <a:scrgbClr r="0" g="0" b="0"/>
+      </a:lnRef>
+      <a:fillRef idx="1">
+        <a:scrgbClr r="0" g="0" b="0"/>
+      </a:fillRef>
+      <a:effectRef idx="0">
+        <a:scrgbClr r="0" g="0" b="0"/>
+      </a:effectRef>
+      <a:fontRef idx="minor"/>
+    </dgm:style>
+  </dgm:styleLbl>
+  <dgm:styleLbl name="bgAccFollowNode1">
+    <dgm:scene3d>
+      <a:camera prst="orthographicFront"/>
+      <a:lightRig rig="chilly" dir="t"/>
+    </dgm:scene3d>
+    <dgm:sp3d z="-12700" extrusionH="1700" prstMaterial="dkEdge">
+      <a:bevelT w="25400" h="6350" prst="softRound"/>
+      <a:bevelB w="0" h="0" prst="convex"/>
+    </dgm:sp3d>
+    <dgm:txPr/>
+    <dgm:style>
+      <a:lnRef idx="1">
+        <a:scrgbClr r="0" g="0" b="0"/>
+      </a:lnRef>
+      <a:fillRef idx="1">
+        <a:scrgbClr r="0" g="0" b="0"/>
+      </a:fillRef>
+      <a:effectRef idx="0">
+        <a:scrgbClr r="0" g="0" b="0"/>
+      </a:effectRef>
+      <a:fontRef idx="minor"/>
+    </dgm:style>
+  </dgm:styleLbl>
+  <dgm:styleLbl name="fgAcc0">
+    <dgm:scene3d>
+      <a:camera prst="orthographicFront"/>
+      <a:lightRig rig="chilly" dir="t"/>
+    </dgm:scene3d>
+    <dgm:sp3d z="12700" extrusionH="1700" prstMaterial="dkEdge">
+      <a:bevelT w="25400" h="6350" prst="softRound"/>
+      <a:bevelB w="0" h="0" prst="convex"/>
+    </dgm:sp3d>
+    <dgm:txPr/>
+    <dgm:style>
+      <a:lnRef idx="1">
+        <a:scrgbClr r="0" g="0" b="0"/>
+      </a:lnRef>
+      <a:fillRef idx="1">
+        <a:scrgbClr r="0" g="0" b="0"/>
+      </a:fillRef>
+      <a:effectRef idx="0">
+        <a:scrgbClr r="0" g="0" b="0"/>
+      </a:effectRef>
+      <a:fontRef idx="minor"/>
+    </dgm:style>
+  </dgm:styleLbl>
+  <dgm:styleLbl name="fgAcc2">
+    <dgm:scene3d>
+      <a:camera prst="orthographicFront"/>
+      <a:lightRig rig="chilly" dir="t"/>
+    </dgm:scene3d>
+    <dgm:sp3d z="12700" extrusionH="1700" prstMaterial="dkEdge">
+      <a:bevelT w="25400" h="6350" prst="softRound"/>
+      <a:bevelB w="0" h="0" prst="convex"/>
+    </dgm:sp3d>
+    <dgm:txPr/>
+    <dgm:style>
+      <a:lnRef idx="1">
+        <a:scrgbClr r="0" g="0" b="0"/>
+      </a:lnRef>
+      <a:fillRef idx="1">
+        <a:scrgbClr r="0" g="0" b="0"/>
+      </a:fillRef>
+      <a:effectRef idx="0">
+        <a:scrgbClr r="0" g="0" b="0"/>
+      </a:effectRef>
+      <a:fontRef idx="minor"/>
+    </dgm:style>
+  </dgm:styleLbl>
+  <dgm:styleLbl name="fgAcc3">
+    <dgm:scene3d>
+      <a:camera prst="orthographicFront"/>
+      <a:lightRig rig="chilly" dir="t"/>
+    </dgm:scene3d>
+    <dgm:sp3d z="12700" extrusionH="1700" prstMaterial="dkEdge">
+      <a:bevelT w="25400" h="6350" prst="softRound"/>
+      <a:bevelB w="0" h="0" prst="convex"/>
+    </dgm:sp3d>
+    <dgm:txPr/>
+    <dgm:style>
+      <a:lnRef idx="1">
+        <a:scrgbClr r="0" g="0" b="0"/>
+      </a:lnRef>
+      <a:fillRef idx="1">
+        <a:scrgbClr r="0" g="0" b="0"/>
+      </a:fillRef>
+      <a:effectRef idx="0">
+        <a:scrgbClr r="0" g="0" b="0"/>
+      </a:effectRef>
+      <a:fontRef idx="minor"/>
+    </dgm:style>
+  </dgm:styleLbl>
+  <dgm:styleLbl name="fgAcc4">
+    <dgm:scene3d>
+      <a:camera prst="orthographicFront"/>
+      <a:lightRig rig="chilly" dir="t"/>
+    </dgm:scene3d>
+    <dgm:sp3d z="12700" extrusionH="1700" prstMaterial="dkEdge">
+      <a:bevelT w="25400" h="6350" prst="softRound"/>
+      <a:bevelB w="0" h="0" prst="convex"/>
+    </dgm:sp3d>
+    <dgm:txPr/>
+    <dgm:style>
+      <a:lnRef idx="1">
+        <a:scrgbClr r="0" g="0" b="0"/>
+      </a:lnRef>
+      <a:fillRef idx="1">
+        <a:scrgbClr r="0" g="0" b="0"/>
+      </a:fillRef>
+      <a:effectRef idx="0">
+        <a:scrgbClr r="0" g="0" b="0"/>
+      </a:effectRef>
+      <a:fontRef idx="minor"/>
+    </dgm:style>
+  </dgm:styleLbl>
+  <dgm:styleLbl name="bgShp">
+    <dgm:scene3d>
+      <a:camera prst="orthographicFront"/>
+      <a:lightRig rig="chilly" dir="t"/>
+    </dgm:scene3d>
+    <dgm:sp3d z="-12700" extrusionH="1700" prstMaterial="translucentPowder">
+      <a:bevelT w="25400" h="6350" prst="softRound"/>
+      <a:bevelB w="0" h="0" prst="convex"/>
+    </dgm:sp3d>
+    <dgm:txPr/>
+    <dgm:style>
+      <a:lnRef idx="0">
+        <a:scrgbClr r="0" g="0" b="0"/>
+      </a:lnRef>
+      <a:fillRef idx="1">
+        <a:scrgbClr r="0" g="0" b="0"/>
+      </a:fillRef>
+      <a:effectRef idx="0">
+        <a:scrgbClr r="0" g="0" b="0"/>
+      </a:effectRef>
+      <a:fontRef idx="minor"/>
+    </dgm:style>
+  </dgm:styleLbl>
+  <dgm:styleLbl name="dkBgShp">
+    <dgm:scene3d>
+      <a:camera prst="orthographicFront"/>
+      <a:lightRig rig="chilly" dir="t"/>
+    </dgm:scene3d>
+    <dgm:sp3d extrusionH="1700" prstMaterial="translucentPowder">
+      <a:bevelT w="25400" h="6350" prst="softRound"/>
+      <a:bevelB w="0" h="0" prst="convex"/>
+    </dgm:sp3d>
+    <dgm:txPr/>
+    <dgm:style>
+      <a:lnRef idx="0">
+        <a:scrgbClr r="0" g="0" b="0"/>
+      </a:lnRef>
+      <a:fillRef idx="1">
+        <a:scrgbClr r="0" g="0" b="0"/>
+      </a:fillRef>
+      <a:effectRef idx="0">
+        <a:scrgbClr r="0" g="0" b="0"/>
+      </a:effectRef>
+      <a:fontRef idx="minor"/>
+    </dgm:style>
+  </dgm:styleLbl>
+  <dgm:styleLbl name="trBgShp">
+    <dgm:scene3d>
+      <a:camera prst="orthographicFront"/>
+      <a:lightRig rig="chilly" dir="t"/>
+    </dgm:scene3d>
+    <dgm:sp3d z="-152400" prstMaterial="matte"/>
+    <dgm:txPr/>
+    <dgm:style>
+      <a:lnRef idx="0">
+        <a:scrgbClr r="0" g="0" b="0"/>
+      </a:lnRef>
+      <a:fillRef idx="1">
+        <a:scrgbClr r="0" g="0" b="0"/>
+      </a:fillRef>
+      <a:effectRef idx="0">
+        <a:scrgbClr r="0" g="0" b="0"/>
+      </a:effectRef>
+      <a:fontRef idx="minor"/>
+    </dgm:style>
+  </dgm:styleLbl>
+  <dgm:styleLbl name="fgShp">
+    <dgm:scene3d>
+      <a:camera prst="orthographicFront"/>
+      <a:lightRig rig="chilly" dir="t"/>
+    </dgm:scene3d>
+    <dgm:sp3d z="12700" extrusionH="1700" prstMaterial="translucentPowder">
+      <a:bevelT w="25400" h="6350" prst="softRound"/>
+      <a:bevelB w="0" h="0" prst="convex"/>
+    </dgm:sp3d>
+    <dgm:txPr/>
+    <dgm:style>
+      <a:lnRef idx="0">
+        <a:scrgbClr r="0" g="0" b="0"/>
+      </a:lnRef>
+      <a:fillRef idx="1">
+        <a:scrgbClr r="0" g="0" b="0"/>
+      </a:fillRef>
+      <a:effectRef idx="0">
+        <a:scrgbClr r="0" g="0" b="0"/>
+      </a:effectRef>
+      <a:fontRef idx="minor"/>
+    </dgm:style>
+  </dgm:styleLbl>
+  <dgm:styleLbl name="revTx">
+    <dgm:scene3d>
+      <a:camera prst="orthographicFront"/>
+      <a:lightRig rig="threePt" dir="t"/>
+    </dgm:scene3d>
+    <dgm:sp3d/>
+    <dgm:txPr/>
+    <dgm:style>
+      <a:lnRef idx="0">
+        <a:scrgbClr r="0" g="0" b="0"/>
+      </a:lnRef>
+      <a:fillRef idx="0">
+        <a:scrgbClr r="0" g="0" b="0"/>
+      </a:fillRef>
+      <a:effectRef idx="0">
+        <a:scrgbClr r="0" g="0" b="0"/>
+      </a:effectRef>
+      <a:fontRef idx="minor"/>
+    </dgm:style>
+  </dgm:styleLbl>
+</dgm:styleDef>
 </file>
 
 <file path=ppt/handoutMasters/handoutMaster1.xml><?xml version="1.0" encoding="utf-8"?>
@@ -1002,7 +5468,7 @@
             <a:pPr algn="ctr"/>
             <a:fld id="{DB3AC4FF-7527-473D-9116-A78ACDB7B002}" type="datetime8">
               <a:rPr lang="en-US" smtClean="0"/>
-              <a:t>12/30/2011 2:39 PM</a:t>
+              <a:t>12/30/2011 3:09 PM</a:t>
             </a:fld>
             <a:endParaRPr lang="en-US" sz="2000" dirty="0">
               <a:solidFill>
@@ -1218,7 +5684,7 @@
                   <a:schemeClr val="tx2"/>
                 </a:solidFill>
               </a:rPr>
-              <a:t>12/30/2011 2:39 PM</a:t>
+              <a:t>12/30/2011 3:09 PM</a:t>
             </a:fld>
             <a:endParaRPr lang="en-US"/>
           </a:p>
@@ -1414,7 +5880,7 @@
                   <a:schemeClr val="tx2"/>
                 </a:solidFill>
               </a:rPr>
-              <a:t>12/30/2011 2:39 PM</a:t>
+              <a:t>12/30/2011 3:09 PM</a:t>
             </a:fld>
             <a:endParaRPr lang="en-US" dirty="0"/>
           </a:p>
@@ -1646,7 +6112,9 @@
           <p:nvPr userDrawn="1"/>
         </p:nvPicPr>
         <p:blipFill>
-          <a:blip r:embed="rId2" cstate="print"/>
+          <a:blip r:embed="rId2" cstate="print">
+            <a:lum bright="20000" contrast="-40000"/>
+          </a:blip>
           <a:srcRect/>
           <a:stretch>
             <a:fillRect/>
@@ -1654,8 +6122,8 @@
         </p:blipFill>
         <p:spPr bwMode="auto">
           <a:xfrm>
-            <a:off x="4857752" y="1500174"/>
-            <a:ext cx="5000660" cy="5247914"/>
+            <a:off x="7092280" y="4293096"/>
+            <a:ext cx="2407941" cy="2527000"/>
           </a:xfrm>
           <a:prstGeom prst="rect">
             <a:avLst/>
@@ -1714,7 +6182,7 @@
           <a:p>
             <a:fld id="{ACFA9F14-9E1D-4A50-9760-EADEBCF8875A}" type="datetime8">
               <a:rPr lang="en-US" smtClean="0"/>
-              <a:t>12/30/2011 2:39 PM</a:t>
+              <a:t>12/30/2011 3:09 PM</a:t>
             </a:fld>
             <a:endParaRPr lang="en-US" dirty="0"/>
           </a:p>
@@ -1797,35 +6265,35 @@
           <a:p>
             <a:pPr lvl="0"/>
             <a:r>
-              <a:rPr lang="en-US" smtClean="0"/>
+              <a:rPr lang="en-US" dirty="0" smtClean="0"/>
               <a:t>Click to edit Master text styles</a:t>
             </a:r>
           </a:p>
           <a:p>
             <a:pPr lvl="1"/>
             <a:r>
-              <a:rPr lang="en-US" smtClean="0"/>
+              <a:rPr lang="en-US" dirty="0" smtClean="0"/>
               <a:t>Second level</a:t>
             </a:r>
           </a:p>
           <a:p>
             <a:pPr lvl="2"/>
             <a:r>
-              <a:rPr lang="en-US" smtClean="0"/>
+              <a:rPr lang="en-US" dirty="0" smtClean="0"/>
               <a:t>Third level</a:t>
             </a:r>
           </a:p>
           <a:p>
             <a:pPr lvl="3"/>
             <a:r>
-              <a:rPr lang="en-US" smtClean="0"/>
+              <a:rPr lang="en-US" dirty="0" smtClean="0"/>
               <a:t>Fourth level</a:t>
             </a:r>
           </a:p>
           <a:p>
             <a:pPr lvl="4"/>
             <a:r>
-              <a:rPr lang="en-US" smtClean="0"/>
+              <a:rPr lang="en-US" dirty="0" smtClean="0"/>
               <a:t>Fifth level</a:t>
             </a:r>
             <a:endParaRPr lang="en-US" dirty="0"/>
@@ -2130,7 +6598,7 @@
           <a:p>
             <a:fld id="{67583CB6-BCF9-42D4-BCDC-9094FDF08539}" type="datetime8">
               <a:rPr lang="en-US" smtClean="0"/>
-              <a:t>12/30/2011 2:39 PM</a:t>
+              <a:t>12/30/2011 3:09 PM</a:t>
             </a:fld>
             <a:endParaRPr lang="en-US"/>
           </a:p>
@@ -2385,7 +6853,7 @@
           <a:p>
             <a:fld id="{F3B0C4B6-2525-4AE6-B3C3-55AC237D96E5}" type="datetime8">
               <a:rPr lang="en-US" smtClean="0"/>
-              <a:t>12/30/2011 2:39 PM</a:t>
+              <a:t>12/30/2011 3:09 PM</a:t>
             </a:fld>
             <a:endParaRPr lang="en-US"/>
           </a:p>
@@ -2630,7 +7098,7 @@
           <a:p>
             <a:fld id="{B0884233-0FCF-49FD-96DF-1DAAE5FB8E5F}" type="datetime8">
               <a:rPr lang="en-US" smtClean="0"/>
-              <a:t>12/30/2011 2:39 PM</a:t>
+              <a:t>12/30/2011 3:09 PM</a:t>
             </a:fld>
             <a:endParaRPr lang="en-US"/>
           </a:p>
@@ -2827,7 +7295,7 @@
           <a:p>
             <a:fld id="{925A36DC-A6B9-49A0-8592-C10893892C73}" type="datetime8">
               <a:rPr lang="en-US" smtClean="0"/>
-              <a:t>12/30/2011 2:39 PM</a:t>
+              <a:t>12/30/2011 3:09 PM</a:t>
             </a:fld>
             <a:endParaRPr lang="en-US"/>
           </a:p>
@@ -2930,7 +7398,7 @@
           <a:p>
             <a:fld id="{9D46CA07-655C-445C-9C09-8E6C2DF4CEC3}" type="datetime8">
               <a:rPr lang="en-US" smtClean="0"/>
-              <a:t>12/30/2011 2:39 PM</a:t>
+              <a:t>12/30/2011 3:09 PM</a:t>
             </a:fld>
             <a:endParaRPr lang="en-US"/>
           </a:p>
@@ -3078,7 +7546,7 @@
           <a:p>
             <a:fld id="{F2D3B79E-6498-490A-A85A-E8302493EBB7}" type="datetime8">
               <a:rPr lang="en-US" smtClean="0"/>
-              <a:t>12/30/2011 2:39 PM</a:t>
+              <a:t>12/30/2011 3:09 PM</a:t>
             </a:fld>
             <a:endParaRPr lang="en-US"/>
           </a:p>
@@ -3552,7 +8020,7 @@
           <a:p>
             <a:fld id="{D73C48E5-5E3A-4FFD-8978-6ECFCE87ADA1}" type="datetime8">
               <a:rPr lang="en-US" smtClean="0"/>
-              <a:t>12/30/2011 2:39 PM</a:t>
+              <a:t>12/30/2011 3:09 PM</a:t>
             </a:fld>
             <a:endParaRPr lang="en-US"/>
           </a:p>
@@ -3835,7 +8303,7 @@
                   <a:schemeClr val="tx2"/>
                 </a:solidFill>
               </a:rPr>
-              <a:t>12/30/2011 2:39 PM</a:t>
+              <a:t>12/30/2011 3:09 PM</a:t>
             </a:fld>
             <a:endParaRPr lang="en-US" sz="1400" dirty="0">
               <a:solidFill>
@@ -4439,6 +8907,77 @@
           <a:chExt cx="0" cy="0"/>
         </a:xfrm>
       </p:grpSpPr>
+      <p:pic>
+        <p:nvPicPr>
+          <p:cNvPr id="3073" name="Picture 1"/>
+          <p:cNvPicPr>
+            <a:picLocks noChangeAspect="1" noChangeArrowheads="1"/>
+          </p:cNvPicPr>
+          <p:nvPr/>
+        </p:nvPicPr>
+        <p:blipFill>
+          <a:blip r:embed="rId3">
+            <a:duotone>
+              <a:schemeClr val="accent2">
+                <a:shade val="45000"/>
+                <a:satMod val="135000"/>
+              </a:schemeClr>
+              <a:prstClr val="white"/>
+            </a:duotone>
+            <a:extLst>
+              <a:ext uri="{28A0092B-C50C-407E-A947-70E740481C1C}">
+                <a14:useLocalDpi xmlns:a14="http://schemas.microsoft.com/office/drawing/2010/main" val="0"/>
+              </a:ext>
+            </a:extLst>
+          </a:blip>
+          <a:srcRect/>
+          <a:stretch>
+            <a:fillRect/>
+          </a:stretch>
+        </p:blipFill>
+        <p:spPr bwMode="auto">
+          <a:xfrm>
+            <a:off x="0" y="0"/>
+            <a:ext cx="9179902" cy="6007336"/>
+          </a:xfrm>
+          <a:prstGeom prst="rect">
+            <a:avLst/>
+          </a:prstGeom>
+          <a:noFill/>
+          <a:ln>
+            <a:noFill/>
+          </a:ln>
+          <a:effectLst/>
+          <a:extLst>
+            <a:ext uri="{909E8E84-426E-40DD-AFC4-6F175D3DCCD1}">
+              <a14:hiddenFill xmlns:a14="http://schemas.microsoft.com/office/drawing/2010/main">
+                <a:solidFill>
+                  <a:schemeClr val="accent1"/>
+                </a:solidFill>
+              </a14:hiddenFill>
+            </a:ext>
+            <a:ext uri="{91240B29-F687-4F45-9708-019B960494DF}">
+              <a14:hiddenLine xmlns:a14="http://schemas.microsoft.com/office/drawing/2010/main" w="9525">
+                <a:solidFill>
+                  <a:schemeClr val="tx1"/>
+                </a:solidFill>
+                <a:miter lim="800000"/>
+                <a:headEnd/>
+                <a:tailEnd/>
+              </a14:hiddenLine>
+            </a:ext>
+            <a:ext uri="{AF507438-7753-43E0-B8FC-AC1667EBCBE1}">
+              <a14:hiddenEffects xmlns:a14="http://schemas.microsoft.com/office/drawing/2010/main">
+                <a:effectLst>
+                  <a:outerShdw dist="35921" dir="2700000" algn="ctr" rotWithShape="0">
+                    <a:schemeClr val="bg2"/>
+                  </a:outerShdw>
+                </a:effectLst>
+              </a14:hiddenEffects>
+            </a:ext>
+          </a:extLst>
+        </p:spPr>
+      </p:pic>
       <p:sp>
         <p:nvSpPr>
           <p:cNvPr id="2" name="Rectangle 1"/>
@@ -4451,7 +8990,7 @@
         </p:nvSpPr>
         <p:spPr>
           <a:xfrm>
-            <a:off x="0" y="3212976"/>
+            <a:off x="0" y="3284984"/>
             <a:ext cx="9144000" cy="1879848"/>
           </a:xfrm>
         </p:spPr>
@@ -4479,814 +9018,117 @@
           <a:p>
             <a:pPr algn="ctr"/>
             <a:r>
-              <a:rPr lang="en-US" sz="3600" b="1" dirty="0" err="1" smtClean="0">
-                <a:ln w="0"/>
-                <a:gradFill flip="none">
-                  <a:gsLst>
-                    <a:gs pos="0">
-                      <a:schemeClr val="accent1">
-                        <a:tint val="75000"/>
-                        <a:shade val="75000"/>
-                        <a:satMod val="170000"/>
-                      </a:schemeClr>
-                    </a:gs>
-                    <a:gs pos="49000">
-                      <a:schemeClr val="accent1">
-                        <a:tint val="88000"/>
-                        <a:shade val="65000"/>
-                        <a:satMod val="172000"/>
-                      </a:schemeClr>
-                    </a:gs>
-                    <a:gs pos="50000">
-                      <a:schemeClr val="accent1">
-                        <a:shade val="65000"/>
-                        <a:satMod val="130000"/>
-                      </a:schemeClr>
-                    </a:gs>
-                    <a:gs pos="92000">
-                      <a:schemeClr val="accent1">
-                        <a:shade val="50000"/>
-                        <a:satMod val="120000"/>
-                      </a:schemeClr>
-                    </a:gs>
-                    <a:gs pos="100000">
-                      <a:schemeClr val="accent1">
-                        <a:shade val="48000"/>
-                        <a:satMod val="120000"/>
-                      </a:schemeClr>
-                    </a:gs>
-                  </a:gsLst>
-                  <a:lin ang="5400000"/>
-                </a:gradFill>
-                <a:effectLst>
-                  <a:reflection blurRad="12700" stA="50000" endPos="50000" dist="5000" dir="5400000" sy="-100000" rotWithShape="0"/>
-                </a:effectLst>
+              <a:rPr lang="en-US" sz="4000" dirty="0" err="1" smtClean="0">
                 <a:latin typeface="Times New Roman" pitchFamily="18" charset="0"/>
                 <a:cs typeface="Times New Roman" pitchFamily="18" charset="0"/>
               </a:rPr>
               <a:t>Xây</a:t>
             </a:r>
             <a:r>
-              <a:rPr lang="en-US" sz="3600" b="1" dirty="0" smtClean="0">
-                <a:ln w="0"/>
-                <a:gradFill flip="none">
-                  <a:gsLst>
-                    <a:gs pos="0">
-                      <a:schemeClr val="accent1">
-                        <a:tint val="75000"/>
-                        <a:shade val="75000"/>
-                        <a:satMod val="170000"/>
-                      </a:schemeClr>
-                    </a:gs>
-                    <a:gs pos="49000">
-                      <a:schemeClr val="accent1">
-                        <a:tint val="88000"/>
-                        <a:shade val="65000"/>
-                        <a:satMod val="172000"/>
-                      </a:schemeClr>
-                    </a:gs>
-                    <a:gs pos="50000">
-                      <a:schemeClr val="accent1">
-                        <a:shade val="65000"/>
-                        <a:satMod val="130000"/>
-                      </a:schemeClr>
-                    </a:gs>
-                    <a:gs pos="92000">
-                      <a:schemeClr val="accent1">
-                        <a:shade val="50000"/>
-                        <a:satMod val="120000"/>
-                      </a:schemeClr>
-                    </a:gs>
-                    <a:gs pos="100000">
-                      <a:schemeClr val="accent1">
-                        <a:shade val="48000"/>
-                        <a:satMod val="120000"/>
-                      </a:schemeClr>
-                    </a:gs>
-                  </a:gsLst>
-                  <a:lin ang="5400000"/>
-                </a:gradFill>
-                <a:effectLst>
-                  <a:reflection blurRad="12700" stA="50000" endPos="50000" dist="5000" dir="5400000" sy="-100000" rotWithShape="0"/>
-                </a:effectLst>
+              <a:rPr lang="en-US" sz="4000" dirty="0" smtClean="0">
                 <a:latin typeface="Times New Roman" pitchFamily="18" charset="0"/>
                 <a:cs typeface="Times New Roman" pitchFamily="18" charset="0"/>
               </a:rPr>
               <a:t> </a:t>
             </a:r>
             <a:r>
-              <a:rPr lang="en-US" sz="3600" b="1" dirty="0" err="1" smtClean="0">
-                <a:ln w="0"/>
-                <a:gradFill flip="none">
-                  <a:gsLst>
-                    <a:gs pos="0">
-                      <a:schemeClr val="accent1">
-                        <a:tint val="75000"/>
-                        <a:shade val="75000"/>
-                        <a:satMod val="170000"/>
-                      </a:schemeClr>
-                    </a:gs>
-                    <a:gs pos="49000">
-                      <a:schemeClr val="accent1">
-                        <a:tint val="88000"/>
-                        <a:shade val="65000"/>
-                        <a:satMod val="172000"/>
-                      </a:schemeClr>
-                    </a:gs>
-                    <a:gs pos="50000">
-                      <a:schemeClr val="accent1">
-                        <a:shade val="65000"/>
-                        <a:satMod val="130000"/>
-                      </a:schemeClr>
-                    </a:gs>
-                    <a:gs pos="92000">
-                      <a:schemeClr val="accent1">
-                        <a:shade val="50000"/>
-                        <a:satMod val="120000"/>
-                      </a:schemeClr>
-                    </a:gs>
-                    <a:gs pos="100000">
-                      <a:schemeClr val="accent1">
-                        <a:shade val="48000"/>
-                        <a:satMod val="120000"/>
-                      </a:schemeClr>
-                    </a:gs>
-                  </a:gsLst>
-                  <a:lin ang="5400000"/>
-                </a:gradFill>
-                <a:effectLst>
-                  <a:reflection blurRad="12700" stA="50000" endPos="50000" dist="5000" dir="5400000" sy="-100000" rotWithShape="0"/>
-                </a:effectLst>
+              <a:rPr lang="en-US" sz="4000" dirty="0" err="1" smtClean="0">
                 <a:latin typeface="Times New Roman" pitchFamily="18" charset="0"/>
                 <a:cs typeface="Times New Roman" pitchFamily="18" charset="0"/>
               </a:rPr>
               <a:t>dựng</a:t>
             </a:r>
             <a:r>
-              <a:rPr lang="en-US" sz="3600" b="1" dirty="0" smtClean="0">
-                <a:ln w="0"/>
-                <a:gradFill flip="none">
-                  <a:gsLst>
-                    <a:gs pos="0">
-                      <a:schemeClr val="accent1">
-                        <a:tint val="75000"/>
-                        <a:shade val="75000"/>
-                        <a:satMod val="170000"/>
-                      </a:schemeClr>
-                    </a:gs>
-                    <a:gs pos="49000">
-                      <a:schemeClr val="accent1">
-                        <a:tint val="88000"/>
-                        <a:shade val="65000"/>
-                        <a:satMod val="172000"/>
-                      </a:schemeClr>
-                    </a:gs>
-                    <a:gs pos="50000">
-                      <a:schemeClr val="accent1">
-                        <a:shade val="65000"/>
-                        <a:satMod val="130000"/>
-                      </a:schemeClr>
-                    </a:gs>
-                    <a:gs pos="92000">
-                      <a:schemeClr val="accent1">
-                        <a:shade val="50000"/>
-                        <a:satMod val="120000"/>
-                      </a:schemeClr>
-                    </a:gs>
-                    <a:gs pos="100000">
-                      <a:schemeClr val="accent1">
-                        <a:shade val="48000"/>
-                        <a:satMod val="120000"/>
-                      </a:schemeClr>
-                    </a:gs>
-                  </a:gsLst>
-                  <a:lin ang="5400000"/>
-                </a:gradFill>
-                <a:effectLst>
-                  <a:reflection blurRad="12700" stA="50000" endPos="50000" dist="5000" dir="5400000" sy="-100000" rotWithShape="0"/>
-                </a:effectLst>
+              <a:rPr lang="en-US" sz="4000" dirty="0" smtClean="0">
                 <a:latin typeface="Times New Roman" pitchFamily="18" charset="0"/>
                 <a:cs typeface="Times New Roman" pitchFamily="18" charset="0"/>
               </a:rPr>
               <a:t> </a:t>
             </a:r>
             <a:r>
-              <a:rPr lang="en-US" sz="3600" b="1" dirty="0" err="1" smtClean="0">
-                <a:ln w="0"/>
-                <a:gradFill flip="none">
-                  <a:gsLst>
-                    <a:gs pos="0">
-                      <a:schemeClr val="accent1">
-                        <a:tint val="75000"/>
-                        <a:shade val="75000"/>
-                        <a:satMod val="170000"/>
-                      </a:schemeClr>
-                    </a:gs>
-                    <a:gs pos="49000">
-                      <a:schemeClr val="accent1">
-                        <a:tint val="88000"/>
-                        <a:shade val="65000"/>
-                        <a:satMod val="172000"/>
-                      </a:schemeClr>
-                    </a:gs>
-                    <a:gs pos="50000">
-                      <a:schemeClr val="accent1">
-                        <a:shade val="65000"/>
-                        <a:satMod val="130000"/>
-                      </a:schemeClr>
-                    </a:gs>
-                    <a:gs pos="92000">
-                      <a:schemeClr val="accent1">
-                        <a:shade val="50000"/>
-                        <a:satMod val="120000"/>
-                      </a:schemeClr>
-                    </a:gs>
-                    <a:gs pos="100000">
-                      <a:schemeClr val="accent1">
-                        <a:shade val="48000"/>
-                        <a:satMod val="120000"/>
-                      </a:schemeClr>
-                    </a:gs>
-                  </a:gsLst>
-                  <a:lin ang="5400000"/>
-                </a:gradFill>
-                <a:effectLst>
-                  <a:reflection blurRad="12700" stA="50000" endPos="50000" dist="5000" dir="5400000" sy="-100000" rotWithShape="0"/>
-                </a:effectLst>
+              <a:rPr lang="en-US" sz="4000" dirty="0" err="1" smtClean="0">
                 <a:latin typeface="Times New Roman" pitchFamily="18" charset="0"/>
                 <a:cs typeface="Times New Roman" pitchFamily="18" charset="0"/>
               </a:rPr>
               <a:t>kiến</a:t>
             </a:r>
             <a:r>
-              <a:rPr lang="en-US" sz="3600" b="1" dirty="0" smtClean="0">
-                <a:ln w="0"/>
-                <a:gradFill flip="none">
-                  <a:gsLst>
-                    <a:gs pos="0">
-                      <a:schemeClr val="accent1">
-                        <a:tint val="75000"/>
-                        <a:shade val="75000"/>
-                        <a:satMod val="170000"/>
-                      </a:schemeClr>
-                    </a:gs>
-                    <a:gs pos="49000">
-                      <a:schemeClr val="accent1">
-                        <a:tint val="88000"/>
-                        <a:shade val="65000"/>
-                        <a:satMod val="172000"/>
-                      </a:schemeClr>
-                    </a:gs>
-                    <a:gs pos="50000">
-                      <a:schemeClr val="accent1">
-                        <a:shade val="65000"/>
-                        <a:satMod val="130000"/>
-                      </a:schemeClr>
-                    </a:gs>
-                    <a:gs pos="92000">
-                      <a:schemeClr val="accent1">
-                        <a:shade val="50000"/>
-                        <a:satMod val="120000"/>
-                      </a:schemeClr>
-                    </a:gs>
-                    <a:gs pos="100000">
-                      <a:schemeClr val="accent1">
-                        <a:shade val="48000"/>
-                        <a:satMod val="120000"/>
-                      </a:schemeClr>
-                    </a:gs>
-                  </a:gsLst>
-                  <a:lin ang="5400000"/>
-                </a:gradFill>
-                <a:effectLst>
-                  <a:reflection blurRad="12700" stA="50000" endPos="50000" dist="5000" dir="5400000" sy="-100000" rotWithShape="0"/>
-                </a:effectLst>
+              <a:rPr lang="en-US" sz="4000" dirty="0" smtClean="0">
                 <a:latin typeface="Times New Roman" pitchFamily="18" charset="0"/>
                 <a:cs typeface="Times New Roman" pitchFamily="18" charset="0"/>
               </a:rPr>
               <a:t> </a:t>
             </a:r>
             <a:r>
-              <a:rPr lang="en-US" sz="3600" b="1" dirty="0" err="1" smtClean="0">
-                <a:ln w="0"/>
-                <a:gradFill flip="none">
-                  <a:gsLst>
-                    <a:gs pos="0">
-                      <a:schemeClr val="accent1">
-                        <a:tint val="75000"/>
-                        <a:shade val="75000"/>
-                        <a:satMod val="170000"/>
-                      </a:schemeClr>
-                    </a:gs>
-                    <a:gs pos="49000">
-                      <a:schemeClr val="accent1">
-                        <a:tint val="88000"/>
-                        <a:shade val="65000"/>
-                        <a:satMod val="172000"/>
-                      </a:schemeClr>
-                    </a:gs>
-                    <a:gs pos="50000">
-                      <a:schemeClr val="accent1">
-                        <a:shade val="65000"/>
-                        <a:satMod val="130000"/>
-                      </a:schemeClr>
-                    </a:gs>
-                    <a:gs pos="92000">
-                      <a:schemeClr val="accent1">
-                        <a:shade val="50000"/>
-                        <a:satMod val="120000"/>
-                      </a:schemeClr>
-                    </a:gs>
-                    <a:gs pos="100000">
-                      <a:schemeClr val="accent1">
-                        <a:shade val="48000"/>
-                        <a:satMod val="120000"/>
-                      </a:schemeClr>
-                    </a:gs>
-                  </a:gsLst>
-                  <a:lin ang="5400000"/>
-                </a:gradFill>
-                <a:effectLst>
-                  <a:reflection blurRad="12700" stA="50000" endPos="50000" dist="5000" dir="5400000" sy="-100000" rotWithShape="0"/>
-                </a:effectLst>
+              <a:rPr lang="en-US" sz="4000" dirty="0" err="1" smtClean="0">
                 <a:latin typeface="Times New Roman" pitchFamily="18" charset="0"/>
                 <a:cs typeface="Times New Roman" pitchFamily="18" charset="0"/>
               </a:rPr>
               <a:t>trúc</a:t>
             </a:r>
             <a:r>
-              <a:rPr lang="en-US" sz="3600" b="1" dirty="0" smtClean="0">
-                <a:ln w="0"/>
-                <a:gradFill flip="none">
-                  <a:gsLst>
-                    <a:gs pos="0">
-                      <a:schemeClr val="accent1">
-                        <a:tint val="75000"/>
-                        <a:shade val="75000"/>
-                        <a:satMod val="170000"/>
-                      </a:schemeClr>
-                    </a:gs>
-                    <a:gs pos="49000">
-                      <a:schemeClr val="accent1">
-                        <a:tint val="88000"/>
-                        <a:shade val="65000"/>
-                        <a:satMod val="172000"/>
-                      </a:schemeClr>
-                    </a:gs>
-                    <a:gs pos="50000">
-                      <a:schemeClr val="accent1">
-                        <a:shade val="65000"/>
-                        <a:satMod val="130000"/>
-                      </a:schemeClr>
-                    </a:gs>
-                    <a:gs pos="92000">
-                      <a:schemeClr val="accent1">
-                        <a:shade val="50000"/>
-                        <a:satMod val="120000"/>
-                      </a:schemeClr>
-                    </a:gs>
-                    <a:gs pos="100000">
-                      <a:schemeClr val="accent1">
-                        <a:shade val="48000"/>
-                        <a:satMod val="120000"/>
-                      </a:schemeClr>
-                    </a:gs>
-                  </a:gsLst>
-                  <a:lin ang="5400000"/>
-                </a:gradFill>
-                <a:effectLst>
-                  <a:reflection blurRad="12700" stA="50000" endPos="50000" dist="5000" dir="5400000" sy="-100000" rotWithShape="0"/>
-                </a:effectLst>
+              <a:rPr lang="en-US" sz="4000" dirty="0" smtClean="0">
                 <a:latin typeface="Times New Roman" pitchFamily="18" charset="0"/>
                 <a:cs typeface="Times New Roman" pitchFamily="18" charset="0"/>
               </a:rPr>
               <a:t/>
             </a:r>
             <a:br>
-              <a:rPr lang="en-US" sz="3600" b="1" dirty="0" smtClean="0">
-                <a:ln w="0"/>
-                <a:gradFill flip="none">
-                  <a:gsLst>
-                    <a:gs pos="0">
-                      <a:schemeClr val="accent1">
-                        <a:tint val="75000"/>
-                        <a:shade val="75000"/>
-                        <a:satMod val="170000"/>
-                      </a:schemeClr>
-                    </a:gs>
-                    <a:gs pos="49000">
-                      <a:schemeClr val="accent1">
-                        <a:tint val="88000"/>
-                        <a:shade val="65000"/>
-                        <a:satMod val="172000"/>
-                      </a:schemeClr>
-                    </a:gs>
-                    <a:gs pos="50000">
-                      <a:schemeClr val="accent1">
-                        <a:shade val="65000"/>
-                        <a:satMod val="130000"/>
-                      </a:schemeClr>
-                    </a:gs>
-                    <a:gs pos="92000">
-                      <a:schemeClr val="accent1">
-                        <a:shade val="50000"/>
-                        <a:satMod val="120000"/>
-                      </a:schemeClr>
-                    </a:gs>
-                    <a:gs pos="100000">
-                      <a:schemeClr val="accent1">
-                        <a:shade val="48000"/>
-                        <a:satMod val="120000"/>
-                      </a:schemeClr>
-                    </a:gs>
-                  </a:gsLst>
-                  <a:lin ang="5400000"/>
-                </a:gradFill>
-                <a:effectLst>
-                  <a:reflection blurRad="12700" stA="50000" endPos="50000" dist="5000" dir="5400000" sy="-100000" rotWithShape="0"/>
-                </a:effectLst>
+              <a:rPr lang="en-US" sz="4000" dirty="0" smtClean="0">
                 <a:latin typeface="Times New Roman" pitchFamily="18" charset="0"/>
                 <a:cs typeface="Times New Roman" pitchFamily="18" charset="0"/>
               </a:rPr>
             </a:br>
             <a:r>
-              <a:rPr lang="en-US" sz="3600" b="1" dirty="0" err="1" smtClean="0">
-                <a:ln w="0"/>
-                <a:gradFill flip="none">
-                  <a:gsLst>
-                    <a:gs pos="0">
-                      <a:schemeClr val="accent1">
-                        <a:tint val="75000"/>
-                        <a:shade val="75000"/>
-                        <a:satMod val="170000"/>
-                      </a:schemeClr>
-                    </a:gs>
-                    <a:gs pos="49000">
-                      <a:schemeClr val="accent1">
-                        <a:tint val="88000"/>
-                        <a:shade val="65000"/>
-                        <a:satMod val="172000"/>
-                      </a:schemeClr>
-                    </a:gs>
-                    <a:gs pos="50000">
-                      <a:schemeClr val="accent1">
-                        <a:shade val="65000"/>
-                        <a:satMod val="130000"/>
-                      </a:schemeClr>
-                    </a:gs>
-                    <a:gs pos="92000">
-                      <a:schemeClr val="accent1">
-                        <a:shade val="50000"/>
-                        <a:satMod val="120000"/>
-                      </a:schemeClr>
-                    </a:gs>
-                    <a:gs pos="100000">
-                      <a:schemeClr val="accent1">
-                        <a:shade val="48000"/>
-                        <a:satMod val="120000"/>
-                      </a:schemeClr>
-                    </a:gs>
-                  </a:gsLst>
-                  <a:lin ang="5400000"/>
-                </a:gradFill>
-                <a:effectLst>
-                  <a:reflection blurRad="12700" stA="50000" endPos="50000" dist="5000" dir="5400000" sy="-100000" rotWithShape="0"/>
-                </a:effectLst>
+              <a:rPr lang="en-US" sz="4000" dirty="0" err="1" smtClean="0">
                 <a:latin typeface="Times New Roman" pitchFamily="18" charset="0"/>
                 <a:cs typeface="Times New Roman" pitchFamily="18" charset="0"/>
               </a:rPr>
               <a:t>cổng</a:t>
             </a:r>
             <a:r>
-              <a:rPr lang="en-US" sz="3600" b="1" dirty="0" smtClean="0">
-                <a:ln w="0"/>
-                <a:gradFill flip="none">
-                  <a:gsLst>
-                    <a:gs pos="0">
-                      <a:schemeClr val="accent1">
-                        <a:tint val="75000"/>
-                        <a:shade val="75000"/>
-                        <a:satMod val="170000"/>
-                      </a:schemeClr>
-                    </a:gs>
-                    <a:gs pos="49000">
-                      <a:schemeClr val="accent1">
-                        <a:tint val="88000"/>
-                        <a:shade val="65000"/>
-                        <a:satMod val="172000"/>
-                      </a:schemeClr>
-                    </a:gs>
-                    <a:gs pos="50000">
-                      <a:schemeClr val="accent1">
-                        <a:shade val="65000"/>
-                        <a:satMod val="130000"/>
-                      </a:schemeClr>
-                    </a:gs>
-                    <a:gs pos="92000">
-                      <a:schemeClr val="accent1">
-                        <a:shade val="50000"/>
-                        <a:satMod val="120000"/>
-                      </a:schemeClr>
-                    </a:gs>
-                    <a:gs pos="100000">
-                      <a:schemeClr val="accent1">
-                        <a:shade val="48000"/>
-                        <a:satMod val="120000"/>
-                      </a:schemeClr>
-                    </a:gs>
-                  </a:gsLst>
-                  <a:lin ang="5400000"/>
-                </a:gradFill>
-                <a:effectLst>
-                  <a:reflection blurRad="12700" stA="50000" endPos="50000" dist="5000" dir="5400000" sy="-100000" rotWithShape="0"/>
-                </a:effectLst>
+              <a:rPr lang="en-US" sz="4000" dirty="0" smtClean="0">
                 <a:latin typeface="Times New Roman" pitchFamily="18" charset="0"/>
                 <a:cs typeface="Times New Roman" pitchFamily="18" charset="0"/>
               </a:rPr>
               <a:t> </a:t>
             </a:r>
             <a:r>
-              <a:rPr lang="en-US" sz="3600" b="1" dirty="0" err="1" smtClean="0">
-                <a:ln w="0"/>
-                <a:gradFill flip="none">
-                  <a:gsLst>
-                    <a:gs pos="0">
-                      <a:schemeClr val="accent1">
-                        <a:tint val="75000"/>
-                        <a:shade val="75000"/>
-                        <a:satMod val="170000"/>
-                      </a:schemeClr>
-                    </a:gs>
-                    <a:gs pos="49000">
-                      <a:schemeClr val="accent1">
-                        <a:tint val="88000"/>
-                        <a:shade val="65000"/>
-                        <a:satMod val="172000"/>
-                      </a:schemeClr>
-                    </a:gs>
-                    <a:gs pos="50000">
-                      <a:schemeClr val="accent1">
-                        <a:shade val="65000"/>
-                        <a:satMod val="130000"/>
-                      </a:schemeClr>
-                    </a:gs>
-                    <a:gs pos="92000">
-                      <a:schemeClr val="accent1">
-                        <a:shade val="50000"/>
-                        <a:satMod val="120000"/>
-                      </a:schemeClr>
-                    </a:gs>
-                    <a:gs pos="100000">
-                      <a:schemeClr val="accent1">
-                        <a:shade val="48000"/>
-                        <a:satMod val="120000"/>
-                      </a:schemeClr>
-                    </a:gs>
-                  </a:gsLst>
-                  <a:lin ang="5400000"/>
-                </a:gradFill>
-                <a:effectLst>
-                  <a:reflection blurRad="12700" stA="50000" endPos="50000" dist="5000" dir="5400000" sy="-100000" rotWithShape="0"/>
-                </a:effectLst>
+              <a:rPr lang="en-US" sz="4000" dirty="0" err="1" smtClean="0">
                 <a:latin typeface="Times New Roman" pitchFamily="18" charset="0"/>
                 <a:cs typeface="Times New Roman" pitchFamily="18" charset="0"/>
               </a:rPr>
               <a:t>thông</a:t>
             </a:r>
             <a:r>
-              <a:rPr lang="en-US" sz="3600" b="1" dirty="0" smtClean="0">
-                <a:ln w="0"/>
-                <a:gradFill flip="none">
-                  <a:gsLst>
-                    <a:gs pos="0">
-                      <a:schemeClr val="accent1">
-                        <a:tint val="75000"/>
-                        <a:shade val="75000"/>
-                        <a:satMod val="170000"/>
-                      </a:schemeClr>
-                    </a:gs>
-                    <a:gs pos="49000">
-                      <a:schemeClr val="accent1">
-                        <a:tint val="88000"/>
-                        <a:shade val="65000"/>
-                        <a:satMod val="172000"/>
-                      </a:schemeClr>
-                    </a:gs>
-                    <a:gs pos="50000">
-                      <a:schemeClr val="accent1">
-                        <a:shade val="65000"/>
-                        <a:satMod val="130000"/>
-                      </a:schemeClr>
-                    </a:gs>
-                    <a:gs pos="92000">
-                      <a:schemeClr val="accent1">
-                        <a:shade val="50000"/>
-                        <a:satMod val="120000"/>
-                      </a:schemeClr>
-                    </a:gs>
-                    <a:gs pos="100000">
-                      <a:schemeClr val="accent1">
-                        <a:shade val="48000"/>
-                        <a:satMod val="120000"/>
-                      </a:schemeClr>
-                    </a:gs>
-                  </a:gsLst>
-                  <a:lin ang="5400000"/>
-                </a:gradFill>
-                <a:effectLst>
-                  <a:reflection blurRad="12700" stA="50000" endPos="50000" dist="5000" dir="5400000" sy="-100000" rotWithShape="0"/>
-                </a:effectLst>
+              <a:rPr lang="en-US" sz="4000" dirty="0" smtClean="0">
                 <a:latin typeface="Times New Roman" pitchFamily="18" charset="0"/>
                 <a:cs typeface="Times New Roman" pitchFamily="18" charset="0"/>
               </a:rPr>
               <a:t> tin </a:t>
             </a:r>
             <a:r>
-              <a:rPr lang="en-US" sz="3600" b="1" dirty="0" err="1" smtClean="0">
-                <a:ln w="0"/>
-                <a:gradFill flip="none">
-                  <a:gsLst>
-                    <a:gs pos="0">
-                      <a:schemeClr val="accent1">
-                        <a:tint val="75000"/>
-                        <a:shade val="75000"/>
-                        <a:satMod val="170000"/>
-                      </a:schemeClr>
-                    </a:gs>
-                    <a:gs pos="49000">
-                      <a:schemeClr val="accent1">
-                        <a:tint val="88000"/>
-                        <a:shade val="65000"/>
-                        <a:satMod val="172000"/>
-                      </a:schemeClr>
-                    </a:gs>
-                    <a:gs pos="50000">
-                      <a:schemeClr val="accent1">
-                        <a:shade val="65000"/>
-                        <a:satMod val="130000"/>
-                      </a:schemeClr>
-                    </a:gs>
-                    <a:gs pos="92000">
-                      <a:schemeClr val="accent1">
-                        <a:shade val="50000"/>
-                        <a:satMod val="120000"/>
-                      </a:schemeClr>
-                    </a:gs>
-                    <a:gs pos="100000">
-                      <a:schemeClr val="accent1">
-                        <a:shade val="48000"/>
-                        <a:satMod val="120000"/>
-                      </a:schemeClr>
-                    </a:gs>
-                  </a:gsLst>
-                  <a:lin ang="5400000"/>
-                </a:gradFill>
-                <a:effectLst>
-                  <a:reflection blurRad="12700" stA="50000" endPos="50000" dist="5000" dir="5400000" sy="-100000" rotWithShape="0"/>
-                </a:effectLst>
+              <a:rPr lang="en-US" sz="4000" dirty="0" err="1" smtClean="0">
                 <a:latin typeface="Times New Roman" pitchFamily="18" charset="0"/>
                 <a:cs typeface="Times New Roman" pitchFamily="18" charset="0"/>
               </a:rPr>
               <a:t>tìm</a:t>
             </a:r>
             <a:r>
-              <a:rPr lang="en-US" sz="3600" b="1" dirty="0" smtClean="0">
-                <a:ln w="0"/>
-                <a:gradFill flip="none">
-                  <a:gsLst>
-                    <a:gs pos="0">
-                      <a:schemeClr val="accent1">
-                        <a:tint val="75000"/>
-                        <a:shade val="75000"/>
-                        <a:satMod val="170000"/>
-                      </a:schemeClr>
-                    </a:gs>
-                    <a:gs pos="49000">
-                      <a:schemeClr val="accent1">
-                        <a:tint val="88000"/>
-                        <a:shade val="65000"/>
-                        <a:satMod val="172000"/>
-                      </a:schemeClr>
-                    </a:gs>
-                    <a:gs pos="50000">
-                      <a:schemeClr val="accent1">
-                        <a:shade val="65000"/>
-                        <a:satMod val="130000"/>
-                      </a:schemeClr>
-                    </a:gs>
-                    <a:gs pos="92000">
-                      <a:schemeClr val="accent1">
-                        <a:shade val="50000"/>
-                        <a:satMod val="120000"/>
-                      </a:schemeClr>
-                    </a:gs>
-                    <a:gs pos="100000">
-                      <a:schemeClr val="accent1">
-                        <a:shade val="48000"/>
-                        <a:satMod val="120000"/>
-                      </a:schemeClr>
-                    </a:gs>
-                  </a:gsLst>
-                  <a:lin ang="5400000"/>
-                </a:gradFill>
-                <a:effectLst>
-                  <a:reflection blurRad="12700" stA="50000" endPos="50000" dist="5000" dir="5400000" sy="-100000" rotWithShape="0"/>
-                </a:effectLst>
+              <a:rPr lang="en-US" sz="4000" dirty="0" smtClean="0">
                 <a:latin typeface="Times New Roman" pitchFamily="18" charset="0"/>
                 <a:cs typeface="Times New Roman" pitchFamily="18" charset="0"/>
               </a:rPr>
               <a:t> </a:t>
             </a:r>
             <a:r>
-              <a:rPr lang="en-US" sz="3600" b="1" dirty="0" err="1" smtClean="0">
-                <a:ln w="0"/>
-                <a:gradFill flip="none">
-                  <a:gsLst>
-                    <a:gs pos="0">
-                      <a:schemeClr val="accent1">
-                        <a:tint val="75000"/>
-                        <a:shade val="75000"/>
-                        <a:satMod val="170000"/>
-                      </a:schemeClr>
-                    </a:gs>
-                    <a:gs pos="49000">
-                      <a:schemeClr val="accent1">
-                        <a:tint val="88000"/>
-                        <a:shade val="65000"/>
-                        <a:satMod val="172000"/>
-                      </a:schemeClr>
-                    </a:gs>
-                    <a:gs pos="50000">
-                      <a:schemeClr val="accent1">
-                        <a:shade val="65000"/>
-                        <a:satMod val="130000"/>
-                      </a:schemeClr>
-                    </a:gs>
-                    <a:gs pos="92000">
-                      <a:schemeClr val="accent1">
-                        <a:shade val="50000"/>
-                        <a:satMod val="120000"/>
-                      </a:schemeClr>
-                    </a:gs>
-                    <a:gs pos="100000">
-                      <a:schemeClr val="accent1">
-                        <a:shade val="48000"/>
-                        <a:satMod val="120000"/>
-                      </a:schemeClr>
-                    </a:gs>
-                  </a:gsLst>
-                  <a:lin ang="5400000"/>
-                </a:gradFill>
-                <a:effectLst>
-                  <a:reflection blurRad="12700" stA="50000" endPos="50000" dist="5000" dir="5400000" sy="-100000" rotWithShape="0"/>
-                </a:effectLst>
+              <a:rPr lang="en-US" sz="4000" dirty="0" err="1" smtClean="0">
                 <a:latin typeface="Times New Roman" pitchFamily="18" charset="0"/>
                 <a:cs typeface="Times New Roman" pitchFamily="18" charset="0"/>
               </a:rPr>
               <a:t>việc</a:t>
             </a:r>
-            <a:endParaRPr lang="en-US" b="1" dirty="0">
-              <a:ln w="0"/>
-              <a:gradFill flip="none">
-                <a:gsLst>
-                  <a:gs pos="0">
-                    <a:schemeClr val="accent1">
-                      <a:tint val="75000"/>
-                      <a:shade val="75000"/>
-                      <a:satMod val="170000"/>
-                    </a:schemeClr>
-                  </a:gs>
-                  <a:gs pos="49000">
-                    <a:schemeClr val="accent1">
-                      <a:tint val="88000"/>
-                      <a:shade val="65000"/>
-                      <a:satMod val="172000"/>
-                    </a:schemeClr>
-                  </a:gs>
-                  <a:gs pos="50000">
-                    <a:schemeClr val="accent1">
-                      <a:shade val="65000"/>
-                      <a:satMod val="130000"/>
-                    </a:schemeClr>
-                  </a:gs>
-                  <a:gs pos="92000">
-                    <a:schemeClr val="accent1">
-                      <a:shade val="50000"/>
-                      <a:satMod val="120000"/>
-                    </a:schemeClr>
-                  </a:gs>
-                  <a:gs pos="100000">
-                    <a:schemeClr val="accent1">
-                      <a:shade val="48000"/>
-                      <a:satMod val="120000"/>
-                    </a:schemeClr>
-                  </a:gs>
-                </a:gsLst>
-                <a:lin ang="5400000"/>
-              </a:gradFill>
-              <a:effectLst>
-                <a:reflection blurRad="12700" stA="50000" endPos="50000" dist="5000" dir="5400000" sy="-100000" rotWithShape="0"/>
-              </a:effectLst>
+            <a:endParaRPr lang="en-US" sz="4800" dirty="0">
               <a:latin typeface="Times New Roman" pitchFamily="18" charset="0"/>
               <a:cs typeface="Times New Roman" pitchFamily="18" charset="0"/>
             </a:endParaRPr>
@@ -5303,13 +9145,19 @@
             <p:ph type="subTitle" idx="1"/>
           </p:nvPr>
         </p:nvSpPr>
-        <p:spPr/>
+        <p:spPr>
+          <a:xfrm>
+            <a:off x="-5444" y="6069023"/>
+            <a:ext cx="2201180" cy="685800"/>
+          </a:xfrm>
+        </p:spPr>
         <p:txBody>
           <a:bodyPr>
             <a:normAutofit/>
           </a:bodyPr>
           <a:lstStyle/>
           <a:p>
+            <a:pPr algn="ctr"/>
             <a:r>
               <a:rPr lang="en-US" dirty="0" smtClean="0"/>
               <a:t>07/01/2012</a:t>
@@ -5326,15 +9174,24 @@
           <p:nvPr/>
         </p:nvPicPr>
         <p:blipFill>
-          <a:blip r:embed="rId3" cstate="print"/>
+          <a:blip r:embed="rId4" cstate="print">
+            <a:duotone>
+              <a:schemeClr val="accent2">
+                <a:shade val="45000"/>
+                <a:satMod val="135000"/>
+              </a:schemeClr>
+              <a:prstClr val="white"/>
+            </a:duotone>
+            <a:lum bright="-20000" contrast="-40000"/>
+          </a:blip>
           <a:stretch>
             <a:fillRect/>
           </a:stretch>
         </p:blipFill>
         <p:spPr>
           <a:xfrm>
-            <a:off x="5357818" y="332656"/>
-            <a:ext cx="3168603" cy="1454927"/>
+            <a:off x="323527" y="305062"/>
+            <a:ext cx="2520281" cy="1157237"/>
           </a:xfrm>
           <a:prstGeom prst="rect">
             <a:avLst/>
@@ -5351,8 +9208,8 @@
         </p:nvSpPr>
         <p:spPr>
           <a:xfrm>
-            <a:off x="0" y="1988840"/>
-            <a:ext cx="9144000" cy="1447800"/>
+            <a:off x="2339752" y="6031542"/>
+            <a:ext cx="4806752" cy="692696"/>
           </a:xfrm>
           <a:prstGeom prst="rect">
             <a:avLst/>
@@ -5361,21 +9218,6 @@
         <p:txBody>
           <a:bodyPr vert="horz" anchor="ctr">
             <a:noAutofit/>
-            <a:scene3d>
-              <a:camera prst="orthographicFront"/>
-              <a:lightRig rig="brightRoom" dir="t"/>
-            </a:scene3d>
-            <a:sp3d contourW="6350" prstMaterial="plastic">
-              <a:bevelT w="20320" h="20320" prst="angle"/>
-              <a:contourClr>
-                <a:schemeClr val="accent1">
-                  <a:tint val="100000"/>
-                  <a:shade val="100000"/>
-                  <a:hueMod val="100000"/>
-                  <a:satMod val="100000"/>
-                </a:schemeClr>
-              </a:contourClr>
-            </a:sp3d>
           </a:bodyPr>
           <a:lstStyle>
             <a:lvl1pPr algn="l" rtl="0" eaLnBrk="1" latinLnBrk="0" hangingPunct="1">
@@ -5396,158 +9238,44 @@
           <a:p>
             <a:pPr algn="ctr"/>
             <a:r>
-              <a:rPr lang="en-US" sz="2800" b="1" dirty="0" err="1" smtClean="0">
-                <a:ln/>
+              <a:rPr lang="en-US" sz="2800" cap="none" dirty="0" smtClean="0">
+                <a:ln w="18415" cmpd="sng">
+                  <a:solidFill>
+                    <a:srgbClr val="FFFFFF"/>
+                  </a:solidFill>
+                  <a:prstDash val="solid"/>
+                </a:ln>
                 <a:solidFill>
-                  <a:schemeClr val="accent1"/>
+                  <a:srgbClr val="FFFFFF"/>
                 </a:solidFill>
                 <a:effectLst>
-                  <a:outerShdw blurRad="19685" dist="12700" dir="5400000" algn="tl" rotWithShape="0">
-                    <a:schemeClr val="accent1">
-                      <a:satMod val="130000"/>
-                      <a:alpha val="60000"/>
-                    </a:schemeClr>
+                  <a:outerShdw blurRad="63500" dir="3600000" algn="tl" rotWithShape="0">
+                    <a:srgbClr val="000000">
+                      <a:alpha val="70000"/>
+                    </a:srgbClr>
                   </a:outerShdw>
-                  <a:reflection blurRad="10000" stA="55000" endPos="48000" dist="500" dir="5400000" sy="-100000" algn="bl" rotWithShape="0"/>
                 </a:effectLst>
                 <a:latin typeface="Times New Roman" pitchFamily="18" charset="0"/>
                 <a:cs typeface="Times New Roman" pitchFamily="18" charset="0"/>
               </a:rPr>
-              <a:t>Khoá</a:t>
-            </a:r>
-            <a:r>
-              <a:rPr lang="en-US" sz="2800" b="1" dirty="0" smtClean="0">
-                <a:ln/>
+              <a:t>KHOÁ LUẬN TỐT NGHIỆP</a:t>
+            </a:r>
+            <a:endParaRPr lang="en-US" sz="3600" cap="none" dirty="0">
+              <a:ln w="18415" cmpd="sng">
                 <a:solidFill>
-                  <a:schemeClr val="accent1"/>
+                  <a:srgbClr val="FFFFFF"/>
                 </a:solidFill>
-                <a:effectLst>
-                  <a:outerShdw blurRad="19685" dist="12700" dir="5400000" algn="tl" rotWithShape="0">
-                    <a:schemeClr val="accent1">
-                      <a:satMod val="130000"/>
-                      <a:alpha val="60000"/>
-                    </a:schemeClr>
-                  </a:outerShdw>
-                  <a:reflection blurRad="10000" stA="55000" endPos="48000" dist="500" dir="5400000" sy="-100000" algn="bl" rotWithShape="0"/>
-                </a:effectLst>
-                <a:latin typeface="Times New Roman" pitchFamily="18" charset="0"/>
-                <a:cs typeface="Times New Roman" pitchFamily="18" charset="0"/>
-              </a:rPr>
-              <a:t> </a:t>
-            </a:r>
-            <a:r>
-              <a:rPr lang="en-US" sz="2800" b="1" dirty="0" err="1" smtClean="0">
-                <a:ln/>
-                <a:solidFill>
-                  <a:schemeClr val="accent1"/>
-                </a:solidFill>
-                <a:effectLst>
-                  <a:outerShdw blurRad="19685" dist="12700" dir="5400000" algn="tl" rotWithShape="0">
-                    <a:schemeClr val="accent1">
-                      <a:satMod val="130000"/>
-                      <a:alpha val="60000"/>
-                    </a:schemeClr>
-                  </a:outerShdw>
-                  <a:reflection blurRad="10000" stA="55000" endPos="48000" dist="500" dir="5400000" sy="-100000" algn="bl" rotWithShape="0"/>
-                </a:effectLst>
-                <a:latin typeface="Times New Roman" pitchFamily="18" charset="0"/>
-                <a:cs typeface="Times New Roman" pitchFamily="18" charset="0"/>
-              </a:rPr>
-              <a:t>luận</a:t>
-            </a:r>
-            <a:r>
-              <a:rPr lang="en-US" sz="2800" b="1" dirty="0" smtClean="0">
-                <a:ln/>
-                <a:solidFill>
-                  <a:schemeClr val="accent1"/>
-                </a:solidFill>
-                <a:effectLst>
-                  <a:outerShdw blurRad="19685" dist="12700" dir="5400000" algn="tl" rotWithShape="0">
-                    <a:schemeClr val="accent1">
-                      <a:satMod val="130000"/>
-                      <a:alpha val="60000"/>
-                    </a:schemeClr>
-                  </a:outerShdw>
-                  <a:reflection blurRad="10000" stA="55000" endPos="48000" dist="500" dir="5400000" sy="-100000" algn="bl" rotWithShape="0"/>
-                </a:effectLst>
-                <a:latin typeface="Times New Roman" pitchFamily="18" charset="0"/>
-                <a:cs typeface="Times New Roman" pitchFamily="18" charset="0"/>
-              </a:rPr>
-              <a:t> </a:t>
-            </a:r>
-            <a:r>
-              <a:rPr lang="en-US" sz="2800" b="1" dirty="0" err="1" smtClean="0">
-                <a:ln/>
-                <a:solidFill>
-                  <a:schemeClr val="accent1"/>
-                </a:solidFill>
-                <a:effectLst>
-                  <a:outerShdw blurRad="19685" dist="12700" dir="5400000" algn="tl" rotWithShape="0">
-                    <a:schemeClr val="accent1">
-                      <a:satMod val="130000"/>
-                      <a:alpha val="60000"/>
-                    </a:schemeClr>
-                  </a:outerShdw>
-                  <a:reflection blurRad="10000" stA="55000" endPos="48000" dist="500" dir="5400000" sy="-100000" algn="bl" rotWithShape="0"/>
-                </a:effectLst>
-                <a:latin typeface="Times New Roman" pitchFamily="18" charset="0"/>
-                <a:cs typeface="Times New Roman" pitchFamily="18" charset="0"/>
-              </a:rPr>
-              <a:t>tốt</a:t>
-            </a:r>
-            <a:r>
-              <a:rPr lang="en-US" sz="2800" b="1" dirty="0" smtClean="0">
-                <a:ln/>
-                <a:solidFill>
-                  <a:schemeClr val="accent1"/>
-                </a:solidFill>
-                <a:effectLst>
-                  <a:outerShdw blurRad="19685" dist="12700" dir="5400000" algn="tl" rotWithShape="0">
-                    <a:schemeClr val="accent1">
-                      <a:satMod val="130000"/>
-                      <a:alpha val="60000"/>
-                    </a:schemeClr>
-                  </a:outerShdw>
-                  <a:reflection blurRad="10000" stA="55000" endPos="48000" dist="500" dir="5400000" sy="-100000" algn="bl" rotWithShape="0"/>
-                </a:effectLst>
-                <a:latin typeface="Times New Roman" pitchFamily="18" charset="0"/>
-                <a:cs typeface="Times New Roman" pitchFamily="18" charset="0"/>
-              </a:rPr>
-              <a:t> </a:t>
-            </a:r>
-            <a:r>
-              <a:rPr lang="en-US" sz="2800" b="1" dirty="0" err="1" smtClean="0">
-                <a:ln/>
-                <a:solidFill>
-                  <a:schemeClr val="accent1"/>
-                </a:solidFill>
-                <a:effectLst>
-                  <a:outerShdw blurRad="19685" dist="12700" dir="5400000" algn="tl" rotWithShape="0">
-                    <a:schemeClr val="accent1">
-                      <a:satMod val="130000"/>
-                      <a:alpha val="60000"/>
-                    </a:schemeClr>
-                  </a:outerShdw>
-                  <a:reflection blurRad="10000" stA="55000" endPos="48000" dist="500" dir="5400000" sy="-100000" algn="bl" rotWithShape="0"/>
-                </a:effectLst>
-                <a:latin typeface="Times New Roman" pitchFamily="18" charset="0"/>
-                <a:cs typeface="Times New Roman" pitchFamily="18" charset="0"/>
-              </a:rPr>
-              <a:t>nghiệp</a:t>
-            </a:r>
-            <a:endParaRPr lang="en-US" sz="3600" b="1" dirty="0">
-              <a:ln/>
+                <a:prstDash val="solid"/>
+              </a:ln>
               <a:solidFill>
-                <a:schemeClr val="accent1"/>
+                <a:srgbClr val="FFFFFF"/>
               </a:solidFill>
               <a:effectLst>
-                <a:outerShdw blurRad="19685" dist="12700" dir="5400000" algn="tl" rotWithShape="0">
-                  <a:schemeClr val="accent1">
-                    <a:satMod val="130000"/>
-                    <a:alpha val="60000"/>
-                  </a:schemeClr>
+                <a:outerShdw blurRad="63500" dir="3600000" algn="tl" rotWithShape="0">
+                  <a:srgbClr val="000000">
+                    <a:alpha val="70000"/>
+                  </a:srgbClr>
                 </a:outerShdw>
-                <a:reflection blurRad="10000" stA="55000" endPos="48000" dist="500" dir="5400000" sy="-100000" algn="bl" rotWithShape="0"/>
               </a:effectLst>
               <a:latin typeface="Times New Roman" pitchFamily="18" charset="0"/>
               <a:cs typeface="Times New Roman" pitchFamily="18" charset="0"/>
@@ -5607,44 +9335,30 @@
         </p:nvSpPr>
         <p:spPr/>
         <p:txBody>
-          <a:bodyPr>
-            <a:normAutofit/>
-          </a:bodyPr>
+          <a:bodyPr/>
           <a:lstStyle/>
           <a:p>
             <a:r>
-              <a:rPr lang="en-US" sz="3600" dirty="0" err="1" smtClean="0"/>
-              <a:t>Giải</a:t>
-            </a:r>
-            <a:r>
-              <a:rPr lang="en-US" sz="3600" dirty="0" smtClean="0"/>
-              <a:t> </a:t>
-            </a:r>
-            <a:r>
-              <a:rPr lang="en-US" sz="3600" dirty="0" err="1" smtClean="0"/>
-              <a:t>pháp</a:t>
-            </a:r>
-            <a:r>
-              <a:rPr lang="en-US" sz="3600" dirty="0" smtClean="0"/>
-              <a:t> so </a:t>
-            </a:r>
-            <a:r>
-              <a:rPr lang="en-US" sz="3600" dirty="0" err="1" smtClean="0"/>
-              <a:t>khớp</a:t>
-            </a:r>
-            <a:r>
-              <a:rPr lang="en-US" sz="3600" dirty="0" smtClean="0"/>
-              <a:t> </a:t>
-            </a:r>
-            <a:r>
-              <a:rPr lang="en-US" sz="3600" dirty="0" err="1" smtClean="0"/>
-              <a:t>thông</a:t>
-            </a:r>
-            <a:r>
-              <a:rPr lang="en-US" sz="3600" dirty="0" smtClean="0"/>
-              <a:t> tin</a:t>
-            </a:r>
-            <a:endParaRPr lang="vi-VN" sz="3600" dirty="0"/>
+              <a:rPr lang="en-US" dirty="0" err="1" smtClean="0"/>
+              <a:t>Cây</a:t>
+            </a:r>
+            <a:r>
+              <a:rPr lang="en-US" dirty="0" smtClean="0"/>
+              <a:t> </a:t>
+            </a:r>
+            <a:r>
+              <a:rPr lang="en-US" dirty="0" err="1" smtClean="0"/>
+              <a:t>quyết</a:t>
+            </a:r>
+            <a:r>
+              <a:rPr lang="en-US" dirty="0" smtClean="0"/>
+              <a:t> </a:t>
+            </a:r>
+            <a:r>
+              <a:rPr lang="en-US" dirty="0" err="1" smtClean="0"/>
+              <a:t>định</a:t>
+            </a:r>
+            <a:endParaRPr lang="vi-VN" dirty="0"/>
           </a:p>
         </p:txBody>
       </p:sp>
@@ -5693,14 +9407,78 @@
           <a:bodyPr/>
           <a:lstStyle/>
           <a:p>
-            <a:endParaRPr lang="vi-VN"/>
-          </a:p>
-        </p:txBody>
-      </p:sp>
+            <a:endParaRPr lang="vi-VN" dirty="0"/>
+          </a:p>
+        </p:txBody>
+      </p:sp>
+      <p:pic>
+        <p:nvPicPr>
+          <p:cNvPr id="8194" name="Picture 2"/>
+          <p:cNvPicPr>
+            <a:picLocks noChangeAspect="1" noChangeArrowheads="1"/>
+          </p:cNvPicPr>
+          <p:nvPr/>
+        </p:nvPicPr>
+        <p:blipFill>
+          <a:blip r:embed="rId2" cstate="print">
+            <a:extLst>
+              <a:ext uri="{28A0092B-C50C-407E-A947-70E740481C1C}">
+                <a14:useLocalDpi xmlns:a14="http://schemas.microsoft.com/office/drawing/2010/main" val="0"/>
+              </a:ext>
+            </a:extLst>
+          </a:blip>
+          <a:srcRect/>
+          <a:stretch>
+            <a:fillRect/>
+          </a:stretch>
+        </p:blipFill>
+        <p:spPr bwMode="auto">
+          <a:xfrm>
+            <a:off x="4589711" y="1628800"/>
+            <a:ext cx="4554290" cy="3168352"/>
+          </a:xfrm>
+          <a:prstGeom prst="rect">
+            <a:avLst/>
+          </a:prstGeom>
+          <a:noFill/>
+          <a:ln>
+            <a:noFill/>
+          </a:ln>
+          <a:effectLst/>
+          <a:extLst>
+            <a:ext uri="{909E8E84-426E-40DD-AFC4-6F175D3DCCD1}">
+              <a14:hiddenFill xmlns:a14="http://schemas.microsoft.com/office/drawing/2010/main">
+                <a:solidFill>
+                  <a:schemeClr val="accent1"/>
+                </a:solidFill>
+              </a14:hiddenFill>
+            </a:ext>
+            <a:ext uri="{91240B29-F687-4F45-9708-019B960494DF}">
+              <a14:hiddenLine xmlns:a14="http://schemas.microsoft.com/office/drawing/2010/main" w="9525">
+                <a:solidFill>
+                  <a:schemeClr val="tx1"/>
+                </a:solidFill>
+                <a:miter lim="800000"/>
+                <a:headEnd/>
+                <a:tailEnd/>
+              </a14:hiddenLine>
+            </a:ext>
+            <a:ext uri="{AF507438-7753-43E0-B8FC-AC1667EBCBE1}">
+              <a14:hiddenEffects xmlns:a14="http://schemas.microsoft.com/office/drawing/2010/main">
+                <a:effectLst>
+                  <a:outerShdw dist="35921" dir="2700000" algn="ctr" rotWithShape="0">
+                    <a:schemeClr val="bg2"/>
+                  </a:outerShdw>
+                </a:effectLst>
+              </a14:hiddenEffects>
+            </a:ext>
+          </a:extLst>
+        </p:spPr>
+      </p:pic>
     </p:spTree>
     <p:extLst>
       <p:ext uri="{BB962C8B-B14F-4D97-AF65-F5344CB8AC3E}">
-        <p14:creationId xmlns:p14="http://schemas.microsoft.com/office/powerpoint/2010/main" val="1169248967"/>
+        <p14:creationId xmlns:p14="http://schemas.microsoft.com/office/powerpoint/2010/main" val="949264263"/>
       </p:ext>
     </p:extLst>
   </p:cSld>
@@ -5751,7 +9529,7 @@
           <a:p>
             <a:r>
               <a:rPr lang="en-US" dirty="0" err="1" smtClean="0"/>
-              <a:t>Cây</a:t>
+              <a:t>Kiến</a:t>
             </a:r>
             <a:r>
               <a:rPr lang="en-US" dirty="0" smtClean="0"/>
@@ -5759,7 +9537,7 @@
             </a:r>
             <a:r>
               <a:rPr lang="en-US" dirty="0" err="1" smtClean="0"/>
-              <a:t>quyết</a:t>
+              <a:t>trúc</a:t>
             </a:r>
             <a:r>
               <a:rPr lang="en-US" dirty="0" smtClean="0"/>
@@ -5767,7 +9545,15 @@
             </a:r>
             <a:r>
               <a:rPr lang="en-US" dirty="0" err="1" smtClean="0"/>
-              <a:t>định</a:t>
+              <a:t>phần</a:t>
+            </a:r>
+            <a:r>
+              <a:rPr lang="en-US" dirty="0" smtClean="0"/>
+              <a:t> </a:t>
+            </a:r>
+            <a:r>
+              <a:rPr lang="en-US" dirty="0" err="1" smtClean="0"/>
+              <a:t>mềm</a:t>
             </a:r>
             <a:endParaRPr lang="vi-VN" dirty="0"/>
           </a:p>
@@ -5825,7 +9611,7 @@
     </p:spTree>
     <p:extLst>
       <p:ext uri="{BB962C8B-B14F-4D97-AF65-F5344CB8AC3E}">
-        <p14:creationId xmlns:p14="http://schemas.microsoft.com/office/powerpoint/2010/main" val="949264263"/>
+        <p14:creationId xmlns:p14="http://schemas.microsoft.com/office/powerpoint/2010/main" val="1901457727"/>
       </p:ext>
     </p:extLst>
   </p:cSld>
@@ -5861,7 +9647,187 @@
       </p:grpSpPr>
       <p:sp>
         <p:nvSpPr>
-          <p:cNvPr id="2" name="Title 1"/>
+          <p:cNvPr id="5" name="Text Placeholder 4"/>
+          <p:cNvSpPr>
+            <a:spLocks noGrp="1"/>
+          </p:cNvSpPr>
+          <p:nvPr>
+            <p:ph type="body" idx="1"/>
+          </p:nvPr>
+        </p:nvSpPr>
+        <p:spPr/>
+        <p:txBody>
+          <a:bodyPr/>
+          <a:lstStyle/>
+          <a:p>
+            <a:pPr marL="0" indent="0"/>
+            <a:r>
+              <a:rPr lang="en-US" dirty="0" err="1" smtClean="0"/>
+              <a:t>Kiến</a:t>
+            </a:r>
+            <a:r>
+              <a:rPr lang="en-US" dirty="0" smtClean="0"/>
+              <a:t> </a:t>
+            </a:r>
+            <a:r>
+              <a:rPr lang="en-US" dirty="0" err="1" smtClean="0"/>
+              <a:t>trúc</a:t>
+            </a:r>
+            <a:r>
+              <a:rPr lang="en-US" dirty="0" smtClean="0"/>
+              <a:t> </a:t>
+            </a:r>
+            <a:r>
+              <a:rPr lang="en-US" dirty="0" err="1" smtClean="0"/>
+              <a:t>cổng</a:t>
+            </a:r>
+            <a:r>
+              <a:rPr lang="en-US" dirty="0" smtClean="0"/>
+              <a:t> </a:t>
+            </a:r>
+            <a:r>
+              <a:rPr lang="en-US" dirty="0" err="1" smtClean="0"/>
+              <a:t>thông</a:t>
+            </a:r>
+            <a:r>
+              <a:rPr lang="en-US" dirty="0" smtClean="0"/>
+              <a:t> tin </a:t>
+            </a:r>
+            <a:r>
+              <a:rPr lang="en-US" dirty="0" err="1" smtClean="0"/>
+              <a:t>tìm</a:t>
+            </a:r>
+            <a:r>
+              <a:rPr lang="en-US" dirty="0" smtClean="0"/>
+              <a:t> </a:t>
+            </a:r>
+            <a:r>
+              <a:rPr lang="en-US" dirty="0" err="1" smtClean="0"/>
+              <a:t>việc</a:t>
+            </a:r>
+            <a:r>
+              <a:rPr lang="en-US" dirty="0" smtClean="0"/>
+              <a:t> </a:t>
+            </a:r>
+            <a:r>
+              <a:rPr lang="en-US" dirty="0" err="1" smtClean="0"/>
+              <a:t>JobZoom</a:t>
+            </a:r>
+            <a:r>
+              <a:rPr lang="en-US" dirty="0" smtClean="0"/>
+              <a:t> framework </a:t>
+            </a:r>
+            <a:r>
+              <a:rPr lang="en-US" dirty="0" err="1" smtClean="0"/>
+              <a:t>được</a:t>
+            </a:r>
+            <a:r>
+              <a:rPr lang="en-US" dirty="0" smtClean="0"/>
+              <a:t> </a:t>
+            </a:r>
+            <a:r>
+              <a:rPr lang="en-US" dirty="0" err="1" smtClean="0"/>
+              <a:t>áp</a:t>
+            </a:r>
+            <a:r>
+              <a:rPr lang="en-US" dirty="0" smtClean="0"/>
+              <a:t> </a:t>
+            </a:r>
+            <a:r>
+              <a:rPr lang="en-US" dirty="0" err="1" smtClean="0"/>
+              <a:t>dụng</a:t>
+            </a:r>
+            <a:r>
+              <a:rPr lang="en-US" dirty="0" smtClean="0"/>
+              <a:t> </a:t>
+            </a:r>
+            <a:r>
+              <a:rPr lang="en-US" dirty="0" err="1" smtClean="0"/>
+              <a:t>từ</a:t>
+            </a:r>
+            <a:r>
+              <a:rPr lang="en-US" dirty="0" smtClean="0"/>
+              <a:t> </a:t>
+            </a:r>
+            <a:r>
+              <a:rPr lang="en-US" dirty="0" err="1" smtClean="0"/>
+              <a:t>giải</a:t>
+            </a:r>
+            <a:r>
+              <a:rPr lang="en-US" dirty="0" smtClean="0"/>
+              <a:t> </a:t>
+            </a:r>
+            <a:r>
+              <a:rPr lang="en-US" dirty="0" err="1" smtClean="0"/>
+              <a:t>pháp</a:t>
+            </a:r>
+            <a:r>
+              <a:rPr lang="en-US" dirty="0" smtClean="0"/>
+              <a:t> </a:t>
+            </a:r>
+            <a:r>
+              <a:rPr lang="en-US" dirty="0" err="1" smtClean="0"/>
+              <a:t>của</a:t>
+            </a:r>
+            <a:r>
+              <a:rPr lang="en-US" dirty="0" smtClean="0"/>
+              <a:t> </a:t>
+            </a:r>
+            <a:r>
+              <a:rPr lang="en-US" dirty="0" err="1" smtClean="0"/>
+              <a:t>bài</a:t>
+            </a:r>
+            <a:r>
+              <a:rPr lang="en-US" dirty="0" smtClean="0"/>
+              <a:t> </a:t>
+            </a:r>
+            <a:r>
+              <a:rPr lang="en-US" dirty="0" err="1" smtClean="0"/>
+              <a:t>toán</a:t>
+            </a:r>
+            <a:r>
+              <a:rPr lang="en-US" dirty="0" smtClean="0"/>
+              <a:t> </a:t>
+            </a:r>
+            <a:r>
+              <a:rPr lang="en-US" dirty="0" err="1" smtClean="0"/>
+              <a:t>kiến</a:t>
+            </a:r>
+            <a:r>
+              <a:rPr lang="en-US" dirty="0" smtClean="0"/>
+              <a:t> </a:t>
+            </a:r>
+            <a:r>
+              <a:rPr lang="en-US" dirty="0" err="1" smtClean="0"/>
+              <a:t>trúc</a:t>
+            </a:r>
+            <a:r>
+              <a:rPr lang="en-US" dirty="0" smtClean="0"/>
+              <a:t> </a:t>
+            </a:r>
+            <a:r>
+              <a:rPr lang="en-US" dirty="0" err="1" smtClean="0"/>
+              <a:t>nói</a:t>
+            </a:r>
+            <a:r>
+              <a:rPr lang="en-US" dirty="0" smtClean="0"/>
+              <a:t> </a:t>
+            </a:r>
+            <a:r>
+              <a:rPr lang="en-US" dirty="0" err="1" smtClean="0"/>
+              <a:t>trên</a:t>
+            </a:r>
+            <a:r>
+              <a:rPr lang="en-US" dirty="0" smtClean="0"/>
+              <a:t>.</a:t>
+            </a:r>
+            <a:endParaRPr lang="vi-VN" dirty="0"/>
+          </a:p>
+        </p:txBody>
+      </p:sp>
+      <p:sp>
+        <p:nvSpPr>
+          <p:cNvPr id="4" name="Title 3"/>
           <p:cNvSpPr>
             <a:spLocks noGrp="1"/>
           </p:cNvSpPr>
@@ -5876,31 +9842,11 @@
           <a:p>
             <a:r>
               <a:rPr lang="en-US" dirty="0" err="1" smtClean="0"/>
-              <a:t>Kiến</a:t>
+              <a:t>JobZoom</a:t>
             </a:r>
             <a:r>
               <a:rPr lang="en-US" dirty="0" smtClean="0"/>
-              <a:t> </a:t>
-            </a:r>
-            <a:r>
-              <a:rPr lang="en-US" dirty="0" err="1" smtClean="0"/>
-              <a:t>trúc</a:t>
-            </a:r>
-            <a:r>
-              <a:rPr lang="en-US" dirty="0" smtClean="0"/>
-              <a:t> </a:t>
-            </a:r>
-            <a:r>
-              <a:rPr lang="en-US" dirty="0" err="1" smtClean="0"/>
-              <a:t>phần</a:t>
-            </a:r>
-            <a:r>
-              <a:rPr lang="en-US" dirty="0" smtClean="0"/>
-              <a:t> </a:t>
-            </a:r>
-            <a:r>
-              <a:rPr lang="en-US" dirty="0" err="1" smtClean="0"/>
-              <a:t>mềm</a:t>
+              <a:t> framework</a:t>
             </a:r>
             <a:endParaRPr lang="vi-VN" dirty="0"/>
           </a:p>
@@ -5913,13 +9859,13 @@
             <a:spLocks noGrp="1"/>
           </p:cNvSpPr>
           <p:nvPr>
-            <p:ph type="sldNum" sz="quarter" idx="12"/>
+            <p:ph type="sldNum" sz="quarter" idx="11"/>
           </p:nvPr>
         </p:nvSpPr>
         <p:spPr/>
         <p:txBody>
           <a:bodyPr>
-            <a:normAutofit fontScale="85000" lnSpcReduction="20000"/>
+            <a:normAutofit/>
           </a:bodyPr>
           <a:lstStyle/>
           <a:p>
@@ -5936,29 +9882,116 @@
           </a:p>
         </p:txBody>
       </p:sp>
-      <p:sp>
-        <p:nvSpPr>
-          <p:cNvPr id="4" name="Content Placeholder 3"/>
-          <p:cNvSpPr>
-            <a:spLocks noGrp="1"/>
-          </p:cNvSpPr>
-          <p:nvPr>
-            <p:ph sz="quarter" idx="1"/>
-          </p:nvPr>
-        </p:nvSpPr>
-        <p:spPr/>
-        <p:txBody>
-          <a:bodyPr/>
-          <a:lstStyle/>
-          <a:p>
-            <a:endParaRPr lang="vi-VN"/>
-          </a:p>
-        </p:txBody>
-      </p:sp>
+      <p:pic>
+        <p:nvPicPr>
+          <p:cNvPr id="6" name="Picture 2"/>
+          <p:cNvPicPr>
+            <a:picLocks noChangeAspect="1" noChangeArrowheads="1"/>
+          </p:cNvPicPr>
+          <p:nvPr/>
+        </p:nvPicPr>
+        <p:blipFill rotWithShape="1">
+          <a:blip r:embed="rId2" cstate="print">
+            <a:extLst>
+              <a:ext uri="{BEBA8EAE-BF5A-486C-A8C5-ECC9F3942E4B}">
+                <a14:imgProps xmlns:a14="http://schemas.microsoft.com/office/drawing/2010/main">
+                  <a14:imgLayer r:embed="rId3">
+                    <a14:imgEffect>
+                      <a14:backgroundRemoval t="10000" b="90000" l="10000" r="90000"/>
+                    </a14:imgEffect>
+                  </a14:imgLayer>
+                </a14:imgProps>
+              </a:ext>
+              <a:ext uri="{28A0092B-C50C-407E-A947-70E740481C1C}">
+                <a14:useLocalDpi xmlns:a14="http://schemas.microsoft.com/office/drawing/2010/main" val="0"/>
+              </a:ext>
+            </a:extLst>
+          </a:blip>
+          <a:srcRect l="8900" t="16354" r="8923" b="16880"/>
+          <a:stretch/>
+        </p:blipFill>
+        <p:spPr bwMode="auto">
+          <a:xfrm>
+            <a:off x="6156176" y="476672"/>
+            <a:ext cx="2448272" cy="1420460"/>
+          </a:xfrm>
+          <a:prstGeom prst="rect">
+            <a:avLst/>
+          </a:prstGeom>
+          <a:ln w="9525">
+            <a:noFill/>
+            <a:miter lim="800000"/>
+            <a:headEnd/>
+            <a:tailEnd/>
+          </a:ln>
+          <a:effectLst>
+            <a:innerShdw blurRad="76200">
+              <a:srgbClr val="000000"/>
+            </a:innerShdw>
+          </a:effectLst>
+          <a:extLst>
+            <a:ext uri="{909E8E84-426E-40DD-AFC4-6F175D3DCCD1}">
+              <a14:hiddenFill xmlns:a14="http://schemas.microsoft.com/office/drawing/2010/main">
+                <a:solidFill>
+                  <a:schemeClr val="accent1"/>
+                </a:solidFill>
+              </a14:hiddenFill>
+            </a:ext>
+            <a:ext uri="{AF507438-7753-43E0-B8FC-AC1667EBCBE1}">
+              <a14:hiddenEffects xmlns:a14="http://schemas.microsoft.com/office/drawing/2010/main">
+                <a:effectLst>
+                  <a:outerShdw dist="35921" dir="2700000" algn="ctr" rotWithShape="0">
+                    <a:schemeClr val="bg2"/>
+                  </a:outerShdw>
+                </a:effectLst>
+              </a14:hiddenEffects>
+            </a:ext>
+          </a:extLst>
+        </p:spPr>
+      </p:pic>
+      <p:pic>
+        <p:nvPicPr>
+          <p:cNvPr id="2050" name="Picture 2" descr="http://www.google.com.vn/url?source=imglanding&amp;ct=img&amp;q=http://www.newea.org/Portals/6/images/JobHunting_iStock_000005682045XSmall.jpg&amp;sa=X&amp;ei=BnP9TuaWCIaziQeLifitAQ&amp;ved=0CAwQ8wc&amp;usg=AFQjCNGWD101b2jPI-pOsxPMtfVMMGhSfw"/>
+          <p:cNvPicPr>
+            <a:picLocks noChangeAspect="1" noChangeArrowheads="1"/>
+          </p:cNvPicPr>
+          <p:nvPr/>
+        </p:nvPicPr>
+        <p:blipFill rotWithShape="1">
+          <a:blip r:embed="rId4">
+            <a:extLst>
+              <a:ext uri="{28A0092B-C50C-407E-A947-70E740481C1C}">
+                <a14:useLocalDpi xmlns:a14="http://schemas.microsoft.com/office/drawing/2010/main" val="0"/>
+              </a:ext>
+            </a:extLst>
+          </a:blip>
+          <a:srcRect b="11038"/>
+          <a:stretch/>
+        </p:blipFill>
+        <p:spPr bwMode="auto">
+          <a:xfrm>
+            <a:off x="1410072" y="4287564"/>
+            <a:ext cx="3810000" cy="2542084"/>
+          </a:xfrm>
+          <a:prstGeom prst="rect">
+            <a:avLst/>
+          </a:prstGeom>
+          <a:noFill/>
+          <a:extLst>
+            <a:ext uri="{909E8E84-426E-40DD-AFC4-6F175D3DCCD1}">
+              <a14:hiddenFill xmlns:a14="http://schemas.microsoft.com/office/drawing/2010/main">
+                <a:solidFill>
+                  <a:srgbClr val="FFFFFF"/>
+                </a:solidFill>
+              </a14:hiddenFill>
+            </a:ext>
+          </a:extLst>
+        </p:spPr>
+      </p:pic>
     </p:spTree>
     <p:extLst>
       <p:ext uri="{BB962C8B-B14F-4D97-AF65-F5344CB8AC3E}">
-        <p14:creationId xmlns:p14="http://schemas.microsoft.com/office/powerpoint/2010/main" val="1901457727"/>
+        <p14:creationId xmlns:p14="http://schemas.microsoft.com/office/powerpoint/2010/main" val="1258374253"/>
       </p:ext>
     </p:extLst>
   </p:cSld>
@@ -5994,186 +10027,7 @@
       </p:grpSpPr>
       <p:sp>
         <p:nvSpPr>
-          <p:cNvPr id="5" name="Text Placeholder 4"/>
-          <p:cNvSpPr>
-            <a:spLocks noGrp="1"/>
-          </p:cNvSpPr>
-          <p:nvPr>
-            <p:ph type="body" idx="1"/>
-          </p:nvPr>
-        </p:nvSpPr>
-        <p:spPr/>
-        <p:txBody>
-          <a:bodyPr/>
-          <a:lstStyle/>
-          <a:p>
-            <a:r>
-              <a:rPr lang="en-US" dirty="0" err="1" smtClean="0"/>
-              <a:t>Kiến</a:t>
-            </a:r>
-            <a:r>
-              <a:rPr lang="en-US" dirty="0" smtClean="0"/>
-              <a:t> </a:t>
-            </a:r>
-            <a:r>
-              <a:rPr lang="en-US" dirty="0" err="1" smtClean="0"/>
-              <a:t>trúc</a:t>
-            </a:r>
-            <a:r>
-              <a:rPr lang="en-US" dirty="0" smtClean="0"/>
-              <a:t> </a:t>
-            </a:r>
-            <a:r>
-              <a:rPr lang="en-US" dirty="0" err="1" smtClean="0"/>
-              <a:t>cổng</a:t>
-            </a:r>
-            <a:r>
-              <a:rPr lang="en-US" dirty="0" smtClean="0"/>
-              <a:t> </a:t>
-            </a:r>
-            <a:r>
-              <a:rPr lang="en-US" dirty="0" err="1" smtClean="0"/>
-              <a:t>thông</a:t>
-            </a:r>
-            <a:r>
-              <a:rPr lang="en-US" dirty="0" smtClean="0"/>
-              <a:t> tin </a:t>
-            </a:r>
-            <a:r>
-              <a:rPr lang="en-US" dirty="0" err="1" smtClean="0"/>
-              <a:t>tìm</a:t>
-            </a:r>
-            <a:r>
-              <a:rPr lang="en-US" dirty="0" smtClean="0"/>
-              <a:t> </a:t>
-            </a:r>
-            <a:r>
-              <a:rPr lang="en-US" dirty="0" err="1" smtClean="0"/>
-              <a:t>việc</a:t>
-            </a:r>
-            <a:r>
-              <a:rPr lang="en-US" dirty="0" smtClean="0"/>
-              <a:t> </a:t>
-            </a:r>
-            <a:r>
-              <a:rPr lang="en-US" dirty="0" err="1" smtClean="0"/>
-              <a:t>JobZoom</a:t>
-            </a:r>
-            <a:r>
-              <a:rPr lang="en-US" dirty="0" smtClean="0"/>
-              <a:t> framework </a:t>
-            </a:r>
-            <a:r>
-              <a:rPr lang="en-US" dirty="0" err="1" smtClean="0"/>
-              <a:t>được</a:t>
-            </a:r>
-            <a:r>
-              <a:rPr lang="en-US" dirty="0" smtClean="0"/>
-              <a:t> </a:t>
-            </a:r>
-            <a:r>
-              <a:rPr lang="en-US" dirty="0" err="1" smtClean="0"/>
-              <a:t>áp</a:t>
-            </a:r>
-            <a:r>
-              <a:rPr lang="en-US" dirty="0" smtClean="0"/>
-              <a:t> </a:t>
-            </a:r>
-            <a:r>
-              <a:rPr lang="en-US" dirty="0" err="1" smtClean="0"/>
-              <a:t>dụng</a:t>
-            </a:r>
-            <a:r>
-              <a:rPr lang="en-US" dirty="0" smtClean="0"/>
-              <a:t> </a:t>
-            </a:r>
-            <a:r>
-              <a:rPr lang="en-US" dirty="0" err="1" smtClean="0"/>
-              <a:t>từ</a:t>
-            </a:r>
-            <a:r>
-              <a:rPr lang="en-US" dirty="0" smtClean="0"/>
-              <a:t> </a:t>
-            </a:r>
-            <a:r>
-              <a:rPr lang="en-US" dirty="0" err="1" smtClean="0"/>
-              <a:t>giải</a:t>
-            </a:r>
-            <a:r>
-              <a:rPr lang="en-US" dirty="0" smtClean="0"/>
-              <a:t> </a:t>
-            </a:r>
-            <a:r>
-              <a:rPr lang="en-US" dirty="0" err="1" smtClean="0"/>
-              <a:t>pháp</a:t>
-            </a:r>
-            <a:r>
-              <a:rPr lang="en-US" dirty="0" smtClean="0"/>
-              <a:t> </a:t>
-            </a:r>
-            <a:r>
-              <a:rPr lang="en-US" dirty="0" err="1" smtClean="0"/>
-              <a:t>của</a:t>
-            </a:r>
-            <a:r>
-              <a:rPr lang="en-US" dirty="0" smtClean="0"/>
-              <a:t> </a:t>
-            </a:r>
-            <a:r>
-              <a:rPr lang="en-US" dirty="0" err="1" smtClean="0"/>
-              <a:t>bài</a:t>
-            </a:r>
-            <a:r>
-              <a:rPr lang="en-US" dirty="0" smtClean="0"/>
-              <a:t> </a:t>
-            </a:r>
-            <a:r>
-              <a:rPr lang="en-US" dirty="0" err="1" smtClean="0"/>
-              <a:t>toán</a:t>
-            </a:r>
-            <a:r>
-              <a:rPr lang="en-US" dirty="0" smtClean="0"/>
-              <a:t> </a:t>
-            </a:r>
-            <a:r>
-              <a:rPr lang="en-US" dirty="0" err="1" smtClean="0"/>
-              <a:t>kiến</a:t>
-            </a:r>
-            <a:r>
-              <a:rPr lang="en-US" dirty="0" smtClean="0"/>
-              <a:t> </a:t>
-            </a:r>
-            <a:r>
-              <a:rPr lang="en-US" dirty="0" err="1" smtClean="0"/>
-              <a:t>trúc</a:t>
-            </a:r>
-            <a:r>
-              <a:rPr lang="en-US" dirty="0" smtClean="0"/>
-              <a:t> </a:t>
-            </a:r>
-            <a:r>
-              <a:rPr lang="en-US" dirty="0" err="1" smtClean="0"/>
-              <a:t>nói</a:t>
-            </a:r>
-            <a:r>
-              <a:rPr lang="en-US" dirty="0" smtClean="0"/>
-              <a:t> </a:t>
-            </a:r>
-            <a:r>
-              <a:rPr lang="en-US" dirty="0" err="1" smtClean="0"/>
-              <a:t>trên</a:t>
-            </a:r>
-            <a:r>
-              <a:rPr lang="en-US" dirty="0" smtClean="0"/>
-              <a:t>.</a:t>
-            </a:r>
-            <a:endParaRPr lang="vi-VN" dirty="0"/>
-          </a:p>
-        </p:txBody>
-      </p:sp>
-      <p:sp>
-        <p:nvSpPr>
-          <p:cNvPr id="4" name="Title 3"/>
+          <p:cNvPr id="2" name="Title 1"/>
           <p:cNvSpPr>
             <a:spLocks noGrp="1"/>
           </p:cNvSpPr>
@@ -6188,11 +10042,31 @@
           <a:p>
             <a:r>
               <a:rPr lang="en-US" dirty="0" err="1" smtClean="0"/>
-              <a:t>JobZoom</a:t>
+              <a:t>Kiến</a:t>
             </a:r>
             <a:r>
               <a:rPr lang="en-US" dirty="0" smtClean="0"/>
-              <a:t> framework</a:t>
+              <a:t> </a:t>
+            </a:r>
+            <a:r>
+              <a:rPr lang="en-US" dirty="0" err="1" smtClean="0"/>
+              <a:t>trúc</a:t>
+            </a:r>
+            <a:r>
+              <a:rPr lang="en-US" dirty="0" smtClean="0"/>
+              <a:t> </a:t>
+            </a:r>
+            <a:r>
+              <a:rPr lang="en-US" dirty="0" err="1" smtClean="0"/>
+              <a:t>tổng</a:t>
+            </a:r>
+            <a:r>
+              <a:rPr lang="en-US" dirty="0" smtClean="0"/>
+              <a:t> </a:t>
+            </a:r>
+            <a:r>
+              <a:rPr lang="en-US" dirty="0" err="1" smtClean="0"/>
+              <a:t>quan</a:t>
             </a:r>
             <a:endParaRPr lang="vi-VN" dirty="0"/>
           </a:p>
@@ -6205,13 +10079,13 @@
             <a:spLocks noGrp="1"/>
           </p:cNvSpPr>
           <p:nvPr>
-            <p:ph type="sldNum" sz="quarter" idx="11"/>
+            <p:ph type="sldNum" sz="quarter" idx="12"/>
           </p:nvPr>
         </p:nvSpPr>
         <p:spPr/>
         <p:txBody>
           <a:bodyPr>
-            <a:normAutofit/>
+            <a:normAutofit fontScale="85000" lnSpcReduction="20000"/>
           </a:bodyPr>
           <a:lstStyle/>
           <a:p>
@@ -6228,10 +10102,29 @@
           </a:p>
         </p:txBody>
       </p:sp>
+      <p:sp>
+        <p:nvSpPr>
+          <p:cNvPr id="4" name="Content Placeholder 3"/>
+          <p:cNvSpPr>
+            <a:spLocks noGrp="1"/>
+          </p:cNvSpPr>
+          <p:nvPr>
+            <p:ph sz="quarter" idx="1"/>
+          </p:nvPr>
+        </p:nvSpPr>
+        <p:spPr/>
+        <p:txBody>
+          <a:bodyPr/>
+          <a:lstStyle/>
+          <a:p>
+            <a:endParaRPr lang="vi-VN"/>
+          </a:p>
+        </p:txBody>
+      </p:sp>
     </p:spTree>
     <p:extLst>
       <p:ext uri="{BB962C8B-B14F-4D97-AF65-F5344CB8AC3E}">
-        <p14:creationId xmlns:p14="http://schemas.microsoft.com/office/powerpoint/2010/main" val="1258374253"/>
+        <p14:creationId xmlns:p14="http://schemas.microsoft.com/office/powerpoint/2010/main" val="3453574344"/>
       </p:ext>
     </p:extLst>
   </p:cSld>
@@ -6277,38 +10170,60 @@
         </p:nvSpPr>
         <p:spPr/>
         <p:txBody>
-          <a:bodyPr/>
+          <a:bodyPr>
+            <a:normAutofit/>
+          </a:bodyPr>
           <a:lstStyle/>
           <a:p>
             <a:r>
-              <a:rPr lang="en-US" dirty="0" err="1" smtClean="0"/>
-              <a:t>Kiến</a:t>
-            </a:r>
-            <a:r>
-              <a:rPr lang="en-US" dirty="0" smtClean="0"/>
-              <a:t> </a:t>
-            </a:r>
-            <a:r>
-              <a:rPr lang="en-US" dirty="0" err="1" smtClean="0"/>
-              <a:t>trúc</a:t>
-            </a:r>
-            <a:r>
-              <a:rPr lang="en-US" dirty="0" smtClean="0"/>
-              <a:t> </a:t>
-            </a:r>
-            <a:r>
-              <a:rPr lang="en-US" dirty="0" err="1" smtClean="0"/>
-              <a:t>tổng</a:t>
-            </a:r>
-            <a:r>
-              <a:rPr lang="en-US" dirty="0" smtClean="0"/>
-              <a:t> </a:t>
-            </a:r>
-            <a:r>
-              <a:rPr lang="en-US" dirty="0" err="1" smtClean="0"/>
-              <a:t>quan</a:t>
-            </a:r>
-            <a:endParaRPr lang="vi-VN" dirty="0"/>
+              <a:rPr lang="en-US" sz="3600" dirty="0" err="1" smtClean="0"/>
+              <a:t>Tổ</a:t>
+            </a:r>
+            <a:r>
+              <a:rPr lang="en-US" sz="3600" dirty="0" smtClean="0"/>
+              <a:t> </a:t>
+            </a:r>
+            <a:r>
+              <a:rPr lang="en-US" sz="3600" dirty="0" err="1" smtClean="0"/>
+              <a:t>chức</a:t>
+            </a:r>
+            <a:r>
+              <a:rPr lang="en-US" sz="3600" dirty="0" smtClean="0"/>
+              <a:t> </a:t>
+            </a:r>
+            <a:r>
+              <a:rPr lang="en-US" sz="3600" dirty="0" err="1" smtClean="0"/>
+              <a:t>và</a:t>
+            </a:r>
+            <a:r>
+              <a:rPr lang="en-US" sz="3600" dirty="0" smtClean="0"/>
+              <a:t> </a:t>
+            </a:r>
+            <a:r>
+              <a:rPr lang="en-US" sz="3600" dirty="0" err="1" smtClean="0"/>
+              <a:t>lưu</a:t>
+            </a:r>
+            <a:r>
+              <a:rPr lang="en-US" sz="3600" dirty="0" smtClean="0"/>
+              <a:t> </a:t>
+            </a:r>
+            <a:r>
+              <a:rPr lang="en-US" sz="3600" dirty="0" err="1" smtClean="0"/>
+              <a:t>trữ</a:t>
+            </a:r>
+            <a:r>
+              <a:rPr lang="en-US" sz="3600" dirty="0" smtClean="0"/>
+              <a:t> </a:t>
+            </a:r>
+            <a:r>
+              <a:rPr lang="en-US" sz="3600" dirty="0" err="1" smtClean="0"/>
+              <a:t>thông</a:t>
+            </a:r>
+            <a:r>
+              <a:rPr lang="en-US" sz="3600" dirty="0" smtClean="0"/>
+              <a:t> tin</a:t>
+            </a:r>
+            <a:endParaRPr lang="vi-VN" sz="3600" dirty="0"/>
           </a:p>
         </p:txBody>
       </p:sp>
@@ -6364,7 +10279,7 @@
     </p:spTree>
     <p:extLst>
       <p:ext uri="{BB962C8B-B14F-4D97-AF65-F5344CB8AC3E}">
-        <p14:creationId xmlns:p14="http://schemas.microsoft.com/office/powerpoint/2010/main" val="3453574344"/>
+        <p14:creationId xmlns:p14="http://schemas.microsoft.com/office/powerpoint/2010/main" val="3149494895"/>
       </p:ext>
     </p:extLst>
   </p:cSld>
@@ -6411,59 +10326,35 @@
         <p:spPr/>
         <p:txBody>
           <a:bodyPr>
-            <a:normAutofit/>
+            <a:noAutofit/>
           </a:bodyPr>
           <a:lstStyle/>
           <a:p>
             <a:r>
-              <a:rPr lang="en-US" sz="3600" dirty="0" err="1" smtClean="0"/>
-              <a:t>Tổ</a:t>
-            </a:r>
-            <a:r>
-              <a:rPr lang="en-US" sz="3600" dirty="0" smtClean="0"/>
-              <a:t> </a:t>
-            </a:r>
-            <a:r>
-              <a:rPr lang="en-US" sz="3600" dirty="0" err="1" smtClean="0"/>
-              <a:t>chức</a:t>
-            </a:r>
-            <a:r>
-              <a:rPr lang="en-US" sz="3600" dirty="0" smtClean="0"/>
-              <a:t> </a:t>
-            </a:r>
-            <a:r>
-              <a:rPr lang="en-US" sz="3600" dirty="0" err="1" smtClean="0"/>
-              <a:t>và</a:t>
-            </a:r>
-            <a:r>
-              <a:rPr lang="en-US" sz="3600" dirty="0" smtClean="0"/>
-              <a:t> </a:t>
-            </a:r>
-            <a:r>
-              <a:rPr lang="en-US" sz="3600" dirty="0" err="1" smtClean="0"/>
-              <a:t>lưu</a:t>
-            </a:r>
-            <a:r>
-              <a:rPr lang="en-US" sz="3600" dirty="0" smtClean="0"/>
-              <a:t> </a:t>
-            </a:r>
-            <a:r>
-              <a:rPr lang="en-US" sz="3600" dirty="0" err="1" smtClean="0"/>
-              <a:t>trữ</a:t>
-            </a:r>
-            <a:r>
-              <a:rPr lang="en-US" sz="3600" dirty="0" smtClean="0"/>
-              <a:t> </a:t>
-            </a:r>
-            <a:r>
-              <a:rPr lang="en-US" sz="3600" dirty="0" err="1" smtClean="0"/>
-              <a:t>thông</a:t>
-            </a:r>
-            <a:r>
-              <a:rPr lang="en-US" sz="3600" dirty="0" smtClean="0"/>
-              <a:t> tin</a:t>
-            </a:r>
-            <a:endParaRPr lang="vi-VN" sz="3600" dirty="0"/>
+              <a:rPr lang="en-US" sz="2800" dirty="0" err="1" smtClean="0"/>
+              <a:t>Hệ</a:t>
+            </a:r>
+            <a:r>
+              <a:rPr lang="en-US" sz="2800" dirty="0" smtClean="0"/>
+              <a:t> </a:t>
+            </a:r>
+            <a:r>
+              <a:rPr lang="en-US" sz="2800" dirty="0" err="1" smtClean="0"/>
+              <a:t>thống</a:t>
+            </a:r>
+            <a:r>
+              <a:rPr lang="en-US" sz="2800" dirty="0" smtClean="0"/>
+              <a:t> so </a:t>
+            </a:r>
+            <a:r>
+              <a:rPr lang="en-US" sz="2800" dirty="0" err="1" smtClean="0"/>
+              <a:t>khớp</a:t>
+            </a:r>
+            <a:r>
+              <a:rPr lang="en-US" sz="2800" dirty="0" smtClean="0"/>
+              <a:t> – matching tool</a:t>
+            </a:r>
+            <a:endParaRPr lang="vi-VN" sz="2800" dirty="0"/>
           </a:p>
         </p:txBody>
       </p:sp>
@@ -6519,7 +10410,7 @@
     </p:spTree>
     <p:extLst>
       <p:ext uri="{BB962C8B-B14F-4D97-AF65-F5344CB8AC3E}">
-        <p14:creationId xmlns:p14="http://schemas.microsoft.com/office/powerpoint/2010/main" val="3149494895"/>
+        <p14:creationId xmlns:p14="http://schemas.microsoft.com/office/powerpoint/2010/main" val="3939877510"/>
       </p:ext>
     </p:extLst>
   </p:cSld>
@@ -6566,35 +10457,15 @@
         <p:spPr/>
         <p:txBody>
           <a:bodyPr>
-            <a:noAutofit/>
+            <a:normAutofit/>
           </a:bodyPr>
           <a:lstStyle/>
           <a:p>
             <a:r>
-              <a:rPr lang="en-US" sz="2800" dirty="0" err="1" smtClean="0"/>
-              <a:t>Hệ</a:t>
-            </a:r>
-            <a:r>
-              <a:rPr lang="en-US" sz="2800" dirty="0" smtClean="0"/>
-              <a:t> </a:t>
-            </a:r>
-            <a:r>
-              <a:rPr lang="en-US" sz="2800" dirty="0" err="1" smtClean="0"/>
-              <a:t>thống</a:t>
-            </a:r>
-            <a:r>
-              <a:rPr lang="en-US" sz="2800" dirty="0" smtClean="0"/>
-              <a:t> so </a:t>
-            </a:r>
-            <a:r>
-              <a:rPr lang="en-US" sz="2800" dirty="0" err="1" smtClean="0"/>
-              <a:t>khớp</a:t>
-            </a:r>
-            <a:r>
-              <a:rPr lang="en-US" sz="2800" dirty="0" smtClean="0"/>
-              <a:t> – matching tool</a:t>
-            </a:r>
-            <a:endParaRPr lang="vi-VN" sz="2800" dirty="0"/>
+              <a:rPr lang="en-US" sz="4000" dirty="0" smtClean="0"/>
+              <a:t>Data mining engine</a:t>
+            </a:r>
+            <a:endParaRPr lang="vi-VN" sz="4000" dirty="0"/>
           </a:p>
         </p:txBody>
       </p:sp>
@@ -6650,7 +10521,7 @@
     </p:spTree>
     <p:extLst>
       <p:ext uri="{BB962C8B-B14F-4D97-AF65-F5344CB8AC3E}">
-        <p14:creationId xmlns:p14="http://schemas.microsoft.com/office/powerpoint/2010/main" val="3939877510"/>
+        <p14:creationId xmlns:p14="http://schemas.microsoft.com/office/powerpoint/2010/main" val="2360626904"/>
       </p:ext>
     </p:extLst>
   </p:cSld>
@@ -6686,7 +10557,26 @@
       </p:grpSpPr>
       <p:sp>
         <p:nvSpPr>
-          <p:cNvPr id="2" name="Title 1"/>
+          <p:cNvPr id="5" name="Text Placeholder 4"/>
+          <p:cNvSpPr>
+            <a:spLocks noGrp="1"/>
+          </p:cNvSpPr>
+          <p:nvPr>
+            <p:ph type="body" idx="1"/>
+          </p:nvPr>
+        </p:nvSpPr>
+        <p:spPr/>
+        <p:txBody>
+          <a:bodyPr/>
+          <a:lstStyle/>
+          <a:p>
+            <a:endParaRPr lang="vi-VN" dirty="0"/>
+          </a:p>
+        </p:txBody>
+      </p:sp>
+      <p:sp>
+        <p:nvSpPr>
+          <p:cNvPr id="4" name="Title 3"/>
           <p:cNvSpPr>
             <a:spLocks noGrp="1"/>
           </p:cNvSpPr>
@@ -6696,16 +10586,22 @@
         </p:nvSpPr>
         <p:spPr/>
         <p:txBody>
-          <a:bodyPr>
-            <a:normAutofit/>
-          </a:bodyPr>
+          <a:bodyPr/>
           <a:lstStyle/>
           <a:p>
             <a:r>
-              <a:rPr lang="en-US" sz="4000" dirty="0" smtClean="0"/>
-              <a:t>Data mining engine</a:t>
-            </a:r>
-            <a:endParaRPr lang="vi-VN" sz="4000" dirty="0"/>
+              <a:rPr lang="en-US" dirty="0" err="1" smtClean="0"/>
+              <a:t>Kết</a:t>
+            </a:r>
+            <a:r>
+              <a:rPr lang="en-US" dirty="0" smtClean="0"/>
+              <a:t> </a:t>
+            </a:r>
+            <a:r>
+              <a:rPr lang="en-US" dirty="0" err="1" smtClean="0"/>
+              <a:t>luận</a:t>
+            </a:r>
+            <a:endParaRPr lang="vi-VN" dirty="0"/>
           </a:p>
         </p:txBody>
       </p:sp>
@@ -6716,13 +10612,13 @@
             <a:spLocks noGrp="1"/>
           </p:cNvSpPr>
           <p:nvPr>
-            <p:ph type="sldNum" sz="quarter" idx="12"/>
+            <p:ph type="sldNum" sz="quarter" idx="11"/>
           </p:nvPr>
         </p:nvSpPr>
         <p:spPr/>
         <p:txBody>
           <a:bodyPr>
-            <a:normAutofit fontScale="85000" lnSpcReduction="20000"/>
+            <a:normAutofit/>
           </a:bodyPr>
           <a:lstStyle/>
           <a:p>
@@ -6739,29 +10635,51 @@
           </a:p>
         </p:txBody>
       </p:sp>
-      <p:sp>
-        <p:nvSpPr>
-          <p:cNvPr id="4" name="Content Placeholder 3"/>
-          <p:cNvSpPr>
-            <a:spLocks noGrp="1"/>
-          </p:cNvSpPr>
-          <p:nvPr>
-            <p:ph sz="quarter" idx="1"/>
-          </p:nvPr>
-        </p:nvSpPr>
-        <p:spPr/>
-        <p:txBody>
-          <a:bodyPr/>
-          <a:lstStyle/>
-          <a:p>
-            <a:endParaRPr lang="vi-VN"/>
-          </a:p>
-        </p:txBody>
-      </p:sp>
+      <p:pic>
+        <p:nvPicPr>
+          <p:cNvPr id="7" name="Picture 4" descr="http://www.google.com.vn/url?source=imglanding&amp;ct=img&amp;q=http://blog.cachinko.com/blog/wp-content/uploads/2011/01/21-networking-300x300.jpg&amp;sa=X&amp;ei=ynX9TqGeKYfUmAWc-Zi6Ag&amp;ved=0CAsQ8wc4Kw&amp;usg=AFQjCNGJnaVVfiNiB9JXRymc0aBCRk8K6A"/>
+          <p:cNvPicPr>
+            <a:picLocks noChangeAspect="1" noChangeArrowheads="1"/>
+          </p:cNvPicPr>
+          <p:nvPr/>
+        </p:nvPicPr>
+        <p:blipFill>
+          <a:blip r:embed="rId2">
+            <a:extLst>
+              <a:ext uri="{28A0092B-C50C-407E-A947-70E740481C1C}">
+                <a14:useLocalDpi xmlns:a14="http://schemas.microsoft.com/office/drawing/2010/main" val="0"/>
+              </a:ext>
+            </a:extLst>
+          </a:blip>
+          <a:srcRect/>
+          <a:stretch>
+            <a:fillRect/>
+          </a:stretch>
+        </p:blipFill>
+        <p:spPr bwMode="auto">
+          <a:xfrm>
+            <a:off x="4716016" y="2609293"/>
+            <a:ext cx="4132075" cy="4132075"/>
+          </a:xfrm>
+          <a:prstGeom prst="rect">
+            <a:avLst/>
+          </a:prstGeom>
+          <a:noFill/>
+          <a:extLst>
+            <a:ext uri="{909E8E84-426E-40DD-AFC4-6F175D3DCCD1}">
+              <a14:hiddenFill xmlns:a14="http://schemas.microsoft.com/office/drawing/2010/main">
+                <a:solidFill>
+                  <a:srgbClr val="FFFFFF"/>
+                </a:solidFill>
+              </a14:hiddenFill>
+            </a:ext>
+          </a:extLst>
+        </p:spPr>
+      </p:pic>
     </p:spTree>
     <p:extLst>
       <p:ext uri="{BB962C8B-B14F-4D97-AF65-F5344CB8AC3E}">
-        <p14:creationId xmlns:p14="http://schemas.microsoft.com/office/powerpoint/2010/main" val="2360626904"/>
+        <p14:creationId xmlns:p14="http://schemas.microsoft.com/office/powerpoint/2010/main" val="1500730890"/>
       </p:ext>
     </p:extLst>
   </p:cSld>
@@ -6797,26 +10715,7 @@
       </p:grpSpPr>
       <p:sp>
         <p:nvSpPr>
-          <p:cNvPr id="5" name="Text Placeholder 4"/>
-          <p:cNvSpPr>
-            <a:spLocks noGrp="1"/>
-          </p:cNvSpPr>
-          <p:nvPr>
-            <p:ph type="body" idx="1"/>
-          </p:nvPr>
-        </p:nvSpPr>
-        <p:spPr/>
-        <p:txBody>
-          <a:bodyPr/>
-          <a:lstStyle/>
-          <a:p>
-            <a:endParaRPr lang="vi-VN" dirty="0"/>
-          </a:p>
-        </p:txBody>
-      </p:sp>
-      <p:sp>
-        <p:nvSpPr>
-          <p:cNvPr id="4" name="Title 3"/>
+          <p:cNvPr id="2" name="Title 1"/>
           <p:cNvSpPr>
             <a:spLocks noGrp="1"/>
           </p:cNvSpPr>
@@ -6830,16 +10729,8 @@
           <a:lstStyle/>
           <a:p>
             <a:r>
-              <a:rPr lang="en-US" dirty="0" err="1" smtClean="0"/>
-              <a:t>Kết</a:t>
-            </a:r>
-            <a:r>
               <a:rPr lang="en-US" dirty="0" smtClean="0"/>
-              <a:t> </a:t>
-            </a:r>
-            <a:r>
-              <a:rPr lang="en-US" dirty="0" err="1" smtClean="0"/>
-              <a:t>luận</a:t>
+              <a:t>KẾT QUẢ ĐẠT ĐƯỢC</a:t>
             </a:r>
             <a:endParaRPr lang="vi-VN" dirty="0"/>
           </a:p>
@@ -6852,13 +10743,13 @@
             <a:spLocks noGrp="1"/>
           </p:cNvSpPr>
           <p:nvPr>
-            <p:ph type="sldNum" sz="quarter" idx="11"/>
+            <p:ph type="sldNum" sz="quarter" idx="12"/>
           </p:nvPr>
         </p:nvSpPr>
         <p:spPr/>
         <p:txBody>
           <a:bodyPr>
-            <a:normAutofit/>
+            <a:normAutofit fontScale="85000" lnSpcReduction="20000"/>
           </a:bodyPr>
           <a:lstStyle/>
           <a:p>
@@ -6875,10 +10766,29 @@
           </a:p>
         </p:txBody>
       </p:sp>
+      <p:sp>
+        <p:nvSpPr>
+          <p:cNvPr id="4" name="Content Placeholder 3"/>
+          <p:cNvSpPr>
+            <a:spLocks noGrp="1"/>
+          </p:cNvSpPr>
+          <p:nvPr>
+            <p:ph sz="quarter" idx="1"/>
+          </p:nvPr>
+        </p:nvSpPr>
+        <p:spPr/>
+        <p:txBody>
+          <a:bodyPr/>
+          <a:lstStyle/>
+          <a:p>
+            <a:endParaRPr lang="vi-VN"/>
+          </a:p>
+        </p:txBody>
+      </p:sp>
     </p:spTree>
     <p:extLst>
       <p:ext uri="{BB962C8B-B14F-4D97-AF65-F5344CB8AC3E}">
-        <p14:creationId xmlns:p14="http://schemas.microsoft.com/office/powerpoint/2010/main" val="1500730890"/>
+        <p14:creationId xmlns:p14="http://schemas.microsoft.com/office/powerpoint/2010/main" val="3067536780"/>
       </p:ext>
     </p:extLst>
   </p:cSld>
@@ -6928,8 +10838,8 @@
           <a:lstStyle/>
           <a:p>
             <a:r>
-              <a:rPr lang="en-US" dirty="0" smtClean="0"/>
-              <a:t>KẾT QUẢ ĐẠT ĐƯỢC</a:t>
+              <a:rPr lang="en-US" smtClean="0"/>
+              <a:t>Đánh giá</a:t>
             </a:r>
             <a:endParaRPr lang="vi-VN" dirty="0"/>
           </a:p>
@@ -6957,17 +10867,13 @@
               <a:pPr/>
               <a:t>19</a:t>
             </a:fld>
-            <a:endParaRPr lang="en-US" dirty="0">
-              <a:solidFill>
-                <a:srgbClr val="FFFFFF"/>
-              </a:solidFill>
-            </a:endParaRPr>
-          </a:p>
-        </p:txBody>
-      </p:sp>
-      <p:sp>
-        <p:nvSpPr>
-          <p:cNvPr id="4" name="Content Placeholder 3"/>
+            <a:endParaRPr lang="en-US" dirty="0"/>
+          </a:p>
+        </p:txBody>
+      </p:sp>
+      <p:sp>
+        <p:nvSpPr>
+          <p:cNvPr id="6" name="Content Placeholder 5"/>
           <p:cNvSpPr>
             <a:spLocks noGrp="1"/>
           </p:cNvSpPr>
@@ -6987,7 +10893,7 @@
     </p:spTree>
     <p:extLst>
       <p:ext uri="{BB962C8B-B14F-4D97-AF65-F5344CB8AC3E}">
-        <p14:creationId xmlns:p14="http://schemas.microsoft.com/office/powerpoint/2010/main" val="3067536780"/>
+        <p14:creationId xmlns:p14="http://schemas.microsoft.com/office/powerpoint/2010/main" val="2449681135"/>
       </p:ext>
     </p:extLst>
   </p:cSld>
@@ -7021,6 +10927,87 @@
           <a:chExt cx="0" cy="0"/>
         </a:xfrm>
       </p:grpSpPr>
+      <p:pic>
+        <p:nvPicPr>
+          <p:cNvPr id="1029" name="Picture 5"/>
+          <p:cNvPicPr>
+            <a:picLocks noChangeAspect="1" noChangeArrowheads="1"/>
+          </p:cNvPicPr>
+          <p:nvPr/>
+        </p:nvPicPr>
+        <p:blipFill rotWithShape="1">
+          <a:blip r:embed="rId2">
+            <a:duotone>
+              <a:schemeClr val="bg2">
+                <a:shade val="45000"/>
+                <a:satMod val="135000"/>
+              </a:schemeClr>
+              <a:prstClr val="white"/>
+            </a:duotone>
+            <a:extLst>
+              <a:ext uri="{BEBA8EAE-BF5A-486C-A8C5-ECC9F3942E4B}">
+                <a14:imgProps xmlns:a14="http://schemas.microsoft.com/office/drawing/2010/main">
+                  <a14:imgLayer r:embed="rId3">
+                    <a14:imgEffect>
+                      <a14:colorTemperature colorTemp="5900"/>
+                    </a14:imgEffect>
+                    <a14:imgEffect>
+                      <a14:brightnessContrast bright="20000" contrast="-40000"/>
+                    </a14:imgEffect>
+                  </a14:imgLayer>
+                </a14:imgProps>
+              </a:ext>
+              <a:ext uri="{28A0092B-C50C-407E-A947-70E740481C1C}">
+                <a14:useLocalDpi xmlns:a14="http://schemas.microsoft.com/office/drawing/2010/main" val="0"/>
+              </a:ext>
+            </a:extLst>
+          </a:blip>
+          <a:srcRect b="22963"/>
+          <a:stretch/>
+        </p:blipFill>
+        <p:spPr bwMode="auto">
+          <a:xfrm>
+            <a:off x="-12825" y="0"/>
+            <a:ext cx="9144001" cy="6858000"/>
+          </a:xfrm>
+          <a:prstGeom prst="rect">
+            <a:avLst/>
+          </a:prstGeom>
+          <a:noFill/>
+          <a:ln>
+            <a:noFill/>
+          </a:ln>
+          <a:effectLst/>
+          <a:extLst>
+            <a:ext uri="{909E8E84-426E-40DD-AFC4-6F175D3DCCD1}">
+              <a14:hiddenFill xmlns:a14="http://schemas.microsoft.com/office/drawing/2010/main">
+                <a:solidFill>
+                  <a:schemeClr val="accent1"/>
+                </a:solidFill>
+              </a14:hiddenFill>
+            </a:ext>
+            <a:ext uri="{91240B29-F687-4F45-9708-019B960494DF}">
+              <a14:hiddenLine xmlns:a14="http://schemas.microsoft.com/office/drawing/2010/main" w="9525">
+                <a:solidFill>
+                  <a:schemeClr val="tx1"/>
+                </a:solidFill>
+                <a:miter lim="800000"/>
+                <a:headEnd/>
+                <a:tailEnd/>
+              </a14:hiddenLine>
+            </a:ext>
+            <a:ext uri="{AF507438-7753-43E0-B8FC-AC1667EBCBE1}">
+              <a14:hiddenEffects xmlns:a14="http://schemas.microsoft.com/office/drawing/2010/main">
+                <a:effectLst>
+                  <a:outerShdw dist="35921" dir="2700000" algn="ctr" rotWithShape="0">
+                    <a:schemeClr val="bg2"/>
+                  </a:outerShdw>
+                </a:effectLst>
+              </a14:hiddenEffects>
+            </a:ext>
+          </a:extLst>
+        </p:spPr>
+      </p:pic>
       <p:sp>
         <p:nvSpPr>
           <p:cNvPr id="2" name="Title 1"/>
@@ -7147,152 +11134,6 @@
       </p:sp>
       <p:sp>
         <p:nvSpPr>
-          <p:cNvPr id="4" name="Content Placeholder 3"/>
-          <p:cNvSpPr>
-            <a:spLocks noGrp="1"/>
-          </p:cNvSpPr>
-          <p:nvPr>
-            <p:ph sz="quarter" idx="1"/>
-          </p:nvPr>
-        </p:nvSpPr>
-        <p:spPr/>
-        <p:txBody>
-          <a:bodyPr/>
-          <a:lstStyle/>
-          <a:p>
-            <a:r>
-              <a:rPr lang="en-US" dirty="0" err="1" smtClean="0"/>
-              <a:t>Bài</a:t>
-            </a:r>
-            <a:r>
-              <a:rPr lang="en-US" dirty="0" smtClean="0"/>
-              <a:t> </a:t>
-            </a:r>
-            <a:r>
-              <a:rPr lang="en-US" dirty="0" err="1" smtClean="0"/>
-              <a:t>toán</a:t>
-            </a:r>
-            <a:r>
-              <a:rPr lang="en-US" dirty="0" smtClean="0"/>
-              <a:t> </a:t>
-            </a:r>
-            <a:r>
-              <a:rPr lang="en-US" dirty="0" err="1" smtClean="0"/>
-              <a:t>kiến</a:t>
-            </a:r>
-            <a:r>
-              <a:rPr lang="en-US" dirty="0" smtClean="0"/>
-              <a:t> </a:t>
-            </a:r>
-            <a:r>
-              <a:rPr lang="en-US" dirty="0" err="1" smtClean="0"/>
-              <a:t>trúc</a:t>
-            </a:r>
-            <a:r>
-              <a:rPr lang="en-US" dirty="0" smtClean="0"/>
-              <a:t> </a:t>
-            </a:r>
-            <a:r>
-              <a:rPr lang="en-US" dirty="0" err="1" smtClean="0"/>
-              <a:t>tổ</a:t>
-            </a:r>
-            <a:r>
-              <a:rPr lang="en-US" dirty="0" smtClean="0"/>
-              <a:t> </a:t>
-            </a:r>
-            <a:r>
-              <a:rPr lang="en-US" dirty="0" err="1" smtClean="0"/>
-              <a:t>chức</a:t>
-            </a:r>
-            <a:r>
-              <a:rPr lang="en-US" dirty="0" smtClean="0"/>
-              <a:t> </a:t>
-            </a:r>
-            <a:r>
-              <a:rPr lang="en-US" dirty="0" err="1" smtClean="0"/>
-              <a:t>và</a:t>
-            </a:r>
-            <a:r>
-              <a:rPr lang="en-US" dirty="0" smtClean="0"/>
-              <a:t> so </a:t>
-            </a:r>
-            <a:r>
-              <a:rPr lang="en-US" dirty="0" err="1" smtClean="0"/>
-              <a:t>khớp</a:t>
-            </a:r>
-            <a:r>
-              <a:rPr lang="en-US" dirty="0" smtClean="0"/>
-              <a:t> </a:t>
-            </a:r>
-            <a:r>
-              <a:rPr lang="en-US" dirty="0" err="1" smtClean="0"/>
-              <a:t>thông</a:t>
-            </a:r>
-            <a:r>
-              <a:rPr lang="en-US" dirty="0" smtClean="0"/>
-              <a:t> tin</a:t>
-            </a:r>
-          </a:p>
-          <a:p>
-            <a:r>
-              <a:rPr lang="en-US" dirty="0" err="1" smtClean="0"/>
-              <a:t>Giải</a:t>
-            </a:r>
-            <a:r>
-              <a:rPr lang="en-US" dirty="0" smtClean="0"/>
-              <a:t> </a:t>
-            </a:r>
-            <a:r>
-              <a:rPr lang="en-US" dirty="0" err="1" smtClean="0"/>
-              <a:t>quyết</a:t>
-            </a:r>
-            <a:r>
-              <a:rPr lang="en-US" dirty="0" smtClean="0"/>
-              <a:t> </a:t>
-            </a:r>
-            <a:r>
-              <a:rPr lang="en-US" dirty="0" err="1" smtClean="0"/>
-              <a:t>bài</a:t>
-            </a:r>
-            <a:r>
-              <a:rPr lang="en-US" dirty="0" smtClean="0"/>
-              <a:t> </a:t>
-            </a:r>
-            <a:r>
-              <a:rPr lang="en-US" dirty="0" err="1" smtClean="0"/>
-              <a:t>toán</a:t>
-            </a:r>
-            <a:endParaRPr lang="en-US" dirty="0" smtClean="0"/>
-          </a:p>
-          <a:p>
-            <a:r>
-              <a:rPr lang="en-US" dirty="0" err="1" smtClean="0"/>
-              <a:t>JobZoom</a:t>
-            </a:r>
-            <a:r>
-              <a:rPr lang="en-US" dirty="0" smtClean="0"/>
-              <a:t> framework</a:t>
-            </a:r>
-          </a:p>
-          <a:p>
-            <a:r>
-              <a:rPr lang="en-US" dirty="0" err="1" smtClean="0"/>
-              <a:t>Kết</a:t>
-            </a:r>
-            <a:r>
-              <a:rPr lang="en-US" dirty="0" smtClean="0"/>
-              <a:t> </a:t>
-            </a:r>
-            <a:r>
-              <a:rPr lang="en-US" dirty="0" err="1" smtClean="0"/>
-              <a:t>luận</a:t>
-            </a:r>
-            <a:endParaRPr lang="vi-VN" dirty="0"/>
-          </a:p>
-        </p:txBody>
-      </p:sp>
-      <p:sp>
-        <p:nvSpPr>
           <p:cNvPr id="5" name="Slide Number Placeholder 4"/>
           <p:cNvSpPr>
             <a:spLocks noGrp="1"/>
@@ -7321,6 +11162,28 @@
           </a:p>
         </p:txBody>
       </p:sp>
+      <p:graphicFrame>
+        <p:nvGraphicFramePr>
+          <p:cNvPr id="7" name="Diagram 6"/>
+          <p:cNvGraphicFramePr/>
+          <p:nvPr>
+            <p:extLst>
+              <p:ext uri="{D42A27DB-BD31-4B8C-83A1-F6EECF244321}">
+                <p14:modId xmlns:p14="http://schemas.microsoft.com/office/powerpoint/2010/main" val="2875041763"/>
+              </p:ext>
+            </p:extLst>
+          </p:nvPr>
+        </p:nvGraphicFramePr>
+        <p:xfrm>
+          <a:off x="683568" y="1397000"/>
+          <a:ext cx="7776864" cy="5056336"/>
+        </p:xfrm>
+        <a:graphic>
+          <a:graphicData uri="http://schemas.openxmlformats.org/drawingml/2006/diagram">
+            <dgm:relIds xmlns:dgm="http://schemas.openxmlformats.org/drawingml/2006/diagram" xmlns:r="http://schemas.openxmlformats.org/officeDocument/2006/relationships" r:dm="rId4" r:lo="rId5" r:qs="rId6" r:cs="rId7"/>
+          </a:graphicData>
+        </a:graphic>
+      </p:graphicFrame>
     </p:spTree>
     <p:extLst>
       <p:ext uri="{BB962C8B-B14F-4D97-AF65-F5344CB8AC3E}">
@@ -7374,8 +11237,24 @@
           <a:lstStyle/>
           <a:p>
             <a:r>
-              <a:rPr lang="en-US" smtClean="0"/>
-              <a:t>Đánh giá</a:t>
+              <a:rPr lang="en-US" dirty="0" err="1" smtClean="0"/>
+              <a:t>Những</a:t>
+            </a:r>
+            <a:r>
+              <a:rPr lang="en-US" dirty="0" smtClean="0"/>
+              <a:t> </a:t>
+            </a:r>
+            <a:r>
+              <a:rPr lang="en-US" dirty="0" err="1" smtClean="0"/>
+              <a:t>hạn</a:t>
+            </a:r>
+            <a:r>
+              <a:rPr lang="en-US" dirty="0" smtClean="0"/>
+              <a:t> </a:t>
+            </a:r>
+            <a:r>
+              <a:rPr lang="en-US" dirty="0" err="1" smtClean="0"/>
+              <a:t>chế</a:t>
             </a:r>
             <a:endParaRPr lang="vi-VN" dirty="0"/>
           </a:p>
@@ -7403,13 +11282,17 @@
               <a:pPr/>
               <a:t>20</a:t>
             </a:fld>
-            <a:endParaRPr lang="en-US" dirty="0"/>
-          </a:p>
-        </p:txBody>
-      </p:sp>
-      <p:sp>
-        <p:nvSpPr>
-          <p:cNvPr id="6" name="Content Placeholder 5"/>
+            <a:endParaRPr lang="en-US" dirty="0">
+              <a:solidFill>
+                <a:srgbClr val="FFFFFF"/>
+              </a:solidFill>
+            </a:endParaRPr>
+          </a:p>
+        </p:txBody>
+      </p:sp>
+      <p:sp>
+        <p:nvSpPr>
+          <p:cNvPr id="4" name="Content Placeholder 3"/>
           <p:cNvSpPr>
             <a:spLocks noGrp="1"/>
           </p:cNvSpPr>
@@ -7429,7 +11312,7 @@
     </p:spTree>
     <p:extLst>
       <p:ext uri="{BB962C8B-B14F-4D97-AF65-F5344CB8AC3E}">
-        <p14:creationId xmlns:p14="http://schemas.microsoft.com/office/powerpoint/2010/main" val="2449681135"/>
+        <p14:creationId xmlns:p14="http://schemas.microsoft.com/office/powerpoint/2010/main" val="1913792255"/>
       </p:ext>
     </p:extLst>
   </p:cSld>
@@ -7465,7 +11348,26 @@
       </p:grpSpPr>
       <p:sp>
         <p:nvSpPr>
-          <p:cNvPr id="2" name="Title 1"/>
+          <p:cNvPr id="5" name="Text Placeholder 4"/>
+          <p:cNvSpPr>
+            <a:spLocks noGrp="1"/>
+          </p:cNvSpPr>
+          <p:nvPr>
+            <p:ph type="body" idx="1"/>
+          </p:nvPr>
+        </p:nvSpPr>
+        <p:spPr/>
+        <p:txBody>
+          <a:bodyPr/>
+          <a:lstStyle/>
+          <a:p>
+            <a:endParaRPr lang="vi-VN"/>
+          </a:p>
+        </p:txBody>
+      </p:sp>
+      <p:sp>
+        <p:nvSpPr>
+          <p:cNvPr id="4" name="Title 3"/>
           <p:cNvSpPr>
             <a:spLocks noGrp="1"/>
           </p:cNvSpPr>
@@ -7479,24 +11381,8 @@
           <a:lstStyle/>
           <a:p>
             <a:r>
-              <a:rPr lang="en-US" dirty="0" err="1" smtClean="0"/>
-              <a:t>Những</a:t>
-            </a:r>
-            <a:r>
               <a:rPr lang="en-US" dirty="0" smtClean="0"/>
-              <a:t> </a:t>
-            </a:r>
-            <a:r>
-              <a:rPr lang="en-US" dirty="0" err="1" smtClean="0"/>
-              <a:t>hạn</a:t>
-            </a:r>
-            <a:r>
-              <a:rPr lang="en-US" dirty="0" smtClean="0"/>
-              <a:t> </a:t>
-            </a:r>
-            <a:r>
-              <a:rPr lang="en-US" dirty="0" err="1" smtClean="0"/>
-              <a:t>chế</a:t>
+              <a:t>DEMONSTRATION</a:t>
             </a:r>
             <a:endParaRPr lang="vi-VN" dirty="0"/>
           </a:p>
@@ -7509,13 +11395,13 @@
             <a:spLocks noGrp="1"/>
           </p:cNvSpPr>
           <p:nvPr>
-            <p:ph type="sldNum" sz="quarter" idx="12"/>
+            <p:ph type="sldNum" sz="quarter" idx="11"/>
           </p:nvPr>
         </p:nvSpPr>
         <p:spPr/>
         <p:txBody>
           <a:bodyPr>
-            <a:normAutofit fontScale="85000" lnSpcReduction="20000"/>
+            <a:normAutofit/>
           </a:bodyPr>
           <a:lstStyle/>
           <a:p>
@@ -7532,29 +11418,10 @@
           </a:p>
         </p:txBody>
       </p:sp>
-      <p:sp>
-        <p:nvSpPr>
-          <p:cNvPr id="4" name="Content Placeholder 3"/>
-          <p:cNvSpPr>
-            <a:spLocks noGrp="1"/>
-          </p:cNvSpPr>
-          <p:nvPr>
-            <p:ph sz="quarter" idx="1"/>
-          </p:nvPr>
-        </p:nvSpPr>
-        <p:spPr/>
-        <p:txBody>
-          <a:bodyPr/>
-          <a:lstStyle/>
-          <a:p>
-            <a:endParaRPr lang="vi-VN"/>
-          </a:p>
-        </p:txBody>
-      </p:sp>
     </p:spTree>
     <p:extLst>
       <p:ext uri="{BB962C8B-B14F-4D97-AF65-F5344CB8AC3E}">
-        <p14:creationId xmlns:p14="http://schemas.microsoft.com/office/powerpoint/2010/main" val="1913792255"/>
+        <p14:creationId xmlns:p14="http://schemas.microsoft.com/office/powerpoint/2010/main" val="1870866790"/>
       </p:ext>
     </p:extLst>
   </p:cSld>
@@ -7624,7 +11491,7 @@
           <a:p>
             <a:r>
               <a:rPr lang="en-US" dirty="0" smtClean="0"/>
-              <a:t>DEMONSTRATION</a:t>
+              <a:t>Q &amp; A</a:t>
             </a:r>
             <a:endParaRPr lang="vi-VN" dirty="0"/>
           </a:p>
@@ -7663,7 +11530,7 @@
     </p:spTree>
     <p:extLst>
       <p:ext uri="{BB962C8B-B14F-4D97-AF65-F5344CB8AC3E}">
-        <p14:creationId xmlns:p14="http://schemas.microsoft.com/office/powerpoint/2010/main" val="1870866790"/>
+        <p14:creationId xmlns:p14="http://schemas.microsoft.com/office/powerpoint/2010/main" val="2443692379"/>
       </p:ext>
     </p:extLst>
   </p:cSld>
@@ -7699,12 +11566,12 @@
       </p:grpSpPr>
       <p:sp>
         <p:nvSpPr>
-          <p:cNvPr id="5" name="Text Placeholder 4"/>
+          <p:cNvPr id="8" name="Text Placeholder 7"/>
           <p:cNvSpPr>
             <a:spLocks noGrp="1"/>
           </p:cNvSpPr>
           <p:nvPr>
-            <p:ph type="body" idx="1"/>
+            <p:ph type="body" sz="half" idx="2"/>
           </p:nvPr>
         </p:nvSpPr>
         <p:spPr/>
@@ -7712,13 +11579,13 @@
           <a:bodyPr/>
           <a:lstStyle/>
           <a:p>
-            <a:endParaRPr lang="vi-VN"/>
-          </a:p>
-        </p:txBody>
-      </p:sp>
-      <p:sp>
-        <p:nvSpPr>
-          <p:cNvPr id="4" name="Title 3"/>
+            <a:endParaRPr lang="vi-VN" dirty="0"/>
+          </a:p>
+        </p:txBody>
+      </p:sp>
+      <p:sp>
+        <p:nvSpPr>
+          <p:cNvPr id="6" name="Title 5"/>
           <p:cNvSpPr>
             <a:spLocks noGrp="1"/>
           </p:cNvSpPr>
@@ -7726,14 +11593,21 @@
             <p:ph type="title"/>
           </p:nvPr>
         </p:nvSpPr>
-        <p:spPr/>
-        <p:txBody>
-          <a:bodyPr/>
+        <p:spPr>
+          <a:xfrm>
+            <a:off x="1600200" y="4648200"/>
+            <a:ext cx="7543800" cy="685800"/>
+          </a:xfrm>
+        </p:spPr>
+        <p:txBody>
+          <a:bodyPr>
+            <a:normAutofit/>
+          </a:bodyPr>
           <a:lstStyle/>
           <a:p>
             <a:r>
               <a:rPr lang="en-US" dirty="0" smtClean="0"/>
-              <a:t>Q &amp; A</a:t>
+              <a:t>THANKS FOR YOUR ATTENTION!</a:t>
             </a:r>
             <a:endParaRPr lang="vi-VN" dirty="0"/>
           </a:p>
@@ -7760,122 +11634,6 @@
               <a:rPr lang="en-US" smtClean="0"/>
               <a:pPr/>
               <a:t>23</a:t>
-            </a:fld>
-            <a:endParaRPr lang="en-US" dirty="0">
-              <a:solidFill>
-                <a:srgbClr val="FFFFFF"/>
-              </a:solidFill>
-            </a:endParaRPr>
-          </a:p>
-        </p:txBody>
-      </p:sp>
-    </p:spTree>
-    <p:extLst>
-      <p:ext uri="{BB962C8B-B14F-4D97-AF65-F5344CB8AC3E}">
-        <p14:creationId xmlns:p14="http://schemas.microsoft.com/office/powerpoint/2010/main" val="2443692379"/>
-      </p:ext>
-    </p:extLst>
-  </p:cSld>
-  <p:clrMapOvr>
-    <a:masterClrMapping/>
-  </p:clrMapOvr>
-  <p:timing>
-    <p:tnLst>
-      <p:par>
-        <p:cTn id="1" dur="indefinite" restart="never" nodeType="tmRoot"/>
-      </p:par>
-    </p:tnLst>
-  </p:timing>
-</p:sld>
-</file>
-
-<file path=ppt/slides/slide24.xml><?xml version="1.0" encoding="utf-8"?>
-<p:sld xmlns:a="http://schemas.openxmlformats.org/drawingml/2006/main" xmlns:r="http://schemas.openxmlformats.org/officeDocument/2006/relationships" xmlns:p="http://schemas.openxmlformats.org/presentationml/2006/main">
-  <p:cSld>
-    <p:spTree>
-      <p:nvGrpSpPr>
-        <p:cNvPr id="1" name=""/>
-        <p:cNvGrpSpPr/>
-        <p:nvPr/>
-      </p:nvGrpSpPr>
-      <p:grpSpPr>
-        <a:xfrm>
-          <a:off x="0" y="0"/>
-          <a:ext cx="0" cy="0"/>
-          <a:chOff x="0" y="0"/>
-          <a:chExt cx="0" cy="0"/>
-        </a:xfrm>
-      </p:grpSpPr>
-      <p:sp>
-        <p:nvSpPr>
-          <p:cNvPr id="8" name="Text Placeholder 7"/>
-          <p:cNvSpPr>
-            <a:spLocks noGrp="1"/>
-          </p:cNvSpPr>
-          <p:nvPr>
-            <p:ph type="body" sz="half" idx="2"/>
-          </p:nvPr>
-        </p:nvSpPr>
-        <p:spPr/>
-        <p:txBody>
-          <a:bodyPr/>
-          <a:lstStyle/>
-          <a:p>
-            <a:endParaRPr lang="vi-VN" dirty="0"/>
-          </a:p>
-        </p:txBody>
-      </p:sp>
-      <p:sp>
-        <p:nvSpPr>
-          <p:cNvPr id="6" name="Title 5"/>
-          <p:cNvSpPr>
-            <a:spLocks noGrp="1"/>
-          </p:cNvSpPr>
-          <p:nvPr>
-            <p:ph type="title"/>
-          </p:nvPr>
-        </p:nvSpPr>
-        <p:spPr>
-          <a:xfrm>
-            <a:off x="1600200" y="4648200"/>
-            <a:ext cx="7543800" cy="685800"/>
-          </a:xfrm>
-        </p:spPr>
-        <p:txBody>
-          <a:bodyPr>
-            <a:normAutofit/>
-          </a:bodyPr>
-          <a:lstStyle/>
-          <a:p>
-            <a:r>
-              <a:rPr lang="en-US" dirty="0" smtClean="0"/>
-              <a:t>THANKS FOR YOUR ATTENTION!</a:t>
-            </a:r>
-            <a:endParaRPr lang="vi-VN" dirty="0"/>
-          </a:p>
-        </p:txBody>
-      </p:sp>
-      <p:sp>
-        <p:nvSpPr>
-          <p:cNvPr id="3" name="Slide Number Placeholder 2"/>
-          <p:cNvSpPr>
-            <a:spLocks noGrp="1"/>
-          </p:cNvSpPr>
-          <p:nvPr>
-            <p:ph type="sldNum" sz="quarter" idx="11"/>
-          </p:nvPr>
-        </p:nvSpPr>
-        <p:spPr/>
-        <p:txBody>
-          <a:bodyPr>
-            <a:normAutofit/>
-          </a:bodyPr>
-          <a:lstStyle/>
-          <a:p>
-            <a:fld id="{1AD93096-5B34-4342-9326-69289CEAE4C2}" type="slidenum">
-              <a:rPr lang="en-US" smtClean="0"/>
-              <a:pPr/>
-              <a:t>24</a:t>
             </a:fld>
             <a:endParaRPr lang="en-US" dirty="0">
               <a:solidFill>
@@ -8682,90 +12440,454 @@
           <a:lstStyle/>
           <a:p>
             <a:r>
-              <a:rPr lang="en-US"/>
+              <a:rPr lang="en-US" dirty="0" err="1"/>
               <a:t>V</a:t>
             </a:r>
             <a:r>
-              <a:rPr lang="en-US" smtClean="0"/>
-              <a:t>iệc </a:t>
-            </a:r>
-            <a:r>
-              <a:rPr lang="en-US"/>
-              <a:t>tổ chức và lưu trữ thông tin </a:t>
-            </a:r>
-            <a:r>
-              <a:rPr lang="en-US" smtClean="0"/>
-              <a:t>đa </a:t>
-            </a:r>
-            <a:r>
-              <a:rPr lang="en-US"/>
-              <a:t>dạng </a:t>
-            </a:r>
-            <a:endParaRPr lang="en-US" smtClean="0"/>
-          </a:p>
-          <a:p>
-            <a:r>
-              <a:rPr lang="en-US"/>
+              <a:rPr lang="en-US" dirty="0" err="1" smtClean="0"/>
+              <a:t>iệc</a:t>
+            </a:r>
+            <a:r>
+              <a:rPr lang="en-US" dirty="0" smtClean="0"/>
+              <a:t> </a:t>
+            </a:r>
+            <a:r>
+              <a:rPr lang="en-US" dirty="0" err="1"/>
+              <a:t>tổ</a:t>
+            </a:r>
+            <a:r>
+              <a:rPr lang="en-US" dirty="0"/>
+              <a:t> </a:t>
+            </a:r>
+            <a:r>
+              <a:rPr lang="en-US" dirty="0" err="1"/>
+              <a:t>chức</a:t>
+            </a:r>
+            <a:r>
+              <a:rPr lang="en-US" dirty="0"/>
+              <a:t> </a:t>
+            </a:r>
+            <a:r>
+              <a:rPr lang="en-US" dirty="0" err="1"/>
+              <a:t>và</a:t>
+            </a:r>
+            <a:r>
+              <a:rPr lang="en-US" dirty="0"/>
+              <a:t> </a:t>
+            </a:r>
+            <a:r>
+              <a:rPr lang="en-US" dirty="0" err="1"/>
+              <a:t>lưu</a:t>
+            </a:r>
+            <a:r>
+              <a:rPr lang="en-US" dirty="0"/>
+              <a:t> </a:t>
+            </a:r>
+            <a:r>
+              <a:rPr lang="en-US" dirty="0" err="1"/>
+              <a:t>trữ</a:t>
+            </a:r>
+            <a:r>
+              <a:rPr lang="en-US" dirty="0"/>
+              <a:t> </a:t>
+            </a:r>
+            <a:r>
+              <a:rPr lang="en-US" dirty="0" err="1"/>
+              <a:t>thông</a:t>
+            </a:r>
+            <a:r>
+              <a:rPr lang="en-US" dirty="0"/>
+              <a:t> tin </a:t>
+            </a:r>
+            <a:r>
+              <a:rPr lang="en-US" dirty="0" err="1" smtClean="0"/>
+              <a:t>đa</a:t>
+            </a:r>
+            <a:r>
+              <a:rPr lang="en-US" dirty="0" smtClean="0"/>
+              <a:t> </a:t>
+            </a:r>
+            <a:r>
+              <a:rPr lang="en-US" dirty="0" err="1"/>
+              <a:t>dạng</a:t>
+            </a:r>
+            <a:r>
+              <a:rPr lang="en-US" dirty="0"/>
+              <a:t> </a:t>
+            </a:r>
+            <a:endParaRPr lang="en-US" dirty="0" smtClean="0"/>
+          </a:p>
+          <a:p>
+            <a:r>
+              <a:rPr lang="en-US" dirty="0" err="1"/>
               <a:t>P</a:t>
             </a:r>
             <a:r>
-              <a:rPr lang="en-US" smtClean="0"/>
-              <a:t>hụ </a:t>
-            </a:r>
-            <a:r>
-              <a:rPr lang="en-US"/>
-              <a:t>thuộc vào đặc thù của đối tượng thông tin </a:t>
-            </a:r>
-            <a:r>
-              <a:rPr lang="en-US" smtClean="0"/>
-              <a:t>và </a:t>
-            </a:r>
-            <a:r>
-              <a:rPr lang="en-US"/>
-              <a:t>chiến lược của nhà phát triển phần mềm. </a:t>
-            </a:r>
-            <a:endParaRPr lang="en-US" smtClean="0"/>
-          </a:p>
-          <a:p>
-            <a:endParaRPr lang="en-US"/>
+              <a:rPr lang="en-US" dirty="0" err="1" smtClean="0"/>
+              <a:t>hụ</a:t>
+            </a:r>
+            <a:r>
+              <a:rPr lang="en-US" dirty="0" smtClean="0"/>
+              <a:t> </a:t>
+            </a:r>
+            <a:r>
+              <a:rPr lang="en-US" dirty="0" err="1"/>
+              <a:t>thuộc</a:t>
+            </a:r>
+            <a:r>
+              <a:rPr lang="en-US" dirty="0"/>
+              <a:t> </a:t>
+            </a:r>
+            <a:r>
+              <a:rPr lang="en-US" dirty="0" err="1"/>
+              <a:t>vào</a:t>
+            </a:r>
+            <a:r>
+              <a:rPr lang="en-US" dirty="0"/>
+              <a:t> </a:t>
+            </a:r>
+            <a:r>
+              <a:rPr lang="en-US" dirty="0" err="1"/>
+              <a:t>đặc</a:t>
+            </a:r>
+            <a:r>
+              <a:rPr lang="en-US" dirty="0"/>
+              <a:t> </a:t>
+            </a:r>
+            <a:r>
+              <a:rPr lang="en-US" dirty="0" err="1"/>
+              <a:t>thù</a:t>
+            </a:r>
+            <a:r>
+              <a:rPr lang="en-US" dirty="0"/>
+              <a:t> </a:t>
+            </a:r>
+            <a:r>
+              <a:rPr lang="en-US" dirty="0" err="1"/>
+              <a:t>của</a:t>
+            </a:r>
+            <a:r>
+              <a:rPr lang="en-US" dirty="0"/>
+              <a:t> </a:t>
+            </a:r>
+            <a:r>
+              <a:rPr lang="en-US" dirty="0" err="1"/>
+              <a:t>đối</a:t>
+            </a:r>
+            <a:r>
+              <a:rPr lang="en-US" dirty="0"/>
+              <a:t> </a:t>
+            </a:r>
+            <a:r>
+              <a:rPr lang="en-US" dirty="0" err="1"/>
+              <a:t>tượng</a:t>
+            </a:r>
+            <a:r>
+              <a:rPr lang="en-US" dirty="0"/>
+              <a:t> </a:t>
+            </a:r>
+            <a:r>
+              <a:rPr lang="en-US" dirty="0" err="1"/>
+              <a:t>thông</a:t>
+            </a:r>
+            <a:r>
+              <a:rPr lang="en-US" dirty="0"/>
+              <a:t> tin </a:t>
+            </a:r>
+            <a:r>
+              <a:rPr lang="en-US" dirty="0" err="1" smtClean="0"/>
+              <a:t>và</a:t>
+            </a:r>
+            <a:r>
+              <a:rPr lang="en-US" dirty="0" smtClean="0"/>
+              <a:t> </a:t>
+            </a:r>
+            <a:r>
+              <a:rPr lang="en-US" dirty="0" err="1"/>
+              <a:t>chiến</a:t>
+            </a:r>
+            <a:r>
+              <a:rPr lang="en-US" dirty="0"/>
+              <a:t> </a:t>
+            </a:r>
+            <a:r>
+              <a:rPr lang="en-US" dirty="0" err="1"/>
+              <a:t>lược</a:t>
+            </a:r>
+            <a:r>
+              <a:rPr lang="en-US" dirty="0"/>
+              <a:t> </a:t>
+            </a:r>
+            <a:r>
+              <a:rPr lang="en-US" dirty="0" err="1"/>
+              <a:t>của</a:t>
+            </a:r>
+            <a:r>
+              <a:rPr lang="en-US" dirty="0"/>
+              <a:t> </a:t>
+            </a:r>
+            <a:r>
+              <a:rPr lang="en-US" dirty="0" err="1"/>
+              <a:t>nhà</a:t>
+            </a:r>
+            <a:r>
+              <a:rPr lang="en-US" dirty="0"/>
+              <a:t> </a:t>
+            </a:r>
+            <a:r>
+              <a:rPr lang="en-US" dirty="0" err="1"/>
+              <a:t>phát</a:t>
+            </a:r>
+            <a:r>
+              <a:rPr lang="en-US" dirty="0"/>
+              <a:t> </a:t>
+            </a:r>
+            <a:r>
+              <a:rPr lang="en-US" dirty="0" err="1"/>
+              <a:t>triển</a:t>
+            </a:r>
+            <a:r>
+              <a:rPr lang="en-US" dirty="0"/>
+              <a:t> </a:t>
+            </a:r>
+            <a:r>
+              <a:rPr lang="en-US" dirty="0" err="1"/>
+              <a:t>phần</a:t>
+            </a:r>
+            <a:r>
+              <a:rPr lang="en-US" dirty="0"/>
+              <a:t> </a:t>
+            </a:r>
+            <a:r>
+              <a:rPr lang="en-US" dirty="0" err="1"/>
+              <a:t>mềm</a:t>
+            </a:r>
+            <a:r>
+              <a:rPr lang="en-US" dirty="0"/>
+              <a:t>. </a:t>
+            </a:r>
+            <a:endParaRPr lang="en-US" dirty="0" smtClean="0"/>
+          </a:p>
+          <a:p>
+            <a:endParaRPr lang="en-US" dirty="0"/>
           </a:p>
           <a:p>
             <a:pPr marL="0" indent="0">
               <a:buNone/>
             </a:pPr>
             <a:r>
-              <a:rPr lang="en-US"/>
-              <a:t> </a:t>
-            </a:r>
-            <a:r>
-              <a:rPr lang="en-US" smtClean="0"/>
-              <a:t>   Làm </a:t>
-            </a:r>
-            <a:r>
-              <a:rPr lang="en-US"/>
-              <a:t>thế nào thiết kế một </a:t>
-            </a:r>
-            <a:r>
-              <a:rPr lang="en-US" i="1"/>
-              <a:t>kiến trúc phần mềm </a:t>
-            </a:r>
-            <a:r>
-              <a:rPr lang="en-US"/>
-              <a:t>dùng chung có thể đáp ứng khả năng tổ chức thông tin một cách </a:t>
-            </a:r>
-            <a:r>
-              <a:rPr lang="en-US" i="1"/>
-              <a:t>linh </a:t>
-            </a:r>
-            <a:r>
-              <a:rPr lang="en-US" i="1" smtClean="0"/>
-              <a:t>hoạt </a:t>
-            </a:r>
-            <a:r>
-              <a:rPr lang="en-US" smtClean="0"/>
+              <a:rPr lang="en-US" dirty="0"/>
+              <a:t> </a:t>
+            </a:r>
+            <a:r>
+              <a:rPr lang="en-US" dirty="0" smtClean="0"/>
+              <a:t>   </a:t>
+            </a:r>
+            <a:r>
+              <a:rPr lang="en-US" dirty="0" err="1" smtClean="0"/>
+              <a:t>Làm</a:t>
+            </a:r>
+            <a:r>
+              <a:rPr lang="en-US" dirty="0" smtClean="0"/>
+              <a:t> </a:t>
+            </a:r>
+            <a:r>
+              <a:rPr lang="en-US" dirty="0" err="1"/>
+              <a:t>thế</a:t>
+            </a:r>
+            <a:r>
+              <a:rPr lang="en-US" dirty="0"/>
+              <a:t> </a:t>
+            </a:r>
+            <a:r>
+              <a:rPr lang="en-US" dirty="0" err="1"/>
+              <a:t>nào</a:t>
+            </a:r>
+            <a:r>
+              <a:rPr lang="en-US" dirty="0"/>
+              <a:t> </a:t>
+            </a:r>
+            <a:r>
+              <a:rPr lang="en-US" dirty="0" err="1"/>
+              <a:t>thiết</a:t>
+            </a:r>
+            <a:r>
+              <a:rPr lang="en-US" dirty="0"/>
+              <a:t> </a:t>
+            </a:r>
+            <a:r>
+              <a:rPr lang="en-US" dirty="0" err="1"/>
+              <a:t>kế</a:t>
+            </a:r>
+            <a:r>
+              <a:rPr lang="en-US" dirty="0"/>
+              <a:t> </a:t>
+            </a:r>
+            <a:r>
+              <a:rPr lang="en-US" dirty="0" err="1"/>
+              <a:t>một</a:t>
+            </a:r>
+            <a:r>
+              <a:rPr lang="en-US" dirty="0"/>
+              <a:t> </a:t>
+            </a:r>
+            <a:r>
+              <a:rPr lang="en-US" i="1" dirty="0" err="1"/>
+              <a:t>kiến</a:t>
+            </a:r>
+            <a:r>
+              <a:rPr lang="en-US" i="1" dirty="0"/>
+              <a:t> </a:t>
+            </a:r>
+            <a:r>
+              <a:rPr lang="en-US" i="1" dirty="0" err="1"/>
+              <a:t>trúc</a:t>
+            </a:r>
+            <a:r>
+              <a:rPr lang="en-US" i="1" dirty="0"/>
+              <a:t> </a:t>
+            </a:r>
+            <a:r>
+              <a:rPr lang="en-US" i="1" dirty="0" err="1"/>
+              <a:t>phần</a:t>
+            </a:r>
+            <a:r>
+              <a:rPr lang="en-US" i="1" dirty="0"/>
+              <a:t> </a:t>
+            </a:r>
+            <a:r>
+              <a:rPr lang="en-US" i="1" dirty="0" err="1"/>
+              <a:t>mềm</a:t>
+            </a:r>
+            <a:r>
+              <a:rPr lang="en-US" i="1" dirty="0"/>
+              <a:t> </a:t>
+            </a:r>
+            <a:r>
+              <a:rPr lang="en-US" dirty="0" err="1"/>
+              <a:t>dùng</a:t>
+            </a:r>
+            <a:r>
+              <a:rPr lang="en-US" dirty="0"/>
+              <a:t> </a:t>
+            </a:r>
+            <a:r>
+              <a:rPr lang="en-US" dirty="0" err="1"/>
+              <a:t>chung</a:t>
+            </a:r>
+            <a:r>
+              <a:rPr lang="en-US" dirty="0"/>
+              <a:t> </a:t>
+            </a:r>
+            <a:r>
+              <a:rPr lang="en-US" dirty="0" err="1"/>
+              <a:t>có</a:t>
+            </a:r>
+            <a:r>
+              <a:rPr lang="en-US" dirty="0"/>
+              <a:t> </a:t>
+            </a:r>
+            <a:r>
+              <a:rPr lang="en-US" dirty="0" err="1"/>
+              <a:t>thể</a:t>
+            </a:r>
+            <a:r>
+              <a:rPr lang="en-US" dirty="0"/>
+              <a:t> </a:t>
+            </a:r>
+            <a:r>
+              <a:rPr lang="en-US" dirty="0" err="1"/>
+              <a:t>đáp</a:t>
+            </a:r>
+            <a:r>
+              <a:rPr lang="en-US" dirty="0"/>
+              <a:t> </a:t>
+            </a:r>
+            <a:r>
+              <a:rPr lang="en-US" dirty="0" err="1"/>
+              <a:t>ứng</a:t>
+            </a:r>
+            <a:r>
+              <a:rPr lang="en-US" dirty="0"/>
+              <a:t> </a:t>
+            </a:r>
+            <a:r>
+              <a:rPr lang="en-US" dirty="0" err="1"/>
+              <a:t>khả</a:t>
+            </a:r>
+            <a:r>
+              <a:rPr lang="en-US" dirty="0"/>
+              <a:t> </a:t>
+            </a:r>
+            <a:r>
+              <a:rPr lang="en-US" dirty="0" err="1"/>
+              <a:t>năng</a:t>
+            </a:r>
+            <a:r>
+              <a:rPr lang="en-US" dirty="0"/>
+              <a:t> </a:t>
+            </a:r>
+            <a:r>
+              <a:rPr lang="en-US" dirty="0" err="1"/>
+              <a:t>tổ</a:t>
+            </a:r>
+            <a:r>
+              <a:rPr lang="en-US" dirty="0"/>
+              <a:t> </a:t>
+            </a:r>
+            <a:r>
+              <a:rPr lang="en-US" dirty="0" err="1"/>
+              <a:t>chức</a:t>
+            </a:r>
+            <a:r>
+              <a:rPr lang="en-US" dirty="0"/>
+              <a:t> </a:t>
+            </a:r>
+            <a:r>
+              <a:rPr lang="en-US" dirty="0" err="1"/>
+              <a:t>thông</a:t>
+            </a:r>
+            <a:r>
+              <a:rPr lang="en-US" dirty="0"/>
+              <a:t> tin </a:t>
+            </a:r>
+            <a:r>
+              <a:rPr lang="en-US" dirty="0" err="1"/>
+              <a:t>một</a:t>
+            </a:r>
+            <a:r>
+              <a:rPr lang="en-US" dirty="0"/>
+              <a:t> </a:t>
+            </a:r>
+            <a:r>
+              <a:rPr lang="en-US" dirty="0" err="1"/>
+              <a:t>cách</a:t>
+            </a:r>
+            <a:r>
+              <a:rPr lang="en-US" dirty="0"/>
+              <a:t> </a:t>
+            </a:r>
+            <a:r>
+              <a:rPr lang="en-US" i="1" dirty="0" err="1"/>
+              <a:t>linh</a:t>
+            </a:r>
+            <a:r>
+              <a:rPr lang="en-US" i="1" dirty="0"/>
+              <a:t> </a:t>
+            </a:r>
+            <a:r>
+              <a:rPr lang="en-US" i="1" dirty="0" err="1" smtClean="0"/>
+              <a:t>hoạt</a:t>
+            </a:r>
+            <a:r>
+              <a:rPr lang="en-US" i="1" dirty="0" smtClean="0"/>
+              <a:t> </a:t>
+            </a:r>
+            <a:r>
+              <a:rPr lang="en-US" dirty="0" smtClean="0"/>
               <a:t>?</a:t>
             </a:r>
-            <a:endParaRPr lang="en-US"/>
+            <a:endParaRPr lang="en-US" dirty="0"/>
           </a:p>
         </p:txBody>
       </p:sp>
@@ -8848,7 +12970,7 @@
       </p:grpSpPr>
       <p:sp>
         <p:nvSpPr>
-          <p:cNvPr id="5" name="Title 4"/>
+          <p:cNvPr id="2" name="Title 1"/>
           <p:cNvSpPr>
             <a:spLocks noGrp="1"/>
           </p:cNvSpPr>
@@ -8858,9 +12980,7 @@
         </p:nvSpPr>
         <p:spPr/>
         <p:txBody>
-          <a:bodyPr>
-            <a:normAutofit/>
-          </a:bodyPr>
+          <a:bodyPr/>
           <a:lstStyle/>
           <a:p>
             <a:r>
@@ -8893,7 +13013,7 @@
             </a:r>
             <a:r>
               <a:rPr lang="en-US" dirty="0" smtClean="0"/>
-              <a:t> #1</a:t>
+              <a:t> #2</a:t>
             </a:r>
             <a:endParaRPr lang="vi-VN" dirty="0"/>
           </a:p>
@@ -8901,7 +13021,7 @@
       </p:sp>
       <p:sp>
         <p:nvSpPr>
-          <p:cNvPr id="4" name="Slide Number Placeholder 3"/>
+          <p:cNvPr id="3" name="Slide Number Placeholder 2"/>
           <p:cNvSpPr>
             <a:spLocks noGrp="1"/>
           </p:cNvSpPr>
@@ -8916,13 +13036,12 @@
           </a:bodyPr>
           <a:lstStyle/>
           <a:p>
-            <a:pPr algn="ctr"/>
             <a:fld id="{1AD93096-5B34-4342-9326-69289CEAE4C2}" type="slidenum">
               <a:rPr lang="en-US" smtClean="0"/>
-              <a:pPr algn="ctr"/>
+              <a:pPr/>
               <a:t>5</a:t>
             </a:fld>
-            <a:endParaRPr lang="en-US" sz="2400" dirty="0">
+            <a:endParaRPr lang="en-US" dirty="0">
               <a:solidFill>
                 <a:srgbClr val="FFFFFF"/>
               </a:solidFill>
@@ -8932,7 +13051,7 @@
       </p:sp>
       <p:sp>
         <p:nvSpPr>
-          <p:cNvPr id="2" name="Content Placeholder 1"/>
+          <p:cNvPr id="4" name="Content Placeholder 3"/>
           <p:cNvSpPr>
             <a:spLocks noGrp="1"/>
           </p:cNvSpPr>
@@ -8942,39 +13061,165 @@
         </p:nvSpPr>
         <p:spPr/>
         <p:txBody>
-          <a:bodyPr>
-            <a:normAutofit/>
-          </a:bodyPr>
+          <a:bodyPr/>
           <a:lstStyle/>
           <a:p>
             <a:r>
-              <a:rPr lang="en-US" smtClean="0"/>
-              <a:t>Xây dựng </a:t>
-            </a:r>
-            <a:r>
-              <a:rPr lang="en-US"/>
-              <a:t>kiến trúc phần mềm dùng chung có khả năng tổ chức thông tin một cách linh hoạt, có </a:t>
-            </a:r>
-            <a:r>
-              <a:rPr lang="en-US" smtClean="0"/>
-              <a:t>thể áp </a:t>
-            </a:r>
-            <a:r>
-              <a:rPr lang="en-US"/>
-              <a:t>dụng cho nhiều phần mềm, nhiều nghiệp vụ khác nhau mà vẫn đảm bảo được khả năng so khớp giữa những các thông tin nội tại đó</a:t>
-            </a:r>
-            <a:r>
-              <a:rPr lang="en-US" smtClean="0"/>
+              <a:rPr lang="en-US" dirty="0" smtClean="0"/>
+              <a:t>So </a:t>
+            </a:r>
+            <a:r>
+              <a:rPr lang="en-US" dirty="0" err="1" smtClean="0"/>
+              <a:t>sánh</a:t>
+            </a:r>
+            <a:r>
+              <a:rPr lang="en-US" dirty="0" smtClean="0"/>
+              <a:t> </a:t>
+            </a:r>
+            <a:r>
+              <a:rPr lang="en-US" dirty="0" err="1" smtClean="0"/>
+              <a:t>mức</a:t>
+            </a:r>
+            <a:r>
+              <a:rPr lang="en-US" dirty="0" smtClean="0"/>
+              <a:t> </a:t>
+            </a:r>
+            <a:r>
+              <a:rPr lang="en-US" dirty="0" err="1" smtClean="0"/>
+              <a:t>độ</a:t>
+            </a:r>
+            <a:r>
+              <a:rPr lang="en-US" dirty="0" smtClean="0"/>
+              <a:t> </a:t>
+            </a:r>
+            <a:r>
+              <a:rPr lang="en-US" dirty="0" err="1" smtClean="0"/>
+              <a:t>tương</a:t>
+            </a:r>
+            <a:r>
+              <a:rPr lang="en-US" dirty="0" smtClean="0"/>
+              <a:t> </a:t>
+            </a:r>
+            <a:r>
+              <a:rPr lang="en-US" dirty="0" err="1" smtClean="0"/>
+              <a:t>quan</a:t>
+            </a:r>
+            <a:r>
+              <a:rPr lang="en-US" dirty="0" smtClean="0"/>
+              <a:t> </a:t>
+            </a:r>
+            <a:r>
+              <a:rPr lang="en-US" dirty="0" err="1" smtClean="0"/>
+              <a:t>giữa</a:t>
+            </a:r>
+            <a:r>
+              <a:rPr lang="en-US" dirty="0" smtClean="0"/>
+              <a:t> </a:t>
+            </a:r>
+            <a:r>
+              <a:rPr lang="en-US" dirty="0" err="1" smtClean="0"/>
+              <a:t>các</a:t>
+            </a:r>
+            <a:r>
+              <a:rPr lang="en-US" dirty="0" smtClean="0"/>
+              <a:t> </a:t>
+            </a:r>
+            <a:r>
+              <a:rPr lang="en-US" dirty="0" err="1" smtClean="0"/>
+              <a:t>thông</a:t>
+            </a:r>
+            <a:r>
+              <a:rPr lang="en-US" dirty="0" smtClean="0"/>
+              <a:t> tin </a:t>
+            </a:r>
+            <a:r>
+              <a:rPr lang="en-US" dirty="0" err="1" smtClean="0"/>
+              <a:t>với</a:t>
+            </a:r>
+            <a:r>
+              <a:rPr lang="en-US" dirty="0" smtClean="0"/>
+              <a:t> </a:t>
+            </a:r>
+            <a:r>
+              <a:rPr lang="en-US" dirty="0" err="1" smtClean="0"/>
+              <a:t>nhau</a:t>
+            </a:r>
+            <a:r>
+              <a:rPr lang="en-US" dirty="0" smtClean="0"/>
               <a:t>.</a:t>
             </a:r>
-            <a:endParaRPr lang="en-US"/>
-          </a:p>
-        </p:txBody>
-      </p:sp>
+            <a:endParaRPr lang="vi-VN" dirty="0"/>
+          </a:p>
+        </p:txBody>
+      </p:sp>
+      <p:pic>
+        <p:nvPicPr>
+          <p:cNvPr id="5" name="Picture 10"/>
+          <p:cNvPicPr>
+            <a:picLocks noChangeAspect="1" noChangeArrowheads="1"/>
+          </p:cNvPicPr>
+          <p:nvPr/>
+        </p:nvPicPr>
+        <p:blipFill>
+          <a:blip r:embed="rId2">
+            <a:extLst>
+              <a:ext uri="{28A0092B-C50C-407E-A947-70E740481C1C}">
+                <a14:useLocalDpi xmlns:a14="http://schemas.microsoft.com/office/drawing/2010/main" val="0"/>
+              </a:ext>
+            </a:extLst>
+          </a:blip>
+          <a:srcRect/>
+          <a:stretch>
+            <a:fillRect/>
+          </a:stretch>
+        </p:blipFill>
+        <p:spPr bwMode="auto">
+          <a:xfrm>
+            <a:off x="2771800" y="3501008"/>
+            <a:ext cx="3192873" cy="1922353"/>
+          </a:xfrm>
+          <a:prstGeom prst="rect">
+            <a:avLst/>
+          </a:prstGeom>
+          <a:noFill/>
+          <a:ln>
+            <a:noFill/>
+          </a:ln>
+          <a:effectLst/>
+          <a:extLst>
+            <a:ext uri="{909E8E84-426E-40DD-AFC4-6F175D3DCCD1}">
+              <a14:hiddenFill xmlns:a14="http://schemas.microsoft.com/office/drawing/2010/main">
+                <a:solidFill>
+                  <a:schemeClr val="accent1"/>
+                </a:solidFill>
+              </a14:hiddenFill>
+            </a:ext>
+            <a:ext uri="{91240B29-F687-4F45-9708-019B960494DF}">
+              <a14:hiddenLine xmlns:a14="http://schemas.microsoft.com/office/drawing/2010/main" w="9525">
+                <a:solidFill>
+                  <a:schemeClr val="tx1"/>
+                </a:solidFill>
+                <a:miter lim="800000"/>
+                <a:headEnd/>
+                <a:tailEnd/>
+              </a14:hiddenLine>
+            </a:ext>
+            <a:ext uri="{AF507438-7753-43E0-B8FC-AC1667EBCBE1}">
+              <a14:hiddenEffects xmlns:a14="http://schemas.microsoft.com/office/drawing/2010/main">
+                <a:effectLst>
+                  <a:outerShdw dist="35921" dir="2700000" algn="ctr" rotWithShape="0">
+                    <a:schemeClr val="bg2"/>
+                  </a:outerShdw>
+                </a:effectLst>
+              </a14:hiddenEffects>
+            </a:ext>
+          </a:extLst>
+        </p:spPr>
+      </p:pic>
     </p:spTree>
     <p:extLst>
       <p:ext uri="{BB962C8B-B14F-4D97-AF65-F5344CB8AC3E}">
-        <p14:creationId xmlns:p14="http://schemas.microsoft.com/office/powerpoint/2010/main" val="816399148"/>
+        <p14:creationId xmlns:p14="http://schemas.microsoft.com/office/powerpoint/2010/main" val="4107862945"/>
       </p:ext>
     </p:extLst>
   </p:cSld>
@@ -9053,7 +13298,7 @@
             </a:r>
             <a:r>
               <a:rPr lang="en-US" dirty="0" smtClean="0"/>
-              <a:t> #2</a:t>
+              <a:t> #3</a:t>
             </a:r>
             <a:endParaRPr lang="vi-VN" dirty="0"/>
           </a:p>
@@ -9089,10 +13334,129 @@
           </a:p>
         </p:txBody>
       </p:sp>
+      <p:sp>
+        <p:nvSpPr>
+          <p:cNvPr id="4" name="Content Placeholder 3"/>
+          <p:cNvSpPr>
+            <a:spLocks noGrp="1"/>
+          </p:cNvSpPr>
+          <p:nvPr>
+            <p:ph sz="quarter" idx="1"/>
+          </p:nvPr>
+        </p:nvSpPr>
+        <p:spPr/>
+        <p:txBody>
+          <a:bodyPr/>
+          <a:lstStyle/>
+          <a:p>
+            <a:r>
+              <a:rPr lang="en-US" dirty="0" err="1" smtClean="0"/>
+              <a:t>Hỗ</a:t>
+            </a:r>
+            <a:r>
+              <a:rPr lang="en-US" dirty="0" smtClean="0"/>
+              <a:t> </a:t>
+            </a:r>
+            <a:r>
+              <a:rPr lang="en-US" dirty="0" err="1" smtClean="0"/>
+              <a:t>trợ</a:t>
+            </a:r>
+            <a:r>
+              <a:rPr lang="en-US" dirty="0" smtClean="0"/>
+              <a:t> </a:t>
+            </a:r>
+            <a:r>
+              <a:rPr lang="en-US" dirty="0" err="1" smtClean="0"/>
+              <a:t>ra</a:t>
+            </a:r>
+            <a:r>
+              <a:rPr lang="en-US" dirty="0" smtClean="0"/>
+              <a:t> </a:t>
+            </a:r>
+            <a:r>
+              <a:rPr lang="en-US" dirty="0" err="1" smtClean="0"/>
+              <a:t>quyết</a:t>
+            </a:r>
+            <a:r>
+              <a:rPr lang="en-US" dirty="0" smtClean="0"/>
+              <a:t> </a:t>
+            </a:r>
+            <a:r>
+              <a:rPr lang="en-US" dirty="0" err="1" smtClean="0"/>
+              <a:t>định</a:t>
+            </a:r>
+            <a:endParaRPr lang="vi-VN" dirty="0"/>
+          </a:p>
+        </p:txBody>
+      </p:sp>
+      <p:pic>
+        <p:nvPicPr>
+          <p:cNvPr id="6149" name="Picture 5"/>
+          <p:cNvPicPr>
+            <a:picLocks noChangeAspect="1" noChangeArrowheads="1"/>
+          </p:cNvPicPr>
+          <p:nvPr/>
+        </p:nvPicPr>
+        <p:blipFill>
+          <a:blip r:embed="rId2">
+            <a:extLst>
+              <a:ext uri="{28A0092B-C50C-407E-A947-70E740481C1C}">
+                <a14:useLocalDpi xmlns:a14="http://schemas.microsoft.com/office/drawing/2010/main" val="0"/>
+              </a:ext>
+            </a:extLst>
+          </a:blip>
+          <a:srcRect/>
+          <a:stretch>
+            <a:fillRect/>
+          </a:stretch>
+        </p:blipFill>
+        <p:spPr bwMode="auto">
+          <a:xfrm>
+            <a:off x="0" y="4293096"/>
+            <a:ext cx="2987976" cy="2569659"/>
+          </a:xfrm>
+          <a:prstGeom prst="rect">
+            <a:avLst/>
+          </a:prstGeom>
+          <a:noFill/>
+          <a:ln>
+            <a:noFill/>
+          </a:ln>
+          <a:effectLst/>
+          <a:extLst>
+            <a:ext uri="{909E8E84-426E-40DD-AFC4-6F175D3DCCD1}">
+              <a14:hiddenFill xmlns:a14="http://schemas.microsoft.com/office/drawing/2010/main">
+                <a:solidFill>
+                  <a:schemeClr val="accent1"/>
+                </a:solidFill>
+              </a14:hiddenFill>
+            </a:ext>
+            <a:ext uri="{91240B29-F687-4F45-9708-019B960494DF}">
+              <a14:hiddenLine xmlns:a14="http://schemas.microsoft.com/office/drawing/2010/main" w="9525">
+                <a:solidFill>
+                  <a:schemeClr val="tx1"/>
+                </a:solidFill>
+                <a:miter lim="800000"/>
+                <a:headEnd/>
+                <a:tailEnd/>
+              </a14:hiddenLine>
+            </a:ext>
+            <a:ext uri="{AF507438-7753-43E0-B8FC-AC1667EBCBE1}">
+              <a14:hiddenEffects xmlns:a14="http://schemas.microsoft.com/office/drawing/2010/main">
+                <a:effectLst>
+                  <a:outerShdw dist="35921" dir="2700000" algn="ctr" rotWithShape="0">
+                    <a:schemeClr val="bg2"/>
+                  </a:outerShdw>
+                </a:effectLst>
+              </a14:hiddenEffects>
+            </a:ext>
+          </a:extLst>
+        </p:spPr>
+      </p:pic>
     </p:spTree>
     <p:extLst>
       <p:ext uri="{BB962C8B-B14F-4D97-AF65-F5344CB8AC3E}">
-        <p14:creationId xmlns:p14="http://schemas.microsoft.com/office/powerpoint/2010/main" val="4107862945"/>
+        <p14:creationId xmlns:p14="http://schemas.microsoft.com/office/powerpoint/2010/main" val="2379150528"/>
       </p:ext>
     </p:extLst>
   </p:cSld>
@@ -9128,124 +13492,6 @@
       </p:grpSpPr>
       <p:sp>
         <p:nvSpPr>
-          <p:cNvPr id="2" name="Title 1"/>
-          <p:cNvSpPr>
-            <a:spLocks noGrp="1"/>
-          </p:cNvSpPr>
-          <p:nvPr>
-            <p:ph type="title"/>
-          </p:nvPr>
-        </p:nvSpPr>
-        <p:spPr/>
-        <p:txBody>
-          <a:bodyPr/>
-          <a:lstStyle/>
-          <a:p>
-            <a:r>
-              <a:rPr lang="en-US" dirty="0" err="1" smtClean="0"/>
-              <a:t>Bài</a:t>
-            </a:r>
-            <a:r>
-              <a:rPr lang="en-US" dirty="0" smtClean="0"/>
-              <a:t> </a:t>
-            </a:r>
-            <a:r>
-              <a:rPr lang="en-US" dirty="0" err="1" smtClean="0"/>
-              <a:t>toán</a:t>
-            </a:r>
-            <a:r>
-              <a:rPr lang="en-US" dirty="0" smtClean="0"/>
-              <a:t> </a:t>
-            </a:r>
-            <a:r>
-              <a:rPr lang="en-US" dirty="0" err="1" smtClean="0"/>
-              <a:t>kiến</a:t>
-            </a:r>
-            <a:r>
-              <a:rPr lang="en-US" dirty="0" smtClean="0"/>
-              <a:t> </a:t>
-            </a:r>
-            <a:r>
-              <a:rPr lang="en-US" dirty="0" err="1" smtClean="0"/>
-              <a:t>trúc</a:t>
-            </a:r>
-            <a:r>
-              <a:rPr lang="en-US" dirty="0" smtClean="0"/>
-              <a:t> #3</a:t>
-            </a:r>
-            <a:endParaRPr lang="vi-VN" dirty="0"/>
-          </a:p>
-        </p:txBody>
-      </p:sp>
-      <p:sp>
-        <p:nvSpPr>
-          <p:cNvPr id="3" name="Slide Number Placeholder 2"/>
-          <p:cNvSpPr>
-            <a:spLocks noGrp="1"/>
-          </p:cNvSpPr>
-          <p:nvPr>
-            <p:ph type="sldNum" sz="quarter" idx="12"/>
-          </p:nvPr>
-        </p:nvSpPr>
-        <p:spPr/>
-        <p:txBody>
-          <a:bodyPr>
-            <a:normAutofit fontScale="85000" lnSpcReduction="20000"/>
-          </a:bodyPr>
-          <a:lstStyle/>
-          <a:p>
-            <a:fld id="{1AD93096-5B34-4342-9326-69289CEAE4C2}" type="slidenum">
-              <a:rPr lang="en-US" smtClean="0"/>
-              <a:pPr/>
-              <a:t>7</a:t>
-            </a:fld>
-            <a:endParaRPr lang="en-US" dirty="0">
-              <a:solidFill>
-                <a:srgbClr val="FFFFFF"/>
-              </a:solidFill>
-            </a:endParaRPr>
-          </a:p>
-        </p:txBody>
-      </p:sp>
-    </p:spTree>
-    <p:extLst>
-      <p:ext uri="{BB962C8B-B14F-4D97-AF65-F5344CB8AC3E}">
-        <p14:creationId xmlns:p14="http://schemas.microsoft.com/office/powerpoint/2010/main" val="2379150528"/>
-      </p:ext>
-    </p:extLst>
-  </p:cSld>
-  <p:clrMapOvr>
-    <a:masterClrMapping/>
-  </p:clrMapOvr>
-  <p:timing>
-    <p:tnLst>
-      <p:par>
-        <p:cTn id="1" dur="indefinite" restart="never" nodeType="tmRoot"/>
-      </p:par>
-    </p:tnLst>
-  </p:timing>
-</p:sld>
-</file>
-
-<file path=ppt/slides/slide8.xml><?xml version="1.0" encoding="utf-8"?>
-<p:sld xmlns:a="http://schemas.openxmlformats.org/drawingml/2006/main" xmlns:r="http://schemas.openxmlformats.org/officeDocument/2006/relationships" xmlns:p="http://schemas.openxmlformats.org/presentationml/2006/main">
-  <p:cSld>
-    <p:spTree>
-      <p:nvGrpSpPr>
-        <p:cNvPr id="1" name=""/>
-        <p:cNvGrpSpPr/>
-        <p:nvPr/>
-      </p:nvGrpSpPr>
-      <p:grpSpPr>
-        <a:xfrm>
-          <a:off x="0" y="0"/>
-          <a:ext cx="0" cy="0"/>
-          <a:chOff x="0" y="0"/>
-          <a:chExt cx="0" cy="0"/>
-        </a:xfrm>
-      </p:grpSpPr>
-      <p:sp>
-        <p:nvSpPr>
           <p:cNvPr id="5" name="Text Placeholder 4"/>
           <p:cNvSpPr>
             <a:spLocks noGrp="1"/>
@@ -9306,7 +13552,7 @@
             <a:fld id="{1AD93096-5B34-4342-9326-69289CEAE4C2}" type="slidenum">
               <a:rPr lang="en-US" smtClean="0"/>
               <a:pPr/>
-              <a:t>8</a:t>
+              <a:t>7</a:t>
             </a:fld>
             <a:endParaRPr lang="en-US" dirty="0">
               <a:solidFill>
@@ -9377,7 +13623,7 @@
 </p:sld>
 </file>
 
-<file path=ppt/slides/slide9.xml><?xml version="1.0" encoding="utf-8"?>
+<file path=ppt/slides/slide8.xml><?xml version="1.0" encoding="utf-8"?>
 <p:sld xmlns:a="http://schemas.openxmlformats.org/drawingml/2006/main" xmlns:r="http://schemas.openxmlformats.org/officeDocument/2006/relationships" xmlns:p="http://schemas.openxmlformats.org/presentationml/2006/main">
   <p:cSld>
     <p:spTree>
@@ -9456,7 +13702,7 @@
             <a:fld id="{1AD93096-5B34-4342-9326-69289CEAE4C2}" type="slidenum">
               <a:rPr lang="en-US" smtClean="0"/>
               <a:pPr algn="ctr"/>
-              <a:t>9</a:t>
+              <a:t>8</a:t>
             </a:fld>
             <a:endParaRPr lang="en-US" sz="2400" dirty="0">
               <a:solidFill>
@@ -9557,6 +13803,145 @@
     <p:extLst>
       <p:ext uri="{BB962C8B-B14F-4D97-AF65-F5344CB8AC3E}">
         <p14:creationId xmlns:p14="http://schemas.microsoft.com/office/powerpoint/2010/main" val="2793530087"/>
+      </p:ext>
+    </p:extLst>
+  </p:cSld>
+  <p:clrMapOvr>
+    <a:masterClrMapping/>
+  </p:clrMapOvr>
+  <p:timing>
+    <p:tnLst>
+      <p:par>
+        <p:cTn id="1" dur="indefinite" restart="never" nodeType="tmRoot"/>
+      </p:par>
+    </p:tnLst>
+  </p:timing>
+</p:sld>
+</file>
+
+<file path=ppt/slides/slide9.xml><?xml version="1.0" encoding="utf-8"?>
+<p:sld xmlns:a="http://schemas.openxmlformats.org/drawingml/2006/main" xmlns:r="http://schemas.openxmlformats.org/officeDocument/2006/relationships" xmlns:p="http://schemas.openxmlformats.org/presentationml/2006/main">
+  <p:cSld>
+    <p:spTree>
+      <p:nvGrpSpPr>
+        <p:cNvPr id="1" name=""/>
+        <p:cNvGrpSpPr/>
+        <p:nvPr/>
+      </p:nvGrpSpPr>
+      <p:grpSpPr>
+        <a:xfrm>
+          <a:off x="0" y="0"/>
+          <a:ext cx="0" cy="0"/>
+          <a:chOff x="0" y="0"/>
+          <a:chExt cx="0" cy="0"/>
+        </a:xfrm>
+      </p:grpSpPr>
+      <p:sp>
+        <p:nvSpPr>
+          <p:cNvPr id="2" name="Title 1"/>
+          <p:cNvSpPr>
+            <a:spLocks noGrp="1"/>
+          </p:cNvSpPr>
+          <p:nvPr>
+            <p:ph type="title"/>
+          </p:nvPr>
+        </p:nvSpPr>
+        <p:spPr/>
+        <p:txBody>
+          <a:bodyPr>
+            <a:normAutofit/>
+          </a:bodyPr>
+          <a:lstStyle/>
+          <a:p>
+            <a:r>
+              <a:rPr lang="en-US" sz="3600" dirty="0" err="1" smtClean="0"/>
+              <a:t>Giải</a:t>
+            </a:r>
+            <a:r>
+              <a:rPr lang="en-US" sz="3600" dirty="0" smtClean="0"/>
+              <a:t> </a:t>
+            </a:r>
+            <a:r>
+              <a:rPr lang="en-US" sz="3600" dirty="0" err="1" smtClean="0"/>
+              <a:t>pháp</a:t>
+            </a:r>
+            <a:r>
+              <a:rPr lang="en-US" sz="3600" dirty="0" smtClean="0"/>
+              <a:t> so </a:t>
+            </a:r>
+            <a:r>
+              <a:rPr lang="en-US" sz="3600" dirty="0" err="1" smtClean="0"/>
+              <a:t>khớp</a:t>
+            </a:r>
+            <a:r>
+              <a:rPr lang="en-US" sz="3600" dirty="0" smtClean="0"/>
+              <a:t> </a:t>
+            </a:r>
+            <a:r>
+              <a:rPr lang="en-US" sz="3600" dirty="0" err="1" smtClean="0"/>
+              <a:t>thông</a:t>
+            </a:r>
+            <a:r>
+              <a:rPr lang="en-US" sz="3600" dirty="0" smtClean="0"/>
+              <a:t> tin</a:t>
+            </a:r>
+            <a:endParaRPr lang="vi-VN" sz="3600" dirty="0"/>
+          </a:p>
+        </p:txBody>
+      </p:sp>
+      <p:sp>
+        <p:nvSpPr>
+          <p:cNvPr id="3" name="Slide Number Placeholder 2"/>
+          <p:cNvSpPr>
+            <a:spLocks noGrp="1"/>
+          </p:cNvSpPr>
+          <p:nvPr>
+            <p:ph type="sldNum" sz="quarter" idx="12"/>
+          </p:nvPr>
+        </p:nvSpPr>
+        <p:spPr/>
+        <p:txBody>
+          <a:bodyPr>
+            <a:normAutofit fontScale="85000" lnSpcReduction="20000"/>
+          </a:bodyPr>
+          <a:lstStyle/>
+          <a:p>
+            <a:fld id="{1AD93096-5B34-4342-9326-69289CEAE4C2}" type="slidenum">
+              <a:rPr lang="en-US" smtClean="0"/>
+              <a:pPr/>
+              <a:t>9</a:t>
+            </a:fld>
+            <a:endParaRPr lang="en-US" dirty="0">
+              <a:solidFill>
+                <a:srgbClr val="FFFFFF"/>
+              </a:solidFill>
+            </a:endParaRPr>
+          </a:p>
+        </p:txBody>
+      </p:sp>
+      <p:sp>
+        <p:nvSpPr>
+          <p:cNvPr id="4" name="Content Placeholder 3"/>
+          <p:cNvSpPr>
+            <a:spLocks noGrp="1"/>
+          </p:cNvSpPr>
+          <p:nvPr>
+            <p:ph sz="quarter" idx="1"/>
+          </p:nvPr>
+        </p:nvSpPr>
+        <p:spPr/>
+        <p:txBody>
+          <a:bodyPr/>
+          <a:lstStyle/>
+          <a:p>
+            <a:endParaRPr lang="vi-VN"/>
+          </a:p>
+        </p:txBody>
+      </p:sp>
+    </p:spTree>
+    <p:extLst>
+      <p:ext uri="{BB962C8B-B14F-4D97-AF65-F5344CB8AC3E}">
+        <p14:creationId xmlns:p14="http://schemas.microsoft.com/office/powerpoint/2010/main" val="1169248967"/>
       </p:ext>
     </p:extLst>
   </p:cSld>

--- a/Documents/JobZoom Presentation.pptx
+++ b/Documents/JobZoom Presentation.pptx
@@ -1275,6 +1275,13 @@
         </dgm:presLayoutVars>
       </dgm:prSet>
       <dgm:spPr/>
+      <dgm:t>
+        <a:bodyPr/>
+        <a:lstStyle/>
+        <a:p>
+          <a:endParaRPr lang="en-US"/>
+        </a:p>
+      </dgm:t>
     </dgm:pt>
     <dgm:pt modelId="{F3C69C12-6239-49DC-A295-BCB8304A980A}" type="pres">
       <dgm:prSet presAssocID="{E2C9F037-FE6A-4292-840A-18589993EED2}" presName="Name1" presStyleCnt="0"/>
@@ -1291,6 +1298,13 @@
     <dgm:pt modelId="{A3D2EB73-6317-4035-8540-7D7FB52C1BFA}" type="pres">
       <dgm:prSet presAssocID="{E2C9F037-FE6A-4292-840A-18589993EED2}" presName="conn" presStyleLbl="parChTrans1D2" presStyleIdx="0" presStyleCnt="1"/>
       <dgm:spPr/>
+      <dgm:t>
+        <a:bodyPr/>
+        <a:lstStyle/>
+        <a:p>
+          <a:endParaRPr lang="en-US"/>
+        </a:p>
+      </dgm:t>
     </dgm:pt>
     <dgm:pt modelId="{F7545FEE-517A-4A5B-BE33-932AD1A60D24}" type="pres">
       <dgm:prSet presAssocID="{E2C9F037-FE6A-4292-840A-18589993EED2}" presName="extraNode" presStyleLbl="node1" presStyleIdx="0" presStyleCnt="4"/>
@@ -4684,7 +4698,7 @@
           <a:p>
             <a:fld id="{303156EA-FEF9-40C4-8452-A54742E06326}" type="datetimeFigureOut">
               <a:rPr lang="vi-VN" smtClean="0"/>
-              <a:t>30/12/2011</a:t>
+              <a:t>04/01/2012</a:t>
             </a:fld>
             <a:endParaRPr lang="vi-VN"/>
           </a:p>
@@ -4851,7 +4865,7 @@
             <a:fld id="{2447E72A-D913-4DC2-9E0A-E520CE8FCC86}" type="datetimeFigureOut">
               <a:rPr lang="en-US" smtClean="0"/>
               <a:pPr/>
-              <a:t>12/30/2011</a:t>
+              <a:t>1/4/2012</a:t>
             </a:fld>
             <a:endParaRPr lang="en-US"/>
           </a:p>
@@ -5468,7 +5482,7 @@
             <a:pPr algn="ctr"/>
             <a:fld id="{DB3AC4FF-7527-473D-9116-A78ACDB7B002}" type="datetime8">
               <a:rPr lang="en-US" smtClean="0"/>
-              <a:t>12/30/2011 3:09 PM</a:t>
+              <a:t>1/4/2012 2:26 PM</a:t>
             </a:fld>
             <a:endParaRPr lang="en-US" sz="2000" dirty="0">
               <a:solidFill>
@@ -5684,7 +5698,7 @@
                   <a:schemeClr val="tx2"/>
                 </a:solidFill>
               </a:rPr>
-              <a:t>12/30/2011 3:09 PM</a:t>
+              <a:t>1/4/2012 2:26 PM</a:t>
             </a:fld>
             <a:endParaRPr lang="en-US"/>
           </a:p>
@@ -5880,7 +5894,7 @@
                   <a:schemeClr val="tx2"/>
                 </a:solidFill>
               </a:rPr>
-              <a:t>12/30/2011 3:09 PM</a:t>
+              <a:t>1/4/2012 2:26 PM</a:t>
             </a:fld>
             <a:endParaRPr lang="en-US" dirty="0"/>
           </a:p>
@@ -6182,7 +6196,7 @@
           <a:p>
             <a:fld id="{ACFA9F14-9E1D-4A50-9760-EADEBCF8875A}" type="datetime8">
               <a:rPr lang="en-US" smtClean="0"/>
-              <a:t>12/30/2011 3:09 PM</a:t>
+              <a:t>1/4/2012 2:26 PM</a:t>
             </a:fld>
             <a:endParaRPr lang="en-US" dirty="0"/>
           </a:p>
@@ -6598,7 +6612,7 @@
           <a:p>
             <a:fld id="{67583CB6-BCF9-42D4-BCDC-9094FDF08539}" type="datetime8">
               <a:rPr lang="en-US" smtClean="0"/>
-              <a:t>12/30/2011 3:09 PM</a:t>
+              <a:t>1/4/2012 2:26 PM</a:t>
             </a:fld>
             <a:endParaRPr lang="en-US"/>
           </a:p>
@@ -6853,7 +6867,7 @@
           <a:p>
             <a:fld id="{F3B0C4B6-2525-4AE6-B3C3-55AC237D96E5}" type="datetime8">
               <a:rPr lang="en-US" smtClean="0"/>
-              <a:t>12/30/2011 3:09 PM</a:t>
+              <a:t>1/4/2012 2:26 PM</a:t>
             </a:fld>
             <a:endParaRPr lang="en-US"/>
           </a:p>
@@ -7098,7 +7112,7 @@
           <a:p>
             <a:fld id="{B0884233-0FCF-49FD-96DF-1DAAE5FB8E5F}" type="datetime8">
               <a:rPr lang="en-US" smtClean="0"/>
-              <a:t>12/30/2011 3:09 PM</a:t>
+              <a:t>1/4/2012 2:26 PM</a:t>
             </a:fld>
             <a:endParaRPr lang="en-US"/>
           </a:p>
@@ -7295,7 +7309,7 @@
           <a:p>
             <a:fld id="{925A36DC-A6B9-49A0-8592-C10893892C73}" type="datetime8">
               <a:rPr lang="en-US" smtClean="0"/>
-              <a:t>12/30/2011 3:09 PM</a:t>
+              <a:t>1/4/2012 2:26 PM</a:t>
             </a:fld>
             <a:endParaRPr lang="en-US"/>
           </a:p>
@@ -7398,7 +7412,7 @@
           <a:p>
             <a:fld id="{9D46CA07-655C-445C-9C09-8E6C2DF4CEC3}" type="datetime8">
               <a:rPr lang="en-US" smtClean="0"/>
-              <a:t>12/30/2011 3:09 PM</a:t>
+              <a:t>1/4/2012 2:26 PM</a:t>
             </a:fld>
             <a:endParaRPr lang="en-US"/>
           </a:p>
@@ -7546,7 +7560,7 @@
           <a:p>
             <a:fld id="{F2D3B79E-6498-490A-A85A-E8302493EBB7}" type="datetime8">
               <a:rPr lang="en-US" smtClean="0"/>
-              <a:t>12/30/2011 3:09 PM</a:t>
+              <a:t>1/4/2012 2:26 PM</a:t>
             </a:fld>
             <a:endParaRPr lang="en-US"/>
           </a:p>
@@ -8020,7 +8034,7 @@
           <a:p>
             <a:fld id="{D73C48E5-5E3A-4FFD-8978-6ECFCE87ADA1}" type="datetime8">
               <a:rPr lang="en-US" smtClean="0"/>
-              <a:t>12/30/2011 3:09 PM</a:t>
+              <a:t>1/4/2012 2:26 PM</a:t>
             </a:fld>
             <a:endParaRPr lang="en-US"/>
           </a:p>
@@ -8303,7 +8317,7 @@
                   <a:schemeClr val="tx2"/>
                 </a:solidFill>
               </a:rPr>
-              <a:t>12/30/2011 3:09 PM</a:t>
+              <a:t>1/4/2012 2:26 PM</a:t>
             </a:fld>
             <a:endParaRPr lang="en-US" sz="1400" dirty="0">
               <a:solidFill>
@@ -8937,8 +8951,8 @@
         </p:blipFill>
         <p:spPr bwMode="auto">
           <a:xfrm>
-            <a:off x="0" y="0"/>
-            <a:ext cx="9179902" cy="6007336"/>
+            <a:off x="610" y="-27384"/>
+            <a:ext cx="9179902" cy="6058926"/>
           </a:xfrm>
           <a:prstGeom prst="rect">
             <a:avLst/>
@@ -9936,15 +9950,6 @@
                   <a:schemeClr val="accent1"/>
                 </a:solidFill>
               </a14:hiddenFill>
-            </a:ext>
-            <a:ext uri="{AF507438-7753-43E0-B8FC-AC1667EBCBE1}">
-              <a14:hiddenEffects xmlns:a14="http://schemas.microsoft.com/office/drawing/2010/main">
-                <a:effectLst>
-                  <a:outerShdw dist="35921" dir="2700000" algn="ctr" rotWithShape="0">
-                    <a:schemeClr val="bg2"/>
-                  </a:outerShdw>
-                </a:effectLst>
-              </a14:hiddenEffects>
             </a:ext>
           </a:extLst>
         </p:spPr>
@@ -11667,6 +11672,10 @@
           </a:stretch>
         </p:blipFill>
         <p:spPr bwMode="auto">
+          <a:xfrm>
+            <a:off x="1560576" y="84184"/>
+            <a:ext cx="7583424" cy="4568952"/>
+          </a:xfrm>
           <a:prstGeom prst="rect">
             <a:avLst/>
           </a:prstGeom>

--- a/Documents/JobZoom Presentation.pptx
+++ b/Documents/JobZoom Presentation.pptx
@@ -5,10 +5,10 @@
     <p:sldMasterId id="2147483694" r:id="rId1"/>
   </p:sldMasterIdLst>
   <p:notesMasterIdLst>
-    <p:notesMasterId r:id="rId25"/>
+    <p:notesMasterId r:id="rId28"/>
   </p:notesMasterIdLst>
   <p:handoutMasterIdLst>
-    <p:handoutMasterId r:id="rId26"/>
+    <p:handoutMasterId r:id="rId29"/>
   </p:handoutMasterIdLst>
   <p:sldIdLst>
     <p:sldId id="256" r:id="rId2"/>
@@ -18,22 +18,25 @@
     <p:sldId id="261" r:id="rId6"/>
     <p:sldId id="262" r:id="rId7"/>
     <p:sldId id="263" r:id="rId8"/>
-    <p:sldId id="264" r:id="rId9"/>
+    <p:sldId id="280" r:id="rId9"/>
     <p:sldId id="265" r:id="rId10"/>
-    <p:sldId id="266" r:id="rId11"/>
-    <p:sldId id="267" r:id="rId12"/>
-    <p:sldId id="268" r:id="rId13"/>
-    <p:sldId id="269" r:id="rId14"/>
-    <p:sldId id="270" r:id="rId15"/>
-    <p:sldId id="271" r:id="rId16"/>
-    <p:sldId id="272" r:id="rId17"/>
-    <p:sldId id="273" r:id="rId18"/>
-    <p:sldId id="274" r:id="rId19"/>
-    <p:sldId id="275" r:id="rId20"/>
-    <p:sldId id="279" r:id="rId21"/>
-    <p:sldId id="276" r:id="rId22"/>
-    <p:sldId id="277" r:id="rId23"/>
-    <p:sldId id="278" r:id="rId24"/>
+    <p:sldId id="281" r:id="rId11"/>
+    <p:sldId id="266" r:id="rId12"/>
+    <p:sldId id="282" r:id="rId13"/>
+    <p:sldId id="267" r:id="rId14"/>
+    <p:sldId id="268" r:id="rId15"/>
+    <p:sldId id="269" r:id="rId16"/>
+    <p:sldId id="264" r:id="rId17"/>
+    <p:sldId id="270" r:id="rId18"/>
+    <p:sldId id="271" r:id="rId19"/>
+    <p:sldId id="272" r:id="rId20"/>
+    <p:sldId id="273" r:id="rId21"/>
+    <p:sldId id="274" r:id="rId22"/>
+    <p:sldId id="275" r:id="rId23"/>
+    <p:sldId id="279" r:id="rId24"/>
+    <p:sldId id="276" r:id="rId25"/>
+    <p:sldId id="277" r:id="rId26"/>
+    <p:sldId id="278" r:id="rId27"/>
   </p:sldIdLst>
   <p:sldSz cx="9144000" cy="6858000" type="screen4x3"/>
   <p:notesSz cx="6858000" cy="9144000"/>
@@ -4698,7 +4701,7 @@
           <a:p>
             <a:fld id="{303156EA-FEF9-40C4-8452-A54742E06326}" type="datetimeFigureOut">
               <a:rPr lang="vi-VN" smtClean="0"/>
-              <a:t>04/01/2012</a:t>
+              <a:t>05/01/2012</a:t>
             </a:fld>
             <a:endParaRPr lang="vi-VN"/>
           </a:p>
@@ -4865,7 +4868,7 @@
             <a:fld id="{2447E72A-D913-4DC2-9E0A-E520CE8FCC86}" type="datetimeFigureOut">
               <a:rPr lang="en-US" smtClean="0"/>
               <a:pPr/>
-              <a:t>1/4/2012</a:t>
+              <a:t>1/5/2012</a:t>
             </a:fld>
             <a:endParaRPr lang="en-US"/>
           </a:p>
@@ -5195,6 +5198,526 @@
 </p:notes>
 </file>
 
+<file path=ppt/notesSlides/notesSlide2.xml><?xml version="1.0" encoding="utf-8"?>
+<p:notes xmlns:a="http://schemas.openxmlformats.org/drawingml/2006/main" xmlns:r="http://schemas.openxmlformats.org/officeDocument/2006/relationships" xmlns:p="http://schemas.openxmlformats.org/presentationml/2006/main">
+  <p:cSld>
+    <p:spTree>
+      <p:nvGrpSpPr>
+        <p:cNvPr id="1" name=""/>
+        <p:cNvGrpSpPr/>
+        <p:nvPr/>
+      </p:nvGrpSpPr>
+      <p:grpSpPr>
+        <a:xfrm>
+          <a:off x="0" y="0"/>
+          <a:ext cx="0" cy="0"/>
+          <a:chOff x="0" y="0"/>
+          <a:chExt cx="0" cy="0"/>
+        </a:xfrm>
+      </p:grpSpPr>
+      <p:sp>
+        <p:nvSpPr>
+          <p:cNvPr id="2" name="Slide Image Placeholder 1"/>
+          <p:cNvSpPr>
+            <a:spLocks noGrp="1" noRot="1" noChangeAspect="1"/>
+          </p:cNvSpPr>
+          <p:nvPr>
+            <p:ph type="sldImg"/>
+          </p:nvPr>
+        </p:nvSpPr>
+        <p:spPr/>
+      </p:sp>
+      <p:sp>
+        <p:nvSpPr>
+          <p:cNvPr id="3" name="Notes Placeholder 2"/>
+          <p:cNvSpPr>
+            <a:spLocks noGrp="1"/>
+          </p:cNvSpPr>
+          <p:nvPr>
+            <p:ph type="body" idx="1"/>
+          </p:nvPr>
+        </p:nvSpPr>
+        <p:spPr/>
+        <p:txBody>
+          <a:bodyPr/>
+          <a:lstStyle/>
+          <a:p>
+            <a:r>
+              <a:rPr lang="en-US" dirty="0" err="1" smtClean="0"/>
+              <a:t>Bài</a:t>
+            </a:r>
+            <a:r>
+              <a:rPr lang="en-US" dirty="0" smtClean="0"/>
+              <a:t> </a:t>
+            </a:r>
+            <a:r>
+              <a:rPr lang="en-US" dirty="0" err="1" smtClean="0"/>
+              <a:t>toán</a:t>
+            </a:r>
+            <a:r>
+              <a:rPr lang="en-US" dirty="0" smtClean="0"/>
+              <a:t> </a:t>
+            </a:r>
+            <a:r>
+              <a:rPr lang="en-US" dirty="0" err="1" smtClean="0"/>
+              <a:t>kiến</a:t>
+            </a:r>
+            <a:r>
+              <a:rPr lang="en-US" dirty="0" smtClean="0"/>
+              <a:t> </a:t>
+            </a:r>
+            <a:r>
+              <a:rPr lang="en-US" dirty="0" err="1" smtClean="0"/>
+              <a:t>trúc</a:t>
+            </a:r>
+            <a:r>
+              <a:rPr lang="en-US" dirty="0" smtClean="0"/>
+              <a:t> </a:t>
+            </a:r>
+            <a:r>
+              <a:rPr lang="en-US" dirty="0" err="1" smtClean="0"/>
+              <a:t>tổ</a:t>
+            </a:r>
+            <a:r>
+              <a:rPr lang="en-US" dirty="0" smtClean="0"/>
+              <a:t> </a:t>
+            </a:r>
+            <a:r>
+              <a:rPr lang="en-US" dirty="0" err="1" smtClean="0"/>
+              <a:t>chức</a:t>
+            </a:r>
+            <a:r>
+              <a:rPr lang="en-US" dirty="0" smtClean="0"/>
+              <a:t> </a:t>
+            </a:r>
+            <a:r>
+              <a:rPr lang="en-US" dirty="0" err="1" smtClean="0"/>
+              <a:t>và</a:t>
+            </a:r>
+            <a:r>
+              <a:rPr lang="en-US" dirty="0" smtClean="0"/>
+              <a:t> so </a:t>
+            </a:r>
+            <a:r>
+              <a:rPr lang="en-US" dirty="0" err="1" smtClean="0"/>
+              <a:t>khớp</a:t>
+            </a:r>
+            <a:r>
+              <a:rPr lang="en-US" dirty="0" smtClean="0"/>
+              <a:t> </a:t>
+            </a:r>
+            <a:r>
+              <a:rPr lang="en-US" dirty="0" err="1" smtClean="0"/>
+              <a:t>thông</a:t>
+            </a:r>
+            <a:r>
+              <a:rPr lang="en-US" dirty="0" smtClean="0"/>
+              <a:t> tin.</a:t>
+            </a:r>
+          </a:p>
+          <a:p>
+            <a:r>
+              <a:rPr lang="en-US" dirty="0" err="1" smtClean="0"/>
+              <a:t>Trong</a:t>
+            </a:r>
+            <a:r>
+              <a:rPr lang="en-US" dirty="0" smtClean="0"/>
+              <a:t> </a:t>
+            </a:r>
+            <a:r>
+              <a:rPr lang="en-US" dirty="0" err="1" smtClean="0"/>
+              <a:t>phần</a:t>
+            </a:r>
+            <a:r>
+              <a:rPr lang="en-US" dirty="0" smtClean="0"/>
+              <a:t> </a:t>
+            </a:r>
+            <a:r>
+              <a:rPr lang="en-US" dirty="0" err="1" smtClean="0"/>
+              <a:t>này</a:t>
+            </a:r>
+            <a:r>
+              <a:rPr lang="en-US" dirty="0" smtClean="0"/>
+              <a:t> </a:t>
+            </a:r>
+            <a:r>
+              <a:rPr lang="en-US" dirty="0" err="1" smtClean="0"/>
+              <a:t>có</a:t>
+            </a:r>
+            <a:r>
+              <a:rPr lang="en-US" dirty="0" smtClean="0"/>
+              <a:t> </a:t>
+            </a:r>
+            <a:r>
+              <a:rPr lang="en-US" dirty="0" err="1" smtClean="0"/>
+              <a:t>các</a:t>
+            </a:r>
+            <a:r>
+              <a:rPr lang="en-US" dirty="0" smtClean="0"/>
+              <a:t> </a:t>
+            </a:r>
+            <a:r>
+              <a:rPr lang="en-US" dirty="0" err="1" smtClean="0"/>
+              <a:t>nội</a:t>
+            </a:r>
+            <a:r>
+              <a:rPr lang="en-US" dirty="0" smtClean="0"/>
+              <a:t> dung </a:t>
+            </a:r>
+            <a:r>
+              <a:rPr lang="en-US" dirty="0" err="1" smtClean="0"/>
+              <a:t>sau</a:t>
+            </a:r>
+            <a:r>
+              <a:rPr lang="en-US" dirty="0" smtClean="0"/>
+              <a:t>:</a:t>
+            </a:r>
+          </a:p>
+          <a:p>
+            <a:pPr marL="457200" indent="-457200">
+              <a:buFontTx/>
+              <a:buChar char="-"/>
+            </a:pPr>
+            <a:r>
+              <a:rPr lang="en-US" dirty="0" err="1" smtClean="0"/>
+              <a:t>Bài</a:t>
+            </a:r>
+            <a:r>
+              <a:rPr lang="en-US" dirty="0" smtClean="0"/>
+              <a:t> </a:t>
+            </a:r>
+            <a:r>
+              <a:rPr lang="en-US" dirty="0" err="1" smtClean="0"/>
+              <a:t>toán</a:t>
+            </a:r>
+            <a:r>
+              <a:rPr lang="en-US" dirty="0" smtClean="0"/>
+              <a:t> 1: </a:t>
+            </a:r>
+            <a:r>
+              <a:rPr lang="en-US" dirty="0" err="1" smtClean="0"/>
+              <a:t>Tổ</a:t>
+            </a:r>
+            <a:r>
+              <a:rPr lang="en-US" dirty="0" smtClean="0"/>
+              <a:t> </a:t>
+            </a:r>
+            <a:r>
+              <a:rPr lang="en-US" dirty="0" err="1" smtClean="0"/>
+              <a:t>chức</a:t>
+            </a:r>
+            <a:r>
+              <a:rPr lang="en-US" dirty="0" smtClean="0"/>
+              <a:t> </a:t>
+            </a:r>
+            <a:r>
+              <a:rPr lang="en-US" dirty="0" err="1" smtClean="0"/>
+              <a:t>thông</a:t>
+            </a:r>
+            <a:r>
+              <a:rPr lang="en-US" dirty="0" smtClean="0"/>
+              <a:t> tin </a:t>
+            </a:r>
+            <a:r>
+              <a:rPr lang="en-US" dirty="0" err="1" smtClean="0"/>
+              <a:t>và</a:t>
+            </a:r>
+            <a:r>
+              <a:rPr lang="en-US" dirty="0" smtClean="0"/>
+              <a:t> </a:t>
+            </a:r>
+            <a:r>
+              <a:rPr lang="en-US" dirty="0" err="1" smtClean="0"/>
+              <a:t>sự</a:t>
+            </a:r>
+            <a:r>
+              <a:rPr lang="en-US" dirty="0" smtClean="0"/>
+              <a:t> </a:t>
+            </a:r>
+            <a:r>
+              <a:rPr lang="en-US" dirty="0" err="1" smtClean="0"/>
+              <a:t>linh</a:t>
+            </a:r>
+            <a:r>
+              <a:rPr lang="en-US" dirty="0" smtClean="0"/>
+              <a:t> </a:t>
+            </a:r>
+            <a:r>
+              <a:rPr lang="en-US" dirty="0" err="1" smtClean="0"/>
+              <a:t>hoạt</a:t>
+            </a:r>
+            <a:r>
+              <a:rPr lang="en-US" dirty="0" smtClean="0"/>
+              <a:t> </a:t>
+            </a:r>
+            <a:r>
+              <a:rPr lang="en-US" dirty="0" err="1" smtClean="0"/>
+              <a:t>của</a:t>
+            </a:r>
+            <a:r>
+              <a:rPr lang="en-US" dirty="0" smtClean="0"/>
+              <a:t> </a:t>
+            </a:r>
+            <a:r>
+              <a:rPr lang="en-US" dirty="0" err="1" smtClean="0"/>
+              <a:t>hệ</a:t>
+            </a:r>
+            <a:r>
+              <a:rPr lang="en-US" dirty="0" smtClean="0"/>
+              <a:t> </a:t>
+            </a:r>
+            <a:r>
+              <a:rPr lang="en-US" dirty="0" err="1" smtClean="0"/>
+              <a:t>thống</a:t>
+            </a:r>
+            <a:r>
+              <a:rPr lang="en-US" dirty="0" smtClean="0"/>
+              <a:t> so </a:t>
+            </a:r>
+            <a:r>
+              <a:rPr lang="en-US" dirty="0" err="1" smtClean="0"/>
+              <a:t>khớp</a:t>
+            </a:r>
+            <a:r>
+              <a:rPr lang="en-US" dirty="0" smtClean="0"/>
+              <a:t>.</a:t>
+            </a:r>
+          </a:p>
+          <a:p>
+            <a:pPr marL="457200" indent="-457200">
+              <a:buFontTx/>
+              <a:buChar char="-"/>
+            </a:pPr>
+            <a:r>
+              <a:rPr lang="en-US" dirty="0" err="1" smtClean="0"/>
+              <a:t>Bài</a:t>
+            </a:r>
+            <a:r>
+              <a:rPr lang="en-US" dirty="0" smtClean="0"/>
+              <a:t> </a:t>
+            </a:r>
+            <a:r>
+              <a:rPr lang="en-US" dirty="0" err="1" smtClean="0"/>
+              <a:t>toán</a:t>
+            </a:r>
+            <a:r>
+              <a:rPr lang="en-US" dirty="0" smtClean="0"/>
+              <a:t> 2: So </a:t>
+            </a:r>
+            <a:r>
+              <a:rPr lang="en-US" dirty="0" err="1" smtClean="0"/>
+              <a:t>sánh</a:t>
+            </a:r>
+            <a:r>
+              <a:rPr lang="en-US" dirty="0" smtClean="0"/>
+              <a:t> </a:t>
+            </a:r>
+            <a:r>
+              <a:rPr lang="en-US" dirty="0" err="1" smtClean="0"/>
+              <a:t>mức</a:t>
+            </a:r>
+            <a:r>
+              <a:rPr lang="en-US" dirty="0" smtClean="0"/>
+              <a:t> </a:t>
+            </a:r>
+            <a:r>
+              <a:rPr lang="en-US" dirty="0" err="1" smtClean="0"/>
+              <a:t>độ</a:t>
+            </a:r>
+            <a:r>
+              <a:rPr lang="en-US" dirty="0" smtClean="0"/>
+              <a:t> </a:t>
+            </a:r>
+            <a:r>
+              <a:rPr lang="en-US" dirty="0" err="1" smtClean="0"/>
+              <a:t>tương</a:t>
+            </a:r>
+            <a:r>
+              <a:rPr lang="en-US" dirty="0" smtClean="0"/>
+              <a:t> </a:t>
+            </a:r>
+            <a:r>
+              <a:rPr lang="en-US" dirty="0" err="1" smtClean="0"/>
+              <a:t>quan</a:t>
+            </a:r>
+            <a:r>
+              <a:rPr lang="en-US" dirty="0" smtClean="0"/>
+              <a:t> </a:t>
+            </a:r>
+            <a:r>
+              <a:rPr lang="en-US" dirty="0" err="1" smtClean="0"/>
+              <a:t>giữa</a:t>
+            </a:r>
+            <a:r>
+              <a:rPr lang="en-US" dirty="0" smtClean="0"/>
+              <a:t> </a:t>
+            </a:r>
+            <a:r>
+              <a:rPr lang="en-US" dirty="0" err="1" smtClean="0"/>
+              <a:t>các</a:t>
+            </a:r>
+            <a:r>
+              <a:rPr lang="en-US" dirty="0" smtClean="0"/>
+              <a:t> </a:t>
+            </a:r>
+            <a:r>
+              <a:rPr lang="en-US" dirty="0" err="1" smtClean="0"/>
+              <a:t>thông</a:t>
+            </a:r>
+            <a:r>
+              <a:rPr lang="en-US" dirty="0" smtClean="0"/>
+              <a:t> tin.</a:t>
+            </a:r>
+          </a:p>
+          <a:p>
+            <a:pPr marL="457200" indent="-457200">
+              <a:buFontTx/>
+              <a:buChar char="-"/>
+            </a:pPr>
+            <a:r>
+              <a:rPr lang="en-US" dirty="0" err="1" smtClean="0"/>
+              <a:t>Bài</a:t>
+            </a:r>
+            <a:r>
+              <a:rPr lang="en-US" dirty="0" smtClean="0"/>
+              <a:t> </a:t>
+            </a:r>
+            <a:r>
+              <a:rPr lang="en-US" dirty="0" err="1" smtClean="0"/>
+              <a:t>toán</a:t>
+            </a:r>
+            <a:r>
+              <a:rPr lang="en-US" dirty="0" smtClean="0"/>
+              <a:t> 3: </a:t>
+            </a:r>
+            <a:r>
+              <a:rPr lang="en-US" dirty="0" err="1" smtClean="0"/>
+              <a:t>Sử</a:t>
+            </a:r>
+            <a:r>
+              <a:rPr lang="en-US" dirty="0" smtClean="0"/>
+              <a:t> </a:t>
+            </a:r>
+            <a:r>
+              <a:rPr lang="en-US" dirty="0" err="1" smtClean="0"/>
+              <a:t>dụng</a:t>
+            </a:r>
+            <a:r>
+              <a:rPr lang="en-US" dirty="0" smtClean="0"/>
+              <a:t> </a:t>
+            </a:r>
+            <a:r>
+              <a:rPr lang="en-US" dirty="0" err="1" smtClean="0"/>
+              <a:t>kiến</a:t>
+            </a:r>
+            <a:r>
+              <a:rPr lang="en-US" dirty="0" smtClean="0"/>
+              <a:t> </a:t>
+            </a:r>
+            <a:r>
+              <a:rPr lang="en-US" dirty="0" err="1" smtClean="0"/>
+              <a:t>trúc</a:t>
+            </a:r>
+            <a:r>
+              <a:rPr lang="en-US" dirty="0" smtClean="0"/>
+              <a:t> </a:t>
+            </a:r>
+            <a:r>
+              <a:rPr lang="en-US" dirty="0" err="1" smtClean="0"/>
+              <a:t>tổ</a:t>
+            </a:r>
+            <a:r>
+              <a:rPr lang="en-US" dirty="0" smtClean="0"/>
+              <a:t> </a:t>
+            </a:r>
+            <a:r>
+              <a:rPr lang="en-US" dirty="0" err="1" smtClean="0"/>
+              <a:t>chức</a:t>
+            </a:r>
+            <a:r>
+              <a:rPr lang="en-US" dirty="0" smtClean="0"/>
+              <a:t> </a:t>
+            </a:r>
+            <a:r>
+              <a:rPr lang="en-US" dirty="0" err="1" smtClean="0"/>
+              <a:t>thông</a:t>
+            </a:r>
+            <a:r>
+              <a:rPr lang="en-US" dirty="0" smtClean="0"/>
+              <a:t> tin </a:t>
+            </a:r>
+            <a:r>
+              <a:rPr lang="en-US" dirty="0" err="1" smtClean="0"/>
+              <a:t>linh</a:t>
+            </a:r>
+            <a:r>
+              <a:rPr lang="en-US" dirty="0" smtClean="0"/>
+              <a:t> </a:t>
+            </a:r>
+            <a:r>
+              <a:rPr lang="en-US" dirty="0" err="1" smtClean="0"/>
+              <a:t>hoạt</a:t>
+            </a:r>
+            <a:r>
+              <a:rPr lang="en-US" dirty="0" smtClean="0"/>
+              <a:t> </a:t>
+            </a:r>
+            <a:r>
+              <a:rPr lang="en-US" dirty="0" err="1" smtClean="0"/>
+              <a:t>hỗ</a:t>
+            </a:r>
+            <a:r>
+              <a:rPr lang="en-US" dirty="0" smtClean="0"/>
+              <a:t> </a:t>
+            </a:r>
+            <a:r>
+              <a:rPr lang="en-US" dirty="0" err="1" smtClean="0"/>
+              <a:t>trợ</a:t>
+            </a:r>
+            <a:r>
+              <a:rPr lang="en-US" dirty="0" smtClean="0"/>
+              <a:t> </a:t>
+            </a:r>
+            <a:r>
+              <a:rPr lang="en-US" dirty="0" err="1" smtClean="0"/>
+              <a:t>ra</a:t>
+            </a:r>
+            <a:r>
+              <a:rPr lang="en-US" dirty="0" smtClean="0"/>
+              <a:t> </a:t>
+            </a:r>
+            <a:r>
+              <a:rPr lang="en-US" dirty="0" err="1" smtClean="0"/>
+              <a:t>quyết</a:t>
+            </a:r>
+            <a:r>
+              <a:rPr lang="en-US" dirty="0" smtClean="0"/>
+              <a:t> </a:t>
+            </a:r>
+            <a:r>
+              <a:rPr lang="en-US" dirty="0" err="1" smtClean="0"/>
+              <a:t>định</a:t>
+            </a:r>
+            <a:endParaRPr lang="vi-VN" dirty="0" smtClean="0"/>
+          </a:p>
+          <a:p>
+            <a:endParaRPr lang="vi-VN" dirty="0"/>
+          </a:p>
+        </p:txBody>
+      </p:sp>
+    </p:spTree>
+    <p:extLst>
+      <p:ext uri="{BB962C8B-B14F-4D97-AF65-F5344CB8AC3E}">
+        <p14:creationId xmlns:p14="http://schemas.microsoft.com/office/powerpoint/2010/main" val="1861722598"/>
+      </p:ext>
+    </p:extLst>
+  </p:cSld>
+  <p:clrMapOvr>
+    <a:masterClrMapping/>
+  </p:clrMapOvr>
+</p:notes>
+</file>
+
 <file path=ppt/slideLayouts/slideLayout1.xml><?xml version="1.0" encoding="utf-8"?>
 <p:sldLayout xmlns:a="http://schemas.openxmlformats.org/drawingml/2006/main" xmlns:r="http://schemas.openxmlformats.org/officeDocument/2006/relationships" xmlns:p="http://schemas.openxmlformats.org/presentationml/2006/main" showMasterSp="0" type="title" preserve="1">
   <p:cSld name="Title Slide">
@@ -5482,7 +6005,7 @@
             <a:pPr algn="ctr"/>
             <a:fld id="{DB3AC4FF-7527-473D-9116-A78ACDB7B002}" type="datetime8">
               <a:rPr lang="en-US" smtClean="0"/>
-              <a:t>1/4/2012 2:26 PM</a:t>
+              <a:t>1/5/2012 2:28 PM</a:t>
             </a:fld>
             <a:endParaRPr lang="en-US" sz="2000" dirty="0">
               <a:solidFill>
@@ -5698,7 +6221,7 @@
                   <a:schemeClr val="tx2"/>
                 </a:solidFill>
               </a:rPr>
-              <a:t>1/4/2012 2:26 PM</a:t>
+              <a:t>1/5/2012 2:28 PM</a:t>
             </a:fld>
             <a:endParaRPr lang="en-US"/>
           </a:p>
@@ -5894,7 +6417,7 @@
                   <a:schemeClr val="tx2"/>
                 </a:solidFill>
               </a:rPr>
-              <a:t>1/4/2012 2:26 PM</a:t>
+              <a:t>1/5/2012 2:28 PM</a:t>
             </a:fld>
             <a:endParaRPr lang="en-US" dirty="0"/>
           </a:p>
@@ -6196,7 +6719,7 @@
           <a:p>
             <a:fld id="{ACFA9F14-9E1D-4A50-9760-EADEBCF8875A}" type="datetime8">
               <a:rPr lang="en-US" smtClean="0"/>
-              <a:t>1/4/2012 2:26 PM</a:t>
+              <a:t>1/5/2012 2:28 PM</a:t>
             </a:fld>
             <a:endParaRPr lang="en-US" dirty="0"/>
           </a:p>
@@ -6612,7 +7135,7 @@
           <a:p>
             <a:fld id="{67583CB6-BCF9-42D4-BCDC-9094FDF08539}" type="datetime8">
               <a:rPr lang="en-US" smtClean="0"/>
-              <a:t>1/4/2012 2:26 PM</a:t>
+              <a:t>1/5/2012 2:28 PM</a:t>
             </a:fld>
             <a:endParaRPr lang="en-US"/>
           </a:p>
@@ -6867,7 +7390,7 @@
           <a:p>
             <a:fld id="{F3B0C4B6-2525-4AE6-B3C3-55AC237D96E5}" type="datetime8">
               <a:rPr lang="en-US" smtClean="0"/>
-              <a:t>1/4/2012 2:26 PM</a:t>
+              <a:t>1/5/2012 2:28 PM</a:t>
             </a:fld>
             <a:endParaRPr lang="en-US"/>
           </a:p>
@@ -7112,7 +7635,7 @@
           <a:p>
             <a:fld id="{B0884233-0FCF-49FD-96DF-1DAAE5FB8E5F}" type="datetime8">
               <a:rPr lang="en-US" smtClean="0"/>
-              <a:t>1/4/2012 2:26 PM</a:t>
+              <a:t>1/5/2012 2:28 PM</a:t>
             </a:fld>
             <a:endParaRPr lang="en-US"/>
           </a:p>
@@ -7309,7 +7832,7 @@
           <a:p>
             <a:fld id="{925A36DC-A6B9-49A0-8592-C10893892C73}" type="datetime8">
               <a:rPr lang="en-US" smtClean="0"/>
-              <a:t>1/4/2012 2:26 PM</a:t>
+              <a:t>1/5/2012 2:28 PM</a:t>
             </a:fld>
             <a:endParaRPr lang="en-US"/>
           </a:p>
@@ -7412,7 +7935,7 @@
           <a:p>
             <a:fld id="{9D46CA07-655C-445C-9C09-8E6C2DF4CEC3}" type="datetime8">
               <a:rPr lang="en-US" smtClean="0"/>
-              <a:t>1/4/2012 2:26 PM</a:t>
+              <a:t>1/5/2012 2:28 PM</a:t>
             </a:fld>
             <a:endParaRPr lang="en-US"/>
           </a:p>
@@ -7560,7 +8083,7 @@
           <a:p>
             <a:fld id="{F2D3B79E-6498-490A-A85A-E8302493EBB7}" type="datetime8">
               <a:rPr lang="en-US" smtClean="0"/>
-              <a:t>1/4/2012 2:26 PM</a:t>
+              <a:t>1/5/2012 2:28 PM</a:t>
             </a:fld>
             <a:endParaRPr lang="en-US"/>
           </a:p>
@@ -8034,7 +8557,7 @@
           <a:p>
             <a:fld id="{D73C48E5-5E3A-4FFD-8978-6ECFCE87ADA1}" type="datetime8">
               <a:rPr lang="en-US" smtClean="0"/>
-              <a:t>1/4/2012 2:26 PM</a:t>
+              <a:t>1/5/2012 2:28 PM</a:t>
             </a:fld>
             <a:endParaRPr lang="en-US"/>
           </a:p>
@@ -8317,7 +8840,7 @@
                   <a:schemeClr val="tx2"/>
                 </a:solidFill>
               </a:rPr>
-              <a:t>1/4/2012 2:26 PM</a:t>
+              <a:t>1/5/2012 2:28 PM</a:t>
             </a:fld>
             <a:endParaRPr lang="en-US" sz="1400" dirty="0">
               <a:solidFill>
@@ -8932,13 +9455,22 @@
         <p:blipFill>
           <a:blip r:embed="rId3">
             <a:duotone>
-              <a:schemeClr val="accent2">
+              <a:schemeClr val="accent5">
                 <a:shade val="45000"/>
                 <a:satMod val="135000"/>
               </a:schemeClr>
               <a:prstClr val="white"/>
             </a:duotone>
             <a:extLst>
+              <a:ext uri="{BEBA8EAE-BF5A-486C-A8C5-ECC9F3942E4B}">
+                <a14:imgProps xmlns:a14="http://schemas.microsoft.com/office/drawing/2010/main">
+                  <a14:imgLayer r:embed="rId4">
+                    <a14:imgEffect>
+                      <a14:brightnessContrast bright="20000"/>
+                    </a14:imgEffect>
+                  </a14:imgLayer>
+                </a14:imgProps>
+              </a:ext>
               <a:ext uri="{28A0092B-C50C-407E-A947-70E740481C1C}">
                 <a14:useLocalDpi xmlns:a14="http://schemas.microsoft.com/office/drawing/2010/main" val="0"/>
               </a:ext>
@@ -8951,7 +9483,7 @@
         </p:blipFill>
         <p:spPr bwMode="auto">
           <a:xfrm>
-            <a:off x="610" y="-27384"/>
+            <a:off x="9784" y="-27384"/>
             <a:ext cx="9179902" cy="6058926"/>
           </a:xfrm>
           <a:prstGeom prst="rect">
@@ -9004,7 +9536,7 @@
         </p:nvSpPr>
         <p:spPr>
           <a:xfrm>
-            <a:off x="0" y="3284984"/>
+            <a:off x="0" y="2062155"/>
             <a:ext cx="9144000" cy="1879848"/>
           </a:xfrm>
         </p:spPr>
@@ -9188,7 +9720,7 @@
           <p:nvPr/>
         </p:nvPicPr>
         <p:blipFill>
-          <a:blip r:embed="rId4" cstate="print">
+          <a:blip r:embed="rId5" cstate="print">
             <a:duotone>
               <a:schemeClr val="accent2">
                 <a:shade val="45000"/>
@@ -9196,7 +9728,7 @@
               </a:schemeClr>
               <a:prstClr val="white"/>
             </a:duotone>
-            <a:lum bright="-20000" contrast="-40000"/>
+            <a:lum contrast="-40000"/>
           </a:blip>
           <a:stretch>
             <a:fillRect/>
@@ -9293,6 +9825,343 @@
               </a:effectLst>
               <a:latin typeface="Times New Roman" pitchFamily="18" charset="0"/>
               <a:cs typeface="Times New Roman" pitchFamily="18" charset="0"/>
+            </a:endParaRPr>
+          </a:p>
+        </p:txBody>
+      </p:sp>
+      <p:sp>
+        <p:nvSpPr>
+          <p:cNvPr id="7" name="Rectangle 1"/>
+          <p:cNvSpPr txBox="1">
+            <a:spLocks/>
+          </p:cNvSpPr>
+          <p:nvPr/>
+        </p:nvSpPr>
+        <p:spPr>
+          <a:xfrm>
+            <a:off x="0" y="4005064"/>
+            <a:ext cx="9144000" cy="1879848"/>
+          </a:xfrm>
+          <a:prstGeom prst="rect">
+            <a:avLst/>
+          </a:prstGeom>
+        </p:spPr>
+        <p:txBody>
+          <a:bodyPr vert="horz" anchor="ctr">
+            <a:noAutofit/>
+            <a:scene3d>
+              <a:camera prst="orthographicFront">
+                <a:rot lat="0" lon="0" rev="0"/>
+              </a:camera>
+              <a:lightRig rig="contrasting" dir="t">
+                <a:rot lat="0" lon="0" rev="4500000"/>
+              </a:lightRig>
+            </a:scene3d>
+            <a:sp3d contourW="6350" prstMaterial="metal">
+              <a:bevelT w="127000" h="31750" prst="relaxedInset"/>
+              <a:contourClr>
+                <a:schemeClr val="accent1">
+                  <a:shade val="75000"/>
+                </a:schemeClr>
+              </a:contourClr>
+            </a:sp3d>
+          </a:bodyPr>
+          <a:lstStyle>
+            <a:lvl1pPr algn="l" rtl="0" eaLnBrk="1" latinLnBrk="0" hangingPunct="1">
+              <a:spcBef>
+                <a:spcPct val="0"/>
+              </a:spcBef>
+              <a:buNone/>
+              <a:defRPr sz="4400" b="1" kern="1200" cap="all" spc="0" baseline="0">
+                <a:ln w="0"/>
+                <a:gradFill flip="none">
+                  <a:gsLst>
+                    <a:gs pos="0">
+                      <a:schemeClr val="accent1">
+                        <a:tint val="75000"/>
+                        <a:shade val="75000"/>
+                        <a:satMod val="170000"/>
+                      </a:schemeClr>
+                    </a:gs>
+                    <a:gs pos="49000">
+                      <a:schemeClr val="accent1">
+                        <a:tint val="88000"/>
+                        <a:shade val="65000"/>
+                        <a:satMod val="172000"/>
+                      </a:schemeClr>
+                    </a:gs>
+                    <a:gs pos="50000">
+                      <a:schemeClr val="accent1">
+                        <a:shade val="65000"/>
+                        <a:satMod val="130000"/>
+                      </a:schemeClr>
+                    </a:gs>
+                    <a:gs pos="92000">
+                      <a:schemeClr val="accent1">
+                        <a:shade val="50000"/>
+                        <a:satMod val="120000"/>
+                      </a:schemeClr>
+                    </a:gs>
+                    <a:gs pos="100000">
+                      <a:schemeClr val="accent1">
+                        <a:shade val="48000"/>
+                        <a:satMod val="120000"/>
+                      </a:schemeClr>
+                    </a:gs>
+                  </a:gsLst>
+                  <a:lin ang="5400000"/>
+                </a:gradFill>
+                <a:effectLst>
+                  <a:reflection blurRad="12700" stA="50000" endPos="50000" dist="5000" dir="5400000" sy="-100000" rotWithShape="0"/>
+                </a:effectLst>
+                <a:latin typeface="Times New Roman" pitchFamily="18" charset="0"/>
+                <a:ea typeface="+mj-ea"/>
+                <a:cs typeface="Times New Roman" pitchFamily="18" charset="0"/>
+              </a:defRPr>
+            </a:lvl1pPr>
+          </a:lstStyle>
+          <a:p>
+            <a:pPr>
+              <a:lnSpc>
+                <a:spcPct val="150000"/>
+              </a:lnSpc>
+            </a:pPr>
+            <a:r>
+              <a:rPr lang="en-US" sz="2200" dirty="0" smtClean="0">
+                <a:effectLst/>
+              </a:rPr>
+              <a:t>	GIẢNG VIÊN HƯỚNG DẪN:	 TS. </a:t>
+            </a:r>
+            <a:r>
+              <a:rPr lang="en-US" sz="2200" dirty="0" err="1" smtClean="0">
+                <a:effectLst/>
+              </a:rPr>
+              <a:t>Trần</a:t>
+            </a:r>
+            <a:r>
+              <a:rPr lang="en-US" sz="2200" dirty="0" smtClean="0">
+                <a:effectLst/>
+              </a:rPr>
+              <a:t> </a:t>
+            </a:r>
+            <a:r>
+              <a:rPr lang="en-US" sz="2200" dirty="0" err="1" smtClean="0">
+                <a:effectLst/>
+              </a:rPr>
+              <a:t>vũ</a:t>
+            </a:r>
+            <a:r>
+              <a:rPr lang="en-US" sz="2200" dirty="0" smtClean="0">
+                <a:effectLst/>
+              </a:rPr>
+              <a:t> </a:t>
+            </a:r>
+            <a:r>
+              <a:rPr lang="en-US" sz="2200" dirty="0" err="1" smtClean="0">
+                <a:effectLst/>
+              </a:rPr>
+              <a:t>bình</a:t>
+            </a:r>
+            <a:endParaRPr lang="en-US" sz="2200" dirty="0" smtClean="0">
+              <a:effectLst/>
+            </a:endParaRPr>
+          </a:p>
+          <a:p>
+            <a:pPr>
+              <a:lnSpc>
+                <a:spcPct val="150000"/>
+              </a:lnSpc>
+            </a:pPr>
+            <a:r>
+              <a:rPr lang="en-US" sz="2200" dirty="0" smtClean="0">
+                <a:effectLst/>
+              </a:rPr>
+              <a:t>	</a:t>
+            </a:r>
+            <a:r>
+              <a:rPr lang="en-US" sz="2200" dirty="0" err="1" smtClean="0">
+                <a:effectLst/>
+              </a:rPr>
+              <a:t>Sinh</a:t>
+            </a:r>
+            <a:r>
+              <a:rPr lang="en-US" sz="2200" dirty="0" smtClean="0">
+                <a:effectLst/>
+              </a:rPr>
+              <a:t> </a:t>
+            </a:r>
+            <a:r>
+              <a:rPr lang="en-US" sz="2200" dirty="0" err="1" smtClean="0">
+                <a:effectLst/>
+              </a:rPr>
+              <a:t>viên</a:t>
+            </a:r>
+            <a:r>
+              <a:rPr lang="en-US" sz="2200" dirty="0" smtClean="0">
+                <a:effectLst/>
+              </a:rPr>
+              <a:t> </a:t>
+            </a:r>
+            <a:r>
+              <a:rPr lang="en-US" sz="2200" dirty="0" err="1" smtClean="0">
+                <a:effectLst/>
+              </a:rPr>
+              <a:t>thực</a:t>
+            </a:r>
+            <a:r>
+              <a:rPr lang="en-US" sz="2200" dirty="0" smtClean="0">
+                <a:effectLst/>
+              </a:rPr>
+              <a:t> </a:t>
+            </a:r>
+            <a:r>
+              <a:rPr lang="en-US" sz="2200" dirty="0" err="1" smtClean="0">
+                <a:effectLst/>
+              </a:rPr>
+              <a:t>hiện</a:t>
+            </a:r>
+            <a:r>
+              <a:rPr lang="en-US" sz="2200" dirty="0" smtClean="0">
+                <a:effectLst/>
+              </a:rPr>
+              <a:t>:	</a:t>
+            </a:r>
+            <a:r>
+              <a:rPr lang="en-US" sz="2200" dirty="0" err="1" smtClean="0">
+                <a:effectLst/>
+              </a:rPr>
+              <a:t>lê</a:t>
+            </a:r>
+            <a:r>
+              <a:rPr lang="en-US" sz="2200" dirty="0" smtClean="0">
+                <a:effectLst/>
+              </a:rPr>
+              <a:t> </a:t>
+            </a:r>
+            <a:r>
+              <a:rPr lang="en-US" sz="2200" dirty="0" err="1" smtClean="0">
+                <a:effectLst/>
+              </a:rPr>
+              <a:t>trung</a:t>
+            </a:r>
+            <a:r>
+              <a:rPr lang="en-US" sz="2200" dirty="0" smtClean="0">
+                <a:effectLst/>
+              </a:rPr>
+              <a:t> </a:t>
+            </a:r>
+            <a:r>
+              <a:rPr lang="en-US" sz="2200" dirty="0" err="1" smtClean="0">
+                <a:effectLst/>
+              </a:rPr>
+              <a:t>hiếu</a:t>
+            </a:r>
+            <a:endParaRPr lang="en-US" sz="2200" dirty="0" smtClean="0">
+              <a:effectLst/>
+            </a:endParaRPr>
+          </a:p>
+          <a:p>
+            <a:pPr>
+              <a:lnSpc>
+                <a:spcPct val="150000"/>
+              </a:lnSpc>
+            </a:pPr>
+            <a:r>
+              <a:rPr lang="en-US" sz="2200" dirty="0" smtClean="0">
+                <a:effectLst/>
+              </a:rPr>
+              <a:t>					</a:t>
+            </a:r>
+            <a:r>
+              <a:rPr lang="en-US" sz="2200" dirty="0" err="1" smtClean="0">
+                <a:effectLst/>
+              </a:rPr>
+              <a:t>Phùng</a:t>
+            </a:r>
+            <a:r>
+              <a:rPr lang="en-US" sz="2200" dirty="0" smtClean="0">
+                <a:effectLst/>
+              </a:rPr>
+              <a:t> </a:t>
+            </a:r>
+            <a:r>
+              <a:rPr lang="en-US" sz="2200" dirty="0" err="1" smtClean="0">
+                <a:effectLst/>
+              </a:rPr>
+              <a:t>chí</a:t>
+            </a:r>
+            <a:r>
+              <a:rPr lang="en-US" sz="2200" dirty="0" smtClean="0">
+                <a:effectLst/>
+              </a:rPr>
+              <a:t> </a:t>
+            </a:r>
+            <a:r>
+              <a:rPr lang="en-US" sz="2200" dirty="0" err="1" smtClean="0">
+                <a:effectLst/>
+              </a:rPr>
+              <a:t>nguyên</a:t>
+            </a:r>
+            <a:endParaRPr lang="en-US" sz="2200" dirty="0" smtClean="0">
+              <a:effectLst/>
+            </a:endParaRPr>
+          </a:p>
+          <a:p>
+            <a:pPr>
+              <a:lnSpc>
+                <a:spcPct val="150000"/>
+              </a:lnSpc>
+            </a:pPr>
+            <a:r>
+              <a:rPr lang="en-US" sz="2200" dirty="0" smtClean="0">
+                <a:effectLst/>
+              </a:rPr>
+              <a:t>					</a:t>
+            </a:r>
+            <a:r>
+              <a:rPr lang="en-US" sz="2200" dirty="0" err="1" smtClean="0">
+                <a:effectLst/>
+              </a:rPr>
+              <a:t>Lê</a:t>
+            </a:r>
+            <a:r>
+              <a:rPr lang="en-US" sz="2200" dirty="0" smtClean="0">
+                <a:effectLst/>
+              </a:rPr>
+              <a:t> </a:t>
+            </a:r>
+            <a:r>
+              <a:rPr lang="en-US" sz="2200" dirty="0" err="1" smtClean="0">
+                <a:effectLst/>
+              </a:rPr>
+              <a:t>dương</a:t>
+            </a:r>
+            <a:r>
+              <a:rPr lang="en-US" sz="2200" dirty="0" smtClean="0">
+                <a:effectLst/>
+              </a:rPr>
+              <a:t> </a:t>
+            </a:r>
+            <a:r>
+              <a:rPr lang="en-US" sz="2200" dirty="0" err="1" smtClean="0">
+                <a:effectLst/>
+              </a:rPr>
+              <a:t>công</a:t>
+            </a:r>
+            <a:r>
+              <a:rPr lang="en-US" sz="2200" dirty="0" smtClean="0">
+                <a:effectLst/>
+              </a:rPr>
+              <a:t> </a:t>
+            </a:r>
+            <a:r>
+              <a:rPr lang="en-US" sz="2200" dirty="0" err="1" smtClean="0">
+                <a:effectLst/>
+              </a:rPr>
+              <a:t>phúc</a:t>
+            </a:r>
+            <a:endParaRPr lang="en-US" sz="2200" dirty="0" smtClean="0">
+              <a:effectLst/>
             </a:endParaRPr>
           </a:p>
         </p:txBody>
@@ -9349,30 +10218,16 @@
         </p:nvSpPr>
         <p:spPr/>
         <p:txBody>
-          <a:bodyPr/>
+          <a:bodyPr>
+            <a:normAutofit/>
+          </a:bodyPr>
           <a:lstStyle/>
           <a:p>
             <a:r>
-              <a:rPr lang="en-US" dirty="0" err="1" smtClean="0"/>
-              <a:t>Cây</a:t>
-            </a:r>
-            <a:r>
-              <a:rPr lang="en-US" dirty="0" smtClean="0"/>
-              <a:t> </a:t>
-            </a:r>
-            <a:r>
-              <a:rPr lang="en-US" dirty="0" err="1" smtClean="0"/>
-              <a:t>quyết</a:t>
-            </a:r>
-            <a:r>
-              <a:rPr lang="en-US" dirty="0" smtClean="0"/>
-              <a:t> </a:t>
-            </a:r>
-            <a:r>
-              <a:rPr lang="en-US" dirty="0" err="1" smtClean="0"/>
-              <a:t>định</a:t>
-            </a:r>
-            <a:endParaRPr lang="vi-VN" dirty="0"/>
+              <a:rPr lang="en-US" sz="3600" dirty="0" smtClean="0"/>
+              <a:t>Similarity</a:t>
+            </a:r>
+            <a:endParaRPr lang="vi-VN" sz="3600" dirty="0"/>
           </a:p>
         </p:txBody>
       </p:sp>
@@ -9406,14 +10261,73 @@
           </a:p>
         </p:txBody>
       </p:sp>
+      <p:pic>
+        <p:nvPicPr>
+          <p:cNvPr id="8" name="Picture 7"/>
+          <p:cNvPicPr/>
+          <p:nvPr/>
+        </p:nvPicPr>
+        <p:blipFill>
+          <a:blip r:embed="rId2"/>
+          <a:stretch>
+            <a:fillRect/>
+          </a:stretch>
+        </p:blipFill>
+        <p:spPr>
+          <a:xfrm>
+            <a:off x="1835696" y="2140019"/>
+            <a:ext cx="5112568" cy="2585125"/>
+          </a:xfrm>
+          <a:prstGeom prst="rect">
+            <a:avLst/>
+          </a:prstGeom>
+        </p:spPr>
+      </p:pic>
+    </p:spTree>
+    <p:extLst>
+      <p:ext uri="{BB962C8B-B14F-4D97-AF65-F5344CB8AC3E}">
+        <p14:creationId xmlns:p14="http://schemas.microsoft.com/office/powerpoint/2010/main" val="4028886652"/>
+      </p:ext>
+    </p:extLst>
+  </p:cSld>
+  <p:clrMapOvr>
+    <a:masterClrMapping/>
+  </p:clrMapOvr>
+  <p:timing>
+    <p:tnLst>
+      <p:par>
+        <p:cTn id="1" dur="indefinite" restart="never" nodeType="tmRoot"/>
+      </p:par>
+    </p:tnLst>
+  </p:timing>
+</p:sld>
+</file>
+
+<file path=ppt/slides/slide11.xml><?xml version="1.0" encoding="utf-8"?>
+<p:sld xmlns:a="http://schemas.openxmlformats.org/drawingml/2006/main" xmlns:r="http://schemas.openxmlformats.org/officeDocument/2006/relationships" xmlns:p="http://schemas.openxmlformats.org/presentationml/2006/main">
+  <p:cSld>
+    <p:spTree>
+      <p:nvGrpSpPr>
+        <p:cNvPr id="1" name=""/>
+        <p:cNvGrpSpPr/>
+        <p:nvPr/>
+      </p:nvGrpSpPr>
+      <p:grpSpPr>
+        <a:xfrm>
+          <a:off x="0" y="0"/>
+          <a:ext cx="0" cy="0"/>
+          <a:chOff x="0" y="0"/>
+          <a:chExt cx="0" cy="0"/>
+        </a:xfrm>
+      </p:grpSpPr>
       <p:sp>
         <p:nvSpPr>
-          <p:cNvPr id="4" name="Content Placeholder 3"/>
+          <p:cNvPr id="2" name="Title 1"/>
           <p:cNvSpPr>
             <a:spLocks noGrp="1"/>
           </p:cNvSpPr>
           <p:nvPr>
-            <p:ph sz="quarter" idx="1"/>
+            <p:ph type="title"/>
           </p:nvPr>
         </p:nvSpPr>
         <p:spPr/>
@@ -9421,7 +10335,57 @@
           <a:bodyPr/>
           <a:lstStyle/>
           <a:p>
+            <a:r>
+              <a:rPr lang="en-US" dirty="0" err="1" smtClean="0"/>
+              <a:t>Cây</a:t>
+            </a:r>
+            <a:r>
+              <a:rPr lang="en-US" dirty="0" smtClean="0"/>
+              <a:t> </a:t>
+            </a:r>
+            <a:r>
+              <a:rPr lang="en-US" dirty="0" err="1" smtClean="0"/>
+              <a:t>quyết</a:t>
+            </a:r>
+            <a:r>
+              <a:rPr lang="en-US" dirty="0" smtClean="0"/>
+              <a:t> </a:t>
+            </a:r>
+            <a:r>
+              <a:rPr lang="en-US" dirty="0" err="1" smtClean="0"/>
+              <a:t>định</a:t>
+            </a:r>
             <a:endParaRPr lang="vi-VN" dirty="0"/>
+          </a:p>
+        </p:txBody>
+      </p:sp>
+      <p:sp>
+        <p:nvSpPr>
+          <p:cNvPr id="3" name="Slide Number Placeholder 2"/>
+          <p:cNvSpPr>
+            <a:spLocks noGrp="1"/>
+          </p:cNvSpPr>
+          <p:nvPr>
+            <p:ph type="sldNum" sz="quarter" idx="12"/>
+          </p:nvPr>
+        </p:nvSpPr>
+        <p:spPr/>
+        <p:txBody>
+          <a:bodyPr>
+            <a:normAutofit fontScale="85000" lnSpcReduction="20000"/>
+          </a:bodyPr>
+          <a:lstStyle/>
+          <a:p>
+            <a:fld id="{1AD93096-5B34-4342-9326-69289CEAE4C2}" type="slidenum">
+              <a:rPr lang="en-US" smtClean="0"/>
+              <a:pPr/>
+              <a:t>11</a:t>
+            </a:fld>
+            <a:endParaRPr lang="en-US" dirty="0">
+              <a:solidFill>
+                <a:srgbClr val="FFFFFF"/>
+              </a:solidFill>
+            </a:endParaRPr>
           </a:p>
         </p:txBody>
       </p:sp>
@@ -9448,8 +10412,8 @@
         </p:blipFill>
         <p:spPr bwMode="auto">
           <a:xfrm>
-            <a:off x="4589711" y="1628800"/>
-            <a:ext cx="4554290" cy="3168352"/>
+            <a:off x="2195736" y="2060848"/>
+            <a:ext cx="5071823" cy="3528392"/>
           </a:xfrm>
           <a:prstGeom prst="rect">
             <a:avLst/>
@@ -9509,7 +10473,1390 @@
 </p:sld>
 </file>
 
-<file path=ppt/slides/slide11.xml><?xml version="1.0" encoding="utf-8"?>
+<file path=ppt/slides/slide12.xml><?xml version="1.0" encoding="utf-8"?>
+<p:sld xmlns:a="http://schemas.openxmlformats.org/drawingml/2006/main" xmlns:r="http://schemas.openxmlformats.org/officeDocument/2006/relationships" xmlns:p="http://schemas.openxmlformats.org/presentationml/2006/main">
+  <p:cSld>
+    <p:spTree>
+      <p:nvGrpSpPr>
+        <p:cNvPr id="1" name=""/>
+        <p:cNvGrpSpPr/>
+        <p:nvPr/>
+      </p:nvGrpSpPr>
+      <p:grpSpPr>
+        <a:xfrm>
+          <a:off x="0" y="0"/>
+          <a:ext cx="0" cy="0"/>
+          <a:chOff x="0" y="0"/>
+          <a:chExt cx="0" cy="0"/>
+        </a:xfrm>
+      </p:grpSpPr>
+      <p:pic>
+        <p:nvPicPr>
+          <p:cNvPr id="7175" name="Picture 7"/>
+          <p:cNvPicPr>
+            <a:picLocks noChangeAspect="1" noChangeArrowheads="1"/>
+          </p:cNvPicPr>
+          <p:nvPr/>
+        </p:nvPicPr>
+        <p:blipFill>
+          <a:blip r:embed="rId2">
+            <a:extLst>
+              <a:ext uri="{28A0092B-C50C-407E-A947-70E740481C1C}">
+                <a14:useLocalDpi xmlns:a14="http://schemas.microsoft.com/office/drawing/2010/main" val="0"/>
+              </a:ext>
+            </a:extLst>
+          </a:blip>
+          <a:srcRect/>
+          <a:stretch>
+            <a:fillRect/>
+          </a:stretch>
+        </p:blipFill>
+        <p:spPr bwMode="auto">
+          <a:xfrm>
+            <a:off x="2951820" y="1628800"/>
+            <a:ext cx="4949506" cy="4392488"/>
+          </a:xfrm>
+          <a:prstGeom prst="rect">
+            <a:avLst/>
+          </a:prstGeom>
+          <a:noFill/>
+          <a:ln>
+            <a:noFill/>
+          </a:ln>
+          <a:effectLst/>
+          <a:extLst>
+            <a:ext uri="{909E8E84-426E-40DD-AFC4-6F175D3DCCD1}">
+              <a14:hiddenFill xmlns:a14="http://schemas.microsoft.com/office/drawing/2010/main">
+                <a:solidFill>
+                  <a:schemeClr val="accent1"/>
+                </a:solidFill>
+              </a14:hiddenFill>
+            </a:ext>
+            <a:ext uri="{91240B29-F687-4F45-9708-019B960494DF}">
+              <a14:hiddenLine xmlns:a14="http://schemas.microsoft.com/office/drawing/2010/main" w="9525">
+                <a:solidFill>
+                  <a:schemeClr val="tx1"/>
+                </a:solidFill>
+                <a:miter lim="800000"/>
+                <a:headEnd/>
+                <a:tailEnd/>
+              </a14:hiddenLine>
+            </a:ext>
+            <a:ext uri="{AF507438-7753-43E0-B8FC-AC1667EBCBE1}">
+              <a14:hiddenEffects xmlns:a14="http://schemas.microsoft.com/office/drawing/2010/main">
+                <a:effectLst>
+                  <a:outerShdw dist="35921" dir="2700000" algn="ctr" rotWithShape="0">
+                    <a:schemeClr val="bg2"/>
+                  </a:outerShdw>
+                </a:effectLst>
+              </a14:hiddenEffects>
+            </a:ext>
+          </a:extLst>
+        </p:spPr>
+      </p:pic>
+      <p:sp>
+        <p:nvSpPr>
+          <p:cNvPr id="2" name="Title 1"/>
+          <p:cNvSpPr>
+            <a:spLocks noGrp="1"/>
+          </p:cNvSpPr>
+          <p:nvPr>
+            <p:ph type="title"/>
+          </p:nvPr>
+        </p:nvSpPr>
+        <p:spPr/>
+        <p:txBody>
+          <a:bodyPr/>
+          <a:lstStyle/>
+          <a:p>
+            <a:r>
+              <a:rPr lang="en-US" dirty="0" err="1" smtClean="0"/>
+              <a:t>Cây</a:t>
+            </a:r>
+            <a:r>
+              <a:rPr lang="en-US" dirty="0" smtClean="0"/>
+              <a:t> </a:t>
+            </a:r>
+            <a:r>
+              <a:rPr lang="en-US" dirty="0" err="1" smtClean="0"/>
+              <a:t>quyết</a:t>
+            </a:r>
+            <a:r>
+              <a:rPr lang="en-US" dirty="0" smtClean="0"/>
+              <a:t> </a:t>
+            </a:r>
+            <a:r>
+              <a:rPr lang="en-US" dirty="0" err="1" smtClean="0"/>
+              <a:t>định</a:t>
+            </a:r>
+            <a:endParaRPr lang="vi-VN" dirty="0"/>
+          </a:p>
+        </p:txBody>
+      </p:sp>
+      <p:sp>
+        <p:nvSpPr>
+          <p:cNvPr id="3" name="Slide Number Placeholder 2"/>
+          <p:cNvSpPr>
+            <a:spLocks noGrp="1"/>
+          </p:cNvSpPr>
+          <p:nvPr>
+            <p:ph type="sldNum" sz="quarter" idx="12"/>
+          </p:nvPr>
+        </p:nvSpPr>
+        <p:spPr/>
+        <p:txBody>
+          <a:bodyPr>
+            <a:normAutofit fontScale="85000" lnSpcReduction="20000"/>
+          </a:bodyPr>
+          <a:lstStyle/>
+          <a:p>
+            <a:fld id="{1AD93096-5B34-4342-9326-69289CEAE4C2}" type="slidenum">
+              <a:rPr lang="en-US" smtClean="0"/>
+              <a:pPr/>
+              <a:t>12</a:t>
+            </a:fld>
+            <a:endParaRPr lang="en-US" dirty="0">
+              <a:solidFill>
+                <a:srgbClr val="FFFFFF"/>
+              </a:solidFill>
+            </a:endParaRPr>
+          </a:p>
+        </p:txBody>
+      </p:sp>
+      <p:sp>
+        <p:nvSpPr>
+          <p:cNvPr id="6" name="TextBox 5"/>
+          <p:cNvSpPr txBox="1"/>
+          <p:nvPr/>
+        </p:nvSpPr>
+        <p:spPr>
+          <a:xfrm>
+            <a:off x="738617" y="3434241"/>
+            <a:ext cx="1487908" cy="369332"/>
+          </a:xfrm>
+          <a:prstGeom prst="rect">
+            <a:avLst/>
+          </a:prstGeom>
+          <a:noFill/>
+        </p:spPr>
+        <p:txBody>
+          <a:bodyPr wrap="none" rtlCol="0">
+            <a:spAutoFit/>
+          </a:bodyPr>
+          <a:lstStyle/>
+          <a:p>
+            <a:r>
+              <a:rPr lang="en-US" dirty="0" smtClean="0"/>
+              <a:t>Main Server</a:t>
+            </a:r>
+            <a:endParaRPr lang="vi-VN" dirty="0"/>
+          </a:p>
+        </p:txBody>
+      </p:sp>
+      <p:pic>
+        <p:nvPicPr>
+          <p:cNvPr id="7174" name="Picture 6" descr="http://www.google.com.vn/url?source=imglanding&amp;ct=img&amp;q=http://www.gas-thailand.com/network/Server.png&amp;sa=X&amp;ei=O1oFT-i9OMaTiQfDmY2bAQ&amp;ved=0CAwQ8wc4LA&amp;usg=AFQjCNEBLZ2Bt7DGjK2-SFXlMYfXHP9KPA"/>
+          <p:cNvPicPr>
+            <a:picLocks noChangeAspect="1" noChangeArrowheads="1"/>
+          </p:cNvPicPr>
+          <p:nvPr/>
+        </p:nvPicPr>
+        <p:blipFill>
+          <a:blip r:embed="rId3">
+            <a:extLst>
+              <a:ext uri="{28A0092B-C50C-407E-A947-70E740481C1C}">
+                <a14:useLocalDpi xmlns:a14="http://schemas.microsoft.com/office/drawing/2010/main" val="0"/>
+              </a:ext>
+            </a:extLst>
+          </a:blip>
+          <a:srcRect/>
+          <a:stretch>
+            <a:fillRect/>
+          </a:stretch>
+        </p:blipFill>
+        <p:spPr bwMode="auto">
+          <a:xfrm>
+            <a:off x="985431" y="1912672"/>
+            <a:ext cx="994281" cy="1362029"/>
+          </a:xfrm>
+          <a:prstGeom prst="rect">
+            <a:avLst/>
+          </a:prstGeom>
+          <a:noFill/>
+          <a:extLst>
+            <a:ext uri="{909E8E84-426E-40DD-AFC4-6F175D3DCCD1}">
+              <a14:hiddenFill xmlns:a14="http://schemas.microsoft.com/office/drawing/2010/main">
+                <a:solidFill>
+                  <a:srgbClr val="FFFFFF"/>
+                </a:solidFill>
+              </a14:hiddenFill>
+            </a:ext>
+          </a:extLst>
+        </p:spPr>
+      </p:pic>
+      <p:sp>
+        <p:nvSpPr>
+          <p:cNvPr id="10" name="TextBox 9"/>
+          <p:cNvSpPr txBox="1"/>
+          <p:nvPr/>
+        </p:nvSpPr>
+        <p:spPr>
+          <a:xfrm>
+            <a:off x="3214648" y="3434239"/>
+            <a:ext cx="2412840" cy="369332"/>
+          </a:xfrm>
+          <a:prstGeom prst="rect">
+            <a:avLst/>
+          </a:prstGeom>
+          <a:noFill/>
+        </p:spPr>
+        <p:txBody>
+          <a:bodyPr wrap="none" rtlCol="0">
+            <a:spAutoFit/>
+          </a:bodyPr>
+          <a:lstStyle/>
+          <a:p>
+            <a:r>
+              <a:rPr lang="en-US" dirty="0" smtClean="0"/>
+              <a:t>Pivot Storage Server</a:t>
+            </a:r>
+            <a:endParaRPr lang="vi-VN" dirty="0"/>
+          </a:p>
+        </p:txBody>
+      </p:sp>
+      <p:pic>
+        <p:nvPicPr>
+          <p:cNvPr id="11" name="Picture 6" descr="http://www.google.com.vn/url?source=imglanding&amp;ct=img&amp;q=http://www.gas-thailand.com/network/Server.png&amp;sa=X&amp;ei=O1oFT-i9OMaTiQfDmY2bAQ&amp;ved=0CAwQ8wc4LA&amp;usg=AFQjCNEBLZ2Bt7DGjK2-SFXlMYfXHP9KPA"/>
+          <p:cNvPicPr>
+            <a:picLocks noChangeAspect="1" noChangeArrowheads="1"/>
+          </p:cNvPicPr>
+          <p:nvPr/>
+        </p:nvPicPr>
+        <p:blipFill>
+          <a:blip r:embed="rId3">
+            <a:extLst>
+              <a:ext uri="{28A0092B-C50C-407E-A947-70E740481C1C}">
+                <a14:useLocalDpi xmlns:a14="http://schemas.microsoft.com/office/drawing/2010/main" val="0"/>
+              </a:ext>
+            </a:extLst>
+          </a:blip>
+          <a:srcRect/>
+          <a:stretch>
+            <a:fillRect/>
+          </a:stretch>
+        </p:blipFill>
+        <p:spPr bwMode="auto">
+          <a:xfrm>
+            <a:off x="3923928" y="1912671"/>
+            <a:ext cx="994281" cy="1362029"/>
+          </a:xfrm>
+          <a:prstGeom prst="rect">
+            <a:avLst/>
+          </a:prstGeom>
+          <a:noFill/>
+          <a:extLst>
+            <a:ext uri="{909E8E84-426E-40DD-AFC4-6F175D3DCCD1}">
+              <a14:hiddenFill xmlns:a14="http://schemas.microsoft.com/office/drawing/2010/main">
+                <a:solidFill>
+                  <a:srgbClr val="FFFFFF"/>
+                </a:solidFill>
+              </a14:hiddenFill>
+            </a:ext>
+          </a:extLst>
+        </p:spPr>
+      </p:pic>
+      <p:sp>
+        <p:nvSpPr>
+          <p:cNvPr id="12" name="TextBox 11"/>
+          <p:cNvSpPr txBox="1"/>
+          <p:nvPr/>
+        </p:nvSpPr>
+        <p:spPr>
+          <a:xfrm>
+            <a:off x="6366549" y="3434239"/>
+            <a:ext cx="2013693" cy="369332"/>
+          </a:xfrm>
+          <a:prstGeom prst="rect">
+            <a:avLst/>
+          </a:prstGeom>
+          <a:noFill/>
+        </p:spPr>
+        <p:txBody>
+          <a:bodyPr wrap="none" rtlCol="0">
+            <a:spAutoFit/>
+          </a:bodyPr>
+          <a:lstStyle/>
+          <a:p>
+            <a:r>
+              <a:rPr lang="en-US" dirty="0" smtClean="0"/>
+              <a:t>Analysis Services</a:t>
+            </a:r>
+            <a:endParaRPr lang="vi-VN" dirty="0"/>
+          </a:p>
+        </p:txBody>
+      </p:sp>
+      <p:pic>
+        <p:nvPicPr>
+          <p:cNvPr id="13" name="Picture 6" descr="http://www.google.com.vn/url?source=imglanding&amp;ct=img&amp;q=http://www.gas-thailand.com/network/Server.png&amp;sa=X&amp;ei=O1oFT-i9OMaTiQfDmY2bAQ&amp;ved=0CAwQ8wc4LA&amp;usg=AFQjCNEBLZ2Bt7DGjK2-SFXlMYfXHP9KPA"/>
+          <p:cNvPicPr>
+            <a:picLocks noChangeAspect="1" noChangeArrowheads="1"/>
+          </p:cNvPicPr>
+          <p:nvPr/>
+        </p:nvPicPr>
+        <p:blipFill>
+          <a:blip r:embed="rId3">
+            <a:extLst>
+              <a:ext uri="{28A0092B-C50C-407E-A947-70E740481C1C}">
+                <a14:useLocalDpi xmlns:a14="http://schemas.microsoft.com/office/drawing/2010/main" val="0"/>
+              </a:ext>
+            </a:extLst>
+          </a:blip>
+          <a:srcRect/>
+          <a:stretch>
+            <a:fillRect/>
+          </a:stretch>
+        </p:blipFill>
+        <p:spPr bwMode="auto">
+          <a:xfrm>
+            <a:off x="6876256" y="1912670"/>
+            <a:ext cx="994281" cy="1362029"/>
+          </a:xfrm>
+          <a:prstGeom prst="rect">
+            <a:avLst/>
+          </a:prstGeom>
+          <a:noFill/>
+          <a:extLst>
+            <a:ext uri="{909E8E84-426E-40DD-AFC4-6F175D3DCCD1}">
+              <a14:hiddenFill xmlns:a14="http://schemas.microsoft.com/office/drawing/2010/main">
+                <a:solidFill>
+                  <a:srgbClr val="FFFFFF"/>
+                </a:solidFill>
+              </a14:hiddenFill>
+            </a:ext>
+          </a:extLst>
+        </p:spPr>
+      </p:pic>
+      <p:sp>
+        <p:nvSpPr>
+          <p:cNvPr id="7" name="Right Arrow 6"/>
+          <p:cNvSpPr/>
+          <p:nvPr/>
+        </p:nvSpPr>
+        <p:spPr>
+          <a:xfrm>
+            <a:off x="2123728" y="2593684"/>
+            <a:ext cx="1656184" cy="331260"/>
+          </a:xfrm>
+          <a:prstGeom prst="rightArrow">
+            <a:avLst/>
+          </a:prstGeom>
+        </p:spPr>
+        <p:style>
+          <a:lnRef idx="2">
+            <a:schemeClr val="accent1">
+              <a:shade val="50000"/>
+            </a:schemeClr>
+          </a:lnRef>
+          <a:fillRef idx="1">
+            <a:schemeClr val="accent1"/>
+          </a:fillRef>
+          <a:effectRef idx="0">
+            <a:schemeClr val="accent1"/>
+          </a:effectRef>
+          <a:fontRef idx="minor">
+            <a:schemeClr val="lt1"/>
+          </a:fontRef>
+        </p:style>
+        <p:txBody>
+          <a:bodyPr rtlCol="0" anchor="ctr"/>
+          <a:lstStyle/>
+          <a:p>
+            <a:pPr algn="ctr"/>
+            <a:endParaRPr lang="vi-VN"/>
+          </a:p>
+        </p:txBody>
+      </p:sp>
+      <p:sp>
+        <p:nvSpPr>
+          <p:cNvPr id="15" name="Right Arrow 14"/>
+          <p:cNvSpPr/>
+          <p:nvPr/>
+        </p:nvSpPr>
+        <p:spPr>
+          <a:xfrm>
+            <a:off x="5076056" y="2580769"/>
+            <a:ext cx="1656184" cy="331260"/>
+          </a:xfrm>
+          <a:prstGeom prst="rightArrow">
+            <a:avLst/>
+          </a:prstGeom>
+        </p:spPr>
+        <p:style>
+          <a:lnRef idx="2">
+            <a:schemeClr val="accent1">
+              <a:shade val="50000"/>
+            </a:schemeClr>
+          </a:lnRef>
+          <a:fillRef idx="1">
+            <a:schemeClr val="accent1"/>
+          </a:fillRef>
+          <a:effectRef idx="0">
+            <a:schemeClr val="accent1"/>
+          </a:effectRef>
+          <a:fontRef idx="minor">
+            <a:schemeClr val="lt1"/>
+          </a:fontRef>
+        </p:style>
+        <p:txBody>
+          <a:bodyPr rtlCol="0" anchor="ctr"/>
+          <a:lstStyle/>
+          <a:p>
+            <a:pPr algn="ctr"/>
+            <a:endParaRPr lang="vi-VN"/>
+          </a:p>
+        </p:txBody>
+      </p:sp>
+      <p:sp>
+        <p:nvSpPr>
+          <p:cNvPr id="9" name="U-Turn Arrow 8"/>
+          <p:cNvSpPr/>
+          <p:nvPr/>
+        </p:nvSpPr>
+        <p:spPr>
+          <a:xfrm rot="10800000">
+            <a:off x="1224894" y="3803572"/>
+            <a:ext cx="6148502" cy="633539"/>
+          </a:xfrm>
+          <a:prstGeom prst="uturnArrow">
+            <a:avLst/>
+          </a:prstGeom>
+        </p:spPr>
+        <p:style>
+          <a:lnRef idx="2">
+            <a:schemeClr val="accent1">
+              <a:shade val="50000"/>
+            </a:schemeClr>
+          </a:lnRef>
+          <a:fillRef idx="1">
+            <a:schemeClr val="accent1"/>
+          </a:fillRef>
+          <a:effectRef idx="0">
+            <a:schemeClr val="accent1"/>
+          </a:effectRef>
+          <a:fontRef idx="minor">
+            <a:schemeClr val="lt1"/>
+          </a:fontRef>
+        </p:style>
+        <p:txBody>
+          <a:bodyPr rtlCol="0" anchor="ctr"/>
+          <a:lstStyle/>
+          <a:p>
+            <a:pPr algn="ctr"/>
+            <a:endParaRPr lang="vi-VN">
+              <a:solidFill>
+                <a:schemeClr val="tx1"/>
+              </a:solidFill>
+            </a:endParaRPr>
+          </a:p>
+        </p:txBody>
+      </p:sp>
+      <p:pic>
+        <p:nvPicPr>
+          <p:cNvPr id="7176" name="Picture 8"/>
+          <p:cNvPicPr>
+            <a:picLocks noChangeAspect="1" noChangeArrowheads="1"/>
+          </p:cNvPicPr>
+          <p:nvPr/>
+        </p:nvPicPr>
+        <p:blipFill>
+          <a:blip r:embed="rId4">
+            <a:extLst>
+              <a:ext uri="{28A0092B-C50C-407E-A947-70E740481C1C}">
+                <a14:useLocalDpi xmlns:a14="http://schemas.microsoft.com/office/drawing/2010/main" val="0"/>
+              </a:ext>
+            </a:extLst>
+          </a:blip>
+          <a:srcRect/>
+          <a:stretch>
+            <a:fillRect/>
+          </a:stretch>
+        </p:blipFill>
+        <p:spPr bwMode="auto">
+          <a:xfrm>
+            <a:off x="1896733" y="5013176"/>
+            <a:ext cx="5316537" cy="1127125"/>
+          </a:xfrm>
+          <a:prstGeom prst="rect">
+            <a:avLst/>
+          </a:prstGeom>
+          <a:noFill/>
+          <a:ln>
+            <a:noFill/>
+          </a:ln>
+          <a:effectLst/>
+          <a:extLst>
+            <a:ext uri="{909E8E84-426E-40DD-AFC4-6F175D3DCCD1}">
+              <a14:hiddenFill xmlns:a14="http://schemas.microsoft.com/office/drawing/2010/main">
+                <a:solidFill>
+                  <a:schemeClr val="accent1"/>
+                </a:solidFill>
+              </a14:hiddenFill>
+            </a:ext>
+            <a:ext uri="{91240B29-F687-4F45-9708-019B960494DF}">
+              <a14:hiddenLine xmlns:a14="http://schemas.microsoft.com/office/drawing/2010/main" w="9525">
+                <a:solidFill>
+                  <a:schemeClr val="tx1"/>
+                </a:solidFill>
+                <a:miter lim="800000"/>
+                <a:headEnd/>
+                <a:tailEnd/>
+              </a14:hiddenLine>
+            </a:ext>
+            <a:ext uri="{AF507438-7753-43E0-B8FC-AC1667EBCBE1}">
+              <a14:hiddenEffects xmlns:a14="http://schemas.microsoft.com/office/drawing/2010/main">
+                <a:effectLst>
+                  <a:outerShdw dist="35921" dir="2700000" algn="ctr" rotWithShape="0">
+                    <a:schemeClr val="bg2"/>
+                  </a:outerShdw>
+                </a:effectLst>
+              </a14:hiddenEffects>
+            </a:ext>
+          </a:extLst>
+        </p:spPr>
+      </p:pic>
+    </p:spTree>
+    <p:extLst>
+      <p:ext uri="{BB962C8B-B14F-4D97-AF65-F5344CB8AC3E}">
+        <p14:creationId xmlns:p14="http://schemas.microsoft.com/office/powerpoint/2010/main" val="2778518860"/>
+      </p:ext>
+    </p:extLst>
+  </p:cSld>
+  <p:clrMapOvr>
+    <a:masterClrMapping/>
+  </p:clrMapOvr>
+  <p:timing>
+    <p:tnLst>
+      <p:par>
+        <p:cTn id="1" dur="indefinite" restart="never" nodeType="tmRoot">
+          <p:childTnLst>
+            <p:seq concurrent="1" nextAc="seek">
+              <p:cTn id="2" dur="indefinite" nodeType="mainSeq">
+                <p:childTnLst>
+                  <p:par>
+                    <p:cTn id="3" fill="hold">
+                      <p:stCondLst>
+                        <p:cond delay="indefinite"/>
+                        <p:cond evt="onBegin" delay="0">
+                          <p:tn val="2"/>
+                        </p:cond>
+                      </p:stCondLst>
+                      <p:childTnLst>
+                        <p:par>
+                          <p:cTn id="4" fill="hold">
+                            <p:stCondLst>
+                              <p:cond delay="0"/>
+                            </p:stCondLst>
+                            <p:childTnLst>
+                              <p:par>
+                                <p:cTn id="5" presetID="10" presetClass="entr" presetSubtype="0" fill="hold" nodeType="withEffect">
+                                  <p:stCondLst>
+                                    <p:cond delay="0"/>
+                                  </p:stCondLst>
+                                  <p:childTnLst>
+                                    <p:set>
+                                      <p:cBhvr>
+                                        <p:cTn id="6" dur="1" fill="hold">
+                                          <p:stCondLst>
+                                            <p:cond delay="0"/>
+                                          </p:stCondLst>
+                                        </p:cTn>
+                                        <p:tgtEl>
+                                          <p:spTgt spid="7174"/>
+                                        </p:tgtEl>
+                                        <p:attrNameLst>
+                                          <p:attrName>style.visibility</p:attrName>
+                                        </p:attrNameLst>
+                                      </p:cBhvr>
+                                      <p:to>
+                                        <p:strVal val="visible"/>
+                                      </p:to>
+                                    </p:set>
+                                    <p:animEffect transition="in" filter="fade">
+                                      <p:cBhvr>
+                                        <p:cTn id="7" dur="1250"/>
+                                        <p:tgtEl>
+                                          <p:spTgt spid="7174"/>
+                                        </p:tgtEl>
+                                      </p:cBhvr>
+                                    </p:animEffect>
+                                  </p:childTnLst>
+                                </p:cTn>
+                              </p:par>
+                              <p:par>
+                                <p:cTn id="8" presetID="10" presetClass="entr" presetSubtype="0" fill="hold" grpId="0" nodeType="withEffect">
+                                  <p:stCondLst>
+                                    <p:cond delay="0"/>
+                                  </p:stCondLst>
+                                  <p:childTnLst>
+                                    <p:set>
+                                      <p:cBhvr>
+                                        <p:cTn id="9" dur="1" fill="hold">
+                                          <p:stCondLst>
+                                            <p:cond delay="0"/>
+                                          </p:stCondLst>
+                                        </p:cTn>
+                                        <p:tgtEl>
+                                          <p:spTgt spid="6"/>
+                                        </p:tgtEl>
+                                        <p:attrNameLst>
+                                          <p:attrName>style.visibility</p:attrName>
+                                        </p:attrNameLst>
+                                      </p:cBhvr>
+                                      <p:to>
+                                        <p:strVal val="visible"/>
+                                      </p:to>
+                                    </p:set>
+                                    <p:animEffect transition="in" filter="fade">
+                                      <p:cBhvr>
+                                        <p:cTn id="10" dur="1250"/>
+                                        <p:tgtEl>
+                                          <p:spTgt spid="6"/>
+                                        </p:tgtEl>
+                                      </p:cBhvr>
+                                    </p:animEffect>
+                                  </p:childTnLst>
+                                </p:cTn>
+                              </p:par>
+                            </p:childTnLst>
+                          </p:cTn>
+                        </p:par>
+                        <p:par>
+                          <p:cTn id="11" fill="hold">
+                            <p:stCondLst>
+                              <p:cond delay="1250"/>
+                            </p:stCondLst>
+                            <p:childTnLst>
+                              <p:par>
+                                <p:cTn id="12" presetID="10" presetClass="entr" presetSubtype="0" fill="hold" nodeType="afterEffect">
+                                  <p:stCondLst>
+                                    <p:cond delay="0"/>
+                                  </p:stCondLst>
+                                  <p:childTnLst>
+                                    <p:set>
+                                      <p:cBhvr>
+                                        <p:cTn id="13" dur="1" fill="hold">
+                                          <p:stCondLst>
+                                            <p:cond delay="0"/>
+                                          </p:stCondLst>
+                                        </p:cTn>
+                                        <p:tgtEl>
+                                          <p:spTgt spid="11"/>
+                                        </p:tgtEl>
+                                        <p:attrNameLst>
+                                          <p:attrName>style.visibility</p:attrName>
+                                        </p:attrNameLst>
+                                      </p:cBhvr>
+                                      <p:to>
+                                        <p:strVal val="visible"/>
+                                      </p:to>
+                                    </p:set>
+                                    <p:animEffect transition="in" filter="fade">
+                                      <p:cBhvr>
+                                        <p:cTn id="14" dur="1250"/>
+                                        <p:tgtEl>
+                                          <p:spTgt spid="11"/>
+                                        </p:tgtEl>
+                                      </p:cBhvr>
+                                    </p:animEffect>
+                                  </p:childTnLst>
+                                </p:cTn>
+                              </p:par>
+                              <p:par>
+                                <p:cTn id="15" presetID="10" presetClass="entr" presetSubtype="0" fill="hold" grpId="0" nodeType="withEffect">
+                                  <p:stCondLst>
+                                    <p:cond delay="0"/>
+                                  </p:stCondLst>
+                                  <p:childTnLst>
+                                    <p:set>
+                                      <p:cBhvr>
+                                        <p:cTn id="16" dur="1" fill="hold">
+                                          <p:stCondLst>
+                                            <p:cond delay="0"/>
+                                          </p:stCondLst>
+                                        </p:cTn>
+                                        <p:tgtEl>
+                                          <p:spTgt spid="10"/>
+                                        </p:tgtEl>
+                                        <p:attrNameLst>
+                                          <p:attrName>style.visibility</p:attrName>
+                                        </p:attrNameLst>
+                                      </p:cBhvr>
+                                      <p:to>
+                                        <p:strVal val="visible"/>
+                                      </p:to>
+                                    </p:set>
+                                    <p:animEffect transition="in" filter="fade">
+                                      <p:cBhvr>
+                                        <p:cTn id="17" dur="1250"/>
+                                        <p:tgtEl>
+                                          <p:spTgt spid="10"/>
+                                        </p:tgtEl>
+                                      </p:cBhvr>
+                                    </p:animEffect>
+                                  </p:childTnLst>
+                                </p:cTn>
+                              </p:par>
+                            </p:childTnLst>
+                          </p:cTn>
+                        </p:par>
+                        <p:par>
+                          <p:cTn id="18" fill="hold">
+                            <p:stCondLst>
+                              <p:cond delay="2500"/>
+                            </p:stCondLst>
+                            <p:childTnLst>
+                              <p:par>
+                                <p:cTn id="19" presetID="22" presetClass="entr" presetSubtype="8" fill="hold" grpId="0" nodeType="afterEffect">
+                                  <p:stCondLst>
+                                    <p:cond delay="0"/>
+                                  </p:stCondLst>
+                                  <p:childTnLst>
+                                    <p:set>
+                                      <p:cBhvr>
+                                        <p:cTn id="20" dur="1" fill="hold">
+                                          <p:stCondLst>
+                                            <p:cond delay="0"/>
+                                          </p:stCondLst>
+                                        </p:cTn>
+                                        <p:tgtEl>
+                                          <p:spTgt spid="7"/>
+                                        </p:tgtEl>
+                                        <p:attrNameLst>
+                                          <p:attrName>style.visibility</p:attrName>
+                                        </p:attrNameLst>
+                                      </p:cBhvr>
+                                      <p:to>
+                                        <p:strVal val="visible"/>
+                                      </p:to>
+                                    </p:set>
+                                    <p:animEffect transition="in" filter="wipe(left)">
+                                      <p:cBhvr>
+                                        <p:cTn id="21" dur="1250"/>
+                                        <p:tgtEl>
+                                          <p:spTgt spid="7"/>
+                                        </p:tgtEl>
+                                      </p:cBhvr>
+                                    </p:animEffect>
+                                  </p:childTnLst>
+                                </p:cTn>
+                              </p:par>
+                            </p:childTnLst>
+                          </p:cTn>
+                        </p:par>
+                        <p:par>
+                          <p:cTn id="22" fill="hold">
+                            <p:stCondLst>
+                              <p:cond delay="3750"/>
+                            </p:stCondLst>
+                            <p:childTnLst>
+                              <p:par>
+                                <p:cTn id="23" presetID="10" presetClass="entr" presetSubtype="0" fill="hold" nodeType="afterEffect">
+                                  <p:stCondLst>
+                                    <p:cond delay="0"/>
+                                  </p:stCondLst>
+                                  <p:childTnLst>
+                                    <p:set>
+                                      <p:cBhvr>
+                                        <p:cTn id="24" dur="1" fill="hold">
+                                          <p:stCondLst>
+                                            <p:cond delay="0"/>
+                                          </p:stCondLst>
+                                        </p:cTn>
+                                        <p:tgtEl>
+                                          <p:spTgt spid="13"/>
+                                        </p:tgtEl>
+                                        <p:attrNameLst>
+                                          <p:attrName>style.visibility</p:attrName>
+                                        </p:attrNameLst>
+                                      </p:cBhvr>
+                                      <p:to>
+                                        <p:strVal val="visible"/>
+                                      </p:to>
+                                    </p:set>
+                                    <p:animEffect transition="in" filter="fade">
+                                      <p:cBhvr>
+                                        <p:cTn id="25" dur="1250"/>
+                                        <p:tgtEl>
+                                          <p:spTgt spid="13"/>
+                                        </p:tgtEl>
+                                      </p:cBhvr>
+                                    </p:animEffect>
+                                  </p:childTnLst>
+                                </p:cTn>
+                              </p:par>
+                              <p:par>
+                                <p:cTn id="26" presetID="10" presetClass="entr" presetSubtype="0" fill="hold" grpId="0" nodeType="withEffect">
+                                  <p:stCondLst>
+                                    <p:cond delay="0"/>
+                                  </p:stCondLst>
+                                  <p:childTnLst>
+                                    <p:set>
+                                      <p:cBhvr>
+                                        <p:cTn id="27" dur="1" fill="hold">
+                                          <p:stCondLst>
+                                            <p:cond delay="0"/>
+                                          </p:stCondLst>
+                                        </p:cTn>
+                                        <p:tgtEl>
+                                          <p:spTgt spid="12"/>
+                                        </p:tgtEl>
+                                        <p:attrNameLst>
+                                          <p:attrName>style.visibility</p:attrName>
+                                        </p:attrNameLst>
+                                      </p:cBhvr>
+                                      <p:to>
+                                        <p:strVal val="visible"/>
+                                      </p:to>
+                                    </p:set>
+                                    <p:animEffect transition="in" filter="fade">
+                                      <p:cBhvr>
+                                        <p:cTn id="28" dur="1250"/>
+                                        <p:tgtEl>
+                                          <p:spTgt spid="12"/>
+                                        </p:tgtEl>
+                                      </p:cBhvr>
+                                    </p:animEffect>
+                                  </p:childTnLst>
+                                </p:cTn>
+                              </p:par>
+                            </p:childTnLst>
+                          </p:cTn>
+                        </p:par>
+                        <p:par>
+                          <p:cTn id="29" fill="hold">
+                            <p:stCondLst>
+                              <p:cond delay="5000"/>
+                            </p:stCondLst>
+                            <p:childTnLst>
+                              <p:par>
+                                <p:cTn id="30" presetID="22" presetClass="entr" presetSubtype="8" fill="hold" grpId="0" nodeType="afterEffect">
+                                  <p:stCondLst>
+                                    <p:cond delay="0"/>
+                                  </p:stCondLst>
+                                  <p:childTnLst>
+                                    <p:set>
+                                      <p:cBhvr>
+                                        <p:cTn id="31" dur="1" fill="hold">
+                                          <p:stCondLst>
+                                            <p:cond delay="0"/>
+                                          </p:stCondLst>
+                                        </p:cTn>
+                                        <p:tgtEl>
+                                          <p:spTgt spid="15"/>
+                                        </p:tgtEl>
+                                        <p:attrNameLst>
+                                          <p:attrName>style.visibility</p:attrName>
+                                        </p:attrNameLst>
+                                      </p:cBhvr>
+                                      <p:to>
+                                        <p:strVal val="visible"/>
+                                      </p:to>
+                                    </p:set>
+                                    <p:animEffect transition="in" filter="wipe(left)">
+                                      <p:cBhvr>
+                                        <p:cTn id="32" dur="1250"/>
+                                        <p:tgtEl>
+                                          <p:spTgt spid="15"/>
+                                        </p:tgtEl>
+                                      </p:cBhvr>
+                                    </p:animEffect>
+                                  </p:childTnLst>
+                                </p:cTn>
+                              </p:par>
+                            </p:childTnLst>
+                          </p:cTn>
+                        </p:par>
+                        <p:par>
+                          <p:cTn id="33" fill="hold">
+                            <p:stCondLst>
+                              <p:cond delay="6250"/>
+                            </p:stCondLst>
+                            <p:childTnLst>
+                              <p:par>
+                                <p:cTn id="34" presetID="22" presetClass="entr" presetSubtype="2" fill="hold" grpId="0" nodeType="afterEffect">
+                                  <p:stCondLst>
+                                    <p:cond delay="0"/>
+                                  </p:stCondLst>
+                                  <p:childTnLst>
+                                    <p:set>
+                                      <p:cBhvr>
+                                        <p:cTn id="35" dur="1" fill="hold">
+                                          <p:stCondLst>
+                                            <p:cond delay="0"/>
+                                          </p:stCondLst>
+                                        </p:cTn>
+                                        <p:tgtEl>
+                                          <p:spTgt spid="9"/>
+                                        </p:tgtEl>
+                                        <p:attrNameLst>
+                                          <p:attrName>style.visibility</p:attrName>
+                                        </p:attrNameLst>
+                                      </p:cBhvr>
+                                      <p:to>
+                                        <p:strVal val="visible"/>
+                                      </p:to>
+                                    </p:set>
+                                    <p:animEffect transition="in" filter="wipe(right)">
+                                      <p:cBhvr>
+                                        <p:cTn id="36" dur="1250"/>
+                                        <p:tgtEl>
+                                          <p:spTgt spid="9"/>
+                                        </p:tgtEl>
+                                      </p:cBhvr>
+                                    </p:animEffect>
+                                  </p:childTnLst>
+                                </p:cTn>
+                              </p:par>
+                            </p:childTnLst>
+                          </p:cTn>
+                        </p:par>
+                        <p:par>
+                          <p:cTn id="37" fill="hold">
+                            <p:stCondLst>
+                              <p:cond delay="7500"/>
+                            </p:stCondLst>
+                            <p:childTnLst>
+                              <p:par>
+                                <p:cTn id="38" presetID="10" presetClass="entr" presetSubtype="0" fill="hold" nodeType="afterEffect">
+                                  <p:stCondLst>
+                                    <p:cond delay="0"/>
+                                  </p:stCondLst>
+                                  <p:childTnLst>
+                                    <p:set>
+                                      <p:cBhvr>
+                                        <p:cTn id="39" dur="1" fill="hold">
+                                          <p:stCondLst>
+                                            <p:cond delay="0"/>
+                                          </p:stCondLst>
+                                        </p:cTn>
+                                        <p:tgtEl>
+                                          <p:spTgt spid="7176"/>
+                                        </p:tgtEl>
+                                        <p:attrNameLst>
+                                          <p:attrName>style.visibility</p:attrName>
+                                        </p:attrNameLst>
+                                      </p:cBhvr>
+                                      <p:to>
+                                        <p:strVal val="visible"/>
+                                      </p:to>
+                                    </p:set>
+                                    <p:animEffect transition="in" filter="fade">
+                                      <p:cBhvr>
+                                        <p:cTn id="40" dur="1250"/>
+                                        <p:tgtEl>
+                                          <p:spTgt spid="7176"/>
+                                        </p:tgtEl>
+                                      </p:cBhvr>
+                                    </p:animEffect>
+                                  </p:childTnLst>
+                                </p:cTn>
+                              </p:par>
+                            </p:childTnLst>
+                          </p:cTn>
+                        </p:par>
+                      </p:childTnLst>
+                    </p:cTn>
+                  </p:par>
+                  <p:par>
+                    <p:cTn id="41" fill="hold">
+                      <p:stCondLst>
+                        <p:cond delay="indefinite"/>
+                      </p:stCondLst>
+                      <p:childTnLst>
+                        <p:par>
+                          <p:cTn id="42" fill="hold">
+                            <p:stCondLst>
+                              <p:cond delay="0"/>
+                            </p:stCondLst>
+                            <p:childTnLst>
+                              <p:par>
+                                <p:cTn id="43" presetID="10" presetClass="exit" presetSubtype="0" fill="hold" nodeType="clickEffect">
+                                  <p:stCondLst>
+                                    <p:cond delay="0"/>
+                                  </p:stCondLst>
+                                  <p:childTnLst>
+                                    <p:animEffect transition="out" filter="fade">
+                                      <p:cBhvr>
+                                        <p:cTn id="44" dur="500"/>
+                                        <p:tgtEl>
+                                          <p:spTgt spid="11"/>
+                                        </p:tgtEl>
+                                      </p:cBhvr>
+                                    </p:animEffect>
+                                    <p:set>
+                                      <p:cBhvr>
+                                        <p:cTn id="45" dur="1" fill="hold">
+                                          <p:stCondLst>
+                                            <p:cond delay="499"/>
+                                          </p:stCondLst>
+                                        </p:cTn>
+                                        <p:tgtEl>
+                                          <p:spTgt spid="11"/>
+                                        </p:tgtEl>
+                                        <p:attrNameLst>
+                                          <p:attrName>style.visibility</p:attrName>
+                                        </p:attrNameLst>
+                                      </p:cBhvr>
+                                      <p:to>
+                                        <p:strVal val="hidden"/>
+                                      </p:to>
+                                    </p:set>
+                                  </p:childTnLst>
+                                </p:cTn>
+                              </p:par>
+                              <p:par>
+                                <p:cTn id="46" presetID="10" presetClass="exit" presetSubtype="0" fill="hold" grpId="1" nodeType="withEffect">
+                                  <p:stCondLst>
+                                    <p:cond delay="0"/>
+                                  </p:stCondLst>
+                                  <p:childTnLst>
+                                    <p:animEffect transition="out" filter="fade">
+                                      <p:cBhvr>
+                                        <p:cTn id="47" dur="500"/>
+                                        <p:tgtEl>
+                                          <p:spTgt spid="10"/>
+                                        </p:tgtEl>
+                                      </p:cBhvr>
+                                    </p:animEffect>
+                                    <p:set>
+                                      <p:cBhvr>
+                                        <p:cTn id="48" dur="1" fill="hold">
+                                          <p:stCondLst>
+                                            <p:cond delay="499"/>
+                                          </p:stCondLst>
+                                        </p:cTn>
+                                        <p:tgtEl>
+                                          <p:spTgt spid="10"/>
+                                        </p:tgtEl>
+                                        <p:attrNameLst>
+                                          <p:attrName>style.visibility</p:attrName>
+                                        </p:attrNameLst>
+                                      </p:cBhvr>
+                                      <p:to>
+                                        <p:strVal val="hidden"/>
+                                      </p:to>
+                                    </p:set>
+                                  </p:childTnLst>
+                                </p:cTn>
+                              </p:par>
+                              <p:par>
+                                <p:cTn id="49" presetID="10" presetClass="exit" presetSubtype="0" fill="hold" grpId="1" nodeType="withEffect">
+                                  <p:stCondLst>
+                                    <p:cond delay="0"/>
+                                  </p:stCondLst>
+                                  <p:childTnLst>
+                                    <p:animEffect transition="out" filter="fade">
+                                      <p:cBhvr>
+                                        <p:cTn id="50" dur="500"/>
+                                        <p:tgtEl>
+                                          <p:spTgt spid="7"/>
+                                        </p:tgtEl>
+                                      </p:cBhvr>
+                                    </p:animEffect>
+                                    <p:set>
+                                      <p:cBhvr>
+                                        <p:cTn id="51" dur="1" fill="hold">
+                                          <p:stCondLst>
+                                            <p:cond delay="499"/>
+                                          </p:stCondLst>
+                                        </p:cTn>
+                                        <p:tgtEl>
+                                          <p:spTgt spid="7"/>
+                                        </p:tgtEl>
+                                        <p:attrNameLst>
+                                          <p:attrName>style.visibility</p:attrName>
+                                        </p:attrNameLst>
+                                      </p:cBhvr>
+                                      <p:to>
+                                        <p:strVal val="hidden"/>
+                                      </p:to>
+                                    </p:set>
+                                  </p:childTnLst>
+                                </p:cTn>
+                              </p:par>
+                              <p:par>
+                                <p:cTn id="52" presetID="10" presetClass="exit" presetSubtype="0" fill="hold" nodeType="withEffect">
+                                  <p:stCondLst>
+                                    <p:cond delay="0"/>
+                                  </p:stCondLst>
+                                  <p:childTnLst>
+                                    <p:animEffect transition="out" filter="fade">
+                                      <p:cBhvr>
+                                        <p:cTn id="53" dur="500"/>
+                                        <p:tgtEl>
+                                          <p:spTgt spid="13"/>
+                                        </p:tgtEl>
+                                      </p:cBhvr>
+                                    </p:animEffect>
+                                    <p:set>
+                                      <p:cBhvr>
+                                        <p:cTn id="54" dur="1" fill="hold">
+                                          <p:stCondLst>
+                                            <p:cond delay="499"/>
+                                          </p:stCondLst>
+                                        </p:cTn>
+                                        <p:tgtEl>
+                                          <p:spTgt spid="13"/>
+                                        </p:tgtEl>
+                                        <p:attrNameLst>
+                                          <p:attrName>style.visibility</p:attrName>
+                                        </p:attrNameLst>
+                                      </p:cBhvr>
+                                      <p:to>
+                                        <p:strVal val="hidden"/>
+                                      </p:to>
+                                    </p:set>
+                                  </p:childTnLst>
+                                </p:cTn>
+                              </p:par>
+                              <p:par>
+                                <p:cTn id="55" presetID="10" presetClass="exit" presetSubtype="0" fill="hold" grpId="1" nodeType="withEffect">
+                                  <p:stCondLst>
+                                    <p:cond delay="0"/>
+                                  </p:stCondLst>
+                                  <p:childTnLst>
+                                    <p:animEffect transition="out" filter="fade">
+                                      <p:cBhvr>
+                                        <p:cTn id="56" dur="500"/>
+                                        <p:tgtEl>
+                                          <p:spTgt spid="12"/>
+                                        </p:tgtEl>
+                                      </p:cBhvr>
+                                    </p:animEffect>
+                                    <p:set>
+                                      <p:cBhvr>
+                                        <p:cTn id="57" dur="1" fill="hold">
+                                          <p:stCondLst>
+                                            <p:cond delay="499"/>
+                                          </p:stCondLst>
+                                        </p:cTn>
+                                        <p:tgtEl>
+                                          <p:spTgt spid="12"/>
+                                        </p:tgtEl>
+                                        <p:attrNameLst>
+                                          <p:attrName>style.visibility</p:attrName>
+                                        </p:attrNameLst>
+                                      </p:cBhvr>
+                                      <p:to>
+                                        <p:strVal val="hidden"/>
+                                      </p:to>
+                                    </p:set>
+                                  </p:childTnLst>
+                                </p:cTn>
+                              </p:par>
+                              <p:par>
+                                <p:cTn id="58" presetID="10" presetClass="exit" presetSubtype="0" fill="hold" grpId="1" nodeType="withEffect">
+                                  <p:stCondLst>
+                                    <p:cond delay="0"/>
+                                  </p:stCondLst>
+                                  <p:childTnLst>
+                                    <p:animEffect transition="out" filter="fade">
+                                      <p:cBhvr>
+                                        <p:cTn id="59" dur="500"/>
+                                        <p:tgtEl>
+                                          <p:spTgt spid="15"/>
+                                        </p:tgtEl>
+                                      </p:cBhvr>
+                                    </p:animEffect>
+                                    <p:set>
+                                      <p:cBhvr>
+                                        <p:cTn id="60" dur="1" fill="hold">
+                                          <p:stCondLst>
+                                            <p:cond delay="499"/>
+                                          </p:stCondLst>
+                                        </p:cTn>
+                                        <p:tgtEl>
+                                          <p:spTgt spid="15"/>
+                                        </p:tgtEl>
+                                        <p:attrNameLst>
+                                          <p:attrName>style.visibility</p:attrName>
+                                        </p:attrNameLst>
+                                      </p:cBhvr>
+                                      <p:to>
+                                        <p:strVal val="hidden"/>
+                                      </p:to>
+                                    </p:set>
+                                  </p:childTnLst>
+                                </p:cTn>
+                              </p:par>
+                              <p:par>
+                                <p:cTn id="61" presetID="10" presetClass="exit" presetSubtype="0" fill="hold" grpId="1" nodeType="withEffect">
+                                  <p:stCondLst>
+                                    <p:cond delay="0"/>
+                                  </p:stCondLst>
+                                  <p:childTnLst>
+                                    <p:animEffect transition="out" filter="fade">
+                                      <p:cBhvr>
+                                        <p:cTn id="62" dur="500"/>
+                                        <p:tgtEl>
+                                          <p:spTgt spid="9"/>
+                                        </p:tgtEl>
+                                      </p:cBhvr>
+                                    </p:animEffect>
+                                    <p:set>
+                                      <p:cBhvr>
+                                        <p:cTn id="63" dur="1" fill="hold">
+                                          <p:stCondLst>
+                                            <p:cond delay="499"/>
+                                          </p:stCondLst>
+                                        </p:cTn>
+                                        <p:tgtEl>
+                                          <p:spTgt spid="9"/>
+                                        </p:tgtEl>
+                                        <p:attrNameLst>
+                                          <p:attrName>style.visibility</p:attrName>
+                                        </p:attrNameLst>
+                                      </p:cBhvr>
+                                      <p:to>
+                                        <p:strVal val="hidden"/>
+                                      </p:to>
+                                    </p:set>
+                                  </p:childTnLst>
+                                </p:cTn>
+                              </p:par>
+                              <p:par>
+                                <p:cTn id="64" presetID="10" presetClass="exit" presetSubtype="0" fill="hold" nodeType="withEffect">
+                                  <p:stCondLst>
+                                    <p:cond delay="0"/>
+                                  </p:stCondLst>
+                                  <p:childTnLst>
+                                    <p:animEffect transition="out" filter="fade">
+                                      <p:cBhvr>
+                                        <p:cTn id="65" dur="500"/>
+                                        <p:tgtEl>
+                                          <p:spTgt spid="7176"/>
+                                        </p:tgtEl>
+                                      </p:cBhvr>
+                                    </p:animEffect>
+                                    <p:set>
+                                      <p:cBhvr>
+                                        <p:cTn id="66" dur="1" fill="hold">
+                                          <p:stCondLst>
+                                            <p:cond delay="499"/>
+                                          </p:stCondLst>
+                                        </p:cTn>
+                                        <p:tgtEl>
+                                          <p:spTgt spid="7176"/>
+                                        </p:tgtEl>
+                                        <p:attrNameLst>
+                                          <p:attrName>style.visibility</p:attrName>
+                                        </p:attrNameLst>
+                                      </p:cBhvr>
+                                      <p:to>
+                                        <p:strVal val="hidden"/>
+                                      </p:to>
+                                    </p:set>
+                                  </p:childTnLst>
+                                </p:cTn>
+                              </p:par>
+                            </p:childTnLst>
+                          </p:cTn>
+                        </p:par>
+                      </p:childTnLst>
+                    </p:cTn>
+                  </p:par>
+                  <p:par>
+                    <p:cTn id="67" fill="hold">
+                      <p:stCondLst>
+                        <p:cond delay="indefinite"/>
+                      </p:stCondLst>
+                      <p:childTnLst>
+                        <p:par>
+                          <p:cTn id="68" fill="hold">
+                            <p:stCondLst>
+                              <p:cond delay="0"/>
+                            </p:stCondLst>
+                            <p:childTnLst>
+                              <p:par>
+                                <p:cTn id="69" presetID="10" presetClass="entr" presetSubtype="0" fill="hold" nodeType="clickEffect">
+                                  <p:stCondLst>
+                                    <p:cond delay="0"/>
+                                  </p:stCondLst>
+                                  <p:childTnLst>
+                                    <p:set>
+                                      <p:cBhvr>
+                                        <p:cTn id="70" dur="1" fill="hold">
+                                          <p:stCondLst>
+                                            <p:cond delay="0"/>
+                                          </p:stCondLst>
+                                        </p:cTn>
+                                        <p:tgtEl>
+                                          <p:spTgt spid="7175"/>
+                                        </p:tgtEl>
+                                        <p:attrNameLst>
+                                          <p:attrName>style.visibility</p:attrName>
+                                        </p:attrNameLst>
+                                      </p:cBhvr>
+                                      <p:to>
+                                        <p:strVal val="visible"/>
+                                      </p:to>
+                                    </p:set>
+                                    <p:animEffect transition="in" filter="fade">
+                                      <p:cBhvr>
+                                        <p:cTn id="71" dur="500"/>
+                                        <p:tgtEl>
+                                          <p:spTgt spid="7175"/>
+                                        </p:tgtEl>
+                                      </p:cBhvr>
+                                    </p:animEffect>
+                                  </p:childTnLst>
+                                </p:cTn>
+                              </p:par>
+                            </p:childTnLst>
+                          </p:cTn>
+                        </p:par>
+                      </p:childTnLst>
+                    </p:cTn>
+                  </p:par>
+                </p:childTnLst>
+              </p:cTn>
+              <p:prevCondLst>
+                <p:cond evt="onPrev" delay="0">
+                  <p:tgtEl>
+                    <p:sldTgt/>
+                  </p:tgtEl>
+                </p:cond>
+              </p:prevCondLst>
+              <p:nextCondLst>
+                <p:cond evt="onNext" delay="0">
+                  <p:tgtEl>
+                    <p:sldTgt/>
+                  </p:tgtEl>
+                </p:cond>
+              </p:nextCondLst>
+            </p:seq>
+          </p:childTnLst>
+        </p:cTn>
+      </p:par>
+    </p:tnLst>
+    <p:bldLst>
+      <p:bldP spid="6" grpId="0"/>
+      <p:bldP spid="10" grpId="0"/>
+      <p:bldP spid="10" grpId="1"/>
+      <p:bldP spid="12" grpId="0"/>
+      <p:bldP spid="12" grpId="1"/>
+      <p:bldP spid="7" grpId="0" animBg="1"/>
+      <p:bldP spid="7" grpId="1" animBg="1"/>
+      <p:bldP spid="15" grpId="0" animBg="1"/>
+      <p:bldP spid="15" grpId="1" animBg="1"/>
+      <p:bldP spid="9" grpId="0" animBg="1"/>
+      <p:bldP spid="9" grpId="1" animBg="1"/>
+    </p:bldLst>
+  </p:timing>
+</p:sld>
+</file>
+
+<file path=ppt/slides/slide13.xml><?xml version="1.0" encoding="utf-8"?>
 <p:sld xmlns:a="http://schemas.openxmlformats.org/drawingml/2006/main" xmlns:r="http://schemas.openxmlformats.org/officeDocument/2006/relationships" xmlns:p="http://schemas.openxmlformats.org/presentationml/2006/main">
   <p:cSld>
     <p:spTree>
@@ -9593,7 +11940,7 @@
             <a:fld id="{1AD93096-5B34-4342-9326-69289CEAE4C2}" type="slidenum">
               <a:rPr lang="en-US" smtClean="0"/>
               <a:pPr/>
-              <a:t>11</a:t>
+              <a:t>13</a:t>
             </a:fld>
             <a:endParaRPr lang="en-US" dirty="0">
               <a:solidFill>
@@ -9618,7 +11965,75 @@
           <a:bodyPr/>
           <a:lstStyle/>
           <a:p>
-            <a:endParaRPr lang="vi-VN"/>
+            <a:r>
+              <a:rPr lang="en-US" dirty="0" err="1" smtClean="0"/>
+              <a:t>Các</a:t>
+            </a:r>
+            <a:r>
+              <a:rPr lang="en-US" dirty="0" smtClean="0"/>
+              <a:t> </a:t>
+            </a:r>
+            <a:r>
+              <a:rPr lang="en-US" dirty="0" err="1" smtClean="0"/>
+              <a:t>lý</a:t>
+            </a:r>
+            <a:r>
+              <a:rPr lang="en-US" dirty="0" smtClean="0"/>
+              <a:t> </a:t>
+            </a:r>
+            <a:r>
+              <a:rPr lang="en-US" dirty="0" err="1" smtClean="0"/>
+              <a:t>thuyết</a:t>
+            </a:r>
+            <a:r>
+              <a:rPr lang="en-US" dirty="0" smtClean="0"/>
+              <a:t> </a:t>
+            </a:r>
+            <a:r>
+              <a:rPr lang="en-US" dirty="0" err="1" smtClean="0"/>
+              <a:t>kiến</a:t>
+            </a:r>
+            <a:r>
+              <a:rPr lang="en-US" dirty="0" smtClean="0"/>
+              <a:t> </a:t>
+            </a:r>
+            <a:r>
+              <a:rPr lang="en-US" dirty="0" err="1" smtClean="0"/>
+              <a:t>trúc</a:t>
+            </a:r>
+            <a:r>
+              <a:rPr lang="en-US" dirty="0" smtClean="0"/>
+              <a:t> </a:t>
+            </a:r>
+            <a:r>
+              <a:rPr lang="en-US" dirty="0" err="1" smtClean="0"/>
+              <a:t>phần</a:t>
+            </a:r>
+            <a:r>
+              <a:rPr lang="en-US" dirty="0" smtClean="0"/>
+              <a:t> </a:t>
+            </a:r>
+            <a:r>
+              <a:rPr lang="en-US" dirty="0" err="1" smtClean="0"/>
+              <a:t>mềm</a:t>
+            </a:r>
+            <a:r>
+              <a:rPr lang="en-US" dirty="0" smtClean="0"/>
+              <a:t> dc </a:t>
+            </a:r>
+            <a:r>
+              <a:rPr lang="en-US" dirty="0" err="1" smtClean="0"/>
+              <a:t>áp</a:t>
+            </a:r>
+            <a:r>
+              <a:rPr lang="en-US" dirty="0" smtClean="0"/>
+              <a:t> </a:t>
+            </a:r>
+            <a:r>
+              <a:rPr lang="en-US" dirty="0" err="1" smtClean="0"/>
+              <a:t>dụng</a:t>
+            </a:r>
+            <a:endParaRPr lang="vi-VN" dirty="0"/>
           </a:p>
         </p:txBody>
       </p:sp>
@@ -9642,7 +12057,7 @@
 </p:sld>
 </file>
 
-<file path=ppt/slides/slide12.xml><?xml version="1.0" encoding="utf-8"?>
+<file path=ppt/slides/slide14.xml><?xml version="1.0" encoding="utf-8"?>
 <p:sld xmlns:a="http://schemas.openxmlformats.org/drawingml/2006/main" xmlns:r="http://schemas.openxmlformats.org/officeDocument/2006/relationships" xmlns:p="http://schemas.openxmlformats.org/presentationml/2006/main">
   <p:cSld>
     <p:spTree>
@@ -9886,7 +12301,7 @@
             <a:fld id="{1AD93096-5B34-4342-9326-69289CEAE4C2}" type="slidenum">
               <a:rPr lang="en-US" smtClean="0"/>
               <a:pPr/>
-              <a:t>12</a:t>
+              <a:t>14</a:t>
             </a:fld>
             <a:endParaRPr lang="en-US" dirty="0">
               <a:solidFill>
@@ -10013,7 +12428,7 @@
 </p:sld>
 </file>
 
-<file path=ppt/slides/slide13.xml><?xml version="1.0" encoding="utf-8"?>
+<file path=ppt/slides/slide15.xml><?xml version="1.0" encoding="utf-8"?>
 <p:sld xmlns:a="http://schemas.openxmlformats.org/drawingml/2006/main" xmlns:r="http://schemas.openxmlformats.org/officeDocument/2006/relationships" xmlns:p="http://schemas.openxmlformats.org/presentationml/2006/main">
   <p:cSld>
     <p:spTree>
@@ -10097,292 +12512,6 @@
             <a:fld id="{1AD93096-5B34-4342-9326-69289CEAE4C2}" type="slidenum">
               <a:rPr lang="en-US" smtClean="0"/>
               <a:pPr/>
-              <a:t>13</a:t>
-            </a:fld>
-            <a:endParaRPr lang="en-US" dirty="0">
-              <a:solidFill>
-                <a:srgbClr val="FFFFFF"/>
-              </a:solidFill>
-            </a:endParaRPr>
-          </a:p>
-        </p:txBody>
-      </p:sp>
-      <p:sp>
-        <p:nvSpPr>
-          <p:cNvPr id="4" name="Content Placeholder 3"/>
-          <p:cNvSpPr>
-            <a:spLocks noGrp="1"/>
-          </p:cNvSpPr>
-          <p:nvPr>
-            <p:ph sz="quarter" idx="1"/>
-          </p:nvPr>
-        </p:nvSpPr>
-        <p:spPr/>
-        <p:txBody>
-          <a:bodyPr/>
-          <a:lstStyle/>
-          <a:p>
-            <a:endParaRPr lang="vi-VN"/>
-          </a:p>
-        </p:txBody>
-      </p:sp>
-    </p:spTree>
-    <p:extLst>
-      <p:ext uri="{BB962C8B-B14F-4D97-AF65-F5344CB8AC3E}">
-        <p14:creationId xmlns:p14="http://schemas.microsoft.com/office/powerpoint/2010/main" val="3453574344"/>
-      </p:ext>
-    </p:extLst>
-  </p:cSld>
-  <p:clrMapOvr>
-    <a:masterClrMapping/>
-  </p:clrMapOvr>
-  <p:timing>
-    <p:tnLst>
-      <p:par>
-        <p:cTn id="1" dur="indefinite" restart="never" nodeType="tmRoot"/>
-      </p:par>
-    </p:tnLst>
-  </p:timing>
-</p:sld>
-</file>
-
-<file path=ppt/slides/slide14.xml><?xml version="1.0" encoding="utf-8"?>
-<p:sld xmlns:a="http://schemas.openxmlformats.org/drawingml/2006/main" xmlns:r="http://schemas.openxmlformats.org/officeDocument/2006/relationships" xmlns:p="http://schemas.openxmlformats.org/presentationml/2006/main">
-  <p:cSld>
-    <p:spTree>
-      <p:nvGrpSpPr>
-        <p:cNvPr id="1" name=""/>
-        <p:cNvGrpSpPr/>
-        <p:nvPr/>
-      </p:nvGrpSpPr>
-      <p:grpSpPr>
-        <a:xfrm>
-          <a:off x="0" y="0"/>
-          <a:ext cx="0" cy="0"/>
-          <a:chOff x="0" y="0"/>
-          <a:chExt cx="0" cy="0"/>
-        </a:xfrm>
-      </p:grpSpPr>
-      <p:sp>
-        <p:nvSpPr>
-          <p:cNvPr id="2" name="Title 1"/>
-          <p:cNvSpPr>
-            <a:spLocks noGrp="1"/>
-          </p:cNvSpPr>
-          <p:nvPr>
-            <p:ph type="title"/>
-          </p:nvPr>
-        </p:nvSpPr>
-        <p:spPr/>
-        <p:txBody>
-          <a:bodyPr>
-            <a:normAutofit/>
-          </a:bodyPr>
-          <a:lstStyle/>
-          <a:p>
-            <a:r>
-              <a:rPr lang="en-US" sz="3600" dirty="0" err="1" smtClean="0"/>
-              <a:t>Tổ</a:t>
-            </a:r>
-            <a:r>
-              <a:rPr lang="en-US" sz="3600" dirty="0" smtClean="0"/>
-              <a:t> </a:t>
-            </a:r>
-            <a:r>
-              <a:rPr lang="en-US" sz="3600" dirty="0" err="1" smtClean="0"/>
-              <a:t>chức</a:t>
-            </a:r>
-            <a:r>
-              <a:rPr lang="en-US" sz="3600" dirty="0" smtClean="0"/>
-              <a:t> </a:t>
-            </a:r>
-            <a:r>
-              <a:rPr lang="en-US" sz="3600" dirty="0" err="1" smtClean="0"/>
-              <a:t>và</a:t>
-            </a:r>
-            <a:r>
-              <a:rPr lang="en-US" sz="3600" dirty="0" smtClean="0"/>
-              <a:t> </a:t>
-            </a:r>
-            <a:r>
-              <a:rPr lang="en-US" sz="3600" dirty="0" err="1" smtClean="0"/>
-              <a:t>lưu</a:t>
-            </a:r>
-            <a:r>
-              <a:rPr lang="en-US" sz="3600" dirty="0" smtClean="0"/>
-              <a:t> </a:t>
-            </a:r>
-            <a:r>
-              <a:rPr lang="en-US" sz="3600" dirty="0" err="1" smtClean="0"/>
-              <a:t>trữ</a:t>
-            </a:r>
-            <a:r>
-              <a:rPr lang="en-US" sz="3600" dirty="0" smtClean="0"/>
-              <a:t> </a:t>
-            </a:r>
-            <a:r>
-              <a:rPr lang="en-US" sz="3600" dirty="0" err="1" smtClean="0"/>
-              <a:t>thông</a:t>
-            </a:r>
-            <a:r>
-              <a:rPr lang="en-US" sz="3600" dirty="0" smtClean="0"/>
-              <a:t> tin</a:t>
-            </a:r>
-            <a:endParaRPr lang="vi-VN" sz="3600" dirty="0"/>
-          </a:p>
-        </p:txBody>
-      </p:sp>
-      <p:sp>
-        <p:nvSpPr>
-          <p:cNvPr id="3" name="Slide Number Placeholder 2"/>
-          <p:cNvSpPr>
-            <a:spLocks noGrp="1"/>
-          </p:cNvSpPr>
-          <p:nvPr>
-            <p:ph type="sldNum" sz="quarter" idx="12"/>
-          </p:nvPr>
-        </p:nvSpPr>
-        <p:spPr/>
-        <p:txBody>
-          <a:bodyPr>
-            <a:normAutofit fontScale="85000" lnSpcReduction="20000"/>
-          </a:bodyPr>
-          <a:lstStyle/>
-          <a:p>
-            <a:fld id="{1AD93096-5B34-4342-9326-69289CEAE4C2}" type="slidenum">
-              <a:rPr lang="en-US" smtClean="0"/>
-              <a:pPr/>
-              <a:t>14</a:t>
-            </a:fld>
-            <a:endParaRPr lang="en-US" dirty="0">
-              <a:solidFill>
-                <a:srgbClr val="FFFFFF"/>
-              </a:solidFill>
-            </a:endParaRPr>
-          </a:p>
-        </p:txBody>
-      </p:sp>
-      <p:sp>
-        <p:nvSpPr>
-          <p:cNvPr id="4" name="Content Placeholder 3"/>
-          <p:cNvSpPr>
-            <a:spLocks noGrp="1"/>
-          </p:cNvSpPr>
-          <p:nvPr>
-            <p:ph sz="quarter" idx="1"/>
-          </p:nvPr>
-        </p:nvSpPr>
-        <p:spPr/>
-        <p:txBody>
-          <a:bodyPr/>
-          <a:lstStyle/>
-          <a:p>
-            <a:endParaRPr lang="vi-VN"/>
-          </a:p>
-        </p:txBody>
-      </p:sp>
-    </p:spTree>
-    <p:extLst>
-      <p:ext uri="{BB962C8B-B14F-4D97-AF65-F5344CB8AC3E}">
-        <p14:creationId xmlns:p14="http://schemas.microsoft.com/office/powerpoint/2010/main" val="3149494895"/>
-      </p:ext>
-    </p:extLst>
-  </p:cSld>
-  <p:clrMapOvr>
-    <a:masterClrMapping/>
-  </p:clrMapOvr>
-  <p:timing>
-    <p:tnLst>
-      <p:par>
-        <p:cTn id="1" dur="indefinite" restart="never" nodeType="tmRoot"/>
-      </p:par>
-    </p:tnLst>
-  </p:timing>
-</p:sld>
-</file>
-
-<file path=ppt/slides/slide15.xml><?xml version="1.0" encoding="utf-8"?>
-<p:sld xmlns:a="http://schemas.openxmlformats.org/drawingml/2006/main" xmlns:r="http://schemas.openxmlformats.org/officeDocument/2006/relationships" xmlns:p="http://schemas.openxmlformats.org/presentationml/2006/main">
-  <p:cSld>
-    <p:spTree>
-      <p:nvGrpSpPr>
-        <p:cNvPr id="1" name=""/>
-        <p:cNvGrpSpPr/>
-        <p:nvPr/>
-      </p:nvGrpSpPr>
-      <p:grpSpPr>
-        <a:xfrm>
-          <a:off x="0" y="0"/>
-          <a:ext cx="0" cy="0"/>
-          <a:chOff x="0" y="0"/>
-          <a:chExt cx="0" cy="0"/>
-        </a:xfrm>
-      </p:grpSpPr>
-      <p:sp>
-        <p:nvSpPr>
-          <p:cNvPr id="2" name="Title 1"/>
-          <p:cNvSpPr>
-            <a:spLocks noGrp="1"/>
-          </p:cNvSpPr>
-          <p:nvPr>
-            <p:ph type="title"/>
-          </p:nvPr>
-        </p:nvSpPr>
-        <p:spPr/>
-        <p:txBody>
-          <a:bodyPr>
-            <a:noAutofit/>
-          </a:bodyPr>
-          <a:lstStyle/>
-          <a:p>
-            <a:r>
-              <a:rPr lang="en-US" sz="2800" dirty="0" err="1" smtClean="0"/>
-              <a:t>Hệ</a:t>
-            </a:r>
-            <a:r>
-              <a:rPr lang="en-US" sz="2800" dirty="0" smtClean="0"/>
-              <a:t> </a:t>
-            </a:r>
-            <a:r>
-              <a:rPr lang="en-US" sz="2800" dirty="0" err="1" smtClean="0"/>
-              <a:t>thống</a:t>
-            </a:r>
-            <a:r>
-              <a:rPr lang="en-US" sz="2800" dirty="0" smtClean="0"/>
-              <a:t> so </a:t>
-            </a:r>
-            <a:r>
-              <a:rPr lang="en-US" sz="2800" dirty="0" err="1" smtClean="0"/>
-              <a:t>khớp</a:t>
-            </a:r>
-            <a:r>
-              <a:rPr lang="en-US" sz="2800" dirty="0" smtClean="0"/>
-              <a:t> – matching tool</a:t>
-            </a:r>
-            <a:endParaRPr lang="vi-VN" sz="2800" dirty="0"/>
-          </a:p>
-        </p:txBody>
-      </p:sp>
-      <p:sp>
-        <p:nvSpPr>
-          <p:cNvPr id="3" name="Slide Number Placeholder 2"/>
-          <p:cNvSpPr>
-            <a:spLocks noGrp="1"/>
-          </p:cNvSpPr>
-          <p:nvPr>
-            <p:ph type="sldNum" sz="quarter" idx="12"/>
-          </p:nvPr>
-        </p:nvSpPr>
-        <p:spPr/>
-        <p:txBody>
-          <a:bodyPr>
-            <a:normAutofit fontScale="85000" lnSpcReduction="20000"/>
-          </a:bodyPr>
-          <a:lstStyle/>
-          <a:p>
-            <a:fld id="{1AD93096-5B34-4342-9326-69289CEAE4C2}" type="slidenum">
-              <a:rPr lang="en-US" smtClean="0"/>
-              <a:pPr/>
               <a:t>15</a:t>
             </a:fld>
             <a:endParaRPr lang="en-US" dirty="0">
@@ -10393,29 +12522,76 @@
           </a:p>
         </p:txBody>
       </p:sp>
-      <p:sp>
-        <p:nvSpPr>
-          <p:cNvPr id="4" name="Content Placeholder 3"/>
-          <p:cNvSpPr>
-            <a:spLocks noGrp="1"/>
-          </p:cNvSpPr>
+      <p:pic>
+        <p:nvPicPr>
+          <p:cNvPr id="3076" name="Picture 4"/>
+          <p:cNvPicPr>
+            <a:picLocks noGrp="1" noChangeAspect="1" noChangeArrowheads="1"/>
+          </p:cNvPicPr>
           <p:nvPr>
             <p:ph sz="quarter" idx="1"/>
           </p:nvPr>
-        </p:nvSpPr>
-        <p:spPr/>
-        <p:txBody>
-          <a:bodyPr/>
-          <a:lstStyle/>
-          <a:p>
-            <a:endParaRPr lang="vi-VN"/>
-          </a:p>
-        </p:txBody>
-      </p:sp>
+        </p:nvPicPr>
+        <p:blipFill>
+          <a:blip r:embed="rId2">
+            <a:extLst>
+              <a:ext uri="{28A0092B-C50C-407E-A947-70E740481C1C}">
+                <a14:useLocalDpi xmlns:a14="http://schemas.microsoft.com/office/drawing/2010/main" val="0"/>
+              </a:ext>
+            </a:extLst>
+          </a:blip>
+          <a:srcRect/>
+          <a:stretch>
+            <a:fillRect/>
+          </a:stretch>
+        </p:blipFill>
+        <p:spPr bwMode="auto">
+          <a:xfrm rot="5400000">
+            <a:off x="1972783" y="-337513"/>
+            <a:ext cx="5183922" cy="9031716"/>
+          </a:xfrm>
+          <a:prstGeom prst="rect">
+            <a:avLst/>
+          </a:prstGeom>
+          <a:noFill/>
+          <a:ln>
+            <a:noFill/>
+          </a:ln>
+          <a:effectLst/>
+          <a:extLst>
+            <a:ext uri="{909E8E84-426E-40DD-AFC4-6F175D3DCCD1}">
+              <a14:hiddenFill xmlns:a14="http://schemas.microsoft.com/office/drawing/2010/main">
+                <a:solidFill>
+                  <a:schemeClr val="accent1"/>
+                </a:solidFill>
+              </a14:hiddenFill>
+            </a:ext>
+            <a:ext uri="{91240B29-F687-4F45-9708-019B960494DF}">
+              <a14:hiddenLine xmlns:a14="http://schemas.microsoft.com/office/drawing/2010/main" w="9525">
+                <a:solidFill>
+                  <a:schemeClr val="tx1"/>
+                </a:solidFill>
+                <a:miter lim="800000"/>
+                <a:headEnd/>
+                <a:tailEnd/>
+              </a14:hiddenLine>
+            </a:ext>
+            <a:ext uri="{AF507438-7753-43E0-B8FC-AC1667EBCBE1}">
+              <a14:hiddenEffects xmlns:a14="http://schemas.microsoft.com/office/drawing/2010/main">
+                <a:effectLst>
+                  <a:outerShdw dist="35921" dir="2700000" algn="ctr" rotWithShape="0">
+                    <a:schemeClr val="bg2"/>
+                  </a:outerShdw>
+                </a:effectLst>
+              </a14:hiddenEffects>
+            </a:ext>
+          </a:extLst>
+        </p:spPr>
+      </p:pic>
     </p:spTree>
     <p:extLst>
       <p:ext uri="{BB962C8B-B14F-4D97-AF65-F5344CB8AC3E}">
-        <p14:creationId xmlns:p14="http://schemas.microsoft.com/office/powerpoint/2010/main" val="3939877510"/>
+        <p14:creationId xmlns:p14="http://schemas.microsoft.com/office/powerpoint/2010/main" val="3453574344"/>
       </p:ext>
     </p:extLst>
   </p:cSld>
@@ -10451,7 +12627,7 @@
       </p:grpSpPr>
       <p:sp>
         <p:nvSpPr>
-          <p:cNvPr id="2" name="Title 1"/>
+          <p:cNvPr id="5" name="Title 4"/>
           <p:cNvSpPr>
             <a:spLocks noGrp="1"/>
           </p:cNvSpPr>
@@ -10468,7 +12644,7 @@
           <a:p>
             <a:r>
               <a:rPr lang="en-US" sz="4000" dirty="0" smtClean="0"/>
-              <a:t>Data mining engine</a:t>
+              <a:t>mapping</a:t>
             </a:r>
             <a:endParaRPr lang="vi-VN" sz="4000" dirty="0"/>
           </a:p>
@@ -10476,7 +12652,7 @@
       </p:sp>
       <p:sp>
         <p:nvSpPr>
-          <p:cNvPr id="3" name="Slide Number Placeholder 2"/>
+          <p:cNvPr id="4" name="Slide Number Placeholder 3"/>
           <p:cNvSpPr>
             <a:spLocks noGrp="1"/>
           </p:cNvSpPr>
@@ -10491,12 +12667,13 @@
           </a:bodyPr>
           <a:lstStyle/>
           <a:p>
+            <a:pPr algn="ctr"/>
             <a:fld id="{1AD93096-5B34-4342-9326-69289CEAE4C2}" type="slidenum">
               <a:rPr lang="en-US" smtClean="0"/>
-              <a:pPr/>
+              <a:pPr algn="ctr"/>
               <a:t>16</a:t>
             </a:fld>
-            <a:endParaRPr lang="en-US" dirty="0">
+            <a:endParaRPr lang="en-US" sz="2400" dirty="0">
               <a:solidFill>
                 <a:srgbClr val="FFFFFF"/>
               </a:solidFill>
@@ -10504,29 +12681,70 @@
           </a:p>
         </p:txBody>
       </p:sp>
-      <p:sp>
-        <p:nvSpPr>
-          <p:cNvPr id="4" name="Content Placeholder 3"/>
-          <p:cNvSpPr>
-            <a:spLocks noGrp="1"/>
-          </p:cNvSpPr>
-          <p:nvPr>
-            <p:ph sz="quarter" idx="1"/>
-          </p:nvPr>
-        </p:nvSpPr>
-        <p:spPr/>
-        <p:txBody>
-          <a:bodyPr/>
-          <a:lstStyle/>
-          <a:p>
-            <a:endParaRPr lang="vi-VN"/>
-          </a:p>
-        </p:txBody>
-      </p:sp>
+      <p:pic>
+        <p:nvPicPr>
+          <p:cNvPr id="7" name="Picture 6"/>
+          <p:cNvPicPr/>
+          <p:nvPr/>
+        </p:nvPicPr>
+        <p:blipFill>
+          <a:blip r:embed="rId2" cstate="print">
+            <a:extLst>
+              <a:ext uri="{28A0092B-C50C-407E-A947-70E740481C1C}">
+                <a14:useLocalDpi xmlns:a14="http://schemas.microsoft.com/office/drawing/2010/main" val="0"/>
+              </a:ext>
+            </a:extLst>
+          </a:blip>
+          <a:srcRect/>
+          <a:stretch>
+            <a:fillRect/>
+          </a:stretch>
+        </p:blipFill>
+        <p:spPr bwMode="auto">
+          <a:xfrm>
+            <a:off x="251520" y="4249554"/>
+            <a:ext cx="4561790" cy="2697945"/>
+          </a:xfrm>
+          <a:prstGeom prst="rect">
+            <a:avLst/>
+          </a:prstGeom>
+          <a:noFill/>
+        </p:spPr>
+      </p:pic>
+      <p:pic>
+        <p:nvPicPr>
+          <p:cNvPr id="8" name="Picture 7"/>
+          <p:cNvPicPr/>
+          <p:nvPr/>
+        </p:nvPicPr>
+        <p:blipFill>
+          <a:blip r:embed="rId3">
+            <a:extLst>
+              <a:ext uri="{28A0092B-C50C-407E-A947-70E740481C1C}">
+                <a14:useLocalDpi xmlns:a14="http://schemas.microsoft.com/office/drawing/2010/main" val="0"/>
+              </a:ext>
+            </a:extLst>
+          </a:blip>
+          <a:srcRect/>
+          <a:stretch>
+            <a:fillRect/>
+          </a:stretch>
+        </p:blipFill>
+        <p:spPr bwMode="auto">
+          <a:xfrm>
+            <a:off x="1995350" y="1513812"/>
+            <a:ext cx="6249058" cy="3486536"/>
+          </a:xfrm>
+          <a:prstGeom prst="rect">
+            <a:avLst/>
+          </a:prstGeom>
+          <a:noFill/>
+        </p:spPr>
+      </p:pic>
     </p:spTree>
     <p:extLst>
       <p:ext uri="{BB962C8B-B14F-4D97-AF65-F5344CB8AC3E}">
-        <p14:creationId xmlns:p14="http://schemas.microsoft.com/office/powerpoint/2010/main" val="2360626904"/>
+        <p14:creationId xmlns:p14="http://schemas.microsoft.com/office/powerpoint/2010/main" val="2793530087"/>
       </p:ext>
     </p:extLst>
   </p:cSld>
@@ -10562,26 +12780,7 @@
       </p:grpSpPr>
       <p:sp>
         <p:nvSpPr>
-          <p:cNvPr id="5" name="Text Placeholder 4"/>
-          <p:cNvSpPr>
-            <a:spLocks noGrp="1"/>
-          </p:cNvSpPr>
-          <p:nvPr>
-            <p:ph type="body" idx="1"/>
-          </p:nvPr>
-        </p:nvSpPr>
-        <p:spPr/>
-        <p:txBody>
-          <a:bodyPr/>
-          <a:lstStyle/>
-          <a:p>
-            <a:endParaRPr lang="vi-VN" dirty="0"/>
-          </a:p>
-        </p:txBody>
-      </p:sp>
-      <p:sp>
-        <p:nvSpPr>
-          <p:cNvPr id="4" name="Title 3"/>
+          <p:cNvPr id="2" name="Title 1"/>
           <p:cNvSpPr>
             <a:spLocks noGrp="1"/>
           </p:cNvSpPr>
@@ -10591,22 +12790,60 @@
         </p:nvSpPr>
         <p:spPr/>
         <p:txBody>
-          <a:bodyPr/>
+          <a:bodyPr>
+            <a:normAutofit/>
+          </a:bodyPr>
           <a:lstStyle/>
           <a:p>
             <a:r>
-              <a:rPr lang="en-US" dirty="0" err="1" smtClean="0"/>
-              <a:t>Kết</a:t>
-            </a:r>
-            <a:r>
-              <a:rPr lang="en-US" dirty="0" smtClean="0"/>
-              <a:t> </a:t>
-            </a:r>
-            <a:r>
-              <a:rPr lang="en-US" dirty="0" err="1" smtClean="0"/>
-              <a:t>luận</a:t>
-            </a:r>
-            <a:endParaRPr lang="vi-VN" dirty="0"/>
+              <a:rPr lang="en-US" sz="3600" dirty="0" err="1" smtClean="0"/>
+              <a:t>Tổ</a:t>
+            </a:r>
+            <a:r>
+              <a:rPr lang="en-US" sz="3600" dirty="0" smtClean="0"/>
+              <a:t> </a:t>
+            </a:r>
+            <a:r>
+              <a:rPr lang="en-US" sz="3600" dirty="0" err="1" smtClean="0"/>
+              <a:t>chức</a:t>
+            </a:r>
+            <a:r>
+              <a:rPr lang="en-US" sz="3600" dirty="0" smtClean="0"/>
+              <a:t> </a:t>
+            </a:r>
+            <a:r>
+              <a:rPr lang="en-US" sz="3600" dirty="0" err="1" smtClean="0"/>
+              <a:t>và</a:t>
+            </a:r>
+            <a:r>
+              <a:rPr lang="en-US" sz="3600" dirty="0" smtClean="0"/>
+              <a:t> </a:t>
+            </a:r>
+            <a:r>
+              <a:rPr lang="en-US" sz="3600" dirty="0" err="1" smtClean="0"/>
+              <a:t>lưu</a:t>
+            </a:r>
+            <a:r>
+              <a:rPr lang="en-US" sz="3600" dirty="0" smtClean="0"/>
+              <a:t> </a:t>
+            </a:r>
+            <a:r>
+              <a:rPr lang="en-US" sz="3600" dirty="0" err="1" smtClean="0"/>
+              <a:t>trữ</a:t>
+            </a:r>
+            <a:r>
+              <a:rPr lang="en-US" sz="3600" dirty="0" smtClean="0"/>
+              <a:t> </a:t>
+            </a:r>
+            <a:r>
+              <a:rPr lang="en-US" sz="3600" dirty="0" err="1" smtClean="0"/>
+              <a:t>thông</a:t>
+            </a:r>
+            <a:r>
+              <a:rPr lang="en-US" sz="3600" dirty="0" smtClean="0"/>
+              <a:t> tin</a:t>
+            </a:r>
+            <a:endParaRPr lang="vi-VN" sz="3600" dirty="0"/>
           </a:p>
         </p:txBody>
       </p:sp>
@@ -10617,13 +12854,13 @@
             <a:spLocks noGrp="1"/>
           </p:cNvSpPr>
           <p:nvPr>
-            <p:ph type="sldNum" sz="quarter" idx="11"/>
+            <p:ph type="sldNum" sz="quarter" idx="12"/>
           </p:nvPr>
         </p:nvSpPr>
         <p:spPr/>
         <p:txBody>
           <a:bodyPr>
-            <a:normAutofit/>
+            <a:normAutofit fontScale="85000" lnSpcReduction="20000"/>
           </a:bodyPr>
           <a:lstStyle/>
           <a:p>
@@ -10642,11 +12879,13 @@
       </p:sp>
       <p:pic>
         <p:nvPicPr>
-          <p:cNvPr id="7" name="Picture 4" descr="http://www.google.com.vn/url?source=imglanding&amp;ct=img&amp;q=http://blog.cachinko.com/blog/wp-content/uploads/2011/01/21-networking-300x300.jpg&amp;sa=X&amp;ei=ynX9TqGeKYfUmAWc-Zi6Ag&amp;ved=0CAsQ8wc4Kw&amp;usg=AFQjCNGJnaVVfiNiB9JXRymc0aBCRk8K6A"/>
+          <p:cNvPr id="4098" name="Picture 2"/>
           <p:cNvPicPr>
-            <a:picLocks noChangeAspect="1" noChangeArrowheads="1"/>
+            <a:picLocks noGrp="1" noChangeAspect="1" noChangeArrowheads="1"/>
           </p:cNvPicPr>
-          <p:nvPr/>
+          <p:nvPr>
+            <p:ph sz="quarter" idx="1"/>
+          </p:nvPr>
         </p:nvPicPr>
         <p:blipFill>
           <a:blip r:embed="rId2">
@@ -10663,28 +12902,81 @@
         </p:blipFill>
         <p:spPr bwMode="auto">
           <a:xfrm>
-            <a:off x="4716016" y="2609293"/>
-            <a:ext cx="4132075" cy="4132075"/>
+            <a:off x="611560" y="1578130"/>
+            <a:ext cx="8136904" cy="5279870"/>
           </a:xfrm>
           <a:prstGeom prst="rect">
             <a:avLst/>
           </a:prstGeom>
           <a:noFill/>
+          <a:ln>
+            <a:noFill/>
+          </a:ln>
+          <a:effectLst/>
           <a:extLst>
             <a:ext uri="{909E8E84-426E-40DD-AFC4-6F175D3DCCD1}">
               <a14:hiddenFill xmlns:a14="http://schemas.microsoft.com/office/drawing/2010/main">
                 <a:solidFill>
-                  <a:srgbClr val="FFFFFF"/>
+                  <a:schemeClr val="accent1"/>
                 </a:solidFill>
               </a14:hiddenFill>
             </a:ext>
+            <a:ext uri="{91240B29-F687-4F45-9708-019B960494DF}">
+              <a14:hiddenLine xmlns:a14="http://schemas.microsoft.com/office/drawing/2010/main" w="9525">
+                <a:solidFill>
+                  <a:schemeClr val="tx1"/>
+                </a:solidFill>
+                <a:miter lim="800000"/>
+                <a:headEnd/>
+                <a:tailEnd/>
+              </a14:hiddenLine>
+            </a:ext>
+            <a:ext uri="{AF507438-7753-43E0-B8FC-AC1667EBCBE1}">
+              <a14:hiddenEffects xmlns:a14="http://schemas.microsoft.com/office/drawing/2010/main">
+                <a:effectLst>
+                  <a:outerShdw dist="35921" dir="2700000" algn="ctr" rotWithShape="0">
+                    <a:schemeClr val="bg2"/>
+                  </a:outerShdw>
+                </a:effectLst>
+              </a14:hiddenEffects>
+            </a:ext>
           </a:extLst>
+        </p:spPr>
+      </p:pic>
+      <p:pic>
+        <p:nvPicPr>
+          <p:cNvPr id="6" name="Picture 5"/>
+          <p:cNvPicPr>
+            <a:picLocks noChangeAspect="1"/>
+          </p:cNvPicPr>
+          <p:nvPr/>
+        </p:nvPicPr>
+        <p:blipFill>
+          <a:blip r:embed="rId3" cstate="print">
+            <a:extLst>
+              <a:ext uri="{28A0092B-C50C-407E-A947-70E740481C1C}">
+                <a14:useLocalDpi xmlns:a14="http://schemas.microsoft.com/office/drawing/2010/main" val="0"/>
+              </a:ext>
+            </a:extLst>
+          </a:blip>
+          <a:stretch>
+            <a:fillRect/>
+          </a:stretch>
+        </p:blipFill>
+        <p:spPr>
+          <a:xfrm>
+            <a:off x="1618548" y="4997538"/>
+            <a:ext cx="721204" cy="721204"/>
+          </a:xfrm>
+          <a:prstGeom prst="rect">
+            <a:avLst/>
+          </a:prstGeom>
         </p:spPr>
       </p:pic>
     </p:spTree>
     <p:extLst>
       <p:ext uri="{BB962C8B-B14F-4D97-AF65-F5344CB8AC3E}">
-        <p14:creationId xmlns:p14="http://schemas.microsoft.com/office/powerpoint/2010/main" val="1500730890"/>
+        <p14:creationId xmlns:p14="http://schemas.microsoft.com/office/powerpoint/2010/main" val="3149494895"/>
       </p:ext>
     </p:extLst>
   </p:cSld>
@@ -10730,14 +13022,36 @@
         </p:nvSpPr>
         <p:spPr/>
         <p:txBody>
-          <a:bodyPr/>
+          <a:bodyPr>
+            <a:noAutofit/>
+          </a:bodyPr>
           <a:lstStyle/>
           <a:p>
             <a:r>
-              <a:rPr lang="en-US" dirty="0" smtClean="0"/>
-              <a:t>KẾT QUẢ ĐẠT ĐƯỢC</a:t>
-            </a:r>
-            <a:endParaRPr lang="vi-VN" dirty="0"/>
+              <a:rPr lang="en-US" sz="2800" dirty="0" err="1" smtClean="0"/>
+              <a:t>Hệ</a:t>
+            </a:r>
+            <a:r>
+              <a:rPr lang="en-US" sz="2800" dirty="0" smtClean="0"/>
+              <a:t> </a:t>
+            </a:r>
+            <a:r>
+              <a:rPr lang="en-US" sz="2800" dirty="0" err="1" smtClean="0"/>
+              <a:t>thống</a:t>
+            </a:r>
+            <a:r>
+              <a:rPr lang="en-US" sz="2800" dirty="0" smtClean="0"/>
+              <a:t> so </a:t>
+            </a:r>
+            <a:r>
+              <a:rPr lang="en-US" sz="2800" dirty="0" err="1" smtClean="0"/>
+              <a:t>khớp</a:t>
+            </a:r>
+            <a:r>
+              <a:rPr lang="en-US" sz="2800" dirty="0" smtClean="0"/>
+              <a:t> – matching tool</a:t>
+            </a:r>
+            <a:endParaRPr lang="vi-VN" sz="2800" dirty="0"/>
           </a:p>
         </p:txBody>
       </p:sp>
@@ -10773,27 +13087,147 @@
       </p:sp>
       <p:sp>
         <p:nvSpPr>
-          <p:cNvPr id="4" name="Content Placeholder 3"/>
+          <p:cNvPr id="5" name="Rectangle 2"/>
           <p:cNvSpPr>
-            <a:spLocks noGrp="1"/>
+            <a:spLocks noChangeArrowheads="1"/>
           </p:cNvSpPr>
-          <p:nvPr>
-            <p:ph sz="quarter" idx="1"/>
-          </p:nvPr>
+          <p:nvPr/>
         </p:nvSpPr>
-        <p:spPr/>
+        <p:spPr bwMode="auto">
+          <a:xfrm>
+            <a:off x="0" y="0"/>
+            <a:ext cx="9144000" cy="0"/>
+          </a:xfrm>
+          <a:prstGeom prst="rect">
+            <a:avLst/>
+          </a:prstGeom>
+          <a:noFill/>
+          <a:ln>
+            <a:noFill/>
+          </a:ln>
+          <a:effectLst/>
+          <a:extLst>
+            <a:ext uri="{909E8E84-426E-40DD-AFC4-6F175D3DCCD1}">
+              <a14:hiddenFill xmlns:a14="http://schemas.microsoft.com/office/drawing/2010/main">
+                <a:solidFill>
+                  <a:schemeClr val="accent1"/>
+                </a:solidFill>
+              </a14:hiddenFill>
+            </a:ext>
+            <a:ext uri="{91240B29-F687-4F45-9708-019B960494DF}">
+              <a14:hiddenLine xmlns:a14="http://schemas.microsoft.com/office/drawing/2010/main" w="9525">
+                <a:solidFill>
+                  <a:schemeClr val="tx1"/>
+                </a:solidFill>
+                <a:miter lim="800000"/>
+                <a:headEnd/>
+                <a:tailEnd/>
+              </a14:hiddenLine>
+            </a:ext>
+            <a:ext uri="{AF507438-7753-43E0-B8FC-AC1667EBCBE1}">
+              <a14:hiddenEffects xmlns:a14="http://schemas.microsoft.com/office/drawing/2010/main">
+                <a:effectLst>
+                  <a:outerShdw dist="35921" dir="2700000" algn="ctr" rotWithShape="0">
+                    <a:schemeClr val="bg2"/>
+                  </a:outerShdw>
+                </a:effectLst>
+              </a14:hiddenEffects>
+            </a:ext>
+          </a:extLst>
+        </p:spPr>
         <p:txBody>
-          <a:bodyPr/>
+          <a:bodyPr vert="horz" wrap="none" lIns="91440" tIns="45720" rIns="91440" bIns="45720" numCol="1" anchor="ctr" anchorCtr="0" compatLnSpc="1">
+            <a:prstTxWarp prst="textNoShape">
+              <a:avLst/>
+            </a:prstTxWarp>
+            <a:spAutoFit/>
+          </a:bodyPr>
           <a:lstStyle/>
           <a:p>
             <a:endParaRPr lang="vi-VN"/>
           </a:p>
         </p:txBody>
       </p:sp>
+      <p:graphicFrame>
+        <p:nvGraphicFramePr>
+          <p:cNvPr id="6" name="Object 5"/>
+          <p:cNvGraphicFramePr>
+            <a:graphicFrameLocks noChangeAspect="1"/>
+          </p:cNvGraphicFramePr>
+          <p:nvPr>
+            <p:extLst>
+              <p:ext uri="{D42A27DB-BD31-4B8C-83A1-F6EECF244321}">
+                <p14:modId xmlns:p14="http://schemas.microsoft.com/office/powerpoint/2010/main" val="76506455"/>
+              </p:ext>
+            </p:extLst>
+          </p:nvPr>
+        </p:nvGraphicFramePr>
+        <p:xfrm>
+          <a:off x="2276475" y="1657350"/>
+          <a:ext cx="4591050" cy="5200650"/>
+        </p:xfrm>
+        <a:graphic>
+          <a:graphicData uri="http://schemas.openxmlformats.org/presentationml/2006/ole">
+            <mc:AlternateContent xmlns:mc="http://schemas.openxmlformats.org/markup-compatibility/2006">
+              <mc:Choice xmlns:v="urn:schemas-microsoft-com:vml" Requires="v">
+                <p:oleObj spid="_x0000_s2053" name="Visio" r:id="rId3" imgW="5596684" imgH="6352347" progId="Visio.Drawing.11">
+                  <p:embed/>
+                </p:oleObj>
+              </mc:Choice>
+              <mc:Fallback>
+                <p:oleObj name="Visio" r:id="rId3" imgW="5596684" imgH="6352347" progId="Visio.Drawing.11">
+                  <p:embed/>
+                  <p:pic>
+                    <p:nvPicPr>
+                      <p:cNvPr id="0" name="Object 1"/>
+                      <p:cNvPicPr>
+                        <a:picLocks noChangeAspect="1" noChangeArrowheads="1"/>
+                      </p:cNvPicPr>
+                      <p:nvPr/>
+                    </p:nvPicPr>
+                    <p:blipFill>
+                      <a:blip r:embed="rId4">
+                        <a:extLst>
+                          <a:ext uri="{28A0092B-C50C-407E-A947-70E740481C1C}">
+                            <a14:useLocalDpi xmlns:a14="http://schemas.microsoft.com/office/drawing/2010/main" val="0"/>
+                          </a:ext>
+                        </a:extLst>
+                      </a:blip>
+                      <a:srcRect/>
+                      <a:stretch>
+                        <a:fillRect/>
+                      </a:stretch>
+                    </p:blipFill>
+                    <p:spPr bwMode="auto">
+                      <a:xfrm>
+                        <a:off x="2276475" y="1657350"/>
+                        <a:ext cx="4591050" cy="5200650"/>
+                      </a:xfrm>
+                      <a:prstGeom prst="rect">
+                        <a:avLst/>
+                      </a:prstGeom>
+                      <a:noFill/>
+                      <a:extLst>
+                        <a:ext uri="{909E8E84-426E-40DD-AFC4-6F175D3DCCD1}">
+                          <a14:hiddenFill xmlns:a14="http://schemas.microsoft.com/office/drawing/2010/main">
+                            <a:solidFill>
+                              <a:srgbClr val="FFFFFF"/>
+                            </a:solidFill>
+                          </a14:hiddenFill>
+                        </a:ext>
+                      </a:extLst>
+                    </p:spPr>
+                  </p:pic>
+                </p:oleObj>
+              </mc:Fallback>
+            </mc:AlternateContent>
+          </a:graphicData>
+        </a:graphic>
+      </p:graphicFrame>
     </p:spTree>
     <p:extLst>
       <p:ext uri="{BB962C8B-B14F-4D97-AF65-F5344CB8AC3E}">
-        <p14:creationId xmlns:p14="http://schemas.microsoft.com/office/powerpoint/2010/main" val="3067536780"/>
+        <p14:creationId xmlns:p14="http://schemas.microsoft.com/office/powerpoint/2010/main" val="3939877510"/>
       </p:ext>
     </p:extLst>
   </p:cSld>
@@ -10839,14 +13273,16 @@
         </p:nvSpPr>
         <p:spPr/>
         <p:txBody>
-          <a:bodyPr/>
+          <a:bodyPr>
+            <a:normAutofit/>
+          </a:bodyPr>
           <a:lstStyle/>
           <a:p>
             <a:r>
-              <a:rPr lang="en-US" smtClean="0"/>
-              <a:t>Đánh giá</a:t>
-            </a:r>
-            <a:endParaRPr lang="vi-VN" dirty="0"/>
+              <a:rPr lang="en-US" sz="4000" dirty="0" smtClean="0"/>
+              <a:t>Data mining engine</a:t>
+            </a:r>
+            <a:endParaRPr lang="vi-VN" sz="4000" dirty="0"/>
           </a:p>
         </p:txBody>
       </p:sp>
@@ -10872,33 +13308,84 @@
               <a:pPr/>
               <a:t>19</a:t>
             </a:fld>
-            <a:endParaRPr lang="en-US" dirty="0"/>
+            <a:endParaRPr lang="en-US" dirty="0">
+              <a:solidFill>
+                <a:srgbClr val="FFFFFF"/>
+              </a:solidFill>
+            </a:endParaRPr>
           </a:p>
         </p:txBody>
       </p:sp>
-      <p:sp>
-        <p:nvSpPr>
-          <p:cNvPr id="6" name="Content Placeholder 5"/>
-          <p:cNvSpPr>
-            <a:spLocks noGrp="1"/>
-          </p:cNvSpPr>
+      <p:pic>
+        <p:nvPicPr>
+          <p:cNvPr id="5122" name="Picture 2"/>
+          <p:cNvPicPr>
+            <a:picLocks noGrp="1" noChangeAspect="1" noChangeArrowheads="1"/>
+          </p:cNvPicPr>
           <p:nvPr>
             <p:ph sz="quarter" idx="1"/>
           </p:nvPr>
-        </p:nvSpPr>
-        <p:spPr/>
-        <p:txBody>
-          <a:bodyPr/>
-          <a:lstStyle/>
-          <a:p>
-            <a:endParaRPr lang="vi-VN"/>
-          </a:p>
-        </p:txBody>
-      </p:sp>
+        </p:nvPicPr>
+        <p:blipFill>
+          <a:blip r:embed="rId2">
+            <a:extLst>
+              <a:ext uri="{28A0092B-C50C-407E-A947-70E740481C1C}">
+                <a14:useLocalDpi xmlns:a14="http://schemas.microsoft.com/office/drawing/2010/main" val="0"/>
+              </a:ext>
+            </a:extLst>
+          </a:blip>
+          <a:srcRect/>
+          <a:stretch>
+            <a:fillRect/>
+          </a:stretch>
+        </p:blipFill>
+        <p:spPr bwMode="auto">
+          <a:xfrm>
+            <a:off x="1763688" y="1628800"/>
+            <a:ext cx="5184576" cy="4985168"/>
+          </a:xfrm>
+          <a:prstGeom prst="rect">
+            <a:avLst/>
+          </a:prstGeom>
+          <a:noFill/>
+          <a:ln>
+            <a:noFill/>
+          </a:ln>
+          <a:effectLst/>
+          <a:extLst>
+            <a:ext uri="{909E8E84-426E-40DD-AFC4-6F175D3DCCD1}">
+              <a14:hiddenFill xmlns:a14="http://schemas.microsoft.com/office/drawing/2010/main">
+                <a:solidFill>
+                  <a:schemeClr val="accent1"/>
+                </a:solidFill>
+              </a14:hiddenFill>
+            </a:ext>
+            <a:ext uri="{91240B29-F687-4F45-9708-019B960494DF}">
+              <a14:hiddenLine xmlns:a14="http://schemas.microsoft.com/office/drawing/2010/main" w="9525">
+                <a:solidFill>
+                  <a:schemeClr val="tx1"/>
+                </a:solidFill>
+                <a:miter lim="800000"/>
+                <a:headEnd/>
+                <a:tailEnd/>
+              </a14:hiddenLine>
+            </a:ext>
+            <a:ext uri="{AF507438-7753-43E0-B8FC-AC1667EBCBE1}">
+              <a14:hiddenEffects xmlns:a14="http://schemas.microsoft.com/office/drawing/2010/main">
+                <a:effectLst>
+                  <a:outerShdw dist="35921" dir="2700000" algn="ctr" rotWithShape="0">
+                    <a:schemeClr val="bg2"/>
+                  </a:outerShdw>
+                </a:effectLst>
+              </a14:hiddenEffects>
+            </a:ext>
+          </a:extLst>
+        </p:spPr>
+      </p:pic>
     </p:spTree>
     <p:extLst>
       <p:ext uri="{BB962C8B-B14F-4D97-AF65-F5344CB8AC3E}">
-        <p14:creationId xmlns:p14="http://schemas.microsoft.com/office/powerpoint/2010/main" val="2449681135"/>
+        <p14:creationId xmlns:p14="http://schemas.microsoft.com/office/powerpoint/2010/main" val="2360626904"/>
       </p:ext>
     </p:extLst>
   </p:cSld>
@@ -11228,7 +13715,26 @@
       </p:grpSpPr>
       <p:sp>
         <p:nvSpPr>
-          <p:cNvPr id="2" name="Title 1"/>
+          <p:cNvPr id="5" name="Text Placeholder 4"/>
+          <p:cNvSpPr>
+            <a:spLocks noGrp="1"/>
+          </p:cNvSpPr>
+          <p:nvPr>
+            <p:ph type="body" idx="1"/>
+          </p:nvPr>
+        </p:nvSpPr>
+        <p:spPr/>
+        <p:txBody>
+          <a:bodyPr/>
+          <a:lstStyle/>
+          <a:p>
+            <a:endParaRPr lang="vi-VN" dirty="0"/>
+          </a:p>
+        </p:txBody>
+      </p:sp>
+      <p:sp>
+        <p:nvSpPr>
+          <p:cNvPr id="4" name="Title 3"/>
           <p:cNvSpPr>
             <a:spLocks noGrp="1"/>
           </p:cNvSpPr>
@@ -11243,7 +13749,7 @@
           <a:p>
             <a:r>
               <a:rPr lang="en-US" dirty="0" err="1" smtClean="0"/>
-              <a:t>Những</a:t>
+              <a:t>Kết</a:t>
             </a:r>
             <a:r>
               <a:rPr lang="en-US" dirty="0" smtClean="0"/>
@@ -11251,15 +13757,7 @@
             </a:r>
             <a:r>
               <a:rPr lang="en-US" dirty="0" err="1" smtClean="0"/>
-              <a:t>hạn</a:t>
-            </a:r>
-            <a:r>
-              <a:rPr lang="en-US" dirty="0" smtClean="0"/>
-              <a:t> </a:t>
-            </a:r>
-            <a:r>
-              <a:rPr lang="en-US" dirty="0" err="1" smtClean="0"/>
-              <a:t>chế</a:t>
+              <a:t>luận</a:t>
             </a:r>
             <a:endParaRPr lang="vi-VN" dirty="0"/>
           </a:p>
@@ -11272,13 +13770,13 @@
             <a:spLocks noGrp="1"/>
           </p:cNvSpPr>
           <p:nvPr>
-            <p:ph type="sldNum" sz="quarter" idx="12"/>
+            <p:ph type="sldNum" sz="quarter" idx="11"/>
           </p:nvPr>
         </p:nvSpPr>
         <p:spPr/>
         <p:txBody>
           <a:bodyPr>
-            <a:normAutofit fontScale="85000" lnSpcReduction="20000"/>
+            <a:normAutofit/>
           </a:bodyPr>
           <a:lstStyle/>
           <a:p>
@@ -11295,29 +13793,51 @@
           </a:p>
         </p:txBody>
       </p:sp>
-      <p:sp>
-        <p:nvSpPr>
-          <p:cNvPr id="4" name="Content Placeholder 3"/>
-          <p:cNvSpPr>
-            <a:spLocks noGrp="1"/>
-          </p:cNvSpPr>
-          <p:nvPr>
-            <p:ph sz="quarter" idx="1"/>
-          </p:nvPr>
-        </p:nvSpPr>
-        <p:spPr/>
-        <p:txBody>
-          <a:bodyPr/>
-          <a:lstStyle/>
-          <a:p>
-            <a:endParaRPr lang="vi-VN"/>
-          </a:p>
-        </p:txBody>
-      </p:sp>
+      <p:pic>
+        <p:nvPicPr>
+          <p:cNvPr id="7" name="Picture 4" descr="http://www.google.com.vn/url?source=imglanding&amp;ct=img&amp;q=http://blog.cachinko.com/blog/wp-content/uploads/2011/01/21-networking-300x300.jpg&amp;sa=X&amp;ei=ynX9TqGeKYfUmAWc-Zi6Ag&amp;ved=0CAsQ8wc4Kw&amp;usg=AFQjCNGJnaVVfiNiB9JXRymc0aBCRk8K6A"/>
+          <p:cNvPicPr>
+            <a:picLocks noChangeAspect="1" noChangeArrowheads="1"/>
+          </p:cNvPicPr>
+          <p:nvPr/>
+        </p:nvPicPr>
+        <p:blipFill>
+          <a:blip r:embed="rId2">
+            <a:extLst>
+              <a:ext uri="{28A0092B-C50C-407E-A947-70E740481C1C}">
+                <a14:useLocalDpi xmlns:a14="http://schemas.microsoft.com/office/drawing/2010/main" val="0"/>
+              </a:ext>
+            </a:extLst>
+          </a:blip>
+          <a:srcRect/>
+          <a:stretch>
+            <a:fillRect/>
+          </a:stretch>
+        </p:blipFill>
+        <p:spPr bwMode="auto">
+          <a:xfrm>
+            <a:off x="4716016" y="2609293"/>
+            <a:ext cx="4132075" cy="4132075"/>
+          </a:xfrm>
+          <a:prstGeom prst="rect">
+            <a:avLst/>
+          </a:prstGeom>
+          <a:noFill/>
+          <a:extLst>
+            <a:ext uri="{909E8E84-426E-40DD-AFC4-6F175D3DCCD1}">
+              <a14:hiddenFill xmlns:a14="http://schemas.microsoft.com/office/drawing/2010/main">
+                <a:solidFill>
+                  <a:srgbClr val="FFFFFF"/>
+                </a:solidFill>
+              </a14:hiddenFill>
+            </a:ext>
+          </a:extLst>
+        </p:spPr>
+      </p:pic>
     </p:spTree>
     <p:extLst>
       <p:ext uri="{BB962C8B-B14F-4D97-AF65-F5344CB8AC3E}">
-        <p14:creationId xmlns:p14="http://schemas.microsoft.com/office/powerpoint/2010/main" val="1913792255"/>
+        <p14:creationId xmlns:p14="http://schemas.microsoft.com/office/powerpoint/2010/main" val="1500730890"/>
       </p:ext>
     </p:extLst>
   </p:cSld>
@@ -11353,26 +13873,7 @@
       </p:grpSpPr>
       <p:sp>
         <p:nvSpPr>
-          <p:cNvPr id="5" name="Text Placeholder 4"/>
-          <p:cNvSpPr>
-            <a:spLocks noGrp="1"/>
-          </p:cNvSpPr>
-          <p:nvPr>
-            <p:ph type="body" idx="1"/>
-          </p:nvPr>
-        </p:nvSpPr>
-        <p:spPr/>
-        <p:txBody>
-          <a:bodyPr/>
-          <a:lstStyle/>
-          <a:p>
-            <a:endParaRPr lang="vi-VN"/>
-          </a:p>
-        </p:txBody>
-      </p:sp>
-      <p:sp>
-        <p:nvSpPr>
-          <p:cNvPr id="4" name="Title 3"/>
+          <p:cNvPr id="2" name="Title 1"/>
           <p:cNvSpPr>
             <a:spLocks noGrp="1"/>
           </p:cNvSpPr>
@@ -11387,7 +13888,7 @@
           <a:p>
             <a:r>
               <a:rPr lang="en-US" dirty="0" smtClean="0"/>
-              <a:t>DEMONSTRATION</a:t>
+              <a:t>KẾT QUẢ ĐẠT ĐƯỢC</a:t>
             </a:r>
             <a:endParaRPr lang="vi-VN" dirty="0"/>
           </a:p>
@@ -11400,13 +13901,13 @@
             <a:spLocks noGrp="1"/>
           </p:cNvSpPr>
           <p:nvPr>
-            <p:ph type="sldNum" sz="quarter" idx="11"/>
+            <p:ph type="sldNum" sz="quarter" idx="12"/>
           </p:nvPr>
         </p:nvSpPr>
         <p:spPr/>
         <p:txBody>
           <a:bodyPr>
-            <a:normAutofit/>
+            <a:normAutofit fontScale="85000" lnSpcReduction="20000"/>
           </a:bodyPr>
           <a:lstStyle/>
           <a:p>
@@ -11423,10 +13924,29 @@
           </a:p>
         </p:txBody>
       </p:sp>
+      <p:sp>
+        <p:nvSpPr>
+          <p:cNvPr id="4" name="Content Placeholder 3"/>
+          <p:cNvSpPr>
+            <a:spLocks noGrp="1"/>
+          </p:cNvSpPr>
+          <p:nvPr>
+            <p:ph sz="quarter" idx="1"/>
+          </p:nvPr>
+        </p:nvSpPr>
+        <p:spPr/>
+        <p:txBody>
+          <a:bodyPr/>
+          <a:lstStyle/>
+          <a:p>
+            <a:endParaRPr lang="vi-VN"/>
+          </a:p>
+        </p:txBody>
+      </p:sp>
     </p:spTree>
     <p:extLst>
       <p:ext uri="{BB962C8B-B14F-4D97-AF65-F5344CB8AC3E}">
-        <p14:creationId xmlns:p14="http://schemas.microsoft.com/office/powerpoint/2010/main" val="1870866790"/>
+        <p14:creationId xmlns:p14="http://schemas.microsoft.com/office/powerpoint/2010/main" val="3067536780"/>
       </p:ext>
     </p:extLst>
   </p:cSld>
@@ -11462,26 +13982,7 @@
       </p:grpSpPr>
       <p:sp>
         <p:nvSpPr>
-          <p:cNvPr id="5" name="Text Placeholder 4"/>
-          <p:cNvSpPr>
-            <a:spLocks noGrp="1"/>
-          </p:cNvSpPr>
-          <p:nvPr>
-            <p:ph type="body" idx="1"/>
-          </p:nvPr>
-        </p:nvSpPr>
-        <p:spPr/>
-        <p:txBody>
-          <a:bodyPr/>
-          <a:lstStyle/>
-          <a:p>
-            <a:endParaRPr lang="vi-VN"/>
-          </a:p>
-        </p:txBody>
-      </p:sp>
-      <p:sp>
-        <p:nvSpPr>
-          <p:cNvPr id="4" name="Title 3"/>
+          <p:cNvPr id="2" name="Title 1"/>
           <p:cNvSpPr>
             <a:spLocks noGrp="1"/>
           </p:cNvSpPr>
@@ -11495,8 +13996,8 @@
           <a:lstStyle/>
           <a:p>
             <a:r>
-              <a:rPr lang="en-US" dirty="0" smtClean="0"/>
-              <a:t>Q &amp; A</a:t>
+              <a:rPr lang="en-US" smtClean="0"/>
+              <a:t>Đánh giá</a:t>
             </a:r>
             <a:endParaRPr lang="vi-VN" dirty="0"/>
           </a:p>
@@ -11509,13 +14010,13 @@
             <a:spLocks noGrp="1"/>
           </p:cNvSpPr>
           <p:nvPr>
-            <p:ph type="sldNum" sz="quarter" idx="11"/>
+            <p:ph type="sldNum" sz="quarter" idx="12"/>
           </p:nvPr>
         </p:nvSpPr>
         <p:spPr/>
         <p:txBody>
           <a:bodyPr>
-            <a:normAutofit/>
+            <a:normAutofit fontScale="85000" lnSpcReduction="20000"/>
           </a:bodyPr>
           <a:lstStyle/>
           <a:p>
@@ -11524,18 +14025,33 @@
               <a:pPr/>
               <a:t>22</a:t>
             </a:fld>
-            <a:endParaRPr lang="en-US" dirty="0">
-              <a:solidFill>
-                <a:srgbClr val="FFFFFF"/>
-              </a:solidFill>
-            </a:endParaRPr>
+            <a:endParaRPr lang="en-US" dirty="0"/>
+          </a:p>
+        </p:txBody>
+      </p:sp>
+      <p:sp>
+        <p:nvSpPr>
+          <p:cNvPr id="6" name="Content Placeholder 5"/>
+          <p:cNvSpPr>
+            <a:spLocks noGrp="1"/>
+          </p:cNvSpPr>
+          <p:nvPr>
+            <p:ph sz="quarter" idx="1"/>
+          </p:nvPr>
+        </p:nvSpPr>
+        <p:spPr/>
+        <p:txBody>
+          <a:bodyPr/>
+          <a:lstStyle/>
+          <a:p>
+            <a:endParaRPr lang="vi-VN"/>
           </a:p>
         </p:txBody>
       </p:sp>
     </p:spTree>
     <p:extLst>
       <p:ext uri="{BB962C8B-B14F-4D97-AF65-F5344CB8AC3E}">
-        <p14:creationId xmlns:p14="http://schemas.microsoft.com/office/powerpoint/2010/main" val="2443692379"/>
+        <p14:creationId xmlns:p14="http://schemas.microsoft.com/office/powerpoint/2010/main" val="2449681135"/>
       </p:ext>
     </p:extLst>
   </p:cSld>
@@ -11571,6 +14087,349 @@
       </p:grpSpPr>
       <p:sp>
         <p:nvSpPr>
+          <p:cNvPr id="2" name="Title 1"/>
+          <p:cNvSpPr>
+            <a:spLocks noGrp="1"/>
+          </p:cNvSpPr>
+          <p:nvPr>
+            <p:ph type="title"/>
+          </p:nvPr>
+        </p:nvSpPr>
+        <p:spPr/>
+        <p:txBody>
+          <a:bodyPr/>
+          <a:lstStyle/>
+          <a:p>
+            <a:r>
+              <a:rPr lang="en-US" dirty="0" err="1" smtClean="0"/>
+              <a:t>Những</a:t>
+            </a:r>
+            <a:r>
+              <a:rPr lang="en-US" dirty="0" smtClean="0"/>
+              <a:t> </a:t>
+            </a:r>
+            <a:r>
+              <a:rPr lang="en-US" dirty="0" err="1" smtClean="0"/>
+              <a:t>hạn</a:t>
+            </a:r>
+            <a:r>
+              <a:rPr lang="en-US" dirty="0" smtClean="0"/>
+              <a:t> </a:t>
+            </a:r>
+            <a:r>
+              <a:rPr lang="en-US" dirty="0" err="1" smtClean="0"/>
+              <a:t>chế</a:t>
+            </a:r>
+            <a:endParaRPr lang="vi-VN" dirty="0"/>
+          </a:p>
+        </p:txBody>
+      </p:sp>
+      <p:sp>
+        <p:nvSpPr>
+          <p:cNvPr id="3" name="Slide Number Placeholder 2"/>
+          <p:cNvSpPr>
+            <a:spLocks noGrp="1"/>
+          </p:cNvSpPr>
+          <p:nvPr>
+            <p:ph type="sldNum" sz="quarter" idx="12"/>
+          </p:nvPr>
+        </p:nvSpPr>
+        <p:spPr/>
+        <p:txBody>
+          <a:bodyPr>
+            <a:normAutofit fontScale="85000" lnSpcReduction="20000"/>
+          </a:bodyPr>
+          <a:lstStyle/>
+          <a:p>
+            <a:fld id="{1AD93096-5B34-4342-9326-69289CEAE4C2}" type="slidenum">
+              <a:rPr lang="en-US" smtClean="0"/>
+              <a:pPr/>
+              <a:t>23</a:t>
+            </a:fld>
+            <a:endParaRPr lang="en-US" dirty="0">
+              <a:solidFill>
+                <a:srgbClr val="FFFFFF"/>
+              </a:solidFill>
+            </a:endParaRPr>
+          </a:p>
+        </p:txBody>
+      </p:sp>
+      <p:sp>
+        <p:nvSpPr>
+          <p:cNvPr id="4" name="Content Placeholder 3"/>
+          <p:cNvSpPr>
+            <a:spLocks noGrp="1"/>
+          </p:cNvSpPr>
+          <p:nvPr>
+            <p:ph sz="quarter" idx="1"/>
+          </p:nvPr>
+        </p:nvSpPr>
+        <p:spPr/>
+        <p:txBody>
+          <a:bodyPr/>
+          <a:lstStyle/>
+          <a:p>
+            <a:endParaRPr lang="vi-VN"/>
+          </a:p>
+        </p:txBody>
+      </p:sp>
+    </p:spTree>
+    <p:extLst>
+      <p:ext uri="{BB962C8B-B14F-4D97-AF65-F5344CB8AC3E}">
+        <p14:creationId xmlns:p14="http://schemas.microsoft.com/office/powerpoint/2010/main" val="1913792255"/>
+      </p:ext>
+    </p:extLst>
+  </p:cSld>
+  <p:clrMapOvr>
+    <a:masterClrMapping/>
+  </p:clrMapOvr>
+  <p:timing>
+    <p:tnLst>
+      <p:par>
+        <p:cTn id="1" dur="indefinite" restart="never" nodeType="tmRoot"/>
+      </p:par>
+    </p:tnLst>
+  </p:timing>
+</p:sld>
+</file>
+
+<file path=ppt/slides/slide24.xml><?xml version="1.0" encoding="utf-8"?>
+<p:sld xmlns:a="http://schemas.openxmlformats.org/drawingml/2006/main" xmlns:r="http://schemas.openxmlformats.org/officeDocument/2006/relationships" xmlns:p="http://schemas.openxmlformats.org/presentationml/2006/main">
+  <p:cSld>
+    <p:spTree>
+      <p:nvGrpSpPr>
+        <p:cNvPr id="1" name=""/>
+        <p:cNvGrpSpPr/>
+        <p:nvPr/>
+      </p:nvGrpSpPr>
+      <p:grpSpPr>
+        <a:xfrm>
+          <a:off x="0" y="0"/>
+          <a:ext cx="0" cy="0"/>
+          <a:chOff x="0" y="0"/>
+          <a:chExt cx="0" cy="0"/>
+        </a:xfrm>
+      </p:grpSpPr>
+      <p:sp>
+        <p:nvSpPr>
+          <p:cNvPr id="5" name="Text Placeholder 4"/>
+          <p:cNvSpPr>
+            <a:spLocks noGrp="1"/>
+          </p:cNvSpPr>
+          <p:nvPr>
+            <p:ph type="body" idx="1"/>
+          </p:nvPr>
+        </p:nvSpPr>
+        <p:spPr/>
+        <p:txBody>
+          <a:bodyPr/>
+          <a:lstStyle/>
+          <a:p>
+            <a:endParaRPr lang="vi-VN"/>
+          </a:p>
+        </p:txBody>
+      </p:sp>
+      <p:sp>
+        <p:nvSpPr>
+          <p:cNvPr id="4" name="Title 3"/>
+          <p:cNvSpPr>
+            <a:spLocks noGrp="1"/>
+          </p:cNvSpPr>
+          <p:nvPr>
+            <p:ph type="title"/>
+          </p:nvPr>
+        </p:nvSpPr>
+        <p:spPr/>
+        <p:txBody>
+          <a:bodyPr/>
+          <a:lstStyle/>
+          <a:p>
+            <a:r>
+              <a:rPr lang="en-US" dirty="0" smtClean="0"/>
+              <a:t>DEMONSTRATION</a:t>
+            </a:r>
+            <a:endParaRPr lang="vi-VN" dirty="0"/>
+          </a:p>
+        </p:txBody>
+      </p:sp>
+      <p:sp>
+        <p:nvSpPr>
+          <p:cNvPr id="3" name="Slide Number Placeholder 2"/>
+          <p:cNvSpPr>
+            <a:spLocks noGrp="1"/>
+          </p:cNvSpPr>
+          <p:nvPr>
+            <p:ph type="sldNum" sz="quarter" idx="11"/>
+          </p:nvPr>
+        </p:nvSpPr>
+        <p:spPr/>
+        <p:txBody>
+          <a:bodyPr>
+            <a:normAutofit/>
+          </a:bodyPr>
+          <a:lstStyle/>
+          <a:p>
+            <a:fld id="{1AD93096-5B34-4342-9326-69289CEAE4C2}" type="slidenum">
+              <a:rPr lang="en-US" smtClean="0"/>
+              <a:pPr/>
+              <a:t>24</a:t>
+            </a:fld>
+            <a:endParaRPr lang="en-US" dirty="0">
+              <a:solidFill>
+                <a:srgbClr val="FFFFFF"/>
+              </a:solidFill>
+            </a:endParaRPr>
+          </a:p>
+        </p:txBody>
+      </p:sp>
+    </p:spTree>
+    <p:extLst>
+      <p:ext uri="{BB962C8B-B14F-4D97-AF65-F5344CB8AC3E}">
+        <p14:creationId xmlns:p14="http://schemas.microsoft.com/office/powerpoint/2010/main" val="1870866790"/>
+      </p:ext>
+    </p:extLst>
+  </p:cSld>
+  <p:clrMapOvr>
+    <a:masterClrMapping/>
+  </p:clrMapOvr>
+  <p:timing>
+    <p:tnLst>
+      <p:par>
+        <p:cTn id="1" dur="indefinite" restart="never" nodeType="tmRoot"/>
+      </p:par>
+    </p:tnLst>
+  </p:timing>
+</p:sld>
+</file>
+
+<file path=ppt/slides/slide25.xml><?xml version="1.0" encoding="utf-8"?>
+<p:sld xmlns:a="http://schemas.openxmlformats.org/drawingml/2006/main" xmlns:r="http://schemas.openxmlformats.org/officeDocument/2006/relationships" xmlns:p="http://schemas.openxmlformats.org/presentationml/2006/main">
+  <p:cSld>
+    <p:spTree>
+      <p:nvGrpSpPr>
+        <p:cNvPr id="1" name=""/>
+        <p:cNvGrpSpPr/>
+        <p:nvPr/>
+      </p:nvGrpSpPr>
+      <p:grpSpPr>
+        <a:xfrm>
+          <a:off x="0" y="0"/>
+          <a:ext cx="0" cy="0"/>
+          <a:chOff x="0" y="0"/>
+          <a:chExt cx="0" cy="0"/>
+        </a:xfrm>
+      </p:grpSpPr>
+      <p:sp>
+        <p:nvSpPr>
+          <p:cNvPr id="5" name="Text Placeholder 4"/>
+          <p:cNvSpPr>
+            <a:spLocks noGrp="1"/>
+          </p:cNvSpPr>
+          <p:nvPr>
+            <p:ph type="body" idx="1"/>
+          </p:nvPr>
+        </p:nvSpPr>
+        <p:spPr/>
+        <p:txBody>
+          <a:bodyPr/>
+          <a:lstStyle/>
+          <a:p>
+            <a:endParaRPr lang="vi-VN"/>
+          </a:p>
+        </p:txBody>
+      </p:sp>
+      <p:sp>
+        <p:nvSpPr>
+          <p:cNvPr id="4" name="Title 3"/>
+          <p:cNvSpPr>
+            <a:spLocks noGrp="1"/>
+          </p:cNvSpPr>
+          <p:nvPr>
+            <p:ph type="title"/>
+          </p:nvPr>
+        </p:nvSpPr>
+        <p:spPr/>
+        <p:txBody>
+          <a:bodyPr/>
+          <a:lstStyle/>
+          <a:p>
+            <a:r>
+              <a:rPr lang="en-US" dirty="0" smtClean="0"/>
+              <a:t>Q &amp; A</a:t>
+            </a:r>
+            <a:endParaRPr lang="vi-VN" dirty="0"/>
+          </a:p>
+        </p:txBody>
+      </p:sp>
+      <p:sp>
+        <p:nvSpPr>
+          <p:cNvPr id="3" name="Slide Number Placeholder 2"/>
+          <p:cNvSpPr>
+            <a:spLocks noGrp="1"/>
+          </p:cNvSpPr>
+          <p:nvPr>
+            <p:ph type="sldNum" sz="quarter" idx="11"/>
+          </p:nvPr>
+        </p:nvSpPr>
+        <p:spPr/>
+        <p:txBody>
+          <a:bodyPr>
+            <a:normAutofit/>
+          </a:bodyPr>
+          <a:lstStyle/>
+          <a:p>
+            <a:fld id="{1AD93096-5B34-4342-9326-69289CEAE4C2}" type="slidenum">
+              <a:rPr lang="en-US" smtClean="0"/>
+              <a:pPr/>
+              <a:t>25</a:t>
+            </a:fld>
+            <a:endParaRPr lang="en-US" dirty="0">
+              <a:solidFill>
+                <a:srgbClr val="FFFFFF"/>
+              </a:solidFill>
+            </a:endParaRPr>
+          </a:p>
+        </p:txBody>
+      </p:sp>
+    </p:spTree>
+    <p:extLst>
+      <p:ext uri="{BB962C8B-B14F-4D97-AF65-F5344CB8AC3E}">
+        <p14:creationId xmlns:p14="http://schemas.microsoft.com/office/powerpoint/2010/main" val="2443692379"/>
+      </p:ext>
+    </p:extLst>
+  </p:cSld>
+  <p:clrMapOvr>
+    <a:masterClrMapping/>
+  </p:clrMapOvr>
+  <p:timing>
+    <p:tnLst>
+      <p:par>
+        <p:cTn id="1" dur="indefinite" restart="never" nodeType="tmRoot"/>
+      </p:par>
+    </p:tnLst>
+  </p:timing>
+</p:sld>
+</file>
+
+<file path=ppt/slides/slide26.xml><?xml version="1.0" encoding="utf-8"?>
+<p:sld xmlns:a="http://schemas.openxmlformats.org/drawingml/2006/main" xmlns:r="http://schemas.openxmlformats.org/officeDocument/2006/relationships" xmlns:p="http://schemas.openxmlformats.org/presentationml/2006/main">
+  <p:cSld>
+    <p:spTree>
+      <p:nvGrpSpPr>
+        <p:cNvPr id="1" name=""/>
+        <p:cNvGrpSpPr/>
+        <p:nvPr/>
+      </p:nvGrpSpPr>
+      <p:grpSpPr>
+        <a:xfrm>
+          <a:off x="0" y="0"/>
+          <a:ext cx="0" cy="0"/>
+          <a:chOff x="0" y="0"/>
+          <a:chExt cx="0" cy="0"/>
+        </a:xfrm>
+      </p:grpSpPr>
+      <p:sp>
+        <p:nvSpPr>
           <p:cNvPr id="8" name="Text Placeholder 7"/>
           <p:cNvSpPr>
             <a:spLocks noGrp="1"/>
@@ -11638,7 +14497,7 @@
             <a:fld id="{1AD93096-5B34-4342-9326-69289CEAE4C2}" type="slidenum">
               <a:rPr lang="en-US" smtClean="0"/>
               <a:pPr/>
-              <a:t>23</a:t>
+              <a:t>26</a:t>
             </a:fld>
             <a:endParaRPr lang="en-US" dirty="0">
               <a:solidFill>
@@ -11753,488 +14612,6 @@
       </p:grpSpPr>
       <p:sp>
         <p:nvSpPr>
-          <p:cNvPr id="6" name="Text Placeholder 5"/>
-          <p:cNvSpPr>
-            <a:spLocks noGrp="1"/>
-          </p:cNvSpPr>
-          <p:nvPr>
-            <p:ph type="body" idx="1"/>
-          </p:nvPr>
-        </p:nvSpPr>
-        <p:spPr>
-          <a:xfrm>
-            <a:off x="1371600" y="2743200"/>
-            <a:ext cx="7664896" cy="3998168"/>
-          </a:xfrm>
-        </p:spPr>
-        <p:txBody>
-          <a:bodyPr>
-            <a:normAutofit/>
-          </a:bodyPr>
-          <a:lstStyle/>
-          <a:p>
-            <a:r>
-              <a:rPr lang="en-US" dirty="0" err="1" smtClean="0"/>
-              <a:t>Bài</a:t>
-            </a:r>
-            <a:r>
-              <a:rPr lang="en-US" dirty="0" smtClean="0"/>
-              <a:t> </a:t>
-            </a:r>
-            <a:r>
-              <a:rPr lang="en-US" dirty="0" err="1" smtClean="0"/>
-              <a:t>toán</a:t>
-            </a:r>
-            <a:r>
-              <a:rPr lang="en-US" dirty="0" smtClean="0"/>
-              <a:t> </a:t>
-            </a:r>
-            <a:r>
-              <a:rPr lang="en-US" dirty="0" err="1" smtClean="0"/>
-              <a:t>kiến</a:t>
-            </a:r>
-            <a:r>
-              <a:rPr lang="en-US" dirty="0" smtClean="0"/>
-              <a:t> </a:t>
-            </a:r>
-            <a:r>
-              <a:rPr lang="en-US" dirty="0" err="1" smtClean="0"/>
-              <a:t>trúc</a:t>
-            </a:r>
-            <a:r>
-              <a:rPr lang="en-US" dirty="0" smtClean="0"/>
-              <a:t> </a:t>
-            </a:r>
-            <a:r>
-              <a:rPr lang="en-US" dirty="0" err="1" smtClean="0"/>
-              <a:t>tổ</a:t>
-            </a:r>
-            <a:r>
-              <a:rPr lang="en-US" dirty="0" smtClean="0"/>
-              <a:t> </a:t>
-            </a:r>
-            <a:r>
-              <a:rPr lang="en-US" dirty="0" err="1" smtClean="0"/>
-              <a:t>chức</a:t>
-            </a:r>
-            <a:r>
-              <a:rPr lang="en-US" dirty="0" smtClean="0"/>
-              <a:t> </a:t>
-            </a:r>
-            <a:r>
-              <a:rPr lang="en-US" dirty="0" err="1" smtClean="0"/>
-              <a:t>và</a:t>
-            </a:r>
-            <a:r>
-              <a:rPr lang="en-US" dirty="0" smtClean="0"/>
-              <a:t> so </a:t>
-            </a:r>
-            <a:r>
-              <a:rPr lang="en-US" dirty="0" err="1" smtClean="0"/>
-              <a:t>khớp</a:t>
-            </a:r>
-            <a:r>
-              <a:rPr lang="en-US" dirty="0" smtClean="0"/>
-              <a:t> </a:t>
-            </a:r>
-            <a:r>
-              <a:rPr lang="en-US" dirty="0" err="1" smtClean="0"/>
-              <a:t>thông</a:t>
-            </a:r>
-            <a:r>
-              <a:rPr lang="en-US" dirty="0" smtClean="0"/>
-              <a:t> tin.</a:t>
-            </a:r>
-          </a:p>
-          <a:p>
-            <a:r>
-              <a:rPr lang="en-US" dirty="0" err="1" smtClean="0"/>
-              <a:t>Trong</a:t>
-            </a:r>
-            <a:r>
-              <a:rPr lang="en-US" dirty="0" smtClean="0"/>
-              <a:t> </a:t>
-            </a:r>
-            <a:r>
-              <a:rPr lang="en-US" dirty="0" err="1" smtClean="0"/>
-              <a:t>phần</a:t>
-            </a:r>
-            <a:r>
-              <a:rPr lang="en-US" dirty="0" smtClean="0"/>
-              <a:t> </a:t>
-            </a:r>
-            <a:r>
-              <a:rPr lang="en-US" dirty="0" err="1" smtClean="0"/>
-              <a:t>này</a:t>
-            </a:r>
-            <a:r>
-              <a:rPr lang="en-US" dirty="0" smtClean="0"/>
-              <a:t> </a:t>
-            </a:r>
-            <a:r>
-              <a:rPr lang="en-US" dirty="0" err="1" smtClean="0"/>
-              <a:t>có</a:t>
-            </a:r>
-            <a:r>
-              <a:rPr lang="en-US" dirty="0" smtClean="0"/>
-              <a:t> </a:t>
-            </a:r>
-            <a:r>
-              <a:rPr lang="en-US" dirty="0" err="1" smtClean="0"/>
-              <a:t>các</a:t>
-            </a:r>
-            <a:r>
-              <a:rPr lang="en-US" dirty="0" smtClean="0"/>
-              <a:t> </a:t>
-            </a:r>
-            <a:r>
-              <a:rPr lang="en-US" dirty="0" err="1" smtClean="0"/>
-              <a:t>nội</a:t>
-            </a:r>
-            <a:r>
-              <a:rPr lang="en-US" dirty="0" smtClean="0"/>
-              <a:t> dung </a:t>
-            </a:r>
-            <a:r>
-              <a:rPr lang="en-US" dirty="0" err="1" smtClean="0"/>
-              <a:t>sau</a:t>
-            </a:r>
-            <a:r>
-              <a:rPr lang="en-US" dirty="0" smtClean="0"/>
-              <a:t>:</a:t>
-            </a:r>
-          </a:p>
-          <a:p>
-            <a:pPr marL="457200" indent="-457200">
-              <a:buFontTx/>
-              <a:buChar char="-"/>
-            </a:pPr>
-            <a:r>
-              <a:rPr lang="en-US" dirty="0" err="1" smtClean="0"/>
-              <a:t>Bài</a:t>
-            </a:r>
-            <a:r>
-              <a:rPr lang="en-US" dirty="0" smtClean="0"/>
-              <a:t> </a:t>
-            </a:r>
-            <a:r>
-              <a:rPr lang="en-US" dirty="0" err="1" smtClean="0"/>
-              <a:t>toán</a:t>
-            </a:r>
-            <a:r>
-              <a:rPr lang="en-US" dirty="0" smtClean="0"/>
-              <a:t> 1: </a:t>
-            </a:r>
-            <a:r>
-              <a:rPr lang="en-US" dirty="0" err="1" smtClean="0"/>
-              <a:t>Tổ</a:t>
-            </a:r>
-            <a:r>
-              <a:rPr lang="en-US" dirty="0" smtClean="0"/>
-              <a:t> </a:t>
-            </a:r>
-            <a:r>
-              <a:rPr lang="en-US" dirty="0" err="1" smtClean="0"/>
-              <a:t>chức</a:t>
-            </a:r>
-            <a:r>
-              <a:rPr lang="en-US" dirty="0" smtClean="0"/>
-              <a:t> </a:t>
-            </a:r>
-            <a:r>
-              <a:rPr lang="en-US" dirty="0" err="1" smtClean="0"/>
-              <a:t>thông</a:t>
-            </a:r>
-            <a:r>
-              <a:rPr lang="en-US" dirty="0" smtClean="0"/>
-              <a:t> tin </a:t>
-            </a:r>
-            <a:r>
-              <a:rPr lang="en-US" dirty="0" err="1" smtClean="0"/>
-              <a:t>và</a:t>
-            </a:r>
-            <a:r>
-              <a:rPr lang="en-US" dirty="0" smtClean="0"/>
-              <a:t> </a:t>
-            </a:r>
-            <a:r>
-              <a:rPr lang="en-US" dirty="0" err="1" smtClean="0"/>
-              <a:t>sự</a:t>
-            </a:r>
-            <a:r>
-              <a:rPr lang="en-US" dirty="0" smtClean="0"/>
-              <a:t> </a:t>
-            </a:r>
-            <a:r>
-              <a:rPr lang="en-US" dirty="0" err="1" smtClean="0"/>
-              <a:t>linh</a:t>
-            </a:r>
-            <a:r>
-              <a:rPr lang="en-US" dirty="0" smtClean="0"/>
-              <a:t> </a:t>
-            </a:r>
-            <a:r>
-              <a:rPr lang="en-US" dirty="0" err="1" smtClean="0"/>
-              <a:t>hoạt</a:t>
-            </a:r>
-            <a:r>
-              <a:rPr lang="en-US" dirty="0" smtClean="0"/>
-              <a:t> </a:t>
-            </a:r>
-            <a:r>
-              <a:rPr lang="en-US" dirty="0" err="1" smtClean="0"/>
-              <a:t>của</a:t>
-            </a:r>
-            <a:r>
-              <a:rPr lang="en-US" dirty="0" smtClean="0"/>
-              <a:t> </a:t>
-            </a:r>
-            <a:r>
-              <a:rPr lang="en-US" dirty="0" err="1" smtClean="0"/>
-              <a:t>hệ</a:t>
-            </a:r>
-            <a:r>
-              <a:rPr lang="en-US" dirty="0" smtClean="0"/>
-              <a:t> </a:t>
-            </a:r>
-            <a:r>
-              <a:rPr lang="en-US" dirty="0" err="1" smtClean="0"/>
-              <a:t>thống</a:t>
-            </a:r>
-            <a:r>
-              <a:rPr lang="en-US" dirty="0" smtClean="0"/>
-              <a:t> so </a:t>
-            </a:r>
-            <a:r>
-              <a:rPr lang="en-US" dirty="0" err="1" smtClean="0"/>
-              <a:t>khớp</a:t>
-            </a:r>
-            <a:r>
-              <a:rPr lang="en-US" dirty="0" smtClean="0"/>
-              <a:t>.</a:t>
-            </a:r>
-          </a:p>
-          <a:p>
-            <a:pPr marL="457200" indent="-457200">
-              <a:buFontTx/>
-              <a:buChar char="-"/>
-            </a:pPr>
-            <a:r>
-              <a:rPr lang="en-US" dirty="0" err="1" smtClean="0"/>
-              <a:t>Bài</a:t>
-            </a:r>
-            <a:r>
-              <a:rPr lang="en-US" dirty="0" smtClean="0"/>
-              <a:t> </a:t>
-            </a:r>
-            <a:r>
-              <a:rPr lang="en-US" dirty="0" err="1" smtClean="0"/>
-              <a:t>toán</a:t>
-            </a:r>
-            <a:r>
-              <a:rPr lang="en-US" dirty="0" smtClean="0"/>
-              <a:t> 2: So </a:t>
-            </a:r>
-            <a:r>
-              <a:rPr lang="en-US" dirty="0" err="1" smtClean="0"/>
-              <a:t>sánh</a:t>
-            </a:r>
-            <a:r>
-              <a:rPr lang="en-US" dirty="0" smtClean="0"/>
-              <a:t> </a:t>
-            </a:r>
-            <a:r>
-              <a:rPr lang="en-US" dirty="0" err="1" smtClean="0"/>
-              <a:t>mức</a:t>
-            </a:r>
-            <a:r>
-              <a:rPr lang="en-US" dirty="0" smtClean="0"/>
-              <a:t> </a:t>
-            </a:r>
-            <a:r>
-              <a:rPr lang="en-US" dirty="0" err="1" smtClean="0"/>
-              <a:t>độ</a:t>
-            </a:r>
-            <a:r>
-              <a:rPr lang="en-US" dirty="0" smtClean="0"/>
-              <a:t> </a:t>
-            </a:r>
-            <a:r>
-              <a:rPr lang="en-US" dirty="0" err="1" smtClean="0"/>
-              <a:t>tương</a:t>
-            </a:r>
-            <a:r>
-              <a:rPr lang="en-US" dirty="0" smtClean="0"/>
-              <a:t> </a:t>
-            </a:r>
-            <a:r>
-              <a:rPr lang="en-US" dirty="0" err="1" smtClean="0"/>
-              <a:t>quan</a:t>
-            </a:r>
-            <a:r>
-              <a:rPr lang="en-US" dirty="0" smtClean="0"/>
-              <a:t> </a:t>
-            </a:r>
-            <a:r>
-              <a:rPr lang="en-US" dirty="0" err="1" smtClean="0"/>
-              <a:t>giữa</a:t>
-            </a:r>
-            <a:r>
-              <a:rPr lang="en-US" dirty="0" smtClean="0"/>
-              <a:t> </a:t>
-            </a:r>
-            <a:r>
-              <a:rPr lang="en-US" dirty="0" err="1" smtClean="0"/>
-              <a:t>các</a:t>
-            </a:r>
-            <a:r>
-              <a:rPr lang="en-US" dirty="0" smtClean="0"/>
-              <a:t> </a:t>
-            </a:r>
-            <a:r>
-              <a:rPr lang="en-US" dirty="0" err="1" smtClean="0"/>
-              <a:t>thông</a:t>
-            </a:r>
-            <a:r>
-              <a:rPr lang="en-US" dirty="0" smtClean="0"/>
-              <a:t> tin.</a:t>
-            </a:r>
-          </a:p>
-          <a:p>
-            <a:pPr marL="457200" indent="-457200">
-              <a:buFontTx/>
-              <a:buChar char="-"/>
-            </a:pPr>
-            <a:r>
-              <a:rPr lang="en-US" dirty="0" err="1" smtClean="0"/>
-              <a:t>Bài</a:t>
-            </a:r>
-            <a:r>
-              <a:rPr lang="en-US" dirty="0" smtClean="0"/>
-              <a:t> </a:t>
-            </a:r>
-            <a:r>
-              <a:rPr lang="en-US" dirty="0" err="1" smtClean="0"/>
-              <a:t>toán</a:t>
-            </a:r>
-            <a:r>
-              <a:rPr lang="en-US" dirty="0" smtClean="0"/>
-              <a:t> 3: </a:t>
-            </a:r>
-            <a:r>
-              <a:rPr lang="en-US" dirty="0" err="1" smtClean="0"/>
-              <a:t>Sử</a:t>
-            </a:r>
-            <a:r>
-              <a:rPr lang="en-US" dirty="0" smtClean="0"/>
-              <a:t> </a:t>
-            </a:r>
-            <a:r>
-              <a:rPr lang="en-US" dirty="0" err="1" smtClean="0"/>
-              <a:t>dụng</a:t>
-            </a:r>
-            <a:r>
-              <a:rPr lang="en-US" dirty="0" smtClean="0"/>
-              <a:t> </a:t>
-            </a:r>
-            <a:r>
-              <a:rPr lang="en-US" dirty="0" err="1" smtClean="0"/>
-              <a:t>kiến</a:t>
-            </a:r>
-            <a:r>
-              <a:rPr lang="en-US" dirty="0" smtClean="0"/>
-              <a:t> </a:t>
-            </a:r>
-            <a:r>
-              <a:rPr lang="en-US" dirty="0" err="1" smtClean="0"/>
-              <a:t>trúc</a:t>
-            </a:r>
-            <a:r>
-              <a:rPr lang="en-US" dirty="0" smtClean="0"/>
-              <a:t> </a:t>
-            </a:r>
-            <a:r>
-              <a:rPr lang="en-US" dirty="0" err="1" smtClean="0"/>
-              <a:t>tổ</a:t>
-            </a:r>
-            <a:r>
-              <a:rPr lang="en-US" dirty="0" smtClean="0"/>
-              <a:t> </a:t>
-            </a:r>
-            <a:r>
-              <a:rPr lang="en-US" dirty="0" err="1" smtClean="0"/>
-              <a:t>chức</a:t>
-            </a:r>
-            <a:r>
-              <a:rPr lang="en-US" dirty="0" smtClean="0"/>
-              <a:t> </a:t>
-            </a:r>
-            <a:r>
-              <a:rPr lang="en-US" dirty="0" err="1" smtClean="0"/>
-              <a:t>thông</a:t>
-            </a:r>
-            <a:r>
-              <a:rPr lang="en-US" dirty="0" smtClean="0"/>
-              <a:t> tin </a:t>
-            </a:r>
-            <a:r>
-              <a:rPr lang="en-US" dirty="0" err="1" smtClean="0"/>
-              <a:t>linh</a:t>
-            </a:r>
-            <a:r>
-              <a:rPr lang="en-US" dirty="0" smtClean="0"/>
-              <a:t> </a:t>
-            </a:r>
-            <a:r>
-              <a:rPr lang="en-US" dirty="0" err="1" smtClean="0"/>
-              <a:t>hoạt</a:t>
-            </a:r>
-            <a:r>
-              <a:rPr lang="en-US" dirty="0" smtClean="0"/>
-              <a:t> </a:t>
-            </a:r>
-            <a:r>
-              <a:rPr lang="en-US" dirty="0" err="1" smtClean="0"/>
-              <a:t>hỗ</a:t>
-            </a:r>
-            <a:r>
-              <a:rPr lang="en-US" dirty="0" smtClean="0"/>
-              <a:t> </a:t>
-            </a:r>
-            <a:r>
-              <a:rPr lang="en-US" dirty="0" err="1" smtClean="0"/>
-              <a:t>trợ</a:t>
-            </a:r>
-            <a:r>
-              <a:rPr lang="en-US" dirty="0" smtClean="0"/>
-              <a:t> </a:t>
-            </a:r>
-            <a:r>
-              <a:rPr lang="en-US" dirty="0" err="1" smtClean="0"/>
-              <a:t>ra</a:t>
-            </a:r>
-            <a:r>
-              <a:rPr lang="en-US" dirty="0" smtClean="0"/>
-              <a:t> </a:t>
-            </a:r>
-            <a:r>
-              <a:rPr lang="en-US" dirty="0" err="1" smtClean="0"/>
-              <a:t>quyết</a:t>
-            </a:r>
-            <a:r>
-              <a:rPr lang="en-US" dirty="0" smtClean="0"/>
-              <a:t> </a:t>
-            </a:r>
-            <a:r>
-              <a:rPr lang="en-US" dirty="0" err="1" smtClean="0"/>
-              <a:t>định</a:t>
-            </a:r>
-            <a:endParaRPr lang="vi-VN" dirty="0"/>
-          </a:p>
-        </p:txBody>
-      </p:sp>
-      <p:sp>
-        <p:nvSpPr>
           <p:cNvPr id="2" name="Title 1"/>
           <p:cNvSpPr>
             <a:spLocks noGrp="1"/>
@@ -12312,6 +14689,111 @@
           </a:p>
         </p:txBody>
       </p:sp>
+      <p:pic>
+        <p:nvPicPr>
+          <p:cNvPr id="10242" name="Picture 2" descr="http://www.google.com.vn/url?source=imglanding&amp;ct=img&amp;q=http://blogs.msdn.com/blogfiles/willy-peter_schaub/WindowsLiveWriter/Aproblemhasbeenencounteredwhileloadingt_898F/CLIPART_OF_10873_SM_2.jpg&amp;sa=X&amp;ei=-F4FT_bDFoSbiQftvYXPAQ&amp;ved=0CAwQ8wc43QE&amp;usg=AFQjCNFaqnaVQMZhUCnPgJ-5uXSoHDa57A"/>
+          <p:cNvPicPr>
+            <a:picLocks noChangeAspect="1" noChangeArrowheads="1"/>
+          </p:cNvPicPr>
+          <p:nvPr/>
+        </p:nvPicPr>
+        <p:blipFill>
+          <a:blip r:embed="rId3">
+            <a:extLst>
+              <a:ext uri="{28A0092B-C50C-407E-A947-70E740481C1C}">
+                <a14:useLocalDpi xmlns:a14="http://schemas.microsoft.com/office/drawing/2010/main" val="0"/>
+              </a:ext>
+            </a:extLst>
+          </a:blip>
+          <a:srcRect/>
+          <a:stretch>
+            <a:fillRect/>
+          </a:stretch>
+        </p:blipFill>
+        <p:spPr bwMode="auto">
+          <a:xfrm>
+            <a:off x="683568" y="3866795"/>
+            <a:ext cx="3312368" cy="2659863"/>
+          </a:xfrm>
+          <a:prstGeom prst="rect">
+            <a:avLst/>
+          </a:prstGeom>
+          <a:noFill/>
+          <a:extLst>
+            <a:ext uri="{909E8E84-426E-40DD-AFC4-6F175D3DCCD1}">
+              <a14:hiddenFill xmlns:a14="http://schemas.microsoft.com/office/drawing/2010/main">
+                <a:solidFill>
+                  <a:srgbClr val="FFFFFF"/>
+                </a:solidFill>
+              </a14:hiddenFill>
+            </a:ext>
+          </a:extLst>
+        </p:spPr>
+      </p:pic>
+      <p:pic>
+        <p:nvPicPr>
+          <p:cNvPr id="10243" name="Picture 3"/>
+          <p:cNvPicPr>
+            <a:picLocks noChangeAspect="1" noChangeArrowheads="1"/>
+          </p:cNvPicPr>
+          <p:nvPr/>
+        </p:nvPicPr>
+        <p:blipFill>
+          <a:blip r:embed="rId4">
+            <a:extLst>
+              <a:ext uri="{28A0092B-C50C-407E-A947-70E740481C1C}">
+                <a14:useLocalDpi xmlns:a14="http://schemas.microsoft.com/office/drawing/2010/main" val="0"/>
+              </a:ext>
+            </a:extLst>
+          </a:blip>
+          <a:srcRect/>
+          <a:stretch>
+            <a:fillRect/>
+          </a:stretch>
+        </p:blipFill>
+        <p:spPr bwMode="auto">
+          <a:xfrm>
+            <a:off x="4788024" y="2764113"/>
+            <a:ext cx="4067944" cy="3806700"/>
+          </a:xfrm>
+          <a:prstGeom prst="rect">
+            <a:avLst/>
+          </a:prstGeom>
+          <a:noFill/>
+          <a:ln>
+            <a:noFill/>
+          </a:ln>
+          <a:effectLst/>
+          <a:extLst>
+            <a:ext uri="{909E8E84-426E-40DD-AFC4-6F175D3DCCD1}">
+              <a14:hiddenFill xmlns:a14="http://schemas.microsoft.com/office/drawing/2010/main">
+                <a:solidFill>
+                  <a:schemeClr val="accent1"/>
+                </a:solidFill>
+              </a14:hiddenFill>
+            </a:ext>
+            <a:ext uri="{91240B29-F687-4F45-9708-019B960494DF}">
+              <a14:hiddenLine xmlns:a14="http://schemas.microsoft.com/office/drawing/2010/main" w="9525">
+                <a:solidFill>
+                  <a:schemeClr val="tx1"/>
+                </a:solidFill>
+                <a:miter lim="800000"/>
+                <a:headEnd/>
+                <a:tailEnd/>
+              </a14:hiddenLine>
+            </a:ext>
+            <a:ext uri="{AF507438-7753-43E0-B8FC-AC1667EBCBE1}">
+              <a14:hiddenEffects xmlns:a14="http://schemas.microsoft.com/office/drawing/2010/main">
+                <a:effectLst>
+                  <a:outerShdw dist="35921" dir="2700000" algn="ctr" rotWithShape="0">
+                    <a:schemeClr val="bg2"/>
+                  </a:outerShdw>
+                </a:effectLst>
+              </a14:hiddenEffects>
+            </a:ext>
+          </a:extLst>
+        </p:spPr>
+      </p:pic>
     </p:spTree>
     <p:extLst>
       <p:ext uri="{BB962C8B-B14F-4D97-AF65-F5344CB8AC3E}">
@@ -13184,8 +15666,8 @@
         </p:blipFill>
         <p:spPr bwMode="auto">
           <a:xfrm>
-            <a:off x="2771800" y="3501008"/>
-            <a:ext cx="3192873" cy="1922353"/>
+            <a:off x="2699792" y="3429000"/>
+            <a:ext cx="3888432" cy="2341132"/>
           </a:xfrm>
           <a:prstGeom prst="rect">
             <a:avLst/>
@@ -13358,40 +15840,116 @@
           <a:bodyPr/>
           <a:lstStyle/>
           <a:p>
-            <a:r>
-              <a:rPr lang="en-US" dirty="0" err="1" smtClean="0"/>
-              <a:t>Hỗ</a:t>
-            </a:r>
-            <a:r>
-              <a:rPr lang="en-US" dirty="0" smtClean="0"/>
-              <a:t> </a:t>
-            </a:r>
-            <a:r>
-              <a:rPr lang="en-US" dirty="0" err="1" smtClean="0"/>
+            <a:pPr marL="457200" indent="-457200">
+              <a:buFontTx/>
+              <a:buChar char="-"/>
+            </a:pPr>
+            <a:r>
+              <a:rPr lang="en-US" dirty="0" err="1"/>
+              <a:t>Sử</a:t>
+            </a:r>
+            <a:r>
+              <a:rPr lang="en-US" dirty="0"/>
+              <a:t> </a:t>
+            </a:r>
+            <a:r>
+              <a:rPr lang="en-US" dirty="0" err="1"/>
+              <a:t>dụng</a:t>
+            </a:r>
+            <a:r>
+              <a:rPr lang="en-US" dirty="0"/>
+              <a:t> </a:t>
+            </a:r>
+            <a:r>
+              <a:rPr lang="en-US" dirty="0" err="1"/>
+              <a:t>kiến</a:t>
+            </a:r>
+            <a:r>
+              <a:rPr lang="en-US" dirty="0"/>
+              <a:t> </a:t>
+            </a:r>
+            <a:r>
+              <a:rPr lang="en-US" dirty="0" err="1"/>
+              <a:t>trúc</a:t>
+            </a:r>
+            <a:r>
+              <a:rPr lang="en-US" dirty="0"/>
+              <a:t> </a:t>
+            </a:r>
+            <a:r>
+              <a:rPr lang="en-US" dirty="0" err="1"/>
+              <a:t>tổ</a:t>
+            </a:r>
+            <a:r>
+              <a:rPr lang="en-US" dirty="0"/>
+              <a:t> </a:t>
+            </a:r>
+            <a:r>
+              <a:rPr lang="en-US" dirty="0" err="1"/>
+              <a:t>chức</a:t>
+            </a:r>
+            <a:r>
+              <a:rPr lang="en-US" dirty="0"/>
+              <a:t> </a:t>
+            </a:r>
+            <a:r>
+              <a:rPr lang="en-US" dirty="0" err="1"/>
+              <a:t>thông</a:t>
+            </a:r>
+            <a:r>
+              <a:rPr lang="en-US" dirty="0"/>
+              <a:t> tin </a:t>
+            </a:r>
+            <a:r>
+              <a:rPr lang="en-US" dirty="0" err="1"/>
+              <a:t>linh</a:t>
+            </a:r>
+            <a:r>
+              <a:rPr lang="en-US" dirty="0"/>
+              <a:t> </a:t>
+            </a:r>
+            <a:r>
+              <a:rPr lang="en-US" dirty="0" err="1"/>
+              <a:t>hoạt</a:t>
+            </a:r>
+            <a:r>
+              <a:rPr lang="en-US" dirty="0"/>
+              <a:t> </a:t>
+            </a:r>
+            <a:r>
+              <a:rPr lang="en-US" dirty="0" err="1"/>
+              <a:t>hỗ</a:t>
+            </a:r>
+            <a:r>
+              <a:rPr lang="en-US" dirty="0"/>
+              <a:t> </a:t>
+            </a:r>
+            <a:r>
+              <a:rPr lang="en-US" dirty="0" err="1"/>
               <a:t>trợ</a:t>
             </a:r>
             <a:r>
-              <a:rPr lang="en-US" dirty="0" smtClean="0"/>
-              <a:t> </a:t>
-            </a:r>
-            <a:r>
-              <a:rPr lang="en-US" dirty="0" err="1" smtClean="0"/>
+              <a:rPr lang="en-US" dirty="0"/>
+              <a:t> </a:t>
+            </a:r>
+            <a:r>
+              <a:rPr lang="en-US" dirty="0" err="1"/>
               <a:t>ra</a:t>
             </a:r>
             <a:r>
-              <a:rPr lang="en-US" dirty="0" smtClean="0"/>
-              <a:t> </a:t>
-            </a:r>
-            <a:r>
-              <a:rPr lang="en-US" dirty="0" err="1" smtClean="0"/>
+              <a:rPr lang="en-US" dirty="0"/>
+              <a:t> </a:t>
+            </a:r>
+            <a:r>
+              <a:rPr lang="en-US" dirty="0" err="1"/>
               <a:t>quyết</a:t>
             </a:r>
             <a:r>
-              <a:rPr lang="en-US" dirty="0" smtClean="0"/>
-              <a:t> </a:t>
-            </a:r>
-            <a:r>
-              <a:rPr lang="en-US" dirty="0" err="1" smtClean="0"/>
+              <a:rPr lang="en-US" dirty="0"/>
+              <a:t> </a:t>
+            </a:r>
+            <a:r>
+              <a:rPr lang="en-US" dirty="0" err="1"/>
               <a:t>định</a:t>
             </a:r>
             <a:endParaRPr lang="vi-VN" dirty="0"/>
@@ -13462,6 +16020,47 @@
           </a:extLst>
         </p:spPr>
       </p:pic>
+      <p:pic>
+        <p:nvPicPr>
+          <p:cNvPr id="12290" name="Picture 2" descr="http://www.google.com.vn/url?source=imglanding&amp;ct=img&amp;q=http://www.hrgyaan.com/wp-content/uploads/2011/09/Make-a-Decision_old-lady.gif&amp;sa=X&amp;ei=FmEFT-eFCYGiiAfG0vihCg&amp;ved=0CAwQ8wc&amp;usg=AFQjCNED-DZDIT3_c-wXMyCX-sFnym3tkw"/>
+          <p:cNvPicPr>
+            <a:picLocks noChangeAspect="1" noChangeArrowheads="1"/>
+          </p:cNvPicPr>
+          <p:nvPr/>
+        </p:nvPicPr>
+        <p:blipFill>
+          <a:blip r:embed="rId3">
+            <a:extLst>
+              <a:ext uri="{28A0092B-C50C-407E-A947-70E740481C1C}">
+                <a14:useLocalDpi xmlns:a14="http://schemas.microsoft.com/office/drawing/2010/main" val="0"/>
+              </a:ext>
+            </a:extLst>
+          </a:blip>
+          <a:srcRect/>
+          <a:stretch>
+            <a:fillRect/>
+          </a:stretch>
+        </p:blipFill>
+        <p:spPr bwMode="auto">
+          <a:xfrm>
+            <a:off x="3995936" y="2740830"/>
+            <a:ext cx="3744417" cy="2808314"/>
+          </a:xfrm>
+          <a:prstGeom prst="rect">
+            <a:avLst/>
+          </a:prstGeom>
+          <a:noFill/>
+          <a:extLst>
+            <a:ext uri="{909E8E84-426E-40DD-AFC4-6F175D3DCCD1}">
+              <a14:hiddenFill xmlns:a14="http://schemas.microsoft.com/office/drawing/2010/main">
+                <a:solidFill>
+                  <a:srgbClr val="FFFFFF"/>
+                </a:solidFill>
+              </a14:hiddenFill>
+            </a:ext>
+          </a:extLst>
+        </p:spPr>
+      </p:pic>
     </p:spTree>
     <p:extLst>
       <p:ext uri="{BB962C8B-B14F-4D97-AF65-F5344CB8AC3E}">
@@ -13625,7 +16224,86 @@
   <p:timing>
     <p:tnLst>
       <p:par>
-        <p:cTn id="1" dur="indefinite" restart="never" nodeType="tmRoot"/>
+        <p:cTn id="1" dur="indefinite" restart="never" nodeType="tmRoot">
+          <p:childTnLst>
+            <p:seq concurrent="1" nextAc="seek">
+              <p:cTn id="2" dur="indefinite" nodeType="mainSeq">
+                <p:childTnLst>
+                  <p:par>
+                    <p:cTn id="3" fill="hold">
+                      <p:stCondLst>
+                        <p:cond delay="indefinite"/>
+                        <p:cond evt="onBegin" delay="0">
+                          <p:tn val="2"/>
+                        </p:cond>
+                      </p:stCondLst>
+                      <p:childTnLst>
+                        <p:par>
+                          <p:cTn id="4" fill="hold">
+                            <p:stCondLst>
+                              <p:cond delay="0"/>
+                            </p:stCondLst>
+                            <p:childTnLst>
+                              <p:par>
+                                <p:cTn id="5" presetID="10" presetClass="entr" presetSubtype="0" fill="hold" nodeType="withEffect">
+                                  <p:stCondLst>
+                                    <p:cond delay="0"/>
+                                  </p:stCondLst>
+                                  <p:childTnLst>
+                                    <p:set>
+                                      <p:cBhvr>
+                                        <p:cTn id="6" dur="1" fill="hold">
+                                          <p:stCondLst>
+                                            <p:cond delay="0"/>
+                                          </p:stCondLst>
+                                        </p:cTn>
+                                        <p:tgtEl>
+                                          <p:spTgt spid="1026"/>
+                                        </p:tgtEl>
+                                        <p:attrNameLst>
+                                          <p:attrName>style.visibility</p:attrName>
+                                        </p:attrNameLst>
+                                      </p:cBhvr>
+                                      <p:to>
+                                        <p:strVal val="visible"/>
+                                      </p:to>
+                                    </p:set>
+                                    <p:animEffect transition="in" filter="fade">
+                                      <p:cBhvr>
+                                        <p:cTn id="7" dur="500"/>
+                                        <p:tgtEl>
+                                          <p:spTgt spid="1026"/>
+                                        </p:tgtEl>
+                                      </p:cBhvr>
+                                    </p:animEffect>
+                                  </p:childTnLst>
+                                </p:cTn>
+                              </p:par>
+                            </p:childTnLst>
+                          </p:cTn>
+                        </p:par>
+                      </p:childTnLst>
+                    </p:cTn>
+                  </p:par>
+                </p:childTnLst>
+              </p:cTn>
+              <p:prevCondLst>
+                <p:cond evt="onPrev" delay="0">
+                  <p:tgtEl>
+                    <p:sldTgt/>
+                  </p:tgtEl>
+                </p:cond>
+              </p:prevCondLst>
+              <p:nextCondLst>
+                <p:cond evt="onNext" delay="0">
+                  <p:tgtEl>
+                    <p:sldTgt/>
+                  </p:tgtEl>
+                </p:cond>
+              </p:nextCondLst>
+            </p:seq>
+          </p:childTnLst>
+        </p:cTn>
       </p:par>
     </p:tnLst>
   </p:timing>
@@ -13721,39 +16399,16 @@
           </a:p>
         </p:txBody>
       </p:sp>
-      <p:sp>
-        <p:nvSpPr>
-          <p:cNvPr id="2" name="Content Placeholder 1"/>
-          <p:cNvSpPr>
-            <a:spLocks noGrp="1"/>
-          </p:cNvSpPr>
-          <p:nvPr>
-            <p:ph sz="quarter" idx="1"/>
-          </p:nvPr>
-        </p:nvSpPr>
-        <p:spPr/>
-        <p:txBody>
-          <a:bodyPr/>
-          <a:lstStyle/>
-          <a:p>
-            <a:r>
-              <a:rPr lang="en-US" dirty="0" smtClean="0"/>
-              <a:t>a</a:t>
-            </a:r>
-            <a:endParaRPr lang="vi-VN" dirty="0"/>
-          </a:p>
-        </p:txBody>
-      </p:sp>
       <p:pic>
         <p:nvPicPr>
-          <p:cNvPr id="2050" name="Picture 2"/>
+          <p:cNvPr id="87" name="Picture 2"/>
           <p:cNvPicPr>
             <a:picLocks noChangeAspect="1" noChangeArrowheads="1"/>
           </p:cNvPicPr>
           <p:nvPr/>
         </p:nvPicPr>
         <p:blipFill>
-          <a:blip r:embed="rId2" cstate="print">
+          <a:blip r:embed="rId2">
             <a:extLst>
               <a:ext uri="{28A0092B-C50C-407E-A947-70E740481C1C}">
                 <a14:useLocalDpi xmlns:a14="http://schemas.microsoft.com/office/drawing/2010/main" val="0"/>
@@ -13767,8 +16422,8 @@
         </p:blipFill>
         <p:spPr bwMode="auto">
           <a:xfrm>
-            <a:off x="6660232" y="1844824"/>
-            <a:ext cx="2160240" cy="1710190"/>
+            <a:off x="611560" y="2204864"/>
+            <a:ext cx="8028384" cy="3380372"/>
           </a:xfrm>
           <a:prstGeom prst="rect">
             <a:avLst/>
@@ -13811,7 +16466,7 @@
     </p:spTree>
     <p:extLst>
       <p:ext uri="{BB962C8B-B14F-4D97-AF65-F5344CB8AC3E}">
-        <p14:creationId xmlns:p14="http://schemas.microsoft.com/office/powerpoint/2010/main" val="2793530087"/>
+        <p14:creationId xmlns:p14="http://schemas.microsoft.com/office/powerpoint/2010/main" val="3162985393"/>
       </p:ext>
     </p:extLst>
   </p:cSld>
@@ -13821,7 +16476,86 @@
   <p:timing>
     <p:tnLst>
       <p:par>
-        <p:cTn id="1" dur="indefinite" restart="never" nodeType="tmRoot"/>
+        <p:cTn id="1" dur="indefinite" restart="never" nodeType="tmRoot">
+          <p:childTnLst>
+            <p:seq concurrent="1" nextAc="seek">
+              <p:cTn id="2" dur="indefinite" nodeType="mainSeq">
+                <p:childTnLst>
+                  <p:par>
+                    <p:cTn id="3" fill="hold">
+                      <p:stCondLst>
+                        <p:cond delay="indefinite"/>
+                        <p:cond evt="onBegin" delay="0">
+                          <p:tn val="2"/>
+                        </p:cond>
+                      </p:stCondLst>
+                      <p:childTnLst>
+                        <p:par>
+                          <p:cTn id="4" fill="hold">
+                            <p:stCondLst>
+                              <p:cond delay="0"/>
+                            </p:stCondLst>
+                            <p:childTnLst>
+                              <p:par>
+                                <p:cTn id="5" presetID="10" presetClass="entr" presetSubtype="0" fill="hold" nodeType="withEffect">
+                                  <p:stCondLst>
+                                    <p:cond delay="0"/>
+                                  </p:stCondLst>
+                                  <p:childTnLst>
+                                    <p:set>
+                                      <p:cBhvr>
+                                        <p:cTn id="6" dur="1" fill="hold">
+                                          <p:stCondLst>
+                                            <p:cond delay="0"/>
+                                          </p:stCondLst>
+                                        </p:cTn>
+                                        <p:tgtEl>
+                                          <p:spTgt spid="87"/>
+                                        </p:tgtEl>
+                                        <p:attrNameLst>
+                                          <p:attrName>style.visibility</p:attrName>
+                                        </p:attrNameLst>
+                                      </p:cBhvr>
+                                      <p:to>
+                                        <p:strVal val="visible"/>
+                                      </p:to>
+                                    </p:set>
+                                    <p:animEffect transition="in" filter="fade">
+                                      <p:cBhvr>
+                                        <p:cTn id="7" dur="500"/>
+                                        <p:tgtEl>
+                                          <p:spTgt spid="87"/>
+                                        </p:tgtEl>
+                                      </p:cBhvr>
+                                    </p:animEffect>
+                                  </p:childTnLst>
+                                </p:cTn>
+                              </p:par>
+                            </p:childTnLst>
+                          </p:cTn>
+                        </p:par>
+                      </p:childTnLst>
+                    </p:cTn>
+                  </p:par>
+                </p:childTnLst>
+              </p:cTn>
+              <p:prevCondLst>
+                <p:cond evt="onPrev" delay="0">
+                  <p:tgtEl>
+                    <p:sldTgt/>
+                  </p:tgtEl>
+                </p:cond>
+              </p:prevCondLst>
+              <p:nextCondLst>
+                <p:cond evt="onNext" delay="0">
+                  <p:tgtEl>
+                    <p:sldTgt/>
+                  </p:tgtEl>
+                </p:cond>
+              </p:nextCondLst>
+            </p:seq>
+          </p:childTnLst>
+        </p:cTn>
       </p:par>
     </p:tnLst>
   </p:timing>
@@ -13928,25 +16662,72 @@
           </a:p>
         </p:txBody>
       </p:sp>
-      <p:sp>
-        <p:nvSpPr>
-          <p:cNvPr id="4" name="Content Placeholder 3"/>
-          <p:cNvSpPr>
-            <a:spLocks noGrp="1"/>
-          </p:cNvSpPr>
+      <p:pic>
+        <p:nvPicPr>
+          <p:cNvPr id="1026" name="Picture 2"/>
+          <p:cNvPicPr>
+            <a:picLocks noGrp="1" noChangeAspect="1" noChangeArrowheads="1"/>
+          </p:cNvPicPr>
           <p:nvPr>
             <p:ph sz="quarter" idx="1"/>
           </p:nvPr>
-        </p:nvSpPr>
-        <p:spPr/>
-        <p:txBody>
-          <a:bodyPr/>
-          <a:lstStyle/>
-          <a:p>
-            <a:endParaRPr lang="vi-VN"/>
-          </a:p>
-        </p:txBody>
-      </p:sp>
+        </p:nvPicPr>
+        <p:blipFill>
+          <a:blip r:embed="rId2">
+            <a:extLst>
+              <a:ext uri="{28A0092B-C50C-407E-A947-70E740481C1C}">
+                <a14:useLocalDpi xmlns:a14="http://schemas.microsoft.com/office/drawing/2010/main" val="0"/>
+              </a:ext>
+            </a:extLst>
+          </a:blip>
+          <a:srcRect/>
+          <a:stretch>
+            <a:fillRect/>
+          </a:stretch>
+        </p:blipFill>
+        <p:spPr bwMode="auto">
+          <a:xfrm>
+            <a:off x="2123728" y="1668112"/>
+            <a:ext cx="4833393" cy="5189888"/>
+          </a:xfrm>
+          <a:prstGeom prst="rect">
+            <a:avLst/>
+          </a:prstGeom>
+          <a:noFill/>
+          <a:ln>
+            <a:noFill/>
+          </a:ln>
+          <a:effectLst/>
+          <a:extLst>
+            <a:ext uri="{909E8E84-426E-40DD-AFC4-6F175D3DCCD1}">
+              <a14:hiddenFill xmlns:a14="http://schemas.microsoft.com/office/drawing/2010/main">
+                <a:solidFill>
+                  <a:schemeClr val="accent1"/>
+                </a:solidFill>
+              </a14:hiddenFill>
+            </a:ext>
+            <a:ext uri="{91240B29-F687-4F45-9708-019B960494DF}">
+              <a14:hiddenLine xmlns:a14="http://schemas.microsoft.com/office/drawing/2010/main" w="9525">
+                <a:solidFill>
+                  <a:schemeClr val="tx1"/>
+                </a:solidFill>
+                <a:miter lim="800000"/>
+                <a:headEnd/>
+                <a:tailEnd/>
+              </a14:hiddenLine>
+            </a:ext>
+            <a:ext uri="{AF507438-7753-43E0-B8FC-AC1667EBCBE1}">
+              <a14:hiddenEffects xmlns:a14="http://schemas.microsoft.com/office/drawing/2010/main">
+                <a:effectLst>
+                  <a:outerShdw dist="35921" dir="2700000" algn="ctr" rotWithShape="0">
+                    <a:schemeClr val="bg2"/>
+                  </a:outerShdw>
+                </a:effectLst>
+              </a14:hiddenEffects>
+            </a:ext>
+          </a:extLst>
+        </p:spPr>
+      </p:pic>
     </p:spTree>
     <p:extLst>
       <p:ext uri="{BB962C8B-B14F-4D97-AF65-F5344CB8AC3E}">
@@ -13960,7 +16741,86 @@
   <p:timing>
     <p:tnLst>
       <p:par>
-        <p:cTn id="1" dur="indefinite" restart="never" nodeType="tmRoot"/>
+        <p:cTn id="1" dur="indefinite" restart="never" nodeType="tmRoot">
+          <p:childTnLst>
+            <p:seq concurrent="1" nextAc="seek">
+              <p:cTn id="2" dur="indefinite" nodeType="mainSeq">
+                <p:childTnLst>
+                  <p:par>
+                    <p:cTn id="3" fill="hold">
+                      <p:stCondLst>
+                        <p:cond delay="indefinite"/>
+                        <p:cond evt="onBegin" delay="0">
+                          <p:tn val="2"/>
+                        </p:cond>
+                      </p:stCondLst>
+                      <p:childTnLst>
+                        <p:par>
+                          <p:cTn id="4" fill="hold">
+                            <p:stCondLst>
+                              <p:cond delay="0"/>
+                            </p:stCondLst>
+                            <p:childTnLst>
+                              <p:par>
+                                <p:cTn id="5" presetID="10" presetClass="entr" presetSubtype="0" fill="hold" nodeType="withEffect">
+                                  <p:stCondLst>
+                                    <p:cond delay="0"/>
+                                  </p:stCondLst>
+                                  <p:childTnLst>
+                                    <p:set>
+                                      <p:cBhvr>
+                                        <p:cTn id="6" dur="1" fill="hold">
+                                          <p:stCondLst>
+                                            <p:cond delay="0"/>
+                                          </p:stCondLst>
+                                        </p:cTn>
+                                        <p:tgtEl>
+                                          <p:spTgt spid="1026"/>
+                                        </p:tgtEl>
+                                        <p:attrNameLst>
+                                          <p:attrName>style.visibility</p:attrName>
+                                        </p:attrNameLst>
+                                      </p:cBhvr>
+                                      <p:to>
+                                        <p:strVal val="visible"/>
+                                      </p:to>
+                                    </p:set>
+                                    <p:animEffect transition="in" filter="fade">
+                                      <p:cBhvr>
+                                        <p:cTn id="7" dur="500"/>
+                                        <p:tgtEl>
+                                          <p:spTgt spid="1026"/>
+                                        </p:tgtEl>
+                                      </p:cBhvr>
+                                    </p:animEffect>
+                                  </p:childTnLst>
+                                </p:cTn>
+                              </p:par>
+                            </p:childTnLst>
+                          </p:cTn>
+                        </p:par>
+                      </p:childTnLst>
+                    </p:cTn>
+                  </p:par>
+                </p:childTnLst>
+              </p:cTn>
+              <p:prevCondLst>
+                <p:cond evt="onPrev" delay="0">
+                  <p:tgtEl>
+                    <p:sldTgt/>
+                  </p:tgtEl>
+                </p:cond>
+              </p:prevCondLst>
+              <p:nextCondLst>
+                <p:cond evt="onNext" delay="0">
+                  <p:tgtEl>
+                    <p:sldTgt/>
+                  </p:tgtEl>
+                </p:cond>
+              </p:nextCondLst>
+            </p:seq>
+          </p:childTnLst>
+        </p:cTn>
       </p:par>
     </p:tnLst>
   </p:timing>

--- a/Documents/JobZoom Presentation.pptx
+++ b/Documents/JobZoom Presentation.pptx
@@ -5,38 +5,46 @@
     <p:sldMasterId id="2147483694" r:id="rId1"/>
   </p:sldMasterIdLst>
   <p:notesMasterIdLst>
-    <p:notesMasterId r:id="rId28"/>
+    <p:notesMasterId r:id="rId36"/>
   </p:notesMasterIdLst>
   <p:handoutMasterIdLst>
-    <p:handoutMasterId r:id="rId29"/>
+    <p:handoutMasterId r:id="rId37"/>
   </p:handoutMasterIdLst>
   <p:sldIdLst>
-    <p:sldId id="256" r:id="rId2"/>
-    <p:sldId id="257" r:id="rId3"/>
-    <p:sldId id="258" r:id="rId4"/>
-    <p:sldId id="259" r:id="rId5"/>
-    <p:sldId id="261" r:id="rId6"/>
-    <p:sldId id="262" r:id="rId7"/>
-    <p:sldId id="263" r:id="rId8"/>
-    <p:sldId id="280" r:id="rId9"/>
-    <p:sldId id="265" r:id="rId10"/>
-    <p:sldId id="281" r:id="rId11"/>
-    <p:sldId id="266" r:id="rId12"/>
-    <p:sldId id="282" r:id="rId13"/>
-    <p:sldId id="267" r:id="rId14"/>
-    <p:sldId id="268" r:id="rId15"/>
-    <p:sldId id="269" r:id="rId16"/>
-    <p:sldId id="264" r:id="rId17"/>
-    <p:sldId id="270" r:id="rId18"/>
-    <p:sldId id="271" r:id="rId19"/>
-    <p:sldId id="272" r:id="rId20"/>
-    <p:sldId id="273" r:id="rId21"/>
-    <p:sldId id="274" r:id="rId22"/>
-    <p:sldId id="275" r:id="rId23"/>
-    <p:sldId id="279" r:id="rId24"/>
-    <p:sldId id="276" r:id="rId25"/>
-    <p:sldId id="277" r:id="rId26"/>
-    <p:sldId id="278" r:id="rId27"/>
+    <p:sldId id="292" r:id="rId2"/>
+    <p:sldId id="256" r:id="rId3"/>
+    <p:sldId id="257" r:id="rId4"/>
+    <p:sldId id="258" r:id="rId5"/>
+    <p:sldId id="259" r:id="rId6"/>
+    <p:sldId id="284" r:id="rId7"/>
+    <p:sldId id="283" r:id="rId8"/>
+    <p:sldId id="261" r:id="rId9"/>
+    <p:sldId id="290" r:id="rId10"/>
+    <p:sldId id="286" r:id="rId11"/>
+    <p:sldId id="287" r:id="rId12"/>
+    <p:sldId id="288" r:id="rId13"/>
+    <p:sldId id="291" r:id="rId14"/>
+    <p:sldId id="263" r:id="rId15"/>
+    <p:sldId id="289" r:id="rId16"/>
+    <p:sldId id="280" r:id="rId17"/>
+    <p:sldId id="285" r:id="rId18"/>
+    <p:sldId id="265" r:id="rId19"/>
+    <p:sldId id="266" r:id="rId20"/>
+    <p:sldId id="282" r:id="rId21"/>
+    <p:sldId id="267" r:id="rId22"/>
+    <p:sldId id="268" r:id="rId23"/>
+    <p:sldId id="269" r:id="rId24"/>
+    <p:sldId id="264" r:id="rId25"/>
+    <p:sldId id="270" r:id="rId26"/>
+    <p:sldId id="271" r:id="rId27"/>
+    <p:sldId id="272" r:id="rId28"/>
+    <p:sldId id="273" r:id="rId29"/>
+    <p:sldId id="274" r:id="rId30"/>
+    <p:sldId id="275" r:id="rId31"/>
+    <p:sldId id="279" r:id="rId32"/>
+    <p:sldId id="276" r:id="rId33"/>
+    <p:sldId id="277" r:id="rId34"/>
+    <p:sldId id="278" r:id="rId35"/>
   </p:sldIdLst>
   <p:sldSz cx="9144000" cy="6858000" type="screen4x3"/>
   <p:notesSz cx="6858000" cy="9144000"/>
@@ -4701,7 +4709,7 @@
           <a:p>
             <a:fld id="{303156EA-FEF9-40C4-8452-A54742E06326}" type="datetimeFigureOut">
               <a:rPr lang="vi-VN" smtClean="0"/>
-              <a:t>05/01/2012</a:t>
+              <a:t>06/01/2012</a:t>
             </a:fld>
             <a:endParaRPr lang="vi-VN"/>
           </a:p>
@@ -4868,7 +4876,7 @@
             <a:fld id="{2447E72A-D913-4DC2-9E0A-E520CE8FCC86}" type="datetimeFigureOut">
               <a:rPr lang="en-US" smtClean="0"/>
               <a:pPr/>
-              <a:t>1/5/2012</a:t>
+              <a:t>1/6/2012</a:t>
             </a:fld>
             <a:endParaRPr lang="en-US"/>
           </a:p>
@@ -5167,7 +5175,12 @@
             <p:ph type="sldImg"/>
           </p:nvPr>
         </p:nvSpPr>
-        <p:spPr/>
+        <p:spPr>
+          <a:xfrm>
+            <a:off x="1143000" y="685800"/>
+            <a:ext cx="4572000" cy="3429000"/>
+          </a:xfrm>
+        </p:spPr>
       </p:sp>
       <p:sp>
         <p:nvSpPr>
@@ -5225,7 +5238,12 @@
             <p:ph type="sldImg"/>
           </p:nvPr>
         </p:nvSpPr>
-        <p:spPr/>
+        <p:spPr>
+          <a:xfrm>
+            <a:off x="1143000" y="685800"/>
+            <a:ext cx="4572000" cy="3429000"/>
+          </a:xfrm>
+        </p:spPr>
       </p:sp>
       <p:sp>
         <p:nvSpPr>
@@ -6005,7 +6023,7 @@
             <a:pPr algn="ctr"/>
             <a:fld id="{DB3AC4FF-7527-473D-9116-A78ACDB7B002}" type="datetime8">
               <a:rPr lang="en-US" smtClean="0"/>
-              <a:t>1/5/2012 2:28 PM</a:t>
+              <a:t>1/6/2012 3:01 AM</a:t>
             </a:fld>
             <a:endParaRPr lang="en-US" sz="2000" dirty="0">
               <a:solidFill>
@@ -6027,7 +6045,7 @@
         </p:nvSpPr>
         <p:spPr>
           <a:xfrm>
-            <a:off x="2085393" y="236538"/>
+            <a:off x="2085393" y="236539"/>
             <a:ext cx="5867400" cy="365125"/>
           </a:xfrm>
         </p:spPr>
@@ -6221,7 +6239,7 @@
                   <a:schemeClr val="tx2"/>
                 </a:solidFill>
               </a:rPr>
-              <a:t>1/5/2012 2:28 PM</a:t>
+              <a:t>1/6/2012 3:01 AM</a:t>
             </a:fld>
             <a:endParaRPr lang="en-US"/>
           </a:p>
@@ -6318,7 +6336,7 @@
         </p:nvSpPr>
         <p:spPr>
           <a:xfrm>
-            <a:off x="6553200" y="609600"/>
+            <a:off x="6553200" y="609601"/>
             <a:ext cx="2057400" cy="5516563"/>
           </a:xfrm>
         </p:spPr>
@@ -6346,7 +6364,7 @@
         </p:nvSpPr>
         <p:spPr>
           <a:xfrm>
-            <a:off x="457200" y="609600"/>
+            <a:off x="457200" y="609601"/>
             <a:ext cx="5562600" cy="5516564"/>
           </a:xfrm>
         </p:spPr>
@@ -6403,7 +6421,7 @@
         </p:nvSpPr>
         <p:spPr>
           <a:xfrm>
-            <a:off x="6553200" y="6248402"/>
+            <a:off x="6553200" y="6248403"/>
             <a:ext cx="2209800" cy="365125"/>
           </a:xfrm>
         </p:spPr>
@@ -6417,7 +6435,7 @@
                   <a:schemeClr val="tx2"/>
                 </a:solidFill>
               </a:rPr>
-              <a:t>1/5/2012 2:28 PM</a:t>
+              <a:t>1/6/2012 3:01 AM</a:t>
             </a:fld>
             <a:endParaRPr lang="en-US" dirty="0"/>
           </a:p>
@@ -6435,7 +6453,7 @@
         </p:nvSpPr>
         <p:spPr>
           <a:xfrm>
-            <a:off x="457201" y="6248207"/>
+            <a:off x="457203" y="6248208"/>
             <a:ext cx="5573483" cy="365125"/>
           </a:xfrm>
         </p:spPr>
@@ -6659,7 +6677,7 @@
         </p:blipFill>
         <p:spPr bwMode="auto">
           <a:xfrm>
-            <a:off x="7092280" y="4293096"/>
+            <a:off x="7092282" y="4293096"/>
             <a:ext cx="2407941" cy="2527000"/>
           </a:xfrm>
           <a:prstGeom prst="rect">
@@ -6719,7 +6737,7 @@
           <a:p>
             <a:fld id="{ACFA9F14-9E1D-4A50-9760-EADEBCF8875A}" type="datetime8">
               <a:rPr lang="en-US" smtClean="0"/>
-              <a:t>1/5/2012 2:28 PM</a:t>
+              <a:t>1/6/2012 3:01 AM</a:t>
             </a:fld>
             <a:endParaRPr lang="en-US" dirty="0"/>
           </a:p>
@@ -6874,7 +6892,7 @@
         </p:nvSpPr>
         <p:spPr>
           <a:xfrm>
-            <a:off x="1371600" y="2743200"/>
+            <a:off x="1371602" y="2743201"/>
             <a:ext cx="7123113" cy="1673225"/>
           </a:xfrm>
         </p:spPr>
@@ -7135,7 +7153,7 @@
           <a:p>
             <a:fld id="{67583CB6-BCF9-42D4-BCDC-9094FDF08539}" type="datetime8">
               <a:rPr lang="en-US" smtClean="0"/>
-              <a:t>1/5/2012 2:28 PM</a:t>
+              <a:t>1/6/2012 3:01 AM</a:t>
             </a:fld>
             <a:endParaRPr lang="en-US"/>
           </a:p>
@@ -7153,7 +7171,7 @@
         </p:nvSpPr>
         <p:spPr>
           <a:xfrm>
-            <a:off x="0" y="1752600"/>
+            <a:off x="0" y="1752601"/>
             <a:ext cx="1295400" cy="701676"/>
           </a:xfrm>
         </p:spPr>
@@ -7390,7 +7408,7 @@
           <a:p>
             <a:fld id="{F3B0C4B6-2525-4AE6-B3C3-55AC237D96E5}" type="datetime8">
               <a:rPr lang="en-US" smtClean="0"/>
-              <a:t>1/5/2012 2:28 PM</a:t>
+              <a:t>1/6/2012 3:01 AM</a:t>
             </a:fld>
             <a:endParaRPr lang="en-US"/>
           </a:p>
@@ -7485,7 +7503,7 @@
         <p:spPr>
           <a:xfrm>
             <a:off x="533400" y="273050"/>
-            <a:ext cx="8153400" cy="869950"/>
+            <a:ext cx="8153400" cy="869951"/>
           </a:xfrm>
         </p:spPr>
         <p:txBody>
@@ -7635,7 +7653,7 @@
           <a:p>
             <a:fld id="{B0884233-0FCF-49FD-96DF-1DAAE5FB8E5F}" type="datetime8">
               <a:rPr lang="en-US" smtClean="0"/>
-              <a:t>1/5/2012 2:28 PM</a:t>
+              <a:t>1/6/2012 3:01 AM</a:t>
             </a:fld>
             <a:endParaRPr lang="en-US"/>
           </a:p>
@@ -7832,7 +7850,7 @@
           <a:p>
             <a:fld id="{925A36DC-A6B9-49A0-8592-C10893892C73}" type="datetime8">
               <a:rPr lang="en-US" smtClean="0"/>
-              <a:t>1/5/2012 2:28 PM</a:t>
+              <a:t>1/6/2012 3:01 AM</a:t>
             </a:fld>
             <a:endParaRPr lang="en-US"/>
           </a:p>
@@ -7935,7 +7953,7 @@
           <a:p>
             <a:fld id="{9D46CA07-655C-445C-9C09-8E6C2DF4CEC3}" type="datetime8">
               <a:rPr lang="en-US" smtClean="0"/>
-              <a:t>1/5/2012 2:28 PM</a:t>
+              <a:t>1/6/2012 3:01 AM</a:t>
             </a:fld>
             <a:endParaRPr lang="en-US"/>
           </a:p>
@@ -8046,7 +8064,7 @@
         <p:spPr>
           <a:xfrm>
             <a:off x="609600" y="273050"/>
-            <a:ext cx="8077200" cy="869950"/>
+            <a:ext cx="8077200" cy="869951"/>
           </a:xfrm>
         </p:spPr>
         <p:txBody>
@@ -8083,7 +8101,7 @@
           <a:p>
             <a:fld id="{F2D3B79E-6498-490A-A85A-E8302493EBB7}" type="datetime8">
               <a:rPr lang="en-US" smtClean="0"/>
-              <a:t>1/5/2012 2:28 PM</a:t>
+              <a:t>1/6/2012 3:01 AM</a:t>
             </a:fld>
             <a:endParaRPr lang="en-US"/>
           </a:p>
@@ -8217,7 +8235,7 @@
         </p:blipFill>
         <p:spPr>
           <a:xfrm>
-            <a:off x="612648" y="1755648"/>
+            <a:off x="612650" y="1755648"/>
             <a:ext cx="1615307" cy="1688453"/>
           </a:xfrm>
           <a:prstGeom prst="rect">
@@ -8557,7 +8575,7 @@
           <a:p>
             <a:fld id="{D73C48E5-5E3A-4FFD-8978-6ECFCE87ADA1}" type="datetime8">
               <a:rPr lang="en-US" smtClean="0"/>
-              <a:t>1/5/2012 2:28 PM</a:t>
+              <a:t>1/6/2012 3:01 AM</a:t>
             </a:fld>
             <a:endParaRPr lang="en-US"/>
           </a:p>
@@ -8576,7 +8594,7 @@
         <p:spPr>
           <a:xfrm>
             <a:off x="0" y="4667249"/>
-            <a:ext cx="1447800" cy="663578"/>
+            <a:ext cx="1447800" cy="663579"/>
           </a:xfrm>
         </p:spPr>
         <p:txBody>
@@ -8609,7 +8627,7 @@
         </p:nvSpPr>
         <p:spPr>
           <a:xfrm>
-            <a:off x="1600200" y="6248206"/>
+            <a:off x="1600200" y="6248207"/>
             <a:ext cx="4572000" cy="365125"/>
           </a:xfrm>
         </p:spPr>
@@ -8840,7 +8858,7 @@
                   <a:schemeClr val="tx2"/>
                 </a:solidFill>
               </a:rPr>
-              <a:t>1/5/2012 2:28 PM</a:t>
+              <a:t>1/6/2012 3:01 AM</a:t>
             </a:fld>
             <a:endParaRPr lang="en-US" sz="1400" dirty="0">
               <a:solidFill>
@@ -8862,7 +8880,7 @@
         </p:nvSpPr>
         <p:spPr>
           <a:xfrm>
-            <a:off x="609600" y="6248206"/>
+            <a:off x="609602" y="6248207"/>
             <a:ext cx="5421083" cy="365125"/>
           </a:xfrm>
           <a:prstGeom prst="rect">
@@ -9044,7 +9062,7 @@
         </p:nvSpPr>
         <p:spPr>
           <a:xfrm>
-            <a:off x="0" y="1272222"/>
+            <a:off x="0" y="1272223"/>
             <a:ext cx="533400" cy="244476"/>
           </a:xfrm>
           <a:prstGeom prst="rect">
@@ -9428,6 +9446,1912 @@
 </file>
 
 <file path=ppt/slides/slide1.xml><?xml version="1.0" encoding="utf-8"?>
+<p:sld xmlns:a="http://schemas.openxmlformats.org/drawingml/2006/main" xmlns:r="http://schemas.openxmlformats.org/officeDocument/2006/relationships" xmlns:p="http://schemas.openxmlformats.org/presentationml/2006/main" show="0">
+  <p:cSld>
+    <p:spTree>
+      <p:nvGrpSpPr>
+        <p:cNvPr id="1" name=""/>
+        <p:cNvGrpSpPr/>
+        <p:nvPr/>
+      </p:nvGrpSpPr>
+      <p:grpSpPr>
+        <a:xfrm>
+          <a:off x="0" y="0"/>
+          <a:ext cx="0" cy="0"/>
+          <a:chOff x="0" y="0"/>
+          <a:chExt cx="0" cy="0"/>
+        </a:xfrm>
+      </p:grpSpPr>
+      <p:sp>
+        <p:nvSpPr>
+          <p:cNvPr id="3" name="Slide Number Placeholder 2"/>
+          <p:cNvSpPr>
+            <a:spLocks noGrp="1"/>
+          </p:cNvSpPr>
+          <p:nvPr>
+            <p:ph type="sldNum" sz="quarter" idx="12"/>
+          </p:nvPr>
+        </p:nvSpPr>
+        <p:spPr/>
+        <p:txBody>
+          <a:bodyPr>
+            <a:normAutofit/>
+          </a:bodyPr>
+          <a:lstStyle/>
+          <a:p>
+            <a:fld id="{1AD93096-5B34-4342-9326-69289CEAE4C2}" type="slidenum">
+              <a:rPr lang="en-US" smtClean="0"/>
+              <a:pPr/>
+              <a:t>1</a:t>
+            </a:fld>
+            <a:endParaRPr lang="en-US" dirty="0">
+              <a:solidFill>
+                <a:srgbClr val="FFFFFF"/>
+              </a:solidFill>
+            </a:endParaRPr>
+          </a:p>
+        </p:txBody>
+      </p:sp>
+      <p:sp>
+        <p:nvSpPr>
+          <p:cNvPr id="4" name="Content Placeholder 3"/>
+          <p:cNvSpPr>
+            <a:spLocks noGrp="1"/>
+          </p:cNvSpPr>
+          <p:nvPr>
+            <p:ph sz="quarter" idx="4294967295"/>
+          </p:nvPr>
+        </p:nvSpPr>
+        <p:spPr>
+          <a:xfrm>
+            <a:off x="0" y="0"/>
+            <a:ext cx="9144000" cy="6096000"/>
+          </a:xfrm>
+        </p:spPr>
+        <p:txBody>
+          <a:bodyPr>
+            <a:normAutofit/>
+          </a:bodyPr>
+          <a:lstStyle/>
+          <a:p>
+            <a:r>
+              <a:rPr lang="en-US" smtClean="0"/>
+              <a:t>Thuyết trình: 15 mins</a:t>
+            </a:r>
+          </a:p>
+          <a:p>
+            <a:pPr lvl="1"/>
+            <a:r>
+              <a:rPr lang="en-US" smtClean="0"/>
+              <a:t>Giới thiệu bài toán: 				3 mins</a:t>
+            </a:r>
+          </a:p>
+          <a:p>
+            <a:pPr lvl="1"/>
+            <a:r>
+              <a:rPr lang="en-US" smtClean="0"/>
+              <a:t>Giải quyết bài toán:</a:t>
+            </a:r>
+          </a:p>
+          <a:p>
+            <a:pPr lvl="2"/>
+            <a:r>
+              <a:rPr lang="en-US" smtClean="0"/>
+              <a:t>Tổ chức thông tin theo Hierarchy: 		2 mins</a:t>
+            </a:r>
+          </a:p>
+          <a:p>
+            <a:pPr lvl="2"/>
+            <a:r>
+              <a:rPr lang="en-US" smtClean="0"/>
+              <a:t>So khớp thông tin: 				2 mins</a:t>
+            </a:r>
+          </a:p>
+          <a:p>
+            <a:pPr lvl="2"/>
+            <a:r>
+              <a:rPr lang="en-US" smtClean="0"/>
+              <a:t>Ứng dụng Decision tree			2 mins</a:t>
+            </a:r>
+          </a:p>
+          <a:p>
+            <a:pPr lvl="1"/>
+            <a:r>
+              <a:rPr lang="en-US" smtClean="0"/>
+              <a:t>Giải pháp Job Zoom framework: 5 phút</a:t>
+            </a:r>
+          </a:p>
+          <a:p>
+            <a:pPr lvl="2"/>
+            <a:r>
+              <a:rPr lang="en-US" smtClean="0"/>
+              <a:t>Các vấn đề cần giải quyết:			1 min</a:t>
+            </a:r>
+          </a:p>
+          <a:p>
+            <a:pPr lvl="2"/>
+            <a:endParaRPr lang="en-US" smtClean="0"/>
+          </a:p>
+          <a:p>
+            <a:r>
+              <a:rPr lang="en-US" smtClean="0"/>
+              <a:t>Demo: 10 phút</a:t>
+            </a:r>
+          </a:p>
+          <a:p>
+            <a:r>
+              <a:rPr lang="en-US" smtClean="0"/>
+              <a:t>Q&amp;A: 20 phút</a:t>
+            </a:r>
+            <a:endParaRPr lang="en-US"/>
+          </a:p>
+        </p:txBody>
+      </p:sp>
+    </p:spTree>
+    <p:extLst>
+      <p:ext uri="{BB962C8B-B14F-4D97-AF65-F5344CB8AC3E}">
+        <p14:creationId xmlns:p14="http://schemas.microsoft.com/office/powerpoint/2010/main" val="1390180116"/>
+      </p:ext>
+    </p:extLst>
+  </p:cSld>
+  <p:clrMapOvr>
+    <a:masterClrMapping/>
+  </p:clrMapOvr>
+  <mc:AlternateContent xmlns:mc="http://schemas.openxmlformats.org/markup-compatibility/2006">
+    <mc:Choice xmlns:p14="http://schemas.microsoft.com/office/powerpoint/2010/main" Requires="p14">
+      <p:transition spd="slow" p14:dur="2000"/>
+    </mc:Choice>
+    <mc:Fallback>
+      <p:transition spd="slow"/>
+    </mc:Fallback>
+  </mc:AlternateContent>
+  <p:timing>
+    <p:tnLst>
+      <p:par>
+        <p:cTn id="1" dur="indefinite" restart="never" nodeType="tmRoot"/>
+      </p:par>
+    </p:tnLst>
+  </p:timing>
+</p:sld>
+</file>
+
+<file path=ppt/slides/slide10.xml><?xml version="1.0" encoding="utf-8"?>
+<p:sld xmlns:a="http://schemas.openxmlformats.org/drawingml/2006/main" xmlns:r="http://schemas.openxmlformats.org/officeDocument/2006/relationships" xmlns:p="http://schemas.openxmlformats.org/presentationml/2006/main" show="0">
+  <p:cSld>
+    <p:spTree>
+      <p:nvGrpSpPr>
+        <p:cNvPr id="1" name=""/>
+        <p:cNvGrpSpPr/>
+        <p:nvPr/>
+      </p:nvGrpSpPr>
+      <p:grpSpPr>
+        <a:xfrm>
+          <a:off x="0" y="0"/>
+          <a:ext cx="0" cy="0"/>
+          <a:chOff x="0" y="0"/>
+          <a:chExt cx="0" cy="0"/>
+        </a:xfrm>
+      </p:grpSpPr>
+      <p:sp>
+        <p:nvSpPr>
+          <p:cNvPr id="3" name="Slide Number Placeholder 2"/>
+          <p:cNvSpPr>
+            <a:spLocks noGrp="1"/>
+          </p:cNvSpPr>
+          <p:nvPr>
+            <p:ph type="sldNum" sz="quarter" idx="12"/>
+          </p:nvPr>
+        </p:nvSpPr>
+        <p:spPr/>
+        <p:txBody>
+          <a:bodyPr>
+            <a:normAutofit/>
+          </a:bodyPr>
+          <a:lstStyle/>
+          <a:p>
+            <a:fld id="{1AD93096-5B34-4342-9326-69289CEAE4C2}" type="slidenum">
+              <a:rPr lang="en-US" smtClean="0"/>
+              <a:pPr/>
+              <a:t>10</a:t>
+            </a:fld>
+            <a:endParaRPr lang="en-US" dirty="0">
+              <a:solidFill>
+                <a:srgbClr val="FFFFFF"/>
+              </a:solidFill>
+            </a:endParaRPr>
+          </a:p>
+        </p:txBody>
+      </p:sp>
+      <p:sp>
+        <p:nvSpPr>
+          <p:cNvPr id="4" name="Content Placeholder 3"/>
+          <p:cNvSpPr>
+            <a:spLocks noGrp="1"/>
+          </p:cNvSpPr>
+          <p:nvPr>
+            <p:ph sz="quarter" idx="4294967295"/>
+          </p:nvPr>
+        </p:nvSpPr>
+        <p:spPr>
+          <a:xfrm>
+            <a:off x="990600" y="1600200"/>
+            <a:ext cx="8153400" cy="4495800"/>
+          </a:xfrm>
+        </p:spPr>
+        <p:txBody>
+          <a:bodyPr>
+            <a:normAutofit fontScale="85000" lnSpcReduction="10000"/>
+          </a:bodyPr>
+          <a:lstStyle/>
+          <a:p>
+            <a:r>
+              <a:rPr lang="en-US"/>
+              <a:t>definitions of data, information, data files and database</a:t>
+            </a:r>
+          </a:p>
+          <a:p>
+            <a:r>
+              <a:rPr lang="en-US"/>
+              <a:t>the concept and components of information domain</a:t>
+            </a:r>
+          </a:p>
+          <a:p>
+            <a:r>
+              <a:rPr lang="en-US"/>
+              <a:t>the data-oriented approach to information system development</a:t>
+            </a:r>
+          </a:p>
+          <a:p>
+            <a:r>
+              <a:rPr lang="en-US"/>
+              <a:t>the principles and methods of information organization</a:t>
+            </a:r>
+          </a:p>
+          <a:p>
+            <a:r>
+              <a:rPr lang="en-US"/>
+              <a:t>the principles and methods of data structure</a:t>
+            </a:r>
+          </a:p>
+          <a:p>
+            <a:r>
+              <a:rPr lang="en-US"/>
+              <a:t>design and specification of data structure by data modeling</a:t>
+            </a:r>
+          </a:p>
+          <a:p>
+            <a:r>
+              <a:rPr lang="en-US"/>
+              <a:t>design and specification of data structure by process modeling</a:t>
+            </a:r>
+          </a:p>
+          <a:p>
+            <a:endParaRPr lang="en-US"/>
+          </a:p>
+        </p:txBody>
+      </p:sp>
+    </p:spTree>
+    <p:extLst>
+      <p:ext uri="{BB962C8B-B14F-4D97-AF65-F5344CB8AC3E}">
+        <p14:creationId xmlns:p14="http://schemas.microsoft.com/office/powerpoint/2010/main" val="438750338"/>
+      </p:ext>
+    </p:extLst>
+  </p:cSld>
+  <p:clrMapOvr>
+    <a:masterClrMapping/>
+  </p:clrMapOvr>
+  <mc:AlternateContent xmlns:mc="http://schemas.openxmlformats.org/markup-compatibility/2006">
+    <mc:Choice xmlns:p14="http://schemas.microsoft.com/office/powerpoint/2010/main" Requires="p14">
+      <p:transition spd="slow" p14:dur="2000"/>
+    </mc:Choice>
+    <mc:Fallback>
+      <p:transition spd="slow"/>
+    </mc:Fallback>
+  </mc:AlternateContent>
+  <p:timing>
+    <p:tnLst>
+      <p:par>
+        <p:cTn id="1" dur="indefinite" restart="never" nodeType="tmRoot"/>
+      </p:par>
+    </p:tnLst>
+  </p:timing>
+</p:sld>
+</file>
+
+<file path=ppt/slides/slide11.xml><?xml version="1.0" encoding="utf-8"?>
+<p:sld xmlns:a="http://schemas.openxmlformats.org/drawingml/2006/main" xmlns:r="http://schemas.openxmlformats.org/officeDocument/2006/relationships" xmlns:p="http://schemas.openxmlformats.org/presentationml/2006/main" show="0">
+  <p:cSld>
+    <p:spTree>
+      <p:nvGrpSpPr>
+        <p:cNvPr id="1" name=""/>
+        <p:cNvGrpSpPr/>
+        <p:nvPr/>
+      </p:nvGrpSpPr>
+      <p:grpSpPr>
+        <a:xfrm>
+          <a:off x="0" y="0"/>
+          <a:ext cx="0" cy="0"/>
+          <a:chOff x="0" y="0"/>
+          <a:chExt cx="0" cy="0"/>
+        </a:xfrm>
+      </p:grpSpPr>
+      <p:sp>
+        <p:nvSpPr>
+          <p:cNvPr id="3" name="Slide Number Placeholder 2"/>
+          <p:cNvSpPr>
+            <a:spLocks noGrp="1"/>
+          </p:cNvSpPr>
+          <p:nvPr>
+            <p:ph type="sldNum" sz="quarter" idx="12"/>
+          </p:nvPr>
+        </p:nvSpPr>
+        <p:spPr/>
+        <p:txBody>
+          <a:bodyPr>
+            <a:normAutofit/>
+          </a:bodyPr>
+          <a:lstStyle/>
+          <a:p>
+            <a:fld id="{1AD93096-5B34-4342-9326-69289CEAE4C2}" type="slidenum">
+              <a:rPr lang="en-US" smtClean="0"/>
+              <a:pPr/>
+              <a:t>11</a:t>
+            </a:fld>
+            <a:endParaRPr lang="en-US" dirty="0">
+              <a:solidFill>
+                <a:srgbClr val="FFFFFF"/>
+              </a:solidFill>
+            </a:endParaRPr>
+          </a:p>
+        </p:txBody>
+      </p:sp>
+      <p:sp>
+        <p:nvSpPr>
+          <p:cNvPr id="4" name="Content Placeholder 3"/>
+          <p:cNvSpPr>
+            <a:spLocks noGrp="1"/>
+          </p:cNvSpPr>
+          <p:nvPr>
+            <p:ph sz="quarter" idx="4294967295"/>
+          </p:nvPr>
+        </p:nvSpPr>
+        <p:spPr>
+          <a:xfrm>
+            <a:off x="990600" y="1600200"/>
+            <a:ext cx="8153400" cy="4495800"/>
+          </a:xfrm>
+        </p:spPr>
+        <p:txBody>
+          <a:bodyPr>
+            <a:normAutofit fontScale="77500" lnSpcReduction="20000"/>
+          </a:bodyPr>
+          <a:lstStyle/>
+          <a:p>
+            <a:r>
+              <a:rPr lang="en-US"/>
+              <a:t>distinguish between data and information </a:t>
+            </a:r>
+          </a:p>
+          <a:p>
+            <a:r>
+              <a:rPr lang="en-US"/>
+              <a:t>describe the components of information domain in the context of information system design </a:t>
+            </a:r>
+          </a:p>
+          <a:p>
+            <a:r>
+              <a:rPr lang="en-US"/>
+              <a:t>describe the data-oriented approach to information system development </a:t>
+            </a:r>
+          </a:p>
+          <a:p>
+            <a:r>
+              <a:rPr lang="en-US"/>
+              <a:t>explain information organization from the perspectives of: data, relationship, operating system and system architecture </a:t>
+            </a:r>
+          </a:p>
+          <a:p>
+            <a:r>
+              <a:rPr lang="en-US"/>
+              <a:t>list typical spatial and non-spatial data structures and describe their characteristics </a:t>
+            </a:r>
+          </a:p>
+          <a:p>
+            <a:r>
+              <a:rPr lang="en-US"/>
+              <a:t>describe the phases of work of data modeling and their respective end products </a:t>
+            </a:r>
+          </a:p>
+          <a:p>
+            <a:r>
+              <a:rPr lang="en-US"/>
+              <a:t>describe the method of process modeling and its end product </a:t>
+            </a:r>
+          </a:p>
+          <a:p>
+            <a:endParaRPr lang="en-US"/>
+          </a:p>
+        </p:txBody>
+      </p:sp>
+    </p:spTree>
+    <p:extLst>
+      <p:ext uri="{BB962C8B-B14F-4D97-AF65-F5344CB8AC3E}">
+        <p14:creationId xmlns:p14="http://schemas.microsoft.com/office/powerpoint/2010/main" val="908452239"/>
+      </p:ext>
+    </p:extLst>
+  </p:cSld>
+  <p:clrMapOvr>
+    <a:masterClrMapping/>
+  </p:clrMapOvr>
+  <mc:AlternateContent xmlns:mc="http://schemas.openxmlformats.org/markup-compatibility/2006">
+    <mc:Choice xmlns:p14="http://schemas.microsoft.com/office/powerpoint/2010/main" Requires="p14">
+      <p:transition spd="slow" p14:dur="2000"/>
+    </mc:Choice>
+    <mc:Fallback>
+      <p:transition spd="slow"/>
+    </mc:Fallback>
+  </mc:AlternateContent>
+  <p:timing>
+    <p:tnLst>
+      <p:par>
+        <p:cTn id="1" dur="indefinite" restart="never" nodeType="tmRoot"/>
+      </p:par>
+    </p:tnLst>
+  </p:timing>
+</p:sld>
+</file>
+
+<file path=ppt/slides/slide12.xml><?xml version="1.0" encoding="utf-8"?>
+<p:sld xmlns:a="http://schemas.openxmlformats.org/drawingml/2006/main" xmlns:r="http://schemas.openxmlformats.org/officeDocument/2006/relationships" xmlns:p="http://schemas.openxmlformats.org/presentationml/2006/main" show="0">
+  <p:cSld>
+    <p:spTree>
+      <p:nvGrpSpPr>
+        <p:cNvPr id="1" name=""/>
+        <p:cNvGrpSpPr/>
+        <p:nvPr/>
+      </p:nvGrpSpPr>
+      <p:grpSpPr>
+        <a:xfrm>
+          <a:off x="0" y="0"/>
+          <a:ext cx="0" cy="0"/>
+          <a:chOff x="0" y="0"/>
+          <a:chExt cx="0" cy="0"/>
+        </a:xfrm>
+      </p:grpSpPr>
+      <p:sp>
+        <p:nvSpPr>
+          <p:cNvPr id="3" name="Slide Number Placeholder 2"/>
+          <p:cNvSpPr>
+            <a:spLocks noGrp="1"/>
+          </p:cNvSpPr>
+          <p:nvPr>
+            <p:ph type="sldNum" sz="quarter" idx="12"/>
+          </p:nvPr>
+        </p:nvSpPr>
+        <p:spPr/>
+        <p:txBody>
+          <a:bodyPr>
+            <a:normAutofit/>
+          </a:bodyPr>
+          <a:lstStyle/>
+          <a:p>
+            <a:fld id="{1AD93096-5B34-4342-9326-69289CEAE4C2}" type="slidenum">
+              <a:rPr lang="en-US" smtClean="0"/>
+              <a:pPr/>
+              <a:t>12</a:t>
+            </a:fld>
+            <a:endParaRPr lang="en-US" dirty="0">
+              <a:solidFill>
+                <a:srgbClr val="FFFFFF"/>
+              </a:solidFill>
+            </a:endParaRPr>
+          </a:p>
+        </p:txBody>
+      </p:sp>
+      <p:sp>
+        <p:nvSpPr>
+          <p:cNvPr id="4" name="Content Placeholder 3"/>
+          <p:cNvSpPr>
+            <a:spLocks noGrp="1"/>
+          </p:cNvSpPr>
+          <p:nvPr>
+            <p:ph sz="quarter" idx="4294967295"/>
+          </p:nvPr>
+        </p:nvSpPr>
+        <p:spPr>
+          <a:xfrm>
+            <a:off x="990600" y="1600200"/>
+            <a:ext cx="8153400" cy="4495800"/>
+          </a:xfrm>
+        </p:spPr>
+        <p:txBody>
+          <a:bodyPr>
+            <a:normAutofit fontScale="77500" lnSpcReduction="20000"/>
+          </a:bodyPr>
+          <a:lstStyle/>
+          <a:p>
+            <a:r>
+              <a:rPr lang="en-US"/>
+              <a:t>databases can be organized in different ways known as </a:t>
+            </a:r>
+            <a:r>
+              <a:rPr lang="en-US" i="1"/>
+              <a:t>database models</a:t>
+            </a:r>
+            <a:endParaRPr lang="en-US"/>
+          </a:p>
+          <a:p>
+            <a:pPr lvl="1"/>
+            <a:r>
+              <a:rPr lang="en-US"/>
+              <a:t>the three conventional database models are: </a:t>
+            </a:r>
+            <a:r>
+              <a:rPr lang="en-US" i="1"/>
+              <a:t>relational</a:t>
+            </a:r>
+            <a:r>
+              <a:rPr lang="en-US"/>
+              <a:t>, </a:t>
+            </a:r>
+            <a:r>
+              <a:rPr lang="en-US" i="1"/>
+              <a:t>network </a:t>
+            </a:r>
+            <a:r>
+              <a:rPr lang="en-US"/>
+              <a:t>and </a:t>
+            </a:r>
+            <a:r>
+              <a:rPr lang="en-US" i="1"/>
+              <a:t>hierarchical</a:t>
+            </a:r>
+            <a:endParaRPr lang="en-US"/>
+          </a:p>
+          <a:p>
+            <a:pPr lvl="2"/>
+            <a:r>
+              <a:rPr lang="en-US"/>
+              <a:t>relational --- data are organized by records in relations which resemble a table (</a:t>
+            </a:r>
+            <a:r>
+              <a:rPr lang="en-US">
+                <a:hlinkClick r:id="rId2"/>
+              </a:rPr>
+              <a:t>Figure 5a</a:t>
+            </a:r>
+            <a:r>
+              <a:rPr lang="en-US"/>
+              <a:t>) (See </a:t>
+            </a:r>
+            <a:r>
+              <a:rPr lang="en-US">
+                <a:hlinkClick r:id="rId3"/>
+              </a:rPr>
+              <a:t>Section 3.2.1</a:t>
+            </a:r>
+            <a:r>
+              <a:rPr lang="en-US"/>
+              <a:t> for further explanation)</a:t>
+            </a:r>
+          </a:p>
+          <a:p>
+            <a:pPr lvl="2"/>
+            <a:r>
+              <a:rPr lang="en-US"/>
+              <a:t>network --- data are organized by records which are classified into record types, with 1:n pointers linking associated records (</a:t>
+            </a:r>
+            <a:r>
+              <a:rPr lang="en-US">
+                <a:hlinkClick r:id="rId2"/>
+              </a:rPr>
+              <a:t>Figure 5b</a:t>
+            </a:r>
+            <a:r>
+              <a:rPr lang="en-US"/>
+              <a:t>)</a:t>
+            </a:r>
+          </a:p>
+          <a:p>
+            <a:pPr lvl="2"/>
+            <a:r>
+              <a:rPr lang="en-US"/>
+              <a:t>hierarchical --- data are organized by records on a parent-child one-to-many relations (</a:t>
+            </a:r>
+            <a:r>
+              <a:rPr lang="en-US">
+                <a:hlinkClick r:id="rId2"/>
+              </a:rPr>
+              <a:t>Figure 5c</a:t>
+            </a:r>
+            <a:r>
+              <a:rPr lang="en-US"/>
+              <a:t>)</a:t>
+            </a:r>
+          </a:p>
+          <a:p>
+            <a:pPr lvl="1"/>
+            <a:r>
+              <a:rPr lang="en-US"/>
+              <a:t>the emerging database model is </a:t>
+            </a:r>
+            <a:r>
+              <a:rPr lang="en-US" i="1"/>
+              <a:t>object-oriented</a:t>
+            </a:r>
+            <a:endParaRPr lang="en-US"/>
+          </a:p>
+          <a:p>
+            <a:pPr lvl="2"/>
+            <a:r>
+              <a:rPr lang="en-US"/>
+              <a:t>data are uniquely identified as individual objects that are classified into object types or classes according to the characteristics (attributes and operations) of the object (</a:t>
+            </a:r>
+            <a:r>
+              <a:rPr lang="en-US">
+                <a:hlinkClick r:id="rId2"/>
+              </a:rPr>
+              <a:t>Figure 5d</a:t>
+            </a:r>
+            <a:r>
+              <a:rPr lang="en-US"/>
+              <a:t>) (See </a:t>
+            </a:r>
+            <a:r>
+              <a:rPr lang="en-US">
+                <a:hlinkClick r:id="rId3"/>
+              </a:rPr>
+              <a:t>Section 3.2.2</a:t>
+            </a:r>
+            <a:r>
+              <a:rPr lang="en-US"/>
+              <a:t> for further explanation)</a:t>
+            </a:r>
+          </a:p>
+          <a:p>
+            <a:endParaRPr lang="en-US"/>
+          </a:p>
+        </p:txBody>
+      </p:sp>
+    </p:spTree>
+    <p:extLst>
+      <p:ext uri="{BB962C8B-B14F-4D97-AF65-F5344CB8AC3E}">
+        <p14:creationId xmlns:p14="http://schemas.microsoft.com/office/powerpoint/2010/main" val="1511389451"/>
+      </p:ext>
+    </p:extLst>
+  </p:cSld>
+  <p:clrMapOvr>
+    <a:masterClrMapping/>
+  </p:clrMapOvr>
+  <mc:AlternateContent xmlns:mc="http://schemas.openxmlformats.org/markup-compatibility/2006">
+    <mc:Choice xmlns:p14="http://schemas.microsoft.com/office/powerpoint/2010/main" Requires="p14">
+      <p:transition spd="slow" p14:dur="2000"/>
+    </mc:Choice>
+    <mc:Fallback>
+      <p:transition spd="slow"/>
+    </mc:Fallback>
+  </mc:AlternateContent>
+  <p:timing>
+    <p:tnLst>
+      <p:par>
+        <p:cTn id="1" dur="indefinite" restart="never" nodeType="tmRoot"/>
+      </p:par>
+    </p:tnLst>
+  </p:timing>
+</p:sld>
+</file>
+
+<file path=ppt/slides/slide13.xml><?xml version="1.0" encoding="utf-8"?>
+<p:sld xmlns:a="http://schemas.openxmlformats.org/drawingml/2006/main" xmlns:r="http://schemas.openxmlformats.org/officeDocument/2006/relationships" xmlns:p="http://schemas.openxmlformats.org/presentationml/2006/main">
+  <p:cSld>
+    <p:spTree>
+      <p:nvGrpSpPr>
+        <p:cNvPr id="1" name=""/>
+        <p:cNvGrpSpPr/>
+        <p:nvPr/>
+      </p:nvGrpSpPr>
+      <p:grpSpPr>
+        <a:xfrm>
+          <a:off x="0" y="0"/>
+          <a:ext cx="0" cy="0"/>
+          <a:chOff x="0" y="0"/>
+          <a:chExt cx="0" cy="0"/>
+        </a:xfrm>
+      </p:grpSpPr>
+      <p:sp>
+        <p:nvSpPr>
+          <p:cNvPr id="4" name="Text Placeholder 3"/>
+          <p:cNvSpPr>
+            <a:spLocks noGrp="1"/>
+          </p:cNvSpPr>
+          <p:nvPr>
+            <p:ph type="body" idx="1"/>
+          </p:nvPr>
+        </p:nvSpPr>
+        <p:spPr/>
+        <p:txBody>
+          <a:bodyPr/>
+          <a:lstStyle/>
+          <a:p>
+            <a:endParaRPr lang="en-US"/>
+          </a:p>
+        </p:txBody>
+      </p:sp>
+      <p:sp>
+        <p:nvSpPr>
+          <p:cNvPr id="3" name="Title 2"/>
+          <p:cNvSpPr>
+            <a:spLocks noGrp="1"/>
+          </p:cNvSpPr>
+          <p:nvPr>
+            <p:ph type="title"/>
+          </p:nvPr>
+        </p:nvSpPr>
+        <p:spPr/>
+        <p:txBody>
+          <a:bodyPr/>
+          <a:lstStyle/>
+          <a:p>
+            <a:r>
+              <a:rPr lang="en-US" smtClean="0"/>
+              <a:t>Cơ sở lý thuyết</a:t>
+            </a:r>
+            <a:endParaRPr lang="en-US"/>
+          </a:p>
+        </p:txBody>
+      </p:sp>
+      <p:sp>
+        <p:nvSpPr>
+          <p:cNvPr id="2" name="Slide Number Placeholder 1"/>
+          <p:cNvSpPr>
+            <a:spLocks noGrp="1"/>
+          </p:cNvSpPr>
+          <p:nvPr>
+            <p:ph type="sldNum" sz="quarter" idx="11"/>
+          </p:nvPr>
+        </p:nvSpPr>
+        <p:spPr/>
+        <p:txBody>
+          <a:bodyPr/>
+          <a:lstStyle/>
+          <a:p>
+            <a:fld id="{1AD93096-5B34-4342-9326-69289CEAE4C2}" type="slidenum">
+              <a:rPr lang="en-US" smtClean="0"/>
+              <a:pPr/>
+              <a:t>13</a:t>
+            </a:fld>
+            <a:endParaRPr lang="en-US" dirty="0">
+              <a:solidFill>
+                <a:schemeClr val="tx2"/>
+              </a:solidFill>
+            </a:endParaRPr>
+          </a:p>
+        </p:txBody>
+      </p:sp>
+    </p:spTree>
+    <p:extLst>
+      <p:ext uri="{BB962C8B-B14F-4D97-AF65-F5344CB8AC3E}">
+        <p14:creationId xmlns:p14="http://schemas.microsoft.com/office/powerpoint/2010/main" val="649138217"/>
+      </p:ext>
+    </p:extLst>
+  </p:cSld>
+  <p:clrMapOvr>
+    <a:masterClrMapping/>
+  </p:clrMapOvr>
+  <p:timing>
+    <p:tnLst>
+      <p:par>
+        <p:cTn id="1" dur="indefinite" restart="never" nodeType="tmRoot"/>
+      </p:par>
+    </p:tnLst>
+  </p:timing>
+</p:sld>
+</file>
+
+<file path=ppt/slides/slide14.xml><?xml version="1.0" encoding="utf-8"?>
+<p:sld xmlns:a="http://schemas.openxmlformats.org/drawingml/2006/main" xmlns:r="http://schemas.openxmlformats.org/officeDocument/2006/relationships" xmlns:p="http://schemas.openxmlformats.org/presentationml/2006/main">
+  <p:cSld>
+    <p:spTree>
+      <p:nvGrpSpPr>
+        <p:cNvPr id="1" name=""/>
+        <p:cNvGrpSpPr/>
+        <p:nvPr/>
+      </p:nvGrpSpPr>
+      <p:grpSpPr>
+        <a:xfrm>
+          <a:off x="0" y="0"/>
+          <a:ext cx="0" cy="0"/>
+          <a:chOff x="0" y="0"/>
+          <a:chExt cx="0" cy="0"/>
+        </a:xfrm>
+      </p:grpSpPr>
+      <p:sp>
+        <p:nvSpPr>
+          <p:cNvPr id="5" name="Text Placeholder 4"/>
+          <p:cNvSpPr>
+            <a:spLocks noGrp="1"/>
+          </p:cNvSpPr>
+          <p:nvPr>
+            <p:ph type="body" idx="1"/>
+          </p:nvPr>
+        </p:nvSpPr>
+        <p:spPr/>
+        <p:txBody>
+          <a:bodyPr/>
+          <a:lstStyle/>
+          <a:p>
+            <a:endParaRPr lang="vi-VN" dirty="0"/>
+          </a:p>
+        </p:txBody>
+      </p:sp>
+      <p:sp>
+        <p:nvSpPr>
+          <p:cNvPr id="4" name="Title 3"/>
+          <p:cNvSpPr>
+            <a:spLocks noGrp="1"/>
+          </p:cNvSpPr>
+          <p:nvPr>
+            <p:ph type="title"/>
+          </p:nvPr>
+        </p:nvSpPr>
+        <p:spPr/>
+        <p:txBody>
+          <a:bodyPr>
+            <a:normAutofit/>
+          </a:bodyPr>
+          <a:lstStyle/>
+          <a:p>
+            <a:r>
+              <a:rPr lang="en-US" dirty="0" smtClean="0"/>
+              <a:t>GIẢI QUYẾT </a:t>
+            </a:r>
+            <a:r>
+              <a:rPr lang="en-US" smtClean="0"/>
+              <a:t>BÀI </a:t>
+            </a:r>
+            <a:r>
+              <a:rPr lang="en-US" smtClean="0"/>
+              <a:t>TOÁN</a:t>
+            </a:r>
+            <a:endParaRPr lang="vi-VN" dirty="0"/>
+          </a:p>
+        </p:txBody>
+      </p:sp>
+      <p:sp>
+        <p:nvSpPr>
+          <p:cNvPr id="3" name="Slide Number Placeholder 2"/>
+          <p:cNvSpPr>
+            <a:spLocks noGrp="1"/>
+          </p:cNvSpPr>
+          <p:nvPr>
+            <p:ph type="sldNum" sz="quarter" idx="11"/>
+          </p:nvPr>
+        </p:nvSpPr>
+        <p:spPr/>
+        <p:txBody>
+          <a:bodyPr>
+            <a:normAutofit/>
+          </a:bodyPr>
+          <a:lstStyle/>
+          <a:p>
+            <a:fld id="{1AD93096-5B34-4342-9326-69289CEAE4C2}" type="slidenum">
+              <a:rPr lang="en-US" smtClean="0"/>
+              <a:pPr/>
+              <a:t>14</a:t>
+            </a:fld>
+            <a:endParaRPr lang="en-US" dirty="0">
+              <a:solidFill>
+                <a:srgbClr val="FFFFFF"/>
+              </a:solidFill>
+            </a:endParaRPr>
+          </a:p>
+        </p:txBody>
+      </p:sp>
+      <p:pic>
+        <p:nvPicPr>
+          <p:cNvPr id="1026" name="Picture 2" descr="http://www.google.com.vn/url?source=imglanding&amp;ct=img&amp;q=http://merlin2011graduates.com/blog/wp-content/uploads/2011/11/solution.png&amp;sa=X&amp;ei=aGr9Tu7MA8aSiQeNou2xAQ&amp;ved=0CAsQ8wc&amp;usg=AFQjCNGcOPplEFMSM8mg_N0VQ-_h29Jsew"/>
+          <p:cNvPicPr>
+            <a:picLocks noChangeAspect="1" noChangeArrowheads="1"/>
+          </p:cNvPicPr>
+          <p:nvPr/>
+        </p:nvPicPr>
+        <p:blipFill>
+          <a:blip r:embed="rId2">
+            <a:extLst>
+              <a:ext uri="{28A0092B-C50C-407E-A947-70E740481C1C}">
+                <a14:useLocalDpi xmlns:a14="http://schemas.microsoft.com/office/drawing/2010/main" val="0"/>
+              </a:ext>
+            </a:extLst>
+          </a:blip>
+          <a:srcRect/>
+          <a:stretch>
+            <a:fillRect/>
+          </a:stretch>
+        </p:blipFill>
+        <p:spPr bwMode="auto">
+          <a:xfrm>
+            <a:off x="14517" y="2579419"/>
+            <a:ext cx="9114971" cy="4293096"/>
+          </a:xfrm>
+          <a:prstGeom prst="rect">
+            <a:avLst/>
+          </a:prstGeom>
+          <a:noFill/>
+          <a:extLst>
+            <a:ext uri="{909E8E84-426E-40DD-AFC4-6F175D3DCCD1}">
+              <a14:hiddenFill xmlns:a14="http://schemas.microsoft.com/office/drawing/2010/main">
+                <a:solidFill>
+                  <a:srgbClr val="FFFFFF"/>
+                </a:solidFill>
+              </a14:hiddenFill>
+            </a:ext>
+          </a:extLst>
+        </p:spPr>
+      </p:pic>
+    </p:spTree>
+    <p:extLst>
+      <p:ext uri="{BB962C8B-B14F-4D97-AF65-F5344CB8AC3E}">
+        <p14:creationId xmlns:p14="http://schemas.microsoft.com/office/powerpoint/2010/main" val="1789735374"/>
+      </p:ext>
+    </p:extLst>
+  </p:cSld>
+  <p:clrMapOvr>
+    <a:masterClrMapping/>
+  </p:clrMapOvr>
+  <p:timing>
+    <p:tnLst>
+      <p:par>
+        <p:cTn id="1" dur="indefinite" restart="never" nodeType="tmRoot">
+          <p:childTnLst>
+            <p:seq concurrent="1" nextAc="seek">
+              <p:cTn id="2" dur="indefinite" nodeType="mainSeq">
+                <p:childTnLst>
+                  <p:par>
+                    <p:cTn id="3" fill="hold">
+                      <p:stCondLst>
+                        <p:cond delay="indefinite"/>
+                        <p:cond evt="onBegin" delay="0">
+                          <p:tn val="2"/>
+                        </p:cond>
+                      </p:stCondLst>
+                      <p:childTnLst>
+                        <p:par>
+                          <p:cTn id="4" fill="hold">
+                            <p:stCondLst>
+                              <p:cond delay="0"/>
+                            </p:stCondLst>
+                            <p:childTnLst>
+                              <p:par>
+                                <p:cTn id="5" presetID="10" presetClass="entr" presetSubtype="0" fill="hold" nodeType="withEffect">
+                                  <p:stCondLst>
+                                    <p:cond delay="0"/>
+                                  </p:stCondLst>
+                                  <p:childTnLst>
+                                    <p:set>
+                                      <p:cBhvr>
+                                        <p:cTn id="6" dur="1" fill="hold">
+                                          <p:stCondLst>
+                                            <p:cond delay="0"/>
+                                          </p:stCondLst>
+                                        </p:cTn>
+                                        <p:tgtEl>
+                                          <p:spTgt spid="1026"/>
+                                        </p:tgtEl>
+                                        <p:attrNameLst>
+                                          <p:attrName>style.visibility</p:attrName>
+                                        </p:attrNameLst>
+                                      </p:cBhvr>
+                                      <p:to>
+                                        <p:strVal val="visible"/>
+                                      </p:to>
+                                    </p:set>
+                                    <p:animEffect transition="in" filter="fade">
+                                      <p:cBhvr>
+                                        <p:cTn id="7" dur="500"/>
+                                        <p:tgtEl>
+                                          <p:spTgt spid="1026"/>
+                                        </p:tgtEl>
+                                      </p:cBhvr>
+                                    </p:animEffect>
+                                  </p:childTnLst>
+                                </p:cTn>
+                              </p:par>
+                            </p:childTnLst>
+                          </p:cTn>
+                        </p:par>
+                      </p:childTnLst>
+                    </p:cTn>
+                  </p:par>
+                </p:childTnLst>
+              </p:cTn>
+              <p:prevCondLst>
+                <p:cond evt="onPrev" delay="0">
+                  <p:tgtEl>
+                    <p:sldTgt/>
+                  </p:tgtEl>
+                </p:cond>
+              </p:prevCondLst>
+              <p:nextCondLst>
+                <p:cond evt="onNext" delay="0">
+                  <p:tgtEl>
+                    <p:sldTgt/>
+                  </p:tgtEl>
+                </p:cond>
+              </p:nextCondLst>
+            </p:seq>
+          </p:childTnLst>
+        </p:cTn>
+      </p:par>
+    </p:tnLst>
+  </p:timing>
+</p:sld>
+</file>
+
+<file path=ppt/slides/slide15.xml><?xml version="1.0" encoding="utf-8"?>
+<p:sld xmlns:a="http://schemas.openxmlformats.org/drawingml/2006/main" xmlns:r="http://schemas.openxmlformats.org/officeDocument/2006/relationships" xmlns:p="http://schemas.openxmlformats.org/presentationml/2006/main">
+  <p:cSld>
+    <p:spTree>
+      <p:nvGrpSpPr>
+        <p:cNvPr id="1" name=""/>
+        <p:cNvGrpSpPr/>
+        <p:nvPr/>
+      </p:nvGrpSpPr>
+      <p:grpSpPr>
+        <a:xfrm>
+          <a:off x="0" y="0"/>
+          <a:ext cx="0" cy="0"/>
+          <a:chOff x="0" y="0"/>
+          <a:chExt cx="0" cy="0"/>
+        </a:xfrm>
+      </p:grpSpPr>
+      <p:sp>
+        <p:nvSpPr>
+          <p:cNvPr id="4" name="Slide Number Placeholder 3"/>
+          <p:cNvSpPr>
+            <a:spLocks noGrp="1"/>
+          </p:cNvSpPr>
+          <p:nvPr>
+            <p:ph type="sldNum" sz="quarter" idx="12"/>
+          </p:nvPr>
+        </p:nvSpPr>
+        <p:spPr/>
+        <p:txBody>
+          <a:bodyPr>
+            <a:normAutofit/>
+          </a:bodyPr>
+          <a:lstStyle/>
+          <a:p>
+            <a:pPr algn="ctr"/>
+            <a:fld id="{1AD93096-5B34-4342-9326-69289CEAE4C2}" type="slidenum">
+              <a:rPr lang="en-US" smtClean="0"/>
+              <a:pPr algn="ctr"/>
+              <a:t>15</a:t>
+            </a:fld>
+            <a:endParaRPr lang="en-US" sz="2400" dirty="0">
+              <a:solidFill>
+                <a:srgbClr val="FFFFFF"/>
+              </a:solidFill>
+            </a:endParaRPr>
+          </a:p>
+        </p:txBody>
+      </p:sp>
+      <p:pic>
+        <p:nvPicPr>
+          <p:cNvPr id="6" name="Picture 5"/>
+          <p:cNvPicPr>
+            <a:picLocks noChangeAspect="1"/>
+          </p:cNvPicPr>
+          <p:nvPr/>
+        </p:nvPicPr>
+        <p:blipFill>
+          <a:blip r:embed="rId2">
+            <a:extLst>
+              <a:ext uri="{28A0092B-C50C-407E-A947-70E740481C1C}">
+                <a14:useLocalDpi xmlns:a14="http://schemas.microsoft.com/office/drawing/2010/main" val="0"/>
+              </a:ext>
+            </a:extLst>
+          </a:blip>
+          <a:stretch>
+            <a:fillRect/>
+          </a:stretch>
+        </p:blipFill>
+        <p:spPr>
+          <a:xfrm>
+            <a:off x="1833562" y="1604962"/>
+            <a:ext cx="5476875" cy="3648075"/>
+          </a:xfrm>
+          <a:prstGeom prst="rect">
+            <a:avLst/>
+          </a:prstGeom>
+        </p:spPr>
+      </p:pic>
+    </p:spTree>
+    <p:extLst>
+      <p:ext uri="{BB962C8B-B14F-4D97-AF65-F5344CB8AC3E}">
+        <p14:creationId xmlns:p14="http://schemas.microsoft.com/office/powerpoint/2010/main" val="2758384200"/>
+      </p:ext>
+    </p:extLst>
+  </p:cSld>
+  <p:clrMapOvr>
+    <a:masterClrMapping/>
+  </p:clrMapOvr>
+  <p:timing>
+    <p:tnLst>
+      <p:par>
+        <p:cTn id="1" dur="indefinite" restart="never" nodeType="tmRoot"/>
+      </p:par>
+    </p:tnLst>
+  </p:timing>
+</p:sld>
+</file>
+
+<file path=ppt/slides/slide16.xml><?xml version="1.0" encoding="utf-8"?>
+<p:sld xmlns:a="http://schemas.openxmlformats.org/drawingml/2006/main" xmlns:r="http://schemas.openxmlformats.org/officeDocument/2006/relationships" xmlns:p="http://schemas.openxmlformats.org/presentationml/2006/main">
+  <p:cSld>
+    <p:spTree>
+      <p:nvGrpSpPr>
+        <p:cNvPr id="1" name=""/>
+        <p:cNvGrpSpPr/>
+        <p:nvPr/>
+      </p:nvGrpSpPr>
+      <p:grpSpPr>
+        <a:xfrm>
+          <a:off x="0" y="0"/>
+          <a:ext cx="0" cy="0"/>
+          <a:chOff x="0" y="0"/>
+          <a:chExt cx="0" cy="0"/>
+        </a:xfrm>
+      </p:grpSpPr>
+      <p:sp>
+        <p:nvSpPr>
+          <p:cNvPr id="5" name="Title 4"/>
+          <p:cNvSpPr>
+            <a:spLocks noGrp="1"/>
+          </p:cNvSpPr>
+          <p:nvPr>
+            <p:ph type="title"/>
+          </p:nvPr>
+        </p:nvSpPr>
+        <p:spPr/>
+        <p:txBody>
+          <a:bodyPr>
+            <a:normAutofit/>
+          </a:bodyPr>
+          <a:lstStyle/>
+          <a:p>
+            <a:r>
+              <a:rPr lang="en-US" sz="4000" smtClean="0"/>
+              <a:t>Tag</a:t>
+            </a:r>
+            <a:endParaRPr lang="vi-VN" sz="4000" dirty="0"/>
+          </a:p>
+        </p:txBody>
+      </p:sp>
+      <p:sp>
+        <p:nvSpPr>
+          <p:cNvPr id="4" name="Slide Number Placeholder 3"/>
+          <p:cNvSpPr>
+            <a:spLocks noGrp="1"/>
+          </p:cNvSpPr>
+          <p:nvPr>
+            <p:ph type="sldNum" sz="quarter" idx="12"/>
+          </p:nvPr>
+        </p:nvSpPr>
+        <p:spPr/>
+        <p:txBody>
+          <a:bodyPr>
+            <a:normAutofit fontScale="85000" lnSpcReduction="20000"/>
+          </a:bodyPr>
+          <a:lstStyle/>
+          <a:p>
+            <a:pPr algn="ctr"/>
+            <a:fld id="{1AD93096-5B34-4342-9326-69289CEAE4C2}" type="slidenum">
+              <a:rPr lang="en-US" smtClean="0"/>
+              <a:pPr algn="ctr"/>
+              <a:t>16</a:t>
+            </a:fld>
+            <a:endParaRPr lang="en-US" sz="2400" dirty="0">
+              <a:solidFill>
+                <a:srgbClr val="FFFFFF"/>
+              </a:solidFill>
+            </a:endParaRPr>
+          </a:p>
+        </p:txBody>
+      </p:sp>
+    </p:spTree>
+    <p:extLst>
+      <p:ext uri="{BB962C8B-B14F-4D97-AF65-F5344CB8AC3E}">
+        <p14:creationId xmlns:p14="http://schemas.microsoft.com/office/powerpoint/2010/main" val="3162985393"/>
+      </p:ext>
+    </p:extLst>
+  </p:cSld>
+  <p:clrMapOvr>
+    <a:masterClrMapping/>
+  </p:clrMapOvr>
+  <p:timing>
+    <p:tnLst>
+      <p:par>
+        <p:cTn id="1" dur="indefinite" restart="never" nodeType="tmRoot"/>
+      </p:par>
+    </p:tnLst>
+  </p:timing>
+</p:sld>
+</file>
+
+<file path=ppt/slides/slide17.xml><?xml version="1.0" encoding="utf-8"?>
+<p:sld xmlns:a="http://schemas.openxmlformats.org/drawingml/2006/main" xmlns:r="http://schemas.openxmlformats.org/officeDocument/2006/relationships" xmlns:p="http://schemas.openxmlformats.org/presentationml/2006/main">
+  <p:cSld>
+    <p:spTree>
+      <p:nvGrpSpPr>
+        <p:cNvPr id="1" name=""/>
+        <p:cNvGrpSpPr/>
+        <p:nvPr/>
+      </p:nvGrpSpPr>
+      <p:grpSpPr>
+        <a:xfrm>
+          <a:off x="0" y="0"/>
+          <a:ext cx="0" cy="0"/>
+          <a:chOff x="0" y="0"/>
+          <a:chExt cx="0" cy="0"/>
+        </a:xfrm>
+      </p:grpSpPr>
+      <p:sp>
+        <p:nvSpPr>
+          <p:cNvPr id="5" name="Title 4"/>
+          <p:cNvSpPr>
+            <a:spLocks noGrp="1"/>
+          </p:cNvSpPr>
+          <p:nvPr>
+            <p:ph type="title"/>
+          </p:nvPr>
+        </p:nvSpPr>
+        <p:spPr/>
+        <p:txBody>
+          <a:bodyPr>
+            <a:normAutofit/>
+          </a:bodyPr>
+          <a:lstStyle/>
+          <a:p>
+            <a:r>
+              <a:rPr lang="en-US" sz="4000" smtClean="0"/>
+              <a:t>taxonomy</a:t>
+            </a:r>
+            <a:endParaRPr lang="vi-VN" sz="4000" dirty="0"/>
+          </a:p>
+        </p:txBody>
+      </p:sp>
+      <p:sp>
+        <p:nvSpPr>
+          <p:cNvPr id="4" name="Slide Number Placeholder 3"/>
+          <p:cNvSpPr>
+            <a:spLocks noGrp="1"/>
+          </p:cNvSpPr>
+          <p:nvPr>
+            <p:ph type="sldNum" sz="quarter" idx="12"/>
+          </p:nvPr>
+        </p:nvSpPr>
+        <p:spPr/>
+        <p:txBody>
+          <a:bodyPr>
+            <a:normAutofit fontScale="85000" lnSpcReduction="20000"/>
+          </a:bodyPr>
+          <a:lstStyle/>
+          <a:p>
+            <a:pPr algn="ctr"/>
+            <a:fld id="{1AD93096-5B34-4342-9326-69289CEAE4C2}" type="slidenum">
+              <a:rPr lang="en-US" smtClean="0"/>
+              <a:pPr algn="ctr"/>
+              <a:t>17</a:t>
+            </a:fld>
+            <a:endParaRPr lang="en-US" sz="2400" dirty="0">
+              <a:solidFill>
+                <a:srgbClr val="FFFFFF"/>
+              </a:solidFill>
+            </a:endParaRPr>
+          </a:p>
+        </p:txBody>
+      </p:sp>
+      <p:pic>
+        <p:nvPicPr>
+          <p:cNvPr id="87" name="Picture 2"/>
+          <p:cNvPicPr>
+            <a:picLocks noChangeAspect="1" noChangeArrowheads="1"/>
+          </p:cNvPicPr>
+          <p:nvPr/>
+        </p:nvPicPr>
+        <p:blipFill>
+          <a:blip r:embed="rId2">
+            <a:extLst>
+              <a:ext uri="{28A0092B-C50C-407E-A947-70E740481C1C}">
+                <a14:useLocalDpi xmlns:a14="http://schemas.microsoft.com/office/drawing/2010/main" val="0"/>
+              </a:ext>
+            </a:extLst>
+          </a:blip>
+          <a:srcRect/>
+          <a:stretch>
+            <a:fillRect/>
+          </a:stretch>
+        </p:blipFill>
+        <p:spPr bwMode="auto">
+          <a:xfrm>
+            <a:off x="611560" y="2204865"/>
+            <a:ext cx="8028384" cy="3380372"/>
+          </a:xfrm>
+          <a:prstGeom prst="rect">
+            <a:avLst/>
+          </a:prstGeom>
+          <a:noFill/>
+          <a:ln>
+            <a:noFill/>
+          </a:ln>
+          <a:effectLst/>
+          <a:extLst>
+            <a:ext uri="{909E8E84-426E-40DD-AFC4-6F175D3DCCD1}">
+              <a14:hiddenFill xmlns:a14="http://schemas.microsoft.com/office/drawing/2010/main">
+                <a:solidFill>
+                  <a:schemeClr val="accent1"/>
+                </a:solidFill>
+              </a14:hiddenFill>
+            </a:ext>
+            <a:ext uri="{91240B29-F687-4F45-9708-019B960494DF}">
+              <a14:hiddenLine xmlns:a14="http://schemas.microsoft.com/office/drawing/2010/main" w="9525">
+                <a:solidFill>
+                  <a:schemeClr val="tx1"/>
+                </a:solidFill>
+                <a:miter lim="800000"/>
+                <a:headEnd/>
+                <a:tailEnd/>
+              </a14:hiddenLine>
+            </a:ext>
+            <a:ext uri="{AF507438-7753-43E0-B8FC-AC1667EBCBE1}">
+              <a14:hiddenEffects xmlns:a14="http://schemas.microsoft.com/office/drawing/2010/main">
+                <a:effectLst>
+                  <a:outerShdw dist="35921" dir="2700000" algn="ctr" rotWithShape="0">
+                    <a:schemeClr val="bg2"/>
+                  </a:outerShdw>
+                </a:effectLst>
+              </a14:hiddenEffects>
+            </a:ext>
+          </a:extLst>
+        </p:spPr>
+      </p:pic>
+    </p:spTree>
+    <p:extLst>
+      <p:ext uri="{BB962C8B-B14F-4D97-AF65-F5344CB8AC3E}">
+        <p14:creationId xmlns:p14="http://schemas.microsoft.com/office/powerpoint/2010/main" val="578477616"/>
+      </p:ext>
+    </p:extLst>
+  </p:cSld>
+  <p:clrMapOvr>
+    <a:masterClrMapping/>
+  </p:clrMapOvr>
+  <p:timing>
+    <p:tnLst>
+      <p:par>
+        <p:cTn id="1" dur="indefinite" restart="never" nodeType="tmRoot">
+          <p:childTnLst>
+            <p:seq concurrent="1" nextAc="seek">
+              <p:cTn id="2" dur="indefinite" nodeType="mainSeq">
+                <p:childTnLst>
+                  <p:par>
+                    <p:cTn id="3" fill="hold">
+                      <p:stCondLst>
+                        <p:cond delay="indefinite"/>
+                        <p:cond evt="onBegin" delay="0">
+                          <p:tn val="2"/>
+                        </p:cond>
+                      </p:stCondLst>
+                      <p:childTnLst>
+                        <p:par>
+                          <p:cTn id="4" fill="hold">
+                            <p:stCondLst>
+                              <p:cond delay="0"/>
+                            </p:stCondLst>
+                            <p:childTnLst>
+                              <p:par>
+                                <p:cTn id="5" presetID="10" presetClass="entr" presetSubtype="0" fill="hold" nodeType="withEffect">
+                                  <p:stCondLst>
+                                    <p:cond delay="0"/>
+                                  </p:stCondLst>
+                                  <p:childTnLst>
+                                    <p:set>
+                                      <p:cBhvr>
+                                        <p:cTn id="6" dur="1" fill="hold">
+                                          <p:stCondLst>
+                                            <p:cond delay="0"/>
+                                          </p:stCondLst>
+                                        </p:cTn>
+                                        <p:tgtEl>
+                                          <p:spTgt spid="87"/>
+                                        </p:tgtEl>
+                                        <p:attrNameLst>
+                                          <p:attrName>style.visibility</p:attrName>
+                                        </p:attrNameLst>
+                                      </p:cBhvr>
+                                      <p:to>
+                                        <p:strVal val="visible"/>
+                                      </p:to>
+                                    </p:set>
+                                    <p:animEffect transition="in" filter="fade">
+                                      <p:cBhvr>
+                                        <p:cTn id="7" dur="500"/>
+                                        <p:tgtEl>
+                                          <p:spTgt spid="87"/>
+                                        </p:tgtEl>
+                                      </p:cBhvr>
+                                    </p:animEffect>
+                                  </p:childTnLst>
+                                </p:cTn>
+                              </p:par>
+                            </p:childTnLst>
+                          </p:cTn>
+                        </p:par>
+                      </p:childTnLst>
+                    </p:cTn>
+                  </p:par>
+                </p:childTnLst>
+              </p:cTn>
+              <p:prevCondLst>
+                <p:cond evt="onPrev" delay="0">
+                  <p:tgtEl>
+                    <p:sldTgt/>
+                  </p:tgtEl>
+                </p:cond>
+              </p:prevCondLst>
+              <p:nextCondLst>
+                <p:cond evt="onNext" delay="0">
+                  <p:tgtEl>
+                    <p:sldTgt/>
+                  </p:tgtEl>
+                </p:cond>
+              </p:nextCondLst>
+            </p:seq>
+          </p:childTnLst>
+        </p:cTn>
+      </p:par>
+    </p:tnLst>
+  </p:timing>
+</p:sld>
+</file>
+
+<file path=ppt/slides/slide18.xml><?xml version="1.0" encoding="utf-8"?>
+<p:sld xmlns:a="http://schemas.openxmlformats.org/drawingml/2006/main" xmlns:r="http://schemas.openxmlformats.org/officeDocument/2006/relationships" xmlns:p="http://schemas.openxmlformats.org/presentationml/2006/main">
+  <p:cSld>
+    <p:spTree>
+      <p:nvGrpSpPr>
+        <p:cNvPr id="1" name=""/>
+        <p:cNvGrpSpPr/>
+        <p:nvPr/>
+      </p:nvGrpSpPr>
+      <p:grpSpPr>
+        <a:xfrm>
+          <a:off x="0" y="0"/>
+          <a:ext cx="0" cy="0"/>
+          <a:chOff x="0" y="0"/>
+          <a:chExt cx="0" cy="0"/>
+        </a:xfrm>
+      </p:grpSpPr>
+      <p:sp>
+        <p:nvSpPr>
+          <p:cNvPr id="2" name="Title 1"/>
+          <p:cNvSpPr>
+            <a:spLocks noGrp="1"/>
+          </p:cNvSpPr>
+          <p:nvPr>
+            <p:ph type="title"/>
+          </p:nvPr>
+        </p:nvSpPr>
+        <p:spPr/>
+        <p:txBody>
+          <a:bodyPr>
+            <a:normAutofit/>
+          </a:bodyPr>
+          <a:lstStyle/>
+          <a:p>
+            <a:r>
+              <a:rPr lang="en-US" sz="3600" dirty="0" err="1" smtClean="0"/>
+              <a:t>Giải</a:t>
+            </a:r>
+            <a:r>
+              <a:rPr lang="en-US" sz="3600" dirty="0" smtClean="0"/>
+              <a:t> </a:t>
+            </a:r>
+            <a:r>
+              <a:rPr lang="en-US" sz="3600" dirty="0" err="1" smtClean="0"/>
+              <a:t>pháp</a:t>
+            </a:r>
+            <a:r>
+              <a:rPr lang="en-US" sz="3600" dirty="0" smtClean="0"/>
+              <a:t> so </a:t>
+            </a:r>
+            <a:r>
+              <a:rPr lang="en-US" sz="3600" dirty="0" err="1" smtClean="0"/>
+              <a:t>khớp</a:t>
+            </a:r>
+            <a:r>
+              <a:rPr lang="en-US" sz="3600" dirty="0" smtClean="0"/>
+              <a:t> </a:t>
+            </a:r>
+            <a:r>
+              <a:rPr lang="en-US" sz="3600" dirty="0" err="1" smtClean="0"/>
+              <a:t>thông</a:t>
+            </a:r>
+            <a:r>
+              <a:rPr lang="en-US" sz="3600" dirty="0" smtClean="0"/>
+              <a:t> tin</a:t>
+            </a:r>
+            <a:endParaRPr lang="vi-VN" sz="3600" dirty="0"/>
+          </a:p>
+        </p:txBody>
+      </p:sp>
+      <p:sp>
+        <p:nvSpPr>
+          <p:cNvPr id="3" name="Slide Number Placeholder 2"/>
+          <p:cNvSpPr>
+            <a:spLocks noGrp="1"/>
+          </p:cNvSpPr>
+          <p:nvPr>
+            <p:ph type="sldNum" sz="quarter" idx="12"/>
+          </p:nvPr>
+        </p:nvSpPr>
+        <p:spPr/>
+        <p:txBody>
+          <a:bodyPr>
+            <a:normAutofit fontScale="85000" lnSpcReduction="20000"/>
+          </a:bodyPr>
+          <a:lstStyle/>
+          <a:p>
+            <a:fld id="{1AD93096-5B34-4342-9326-69289CEAE4C2}" type="slidenum">
+              <a:rPr lang="en-US" smtClean="0"/>
+              <a:pPr/>
+              <a:t>18</a:t>
+            </a:fld>
+            <a:endParaRPr lang="en-US" dirty="0">
+              <a:solidFill>
+                <a:srgbClr val="FFFFFF"/>
+              </a:solidFill>
+            </a:endParaRPr>
+          </a:p>
+        </p:txBody>
+      </p:sp>
+      <p:pic>
+        <p:nvPicPr>
+          <p:cNvPr id="1026" name="Picture 2"/>
+          <p:cNvPicPr>
+            <a:picLocks noGrp="1" noChangeAspect="1" noChangeArrowheads="1"/>
+          </p:cNvPicPr>
+          <p:nvPr>
+            <p:ph sz="quarter" idx="1"/>
+          </p:nvPr>
+        </p:nvPicPr>
+        <p:blipFill>
+          <a:blip r:embed="rId2">
+            <a:extLst>
+              <a:ext uri="{28A0092B-C50C-407E-A947-70E740481C1C}">
+                <a14:useLocalDpi xmlns:a14="http://schemas.microsoft.com/office/drawing/2010/main" val="0"/>
+              </a:ext>
+            </a:extLst>
+          </a:blip>
+          <a:srcRect/>
+          <a:stretch>
+            <a:fillRect/>
+          </a:stretch>
+        </p:blipFill>
+        <p:spPr bwMode="auto">
+          <a:xfrm>
+            <a:off x="2123730" y="1668112"/>
+            <a:ext cx="4833393" cy="5189888"/>
+          </a:xfrm>
+          <a:prstGeom prst="rect">
+            <a:avLst/>
+          </a:prstGeom>
+          <a:noFill/>
+          <a:ln>
+            <a:noFill/>
+          </a:ln>
+          <a:effectLst/>
+          <a:extLst>
+            <a:ext uri="{909E8E84-426E-40DD-AFC4-6F175D3DCCD1}">
+              <a14:hiddenFill xmlns:a14="http://schemas.microsoft.com/office/drawing/2010/main">
+                <a:solidFill>
+                  <a:schemeClr val="accent1"/>
+                </a:solidFill>
+              </a14:hiddenFill>
+            </a:ext>
+            <a:ext uri="{91240B29-F687-4F45-9708-019B960494DF}">
+              <a14:hiddenLine xmlns:a14="http://schemas.microsoft.com/office/drawing/2010/main" w="9525">
+                <a:solidFill>
+                  <a:schemeClr val="tx1"/>
+                </a:solidFill>
+                <a:miter lim="800000"/>
+                <a:headEnd/>
+                <a:tailEnd/>
+              </a14:hiddenLine>
+            </a:ext>
+            <a:ext uri="{AF507438-7753-43E0-B8FC-AC1667EBCBE1}">
+              <a14:hiddenEffects xmlns:a14="http://schemas.microsoft.com/office/drawing/2010/main">
+                <a:effectLst>
+                  <a:outerShdw dist="35921" dir="2700000" algn="ctr" rotWithShape="0">
+                    <a:schemeClr val="bg2"/>
+                  </a:outerShdw>
+                </a:effectLst>
+              </a14:hiddenEffects>
+            </a:ext>
+          </a:extLst>
+        </p:spPr>
+      </p:pic>
+    </p:spTree>
+    <p:extLst>
+      <p:ext uri="{BB962C8B-B14F-4D97-AF65-F5344CB8AC3E}">
+        <p14:creationId xmlns:p14="http://schemas.microsoft.com/office/powerpoint/2010/main" val="1169248967"/>
+      </p:ext>
+    </p:extLst>
+  </p:cSld>
+  <p:clrMapOvr>
+    <a:masterClrMapping/>
+  </p:clrMapOvr>
+  <p:timing>
+    <p:tnLst>
+      <p:par>
+        <p:cTn id="1" dur="indefinite" restart="never" nodeType="tmRoot">
+          <p:childTnLst>
+            <p:seq concurrent="1" nextAc="seek">
+              <p:cTn id="2" dur="indefinite" nodeType="mainSeq">
+                <p:childTnLst>
+                  <p:par>
+                    <p:cTn id="3" fill="hold">
+                      <p:stCondLst>
+                        <p:cond delay="indefinite"/>
+                        <p:cond evt="onBegin" delay="0">
+                          <p:tn val="2"/>
+                        </p:cond>
+                      </p:stCondLst>
+                      <p:childTnLst>
+                        <p:par>
+                          <p:cTn id="4" fill="hold">
+                            <p:stCondLst>
+                              <p:cond delay="0"/>
+                            </p:stCondLst>
+                            <p:childTnLst>
+                              <p:par>
+                                <p:cTn id="5" presetID="10" presetClass="entr" presetSubtype="0" fill="hold" nodeType="withEffect">
+                                  <p:stCondLst>
+                                    <p:cond delay="0"/>
+                                  </p:stCondLst>
+                                  <p:childTnLst>
+                                    <p:set>
+                                      <p:cBhvr>
+                                        <p:cTn id="6" dur="1" fill="hold">
+                                          <p:stCondLst>
+                                            <p:cond delay="0"/>
+                                          </p:stCondLst>
+                                        </p:cTn>
+                                        <p:tgtEl>
+                                          <p:spTgt spid="1026"/>
+                                        </p:tgtEl>
+                                        <p:attrNameLst>
+                                          <p:attrName>style.visibility</p:attrName>
+                                        </p:attrNameLst>
+                                      </p:cBhvr>
+                                      <p:to>
+                                        <p:strVal val="visible"/>
+                                      </p:to>
+                                    </p:set>
+                                    <p:animEffect transition="in" filter="fade">
+                                      <p:cBhvr>
+                                        <p:cTn id="7" dur="500"/>
+                                        <p:tgtEl>
+                                          <p:spTgt spid="1026"/>
+                                        </p:tgtEl>
+                                      </p:cBhvr>
+                                    </p:animEffect>
+                                  </p:childTnLst>
+                                </p:cTn>
+                              </p:par>
+                            </p:childTnLst>
+                          </p:cTn>
+                        </p:par>
+                      </p:childTnLst>
+                    </p:cTn>
+                  </p:par>
+                </p:childTnLst>
+              </p:cTn>
+              <p:prevCondLst>
+                <p:cond evt="onPrev" delay="0">
+                  <p:tgtEl>
+                    <p:sldTgt/>
+                  </p:tgtEl>
+                </p:cond>
+              </p:prevCondLst>
+              <p:nextCondLst>
+                <p:cond evt="onNext" delay="0">
+                  <p:tgtEl>
+                    <p:sldTgt/>
+                  </p:tgtEl>
+                </p:cond>
+              </p:nextCondLst>
+            </p:seq>
+          </p:childTnLst>
+        </p:cTn>
+      </p:par>
+    </p:tnLst>
+  </p:timing>
+</p:sld>
+</file>
+
+<file path=ppt/slides/slide19.xml><?xml version="1.0" encoding="utf-8"?>
+<p:sld xmlns:a="http://schemas.openxmlformats.org/drawingml/2006/main" xmlns:r="http://schemas.openxmlformats.org/officeDocument/2006/relationships" xmlns:p="http://schemas.openxmlformats.org/presentationml/2006/main">
+  <p:cSld>
+    <p:spTree>
+      <p:nvGrpSpPr>
+        <p:cNvPr id="1" name=""/>
+        <p:cNvGrpSpPr/>
+        <p:nvPr/>
+      </p:nvGrpSpPr>
+      <p:grpSpPr>
+        <a:xfrm>
+          <a:off x="0" y="0"/>
+          <a:ext cx="0" cy="0"/>
+          <a:chOff x="0" y="0"/>
+          <a:chExt cx="0" cy="0"/>
+        </a:xfrm>
+      </p:grpSpPr>
+      <p:sp>
+        <p:nvSpPr>
+          <p:cNvPr id="2" name="Title 1"/>
+          <p:cNvSpPr>
+            <a:spLocks noGrp="1"/>
+          </p:cNvSpPr>
+          <p:nvPr>
+            <p:ph type="title"/>
+          </p:nvPr>
+        </p:nvSpPr>
+        <p:spPr/>
+        <p:txBody>
+          <a:bodyPr>
+            <a:normAutofit/>
+          </a:bodyPr>
+          <a:lstStyle/>
+          <a:p>
+            <a:r>
+              <a:rPr lang="en-US" dirty="0" err="1" smtClean="0"/>
+              <a:t>Cây</a:t>
+            </a:r>
+            <a:r>
+              <a:rPr lang="en-US" dirty="0" smtClean="0"/>
+              <a:t> </a:t>
+            </a:r>
+            <a:r>
+              <a:rPr lang="en-US" dirty="0" err="1" smtClean="0"/>
+              <a:t>quyết</a:t>
+            </a:r>
+            <a:r>
+              <a:rPr lang="en-US" dirty="0" smtClean="0"/>
+              <a:t> </a:t>
+            </a:r>
+            <a:r>
+              <a:rPr lang="en-US" dirty="0" err="1" smtClean="0"/>
+              <a:t>định</a:t>
+            </a:r>
+            <a:endParaRPr lang="vi-VN" dirty="0"/>
+          </a:p>
+        </p:txBody>
+      </p:sp>
+      <p:sp>
+        <p:nvSpPr>
+          <p:cNvPr id="3" name="Slide Number Placeholder 2"/>
+          <p:cNvSpPr>
+            <a:spLocks noGrp="1"/>
+          </p:cNvSpPr>
+          <p:nvPr>
+            <p:ph type="sldNum" sz="quarter" idx="12"/>
+          </p:nvPr>
+        </p:nvSpPr>
+        <p:spPr/>
+        <p:txBody>
+          <a:bodyPr>
+            <a:normAutofit fontScale="85000" lnSpcReduction="20000"/>
+          </a:bodyPr>
+          <a:lstStyle/>
+          <a:p>
+            <a:fld id="{1AD93096-5B34-4342-9326-69289CEAE4C2}" type="slidenum">
+              <a:rPr lang="en-US" smtClean="0"/>
+              <a:pPr/>
+              <a:t>19</a:t>
+            </a:fld>
+            <a:endParaRPr lang="en-US" dirty="0">
+              <a:solidFill>
+                <a:srgbClr val="FFFFFF"/>
+              </a:solidFill>
+            </a:endParaRPr>
+          </a:p>
+        </p:txBody>
+      </p:sp>
+      <p:pic>
+        <p:nvPicPr>
+          <p:cNvPr id="8194" name="Picture 2"/>
+          <p:cNvPicPr>
+            <a:picLocks noChangeAspect="1" noChangeArrowheads="1"/>
+          </p:cNvPicPr>
+          <p:nvPr/>
+        </p:nvPicPr>
+        <p:blipFill>
+          <a:blip r:embed="rId2" cstate="print">
+            <a:extLst>
+              <a:ext uri="{28A0092B-C50C-407E-A947-70E740481C1C}">
+                <a14:useLocalDpi xmlns:a14="http://schemas.microsoft.com/office/drawing/2010/main" val="0"/>
+              </a:ext>
+            </a:extLst>
+          </a:blip>
+          <a:srcRect/>
+          <a:stretch>
+            <a:fillRect/>
+          </a:stretch>
+        </p:blipFill>
+        <p:spPr bwMode="auto">
+          <a:xfrm>
+            <a:off x="2195738" y="2060848"/>
+            <a:ext cx="5071823" cy="3528392"/>
+          </a:xfrm>
+          <a:prstGeom prst="rect">
+            <a:avLst/>
+          </a:prstGeom>
+          <a:noFill/>
+          <a:ln>
+            <a:noFill/>
+          </a:ln>
+          <a:effectLst/>
+          <a:extLst>
+            <a:ext uri="{909E8E84-426E-40DD-AFC4-6F175D3DCCD1}">
+              <a14:hiddenFill xmlns:a14="http://schemas.microsoft.com/office/drawing/2010/main">
+                <a:solidFill>
+                  <a:schemeClr val="accent1"/>
+                </a:solidFill>
+              </a14:hiddenFill>
+            </a:ext>
+            <a:ext uri="{91240B29-F687-4F45-9708-019B960494DF}">
+              <a14:hiddenLine xmlns:a14="http://schemas.microsoft.com/office/drawing/2010/main" w="9525">
+                <a:solidFill>
+                  <a:schemeClr val="tx1"/>
+                </a:solidFill>
+                <a:miter lim="800000"/>
+                <a:headEnd/>
+                <a:tailEnd/>
+              </a14:hiddenLine>
+            </a:ext>
+            <a:ext uri="{AF507438-7753-43E0-B8FC-AC1667EBCBE1}">
+              <a14:hiddenEffects xmlns:a14="http://schemas.microsoft.com/office/drawing/2010/main">
+                <a:effectLst>
+                  <a:outerShdw dist="35921" dir="2700000" algn="ctr" rotWithShape="0">
+                    <a:schemeClr val="bg2"/>
+                  </a:outerShdw>
+                </a:effectLst>
+              </a14:hiddenEffects>
+            </a:ext>
+          </a:extLst>
+        </p:spPr>
+      </p:pic>
+    </p:spTree>
+    <p:extLst>
+      <p:ext uri="{BB962C8B-B14F-4D97-AF65-F5344CB8AC3E}">
+        <p14:creationId xmlns:p14="http://schemas.microsoft.com/office/powerpoint/2010/main" val="949264263"/>
+      </p:ext>
+    </p:extLst>
+  </p:cSld>
+  <p:clrMapOvr>
+    <a:masterClrMapping/>
+  </p:clrMapOvr>
+  <p:timing>
+    <p:tnLst>
+      <p:par>
+        <p:cTn id="1" dur="indefinite" restart="never" nodeType="tmRoot"/>
+      </p:par>
+    </p:tnLst>
+  </p:timing>
+</p:sld>
+</file>
+
+<file path=ppt/slides/slide2.xml><?xml version="1.0" encoding="utf-8"?>
 <p:sld xmlns:a="http://schemas.openxmlformats.org/drawingml/2006/main" xmlns:r="http://schemas.openxmlformats.org/officeDocument/2006/relationships" xmlns:p="http://schemas.openxmlformats.org/presentationml/2006/main">
   <p:cSld>
     <p:spTree>
@@ -9484,7 +11408,7 @@
         <p:spPr bwMode="auto">
           <a:xfrm>
             <a:off x="9784" y="-27384"/>
-            <a:ext cx="9179902" cy="6058926"/>
+            <a:ext cx="9179902" cy="6058927"/>
           </a:xfrm>
           <a:prstGeom prst="rect">
             <a:avLst/>
@@ -9736,7 +11660,7 @@
         </p:blipFill>
         <p:spPr>
           <a:xfrm>
-            <a:off x="323527" y="305062"/>
+            <a:off x="323529" y="305063"/>
             <a:ext cx="2520281" cy="1157237"/>
           </a:xfrm>
           <a:prstGeom prst="rect">
@@ -9754,7 +11678,7 @@
         </p:nvSpPr>
         <p:spPr>
           <a:xfrm>
-            <a:off x="2339752" y="6031542"/>
+            <a:off x="2339752" y="6031543"/>
             <a:ext cx="4806752" cy="692696"/>
           </a:xfrm>
           <a:prstGeom prst="rect">
@@ -10189,291 +12113,7 @@
 </p:sld>
 </file>
 
-<file path=ppt/slides/slide10.xml><?xml version="1.0" encoding="utf-8"?>
-<p:sld xmlns:a="http://schemas.openxmlformats.org/drawingml/2006/main" xmlns:r="http://schemas.openxmlformats.org/officeDocument/2006/relationships" xmlns:p="http://schemas.openxmlformats.org/presentationml/2006/main">
-  <p:cSld>
-    <p:spTree>
-      <p:nvGrpSpPr>
-        <p:cNvPr id="1" name=""/>
-        <p:cNvGrpSpPr/>
-        <p:nvPr/>
-      </p:nvGrpSpPr>
-      <p:grpSpPr>
-        <a:xfrm>
-          <a:off x="0" y="0"/>
-          <a:ext cx="0" cy="0"/>
-          <a:chOff x="0" y="0"/>
-          <a:chExt cx="0" cy="0"/>
-        </a:xfrm>
-      </p:grpSpPr>
-      <p:sp>
-        <p:nvSpPr>
-          <p:cNvPr id="2" name="Title 1"/>
-          <p:cNvSpPr>
-            <a:spLocks noGrp="1"/>
-          </p:cNvSpPr>
-          <p:nvPr>
-            <p:ph type="title"/>
-          </p:nvPr>
-        </p:nvSpPr>
-        <p:spPr/>
-        <p:txBody>
-          <a:bodyPr>
-            <a:normAutofit/>
-          </a:bodyPr>
-          <a:lstStyle/>
-          <a:p>
-            <a:r>
-              <a:rPr lang="en-US" sz="3600" dirty="0" smtClean="0"/>
-              <a:t>Similarity</a:t>
-            </a:r>
-            <a:endParaRPr lang="vi-VN" sz="3600" dirty="0"/>
-          </a:p>
-        </p:txBody>
-      </p:sp>
-      <p:sp>
-        <p:nvSpPr>
-          <p:cNvPr id="3" name="Slide Number Placeholder 2"/>
-          <p:cNvSpPr>
-            <a:spLocks noGrp="1"/>
-          </p:cNvSpPr>
-          <p:nvPr>
-            <p:ph type="sldNum" sz="quarter" idx="12"/>
-          </p:nvPr>
-        </p:nvSpPr>
-        <p:spPr/>
-        <p:txBody>
-          <a:bodyPr>
-            <a:normAutofit fontScale="85000" lnSpcReduction="20000"/>
-          </a:bodyPr>
-          <a:lstStyle/>
-          <a:p>
-            <a:fld id="{1AD93096-5B34-4342-9326-69289CEAE4C2}" type="slidenum">
-              <a:rPr lang="en-US" smtClean="0"/>
-              <a:pPr/>
-              <a:t>10</a:t>
-            </a:fld>
-            <a:endParaRPr lang="en-US" dirty="0">
-              <a:solidFill>
-                <a:srgbClr val="FFFFFF"/>
-              </a:solidFill>
-            </a:endParaRPr>
-          </a:p>
-        </p:txBody>
-      </p:sp>
-      <p:pic>
-        <p:nvPicPr>
-          <p:cNvPr id="8" name="Picture 7"/>
-          <p:cNvPicPr/>
-          <p:nvPr/>
-        </p:nvPicPr>
-        <p:blipFill>
-          <a:blip r:embed="rId2"/>
-          <a:stretch>
-            <a:fillRect/>
-          </a:stretch>
-        </p:blipFill>
-        <p:spPr>
-          <a:xfrm>
-            <a:off x="1835696" y="2140019"/>
-            <a:ext cx="5112568" cy="2585125"/>
-          </a:xfrm>
-          <a:prstGeom prst="rect">
-            <a:avLst/>
-          </a:prstGeom>
-        </p:spPr>
-      </p:pic>
-    </p:spTree>
-    <p:extLst>
-      <p:ext uri="{BB962C8B-B14F-4D97-AF65-F5344CB8AC3E}">
-        <p14:creationId xmlns:p14="http://schemas.microsoft.com/office/powerpoint/2010/main" val="4028886652"/>
-      </p:ext>
-    </p:extLst>
-  </p:cSld>
-  <p:clrMapOvr>
-    <a:masterClrMapping/>
-  </p:clrMapOvr>
-  <p:timing>
-    <p:tnLst>
-      <p:par>
-        <p:cTn id="1" dur="indefinite" restart="never" nodeType="tmRoot"/>
-      </p:par>
-    </p:tnLst>
-  </p:timing>
-</p:sld>
-</file>
-
-<file path=ppt/slides/slide11.xml><?xml version="1.0" encoding="utf-8"?>
-<p:sld xmlns:a="http://schemas.openxmlformats.org/drawingml/2006/main" xmlns:r="http://schemas.openxmlformats.org/officeDocument/2006/relationships" xmlns:p="http://schemas.openxmlformats.org/presentationml/2006/main">
-  <p:cSld>
-    <p:spTree>
-      <p:nvGrpSpPr>
-        <p:cNvPr id="1" name=""/>
-        <p:cNvGrpSpPr/>
-        <p:nvPr/>
-      </p:nvGrpSpPr>
-      <p:grpSpPr>
-        <a:xfrm>
-          <a:off x="0" y="0"/>
-          <a:ext cx="0" cy="0"/>
-          <a:chOff x="0" y="0"/>
-          <a:chExt cx="0" cy="0"/>
-        </a:xfrm>
-      </p:grpSpPr>
-      <p:sp>
-        <p:nvSpPr>
-          <p:cNvPr id="2" name="Title 1"/>
-          <p:cNvSpPr>
-            <a:spLocks noGrp="1"/>
-          </p:cNvSpPr>
-          <p:nvPr>
-            <p:ph type="title"/>
-          </p:nvPr>
-        </p:nvSpPr>
-        <p:spPr/>
-        <p:txBody>
-          <a:bodyPr/>
-          <a:lstStyle/>
-          <a:p>
-            <a:r>
-              <a:rPr lang="en-US" dirty="0" err="1" smtClean="0"/>
-              <a:t>Cây</a:t>
-            </a:r>
-            <a:r>
-              <a:rPr lang="en-US" dirty="0" smtClean="0"/>
-              <a:t> </a:t>
-            </a:r>
-            <a:r>
-              <a:rPr lang="en-US" dirty="0" err="1" smtClean="0"/>
-              <a:t>quyết</a:t>
-            </a:r>
-            <a:r>
-              <a:rPr lang="en-US" dirty="0" smtClean="0"/>
-              <a:t> </a:t>
-            </a:r>
-            <a:r>
-              <a:rPr lang="en-US" dirty="0" err="1" smtClean="0"/>
-              <a:t>định</a:t>
-            </a:r>
-            <a:endParaRPr lang="vi-VN" dirty="0"/>
-          </a:p>
-        </p:txBody>
-      </p:sp>
-      <p:sp>
-        <p:nvSpPr>
-          <p:cNvPr id="3" name="Slide Number Placeholder 2"/>
-          <p:cNvSpPr>
-            <a:spLocks noGrp="1"/>
-          </p:cNvSpPr>
-          <p:nvPr>
-            <p:ph type="sldNum" sz="quarter" idx="12"/>
-          </p:nvPr>
-        </p:nvSpPr>
-        <p:spPr/>
-        <p:txBody>
-          <a:bodyPr>
-            <a:normAutofit fontScale="85000" lnSpcReduction="20000"/>
-          </a:bodyPr>
-          <a:lstStyle/>
-          <a:p>
-            <a:fld id="{1AD93096-5B34-4342-9326-69289CEAE4C2}" type="slidenum">
-              <a:rPr lang="en-US" smtClean="0"/>
-              <a:pPr/>
-              <a:t>11</a:t>
-            </a:fld>
-            <a:endParaRPr lang="en-US" dirty="0">
-              <a:solidFill>
-                <a:srgbClr val="FFFFFF"/>
-              </a:solidFill>
-            </a:endParaRPr>
-          </a:p>
-        </p:txBody>
-      </p:sp>
-      <p:pic>
-        <p:nvPicPr>
-          <p:cNvPr id="8194" name="Picture 2"/>
-          <p:cNvPicPr>
-            <a:picLocks noChangeAspect="1" noChangeArrowheads="1"/>
-          </p:cNvPicPr>
-          <p:nvPr/>
-        </p:nvPicPr>
-        <p:blipFill>
-          <a:blip r:embed="rId2" cstate="print">
-            <a:extLst>
-              <a:ext uri="{28A0092B-C50C-407E-A947-70E740481C1C}">
-                <a14:useLocalDpi xmlns:a14="http://schemas.microsoft.com/office/drawing/2010/main" val="0"/>
-              </a:ext>
-            </a:extLst>
-          </a:blip>
-          <a:srcRect/>
-          <a:stretch>
-            <a:fillRect/>
-          </a:stretch>
-        </p:blipFill>
-        <p:spPr bwMode="auto">
-          <a:xfrm>
-            <a:off x="2195736" y="2060848"/>
-            <a:ext cx="5071823" cy="3528392"/>
-          </a:xfrm>
-          <a:prstGeom prst="rect">
-            <a:avLst/>
-          </a:prstGeom>
-          <a:noFill/>
-          <a:ln>
-            <a:noFill/>
-          </a:ln>
-          <a:effectLst/>
-          <a:extLst>
-            <a:ext uri="{909E8E84-426E-40DD-AFC4-6F175D3DCCD1}">
-              <a14:hiddenFill xmlns:a14="http://schemas.microsoft.com/office/drawing/2010/main">
-                <a:solidFill>
-                  <a:schemeClr val="accent1"/>
-                </a:solidFill>
-              </a14:hiddenFill>
-            </a:ext>
-            <a:ext uri="{91240B29-F687-4F45-9708-019B960494DF}">
-              <a14:hiddenLine xmlns:a14="http://schemas.microsoft.com/office/drawing/2010/main" w="9525">
-                <a:solidFill>
-                  <a:schemeClr val="tx1"/>
-                </a:solidFill>
-                <a:miter lim="800000"/>
-                <a:headEnd/>
-                <a:tailEnd/>
-              </a14:hiddenLine>
-            </a:ext>
-            <a:ext uri="{AF507438-7753-43E0-B8FC-AC1667EBCBE1}">
-              <a14:hiddenEffects xmlns:a14="http://schemas.microsoft.com/office/drawing/2010/main">
-                <a:effectLst>
-                  <a:outerShdw dist="35921" dir="2700000" algn="ctr" rotWithShape="0">
-                    <a:schemeClr val="bg2"/>
-                  </a:outerShdw>
-                </a:effectLst>
-              </a14:hiddenEffects>
-            </a:ext>
-          </a:extLst>
-        </p:spPr>
-      </p:pic>
-    </p:spTree>
-    <p:extLst>
-      <p:ext uri="{BB962C8B-B14F-4D97-AF65-F5344CB8AC3E}">
-        <p14:creationId xmlns:p14="http://schemas.microsoft.com/office/powerpoint/2010/main" val="949264263"/>
-      </p:ext>
-    </p:extLst>
-  </p:cSld>
-  <p:clrMapOvr>
-    <a:masterClrMapping/>
-  </p:clrMapOvr>
-  <p:timing>
-    <p:tnLst>
-      <p:par>
-        <p:cTn id="1" dur="indefinite" restart="never" nodeType="tmRoot"/>
-      </p:par>
-    </p:tnLst>
-  </p:timing>
-</p:sld>
-</file>
-
-<file path=ppt/slides/slide12.xml><?xml version="1.0" encoding="utf-8"?>
+<file path=ppt/slides/slide20.xml><?xml version="1.0" encoding="utf-8"?>
 <p:sld xmlns:a="http://schemas.openxmlformats.org/drawingml/2006/main" xmlns:r="http://schemas.openxmlformats.org/officeDocument/2006/relationships" xmlns:p="http://schemas.openxmlformats.org/presentationml/2006/main">
   <p:cSld>
     <p:spTree>
@@ -10566,7 +12206,9 @@
         </p:nvSpPr>
         <p:spPr/>
         <p:txBody>
-          <a:bodyPr/>
+          <a:bodyPr>
+            <a:normAutofit/>
+          </a:bodyPr>
           <a:lstStyle/>
           <a:p>
             <a:r>
@@ -10613,7 +12255,7 @@
             <a:fld id="{1AD93096-5B34-4342-9326-69289CEAE4C2}" type="slidenum">
               <a:rPr lang="en-US" smtClean="0"/>
               <a:pPr/>
-              <a:t>12</a:t>
+              <a:t>20</a:t>
             </a:fld>
             <a:endParaRPr lang="en-US" dirty="0">
               <a:solidFill>
@@ -10676,7 +12318,7 @@
         </p:blipFill>
         <p:spPr bwMode="auto">
           <a:xfrm>
-            <a:off x="985431" y="1912672"/>
+            <a:off x="985433" y="1912672"/>
             <a:ext cx="994281" cy="1362029"/>
           </a:xfrm>
           <a:prstGeom prst="rect">
@@ -10702,7 +12344,7 @@
         </p:nvSpPr>
         <p:spPr>
           <a:xfrm>
-            <a:off x="3214648" y="3434239"/>
+            <a:off x="3214648" y="3434238"/>
             <a:ext cx="2412840" cy="369332"/>
           </a:xfrm>
           <a:prstGeom prst="rect">
@@ -10747,7 +12389,7 @@
         </p:blipFill>
         <p:spPr bwMode="auto">
           <a:xfrm>
-            <a:off x="3923928" y="1912671"/>
+            <a:off x="3923930" y="1912672"/>
             <a:ext cx="994281" cy="1362029"/>
           </a:xfrm>
           <a:prstGeom prst="rect">
@@ -10773,7 +12415,7 @@
         </p:nvSpPr>
         <p:spPr>
           <a:xfrm>
-            <a:off x="6366549" y="3434239"/>
+            <a:off x="6366551" y="3434238"/>
             <a:ext cx="2013693" cy="369332"/>
           </a:xfrm>
           <a:prstGeom prst="rect">
@@ -10818,7 +12460,7 @@
         </p:blipFill>
         <p:spPr bwMode="auto">
           <a:xfrm>
-            <a:off x="6876256" y="1912670"/>
+            <a:off x="6876258" y="1912671"/>
             <a:ext cx="994281" cy="1362029"/>
           </a:xfrm>
           <a:prstGeom prst="rect">
@@ -10844,7 +12486,7 @@
         </p:nvSpPr>
         <p:spPr>
           <a:xfrm>
-            <a:off x="2123728" y="2593684"/>
+            <a:off x="2123728" y="2593685"/>
             <a:ext cx="1656184" cy="331260"/>
           </a:xfrm>
           <a:prstGeom prst="rightArrow">
@@ -10884,7 +12526,7 @@
         </p:nvSpPr>
         <p:spPr>
           <a:xfrm>
-            <a:off x="5076056" y="2580769"/>
+            <a:off x="5076056" y="2580770"/>
             <a:ext cx="1656184" cy="331260"/>
           </a:xfrm>
           <a:prstGeom prst="rightArrow">
@@ -10983,7 +12625,7 @@
         </p:blipFill>
         <p:spPr bwMode="auto">
           <a:xfrm>
-            <a:off x="1896733" y="5013176"/>
+            <a:off x="1896735" y="5013176"/>
             <a:ext cx="5316537" cy="1127125"/>
           </a:xfrm>
           <a:prstGeom prst="rect">
@@ -11856,7 +13498,7 @@
 </p:sld>
 </file>
 
-<file path=ppt/slides/slide13.xml><?xml version="1.0" encoding="utf-8"?>
+<file path=ppt/slides/slide21.xml><?xml version="1.0" encoding="utf-8"?>
 <p:sld xmlns:a="http://schemas.openxmlformats.org/drawingml/2006/main" xmlns:r="http://schemas.openxmlformats.org/officeDocument/2006/relationships" xmlns:p="http://schemas.openxmlformats.org/presentationml/2006/main">
   <p:cSld>
     <p:spTree>
@@ -11885,7 +13527,9 @@
         </p:nvSpPr>
         <p:spPr/>
         <p:txBody>
-          <a:bodyPr/>
+          <a:bodyPr>
+            <a:normAutofit/>
+          </a:bodyPr>
           <a:lstStyle/>
           <a:p>
             <a:r>
@@ -11940,7 +13584,7 @@
             <a:fld id="{1AD93096-5B34-4342-9326-69289CEAE4C2}" type="slidenum">
               <a:rPr lang="en-US" smtClean="0"/>
               <a:pPr/>
-              <a:t>13</a:t>
+              <a:t>21</a:t>
             </a:fld>
             <a:endParaRPr lang="en-US" dirty="0">
               <a:solidFill>
@@ -12057,7 +13701,7 @@
 </p:sld>
 </file>
 
-<file path=ppt/slides/slide14.xml><?xml version="1.0" encoding="utf-8"?>
+<file path=ppt/slides/slide22.xml><?xml version="1.0" encoding="utf-8"?>
 <p:sld xmlns:a="http://schemas.openxmlformats.org/drawingml/2006/main" xmlns:r="http://schemas.openxmlformats.org/officeDocument/2006/relationships" xmlns:p="http://schemas.openxmlformats.org/presentationml/2006/main">
   <p:cSld>
     <p:spTree>
@@ -12086,7 +13730,9 @@
         </p:nvSpPr>
         <p:spPr/>
         <p:txBody>
-          <a:bodyPr/>
+          <a:bodyPr>
+            <a:normAutofit/>
+          </a:bodyPr>
           <a:lstStyle/>
           <a:p>
             <a:pPr marL="0" indent="0"/>
@@ -12266,7 +13912,9 @@
         </p:nvSpPr>
         <p:spPr/>
         <p:txBody>
-          <a:bodyPr/>
+          <a:bodyPr>
+            <a:normAutofit/>
+          </a:bodyPr>
           <a:lstStyle/>
           <a:p>
             <a:r>
@@ -12301,7 +13949,7 @@
             <a:fld id="{1AD93096-5B34-4342-9326-69289CEAE4C2}" type="slidenum">
               <a:rPr lang="en-US" smtClean="0"/>
               <a:pPr/>
-              <a:t>14</a:t>
+              <a:t>22</a:t>
             </a:fld>
             <a:endParaRPr lang="en-US" dirty="0">
               <a:solidFill>
@@ -12341,7 +13989,7 @@
         </p:blipFill>
         <p:spPr bwMode="auto">
           <a:xfrm>
-            <a:off x="6156176" y="476672"/>
+            <a:off x="6156176" y="476673"/>
             <a:ext cx="2448272" cy="1420460"/>
           </a:xfrm>
           <a:prstGeom prst="rect">
@@ -12390,7 +14038,7 @@
         </p:blipFill>
         <p:spPr bwMode="auto">
           <a:xfrm>
-            <a:off x="1410072" y="4287564"/>
+            <a:off x="1410072" y="4287565"/>
             <a:ext cx="3810000" cy="2542084"/>
           </a:xfrm>
           <a:prstGeom prst="rect">
@@ -12428,7 +14076,7 @@
 </p:sld>
 </file>
 
-<file path=ppt/slides/slide15.xml><?xml version="1.0" encoding="utf-8"?>
+<file path=ppt/slides/slide23.xml><?xml version="1.0" encoding="utf-8"?>
 <p:sld xmlns:a="http://schemas.openxmlformats.org/drawingml/2006/main" xmlns:r="http://schemas.openxmlformats.org/officeDocument/2006/relationships" xmlns:p="http://schemas.openxmlformats.org/presentationml/2006/main">
   <p:cSld>
     <p:spTree>
@@ -12457,7 +14105,9 @@
         </p:nvSpPr>
         <p:spPr/>
         <p:txBody>
-          <a:bodyPr/>
+          <a:bodyPr>
+            <a:normAutofit/>
+          </a:bodyPr>
           <a:lstStyle/>
           <a:p>
             <a:r>
@@ -12512,7 +14162,7 @@
             <a:fld id="{1AD93096-5B34-4342-9326-69289CEAE4C2}" type="slidenum">
               <a:rPr lang="en-US" smtClean="0"/>
               <a:pPr/>
-              <a:t>15</a:t>
+              <a:t>23</a:t>
             </a:fld>
             <a:endParaRPr lang="en-US" dirty="0">
               <a:solidFill>
@@ -12548,7 +14198,7 @@
         <p:spPr bwMode="auto">
           <a:xfrm rot="5400000">
             <a:off x="1972783" y="-337513"/>
-            <a:ext cx="5183922" cy="9031716"/>
+            <a:ext cx="5183923" cy="9031716"/>
           </a:xfrm>
           <a:prstGeom prst="rect">
             <a:avLst/>
@@ -12608,7 +14258,7 @@
 </p:sld>
 </file>
 
-<file path=ppt/slides/slide16.xml><?xml version="1.0" encoding="utf-8"?>
+<file path=ppt/slides/slide24.xml><?xml version="1.0" encoding="utf-8"?>
 <p:sld xmlns:a="http://schemas.openxmlformats.org/drawingml/2006/main" xmlns:r="http://schemas.openxmlformats.org/officeDocument/2006/relationships" xmlns:p="http://schemas.openxmlformats.org/presentationml/2006/main">
   <p:cSld>
     <p:spTree>
@@ -12671,7 +14321,7 @@
             <a:fld id="{1AD93096-5B34-4342-9326-69289CEAE4C2}" type="slidenum">
               <a:rPr lang="en-US" smtClean="0"/>
               <a:pPr algn="ctr"/>
-              <a:t>16</a:t>
+              <a:t>24</a:t>
             </a:fld>
             <a:endParaRPr lang="en-US" sz="2400" dirty="0">
               <a:solidFill>
@@ -12702,7 +14352,7 @@
         </p:blipFill>
         <p:spPr bwMode="auto">
           <a:xfrm>
-            <a:off x="251520" y="4249554"/>
+            <a:off x="251520" y="4249556"/>
             <a:ext cx="4561790" cy="2697945"/>
           </a:xfrm>
           <a:prstGeom prst="rect">
@@ -12761,7 +14411,7 @@
 </p:sld>
 </file>
 
-<file path=ppt/slides/slide17.xml><?xml version="1.0" encoding="utf-8"?>
+<file path=ppt/slides/slide25.xml><?xml version="1.0" encoding="utf-8"?>
 <p:sld xmlns:a="http://schemas.openxmlformats.org/drawingml/2006/main" xmlns:r="http://schemas.openxmlformats.org/officeDocument/2006/relationships" xmlns:p="http://schemas.openxmlformats.org/presentationml/2006/main">
   <p:cSld>
     <p:spTree>
@@ -12867,7 +14517,7 @@
             <a:fld id="{1AD93096-5B34-4342-9326-69289CEAE4C2}" type="slidenum">
               <a:rPr lang="en-US" smtClean="0"/>
               <a:pPr/>
-              <a:t>17</a:t>
+              <a:t>25</a:t>
             </a:fld>
             <a:endParaRPr lang="en-US" dirty="0">
               <a:solidFill>
@@ -12903,7 +14553,7 @@
         <p:spPr bwMode="auto">
           <a:xfrm>
             <a:off x="611560" y="1578130"/>
-            <a:ext cx="8136904" cy="5279870"/>
+            <a:ext cx="8136904" cy="5279871"/>
           </a:xfrm>
           <a:prstGeom prst="rect">
             <a:avLst/>
@@ -12965,7 +14615,7 @@
         </p:blipFill>
         <p:spPr>
           <a:xfrm>
-            <a:off x="1618548" y="4997538"/>
+            <a:off x="1618548" y="4997539"/>
             <a:ext cx="721204" cy="721204"/>
           </a:xfrm>
           <a:prstGeom prst="rect">
@@ -12993,7 +14643,7 @@
 </p:sld>
 </file>
 
-<file path=ppt/slides/slide18.xml><?xml version="1.0" encoding="utf-8"?>
+<file path=ppt/slides/slide26.xml><?xml version="1.0" encoding="utf-8"?>
 <p:sld xmlns:a="http://schemas.openxmlformats.org/drawingml/2006/main" xmlns:r="http://schemas.openxmlformats.org/officeDocument/2006/relationships" xmlns:p="http://schemas.openxmlformats.org/presentationml/2006/main">
   <p:cSld>
     <p:spTree>
@@ -13075,7 +14725,7 @@
             <a:fld id="{1AD93096-5B34-4342-9326-69289CEAE4C2}" type="slidenum">
               <a:rPr lang="en-US" smtClean="0"/>
               <a:pPr/>
-              <a:t>18</a:t>
+              <a:t>26</a:t>
             </a:fld>
             <a:endParaRPr lang="en-US" dirty="0">
               <a:solidFill>
@@ -13095,8 +14745,8 @@
         </p:nvSpPr>
         <p:spPr bwMode="auto">
           <a:xfrm>
-            <a:off x="0" y="0"/>
-            <a:ext cx="9144000" cy="0"/>
+            <a:off x="1" y="-184667"/>
+            <a:ext cx="184731" cy="369332"/>
           </a:xfrm>
           <a:prstGeom prst="rect">
             <a:avLst/>
@@ -13163,14 +14813,14 @@
           </p:nvPr>
         </p:nvGraphicFramePr>
         <p:xfrm>
-          <a:off x="2276475" y="1657350"/>
-          <a:ext cx="4591050" cy="5200650"/>
+          <a:off x="2276475" y="1657349"/>
+          <a:ext cx="4591050" cy="5200651"/>
         </p:xfrm>
         <a:graphic>
           <a:graphicData uri="http://schemas.openxmlformats.org/presentationml/2006/ole">
             <mc:AlternateContent xmlns:mc="http://schemas.openxmlformats.org/markup-compatibility/2006">
               <mc:Choice xmlns:v="urn:schemas-microsoft-com:vml" Requires="v">
-                <p:oleObj spid="_x0000_s2053" name="Visio" r:id="rId3" imgW="5596684" imgH="6352347" progId="Visio.Drawing.11">
+                <p:oleObj spid="_x0000_s2071" name="Visio" r:id="rId3" imgW="5596684" imgH="6352347" progId="Visio.Drawing.11">
                   <p:embed/>
                 </p:oleObj>
               </mc:Choice>
@@ -13200,8 +14850,8 @@
                     </p:blipFill>
                     <p:spPr bwMode="auto">
                       <a:xfrm>
-                        <a:off x="2276475" y="1657350"/>
-                        <a:ext cx="4591050" cy="5200650"/>
+                        <a:off x="2276475" y="1657349"/>
+                        <a:ext cx="4591050" cy="5200651"/>
                       </a:xfrm>
                       <a:prstGeom prst="rect">
                         <a:avLst/>
@@ -13244,7 +14894,7 @@
 </p:sld>
 </file>
 
-<file path=ppt/slides/slide19.xml><?xml version="1.0" encoding="utf-8"?>
+<file path=ppt/slides/slide27.xml><?xml version="1.0" encoding="utf-8"?>
 <p:sld xmlns:a="http://schemas.openxmlformats.org/drawingml/2006/main" xmlns:r="http://schemas.openxmlformats.org/officeDocument/2006/relationships" xmlns:p="http://schemas.openxmlformats.org/presentationml/2006/main">
   <p:cSld>
     <p:spTree>
@@ -13306,7 +14956,7 @@
             <a:fld id="{1AD93096-5B34-4342-9326-69289CEAE4C2}" type="slidenum">
               <a:rPr lang="en-US" smtClean="0"/>
               <a:pPr/>
-              <a:t>19</a:t>
+              <a:t>27</a:t>
             </a:fld>
             <a:endParaRPr lang="en-US" dirty="0">
               <a:solidFill>
@@ -13402,7 +15052,278 @@
 </p:sld>
 </file>
 
-<file path=ppt/slides/slide2.xml><?xml version="1.0" encoding="utf-8"?>
+<file path=ppt/slides/slide28.xml><?xml version="1.0" encoding="utf-8"?>
+<p:sld xmlns:a="http://schemas.openxmlformats.org/drawingml/2006/main" xmlns:r="http://schemas.openxmlformats.org/officeDocument/2006/relationships" xmlns:p="http://schemas.openxmlformats.org/presentationml/2006/main">
+  <p:cSld>
+    <p:spTree>
+      <p:nvGrpSpPr>
+        <p:cNvPr id="1" name=""/>
+        <p:cNvGrpSpPr/>
+        <p:nvPr/>
+      </p:nvGrpSpPr>
+      <p:grpSpPr>
+        <a:xfrm>
+          <a:off x="0" y="0"/>
+          <a:ext cx="0" cy="0"/>
+          <a:chOff x="0" y="0"/>
+          <a:chExt cx="0" cy="0"/>
+        </a:xfrm>
+      </p:grpSpPr>
+      <p:sp>
+        <p:nvSpPr>
+          <p:cNvPr id="5" name="Text Placeholder 4"/>
+          <p:cNvSpPr>
+            <a:spLocks noGrp="1"/>
+          </p:cNvSpPr>
+          <p:nvPr>
+            <p:ph type="body" idx="1"/>
+          </p:nvPr>
+        </p:nvSpPr>
+        <p:spPr/>
+        <p:txBody>
+          <a:bodyPr/>
+          <a:lstStyle/>
+          <a:p>
+            <a:endParaRPr lang="vi-VN" dirty="0"/>
+          </a:p>
+        </p:txBody>
+      </p:sp>
+      <p:sp>
+        <p:nvSpPr>
+          <p:cNvPr id="4" name="Title 3"/>
+          <p:cNvSpPr>
+            <a:spLocks noGrp="1"/>
+          </p:cNvSpPr>
+          <p:nvPr>
+            <p:ph type="title"/>
+          </p:nvPr>
+        </p:nvSpPr>
+        <p:spPr/>
+        <p:txBody>
+          <a:bodyPr>
+            <a:normAutofit/>
+          </a:bodyPr>
+          <a:lstStyle/>
+          <a:p>
+            <a:r>
+              <a:rPr lang="en-US" dirty="0" err="1" smtClean="0"/>
+              <a:t>Kết</a:t>
+            </a:r>
+            <a:r>
+              <a:rPr lang="en-US" dirty="0" smtClean="0"/>
+              <a:t> </a:t>
+            </a:r>
+            <a:r>
+              <a:rPr lang="en-US" dirty="0" err="1" smtClean="0"/>
+              <a:t>luận</a:t>
+            </a:r>
+            <a:endParaRPr lang="vi-VN" dirty="0"/>
+          </a:p>
+        </p:txBody>
+      </p:sp>
+      <p:sp>
+        <p:nvSpPr>
+          <p:cNvPr id="3" name="Slide Number Placeholder 2"/>
+          <p:cNvSpPr>
+            <a:spLocks noGrp="1"/>
+          </p:cNvSpPr>
+          <p:nvPr>
+            <p:ph type="sldNum" sz="quarter" idx="11"/>
+          </p:nvPr>
+        </p:nvSpPr>
+        <p:spPr/>
+        <p:txBody>
+          <a:bodyPr>
+            <a:normAutofit/>
+          </a:bodyPr>
+          <a:lstStyle/>
+          <a:p>
+            <a:fld id="{1AD93096-5B34-4342-9326-69289CEAE4C2}" type="slidenum">
+              <a:rPr lang="en-US" smtClean="0"/>
+              <a:pPr/>
+              <a:t>28</a:t>
+            </a:fld>
+            <a:endParaRPr lang="en-US" dirty="0">
+              <a:solidFill>
+                <a:srgbClr val="FFFFFF"/>
+              </a:solidFill>
+            </a:endParaRPr>
+          </a:p>
+        </p:txBody>
+      </p:sp>
+      <p:pic>
+        <p:nvPicPr>
+          <p:cNvPr id="7" name="Picture 4" descr="http://www.google.com.vn/url?source=imglanding&amp;ct=img&amp;q=http://blog.cachinko.com/blog/wp-content/uploads/2011/01/21-networking-300x300.jpg&amp;sa=X&amp;ei=ynX9TqGeKYfUmAWc-Zi6Ag&amp;ved=0CAsQ8wc4Kw&amp;usg=AFQjCNGJnaVVfiNiB9JXRymc0aBCRk8K6A"/>
+          <p:cNvPicPr>
+            <a:picLocks noChangeAspect="1" noChangeArrowheads="1"/>
+          </p:cNvPicPr>
+          <p:nvPr/>
+        </p:nvPicPr>
+        <p:blipFill>
+          <a:blip r:embed="rId2">
+            <a:extLst>
+              <a:ext uri="{28A0092B-C50C-407E-A947-70E740481C1C}">
+                <a14:useLocalDpi xmlns:a14="http://schemas.microsoft.com/office/drawing/2010/main" val="0"/>
+              </a:ext>
+            </a:extLst>
+          </a:blip>
+          <a:srcRect/>
+          <a:stretch>
+            <a:fillRect/>
+          </a:stretch>
+        </p:blipFill>
+        <p:spPr bwMode="auto">
+          <a:xfrm>
+            <a:off x="4716018" y="2609293"/>
+            <a:ext cx="4132075" cy="4132075"/>
+          </a:xfrm>
+          <a:prstGeom prst="rect">
+            <a:avLst/>
+          </a:prstGeom>
+          <a:noFill/>
+          <a:extLst>
+            <a:ext uri="{909E8E84-426E-40DD-AFC4-6F175D3DCCD1}">
+              <a14:hiddenFill xmlns:a14="http://schemas.microsoft.com/office/drawing/2010/main">
+                <a:solidFill>
+                  <a:srgbClr val="FFFFFF"/>
+                </a:solidFill>
+              </a14:hiddenFill>
+            </a:ext>
+          </a:extLst>
+        </p:spPr>
+      </p:pic>
+    </p:spTree>
+    <p:extLst>
+      <p:ext uri="{BB962C8B-B14F-4D97-AF65-F5344CB8AC3E}">
+        <p14:creationId xmlns:p14="http://schemas.microsoft.com/office/powerpoint/2010/main" val="1500730890"/>
+      </p:ext>
+    </p:extLst>
+  </p:cSld>
+  <p:clrMapOvr>
+    <a:masterClrMapping/>
+  </p:clrMapOvr>
+  <p:timing>
+    <p:tnLst>
+      <p:par>
+        <p:cTn id="1" dur="indefinite" restart="never" nodeType="tmRoot"/>
+      </p:par>
+    </p:tnLst>
+  </p:timing>
+</p:sld>
+</file>
+
+<file path=ppt/slides/slide29.xml><?xml version="1.0" encoding="utf-8"?>
+<p:sld xmlns:a="http://schemas.openxmlformats.org/drawingml/2006/main" xmlns:r="http://schemas.openxmlformats.org/officeDocument/2006/relationships" xmlns:p="http://schemas.openxmlformats.org/presentationml/2006/main">
+  <p:cSld>
+    <p:spTree>
+      <p:nvGrpSpPr>
+        <p:cNvPr id="1" name=""/>
+        <p:cNvGrpSpPr/>
+        <p:nvPr/>
+      </p:nvGrpSpPr>
+      <p:grpSpPr>
+        <a:xfrm>
+          <a:off x="0" y="0"/>
+          <a:ext cx="0" cy="0"/>
+          <a:chOff x="0" y="0"/>
+          <a:chExt cx="0" cy="0"/>
+        </a:xfrm>
+      </p:grpSpPr>
+      <p:sp>
+        <p:nvSpPr>
+          <p:cNvPr id="2" name="Title 1"/>
+          <p:cNvSpPr>
+            <a:spLocks noGrp="1"/>
+          </p:cNvSpPr>
+          <p:nvPr>
+            <p:ph type="title"/>
+          </p:nvPr>
+        </p:nvSpPr>
+        <p:spPr/>
+        <p:txBody>
+          <a:bodyPr>
+            <a:normAutofit/>
+          </a:bodyPr>
+          <a:lstStyle/>
+          <a:p>
+            <a:r>
+              <a:rPr lang="en-US" dirty="0" smtClean="0"/>
+              <a:t>KẾT QUẢ ĐẠT ĐƯỢC</a:t>
+            </a:r>
+            <a:endParaRPr lang="vi-VN" dirty="0"/>
+          </a:p>
+        </p:txBody>
+      </p:sp>
+      <p:sp>
+        <p:nvSpPr>
+          <p:cNvPr id="3" name="Slide Number Placeholder 2"/>
+          <p:cNvSpPr>
+            <a:spLocks noGrp="1"/>
+          </p:cNvSpPr>
+          <p:nvPr>
+            <p:ph type="sldNum" sz="quarter" idx="12"/>
+          </p:nvPr>
+        </p:nvSpPr>
+        <p:spPr/>
+        <p:txBody>
+          <a:bodyPr>
+            <a:normAutofit fontScale="85000" lnSpcReduction="20000"/>
+          </a:bodyPr>
+          <a:lstStyle/>
+          <a:p>
+            <a:fld id="{1AD93096-5B34-4342-9326-69289CEAE4C2}" type="slidenum">
+              <a:rPr lang="en-US" smtClean="0"/>
+              <a:pPr/>
+              <a:t>29</a:t>
+            </a:fld>
+            <a:endParaRPr lang="en-US" dirty="0">
+              <a:solidFill>
+                <a:srgbClr val="FFFFFF"/>
+              </a:solidFill>
+            </a:endParaRPr>
+          </a:p>
+        </p:txBody>
+      </p:sp>
+      <p:sp>
+        <p:nvSpPr>
+          <p:cNvPr id="4" name="Content Placeholder 3"/>
+          <p:cNvSpPr>
+            <a:spLocks noGrp="1"/>
+          </p:cNvSpPr>
+          <p:nvPr>
+            <p:ph sz="quarter" idx="1"/>
+          </p:nvPr>
+        </p:nvSpPr>
+        <p:spPr/>
+        <p:txBody>
+          <a:bodyPr/>
+          <a:lstStyle/>
+          <a:p>
+            <a:endParaRPr lang="vi-VN"/>
+          </a:p>
+        </p:txBody>
+      </p:sp>
+    </p:spTree>
+    <p:extLst>
+      <p:ext uri="{BB962C8B-B14F-4D97-AF65-F5344CB8AC3E}">
+        <p14:creationId xmlns:p14="http://schemas.microsoft.com/office/powerpoint/2010/main" val="3067536780"/>
+      </p:ext>
+    </p:extLst>
+  </p:cSld>
+  <p:clrMapOvr>
+    <a:masterClrMapping/>
+  </p:clrMapOvr>
+  <p:timing>
+    <p:tnLst>
+      <p:par>
+        <p:cTn id="1" dur="indefinite" restart="never" nodeType="tmRoot"/>
+      </p:par>
+    </p:tnLst>
+  </p:timing>
+</p:sld>
+</file>
+
+<file path=ppt/slides/slide3.xml><?xml version="1.0" encoding="utf-8"?>
 <p:sld xmlns:a="http://schemas.openxmlformats.org/drawingml/2006/main" xmlns:r="http://schemas.openxmlformats.org/officeDocument/2006/relationships" xmlns:p="http://schemas.openxmlformats.org/presentationml/2006/main">
   <p:cSld>
     <p:spTree>
@@ -13513,6 +15434,7 @@
         <p:spPr/>
         <p:txBody>
           <a:bodyPr>
+            <a:normAutofit/>
             <a:scene3d>
               <a:camera prst="orthographicFront">
                 <a:rot lat="0" lon="0" rev="0"/>
@@ -13644,7 +15566,7 @@
             <a:fld id="{1AD93096-5B34-4342-9326-69289CEAE4C2}" type="slidenum">
               <a:rPr lang="en-US" smtClean="0"/>
               <a:pPr/>
-              <a:t>2</a:t>
+              <a:t>3</a:t>
             </a:fld>
             <a:endParaRPr lang="en-US" dirty="0">
               <a:solidFill>
@@ -13696,7 +15618,241 @@
 </p:sld>
 </file>
 
-<file path=ppt/slides/slide20.xml><?xml version="1.0" encoding="utf-8"?>
+<file path=ppt/slides/slide30.xml><?xml version="1.0" encoding="utf-8"?>
+<p:sld xmlns:a="http://schemas.openxmlformats.org/drawingml/2006/main" xmlns:r="http://schemas.openxmlformats.org/officeDocument/2006/relationships" xmlns:p="http://schemas.openxmlformats.org/presentationml/2006/main">
+  <p:cSld>
+    <p:spTree>
+      <p:nvGrpSpPr>
+        <p:cNvPr id="1" name=""/>
+        <p:cNvGrpSpPr/>
+        <p:nvPr/>
+      </p:nvGrpSpPr>
+      <p:grpSpPr>
+        <a:xfrm>
+          <a:off x="0" y="0"/>
+          <a:ext cx="0" cy="0"/>
+          <a:chOff x="0" y="0"/>
+          <a:chExt cx="0" cy="0"/>
+        </a:xfrm>
+      </p:grpSpPr>
+      <p:sp>
+        <p:nvSpPr>
+          <p:cNvPr id="2" name="Title 1"/>
+          <p:cNvSpPr>
+            <a:spLocks noGrp="1"/>
+          </p:cNvSpPr>
+          <p:nvPr>
+            <p:ph type="title"/>
+          </p:nvPr>
+        </p:nvSpPr>
+        <p:spPr/>
+        <p:txBody>
+          <a:bodyPr>
+            <a:normAutofit/>
+          </a:bodyPr>
+          <a:lstStyle/>
+          <a:p>
+            <a:r>
+              <a:rPr lang="en-US" smtClean="0"/>
+              <a:t>Đánh giá</a:t>
+            </a:r>
+            <a:endParaRPr lang="vi-VN" dirty="0"/>
+          </a:p>
+        </p:txBody>
+      </p:sp>
+      <p:sp>
+        <p:nvSpPr>
+          <p:cNvPr id="3" name="Slide Number Placeholder 2"/>
+          <p:cNvSpPr>
+            <a:spLocks noGrp="1"/>
+          </p:cNvSpPr>
+          <p:nvPr>
+            <p:ph type="sldNum" sz="quarter" idx="12"/>
+          </p:nvPr>
+        </p:nvSpPr>
+        <p:spPr/>
+        <p:txBody>
+          <a:bodyPr>
+            <a:normAutofit fontScale="85000" lnSpcReduction="20000"/>
+          </a:bodyPr>
+          <a:lstStyle/>
+          <a:p>
+            <a:fld id="{1AD93096-5B34-4342-9326-69289CEAE4C2}" type="slidenum">
+              <a:rPr lang="en-US" smtClean="0"/>
+              <a:pPr/>
+              <a:t>30</a:t>
+            </a:fld>
+            <a:endParaRPr lang="en-US" dirty="0"/>
+          </a:p>
+        </p:txBody>
+      </p:sp>
+      <p:sp>
+        <p:nvSpPr>
+          <p:cNvPr id="6" name="Content Placeholder 5"/>
+          <p:cNvSpPr>
+            <a:spLocks noGrp="1"/>
+          </p:cNvSpPr>
+          <p:nvPr>
+            <p:ph sz="quarter" idx="1"/>
+          </p:nvPr>
+        </p:nvSpPr>
+        <p:spPr/>
+        <p:txBody>
+          <a:bodyPr/>
+          <a:lstStyle/>
+          <a:p>
+            <a:endParaRPr lang="vi-VN"/>
+          </a:p>
+        </p:txBody>
+      </p:sp>
+    </p:spTree>
+    <p:extLst>
+      <p:ext uri="{BB962C8B-B14F-4D97-AF65-F5344CB8AC3E}">
+        <p14:creationId xmlns:p14="http://schemas.microsoft.com/office/powerpoint/2010/main" val="2449681135"/>
+      </p:ext>
+    </p:extLst>
+  </p:cSld>
+  <p:clrMapOvr>
+    <a:masterClrMapping/>
+  </p:clrMapOvr>
+  <p:timing>
+    <p:tnLst>
+      <p:par>
+        <p:cTn id="1" dur="indefinite" restart="never" nodeType="tmRoot"/>
+      </p:par>
+    </p:tnLst>
+  </p:timing>
+</p:sld>
+</file>
+
+<file path=ppt/slides/slide31.xml><?xml version="1.0" encoding="utf-8"?>
+<p:sld xmlns:a="http://schemas.openxmlformats.org/drawingml/2006/main" xmlns:r="http://schemas.openxmlformats.org/officeDocument/2006/relationships" xmlns:p="http://schemas.openxmlformats.org/presentationml/2006/main">
+  <p:cSld>
+    <p:spTree>
+      <p:nvGrpSpPr>
+        <p:cNvPr id="1" name=""/>
+        <p:cNvGrpSpPr/>
+        <p:nvPr/>
+      </p:nvGrpSpPr>
+      <p:grpSpPr>
+        <a:xfrm>
+          <a:off x="0" y="0"/>
+          <a:ext cx="0" cy="0"/>
+          <a:chOff x="0" y="0"/>
+          <a:chExt cx="0" cy="0"/>
+        </a:xfrm>
+      </p:grpSpPr>
+      <p:sp>
+        <p:nvSpPr>
+          <p:cNvPr id="2" name="Title 1"/>
+          <p:cNvSpPr>
+            <a:spLocks noGrp="1"/>
+          </p:cNvSpPr>
+          <p:nvPr>
+            <p:ph type="title"/>
+          </p:nvPr>
+        </p:nvSpPr>
+        <p:spPr/>
+        <p:txBody>
+          <a:bodyPr>
+            <a:normAutofit/>
+          </a:bodyPr>
+          <a:lstStyle/>
+          <a:p>
+            <a:r>
+              <a:rPr lang="en-US" dirty="0" err="1" smtClean="0"/>
+              <a:t>Những</a:t>
+            </a:r>
+            <a:r>
+              <a:rPr lang="en-US" dirty="0" smtClean="0"/>
+              <a:t> </a:t>
+            </a:r>
+            <a:r>
+              <a:rPr lang="en-US" dirty="0" err="1" smtClean="0"/>
+              <a:t>hạn</a:t>
+            </a:r>
+            <a:r>
+              <a:rPr lang="en-US" dirty="0" smtClean="0"/>
+              <a:t> </a:t>
+            </a:r>
+            <a:r>
+              <a:rPr lang="en-US" dirty="0" err="1" smtClean="0"/>
+              <a:t>chế</a:t>
+            </a:r>
+            <a:endParaRPr lang="vi-VN" dirty="0"/>
+          </a:p>
+        </p:txBody>
+      </p:sp>
+      <p:sp>
+        <p:nvSpPr>
+          <p:cNvPr id="3" name="Slide Number Placeholder 2"/>
+          <p:cNvSpPr>
+            <a:spLocks noGrp="1"/>
+          </p:cNvSpPr>
+          <p:nvPr>
+            <p:ph type="sldNum" sz="quarter" idx="12"/>
+          </p:nvPr>
+        </p:nvSpPr>
+        <p:spPr/>
+        <p:txBody>
+          <a:bodyPr>
+            <a:normAutofit fontScale="85000" lnSpcReduction="20000"/>
+          </a:bodyPr>
+          <a:lstStyle/>
+          <a:p>
+            <a:fld id="{1AD93096-5B34-4342-9326-69289CEAE4C2}" type="slidenum">
+              <a:rPr lang="en-US" smtClean="0"/>
+              <a:pPr/>
+              <a:t>31</a:t>
+            </a:fld>
+            <a:endParaRPr lang="en-US" dirty="0">
+              <a:solidFill>
+                <a:srgbClr val="FFFFFF"/>
+              </a:solidFill>
+            </a:endParaRPr>
+          </a:p>
+        </p:txBody>
+      </p:sp>
+      <p:sp>
+        <p:nvSpPr>
+          <p:cNvPr id="4" name="Content Placeholder 3"/>
+          <p:cNvSpPr>
+            <a:spLocks noGrp="1"/>
+          </p:cNvSpPr>
+          <p:nvPr>
+            <p:ph sz="quarter" idx="1"/>
+          </p:nvPr>
+        </p:nvSpPr>
+        <p:spPr/>
+        <p:txBody>
+          <a:bodyPr/>
+          <a:lstStyle/>
+          <a:p>
+            <a:endParaRPr lang="vi-VN"/>
+          </a:p>
+        </p:txBody>
+      </p:sp>
+    </p:spTree>
+    <p:extLst>
+      <p:ext uri="{BB962C8B-B14F-4D97-AF65-F5344CB8AC3E}">
+        <p14:creationId xmlns:p14="http://schemas.microsoft.com/office/powerpoint/2010/main" val="1913792255"/>
+      </p:ext>
+    </p:extLst>
+  </p:cSld>
+  <p:clrMapOvr>
+    <a:masterClrMapping/>
+  </p:clrMapOvr>
+  <p:timing>
+    <p:tnLst>
+      <p:par>
+        <p:cTn id="1" dur="indefinite" restart="never" nodeType="tmRoot"/>
+      </p:par>
+    </p:tnLst>
+  </p:timing>
+</p:sld>
+</file>
+
+<file path=ppt/slides/slide32.xml><?xml version="1.0" encoding="utf-8"?>
 <p:sld xmlns:a="http://schemas.openxmlformats.org/drawingml/2006/main" xmlns:r="http://schemas.openxmlformats.org/officeDocument/2006/relationships" xmlns:p="http://schemas.openxmlformats.org/presentationml/2006/main">
   <p:cSld>
     <p:spTree>
@@ -13728,7 +15884,7 @@
           <a:bodyPr/>
           <a:lstStyle/>
           <a:p>
-            <a:endParaRPr lang="vi-VN" dirty="0"/>
+            <a:endParaRPr lang="vi-VN"/>
           </a:p>
         </p:txBody>
       </p:sp>
@@ -13744,20 +15900,14 @@
         </p:nvSpPr>
         <p:spPr/>
         <p:txBody>
-          <a:bodyPr/>
+          <a:bodyPr>
+            <a:normAutofit/>
+          </a:bodyPr>
           <a:lstStyle/>
           <a:p>
             <a:r>
-              <a:rPr lang="en-US" dirty="0" err="1" smtClean="0"/>
-              <a:t>Kết</a:t>
-            </a:r>
-            <a:r>
               <a:rPr lang="en-US" dirty="0" smtClean="0"/>
-              <a:t> </a:t>
-            </a:r>
-            <a:r>
-              <a:rPr lang="en-US" dirty="0" err="1" smtClean="0"/>
-              <a:t>luận</a:t>
+              <a:t>DEMONSTRATION</a:t>
             </a:r>
             <a:endParaRPr lang="vi-VN" dirty="0"/>
           </a:p>
@@ -13783,7 +15933,7 @@
             <a:fld id="{1AD93096-5B34-4342-9326-69289CEAE4C2}" type="slidenum">
               <a:rPr lang="en-US" smtClean="0"/>
               <a:pPr/>
-              <a:t>20</a:t>
+              <a:t>32</a:t>
             </a:fld>
             <a:endParaRPr lang="en-US" dirty="0">
               <a:solidFill>
@@ -13793,51 +15943,10 @@
           </a:p>
         </p:txBody>
       </p:sp>
-      <p:pic>
-        <p:nvPicPr>
-          <p:cNvPr id="7" name="Picture 4" descr="http://www.google.com.vn/url?source=imglanding&amp;ct=img&amp;q=http://blog.cachinko.com/blog/wp-content/uploads/2011/01/21-networking-300x300.jpg&amp;sa=X&amp;ei=ynX9TqGeKYfUmAWc-Zi6Ag&amp;ved=0CAsQ8wc4Kw&amp;usg=AFQjCNGJnaVVfiNiB9JXRymc0aBCRk8K6A"/>
-          <p:cNvPicPr>
-            <a:picLocks noChangeAspect="1" noChangeArrowheads="1"/>
-          </p:cNvPicPr>
-          <p:nvPr/>
-        </p:nvPicPr>
-        <p:blipFill>
-          <a:blip r:embed="rId2">
-            <a:extLst>
-              <a:ext uri="{28A0092B-C50C-407E-A947-70E740481C1C}">
-                <a14:useLocalDpi xmlns:a14="http://schemas.microsoft.com/office/drawing/2010/main" val="0"/>
-              </a:ext>
-            </a:extLst>
-          </a:blip>
-          <a:srcRect/>
-          <a:stretch>
-            <a:fillRect/>
-          </a:stretch>
-        </p:blipFill>
-        <p:spPr bwMode="auto">
-          <a:xfrm>
-            <a:off x="4716016" y="2609293"/>
-            <a:ext cx="4132075" cy="4132075"/>
-          </a:xfrm>
-          <a:prstGeom prst="rect">
-            <a:avLst/>
-          </a:prstGeom>
-          <a:noFill/>
-          <a:extLst>
-            <a:ext uri="{909E8E84-426E-40DD-AFC4-6F175D3DCCD1}">
-              <a14:hiddenFill xmlns:a14="http://schemas.microsoft.com/office/drawing/2010/main">
-                <a:solidFill>
-                  <a:srgbClr val="FFFFFF"/>
-                </a:solidFill>
-              </a14:hiddenFill>
-            </a:ext>
-          </a:extLst>
-        </p:spPr>
-      </p:pic>
     </p:spTree>
     <p:extLst>
       <p:ext uri="{BB962C8B-B14F-4D97-AF65-F5344CB8AC3E}">
-        <p14:creationId xmlns:p14="http://schemas.microsoft.com/office/powerpoint/2010/main" val="1500730890"/>
+        <p14:creationId xmlns:p14="http://schemas.microsoft.com/office/powerpoint/2010/main" val="1870866790"/>
       </p:ext>
     </p:extLst>
   </p:cSld>
@@ -13854,346 +15963,7 @@
 </p:sld>
 </file>
 
-<file path=ppt/slides/slide21.xml><?xml version="1.0" encoding="utf-8"?>
-<p:sld xmlns:a="http://schemas.openxmlformats.org/drawingml/2006/main" xmlns:r="http://schemas.openxmlformats.org/officeDocument/2006/relationships" xmlns:p="http://schemas.openxmlformats.org/presentationml/2006/main">
-  <p:cSld>
-    <p:spTree>
-      <p:nvGrpSpPr>
-        <p:cNvPr id="1" name=""/>
-        <p:cNvGrpSpPr/>
-        <p:nvPr/>
-      </p:nvGrpSpPr>
-      <p:grpSpPr>
-        <a:xfrm>
-          <a:off x="0" y="0"/>
-          <a:ext cx="0" cy="0"/>
-          <a:chOff x="0" y="0"/>
-          <a:chExt cx="0" cy="0"/>
-        </a:xfrm>
-      </p:grpSpPr>
-      <p:sp>
-        <p:nvSpPr>
-          <p:cNvPr id="2" name="Title 1"/>
-          <p:cNvSpPr>
-            <a:spLocks noGrp="1"/>
-          </p:cNvSpPr>
-          <p:nvPr>
-            <p:ph type="title"/>
-          </p:nvPr>
-        </p:nvSpPr>
-        <p:spPr/>
-        <p:txBody>
-          <a:bodyPr/>
-          <a:lstStyle/>
-          <a:p>
-            <a:r>
-              <a:rPr lang="en-US" dirty="0" smtClean="0"/>
-              <a:t>KẾT QUẢ ĐẠT ĐƯỢC</a:t>
-            </a:r>
-            <a:endParaRPr lang="vi-VN" dirty="0"/>
-          </a:p>
-        </p:txBody>
-      </p:sp>
-      <p:sp>
-        <p:nvSpPr>
-          <p:cNvPr id="3" name="Slide Number Placeholder 2"/>
-          <p:cNvSpPr>
-            <a:spLocks noGrp="1"/>
-          </p:cNvSpPr>
-          <p:nvPr>
-            <p:ph type="sldNum" sz="quarter" idx="12"/>
-          </p:nvPr>
-        </p:nvSpPr>
-        <p:spPr/>
-        <p:txBody>
-          <a:bodyPr>
-            <a:normAutofit fontScale="85000" lnSpcReduction="20000"/>
-          </a:bodyPr>
-          <a:lstStyle/>
-          <a:p>
-            <a:fld id="{1AD93096-5B34-4342-9326-69289CEAE4C2}" type="slidenum">
-              <a:rPr lang="en-US" smtClean="0"/>
-              <a:pPr/>
-              <a:t>21</a:t>
-            </a:fld>
-            <a:endParaRPr lang="en-US" dirty="0">
-              <a:solidFill>
-                <a:srgbClr val="FFFFFF"/>
-              </a:solidFill>
-            </a:endParaRPr>
-          </a:p>
-        </p:txBody>
-      </p:sp>
-      <p:sp>
-        <p:nvSpPr>
-          <p:cNvPr id="4" name="Content Placeholder 3"/>
-          <p:cNvSpPr>
-            <a:spLocks noGrp="1"/>
-          </p:cNvSpPr>
-          <p:nvPr>
-            <p:ph sz="quarter" idx="1"/>
-          </p:nvPr>
-        </p:nvSpPr>
-        <p:spPr/>
-        <p:txBody>
-          <a:bodyPr/>
-          <a:lstStyle/>
-          <a:p>
-            <a:endParaRPr lang="vi-VN"/>
-          </a:p>
-        </p:txBody>
-      </p:sp>
-    </p:spTree>
-    <p:extLst>
-      <p:ext uri="{BB962C8B-B14F-4D97-AF65-F5344CB8AC3E}">
-        <p14:creationId xmlns:p14="http://schemas.microsoft.com/office/powerpoint/2010/main" val="3067536780"/>
-      </p:ext>
-    </p:extLst>
-  </p:cSld>
-  <p:clrMapOvr>
-    <a:masterClrMapping/>
-  </p:clrMapOvr>
-  <p:timing>
-    <p:tnLst>
-      <p:par>
-        <p:cTn id="1" dur="indefinite" restart="never" nodeType="tmRoot"/>
-      </p:par>
-    </p:tnLst>
-  </p:timing>
-</p:sld>
-</file>
-
-<file path=ppt/slides/slide22.xml><?xml version="1.0" encoding="utf-8"?>
-<p:sld xmlns:a="http://schemas.openxmlformats.org/drawingml/2006/main" xmlns:r="http://schemas.openxmlformats.org/officeDocument/2006/relationships" xmlns:p="http://schemas.openxmlformats.org/presentationml/2006/main">
-  <p:cSld>
-    <p:spTree>
-      <p:nvGrpSpPr>
-        <p:cNvPr id="1" name=""/>
-        <p:cNvGrpSpPr/>
-        <p:nvPr/>
-      </p:nvGrpSpPr>
-      <p:grpSpPr>
-        <a:xfrm>
-          <a:off x="0" y="0"/>
-          <a:ext cx="0" cy="0"/>
-          <a:chOff x="0" y="0"/>
-          <a:chExt cx="0" cy="0"/>
-        </a:xfrm>
-      </p:grpSpPr>
-      <p:sp>
-        <p:nvSpPr>
-          <p:cNvPr id="2" name="Title 1"/>
-          <p:cNvSpPr>
-            <a:spLocks noGrp="1"/>
-          </p:cNvSpPr>
-          <p:nvPr>
-            <p:ph type="title"/>
-          </p:nvPr>
-        </p:nvSpPr>
-        <p:spPr/>
-        <p:txBody>
-          <a:bodyPr/>
-          <a:lstStyle/>
-          <a:p>
-            <a:r>
-              <a:rPr lang="en-US" smtClean="0"/>
-              <a:t>Đánh giá</a:t>
-            </a:r>
-            <a:endParaRPr lang="vi-VN" dirty="0"/>
-          </a:p>
-        </p:txBody>
-      </p:sp>
-      <p:sp>
-        <p:nvSpPr>
-          <p:cNvPr id="3" name="Slide Number Placeholder 2"/>
-          <p:cNvSpPr>
-            <a:spLocks noGrp="1"/>
-          </p:cNvSpPr>
-          <p:nvPr>
-            <p:ph type="sldNum" sz="quarter" idx="12"/>
-          </p:nvPr>
-        </p:nvSpPr>
-        <p:spPr/>
-        <p:txBody>
-          <a:bodyPr>
-            <a:normAutofit fontScale="85000" lnSpcReduction="20000"/>
-          </a:bodyPr>
-          <a:lstStyle/>
-          <a:p>
-            <a:fld id="{1AD93096-5B34-4342-9326-69289CEAE4C2}" type="slidenum">
-              <a:rPr lang="en-US" smtClean="0"/>
-              <a:pPr/>
-              <a:t>22</a:t>
-            </a:fld>
-            <a:endParaRPr lang="en-US" dirty="0"/>
-          </a:p>
-        </p:txBody>
-      </p:sp>
-      <p:sp>
-        <p:nvSpPr>
-          <p:cNvPr id="6" name="Content Placeholder 5"/>
-          <p:cNvSpPr>
-            <a:spLocks noGrp="1"/>
-          </p:cNvSpPr>
-          <p:nvPr>
-            <p:ph sz="quarter" idx="1"/>
-          </p:nvPr>
-        </p:nvSpPr>
-        <p:spPr/>
-        <p:txBody>
-          <a:bodyPr/>
-          <a:lstStyle/>
-          <a:p>
-            <a:endParaRPr lang="vi-VN"/>
-          </a:p>
-        </p:txBody>
-      </p:sp>
-    </p:spTree>
-    <p:extLst>
-      <p:ext uri="{BB962C8B-B14F-4D97-AF65-F5344CB8AC3E}">
-        <p14:creationId xmlns:p14="http://schemas.microsoft.com/office/powerpoint/2010/main" val="2449681135"/>
-      </p:ext>
-    </p:extLst>
-  </p:cSld>
-  <p:clrMapOvr>
-    <a:masterClrMapping/>
-  </p:clrMapOvr>
-  <p:timing>
-    <p:tnLst>
-      <p:par>
-        <p:cTn id="1" dur="indefinite" restart="never" nodeType="tmRoot"/>
-      </p:par>
-    </p:tnLst>
-  </p:timing>
-</p:sld>
-</file>
-
-<file path=ppt/slides/slide23.xml><?xml version="1.0" encoding="utf-8"?>
-<p:sld xmlns:a="http://schemas.openxmlformats.org/drawingml/2006/main" xmlns:r="http://schemas.openxmlformats.org/officeDocument/2006/relationships" xmlns:p="http://schemas.openxmlformats.org/presentationml/2006/main">
-  <p:cSld>
-    <p:spTree>
-      <p:nvGrpSpPr>
-        <p:cNvPr id="1" name=""/>
-        <p:cNvGrpSpPr/>
-        <p:nvPr/>
-      </p:nvGrpSpPr>
-      <p:grpSpPr>
-        <a:xfrm>
-          <a:off x="0" y="0"/>
-          <a:ext cx="0" cy="0"/>
-          <a:chOff x="0" y="0"/>
-          <a:chExt cx="0" cy="0"/>
-        </a:xfrm>
-      </p:grpSpPr>
-      <p:sp>
-        <p:nvSpPr>
-          <p:cNvPr id="2" name="Title 1"/>
-          <p:cNvSpPr>
-            <a:spLocks noGrp="1"/>
-          </p:cNvSpPr>
-          <p:nvPr>
-            <p:ph type="title"/>
-          </p:nvPr>
-        </p:nvSpPr>
-        <p:spPr/>
-        <p:txBody>
-          <a:bodyPr/>
-          <a:lstStyle/>
-          <a:p>
-            <a:r>
-              <a:rPr lang="en-US" dirty="0" err="1" smtClean="0"/>
-              <a:t>Những</a:t>
-            </a:r>
-            <a:r>
-              <a:rPr lang="en-US" dirty="0" smtClean="0"/>
-              <a:t> </a:t>
-            </a:r>
-            <a:r>
-              <a:rPr lang="en-US" dirty="0" err="1" smtClean="0"/>
-              <a:t>hạn</a:t>
-            </a:r>
-            <a:r>
-              <a:rPr lang="en-US" dirty="0" smtClean="0"/>
-              <a:t> </a:t>
-            </a:r>
-            <a:r>
-              <a:rPr lang="en-US" dirty="0" err="1" smtClean="0"/>
-              <a:t>chế</a:t>
-            </a:r>
-            <a:endParaRPr lang="vi-VN" dirty="0"/>
-          </a:p>
-        </p:txBody>
-      </p:sp>
-      <p:sp>
-        <p:nvSpPr>
-          <p:cNvPr id="3" name="Slide Number Placeholder 2"/>
-          <p:cNvSpPr>
-            <a:spLocks noGrp="1"/>
-          </p:cNvSpPr>
-          <p:nvPr>
-            <p:ph type="sldNum" sz="quarter" idx="12"/>
-          </p:nvPr>
-        </p:nvSpPr>
-        <p:spPr/>
-        <p:txBody>
-          <a:bodyPr>
-            <a:normAutofit fontScale="85000" lnSpcReduction="20000"/>
-          </a:bodyPr>
-          <a:lstStyle/>
-          <a:p>
-            <a:fld id="{1AD93096-5B34-4342-9326-69289CEAE4C2}" type="slidenum">
-              <a:rPr lang="en-US" smtClean="0"/>
-              <a:pPr/>
-              <a:t>23</a:t>
-            </a:fld>
-            <a:endParaRPr lang="en-US" dirty="0">
-              <a:solidFill>
-                <a:srgbClr val="FFFFFF"/>
-              </a:solidFill>
-            </a:endParaRPr>
-          </a:p>
-        </p:txBody>
-      </p:sp>
-      <p:sp>
-        <p:nvSpPr>
-          <p:cNvPr id="4" name="Content Placeholder 3"/>
-          <p:cNvSpPr>
-            <a:spLocks noGrp="1"/>
-          </p:cNvSpPr>
-          <p:nvPr>
-            <p:ph sz="quarter" idx="1"/>
-          </p:nvPr>
-        </p:nvSpPr>
-        <p:spPr/>
-        <p:txBody>
-          <a:bodyPr/>
-          <a:lstStyle/>
-          <a:p>
-            <a:endParaRPr lang="vi-VN"/>
-          </a:p>
-        </p:txBody>
-      </p:sp>
-    </p:spTree>
-    <p:extLst>
-      <p:ext uri="{BB962C8B-B14F-4D97-AF65-F5344CB8AC3E}">
-        <p14:creationId xmlns:p14="http://schemas.microsoft.com/office/powerpoint/2010/main" val="1913792255"/>
-      </p:ext>
-    </p:extLst>
-  </p:cSld>
-  <p:clrMapOvr>
-    <a:masterClrMapping/>
-  </p:clrMapOvr>
-  <p:timing>
-    <p:tnLst>
-      <p:par>
-        <p:cTn id="1" dur="indefinite" restart="never" nodeType="tmRoot"/>
-      </p:par>
-    </p:tnLst>
-  </p:timing>
-</p:sld>
-</file>
-
-<file path=ppt/slides/slide24.xml><?xml version="1.0" encoding="utf-8"?>
+<file path=ppt/slides/slide33.xml><?xml version="1.0" encoding="utf-8"?>
 <p:sld xmlns:a="http://schemas.openxmlformats.org/drawingml/2006/main" xmlns:r="http://schemas.openxmlformats.org/officeDocument/2006/relationships" xmlns:p="http://schemas.openxmlformats.org/presentationml/2006/main">
   <p:cSld>
     <p:spTree>
@@ -14241,12 +16011,14 @@
         </p:nvSpPr>
         <p:spPr/>
         <p:txBody>
-          <a:bodyPr/>
+          <a:bodyPr>
+            <a:normAutofit/>
+          </a:bodyPr>
           <a:lstStyle/>
           <a:p>
             <a:r>
               <a:rPr lang="en-US" dirty="0" smtClean="0"/>
-              <a:t>DEMONSTRATION</a:t>
+              <a:t>Q &amp; A</a:t>
             </a:r>
             <a:endParaRPr lang="vi-VN" dirty="0"/>
           </a:p>
@@ -14272,116 +16044,7 @@
             <a:fld id="{1AD93096-5B34-4342-9326-69289CEAE4C2}" type="slidenum">
               <a:rPr lang="en-US" smtClean="0"/>
               <a:pPr/>
-              <a:t>24</a:t>
-            </a:fld>
-            <a:endParaRPr lang="en-US" dirty="0">
-              <a:solidFill>
-                <a:srgbClr val="FFFFFF"/>
-              </a:solidFill>
-            </a:endParaRPr>
-          </a:p>
-        </p:txBody>
-      </p:sp>
-    </p:spTree>
-    <p:extLst>
-      <p:ext uri="{BB962C8B-B14F-4D97-AF65-F5344CB8AC3E}">
-        <p14:creationId xmlns:p14="http://schemas.microsoft.com/office/powerpoint/2010/main" val="1870866790"/>
-      </p:ext>
-    </p:extLst>
-  </p:cSld>
-  <p:clrMapOvr>
-    <a:masterClrMapping/>
-  </p:clrMapOvr>
-  <p:timing>
-    <p:tnLst>
-      <p:par>
-        <p:cTn id="1" dur="indefinite" restart="never" nodeType="tmRoot"/>
-      </p:par>
-    </p:tnLst>
-  </p:timing>
-</p:sld>
-</file>
-
-<file path=ppt/slides/slide25.xml><?xml version="1.0" encoding="utf-8"?>
-<p:sld xmlns:a="http://schemas.openxmlformats.org/drawingml/2006/main" xmlns:r="http://schemas.openxmlformats.org/officeDocument/2006/relationships" xmlns:p="http://schemas.openxmlformats.org/presentationml/2006/main">
-  <p:cSld>
-    <p:spTree>
-      <p:nvGrpSpPr>
-        <p:cNvPr id="1" name=""/>
-        <p:cNvGrpSpPr/>
-        <p:nvPr/>
-      </p:nvGrpSpPr>
-      <p:grpSpPr>
-        <a:xfrm>
-          <a:off x="0" y="0"/>
-          <a:ext cx="0" cy="0"/>
-          <a:chOff x="0" y="0"/>
-          <a:chExt cx="0" cy="0"/>
-        </a:xfrm>
-      </p:grpSpPr>
-      <p:sp>
-        <p:nvSpPr>
-          <p:cNvPr id="5" name="Text Placeholder 4"/>
-          <p:cNvSpPr>
-            <a:spLocks noGrp="1"/>
-          </p:cNvSpPr>
-          <p:nvPr>
-            <p:ph type="body" idx="1"/>
-          </p:nvPr>
-        </p:nvSpPr>
-        <p:spPr/>
-        <p:txBody>
-          <a:bodyPr/>
-          <a:lstStyle/>
-          <a:p>
-            <a:endParaRPr lang="vi-VN"/>
-          </a:p>
-        </p:txBody>
-      </p:sp>
-      <p:sp>
-        <p:nvSpPr>
-          <p:cNvPr id="4" name="Title 3"/>
-          <p:cNvSpPr>
-            <a:spLocks noGrp="1"/>
-          </p:cNvSpPr>
-          <p:nvPr>
-            <p:ph type="title"/>
-          </p:nvPr>
-        </p:nvSpPr>
-        <p:spPr/>
-        <p:txBody>
-          <a:bodyPr/>
-          <a:lstStyle/>
-          <a:p>
-            <a:r>
-              <a:rPr lang="en-US" dirty="0" smtClean="0"/>
-              <a:t>Q &amp; A</a:t>
-            </a:r>
-            <a:endParaRPr lang="vi-VN" dirty="0"/>
-          </a:p>
-        </p:txBody>
-      </p:sp>
-      <p:sp>
-        <p:nvSpPr>
-          <p:cNvPr id="3" name="Slide Number Placeholder 2"/>
-          <p:cNvSpPr>
-            <a:spLocks noGrp="1"/>
-          </p:cNvSpPr>
-          <p:nvPr>
-            <p:ph type="sldNum" sz="quarter" idx="11"/>
-          </p:nvPr>
-        </p:nvSpPr>
-        <p:spPr/>
-        <p:txBody>
-          <a:bodyPr>
-            <a:normAutofit/>
-          </a:bodyPr>
-          <a:lstStyle/>
-          <a:p>
-            <a:fld id="{1AD93096-5B34-4342-9326-69289CEAE4C2}" type="slidenum">
-              <a:rPr lang="en-US" smtClean="0"/>
-              <a:pPr/>
-              <a:t>25</a:t>
+              <a:t>33</a:t>
             </a:fld>
             <a:endParaRPr lang="en-US" dirty="0">
               <a:solidFill>
@@ -14411,7 +16074,7 @@
 </p:sld>
 </file>
 
-<file path=ppt/slides/slide26.xml><?xml version="1.0" encoding="utf-8"?>
+<file path=ppt/slides/slide34.xml><?xml version="1.0" encoding="utf-8"?>
 <p:sld xmlns:a="http://schemas.openxmlformats.org/drawingml/2006/main" xmlns:r="http://schemas.openxmlformats.org/officeDocument/2006/relationships" xmlns:p="http://schemas.openxmlformats.org/presentationml/2006/main">
   <p:cSld>
     <p:spTree>
@@ -14497,7 +16160,7 @@
             <a:fld id="{1AD93096-5B34-4342-9326-69289CEAE4C2}" type="slidenum">
               <a:rPr lang="en-US" smtClean="0"/>
               <a:pPr/>
-              <a:t>26</a:t>
+              <a:t>34</a:t>
             </a:fld>
             <a:endParaRPr lang="en-US" dirty="0">
               <a:solidFill>
@@ -14593,7 +16256,7 @@
 </p:sld>
 </file>
 
-<file path=ppt/slides/slide3.xml><?xml version="1.0" encoding="utf-8"?>
+<file path=ppt/slides/slide4.xml><?xml version="1.0" encoding="utf-8"?>
 <p:sld xmlns:a="http://schemas.openxmlformats.org/drawingml/2006/main" xmlns:r="http://schemas.openxmlformats.org/officeDocument/2006/relationships" xmlns:p="http://schemas.openxmlformats.org/presentationml/2006/main">
   <p:cSld>
     <p:spTree>
@@ -14679,7 +16342,7 @@
             <a:fld id="{1AD93096-5B34-4342-9326-69289CEAE4C2}" type="slidenum">
               <a:rPr lang="en-US" smtClean="0"/>
               <a:pPr/>
-              <a:t>3</a:t>
+              <a:t>4</a:t>
             </a:fld>
             <a:endParaRPr lang="en-US" dirty="0">
               <a:solidFill>
@@ -14712,7 +16375,7 @@
         </p:blipFill>
         <p:spPr bwMode="auto">
           <a:xfrm>
-            <a:off x="683568" y="3866795"/>
+            <a:off x="683568" y="3866797"/>
             <a:ext cx="3312368" cy="2659863"/>
           </a:xfrm>
           <a:prstGeom prst="rect">
@@ -14753,7 +16416,7 @@
         </p:blipFill>
         <p:spPr bwMode="auto">
           <a:xfrm>
-            <a:off x="4788024" y="2764113"/>
+            <a:off x="4788024" y="2764114"/>
             <a:ext cx="4067944" cy="3806700"/>
           </a:xfrm>
           <a:prstGeom prst="rect">
@@ -14814,7 +16477,7 @@
 </p:sld>
 </file>
 
-<file path=ppt/slides/slide4.xml><?xml version="1.0" encoding="utf-8"?>
+<file path=ppt/slides/slide5.xml><?xml version="1.0" encoding="utf-8"?>
 <p:sld xmlns:a="http://schemas.openxmlformats.org/drawingml/2006/main" xmlns:r="http://schemas.openxmlformats.org/officeDocument/2006/relationships" xmlns:p="http://schemas.openxmlformats.org/presentationml/2006/main">
   <p:cSld>
     <p:spTree>
@@ -14905,7 +16568,7 @@
             <a:fld id="{1AD93096-5B34-4342-9326-69289CEAE4C2}" type="slidenum">
               <a:rPr lang="en-US" smtClean="0"/>
               <a:pPr algn="ctr"/>
-              <a:t>4</a:t>
+              <a:t>5</a:t>
             </a:fld>
             <a:endParaRPr lang="en-US" sz="2400" dirty="0">
               <a:solidFill>
@@ -14927,16 +16590,36 @@
         </p:nvSpPr>
         <p:spPr/>
         <p:txBody>
-          <a:bodyPr/>
+          <a:bodyPr>
+            <a:normAutofit fontScale="92500" lnSpcReduction="10000"/>
+          </a:bodyPr>
           <a:lstStyle/>
           <a:p>
             <a:r>
+              <a:rPr lang="en-US" smtClean="0">
+                <a:hlinkClick r:id="rId2" action="ppaction://hlinksldjump"/>
+              </a:rPr>
+              <a:t>Phần mềm nghiệp vụ về tìm kiếm và so khớp thông tin (bán hàng, tìm bạn, tìm việc…)</a:t>
+            </a:r>
+            <a:endParaRPr lang="en-US" smtClean="0"/>
+          </a:p>
+          <a:p>
+            <a:r>
+              <a:rPr lang="en-US" smtClean="0">
+                <a:hlinkClick r:id="rId3" action="ppaction://hlinksldjump"/>
+              </a:rPr>
+              <a:t>Tổ chức và lưu trữ thông tin đa dạng</a:t>
+            </a:r>
+            <a:endParaRPr lang="en-US" dirty="0" smtClean="0"/>
+          </a:p>
+          <a:p>
+            <a:r>
               <a:rPr lang="en-US" dirty="0" err="1"/>
-              <a:t>V</a:t>
+              <a:t>P</a:t>
             </a:r>
             <a:r>
               <a:rPr lang="en-US" dirty="0" err="1" smtClean="0"/>
-              <a:t>iệc</a:t>
+              <a:t>hụ</a:t>
             </a:r>
             <a:r>
               <a:rPr lang="en-US" dirty="0" smtClean="0"/>
@@ -14944,7 +16627,7 @@
             </a:r>
             <a:r>
               <a:rPr lang="en-US" dirty="0" err="1"/>
-              <a:t>tổ</a:t>
+              <a:t>thuộc</a:t>
             </a:r>
             <a:r>
               <a:rPr lang="en-US" dirty="0"/>
@@ -14952,7 +16635,7 @@
             </a:r>
             <a:r>
               <a:rPr lang="en-US" dirty="0" err="1"/>
-              <a:t>chức</a:t>
+              <a:t>vào</a:t>
             </a:r>
             <a:r>
               <a:rPr lang="en-US" dirty="0"/>
@@ -14960,7 +16643,7 @@
             </a:r>
             <a:r>
               <a:rPr lang="en-US" dirty="0" err="1"/>
-              <a:t>và</a:t>
+              <a:t>đặc</a:t>
             </a:r>
             <a:r>
               <a:rPr lang="en-US" dirty="0"/>
@@ -14968,7 +16651,7 @@
             </a:r>
             <a:r>
               <a:rPr lang="en-US" dirty="0" err="1"/>
-              <a:t>lưu</a:t>
+              <a:t>thù</a:t>
             </a:r>
             <a:r>
               <a:rPr lang="en-US" dirty="0"/>
@@ -14976,7 +16659,7 @@
             </a:r>
             <a:r>
               <a:rPr lang="en-US" dirty="0" err="1"/>
-              <a:t>trữ</a:t>
+              <a:t>của</a:t>
             </a:r>
             <a:r>
               <a:rPr lang="en-US" dirty="0"/>
@@ -14984,6 +16667,22 @@
             </a:r>
             <a:r>
               <a:rPr lang="en-US" dirty="0" err="1"/>
+              <a:t>đối</a:t>
+            </a:r>
+            <a:r>
+              <a:rPr lang="en-US" dirty="0"/>
+              <a:t> </a:t>
+            </a:r>
+            <a:r>
+              <a:rPr lang="en-US" dirty="0" err="1"/>
+              <a:t>tượng</a:t>
+            </a:r>
+            <a:r>
+              <a:rPr lang="en-US" dirty="0"/>
+              <a:t> </a:t>
+            </a:r>
+            <a:r>
+              <a:rPr lang="en-US" dirty="0" err="1"/>
               <a:t>thông</a:t>
             </a:r>
             <a:r>
@@ -14992,7 +16691,7 @@
             </a:r>
             <a:r>
               <a:rPr lang="en-US" dirty="0" err="1" smtClean="0"/>
-              <a:t>đa</a:t>
+              <a:t>và</a:t>
             </a:r>
             <a:r>
               <a:rPr lang="en-US" dirty="0" smtClean="0"/>
@@ -15000,30 +16699,15 @@
             </a:r>
             <a:r>
               <a:rPr lang="en-US" dirty="0" err="1"/>
-              <a:t>dạng</a:t>
+              <a:t>chiến</a:t>
             </a:r>
             <a:r>
               <a:rPr lang="en-US" dirty="0"/>
               <a:t> </a:t>
             </a:r>
-            <a:endParaRPr lang="en-US" dirty="0" smtClean="0"/>
-          </a:p>
-          <a:p>
             <a:r>
               <a:rPr lang="en-US" dirty="0" err="1"/>
-              <a:t>P</a:t>
-            </a:r>
-            <a:r>
-              <a:rPr lang="en-US" dirty="0" err="1" smtClean="0"/>
-              <a:t>hụ</a:t>
-            </a:r>
-            <a:r>
-              <a:rPr lang="en-US" dirty="0" smtClean="0"/>
-              <a:t> </a:t>
-            </a:r>
-            <a:r>
-              <a:rPr lang="en-US" dirty="0" err="1"/>
-              <a:t>thuộc</a:t>
+              <a:t>lược</a:t>
             </a:r>
             <a:r>
               <a:rPr lang="en-US" dirty="0"/>
@@ -15031,7 +16715,7 @@
             </a:r>
             <a:r>
               <a:rPr lang="en-US" dirty="0" err="1"/>
-              <a:t>vào</a:t>
+              <a:t>của</a:t>
             </a:r>
             <a:r>
               <a:rPr lang="en-US" dirty="0"/>
@@ -15039,7 +16723,7 @@
             </a:r>
             <a:r>
               <a:rPr lang="en-US" dirty="0" err="1"/>
-              <a:t>đặc</a:t>
+              <a:t>nhà</a:t>
             </a:r>
             <a:r>
               <a:rPr lang="en-US" dirty="0"/>
@@ -15047,7 +16731,7 @@
             </a:r>
             <a:r>
               <a:rPr lang="en-US" dirty="0" err="1"/>
-              <a:t>thù</a:t>
+              <a:t>phát</a:t>
             </a:r>
             <a:r>
               <a:rPr lang="en-US" dirty="0"/>
@@ -15055,7 +16739,7 @@
             </a:r>
             <a:r>
               <a:rPr lang="en-US" dirty="0" err="1"/>
-              <a:t>của</a:t>
+              <a:t>triển</a:t>
             </a:r>
             <a:r>
               <a:rPr lang="en-US" dirty="0"/>
@@ -15063,15 +16747,37 @@
             </a:r>
             <a:r>
               <a:rPr lang="en-US" dirty="0" err="1"/>
-              <a:t>đối</a:t>
+              <a:t>phần</a:t>
             </a:r>
             <a:r>
               <a:rPr lang="en-US" dirty="0"/>
               <a:t> </a:t>
             </a:r>
             <a:r>
+              <a:rPr lang="en-US" err="1"/>
+              <a:t>mềm</a:t>
+            </a:r>
+            <a:r>
+              <a:rPr lang="en-US" smtClean="0"/>
+              <a:t>.</a:t>
+            </a:r>
+            <a:endParaRPr lang="en-US" u="sng" smtClean="0"/>
+          </a:p>
+          <a:p>
+            <a:endParaRPr lang="en-US" u="sng"/>
+          </a:p>
+          <a:p>
+            <a:pPr>
+              <a:buFont typeface="Symbol"/>
+              <a:buChar char="Þ"/>
+            </a:pPr>
+            <a:r>
+              <a:rPr lang="en-US" smtClean="0"/>
+              <a:t>Làm </a:t>
+            </a:r>
+            <a:r>
               <a:rPr lang="en-US" dirty="0" err="1"/>
-              <a:t>tượng</a:t>
+              <a:t>thế</a:t>
             </a:r>
             <a:r>
               <a:rPr lang="en-US" dirty="0"/>
@@ -15079,23 +16785,7 @@
             </a:r>
             <a:r>
               <a:rPr lang="en-US" dirty="0" err="1"/>
-              <a:t>thông</a:t>
-            </a:r>
-            <a:r>
-              <a:rPr lang="en-US" dirty="0"/>
-              <a:t> tin </a:t>
-            </a:r>
-            <a:r>
-              <a:rPr lang="en-US" dirty="0" err="1" smtClean="0"/>
-              <a:t>và</a:t>
-            </a:r>
-            <a:r>
-              <a:rPr lang="en-US" dirty="0" smtClean="0"/>
-              <a:t> </a:t>
-            </a:r>
-            <a:r>
-              <a:rPr lang="en-US" dirty="0" err="1"/>
-              <a:t>chiến</a:t>
+              <a:t>nào</a:t>
             </a:r>
             <a:r>
               <a:rPr lang="en-US" dirty="0"/>
@@ -15103,7 +16793,7 @@
             </a:r>
             <a:r>
               <a:rPr lang="en-US" dirty="0" err="1"/>
-              <a:t>lược</a:t>
+              <a:t>thiết</a:t>
             </a:r>
             <a:r>
               <a:rPr lang="en-US" dirty="0"/>
@@ -15111,314 +16801,65 @@
             </a:r>
             <a:r>
               <a:rPr lang="en-US" dirty="0" err="1"/>
-              <a:t>của</a:t>
+              <a:t>kế</a:t>
             </a:r>
             <a:r>
               <a:rPr lang="en-US" dirty="0"/>
               <a:t> </a:t>
             </a:r>
             <a:r>
-              <a:rPr lang="en-US" dirty="0" err="1"/>
-              <a:t>nhà</a:t>
-            </a:r>
-            <a:r>
-              <a:rPr lang="en-US" dirty="0"/>
+              <a:rPr lang="en-US" err="1"/>
+              <a:t>một</a:t>
+            </a:r>
+            <a:r>
+              <a:rPr lang="en-US"/>
               <a:t> </a:t>
             </a:r>
             <a:r>
-              <a:rPr lang="en-US" dirty="0" err="1"/>
-              <a:t>phát</a:t>
-            </a:r>
-            <a:r>
-              <a:rPr lang="en-US" dirty="0"/>
+              <a:rPr lang="en-US" b="1" smtClean="0"/>
+              <a:t>kiến trúc phần mềm</a:t>
+            </a:r>
+            <a:r>
+              <a:rPr lang="en-US" smtClean="0"/>
               <a:t> </a:t>
             </a:r>
             <a:r>
-              <a:rPr lang="en-US" dirty="0" err="1"/>
-              <a:t>triển</a:t>
-            </a:r>
-            <a:r>
-              <a:rPr lang="en-US" dirty="0"/>
-              <a:t> </a:t>
-            </a:r>
-            <a:r>
-              <a:rPr lang="en-US" dirty="0" err="1"/>
-              <a:t>phần</a:t>
-            </a:r>
-            <a:r>
-              <a:rPr lang="en-US" dirty="0"/>
-              <a:t> </a:t>
-            </a:r>
-            <a:r>
-              <a:rPr lang="en-US" dirty="0" err="1"/>
-              <a:t>mềm</a:t>
-            </a:r>
-            <a:r>
-              <a:rPr lang="en-US" dirty="0"/>
-              <a:t>. </a:t>
-            </a:r>
-            <a:endParaRPr lang="en-US" dirty="0" smtClean="0"/>
-          </a:p>
-          <a:p>
-            <a:endParaRPr lang="en-US" dirty="0"/>
-          </a:p>
-          <a:p>
-            <a:pPr marL="0" indent="0">
-              <a:buNone/>
-            </a:pPr>
-            <a:r>
-              <a:rPr lang="en-US" dirty="0"/>
-              <a:t> </a:t>
-            </a:r>
-            <a:r>
-              <a:rPr lang="en-US" dirty="0" smtClean="0"/>
-              <a:t>   </a:t>
-            </a:r>
-            <a:r>
-              <a:rPr lang="en-US" dirty="0" err="1" smtClean="0"/>
-              <a:t>Làm</a:t>
-            </a:r>
-            <a:r>
-              <a:rPr lang="en-US" dirty="0" smtClean="0"/>
-              <a:t> </a:t>
-            </a:r>
-            <a:r>
-              <a:rPr lang="en-US" dirty="0" err="1"/>
-              <a:t>thế</a:t>
-            </a:r>
-            <a:r>
-              <a:rPr lang="en-US" dirty="0"/>
-              <a:t> </a:t>
-            </a:r>
-            <a:r>
-              <a:rPr lang="en-US" dirty="0" err="1"/>
-              <a:t>nào</a:t>
-            </a:r>
-            <a:r>
-              <a:rPr lang="en-US" dirty="0"/>
-              <a:t> </a:t>
-            </a:r>
-            <a:r>
-              <a:rPr lang="en-US" dirty="0" err="1"/>
-              <a:t>thiết</a:t>
-            </a:r>
-            <a:r>
-              <a:rPr lang="en-US" dirty="0"/>
-              <a:t> </a:t>
-            </a:r>
-            <a:r>
-              <a:rPr lang="en-US" dirty="0" err="1"/>
-              <a:t>kế</a:t>
-            </a:r>
-            <a:r>
-              <a:rPr lang="en-US" dirty="0"/>
-              <a:t> </a:t>
-            </a:r>
-            <a:r>
-              <a:rPr lang="en-US" dirty="0" err="1"/>
-              <a:t>một</a:t>
-            </a:r>
-            <a:r>
-              <a:rPr lang="en-US" dirty="0"/>
-              <a:t> </a:t>
-            </a:r>
-            <a:r>
-              <a:rPr lang="en-US" i="1" dirty="0" err="1"/>
-              <a:t>kiến</a:t>
-            </a:r>
-            <a:r>
-              <a:rPr lang="en-US" i="1" dirty="0"/>
-              <a:t> </a:t>
-            </a:r>
-            <a:r>
-              <a:rPr lang="en-US" i="1" dirty="0" err="1"/>
-              <a:t>trúc</a:t>
-            </a:r>
-            <a:r>
-              <a:rPr lang="en-US" i="1" dirty="0"/>
-              <a:t> </a:t>
-            </a:r>
-            <a:r>
-              <a:rPr lang="en-US" i="1" dirty="0" err="1"/>
-              <a:t>phần</a:t>
-            </a:r>
-            <a:r>
-              <a:rPr lang="en-US" i="1" dirty="0"/>
-              <a:t> </a:t>
-            </a:r>
-            <a:r>
-              <a:rPr lang="en-US" i="1" dirty="0" err="1"/>
-              <a:t>mềm</a:t>
-            </a:r>
-            <a:r>
-              <a:rPr lang="en-US" i="1" dirty="0"/>
-              <a:t> </a:t>
-            </a:r>
-            <a:r>
-              <a:rPr lang="en-US" dirty="0" err="1"/>
-              <a:t>dùng</a:t>
-            </a:r>
-            <a:r>
-              <a:rPr lang="en-US" dirty="0"/>
-              <a:t> </a:t>
-            </a:r>
-            <a:r>
-              <a:rPr lang="en-US" dirty="0" err="1"/>
+              <a:rPr lang="en-US" b="1" smtClean="0"/>
               <a:t>chung</a:t>
             </a:r>
             <a:r>
-              <a:rPr lang="en-US" dirty="0"/>
-              <a:t> </a:t>
-            </a:r>
-            <a:r>
-              <a:rPr lang="en-US" dirty="0" err="1"/>
-              <a:t>có</a:t>
-            </a:r>
-            <a:r>
-              <a:rPr lang="en-US" dirty="0"/>
-              <a:t> </a:t>
-            </a:r>
-            <a:r>
-              <a:rPr lang="en-US" dirty="0" err="1"/>
-              <a:t>thể</a:t>
-            </a:r>
-            <a:r>
-              <a:rPr lang="en-US" dirty="0"/>
-              <a:t> </a:t>
-            </a:r>
-            <a:r>
-              <a:rPr lang="en-US" dirty="0" err="1"/>
-              <a:t>đáp</a:t>
-            </a:r>
-            <a:r>
-              <a:rPr lang="en-US" dirty="0"/>
-              <a:t> </a:t>
-            </a:r>
-            <a:r>
-              <a:rPr lang="en-US" dirty="0" err="1"/>
-              <a:t>ứng</a:t>
-            </a:r>
-            <a:r>
-              <a:rPr lang="en-US" dirty="0"/>
-              <a:t> </a:t>
-            </a:r>
-            <a:r>
-              <a:rPr lang="en-US" dirty="0" err="1"/>
-              <a:t>khả</a:t>
-            </a:r>
-            <a:r>
-              <a:rPr lang="en-US" dirty="0"/>
-              <a:t> </a:t>
-            </a:r>
-            <a:r>
-              <a:rPr lang="en-US" dirty="0" err="1"/>
-              <a:t>năng</a:t>
-            </a:r>
-            <a:r>
-              <a:rPr lang="en-US" dirty="0"/>
-              <a:t> </a:t>
-            </a:r>
-            <a:r>
-              <a:rPr lang="en-US" dirty="0" err="1"/>
-              <a:t>tổ</a:t>
-            </a:r>
-            <a:r>
-              <a:rPr lang="en-US" dirty="0"/>
-              <a:t> </a:t>
-            </a:r>
-            <a:r>
-              <a:rPr lang="en-US" dirty="0" err="1"/>
-              <a:t>chức</a:t>
-            </a:r>
-            <a:r>
-              <a:rPr lang="en-US" dirty="0"/>
-              <a:t> </a:t>
-            </a:r>
-            <a:r>
-              <a:rPr lang="en-US" dirty="0" err="1"/>
-              <a:t>thông</a:t>
-            </a:r>
-            <a:r>
-              <a:rPr lang="en-US" dirty="0"/>
-              <a:t> tin </a:t>
-            </a:r>
-            <a:r>
-              <a:rPr lang="en-US" dirty="0" err="1"/>
-              <a:t>một</a:t>
-            </a:r>
-            <a:r>
-              <a:rPr lang="en-US" dirty="0"/>
-              <a:t> </a:t>
-            </a:r>
-            <a:r>
-              <a:rPr lang="en-US" dirty="0" err="1"/>
-              <a:t>cách</a:t>
-            </a:r>
-            <a:r>
-              <a:rPr lang="en-US" dirty="0"/>
-              <a:t> </a:t>
-            </a:r>
-            <a:r>
-              <a:rPr lang="en-US" i="1" dirty="0" err="1"/>
-              <a:t>linh</a:t>
-            </a:r>
-            <a:r>
-              <a:rPr lang="en-US" i="1" dirty="0"/>
-              <a:t> </a:t>
-            </a:r>
-            <a:r>
-              <a:rPr lang="en-US" i="1" dirty="0" err="1" smtClean="0"/>
-              <a:t>hoạt</a:t>
-            </a:r>
-            <a:r>
-              <a:rPr lang="en-US" i="1" dirty="0" smtClean="0"/>
-              <a:t> </a:t>
-            </a:r>
-            <a:r>
-              <a:rPr lang="en-US" dirty="0" smtClean="0"/>
-              <a:t>?</a:t>
-            </a:r>
-            <a:endParaRPr lang="en-US" dirty="0"/>
-          </a:p>
-        </p:txBody>
-      </p:sp>
-      <p:sp>
-        <p:nvSpPr>
-          <p:cNvPr id="3" name="Right Arrow 2"/>
-          <p:cNvSpPr/>
-          <p:nvPr/>
-        </p:nvSpPr>
-        <p:spPr>
-          <a:xfrm>
-            <a:off x="554066" y="3762426"/>
-            <a:ext cx="504056" cy="327309"/>
-          </a:xfrm>
-          <a:prstGeom prst="rightArrow">
-            <a:avLst/>
-          </a:prstGeom>
-        </p:spPr>
-        <p:style>
-          <a:lnRef idx="2">
-            <a:schemeClr val="accent1">
-              <a:shade val="50000"/>
-            </a:schemeClr>
-          </a:lnRef>
-          <a:fillRef idx="1">
-            <a:schemeClr val="accent1"/>
-          </a:fillRef>
-          <a:effectRef idx="0">
-            <a:schemeClr val="accent1"/>
-          </a:effectRef>
-          <a:fontRef idx="minor">
-            <a:schemeClr val="lt1"/>
-          </a:fontRef>
-        </p:style>
-        <p:txBody>
-          <a:bodyPr rtlCol="0" anchor="ctr"/>
-          <a:lstStyle/>
-          <a:p>
-            <a:pPr algn="ctr"/>
-            <a:endParaRPr lang="en-US"/>
+              <a:rPr lang="en-US" smtClean="0"/>
+              <a:t> c</a:t>
+            </a:r>
+            <a:r>
+              <a:rPr lang="en-US" smtClean="0"/>
+              <a:t>ó thể </a:t>
+            </a:r>
+            <a:r>
+              <a:rPr lang="en-US" i="1" smtClean="0">
+                <a:solidFill>
+                  <a:srgbClr val="FFC000"/>
+                </a:solidFill>
+              </a:rPr>
+              <a:t>áp dụng linh hoạt </a:t>
+            </a:r>
+            <a:r>
+              <a:rPr lang="en-US" smtClean="0"/>
+              <a:t>cho nhiều sản phầm phần mềm đáp ứng nghiệp vụ </a:t>
+            </a:r>
+            <a:r>
+              <a:rPr lang="en-US" i="1" smtClean="0">
+                <a:solidFill>
+                  <a:srgbClr val="FFC000"/>
+                </a:solidFill>
+              </a:rPr>
+              <a:t>tìm kiếm và so khớp thông tin</a:t>
+            </a:r>
+            <a:endParaRPr lang="en-US" i="1" dirty="0">
+              <a:solidFill>
+                <a:srgbClr val="FFC000"/>
+              </a:solidFill>
+            </a:endParaRPr>
           </a:p>
         </p:txBody>
       </p:sp>
@@ -15426,291 +16867,6 @@
     <p:extLst>
       <p:ext uri="{BB962C8B-B14F-4D97-AF65-F5344CB8AC3E}">
         <p14:creationId xmlns:p14="http://schemas.microsoft.com/office/powerpoint/2010/main" val="219710380"/>
-      </p:ext>
-    </p:extLst>
-  </p:cSld>
-  <p:clrMapOvr>
-    <a:masterClrMapping/>
-  </p:clrMapOvr>
-  <p:timing>
-    <p:tnLst>
-      <p:par>
-        <p:cTn id="1" dur="indefinite" restart="never" nodeType="tmRoot"/>
-      </p:par>
-    </p:tnLst>
-  </p:timing>
-</p:sld>
-</file>
-
-<file path=ppt/slides/slide5.xml><?xml version="1.0" encoding="utf-8"?>
-<p:sld xmlns:a="http://schemas.openxmlformats.org/drawingml/2006/main" xmlns:r="http://schemas.openxmlformats.org/officeDocument/2006/relationships" xmlns:p="http://schemas.openxmlformats.org/presentationml/2006/main">
-  <p:cSld>
-    <p:spTree>
-      <p:nvGrpSpPr>
-        <p:cNvPr id="1" name=""/>
-        <p:cNvGrpSpPr/>
-        <p:nvPr/>
-      </p:nvGrpSpPr>
-      <p:grpSpPr>
-        <a:xfrm>
-          <a:off x="0" y="0"/>
-          <a:ext cx="0" cy="0"/>
-          <a:chOff x="0" y="0"/>
-          <a:chExt cx="0" cy="0"/>
-        </a:xfrm>
-      </p:grpSpPr>
-      <p:sp>
-        <p:nvSpPr>
-          <p:cNvPr id="2" name="Title 1"/>
-          <p:cNvSpPr>
-            <a:spLocks noGrp="1"/>
-          </p:cNvSpPr>
-          <p:nvPr>
-            <p:ph type="title"/>
-          </p:nvPr>
-        </p:nvSpPr>
-        <p:spPr/>
-        <p:txBody>
-          <a:bodyPr/>
-          <a:lstStyle/>
-          <a:p>
-            <a:r>
-              <a:rPr lang="en-US" dirty="0" err="1" smtClean="0"/>
-              <a:t>Bài</a:t>
-            </a:r>
-            <a:r>
-              <a:rPr lang="en-US" dirty="0" smtClean="0"/>
-              <a:t> </a:t>
-            </a:r>
-            <a:r>
-              <a:rPr lang="en-US" dirty="0" err="1" smtClean="0"/>
-              <a:t>toán</a:t>
-            </a:r>
-            <a:r>
-              <a:rPr lang="en-US" dirty="0" smtClean="0"/>
-              <a:t> </a:t>
-            </a:r>
-            <a:r>
-              <a:rPr lang="en-US" dirty="0" err="1" smtClean="0"/>
-              <a:t>kiến</a:t>
-            </a:r>
-            <a:r>
-              <a:rPr lang="en-US" dirty="0" smtClean="0"/>
-              <a:t> </a:t>
-            </a:r>
-            <a:r>
-              <a:rPr lang="en-US" dirty="0" err="1" smtClean="0"/>
-              <a:t>trúc</a:t>
-            </a:r>
-            <a:r>
-              <a:rPr lang="en-US" dirty="0" smtClean="0"/>
-              <a:t> #2</a:t>
-            </a:r>
-            <a:endParaRPr lang="vi-VN" dirty="0"/>
-          </a:p>
-        </p:txBody>
-      </p:sp>
-      <p:sp>
-        <p:nvSpPr>
-          <p:cNvPr id="3" name="Slide Number Placeholder 2"/>
-          <p:cNvSpPr>
-            <a:spLocks noGrp="1"/>
-          </p:cNvSpPr>
-          <p:nvPr>
-            <p:ph type="sldNum" sz="quarter" idx="12"/>
-          </p:nvPr>
-        </p:nvSpPr>
-        <p:spPr/>
-        <p:txBody>
-          <a:bodyPr>
-            <a:normAutofit fontScale="85000" lnSpcReduction="20000"/>
-          </a:bodyPr>
-          <a:lstStyle/>
-          <a:p>
-            <a:fld id="{1AD93096-5B34-4342-9326-69289CEAE4C2}" type="slidenum">
-              <a:rPr lang="en-US" smtClean="0"/>
-              <a:pPr/>
-              <a:t>5</a:t>
-            </a:fld>
-            <a:endParaRPr lang="en-US" dirty="0">
-              <a:solidFill>
-                <a:srgbClr val="FFFFFF"/>
-              </a:solidFill>
-            </a:endParaRPr>
-          </a:p>
-        </p:txBody>
-      </p:sp>
-      <p:sp>
-        <p:nvSpPr>
-          <p:cNvPr id="4" name="Content Placeholder 3"/>
-          <p:cNvSpPr>
-            <a:spLocks noGrp="1"/>
-          </p:cNvSpPr>
-          <p:nvPr>
-            <p:ph sz="quarter" idx="1"/>
-          </p:nvPr>
-        </p:nvSpPr>
-        <p:spPr/>
-        <p:txBody>
-          <a:bodyPr/>
-          <a:lstStyle/>
-          <a:p>
-            <a:r>
-              <a:rPr lang="en-US" dirty="0" smtClean="0"/>
-              <a:t>So </a:t>
-            </a:r>
-            <a:r>
-              <a:rPr lang="en-US" dirty="0" err="1" smtClean="0"/>
-              <a:t>sánh</a:t>
-            </a:r>
-            <a:r>
-              <a:rPr lang="en-US" dirty="0" smtClean="0"/>
-              <a:t> </a:t>
-            </a:r>
-            <a:r>
-              <a:rPr lang="en-US" dirty="0" err="1" smtClean="0"/>
-              <a:t>mức</a:t>
-            </a:r>
-            <a:r>
-              <a:rPr lang="en-US" dirty="0" smtClean="0"/>
-              <a:t> </a:t>
-            </a:r>
-            <a:r>
-              <a:rPr lang="en-US" dirty="0" err="1" smtClean="0"/>
-              <a:t>độ</a:t>
-            </a:r>
-            <a:r>
-              <a:rPr lang="en-US" dirty="0" smtClean="0"/>
-              <a:t> </a:t>
-            </a:r>
-            <a:r>
-              <a:rPr lang="en-US" dirty="0" err="1" smtClean="0"/>
-              <a:t>tương</a:t>
-            </a:r>
-            <a:r>
-              <a:rPr lang="en-US" dirty="0" smtClean="0"/>
-              <a:t> </a:t>
-            </a:r>
-            <a:r>
-              <a:rPr lang="en-US" dirty="0" err="1" smtClean="0"/>
-              <a:t>quan</a:t>
-            </a:r>
-            <a:r>
-              <a:rPr lang="en-US" dirty="0" smtClean="0"/>
-              <a:t> </a:t>
-            </a:r>
-            <a:r>
-              <a:rPr lang="en-US" dirty="0" err="1" smtClean="0"/>
-              <a:t>giữa</a:t>
-            </a:r>
-            <a:r>
-              <a:rPr lang="en-US" dirty="0" smtClean="0"/>
-              <a:t> </a:t>
-            </a:r>
-            <a:r>
-              <a:rPr lang="en-US" dirty="0" err="1" smtClean="0"/>
-              <a:t>các</a:t>
-            </a:r>
-            <a:r>
-              <a:rPr lang="en-US" dirty="0" smtClean="0"/>
-              <a:t> </a:t>
-            </a:r>
-            <a:r>
-              <a:rPr lang="en-US" dirty="0" err="1" smtClean="0"/>
-              <a:t>thông</a:t>
-            </a:r>
-            <a:r>
-              <a:rPr lang="en-US" dirty="0" smtClean="0"/>
-              <a:t> tin </a:t>
-            </a:r>
-            <a:r>
-              <a:rPr lang="en-US" dirty="0" err="1" smtClean="0"/>
-              <a:t>với</a:t>
-            </a:r>
-            <a:r>
-              <a:rPr lang="en-US" dirty="0" smtClean="0"/>
-              <a:t> </a:t>
-            </a:r>
-            <a:r>
-              <a:rPr lang="en-US" dirty="0" err="1" smtClean="0"/>
-              <a:t>nhau</a:t>
-            </a:r>
-            <a:r>
-              <a:rPr lang="en-US" dirty="0" smtClean="0"/>
-              <a:t>.</a:t>
-            </a:r>
-            <a:endParaRPr lang="vi-VN" dirty="0"/>
-          </a:p>
-        </p:txBody>
-      </p:sp>
-      <p:pic>
-        <p:nvPicPr>
-          <p:cNvPr id="5" name="Picture 10"/>
-          <p:cNvPicPr>
-            <a:picLocks noChangeAspect="1" noChangeArrowheads="1"/>
-          </p:cNvPicPr>
-          <p:nvPr/>
-        </p:nvPicPr>
-        <p:blipFill>
-          <a:blip r:embed="rId2">
-            <a:extLst>
-              <a:ext uri="{28A0092B-C50C-407E-A947-70E740481C1C}">
-                <a14:useLocalDpi xmlns:a14="http://schemas.microsoft.com/office/drawing/2010/main" val="0"/>
-              </a:ext>
-            </a:extLst>
-          </a:blip>
-          <a:srcRect/>
-          <a:stretch>
-            <a:fillRect/>
-          </a:stretch>
-        </p:blipFill>
-        <p:spPr bwMode="auto">
-          <a:xfrm>
-            <a:off x="2699792" y="3429000"/>
-            <a:ext cx="3888432" cy="2341132"/>
-          </a:xfrm>
-          <a:prstGeom prst="rect">
-            <a:avLst/>
-          </a:prstGeom>
-          <a:noFill/>
-          <a:ln>
-            <a:noFill/>
-          </a:ln>
-          <a:effectLst/>
-          <a:extLst>
-            <a:ext uri="{909E8E84-426E-40DD-AFC4-6F175D3DCCD1}">
-              <a14:hiddenFill xmlns:a14="http://schemas.microsoft.com/office/drawing/2010/main">
-                <a:solidFill>
-                  <a:schemeClr val="accent1"/>
-                </a:solidFill>
-              </a14:hiddenFill>
-            </a:ext>
-            <a:ext uri="{91240B29-F687-4F45-9708-019B960494DF}">
-              <a14:hiddenLine xmlns:a14="http://schemas.microsoft.com/office/drawing/2010/main" w="9525">
-                <a:solidFill>
-                  <a:schemeClr val="tx1"/>
-                </a:solidFill>
-                <a:miter lim="800000"/>
-                <a:headEnd/>
-                <a:tailEnd/>
-              </a14:hiddenLine>
-            </a:ext>
-            <a:ext uri="{AF507438-7753-43E0-B8FC-AC1667EBCBE1}">
-              <a14:hiddenEffects xmlns:a14="http://schemas.microsoft.com/office/drawing/2010/main">
-                <a:effectLst>
-                  <a:outerShdw dist="35921" dir="2700000" algn="ctr" rotWithShape="0">
-                    <a:schemeClr val="bg2"/>
-                  </a:outerShdw>
-                </a:effectLst>
-              </a14:hiddenEffects>
-            </a:ext>
-          </a:extLst>
-        </p:spPr>
-      </p:pic>
-    </p:spTree>
-    <p:extLst>
-      <p:ext uri="{BB962C8B-B14F-4D97-AF65-F5344CB8AC3E}">
-        <p14:creationId xmlns:p14="http://schemas.microsoft.com/office/powerpoint/2010/main" val="4107862945"/>
       </p:ext>
     </p:extLst>
   </p:cSld>
@@ -15746,57 +16902,6 @@
       </p:grpSpPr>
       <p:sp>
         <p:nvSpPr>
-          <p:cNvPr id="2" name="Title 1"/>
-          <p:cNvSpPr>
-            <a:spLocks noGrp="1"/>
-          </p:cNvSpPr>
-          <p:nvPr>
-            <p:ph type="title"/>
-          </p:nvPr>
-        </p:nvSpPr>
-        <p:spPr/>
-        <p:txBody>
-          <a:bodyPr/>
-          <a:lstStyle/>
-          <a:p>
-            <a:r>
-              <a:rPr lang="en-US" dirty="0" err="1" smtClean="0"/>
-              <a:t>Bài</a:t>
-            </a:r>
-            <a:r>
-              <a:rPr lang="en-US" dirty="0" smtClean="0"/>
-              <a:t> </a:t>
-            </a:r>
-            <a:r>
-              <a:rPr lang="en-US" dirty="0" err="1" smtClean="0"/>
-              <a:t>toán</a:t>
-            </a:r>
-            <a:r>
-              <a:rPr lang="en-US" dirty="0" smtClean="0"/>
-              <a:t> </a:t>
-            </a:r>
-            <a:r>
-              <a:rPr lang="en-US" dirty="0" err="1" smtClean="0"/>
-              <a:t>kiến</a:t>
-            </a:r>
-            <a:r>
-              <a:rPr lang="en-US" dirty="0" smtClean="0"/>
-              <a:t> </a:t>
-            </a:r>
-            <a:r>
-              <a:rPr lang="en-US" dirty="0" err="1" smtClean="0"/>
-              <a:t>trúc</a:t>
-            </a:r>
-            <a:r>
-              <a:rPr lang="en-US" dirty="0" smtClean="0"/>
-              <a:t> #3</a:t>
-            </a:r>
-            <a:endParaRPr lang="vi-VN" dirty="0"/>
-          </a:p>
-        </p:txBody>
-      </p:sp>
-      <p:sp>
-        <p:nvSpPr>
           <p:cNvPr id="3" name="Slide Number Placeholder 2"/>
           <p:cNvSpPr>
             <a:spLocks noGrp="1"/>
@@ -15808,7 +16913,7 @@
         <p:spPr/>
         <p:txBody>
           <a:bodyPr>
-            <a:normAutofit fontScale="85000" lnSpcReduction="20000"/>
+            <a:normAutofit/>
           </a:bodyPr>
           <a:lstStyle/>
           <a:p>
@@ -15825,246 +16930,10 @@
           </a:p>
         </p:txBody>
       </p:sp>
-      <p:sp>
-        <p:nvSpPr>
-          <p:cNvPr id="4" name="Content Placeholder 3"/>
-          <p:cNvSpPr>
-            <a:spLocks noGrp="1"/>
-          </p:cNvSpPr>
-          <p:nvPr>
-            <p:ph sz="quarter" idx="1"/>
-          </p:nvPr>
-        </p:nvSpPr>
-        <p:spPr/>
-        <p:txBody>
-          <a:bodyPr/>
-          <a:lstStyle/>
-          <a:p>
-            <a:pPr marL="457200" indent="-457200">
-              <a:buFontTx/>
-              <a:buChar char="-"/>
-            </a:pPr>
-            <a:r>
-              <a:rPr lang="en-US" dirty="0" err="1"/>
-              <a:t>Sử</a:t>
-            </a:r>
-            <a:r>
-              <a:rPr lang="en-US" dirty="0"/>
-              <a:t> </a:t>
-            </a:r>
-            <a:r>
-              <a:rPr lang="en-US" dirty="0" err="1"/>
-              <a:t>dụng</a:t>
-            </a:r>
-            <a:r>
-              <a:rPr lang="en-US" dirty="0"/>
-              <a:t> </a:t>
-            </a:r>
-            <a:r>
-              <a:rPr lang="en-US" dirty="0" err="1"/>
-              <a:t>kiến</a:t>
-            </a:r>
-            <a:r>
-              <a:rPr lang="en-US" dirty="0"/>
-              <a:t> </a:t>
-            </a:r>
-            <a:r>
-              <a:rPr lang="en-US" dirty="0" err="1"/>
-              <a:t>trúc</a:t>
-            </a:r>
-            <a:r>
-              <a:rPr lang="en-US" dirty="0"/>
-              <a:t> </a:t>
-            </a:r>
-            <a:r>
-              <a:rPr lang="en-US" dirty="0" err="1"/>
-              <a:t>tổ</a:t>
-            </a:r>
-            <a:r>
-              <a:rPr lang="en-US" dirty="0"/>
-              <a:t> </a:t>
-            </a:r>
-            <a:r>
-              <a:rPr lang="en-US" dirty="0" err="1"/>
-              <a:t>chức</a:t>
-            </a:r>
-            <a:r>
-              <a:rPr lang="en-US" dirty="0"/>
-              <a:t> </a:t>
-            </a:r>
-            <a:r>
-              <a:rPr lang="en-US" dirty="0" err="1"/>
-              <a:t>thông</a:t>
-            </a:r>
-            <a:r>
-              <a:rPr lang="en-US" dirty="0"/>
-              <a:t> tin </a:t>
-            </a:r>
-            <a:r>
-              <a:rPr lang="en-US" dirty="0" err="1"/>
-              <a:t>linh</a:t>
-            </a:r>
-            <a:r>
-              <a:rPr lang="en-US" dirty="0"/>
-              <a:t> </a:t>
-            </a:r>
-            <a:r>
-              <a:rPr lang="en-US" dirty="0" err="1"/>
-              <a:t>hoạt</a:t>
-            </a:r>
-            <a:r>
-              <a:rPr lang="en-US" dirty="0"/>
-              <a:t> </a:t>
-            </a:r>
-            <a:r>
-              <a:rPr lang="en-US" dirty="0" err="1"/>
-              <a:t>hỗ</a:t>
-            </a:r>
-            <a:r>
-              <a:rPr lang="en-US" dirty="0"/>
-              <a:t> </a:t>
-            </a:r>
-            <a:r>
-              <a:rPr lang="en-US" dirty="0" err="1"/>
-              <a:t>trợ</a:t>
-            </a:r>
-            <a:r>
-              <a:rPr lang="en-US" dirty="0"/>
-              <a:t> </a:t>
-            </a:r>
-            <a:r>
-              <a:rPr lang="en-US" dirty="0" err="1"/>
-              <a:t>ra</a:t>
-            </a:r>
-            <a:r>
-              <a:rPr lang="en-US" dirty="0"/>
-              <a:t> </a:t>
-            </a:r>
-            <a:r>
-              <a:rPr lang="en-US" dirty="0" err="1"/>
-              <a:t>quyết</a:t>
-            </a:r>
-            <a:r>
-              <a:rPr lang="en-US" dirty="0"/>
-              <a:t> </a:t>
-            </a:r>
-            <a:r>
-              <a:rPr lang="en-US" dirty="0" err="1"/>
-              <a:t>định</a:t>
-            </a:r>
-            <a:endParaRPr lang="vi-VN" dirty="0"/>
-          </a:p>
-        </p:txBody>
-      </p:sp>
-      <p:pic>
-        <p:nvPicPr>
-          <p:cNvPr id="6149" name="Picture 5"/>
-          <p:cNvPicPr>
-            <a:picLocks noChangeAspect="1" noChangeArrowheads="1"/>
-          </p:cNvPicPr>
-          <p:nvPr/>
-        </p:nvPicPr>
-        <p:blipFill>
-          <a:blip r:embed="rId2">
-            <a:extLst>
-              <a:ext uri="{28A0092B-C50C-407E-A947-70E740481C1C}">
-                <a14:useLocalDpi xmlns:a14="http://schemas.microsoft.com/office/drawing/2010/main" val="0"/>
-              </a:ext>
-            </a:extLst>
-          </a:blip>
-          <a:srcRect/>
-          <a:stretch>
-            <a:fillRect/>
-          </a:stretch>
-        </p:blipFill>
-        <p:spPr bwMode="auto">
-          <a:xfrm>
-            <a:off x="0" y="4293096"/>
-            <a:ext cx="2987976" cy="2569659"/>
-          </a:xfrm>
-          <a:prstGeom prst="rect">
-            <a:avLst/>
-          </a:prstGeom>
-          <a:noFill/>
-          <a:ln>
-            <a:noFill/>
-          </a:ln>
-          <a:effectLst/>
-          <a:extLst>
-            <a:ext uri="{909E8E84-426E-40DD-AFC4-6F175D3DCCD1}">
-              <a14:hiddenFill xmlns:a14="http://schemas.microsoft.com/office/drawing/2010/main">
-                <a:solidFill>
-                  <a:schemeClr val="accent1"/>
-                </a:solidFill>
-              </a14:hiddenFill>
-            </a:ext>
-            <a:ext uri="{91240B29-F687-4F45-9708-019B960494DF}">
-              <a14:hiddenLine xmlns:a14="http://schemas.microsoft.com/office/drawing/2010/main" w="9525">
-                <a:solidFill>
-                  <a:schemeClr val="tx1"/>
-                </a:solidFill>
-                <a:miter lim="800000"/>
-                <a:headEnd/>
-                <a:tailEnd/>
-              </a14:hiddenLine>
-            </a:ext>
-            <a:ext uri="{AF507438-7753-43E0-B8FC-AC1667EBCBE1}">
-              <a14:hiddenEffects xmlns:a14="http://schemas.microsoft.com/office/drawing/2010/main">
-                <a:effectLst>
-                  <a:outerShdw dist="35921" dir="2700000" algn="ctr" rotWithShape="0">
-                    <a:schemeClr val="bg2"/>
-                  </a:outerShdw>
-                </a:effectLst>
-              </a14:hiddenEffects>
-            </a:ext>
-          </a:extLst>
-        </p:spPr>
-      </p:pic>
-      <p:pic>
-        <p:nvPicPr>
-          <p:cNvPr id="12290" name="Picture 2" descr="http://www.google.com.vn/url?source=imglanding&amp;ct=img&amp;q=http://www.hrgyaan.com/wp-content/uploads/2011/09/Make-a-Decision_old-lady.gif&amp;sa=X&amp;ei=FmEFT-eFCYGiiAfG0vihCg&amp;ved=0CAwQ8wc&amp;usg=AFQjCNED-DZDIT3_c-wXMyCX-sFnym3tkw"/>
-          <p:cNvPicPr>
-            <a:picLocks noChangeAspect="1" noChangeArrowheads="1"/>
-          </p:cNvPicPr>
-          <p:nvPr/>
-        </p:nvPicPr>
-        <p:blipFill>
-          <a:blip r:embed="rId3">
-            <a:extLst>
-              <a:ext uri="{28A0092B-C50C-407E-A947-70E740481C1C}">
-                <a14:useLocalDpi xmlns:a14="http://schemas.microsoft.com/office/drawing/2010/main" val="0"/>
-              </a:ext>
-            </a:extLst>
-          </a:blip>
-          <a:srcRect/>
-          <a:stretch>
-            <a:fillRect/>
-          </a:stretch>
-        </p:blipFill>
-        <p:spPr bwMode="auto">
-          <a:xfrm>
-            <a:off x="3995936" y="2740830"/>
-            <a:ext cx="3744417" cy="2808314"/>
-          </a:xfrm>
-          <a:prstGeom prst="rect">
-            <a:avLst/>
-          </a:prstGeom>
-          <a:noFill/>
-          <a:extLst>
-            <a:ext uri="{909E8E84-426E-40DD-AFC4-6F175D3DCCD1}">
-              <a14:hiddenFill xmlns:a14="http://schemas.microsoft.com/office/drawing/2010/main">
-                <a:solidFill>
-                  <a:srgbClr val="FFFFFF"/>
-                </a:solidFill>
-              </a14:hiddenFill>
-            </a:ext>
-          </a:extLst>
-        </p:spPr>
-      </p:pic>
     </p:spTree>
     <p:extLst>
       <p:ext uri="{BB962C8B-B14F-4D97-AF65-F5344CB8AC3E}">
-        <p14:creationId xmlns:p14="http://schemas.microsoft.com/office/powerpoint/2010/main" val="2379150528"/>
+        <p14:creationId xmlns:p14="http://schemas.microsoft.com/office/powerpoint/2010/main" val="1041764533"/>
       </p:ext>
     </p:extLst>
   </p:cSld>
@@ -16100,54 +16969,12 @@
       </p:grpSpPr>
       <p:sp>
         <p:nvSpPr>
-          <p:cNvPr id="5" name="Text Placeholder 4"/>
-          <p:cNvSpPr>
-            <a:spLocks noGrp="1"/>
-          </p:cNvSpPr>
-          <p:nvPr>
-            <p:ph type="body" idx="1"/>
-          </p:nvPr>
-        </p:nvSpPr>
-        <p:spPr/>
-        <p:txBody>
-          <a:bodyPr/>
-          <a:lstStyle/>
-          <a:p>
-            <a:endParaRPr lang="vi-VN" dirty="0"/>
-          </a:p>
-        </p:txBody>
-      </p:sp>
-      <p:sp>
-        <p:nvSpPr>
-          <p:cNvPr id="4" name="Title 3"/>
-          <p:cNvSpPr>
-            <a:spLocks noGrp="1"/>
-          </p:cNvSpPr>
-          <p:nvPr>
-            <p:ph type="title"/>
-          </p:nvPr>
-        </p:nvSpPr>
-        <p:spPr/>
-        <p:txBody>
-          <a:bodyPr/>
-          <a:lstStyle/>
-          <a:p>
-            <a:r>
-              <a:rPr lang="en-US" dirty="0" smtClean="0"/>
-              <a:t>GIẢI QUYẾT BÀI TOÁN</a:t>
-            </a:r>
-            <a:endParaRPr lang="vi-VN" dirty="0"/>
-          </a:p>
-        </p:txBody>
-      </p:sp>
-      <p:sp>
-        <p:nvSpPr>
           <p:cNvPr id="3" name="Slide Number Placeholder 2"/>
           <p:cNvSpPr>
             <a:spLocks noGrp="1"/>
           </p:cNvSpPr>
           <p:nvPr>
-            <p:ph type="sldNum" sz="quarter" idx="11"/>
+            <p:ph type="sldNum" sz="quarter" idx="12"/>
           </p:nvPr>
         </p:nvSpPr>
         <p:spPr/>
@@ -16170,51 +16997,10 @@
           </a:p>
         </p:txBody>
       </p:sp>
-      <p:pic>
-        <p:nvPicPr>
-          <p:cNvPr id="1026" name="Picture 2" descr="http://www.google.com.vn/url?source=imglanding&amp;ct=img&amp;q=http://merlin2011graduates.com/blog/wp-content/uploads/2011/11/solution.png&amp;sa=X&amp;ei=aGr9Tu7MA8aSiQeNou2xAQ&amp;ved=0CAsQ8wc&amp;usg=AFQjCNGcOPplEFMSM8mg_N0VQ-_h29Jsew"/>
-          <p:cNvPicPr>
-            <a:picLocks noChangeAspect="1" noChangeArrowheads="1"/>
-          </p:cNvPicPr>
-          <p:nvPr/>
-        </p:nvPicPr>
-        <p:blipFill>
-          <a:blip r:embed="rId2">
-            <a:extLst>
-              <a:ext uri="{28A0092B-C50C-407E-A947-70E740481C1C}">
-                <a14:useLocalDpi xmlns:a14="http://schemas.microsoft.com/office/drawing/2010/main" val="0"/>
-              </a:ext>
-            </a:extLst>
-          </a:blip>
-          <a:srcRect/>
-          <a:stretch>
-            <a:fillRect/>
-          </a:stretch>
-        </p:blipFill>
-        <p:spPr bwMode="auto">
-          <a:xfrm>
-            <a:off x="14515" y="2579418"/>
-            <a:ext cx="9114971" cy="4293096"/>
-          </a:xfrm>
-          <a:prstGeom prst="rect">
-            <a:avLst/>
-          </a:prstGeom>
-          <a:noFill/>
-          <a:extLst>
-            <a:ext uri="{909E8E84-426E-40DD-AFC4-6F175D3DCCD1}">
-              <a14:hiddenFill xmlns:a14="http://schemas.microsoft.com/office/drawing/2010/main">
-                <a:solidFill>
-                  <a:srgbClr val="FFFFFF"/>
-                </a:solidFill>
-              </a14:hiddenFill>
-            </a:ext>
-          </a:extLst>
-        </p:spPr>
-      </p:pic>
     </p:spTree>
     <p:extLst>
       <p:ext uri="{BB962C8B-B14F-4D97-AF65-F5344CB8AC3E}">
-        <p14:creationId xmlns:p14="http://schemas.microsoft.com/office/powerpoint/2010/main" val="1789735374"/>
+        <p14:creationId xmlns:p14="http://schemas.microsoft.com/office/powerpoint/2010/main" val="3438816456"/>
       </p:ext>
     </p:extLst>
   </p:cSld>
@@ -16224,86 +17010,7 @@
   <p:timing>
     <p:tnLst>
       <p:par>
-        <p:cTn id="1" dur="indefinite" restart="never" nodeType="tmRoot">
-          <p:childTnLst>
-            <p:seq concurrent="1" nextAc="seek">
-              <p:cTn id="2" dur="indefinite" nodeType="mainSeq">
-                <p:childTnLst>
-                  <p:par>
-                    <p:cTn id="3" fill="hold">
-                      <p:stCondLst>
-                        <p:cond delay="indefinite"/>
-                        <p:cond evt="onBegin" delay="0">
-                          <p:tn val="2"/>
-                        </p:cond>
-                      </p:stCondLst>
-                      <p:childTnLst>
-                        <p:par>
-                          <p:cTn id="4" fill="hold">
-                            <p:stCondLst>
-                              <p:cond delay="0"/>
-                            </p:stCondLst>
-                            <p:childTnLst>
-                              <p:par>
-                                <p:cTn id="5" presetID="10" presetClass="entr" presetSubtype="0" fill="hold" nodeType="withEffect">
-                                  <p:stCondLst>
-                                    <p:cond delay="0"/>
-                                  </p:stCondLst>
-                                  <p:childTnLst>
-                                    <p:set>
-                                      <p:cBhvr>
-                                        <p:cTn id="6" dur="1" fill="hold">
-                                          <p:stCondLst>
-                                            <p:cond delay="0"/>
-                                          </p:stCondLst>
-                                        </p:cTn>
-                                        <p:tgtEl>
-                                          <p:spTgt spid="1026"/>
-                                        </p:tgtEl>
-                                        <p:attrNameLst>
-                                          <p:attrName>style.visibility</p:attrName>
-                                        </p:attrNameLst>
-                                      </p:cBhvr>
-                                      <p:to>
-                                        <p:strVal val="visible"/>
-                                      </p:to>
-                                    </p:set>
-                                    <p:animEffect transition="in" filter="fade">
-                                      <p:cBhvr>
-                                        <p:cTn id="7" dur="500"/>
-                                        <p:tgtEl>
-                                          <p:spTgt spid="1026"/>
-                                        </p:tgtEl>
-                                      </p:cBhvr>
-                                    </p:animEffect>
-                                  </p:childTnLst>
-                                </p:cTn>
-                              </p:par>
-                            </p:childTnLst>
-                          </p:cTn>
-                        </p:par>
-                      </p:childTnLst>
-                    </p:cTn>
-                  </p:par>
-                </p:childTnLst>
-              </p:cTn>
-              <p:prevCondLst>
-                <p:cond evt="onPrev" delay="0">
-                  <p:tgtEl>
-                    <p:sldTgt/>
-                  </p:tgtEl>
-                </p:cond>
-              </p:prevCondLst>
-              <p:nextCondLst>
-                <p:cond evt="onNext" delay="0">
-                  <p:tgtEl>
-                    <p:sldTgt/>
-                  </p:tgtEl>
-                </p:cond>
-              </p:nextCondLst>
-            </p:seq>
-          </p:childTnLst>
-        </p:cTn>
+        <p:cTn id="1" dur="indefinite" restart="never" nodeType="tmRoot"/>
       </p:par>
     </p:tnLst>
   </p:timing>
@@ -16329,7 +17036,7 @@
       </p:grpSpPr>
       <p:sp>
         <p:nvSpPr>
-          <p:cNvPr id="5" name="Title 4"/>
+          <p:cNvPr id="2" name="Title 1"/>
           <p:cNvSpPr>
             <a:spLocks noGrp="1"/>
           </p:cNvSpPr>
@@ -16345,32 +17052,44 @@
           <a:lstStyle/>
           <a:p>
             <a:r>
-              <a:rPr lang="en-US" sz="4000" dirty="0" smtClean="0"/>
-              <a:t>Tag </a:t>
-            </a:r>
-            <a:r>
-              <a:rPr lang="en-US" sz="4000" dirty="0" err="1" smtClean="0"/>
-              <a:t>kết</a:t>
-            </a:r>
-            <a:r>
-              <a:rPr lang="en-US" sz="4000" dirty="0" smtClean="0"/>
+              <a:rPr lang="en-US" dirty="0" err="1" smtClean="0"/>
+              <a:t>Bài</a:t>
+            </a:r>
+            <a:r>
+              <a:rPr lang="en-US" dirty="0" smtClean="0"/>
               <a:t> </a:t>
             </a:r>
             <a:r>
-              <a:rPr lang="en-US" sz="4000" dirty="0" err="1" smtClean="0"/>
-              <a:t>hợp</a:t>
-            </a:r>
-            <a:r>
-              <a:rPr lang="en-US" sz="4000" dirty="0" smtClean="0"/>
-              <a:t> taxonomy</a:t>
-            </a:r>
-            <a:endParaRPr lang="vi-VN" sz="4000" dirty="0"/>
+              <a:rPr lang="en-US" dirty="0" err="1" smtClean="0"/>
+              <a:t>toán</a:t>
+            </a:r>
+            <a:r>
+              <a:rPr lang="en-US" dirty="0" smtClean="0"/>
+              <a:t> </a:t>
+            </a:r>
+            <a:r>
+              <a:rPr lang="en-US" dirty="0" err="1" smtClean="0"/>
+              <a:t>kiến</a:t>
+            </a:r>
+            <a:r>
+              <a:rPr lang="en-US" dirty="0" smtClean="0"/>
+              <a:t> </a:t>
+            </a:r>
+            <a:r>
+              <a:rPr lang="en-US" dirty="0" err="1" smtClean="0"/>
+              <a:t>trúc</a:t>
+            </a:r>
+            <a:r>
+              <a:rPr lang="en-US" dirty="0" smtClean="0"/>
+              <a:t> #2</a:t>
+            </a:r>
+            <a:endParaRPr lang="vi-VN" dirty="0"/>
           </a:p>
         </p:txBody>
       </p:sp>
       <p:sp>
         <p:nvSpPr>
-          <p:cNvPr id="4" name="Slide Number Placeholder 3"/>
+          <p:cNvPr id="3" name="Slide Number Placeholder 2"/>
           <p:cNvSpPr>
             <a:spLocks noGrp="1"/>
           </p:cNvSpPr>
@@ -16385,13 +17104,12 @@
           </a:bodyPr>
           <a:lstStyle/>
           <a:p>
-            <a:pPr algn="ctr"/>
             <a:fld id="{1AD93096-5B34-4342-9326-69289CEAE4C2}" type="slidenum">
               <a:rPr lang="en-US" smtClean="0"/>
-              <a:pPr algn="ctr"/>
+              <a:pPr/>
               <a:t>8</a:t>
             </a:fld>
-            <a:endParaRPr lang="en-US" sz="2400" dirty="0">
+            <a:endParaRPr lang="en-US" dirty="0">
               <a:solidFill>
                 <a:srgbClr val="FFFFFF"/>
               </a:solidFill>
@@ -16399,74 +17117,113 @@
           </a:p>
         </p:txBody>
       </p:sp>
-      <p:pic>
-        <p:nvPicPr>
-          <p:cNvPr id="87" name="Picture 2"/>
-          <p:cNvPicPr>
-            <a:picLocks noChangeAspect="1" noChangeArrowheads="1"/>
-          </p:cNvPicPr>
-          <p:nvPr/>
-        </p:nvPicPr>
-        <p:blipFill>
-          <a:blip r:embed="rId2">
-            <a:extLst>
-              <a:ext uri="{28A0092B-C50C-407E-A947-70E740481C1C}">
-                <a14:useLocalDpi xmlns:a14="http://schemas.microsoft.com/office/drawing/2010/main" val="0"/>
-              </a:ext>
-            </a:extLst>
-          </a:blip>
-          <a:srcRect/>
-          <a:stretch>
-            <a:fillRect/>
-          </a:stretch>
-        </p:blipFill>
-        <p:spPr bwMode="auto">
-          <a:xfrm>
-            <a:off x="611560" y="2204864"/>
-            <a:ext cx="8028384" cy="3380372"/>
-          </a:xfrm>
-          <a:prstGeom prst="rect">
-            <a:avLst/>
-          </a:prstGeom>
-          <a:noFill/>
-          <a:ln>
-            <a:noFill/>
-          </a:ln>
-          <a:effectLst/>
-          <a:extLst>
-            <a:ext uri="{909E8E84-426E-40DD-AFC4-6F175D3DCCD1}">
-              <a14:hiddenFill xmlns:a14="http://schemas.microsoft.com/office/drawing/2010/main">
-                <a:solidFill>
-                  <a:schemeClr val="accent1"/>
-                </a:solidFill>
-              </a14:hiddenFill>
-            </a:ext>
-            <a:ext uri="{91240B29-F687-4F45-9708-019B960494DF}">
-              <a14:hiddenLine xmlns:a14="http://schemas.microsoft.com/office/drawing/2010/main" w="9525">
-                <a:solidFill>
-                  <a:schemeClr val="tx1"/>
-                </a:solidFill>
-                <a:miter lim="800000"/>
-                <a:headEnd/>
-                <a:tailEnd/>
-              </a14:hiddenLine>
-            </a:ext>
-            <a:ext uri="{AF507438-7753-43E0-B8FC-AC1667EBCBE1}">
-              <a14:hiddenEffects xmlns:a14="http://schemas.microsoft.com/office/drawing/2010/main">
-                <a:effectLst>
-                  <a:outerShdw dist="35921" dir="2700000" algn="ctr" rotWithShape="0">
-                    <a:schemeClr val="bg2"/>
-                  </a:outerShdw>
-                </a:effectLst>
-              </a14:hiddenEffects>
-            </a:ext>
-          </a:extLst>
-        </p:spPr>
-      </p:pic>
+      <p:sp>
+        <p:nvSpPr>
+          <p:cNvPr id="4" name="Content Placeholder 3"/>
+          <p:cNvSpPr>
+            <a:spLocks noGrp="1"/>
+          </p:cNvSpPr>
+          <p:nvPr>
+            <p:ph sz="quarter" idx="1"/>
+          </p:nvPr>
+        </p:nvSpPr>
+        <p:spPr/>
+        <p:txBody>
+          <a:bodyPr/>
+          <a:lstStyle/>
+          <a:p>
+            <a:r>
+              <a:rPr lang="en-US" dirty="0" smtClean="0"/>
+              <a:t>So </a:t>
+            </a:r>
+            <a:r>
+              <a:rPr lang="en-US" dirty="0" err="1" smtClean="0"/>
+              <a:t>sánh</a:t>
+            </a:r>
+            <a:r>
+              <a:rPr lang="en-US" dirty="0" smtClean="0"/>
+              <a:t> </a:t>
+            </a:r>
+            <a:r>
+              <a:rPr lang="en-US" dirty="0" err="1" smtClean="0"/>
+              <a:t>mức</a:t>
+            </a:r>
+            <a:r>
+              <a:rPr lang="en-US" dirty="0" smtClean="0"/>
+              <a:t> </a:t>
+            </a:r>
+            <a:r>
+              <a:rPr lang="en-US" dirty="0" err="1" smtClean="0"/>
+              <a:t>độ</a:t>
+            </a:r>
+            <a:r>
+              <a:rPr lang="en-US" dirty="0" smtClean="0"/>
+              <a:t> </a:t>
+            </a:r>
+            <a:r>
+              <a:rPr lang="en-US" dirty="0" err="1" smtClean="0"/>
+              <a:t>tương</a:t>
+            </a:r>
+            <a:r>
+              <a:rPr lang="en-US" dirty="0" smtClean="0"/>
+              <a:t> </a:t>
+            </a:r>
+            <a:r>
+              <a:rPr lang="en-US" dirty="0" err="1" smtClean="0"/>
+              <a:t>quan</a:t>
+            </a:r>
+            <a:r>
+              <a:rPr lang="en-US" dirty="0" smtClean="0"/>
+              <a:t> </a:t>
+            </a:r>
+            <a:r>
+              <a:rPr lang="en-US" dirty="0" err="1" smtClean="0"/>
+              <a:t>giữa</a:t>
+            </a:r>
+            <a:r>
+              <a:rPr lang="en-US" dirty="0" smtClean="0"/>
+              <a:t> </a:t>
+            </a:r>
+            <a:r>
+              <a:rPr lang="en-US" dirty="0" err="1" smtClean="0"/>
+              <a:t>các</a:t>
+            </a:r>
+            <a:r>
+              <a:rPr lang="en-US" dirty="0" smtClean="0"/>
+              <a:t> </a:t>
+            </a:r>
+            <a:r>
+              <a:rPr lang="en-US" dirty="0" err="1" smtClean="0"/>
+              <a:t>thông</a:t>
+            </a:r>
+            <a:r>
+              <a:rPr lang="en-US" dirty="0" smtClean="0"/>
+              <a:t> tin </a:t>
+            </a:r>
+            <a:r>
+              <a:rPr lang="en-US" dirty="0" err="1" smtClean="0"/>
+              <a:t>với</a:t>
+            </a:r>
+            <a:r>
+              <a:rPr lang="en-US" dirty="0" smtClean="0"/>
+              <a:t> </a:t>
+            </a:r>
+            <a:r>
+              <a:rPr lang="en-US" dirty="0" err="1" smtClean="0"/>
+              <a:t>nhau</a:t>
+            </a:r>
+            <a:r>
+              <a:rPr lang="en-US" dirty="0" smtClean="0"/>
+              <a:t>.</a:t>
+            </a:r>
+            <a:endParaRPr lang="vi-VN" dirty="0"/>
+          </a:p>
+        </p:txBody>
+      </p:sp>
     </p:spTree>
     <p:extLst>
       <p:ext uri="{BB962C8B-B14F-4D97-AF65-F5344CB8AC3E}">
-        <p14:creationId xmlns:p14="http://schemas.microsoft.com/office/powerpoint/2010/main" val="3162985393"/>
+        <p14:creationId xmlns:p14="http://schemas.microsoft.com/office/powerpoint/2010/main" val="4107862945"/>
       </p:ext>
     </p:extLst>
   </p:cSld>
@@ -16476,86 +17233,7 @@
   <p:timing>
     <p:tnLst>
       <p:par>
-        <p:cTn id="1" dur="indefinite" restart="never" nodeType="tmRoot">
-          <p:childTnLst>
-            <p:seq concurrent="1" nextAc="seek">
-              <p:cTn id="2" dur="indefinite" nodeType="mainSeq">
-                <p:childTnLst>
-                  <p:par>
-                    <p:cTn id="3" fill="hold">
-                      <p:stCondLst>
-                        <p:cond delay="indefinite"/>
-                        <p:cond evt="onBegin" delay="0">
-                          <p:tn val="2"/>
-                        </p:cond>
-                      </p:stCondLst>
-                      <p:childTnLst>
-                        <p:par>
-                          <p:cTn id="4" fill="hold">
-                            <p:stCondLst>
-                              <p:cond delay="0"/>
-                            </p:stCondLst>
-                            <p:childTnLst>
-                              <p:par>
-                                <p:cTn id="5" presetID="10" presetClass="entr" presetSubtype="0" fill="hold" nodeType="withEffect">
-                                  <p:stCondLst>
-                                    <p:cond delay="0"/>
-                                  </p:stCondLst>
-                                  <p:childTnLst>
-                                    <p:set>
-                                      <p:cBhvr>
-                                        <p:cTn id="6" dur="1" fill="hold">
-                                          <p:stCondLst>
-                                            <p:cond delay="0"/>
-                                          </p:stCondLst>
-                                        </p:cTn>
-                                        <p:tgtEl>
-                                          <p:spTgt spid="87"/>
-                                        </p:tgtEl>
-                                        <p:attrNameLst>
-                                          <p:attrName>style.visibility</p:attrName>
-                                        </p:attrNameLst>
-                                      </p:cBhvr>
-                                      <p:to>
-                                        <p:strVal val="visible"/>
-                                      </p:to>
-                                    </p:set>
-                                    <p:animEffect transition="in" filter="fade">
-                                      <p:cBhvr>
-                                        <p:cTn id="7" dur="500"/>
-                                        <p:tgtEl>
-                                          <p:spTgt spid="87"/>
-                                        </p:tgtEl>
-                                      </p:cBhvr>
-                                    </p:animEffect>
-                                  </p:childTnLst>
-                                </p:cTn>
-                              </p:par>
-                            </p:childTnLst>
-                          </p:cTn>
-                        </p:par>
-                      </p:childTnLst>
-                    </p:cTn>
-                  </p:par>
-                </p:childTnLst>
-              </p:cTn>
-              <p:prevCondLst>
-                <p:cond evt="onPrev" delay="0">
-                  <p:tgtEl>
-                    <p:sldTgt/>
-                  </p:tgtEl>
-                </p:cond>
-              </p:prevCondLst>
-              <p:nextCondLst>
-                <p:cond evt="onNext" delay="0">
-                  <p:tgtEl>
-                    <p:sldTgt/>
-                  </p:tgtEl>
-                </p:cond>
-              </p:nextCondLst>
-            </p:seq>
-          </p:childTnLst>
-        </p:cTn>
+        <p:cTn id="1" dur="indefinite" restart="never" nodeType="tmRoot"/>
       </p:par>
     </p:tnLst>
   </p:timing>
@@ -16591,44 +17269,22 @@
         </p:nvSpPr>
         <p:spPr/>
         <p:txBody>
-          <a:bodyPr>
-            <a:normAutofit/>
-          </a:bodyPr>
+          <a:bodyPr/>
           <a:lstStyle/>
           <a:p>
             <a:r>
-              <a:rPr lang="en-US" sz="3600" dirty="0" err="1" smtClean="0"/>
-              <a:t>Giải</a:t>
-            </a:r>
-            <a:r>
-              <a:rPr lang="en-US" sz="3600" dirty="0" smtClean="0"/>
-              <a:t> </a:t>
-            </a:r>
-            <a:r>
-              <a:rPr lang="en-US" sz="3600" dirty="0" err="1" smtClean="0"/>
-              <a:t>pháp</a:t>
-            </a:r>
-            <a:r>
-              <a:rPr lang="en-US" sz="3600" dirty="0" smtClean="0"/>
-              <a:t> so </a:t>
-            </a:r>
-            <a:r>
-              <a:rPr lang="en-US" sz="3600" dirty="0" err="1" smtClean="0"/>
-              <a:t>khớp</a:t>
-            </a:r>
-            <a:r>
-              <a:rPr lang="en-US" sz="3600" dirty="0" smtClean="0"/>
-              <a:t> </a:t>
-            </a:r>
-            <a:r>
-              <a:rPr lang="en-US" sz="3600" dirty="0" err="1" smtClean="0"/>
-              <a:t>thông</a:t>
-            </a:r>
-            <a:r>
-              <a:rPr lang="en-US" sz="3600" dirty="0" smtClean="0"/>
-              <a:t> tin</a:t>
-            </a:r>
-            <a:endParaRPr lang="vi-VN" sz="3600" dirty="0"/>
+              <a:rPr lang="en-US"/>
+              <a:t>Bài toán kiến </a:t>
+            </a:r>
+            <a:r>
+              <a:rPr lang="en-US"/>
+              <a:t>trúc </a:t>
+            </a:r>
+            <a:r>
+              <a:rPr lang="en-US" smtClean="0"/>
+              <a:t>#3</a:t>
+            </a:r>
+            <a:endParaRPr lang="en-US"/>
           </a:p>
         </p:txBody>
       </p:sp>
@@ -16662,76 +17318,42 @@
           </a:p>
         </p:txBody>
       </p:sp>
-      <p:pic>
-        <p:nvPicPr>
-          <p:cNvPr id="1026" name="Picture 2"/>
-          <p:cNvPicPr>
-            <a:picLocks noGrp="1" noChangeAspect="1" noChangeArrowheads="1"/>
-          </p:cNvPicPr>
+      <p:sp>
+        <p:nvSpPr>
+          <p:cNvPr id="4" name="Content Placeholder 3"/>
+          <p:cNvSpPr>
+            <a:spLocks noGrp="1"/>
+          </p:cNvSpPr>
           <p:nvPr>
             <p:ph sz="quarter" idx="1"/>
           </p:nvPr>
-        </p:nvPicPr>
-        <p:blipFill>
-          <a:blip r:embed="rId2">
-            <a:extLst>
-              <a:ext uri="{28A0092B-C50C-407E-A947-70E740481C1C}">
-                <a14:useLocalDpi xmlns:a14="http://schemas.microsoft.com/office/drawing/2010/main" val="0"/>
-              </a:ext>
-            </a:extLst>
-          </a:blip>
-          <a:srcRect/>
-          <a:stretch>
-            <a:fillRect/>
-          </a:stretch>
-        </p:blipFill>
-        <p:spPr bwMode="auto">
-          <a:xfrm>
-            <a:off x="2123728" y="1668112"/>
-            <a:ext cx="4833393" cy="5189888"/>
-          </a:xfrm>
-          <a:prstGeom prst="rect">
-            <a:avLst/>
-          </a:prstGeom>
-          <a:noFill/>
-          <a:ln>
-            <a:noFill/>
-          </a:ln>
-          <a:effectLst/>
-          <a:extLst>
-            <a:ext uri="{909E8E84-426E-40DD-AFC4-6F175D3DCCD1}">
-              <a14:hiddenFill xmlns:a14="http://schemas.microsoft.com/office/drawing/2010/main">
-                <a:solidFill>
-                  <a:schemeClr val="accent1"/>
-                </a:solidFill>
-              </a14:hiddenFill>
-            </a:ext>
-            <a:ext uri="{91240B29-F687-4F45-9708-019B960494DF}">
-              <a14:hiddenLine xmlns:a14="http://schemas.microsoft.com/office/drawing/2010/main" w="9525">
-                <a:solidFill>
-                  <a:schemeClr val="tx1"/>
-                </a:solidFill>
-                <a:miter lim="800000"/>
-                <a:headEnd/>
-                <a:tailEnd/>
-              </a14:hiddenLine>
-            </a:ext>
-            <a:ext uri="{AF507438-7753-43E0-B8FC-AC1667EBCBE1}">
-              <a14:hiddenEffects xmlns:a14="http://schemas.microsoft.com/office/drawing/2010/main">
-                <a:effectLst>
-                  <a:outerShdw dist="35921" dir="2700000" algn="ctr" rotWithShape="0">
-                    <a:schemeClr val="bg2"/>
-                  </a:outerShdw>
-                </a:effectLst>
-              </a14:hiddenEffects>
-            </a:ext>
-          </a:extLst>
-        </p:spPr>
-      </p:pic>
+        </p:nvSpPr>
+        <p:spPr/>
+        <p:txBody>
+          <a:bodyPr/>
+          <a:lstStyle/>
+          <a:p>
+            <a:r>
+              <a:rPr lang="en-US" smtClean="0"/>
+              <a:t>Khai thác dữ liệu (data mining) giúp đưa ra thông tin hữu ích, thông tin mang tính quyết định.</a:t>
+            </a:r>
+          </a:p>
+          <a:p>
+            <a:pPr>
+              <a:buFont typeface="Symbol"/>
+              <a:buChar char="Þ"/>
+            </a:pPr>
+            <a:r>
+              <a:rPr lang="en-US" smtClean="0"/>
+              <a:t>Sử dụng kiến trúc tổ chức thông tin linh hoạt trên, làm thế nào cung cấp giải pháp hỗ trợ khai thác dữ liệu?</a:t>
+            </a:r>
+          </a:p>
+        </p:txBody>
+      </p:sp>
     </p:spTree>
     <p:extLst>
       <p:ext uri="{BB962C8B-B14F-4D97-AF65-F5344CB8AC3E}">
-        <p14:creationId xmlns:p14="http://schemas.microsoft.com/office/powerpoint/2010/main" val="1169248967"/>
+        <p14:creationId xmlns:p14="http://schemas.microsoft.com/office/powerpoint/2010/main" val="889496809"/>
       </p:ext>
     </p:extLst>
   </p:cSld>
@@ -16741,86 +17363,7 @@
   <p:timing>
     <p:tnLst>
       <p:par>
-        <p:cTn id="1" dur="indefinite" restart="never" nodeType="tmRoot">
-          <p:childTnLst>
-            <p:seq concurrent="1" nextAc="seek">
-              <p:cTn id="2" dur="indefinite" nodeType="mainSeq">
-                <p:childTnLst>
-                  <p:par>
-                    <p:cTn id="3" fill="hold">
-                      <p:stCondLst>
-                        <p:cond delay="indefinite"/>
-                        <p:cond evt="onBegin" delay="0">
-                          <p:tn val="2"/>
-                        </p:cond>
-                      </p:stCondLst>
-                      <p:childTnLst>
-                        <p:par>
-                          <p:cTn id="4" fill="hold">
-                            <p:stCondLst>
-                              <p:cond delay="0"/>
-                            </p:stCondLst>
-                            <p:childTnLst>
-                              <p:par>
-                                <p:cTn id="5" presetID="10" presetClass="entr" presetSubtype="0" fill="hold" nodeType="withEffect">
-                                  <p:stCondLst>
-                                    <p:cond delay="0"/>
-                                  </p:stCondLst>
-                                  <p:childTnLst>
-                                    <p:set>
-                                      <p:cBhvr>
-                                        <p:cTn id="6" dur="1" fill="hold">
-                                          <p:stCondLst>
-                                            <p:cond delay="0"/>
-                                          </p:stCondLst>
-                                        </p:cTn>
-                                        <p:tgtEl>
-                                          <p:spTgt spid="1026"/>
-                                        </p:tgtEl>
-                                        <p:attrNameLst>
-                                          <p:attrName>style.visibility</p:attrName>
-                                        </p:attrNameLst>
-                                      </p:cBhvr>
-                                      <p:to>
-                                        <p:strVal val="visible"/>
-                                      </p:to>
-                                    </p:set>
-                                    <p:animEffect transition="in" filter="fade">
-                                      <p:cBhvr>
-                                        <p:cTn id="7" dur="500"/>
-                                        <p:tgtEl>
-                                          <p:spTgt spid="1026"/>
-                                        </p:tgtEl>
-                                      </p:cBhvr>
-                                    </p:animEffect>
-                                  </p:childTnLst>
-                                </p:cTn>
-                              </p:par>
-                            </p:childTnLst>
-                          </p:cTn>
-                        </p:par>
-                      </p:childTnLst>
-                    </p:cTn>
-                  </p:par>
-                </p:childTnLst>
-              </p:cTn>
-              <p:prevCondLst>
-                <p:cond evt="onPrev" delay="0">
-                  <p:tgtEl>
-                    <p:sldTgt/>
-                  </p:tgtEl>
-                </p:cond>
-              </p:prevCondLst>
-              <p:nextCondLst>
-                <p:cond evt="onNext" delay="0">
-                  <p:tgtEl>
-                    <p:sldTgt/>
-                  </p:tgtEl>
-                </p:cond>
-              </p:nextCondLst>
-            </p:seq>
-          </p:childTnLst>
-        </p:cTn>
+        <p:cTn id="1" dur="indefinite" restart="never" nodeType="tmRoot"/>
       </p:par>
     </p:tnLst>
   </p:timing>

--- a/Documents/JobZoom Presentation.pptx
+++ b/Documents/JobZoom Presentation.pptx
@@ -5,10 +5,10 @@
     <p:sldMasterId id="2147483694" r:id="rId1"/>
   </p:sldMasterIdLst>
   <p:notesMasterIdLst>
-    <p:notesMasterId r:id="rId36"/>
+    <p:notesMasterId r:id="rId35"/>
   </p:notesMasterIdLst>
   <p:handoutMasterIdLst>
-    <p:handoutMasterId r:id="rId37"/>
+    <p:handoutMasterId r:id="rId36"/>
   </p:handoutMasterIdLst>
   <p:sldIdLst>
     <p:sldId id="292" r:id="rId2"/>
@@ -23,28 +23,27 @@
     <p:sldId id="286" r:id="rId11"/>
     <p:sldId id="287" r:id="rId12"/>
     <p:sldId id="288" r:id="rId13"/>
-    <p:sldId id="291" r:id="rId14"/>
-    <p:sldId id="263" r:id="rId15"/>
-    <p:sldId id="289" r:id="rId16"/>
-    <p:sldId id="280" r:id="rId17"/>
-    <p:sldId id="285" r:id="rId18"/>
-    <p:sldId id="265" r:id="rId19"/>
-    <p:sldId id="266" r:id="rId20"/>
-    <p:sldId id="282" r:id="rId21"/>
-    <p:sldId id="267" r:id="rId22"/>
-    <p:sldId id="268" r:id="rId23"/>
-    <p:sldId id="269" r:id="rId24"/>
-    <p:sldId id="264" r:id="rId25"/>
-    <p:sldId id="270" r:id="rId26"/>
-    <p:sldId id="271" r:id="rId27"/>
-    <p:sldId id="272" r:id="rId28"/>
-    <p:sldId id="273" r:id="rId29"/>
-    <p:sldId id="274" r:id="rId30"/>
-    <p:sldId id="275" r:id="rId31"/>
-    <p:sldId id="279" r:id="rId32"/>
-    <p:sldId id="276" r:id="rId33"/>
-    <p:sldId id="277" r:id="rId34"/>
-    <p:sldId id="278" r:id="rId35"/>
+    <p:sldId id="263" r:id="rId14"/>
+    <p:sldId id="289" r:id="rId15"/>
+    <p:sldId id="280" r:id="rId16"/>
+    <p:sldId id="285" r:id="rId17"/>
+    <p:sldId id="265" r:id="rId18"/>
+    <p:sldId id="266" r:id="rId19"/>
+    <p:sldId id="282" r:id="rId20"/>
+    <p:sldId id="267" r:id="rId21"/>
+    <p:sldId id="268" r:id="rId22"/>
+    <p:sldId id="269" r:id="rId23"/>
+    <p:sldId id="264" r:id="rId24"/>
+    <p:sldId id="270" r:id="rId25"/>
+    <p:sldId id="271" r:id="rId26"/>
+    <p:sldId id="272" r:id="rId27"/>
+    <p:sldId id="273" r:id="rId28"/>
+    <p:sldId id="274" r:id="rId29"/>
+    <p:sldId id="275" r:id="rId30"/>
+    <p:sldId id="279" r:id="rId31"/>
+    <p:sldId id="276" r:id="rId32"/>
+    <p:sldId id="277" r:id="rId33"/>
+    <p:sldId id="278" r:id="rId34"/>
   </p:sldIdLst>
   <p:sldSz cx="9144000" cy="6858000" type="screen4x3"/>
   <p:notesSz cx="6858000" cy="9144000"/>
@@ -6023,7 +6022,7 @@
             <a:pPr algn="ctr"/>
             <a:fld id="{DB3AC4FF-7527-473D-9116-A78ACDB7B002}" type="datetime8">
               <a:rPr lang="en-US" smtClean="0"/>
-              <a:t>1/6/2012 3:01 AM</a:t>
+              <a:t>1/6/2012 5:52 AM</a:t>
             </a:fld>
             <a:endParaRPr lang="en-US" sz="2000" dirty="0">
               <a:solidFill>
@@ -6239,7 +6238,7 @@
                   <a:schemeClr val="tx2"/>
                 </a:solidFill>
               </a:rPr>
-              <a:t>1/6/2012 3:01 AM</a:t>
+              <a:t>1/6/2012 5:52 AM</a:t>
             </a:fld>
             <a:endParaRPr lang="en-US"/>
           </a:p>
@@ -6435,7 +6434,7 @@
                   <a:schemeClr val="tx2"/>
                 </a:solidFill>
               </a:rPr>
-              <a:t>1/6/2012 3:01 AM</a:t>
+              <a:t>1/6/2012 5:52 AM</a:t>
             </a:fld>
             <a:endParaRPr lang="en-US" dirty="0"/>
           </a:p>
@@ -6737,7 +6736,7 @@
           <a:p>
             <a:fld id="{ACFA9F14-9E1D-4A50-9760-EADEBCF8875A}" type="datetime8">
               <a:rPr lang="en-US" smtClean="0"/>
-              <a:t>1/6/2012 3:01 AM</a:t>
+              <a:t>1/6/2012 5:52 AM</a:t>
             </a:fld>
             <a:endParaRPr lang="en-US" dirty="0"/>
           </a:p>
@@ -7153,7 +7152,7 @@
           <a:p>
             <a:fld id="{67583CB6-BCF9-42D4-BCDC-9094FDF08539}" type="datetime8">
               <a:rPr lang="en-US" smtClean="0"/>
-              <a:t>1/6/2012 3:01 AM</a:t>
+              <a:t>1/6/2012 5:52 AM</a:t>
             </a:fld>
             <a:endParaRPr lang="en-US"/>
           </a:p>
@@ -7408,7 +7407,7 @@
           <a:p>
             <a:fld id="{F3B0C4B6-2525-4AE6-B3C3-55AC237D96E5}" type="datetime8">
               <a:rPr lang="en-US" smtClean="0"/>
-              <a:t>1/6/2012 3:01 AM</a:t>
+              <a:t>1/6/2012 5:52 AM</a:t>
             </a:fld>
             <a:endParaRPr lang="en-US"/>
           </a:p>
@@ -7653,7 +7652,7 @@
           <a:p>
             <a:fld id="{B0884233-0FCF-49FD-96DF-1DAAE5FB8E5F}" type="datetime8">
               <a:rPr lang="en-US" smtClean="0"/>
-              <a:t>1/6/2012 3:01 AM</a:t>
+              <a:t>1/6/2012 5:52 AM</a:t>
             </a:fld>
             <a:endParaRPr lang="en-US"/>
           </a:p>
@@ -7850,7 +7849,7 @@
           <a:p>
             <a:fld id="{925A36DC-A6B9-49A0-8592-C10893892C73}" type="datetime8">
               <a:rPr lang="en-US" smtClean="0"/>
-              <a:t>1/6/2012 3:01 AM</a:t>
+              <a:t>1/6/2012 5:52 AM</a:t>
             </a:fld>
             <a:endParaRPr lang="en-US"/>
           </a:p>
@@ -7953,7 +7952,7 @@
           <a:p>
             <a:fld id="{9D46CA07-655C-445C-9C09-8E6C2DF4CEC3}" type="datetime8">
               <a:rPr lang="en-US" smtClean="0"/>
-              <a:t>1/6/2012 3:01 AM</a:t>
+              <a:t>1/6/2012 5:52 AM</a:t>
             </a:fld>
             <a:endParaRPr lang="en-US"/>
           </a:p>
@@ -8101,7 +8100,7 @@
           <a:p>
             <a:fld id="{F2D3B79E-6498-490A-A85A-E8302493EBB7}" type="datetime8">
               <a:rPr lang="en-US" smtClean="0"/>
-              <a:t>1/6/2012 3:01 AM</a:t>
+              <a:t>1/6/2012 5:52 AM</a:t>
             </a:fld>
             <a:endParaRPr lang="en-US"/>
           </a:p>
@@ -8575,7 +8574,7 @@
           <a:p>
             <a:fld id="{D73C48E5-5E3A-4FFD-8978-6ECFCE87ADA1}" type="datetime8">
               <a:rPr lang="en-US" smtClean="0"/>
-              <a:t>1/6/2012 3:01 AM</a:t>
+              <a:t>1/6/2012 5:52 AM</a:t>
             </a:fld>
             <a:endParaRPr lang="en-US"/>
           </a:p>
@@ -8858,7 +8857,7 @@
                   <a:schemeClr val="tx2"/>
                 </a:solidFill>
               </a:rPr>
-              <a:t>1/6/2012 3:01 AM</a:t>
+              <a:t>1/6/2012 5:52 AM</a:t>
             </a:fld>
             <a:endParaRPr lang="en-US" sz="1400" dirty="0">
               <a:solidFill>
@@ -9505,7 +9504,7 @@
         <p:spPr>
           <a:xfrm>
             <a:off x="0" y="0"/>
-            <a:ext cx="9144000" cy="6096000"/>
+            <a:ext cx="9144000" cy="6858000"/>
           </a:xfrm>
         </p:spPr>
         <p:txBody>
@@ -9515,75 +9514,283 @@
           <a:lstStyle/>
           <a:p>
             <a:r>
+              <a:rPr lang="en-US" smtClean="0">
+                <a:solidFill>
+                  <a:srgbClr val="FF0000"/>
+                </a:solidFill>
+              </a:rPr>
+              <a:t>Thuyết trình: </a:t>
+            </a:r>
+            <a:r>
+              <a:rPr lang="en-US" smtClean="0">
+                <a:solidFill>
+                  <a:srgbClr val="FF0000"/>
+                </a:solidFill>
+              </a:rPr>
+              <a:t>25 </a:t>
+            </a:r>
+            <a:r>
+              <a:rPr lang="en-US" smtClean="0">
+                <a:solidFill>
+                  <a:srgbClr val="FF0000"/>
+                </a:solidFill>
+              </a:rPr>
+              <a:t>mins</a:t>
+            </a:r>
+          </a:p>
+          <a:p>
+            <a:pPr lvl="1"/>
+            <a:r>
+              <a:rPr lang="en-US" u="sng" smtClean="0"/>
+              <a:t>Giới thiệu bài toán:</a:t>
+            </a:r>
+            <a:r>
               <a:rPr lang="en-US" smtClean="0"/>
-              <a:t>Thuyết trình: 15 mins</a:t>
-            </a:r>
+              <a:t> 				</a:t>
+            </a:r>
+            <a:r>
+              <a:rPr lang="en-US" smtClean="0"/>
+              <a:t>	</a:t>
+            </a:r>
+            <a:r>
+              <a:rPr lang="en-US" b="1" smtClean="0">
+                <a:solidFill>
+                  <a:srgbClr val="FF0000"/>
+                </a:solidFill>
+              </a:rPr>
+              <a:t>3’</a:t>
+            </a:r>
+            <a:endParaRPr lang="en-US" b="1" smtClean="0">
+              <a:solidFill>
+                <a:srgbClr val="FF0000"/>
+              </a:solidFill>
+            </a:endParaRPr>
           </a:p>
           <a:p>
             <a:pPr lvl="1"/>
             <a:r>
+              <a:rPr lang="en-US" u="sng" smtClean="0"/>
+              <a:t>Giải quyết bài toán</a:t>
+            </a:r>
+            <a:r>
+              <a:rPr lang="en-US" u="sng" smtClean="0"/>
+              <a:t>:</a:t>
+            </a:r>
+            <a:r>
               <a:rPr lang="en-US" smtClean="0"/>
-              <a:t>Giới thiệu bài toán: 				3 mins</a:t>
-            </a:r>
+              <a:t>					</a:t>
+            </a:r>
+            <a:r>
+              <a:rPr lang="en-US" b="1" smtClean="0">
+                <a:solidFill>
+                  <a:srgbClr val="FF0000"/>
+                </a:solidFill>
+              </a:rPr>
+              <a:t>6’</a:t>
+            </a:r>
+            <a:endParaRPr lang="en-US" b="1" smtClean="0">
+              <a:solidFill>
+                <a:srgbClr val="FF0000"/>
+              </a:solidFill>
+            </a:endParaRPr>
+          </a:p>
+          <a:p>
+            <a:pPr lvl="2"/>
+            <a:r>
+              <a:rPr lang="en-US" smtClean="0"/>
+              <a:t>Tổ chức thông tin theo Hierarchy: 		</a:t>
+            </a:r>
+            <a:r>
+              <a:rPr lang="en-US" smtClean="0"/>
+              <a:t>	</a:t>
+            </a:r>
+            <a:r>
+              <a:rPr lang="en-US" i="1" smtClean="0"/>
+              <a:t>2’</a:t>
+            </a:r>
+            <a:endParaRPr lang="en-US" i="1" smtClean="0"/>
+          </a:p>
+          <a:p>
+            <a:pPr lvl="2"/>
+            <a:r>
+              <a:rPr lang="en-US" smtClean="0"/>
+              <a:t>So khớp thông tin: 				</a:t>
+            </a:r>
+            <a:r>
+              <a:rPr lang="en-US" smtClean="0"/>
+              <a:t>	</a:t>
+            </a:r>
+            <a:r>
+              <a:rPr lang="en-US" i="1" smtClean="0"/>
+              <a:t>2’</a:t>
+            </a:r>
+            <a:endParaRPr lang="en-US" i="1" smtClean="0"/>
+          </a:p>
+          <a:p>
+            <a:pPr lvl="2"/>
+            <a:r>
+              <a:rPr lang="en-US" smtClean="0"/>
+              <a:t>Ứng dụng Decision tree			</a:t>
+            </a:r>
+            <a:r>
+              <a:rPr lang="en-US" smtClean="0"/>
+              <a:t>	</a:t>
+            </a:r>
+            <a:r>
+              <a:rPr lang="en-US" i="1" smtClean="0"/>
+              <a:t>2’</a:t>
+            </a:r>
+            <a:endParaRPr lang="en-US" i="1" smtClean="0"/>
           </a:p>
           <a:p>
             <a:pPr lvl="1"/>
             <a:r>
+              <a:rPr lang="en-US" u="sng" smtClean="0"/>
+              <a:t>Giải pháp Job Zoom framework:</a:t>
+            </a:r>
+            <a:r>
               <a:rPr lang="en-US" smtClean="0"/>
-              <a:t>Giải quyết bài toán:</a:t>
-            </a:r>
+              <a:t> </a:t>
+            </a:r>
+            <a:r>
+              <a:rPr lang="en-US" smtClean="0"/>
+              <a:t>			</a:t>
+            </a:r>
+            <a:r>
+              <a:rPr lang="en-US" b="1" smtClean="0">
+                <a:solidFill>
+                  <a:srgbClr val="FF0000"/>
+                </a:solidFill>
+              </a:rPr>
+              <a:t>6’</a:t>
+            </a:r>
+            <a:endParaRPr lang="en-US" b="1" smtClean="0">
+              <a:solidFill>
+                <a:srgbClr val="FF0000"/>
+              </a:solidFill>
+            </a:endParaRPr>
           </a:p>
           <a:p>
             <a:pPr lvl="2"/>
             <a:r>
               <a:rPr lang="en-US" smtClean="0"/>
-              <a:t>Tổ chức thông tin theo Hierarchy: 		2 mins</a:t>
+              <a:t>3 + 1 Vấn đề chính cần giải quyết JobZoom	</a:t>
+            </a:r>
+            <a:r>
+              <a:rPr lang="en-US" i="1" smtClean="0"/>
+              <a:t>1’</a:t>
             </a:r>
           </a:p>
           <a:p>
             <a:pPr lvl="2"/>
             <a:r>
               <a:rPr lang="en-US" smtClean="0"/>
-              <a:t>So khớp thông tin: 				2 mins</a:t>
+              <a:t>Kiến trúc tổng quan					</a:t>
+            </a:r>
+            <a:r>
+              <a:rPr lang="en-US" i="1" smtClean="0"/>
+              <a:t>1’</a:t>
             </a:r>
           </a:p>
           <a:p>
             <a:pPr lvl="2"/>
             <a:r>
               <a:rPr lang="en-US" smtClean="0"/>
-              <a:t>Ứng dụng Decision tree			2 mins</a:t>
+              <a:t>Tổ chức Tag &amp; Hierarchy &amp; mapping		</a:t>
+            </a:r>
+            <a:r>
+              <a:rPr lang="en-US" i="1" smtClean="0"/>
+              <a:t>1’</a:t>
+            </a:r>
+            <a:endParaRPr lang="en-US" smtClean="0"/>
+          </a:p>
+          <a:p>
+            <a:pPr lvl="2"/>
+            <a:r>
+              <a:rPr lang="en-US" smtClean="0"/>
+              <a:t>Matching tool						</a:t>
+            </a:r>
+            <a:r>
+              <a:rPr lang="en-US" i="1" smtClean="0"/>
+              <a:t>1’</a:t>
+            </a:r>
+            <a:endParaRPr lang="en-US" smtClean="0"/>
+          </a:p>
+          <a:p>
+            <a:pPr lvl="2"/>
+            <a:r>
+              <a:rPr lang="en-US" smtClean="0"/>
+              <a:t>Decision tree						2’</a:t>
             </a:r>
           </a:p>
           <a:p>
             <a:pPr lvl="1"/>
             <a:r>
+              <a:rPr lang="en-US" u="sng" smtClean="0"/>
+              <a:t>Demo</a:t>
+            </a:r>
+            <a:r>
               <a:rPr lang="en-US" smtClean="0"/>
-              <a:t>Giải pháp Job Zoom framework: 5 phút</a:t>
-            </a:r>
-          </a:p>
-          <a:p>
-            <a:pPr lvl="2"/>
+              <a:t>							</a:t>
+            </a:r>
+            <a:r>
+              <a:rPr lang="en-US" b="1" smtClean="0">
+                <a:solidFill>
+                  <a:srgbClr val="FF0000"/>
+                </a:solidFill>
+              </a:rPr>
+              <a:t>8’</a:t>
+            </a:r>
+          </a:p>
+          <a:p>
+            <a:pPr lvl="1"/>
+            <a:r>
+              <a:rPr lang="en-US" u="sng" smtClean="0"/>
+              <a:t>Đánh giá &amp; hướng phát triển</a:t>
+            </a:r>
             <a:r>
               <a:rPr lang="en-US" smtClean="0"/>
-              <a:t>Các vấn đề cần giải quyết:			1 min</a:t>
-            </a:r>
-          </a:p>
-          <a:p>
-            <a:pPr lvl="2"/>
-            <a:endParaRPr lang="en-US" smtClean="0"/>
-          </a:p>
-          <a:p>
-            <a:r>
-              <a:rPr lang="en-US" smtClean="0"/>
-              <a:t>Demo: 10 phút</a:t>
-            </a:r>
-          </a:p>
-          <a:p>
-            <a:r>
-              <a:rPr lang="en-US" smtClean="0"/>
-              <a:t>Q&amp;A: 20 phút</a:t>
-            </a:r>
-            <a:endParaRPr lang="en-US"/>
+              <a:t>			</a:t>
+            </a:r>
+            <a:r>
+              <a:rPr lang="en-US" b="1" smtClean="0">
+                <a:solidFill>
+                  <a:srgbClr val="FF0000"/>
+                </a:solidFill>
+              </a:rPr>
+              <a:t>2’</a:t>
+            </a:r>
+          </a:p>
+          <a:p>
+            <a:r>
+              <a:rPr lang="en-US" smtClean="0">
+                <a:solidFill>
+                  <a:srgbClr val="FF0000"/>
+                </a:solidFill>
+              </a:rPr>
+              <a:t>Q&amp;A</a:t>
+            </a:r>
+            <a:r>
+              <a:rPr lang="en-US" smtClean="0">
+                <a:solidFill>
+                  <a:srgbClr val="FF0000"/>
+                </a:solidFill>
+              </a:rPr>
+              <a:t>: 20 </a:t>
+            </a:r>
+            <a:r>
+              <a:rPr lang="en-US" smtClean="0">
+                <a:solidFill>
+                  <a:srgbClr val="FF0000"/>
+                </a:solidFill>
+              </a:rPr>
+              <a:t>mins</a:t>
+            </a:r>
+            <a:endParaRPr lang="en-US">
+              <a:solidFill>
+                <a:srgbClr val="FF0000"/>
+              </a:solidFill>
+            </a:endParaRPr>
           </a:p>
         </p:txBody>
       </p:sp>
@@ -9597,11 +9804,11 @@
   <p:clrMapOvr>
     <a:masterClrMapping/>
   </p:clrMapOvr>
-  <mc:AlternateContent xmlns:mc="http://schemas.openxmlformats.org/markup-compatibility/2006">
-    <mc:Choice xmlns:p14="http://schemas.microsoft.com/office/powerpoint/2010/main" Requires="p14">
+  <mc:AlternateContent xmlns:mc="http://schemas.openxmlformats.org/markup-compatibility/2006" xmlns:p14="http://schemas.microsoft.com/office/powerpoint/2010/main">
+    <mc:Choice Requires="p14">
       <p:transition spd="slow" p14:dur="2000"/>
     </mc:Choice>
-    <mc:Fallback>
+    <mc:Fallback xmlns="">
       <p:transition spd="slow"/>
     </mc:Fallback>
   </mc:AlternateContent>
@@ -9740,11 +9947,11 @@
   <p:clrMapOvr>
     <a:masterClrMapping/>
   </p:clrMapOvr>
-  <mc:AlternateContent xmlns:mc="http://schemas.openxmlformats.org/markup-compatibility/2006">
-    <mc:Choice xmlns:p14="http://schemas.microsoft.com/office/powerpoint/2010/main" Requires="p14">
+  <mc:AlternateContent xmlns:mc="http://schemas.openxmlformats.org/markup-compatibility/2006" xmlns:p14="http://schemas.microsoft.com/office/powerpoint/2010/main">
+    <mc:Choice Requires="p14">
       <p:transition spd="slow" p14:dur="2000"/>
     </mc:Choice>
-    <mc:Fallback>
+    <mc:Fallback xmlns="">
       <p:transition spd="slow"/>
     </mc:Fallback>
   </mc:AlternateContent>
@@ -9883,11 +10090,11 @@
   <p:clrMapOvr>
     <a:masterClrMapping/>
   </p:clrMapOvr>
-  <mc:AlternateContent xmlns:mc="http://schemas.openxmlformats.org/markup-compatibility/2006">
-    <mc:Choice xmlns:p14="http://schemas.microsoft.com/office/powerpoint/2010/main" Requires="p14">
+  <mc:AlternateContent xmlns:mc="http://schemas.openxmlformats.org/markup-compatibility/2006" xmlns:p14="http://schemas.microsoft.com/office/powerpoint/2010/main">
+    <mc:Choice Requires="p14">
       <p:transition spd="slow" p14:dur="2000"/>
     </mc:Choice>
-    <mc:Fallback>
+    <mc:Fallback xmlns="">
       <p:transition spd="slow"/>
     </mc:Fallback>
   </mc:AlternateContent>
@@ -10123,11 +10330,11 @@
   <p:clrMapOvr>
     <a:masterClrMapping/>
   </p:clrMapOvr>
-  <mc:AlternateContent xmlns:mc="http://schemas.openxmlformats.org/markup-compatibility/2006">
-    <mc:Choice xmlns:p14="http://schemas.microsoft.com/office/powerpoint/2010/main" Requires="p14">
+  <mc:AlternateContent xmlns:mc="http://schemas.openxmlformats.org/markup-compatibility/2006" xmlns:p14="http://schemas.microsoft.com/office/powerpoint/2010/main">
+    <mc:Choice Requires="p14">
       <p:transition spd="slow" p14:dur="2000"/>
     </mc:Choice>
-    <mc:Fallback>
+    <mc:Fallback xmlns="">
       <p:transition spd="slow"/>
     </mc:Fallback>
   </mc:AlternateContent>
@@ -10160,113 +10367,6 @@
       </p:grpSpPr>
       <p:sp>
         <p:nvSpPr>
-          <p:cNvPr id="4" name="Text Placeholder 3"/>
-          <p:cNvSpPr>
-            <a:spLocks noGrp="1"/>
-          </p:cNvSpPr>
-          <p:nvPr>
-            <p:ph type="body" idx="1"/>
-          </p:nvPr>
-        </p:nvSpPr>
-        <p:spPr/>
-        <p:txBody>
-          <a:bodyPr/>
-          <a:lstStyle/>
-          <a:p>
-            <a:endParaRPr lang="en-US"/>
-          </a:p>
-        </p:txBody>
-      </p:sp>
-      <p:sp>
-        <p:nvSpPr>
-          <p:cNvPr id="3" name="Title 2"/>
-          <p:cNvSpPr>
-            <a:spLocks noGrp="1"/>
-          </p:cNvSpPr>
-          <p:nvPr>
-            <p:ph type="title"/>
-          </p:nvPr>
-        </p:nvSpPr>
-        <p:spPr/>
-        <p:txBody>
-          <a:bodyPr/>
-          <a:lstStyle/>
-          <a:p>
-            <a:r>
-              <a:rPr lang="en-US" smtClean="0"/>
-              <a:t>Cơ sở lý thuyết</a:t>
-            </a:r>
-            <a:endParaRPr lang="en-US"/>
-          </a:p>
-        </p:txBody>
-      </p:sp>
-      <p:sp>
-        <p:nvSpPr>
-          <p:cNvPr id="2" name="Slide Number Placeholder 1"/>
-          <p:cNvSpPr>
-            <a:spLocks noGrp="1"/>
-          </p:cNvSpPr>
-          <p:nvPr>
-            <p:ph type="sldNum" sz="quarter" idx="11"/>
-          </p:nvPr>
-        </p:nvSpPr>
-        <p:spPr/>
-        <p:txBody>
-          <a:bodyPr/>
-          <a:lstStyle/>
-          <a:p>
-            <a:fld id="{1AD93096-5B34-4342-9326-69289CEAE4C2}" type="slidenum">
-              <a:rPr lang="en-US" smtClean="0"/>
-              <a:pPr/>
-              <a:t>13</a:t>
-            </a:fld>
-            <a:endParaRPr lang="en-US" dirty="0">
-              <a:solidFill>
-                <a:schemeClr val="tx2"/>
-              </a:solidFill>
-            </a:endParaRPr>
-          </a:p>
-        </p:txBody>
-      </p:sp>
-    </p:spTree>
-    <p:extLst>
-      <p:ext uri="{BB962C8B-B14F-4D97-AF65-F5344CB8AC3E}">
-        <p14:creationId xmlns:p14="http://schemas.microsoft.com/office/powerpoint/2010/main" val="649138217"/>
-      </p:ext>
-    </p:extLst>
-  </p:cSld>
-  <p:clrMapOvr>
-    <a:masterClrMapping/>
-  </p:clrMapOvr>
-  <p:timing>
-    <p:tnLst>
-      <p:par>
-        <p:cTn id="1" dur="indefinite" restart="never" nodeType="tmRoot"/>
-      </p:par>
-    </p:tnLst>
-  </p:timing>
-</p:sld>
-</file>
-
-<file path=ppt/slides/slide14.xml><?xml version="1.0" encoding="utf-8"?>
-<p:sld xmlns:a="http://schemas.openxmlformats.org/drawingml/2006/main" xmlns:r="http://schemas.openxmlformats.org/officeDocument/2006/relationships" xmlns:p="http://schemas.openxmlformats.org/presentationml/2006/main">
-  <p:cSld>
-    <p:spTree>
-      <p:nvGrpSpPr>
-        <p:cNvPr id="1" name=""/>
-        <p:cNvGrpSpPr/>
-        <p:nvPr/>
-      </p:nvGrpSpPr>
-      <p:grpSpPr>
-        <a:xfrm>
-          <a:off x="0" y="0"/>
-          <a:ext cx="0" cy="0"/>
-          <a:chOff x="0" y="0"/>
-          <a:chExt cx="0" cy="0"/>
-        </a:xfrm>
-      </p:grpSpPr>
-      <p:sp>
-        <p:nvSpPr>
           <p:cNvPr id="5" name="Text Placeholder 4"/>
           <p:cNvSpPr>
             <a:spLocks noGrp="1"/>
@@ -10307,11 +10407,7 @@
             </a:r>
             <a:r>
               <a:rPr lang="en-US" smtClean="0"/>
-              <a:t>BÀI </a:t>
-            </a:r>
-            <a:r>
-              <a:rPr lang="en-US" smtClean="0"/>
-              <a:t>TOÁN</a:t>
+              <a:t>BÀI TOÁN</a:t>
             </a:r>
             <a:endParaRPr lang="vi-VN" dirty="0"/>
           </a:p>
@@ -10337,7 +10433,7 @@
             <a:fld id="{1AD93096-5B34-4342-9326-69289CEAE4C2}" type="slidenum">
               <a:rPr lang="en-US" smtClean="0"/>
               <a:pPr/>
-              <a:t>14</a:t>
+              <a:t>13</a:t>
             </a:fld>
             <a:endParaRPr lang="en-US" dirty="0">
               <a:solidFill>
@@ -10487,7 +10583,7 @@
 </p:sld>
 </file>
 
-<file path=ppt/slides/slide15.xml><?xml version="1.0" encoding="utf-8"?>
+<file path=ppt/slides/slide14.xml><?xml version="1.0" encoding="utf-8"?>
 <p:sld xmlns:a="http://schemas.openxmlformats.org/drawingml/2006/main" xmlns:r="http://schemas.openxmlformats.org/officeDocument/2006/relationships" xmlns:p="http://schemas.openxmlformats.org/presentationml/2006/main">
   <p:cSld>
     <p:spTree>
@@ -10525,7 +10621,7 @@
             <a:fld id="{1AD93096-5B34-4342-9326-69289CEAE4C2}" type="slidenum">
               <a:rPr lang="en-US" smtClean="0"/>
               <a:pPr algn="ctr"/>
-              <a:t>15</a:t>
+              <a:t>14</a:t>
             </a:fld>
             <a:endParaRPr lang="en-US" sz="2400" dirty="0">
               <a:solidFill>
@@ -10585,6 +10681,99 @@
 </p:sld>
 </file>
 
+<file path=ppt/slides/slide15.xml><?xml version="1.0" encoding="utf-8"?>
+<p:sld xmlns:a="http://schemas.openxmlformats.org/drawingml/2006/main" xmlns:r="http://schemas.openxmlformats.org/officeDocument/2006/relationships" xmlns:p="http://schemas.openxmlformats.org/presentationml/2006/main">
+  <p:cSld>
+    <p:spTree>
+      <p:nvGrpSpPr>
+        <p:cNvPr id="1" name=""/>
+        <p:cNvGrpSpPr/>
+        <p:nvPr/>
+      </p:nvGrpSpPr>
+      <p:grpSpPr>
+        <a:xfrm>
+          <a:off x="0" y="0"/>
+          <a:ext cx="0" cy="0"/>
+          <a:chOff x="0" y="0"/>
+          <a:chExt cx="0" cy="0"/>
+        </a:xfrm>
+      </p:grpSpPr>
+      <p:sp>
+        <p:nvSpPr>
+          <p:cNvPr id="5" name="Title 4"/>
+          <p:cNvSpPr>
+            <a:spLocks noGrp="1"/>
+          </p:cNvSpPr>
+          <p:nvPr>
+            <p:ph type="title"/>
+          </p:nvPr>
+        </p:nvSpPr>
+        <p:spPr/>
+        <p:txBody>
+          <a:bodyPr>
+            <a:normAutofit/>
+          </a:bodyPr>
+          <a:lstStyle/>
+          <a:p>
+            <a:r>
+              <a:rPr lang="en-US" sz="4000" smtClean="0"/>
+              <a:t>Tag</a:t>
+            </a:r>
+            <a:endParaRPr lang="vi-VN" sz="4000" dirty="0"/>
+          </a:p>
+        </p:txBody>
+      </p:sp>
+      <p:sp>
+        <p:nvSpPr>
+          <p:cNvPr id="4" name="Slide Number Placeholder 3"/>
+          <p:cNvSpPr>
+            <a:spLocks noGrp="1"/>
+          </p:cNvSpPr>
+          <p:nvPr>
+            <p:ph type="sldNum" sz="quarter" idx="12"/>
+          </p:nvPr>
+        </p:nvSpPr>
+        <p:spPr/>
+        <p:txBody>
+          <a:bodyPr>
+            <a:normAutofit fontScale="85000" lnSpcReduction="20000"/>
+          </a:bodyPr>
+          <a:lstStyle/>
+          <a:p>
+            <a:pPr algn="ctr"/>
+            <a:fld id="{1AD93096-5B34-4342-9326-69289CEAE4C2}" type="slidenum">
+              <a:rPr lang="en-US" smtClean="0"/>
+              <a:pPr algn="ctr"/>
+              <a:t>15</a:t>
+            </a:fld>
+            <a:endParaRPr lang="en-US" sz="2400" dirty="0">
+              <a:solidFill>
+                <a:srgbClr val="FFFFFF"/>
+              </a:solidFill>
+            </a:endParaRPr>
+          </a:p>
+        </p:txBody>
+      </p:sp>
+    </p:spTree>
+    <p:extLst>
+      <p:ext uri="{BB962C8B-B14F-4D97-AF65-F5344CB8AC3E}">
+        <p14:creationId xmlns:p14="http://schemas.microsoft.com/office/powerpoint/2010/main" val="3162985393"/>
+      </p:ext>
+    </p:extLst>
+  </p:cSld>
+  <p:clrMapOvr>
+    <a:masterClrMapping/>
+  </p:clrMapOvr>
+  <p:timing>
+    <p:tnLst>
+      <p:par>
+        <p:cTn id="1" dur="indefinite" restart="never" nodeType="tmRoot"/>
+      </p:par>
+    </p:tnLst>
+  </p:timing>
+</p:sld>
+</file>
+
 <file path=ppt/slides/slide16.xml><?xml version="1.0" encoding="utf-8"?>
 <p:sld xmlns:a="http://schemas.openxmlformats.org/drawingml/2006/main" xmlns:r="http://schemas.openxmlformats.org/officeDocument/2006/relationships" xmlns:p="http://schemas.openxmlformats.org/presentationml/2006/main">
   <p:cSld>
@@ -10621,7 +10810,7 @@
           <a:p>
             <a:r>
               <a:rPr lang="en-US" sz="4000" smtClean="0"/>
-              <a:t>Tag</a:t>
+              <a:t>taxonomy</a:t>
             </a:r>
             <a:endParaRPr lang="vi-VN" sz="4000" dirty="0"/>
           </a:p>
@@ -10649,99 +10838,6 @@
               <a:rPr lang="en-US" smtClean="0"/>
               <a:pPr algn="ctr"/>
               <a:t>16</a:t>
-            </a:fld>
-            <a:endParaRPr lang="en-US" sz="2400" dirty="0">
-              <a:solidFill>
-                <a:srgbClr val="FFFFFF"/>
-              </a:solidFill>
-            </a:endParaRPr>
-          </a:p>
-        </p:txBody>
-      </p:sp>
-    </p:spTree>
-    <p:extLst>
-      <p:ext uri="{BB962C8B-B14F-4D97-AF65-F5344CB8AC3E}">
-        <p14:creationId xmlns:p14="http://schemas.microsoft.com/office/powerpoint/2010/main" val="3162985393"/>
-      </p:ext>
-    </p:extLst>
-  </p:cSld>
-  <p:clrMapOvr>
-    <a:masterClrMapping/>
-  </p:clrMapOvr>
-  <p:timing>
-    <p:tnLst>
-      <p:par>
-        <p:cTn id="1" dur="indefinite" restart="never" nodeType="tmRoot"/>
-      </p:par>
-    </p:tnLst>
-  </p:timing>
-</p:sld>
-</file>
-
-<file path=ppt/slides/slide17.xml><?xml version="1.0" encoding="utf-8"?>
-<p:sld xmlns:a="http://schemas.openxmlformats.org/drawingml/2006/main" xmlns:r="http://schemas.openxmlformats.org/officeDocument/2006/relationships" xmlns:p="http://schemas.openxmlformats.org/presentationml/2006/main">
-  <p:cSld>
-    <p:spTree>
-      <p:nvGrpSpPr>
-        <p:cNvPr id="1" name=""/>
-        <p:cNvGrpSpPr/>
-        <p:nvPr/>
-      </p:nvGrpSpPr>
-      <p:grpSpPr>
-        <a:xfrm>
-          <a:off x="0" y="0"/>
-          <a:ext cx="0" cy="0"/>
-          <a:chOff x="0" y="0"/>
-          <a:chExt cx="0" cy="0"/>
-        </a:xfrm>
-      </p:grpSpPr>
-      <p:sp>
-        <p:nvSpPr>
-          <p:cNvPr id="5" name="Title 4"/>
-          <p:cNvSpPr>
-            <a:spLocks noGrp="1"/>
-          </p:cNvSpPr>
-          <p:nvPr>
-            <p:ph type="title"/>
-          </p:nvPr>
-        </p:nvSpPr>
-        <p:spPr/>
-        <p:txBody>
-          <a:bodyPr>
-            <a:normAutofit/>
-          </a:bodyPr>
-          <a:lstStyle/>
-          <a:p>
-            <a:r>
-              <a:rPr lang="en-US" sz="4000" smtClean="0"/>
-              <a:t>taxonomy</a:t>
-            </a:r>
-            <a:endParaRPr lang="vi-VN" sz="4000" dirty="0"/>
-          </a:p>
-        </p:txBody>
-      </p:sp>
-      <p:sp>
-        <p:nvSpPr>
-          <p:cNvPr id="4" name="Slide Number Placeholder 3"/>
-          <p:cNvSpPr>
-            <a:spLocks noGrp="1"/>
-          </p:cNvSpPr>
-          <p:nvPr>
-            <p:ph type="sldNum" sz="quarter" idx="12"/>
-          </p:nvPr>
-        </p:nvSpPr>
-        <p:spPr/>
-        <p:txBody>
-          <a:bodyPr>
-            <a:normAutofit fontScale="85000" lnSpcReduction="20000"/>
-          </a:bodyPr>
-          <a:lstStyle/>
-          <a:p>
-            <a:pPr algn="ctr"/>
-            <a:fld id="{1AD93096-5B34-4342-9326-69289CEAE4C2}" type="slidenum">
-              <a:rPr lang="en-US" smtClean="0"/>
-              <a:pPr algn="ctr"/>
-              <a:t>17</a:t>
             </a:fld>
             <a:endParaRPr lang="en-US" sz="2400" dirty="0">
               <a:solidFill>
@@ -10914,7 +11010,7 @@
 </p:sld>
 </file>
 
-<file path=ppt/slides/slide18.xml><?xml version="1.0" encoding="utf-8"?>
+<file path=ppt/slides/slide17.xml><?xml version="1.0" encoding="utf-8"?>
 <p:sld xmlns:a="http://schemas.openxmlformats.org/drawingml/2006/main" xmlns:r="http://schemas.openxmlformats.org/officeDocument/2006/relationships" xmlns:p="http://schemas.openxmlformats.org/presentationml/2006/main">
   <p:cSld>
     <p:spTree>
@@ -11004,7 +11100,7 @@
             <a:fld id="{1AD93096-5B34-4342-9326-69289CEAE4C2}" type="slidenum">
               <a:rPr lang="en-US" smtClean="0"/>
               <a:pPr/>
-              <a:t>18</a:t>
+              <a:t>17</a:t>
             </a:fld>
             <a:endParaRPr lang="en-US" dirty="0">
               <a:solidFill>
@@ -11179,7 +11275,7 @@
 </p:sld>
 </file>
 
-<file path=ppt/slides/slide19.xml><?xml version="1.0" encoding="utf-8"?>
+<file path=ppt/slides/slide18.xml><?xml version="1.0" encoding="utf-8"?>
 <p:sld xmlns:a="http://schemas.openxmlformats.org/drawingml/2006/main" xmlns:r="http://schemas.openxmlformats.org/officeDocument/2006/relationships" xmlns:p="http://schemas.openxmlformats.org/presentationml/2006/main">
   <p:cSld>
     <p:spTree>
@@ -11257,7 +11353,7 @@
             <a:fld id="{1AD93096-5B34-4342-9326-69289CEAE4C2}" type="slidenum">
               <a:rPr lang="en-US" smtClean="0"/>
               <a:pPr/>
-              <a:t>19</a:t>
+              <a:t>18</a:t>
             </a:fld>
             <a:endParaRPr lang="en-US" dirty="0">
               <a:solidFill>
@@ -11351,769 +11447,7 @@
 </p:sld>
 </file>
 
-<file path=ppt/slides/slide2.xml><?xml version="1.0" encoding="utf-8"?>
-<p:sld xmlns:a="http://schemas.openxmlformats.org/drawingml/2006/main" xmlns:r="http://schemas.openxmlformats.org/officeDocument/2006/relationships" xmlns:p="http://schemas.openxmlformats.org/presentationml/2006/main">
-  <p:cSld>
-    <p:spTree>
-      <p:nvGrpSpPr>
-        <p:cNvPr id="1" name=""/>
-        <p:cNvGrpSpPr/>
-        <p:nvPr/>
-      </p:nvGrpSpPr>
-      <p:grpSpPr>
-        <a:xfrm>
-          <a:off x="0" y="0"/>
-          <a:ext cx="0" cy="0"/>
-          <a:chOff x="0" y="0"/>
-          <a:chExt cx="0" cy="0"/>
-        </a:xfrm>
-      </p:grpSpPr>
-      <p:pic>
-        <p:nvPicPr>
-          <p:cNvPr id="3073" name="Picture 1"/>
-          <p:cNvPicPr>
-            <a:picLocks noChangeAspect="1" noChangeArrowheads="1"/>
-          </p:cNvPicPr>
-          <p:nvPr/>
-        </p:nvPicPr>
-        <p:blipFill>
-          <a:blip r:embed="rId3">
-            <a:duotone>
-              <a:schemeClr val="accent5">
-                <a:shade val="45000"/>
-                <a:satMod val="135000"/>
-              </a:schemeClr>
-              <a:prstClr val="white"/>
-            </a:duotone>
-            <a:extLst>
-              <a:ext uri="{BEBA8EAE-BF5A-486C-A8C5-ECC9F3942E4B}">
-                <a14:imgProps xmlns:a14="http://schemas.microsoft.com/office/drawing/2010/main">
-                  <a14:imgLayer r:embed="rId4">
-                    <a14:imgEffect>
-                      <a14:brightnessContrast bright="20000"/>
-                    </a14:imgEffect>
-                  </a14:imgLayer>
-                </a14:imgProps>
-              </a:ext>
-              <a:ext uri="{28A0092B-C50C-407E-A947-70E740481C1C}">
-                <a14:useLocalDpi xmlns:a14="http://schemas.microsoft.com/office/drawing/2010/main" val="0"/>
-              </a:ext>
-            </a:extLst>
-          </a:blip>
-          <a:srcRect/>
-          <a:stretch>
-            <a:fillRect/>
-          </a:stretch>
-        </p:blipFill>
-        <p:spPr bwMode="auto">
-          <a:xfrm>
-            <a:off x="9784" y="-27384"/>
-            <a:ext cx="9179902" cy="6058927"/>
-          </a:xfrm>
-          <a:prstGeom prst="rect">
-            <a:avLst/>
-          </a:prstGeom>
-          <a:noFill/>
-          <a:ln>
-            <a:noFill/>
-          </a:ln>
-          <a:effectLst/>
-          <a:extLst>
-            <a:ext uri="{909E8E84-426E-40DD-AFC4-6F175D3DCCD1}">
-              <a14:hiddenFill xmlns:a14="http://schemas.microsoft.com/office/drawing/2010/main">
-                <a:solidFill>
-                  <a:schemeClr val="accent1"/>
-                </a:solidFill>
-              </a14:hiddenFill>
-            </a:ext>
-            <a:ext uri="{91240B29-F687-4F45-9708-019B960494DF}">
-              <a14:hiddenLine xmlns:a14="http://schemas.microsoft.com/office/drawing/2010/main" w="9525">
-                <a:solidFill>
-                  <a:schemeClr val="tx1"/>
-                </a:solidFill>
-                <a:miter lim="800000"/>
-                <a:headEnd/>
-                <a:tailEnd/>
-              </a14:hiddenLine>
-            </a:ext>
-            <a:ext uri="{AF507438-7753-43E0-B8FC-AC1667EBCBE1}">
-              <a14:hiddenEffects xmlns:a14="http://schemas.microsoft.com/office/drawing/2010/main">
-                <a:effectLst>
-                  <a:outerShdw dist="35921" dir="2700000" algn="ctr" rotWithShape="0">
-                    <a:schemeClr val="bg2"/>
-                  </a:outerShdw>
-                </a:effectLst>
-              </a14:hiddenEffects>
-            </a:ext>
-          </a:extLst>
-        </p:spPr>
-      </p:pic>
-      <p:sp>
-        <p:nvSpPr>
-          <p:cNvPr id="2" name="Rectangle 1"/>
-          <p:cNvSpPr>
-            <a:spLocks noGrp="1"/>
-          </p:cNvSpPr>
-          <p:nvPr>
-            <p:ph type="ctrTitle"/>
-          </p:nvPr>
-        </p:nvSpPr>
-        <p:spPr>
-          <a:xfrm>
-            <a:off x="0" y="2062155"/>
-            <a:ext cx="9144000" cy="1879848"/>
-          </a:xfrm>
-        </p:spPr>
-        <p:txBody>
-          <a:bodyPr anchor="ctr">
-            <a:noAutofit/>
-            <a:scene3d>
-              <a:camera prst="orthographicFront">
-                <a:rot lat="0" lon="0" rev="0"/>
-              </a:camera>
-              <a:lightRig rig="contrasting" dir="t">
-                <a:rot lat="0" lon="0" rev="4500000"/>
-              </a:lightRig>
-            </a:scene3d>
-            <a:sp3d contourW="6350" prstMaterial="metal">
-              <a:bevelT w="127000" h="31750" prst="relaxedInset"/>
-              <a:contourClr>
-                <a:schemeClr val="accent1">
-                  <a:shade val="75000"/>
-                </a:schemeClr>
-              </a:contourClr>
-            </a:sp3d>
-          </a:bodyPr>
-          <a:lstStyle/>
-          <a:p>
-            <a:pPr algn="ctr"/>
-            <a:r>
-              <a:rPr lang="en-US" sz="4000" dirty="0" err="1" smtClean="0">
-                <a:latin typeface="Times New Roman" pitchFamily="18" charset="0"/>
-                <a:cs typeface="Times New Roman" pitchFamily="18" charset="0"/>
-              </a:rPr>
-              <a:t>Xây</a:t>
-            </a:r>
-            <a:r>
-              <a:rPr lang="en-US" sz="4000" dirty="0" smtClean="0">
-                <a:latin typeface="Times New Roman" pitchFamily="18" charset="0"/>
-                <a:cs typeface="Times New Roman" pitchFamily="18" charset="0"/>
-              </a:rPr>
-              <a:t> </a:t>
-            </a:r>
-            <a:r>
-              <a:rPr lang="en-US" sz="4000" dirty="0" err="1" smtClean="0">
-                <a:latin typeface="Times New Roman" pitchFamily="18" charset="0"/>
-                <a:cs typeface="Times New Roman" pitchFamily="18" charset="0"/>
-              </a:rPr>
-              <a:t>dựng</a:t>
-            </a:r>
-            <a:r>
-              <a:rPr lang="en-US" sz="4000" dirty="0" smtClean="0">
-                <a:latin typeface="Times New Roman" pitchFamily="18" charset="0"/>
-                <a:cs typeface="Times New Roman" pitchFamily="18" charset="0"/>
-              </a:rPr>
-              <a:t> </a:t>
-            </a:r>
-            <a:r>
-              <a:rPr lang="en-US" sz="4000" dirty="0" err="1" smtClean="0">
-                <a:latin typeface="Times New Roman" pitchFamily="18" charset="0"/>
-                <a:cs typeface="Times New Roman" pitchFamily="18" charset="0"/>
-              </a:rPr>
-              <a:t>kiến</a:t>
-            </a:r>
-            <a:r>
-              <a:rPr lang="en-US" sz="4000" dirty="0" smtClean="0">
-                <a:latin typeface="Times New Roman" pitchFamily="18" charset="0"/>
-                <a:cs typeface="Times New Roman" pitchFamily="18" charset="0"/>
-              </a:rPr>
-              <a:t> </a:t>
-            </a:r>
-            <a:r>
-              <a:rPr lang="en-US" sz="4000" dirty="0" err="1" smtClean="0">
-                <a:latin typeface="Times New Roman" pitchFamily="18" charset="0"/>
-                <a:cs typeface="Times New Roman" pitchFamily="18" charset="0"/>
-              </a:rPr>
-              <a:t>trúc</a:t>
-            </a:r>
-            <a:r>
-              <a:rPr lang="en-US" sz="4000" dirty="0" smtClean="0">
-                <a:latin typeface="Times New Roman" pitchFamily="18" charset="0"/>
-                <a:cs typeface="Times New Roman" pitchFamily="18" charset="0"/>
-              </a:rPr>
-              <a:t/>
-            </a:r>
-            <a:br>
-              <a:rPr lang="en-US" sz="4000" dirty="0" smtClean="0">
-                <a:latin typeface="Times New Roman" pitchFamily="18" charset="0"/>
-                <a:cs typeface="Times New Roman" pitchFamily="18" charset="0"/>
-              </a:rPr>
-            </a:br>
-            <a:r>
-              <a:rPr lang="en-US" sz="4000" dirty="0" err="1" smtClean="0">
-                <a:latin typeface="Times New Roman" pitchFamily="18" charset="0"/>
-                <a:cs typeface="Times New Roman" pitchFamily="18" charset="0"/>
-              </a:rPr>
-              <a:t>cổng</a:t>
-            </a:r>
-            <a:r>
-              <a:rPr lang="en-US" sz="4000" dirty="0" smtClean="0">
-                <a:latin typeface="Times New Roman" pitchFamily="18" charset="0"/>
-                <a:cs typeface="Times New Roman" pitchFamily="18" charset="0"/>
-              </a:rPr>
-              <a:t> </a:t>
-            </a:r>
-            <a:r>
-              <a:rPr lang="en-US" sz="4000" dirty="0" err="1" smtClean="0">
-                <a:latin typeface="Times New Roman" pitchFamily="18" charset="0"/>
-                <a:cs typeface="Times New Roman" pitchFamily="18" charset="0"/>
-              </a:rPr>
-              <a:t>thông</a:t>
-            </a:r>
-            <a:r>
-              <a:rPr lang="en-US" sz="4000" dirty="0" smtClean="0">
-                <a:latin typeface="Times New Roman" pitchFamily="18" charset="0"/>
-                <a:cs typeface="Times New Roman" pitchFamily="18" charset="0"/>
-              </a:rPr>
-              <a:t> tin </a:t>
-            </a:r>
-            <a:r>
-              <a:rPr lang="en-US" sz="4000" dirty="0" err="1" smtClean="0">
-                <a:latin typeface="Times New Roman" pitchFamily="18" charset="0"/>
-                <a:cs typeface="Times New Roman" pitchFamily="18" charset="0"/>
-              </a:rPr>
-              <a:t>tìm</a:t>
-            </a:r>
-            <a:r>
-              <a:rPr lang="en-US" sz="4000" dirty="0" smtClean="0">
-                <a:latin typeface="Times New Roman" pitchFamily="18" charset="0"/>
-                <a:cs typeface="Times New Roman" pitchFamily="18" charset="0"/>
-              </a:rPr>
-              <a:t> </a:t>
-            </a:r>
-            <a:r>
-              <a:rPr lang="en-US" sz="4000" dirty="0" err="1" smtClean="0">
-                <a:latin typeface="Times New Roman" pitchFamily="18" charset="0"/>
-                <a:cs typeface="Times New Roman" pitchFamily="18" charset="0"/>
-              </a:rPr>
-              <a:t>việc</a:t>
-            </a:r>
-            <a:endParaRPr lang="en-US" sz="4800" dirty="0">
-              <a:latin typeface="Times New Roman" pitchFamily="18" charset="0"/>
-              <a:cs typeface="Times New Roman" pitchFamily="18" charset="0"/>
-            </a:endParaRPr>
-          </a:p>
-        </p:txBody>
-      </p:sp>
-      <p:sp>
-        <p:nvSpPr>
-          <p:cNvPr id="3" name="Rectangle 2"/>
-          <p:cNvSpPr>
-            <a:spLocks noGrp="1"/>
-          </p:cNvSpPr>
-          <p:nvPr>
-            <p:ph type="subTitle" idx="1"/>
-          </p:nvPr>
-        </p:nvSpPr>
-        <p:spPr>
-          <a:xfrm>
-            <a:off x="-5444" y="6069023"/>
-            <a:ext cx="2201180" cy="685800"/>
-          </a:xfrm>
-        </p:spPr>
-        <p:txBody>
-          <a:bodyPr>
-            <a:normAutofit/>
-          </a:bodyPr>
-          <a:lstStyle/>
-          <a:p>
-            <a:pPr algn="ctr"/>
-            <a:r>
-              <a:rPr lang="en-US" dirty="0" smtClean="0"/>
-              <a:t>07/01/2012</a:t>
-            </a:r>
-          </a:p>
-        </p:txBody>
-      </p:sp>
-      <p:pic>
-        <p:nvPicPr>
-          <p:cNvPr id="6" name="Picture 5" descr="logoVNbottom.wmf"/>
-          <p:cNvPicPr>
-            <a:picLocks noChangeAspect="1"/>
-          </p:cNvPicPr>
-          <p:nvPr/>
-        </p:nvPicPr>
-        <p:blipFill>
-          <a:blip r:embed="rId5" cstate="print">
-            <a:duotone>
-              <a:schemeClr val="accent2">
-                <a:shade val="45000"/>
-                <a:satMod val="135000"/>
-              </a:schemeClr>
-              <a:prstClr val="white"/>
-            </a:duotone>
-            <a:lum contrast="-40000"/>
-          </a:blip>
-          <a:stretch>
-            <a:fillRect/>
-          </a:stretch>
-        </p:blipFill>
-        <p:spPr>
-          <a:xfrm>
-            <a:off x="323529" y="305063"/>
-            <a:ext cx="2520281" cy="1157237"/>
-          </a:xfrm>
-          <a:prstGeom prst="rect">
-            <a:avLst/>
-          </a:prstGeom>
-        </p:spPr>
-      </p:pic>
-      <p:sp>
-        <p:nvSpPr>
-          <p:cNvPr id="5" name="Rectangle 1"/>
-          <p:cNvSpPr txBox="1">
-            <a:spLocks/>
-          </p:cNvSpPr>
-          <p:nvPr/>
-        </p:nvSpPr>
-        <p:spPr>
-          <a:xfrm>
-            <a:off x="2339752" y="6031543"/>
-            <a:ext cx="4806752" cy="692696"/>
-          </a:xfrm>
-          <a:prstGeom prst="rect">
-            <a:avLst/>
-          </a:prstGeom>
-        </p:spPr>
-        <p:txBody>
-          <a:bodyPr vert="horz" anchor="ctr">
-            <a:noAutofit/>
-          </a:bodyPr>
-          <a:lstStyle>
-            <a:lvl1pPr algn="l" rtl="0" eaLnBrk="1" latinLnBrk="0" hangingPunct="1">
-              <a:spcBef>
-                <a:spcPct val="0"/>
-              </a:spcBef>
-              <a:buNone/>
-              <a:defRPr sz="4400" kern="1200" cap="all" baseline="0">
-                <a:solidFill>
-                  <a:schemeClr val="tx2"/>
-                </a:solidFill>
-                <a:latin typeface="+mj-lt"/>
-                <a:ea typeface="+mj-ea"/>
-                <a:cs typeface="+mj-cs"/>
-              </a:defRPr>
-            </a:lvl1pPr>
-          </a:lstStyle>
-          <a:p>
-            <a:pPr algn="ctr"/>
-            <a:r>
-              <a:rPr lang="en-US" sz="2800" cap="none" dirty="0" smtClean="0">
-                <a:ln w="18415" cmpd="sng">
-                  <a:solidFill>
-                    <a:srgbClr val="FFFFFF"/>
-                  </a:solidFill>
-                  <a:prstDash val="solid"/>
-                </a:ln>
-                <a:solidFill>
-                  <a:srgbClr val="FFFFFF"/>
-                </a:solidFill>
-                <a:effectLst>
-                  <a:outerShdw blurRad="63500" dir="3600000" algn="tl" rotWithShape="0">
-                    <a:srgbClr val="000000">
-                      <a:alpha val="70000"/>
-                    </a:srgbClr>
-                  </a:outerShdw>
-                </a:effectLst>
-                <a:latin typeface="Times New Roman" pitchFamily="18" charset="0"/>
-                <a:cs typeface="Times New Roman" pitchFamily="18" charset="0"/>
-              </a:rPr>
-              <a:t>KHOÁ LUẬN TỐT NGHIỆP</a:t>
-            </a:r>
-            <a:endParaRPr lang="en-US" sz="3600" cap="none" dirty="0">
-              <a:ln w="18415" cmpd="sng">
-                <a:solidFill>
-                  <a:srgbClr val="FFFFFF"/>
-                </a:solidFill>
-                <a:prstDash val="solid"/>
-              </a:ln>
-              <a:solidFill>
-                <a:srgbClr val="FFFFFF"/>
-              </a:solidFill>
-              <a:effectLst>
-                <a:outerShdw blurRad="63500" dir="3600000" algn="tl" rotWithShape="0">
-                  <a:srgbClr val="000000">
-                    <a:alpha val="70000"/>
-                  </a:srgbClr>
-                </a:outerShdw>
-              </a:effectLst>
-              <a:latin typeface="Times New Roman" pitchFamily="18" charset="0"/>
-              <a:cs typeface="Times New Roman" pitchFamily="18" charset="0"/>
-            </a:endParaRPr>
-          </a:p>
-        </p:txBody>
-      </p:sp>
-      <p:sp>
-        <p:nvSpPr>
-          <p:cNvPr id="7" name="Rectangle 1"/>
-          <p:cNvSpPr txBox="1">
-            <a:spLocks/>
-          </p:cNvSpPr>
-          <p:nvPr/>
-        </p:nvSpPr>
-        <p:spPr>
-          <a:xfrm>
-            <a:off x="0" y="4005064"/>
-            <a:ext cx="9144000" cy="1879848"/>
-          </a:xfrm>
-          <a:prstGeom prst="rect">
-            <a:avLst/>
-          </a:prstGeom>
-        </p:spPr>
-        <p:txBody>
-          <a:bodyPr vert="horz" anchor="ctr">
-            <a:noAutofit/>
-            <a:scene3d>
-              <a:camera prst="orthographicFront">
-                <a:rot lat="0" lon="0" rev="0"/>
-              </a:camera>
-              <a:lightRig rig="contrasting" dir="t">
-                <a:rot lat="0" lon="0" rev="4500000"/>
-              </a:lightRig>
-            </a:scene3d>
-            <a:sp3d contourW="6350" prstMaterial="metal">
-              <a:bevelT w="127000" h="31750" prst="relaxedInset"/>
-              <a:contourClr>
-                <a:schemeClr val="accent1">
-                  <a:shade val="75000"/>
-                </a:schemeClr>
-              </a:contourClr>
-            </a:sp3d>
-          </a:bodyPr>
-          <a:lstStyle>
-            <a:lvl1pPr algn="l" rtl="0" eaLnBrk="1" latinLnBrk="0" hangingPunct="1">
-              <a:spcBef>
-                <a:spcPct val="0"/>
-              </a:spcBef>
-              <a:buNone/>
-              <a:defRPr sz="4400" b="1" kern="1200" cap="all" spc="0" baseline="0">
-                <a:ln w="0"/>
-                <a:gradFill flip="none">
-                  <a:gsLst>
-                    <a:gs pos="0">
-                      <a:schemeClr val="accent1">
-                        <a:tint val="75000"/>
-                        <a:shade val="75000"/>
-                        <a:satMod val="170000"/>
-                      </a:schemeClr>
-                    </a:gs>
-                    <a:gs pos="49000">
-                      <a:schemeClr val="accent1">
-                        <a:tint val="88000"/>
-                        <a:shade val="65000"/>
-                        <a:satMod val="172000"/>
-                      </a:schemeClr>
-                    </a:gs>
-                    <a:gs pos="50000">
-                      <a:schemeClr val="accent1">
-                        <a:shade val="65000"/>
-                        <a:satMod val="130000"/>
-                      </a:schemeClr>
-                    </a:gs>
-                    <a:gs pos="92000">
-                      <a:schemeClr val="accent1">
-                        <a:shade val="50000"/>
-                        <a:satMod val="120000"/>
-                      </a:schemeClr>
-                    </a:gs>
-                    <a:gs pos="100000">
-                      <a:schemeClr val="accent1">
-                        <a:shade val="48000"/>
-                        <a:satMod val="120000"/>
-                      </a:schemeClr>
-                    </a:gs>
-                  </a:gsLst>
-                  <a:lin ang="5400000"/>
-                </a:gradFill>
-                <a:effectLst>
-                  <a:reflection blurRad="12700" stA="50000" endPos="50000" dist="5000" dir="5400000" sy="-100000" rotWithShape="0"/>
-                </a:effectLst>
-                <a:latin typeface="Times New Roman" pitchFamily="18" charset="0"/>
-                <a:ea typeface="+mj-ea"/>
-                <a:cs typeface="Times New Roman" pitchFamily="18" charset="0"/>
-              </a:defRPr>
-            </a:lvl1pPr>
-          </a:lstStyle>
-          <a:p>
-            <a:pPr>
-              <a:lnSpc>
-                <a:spcPct val="150000"/>
-              </a:lnSpc>
-            </a:pPr>
-            <a:r>
-              <a:rPr lang="en-US" sz="2200" dirty="0" smtClean="0">
-                <a:effectLst/>
-              </a:rPr>
-              <a:t>	GIẢNG VIÊN HƯỚNG DẪN:	 TS. </a:t>
-            </a:r>
-            <a:r>
-              <a:rPr lang="en-US" sz="2200" dirty="0" err="1" smtClean="0">
-                <a:effectLst/>
-              </a:rPr>
-              <a:t>Trần</a:t>
-            </a:r>
-            <a:r>
-              <a:rPr lang="en-US" sz="2200" dirty="0" smtClean="0">
-                <a:effectLst/>
-              </a:rPr>
-              <a:t> </a:t>
-            </a:r>
-            <a:r>
-              <a:rPr lang="en-US" sz="2200" dirty="0" err="1" smtClean="0">
-                <a:effectLst/>
-              </a:rPr>
-              <a:t>vũ</a:t>
-            </a:r>
-            <a:r>
-              <a:rPr lang="en-US" sz="2200" dirty="0" smtClean="0">
-                <a:effectLst/>
-              </a:rPr>
-              <a:t> </a:t>
-            </a:r>
-            <a:r>
-              <a:rPr lang="en-US" sz="2200" dirty="0" err="1" smtClean="0">
-                <a:effectLst/>
-              </a:rPr>
-              <a:t>bình</a:t>
-            </a:r>
-            <a:endParaRPr lang="en-US" sz="2200" dirty="0" smtClean="0">
-              <a:effectLst/>
-            </a:endParaRPr>
-          </a:p>
-          <a:p>
-            <a:pPr>
-              <a:lnSpc>
-                <a:spcPct val="150000"/>
-              </a:lnSpc>
-            </a:pPr>
-            <a:r>
-              <a:rPr lang="en-US" sz="2200" dirty="0" smtClean="0">
-                <a:effectLst/>
-              </a:rPr>
-              <a:t>	</a:t>
-            </a:r>
-            <a:r>
-              <a:rPr lang="en-US" sz="2200" dirty="0" err="1" smtClean="0">
-                <a:effectLst/>
-              </a:rPr>
-              <a:t>Sinh</a:t>
-            </a:r>
-            <a:r>
-              <a:rPr lang="en-US" sz="2200" dirty="0" smtClean="0">
-                <a:effectLst/>
-              </a:rPr>
-              <a:t> </a:t>
-            </a:r>
-            <a:r>
-              <a:rPr lang="en-US" sz="2200" dirty="0" err="1" smtClean="0">
-                <a:effectLst/>
-              </a:rPr>
-              <a:t>viên</a:t>
-            </a:r>
-            <a:r>
-              <a:rPr lang="en-US" sz="2200" dirty="0" smtClean="0">
-                <a:effectLst/>
-              </a:rPr>
-              <a:t> </a:t>
-            </a:r>
-            <a:r>
-              <a:rPr lang="en-US" sz="2200" dirty="0" err="1" smtClean="0">
-                <a:effectLst/>
-              </a:rPr>
-              <a:t>thực</a:t>
-            </a:r>
-            <a:r>
-              <a:rPr lang="en-US" sz="2200" dirty="0" smtClean="0">
-                <a:effectLst/>
-              </a:rPr>
-              <a:t> </a:t>
-            </a:r>
-            <a:r>
-              <a:rPr lang="en-US" sz="2200" dirty="0" err="1" smtClean="0">
-                <a:effectLst/>
-              </a:rPr>
-              <a:t>hiện</a:t>
-            </a:r>
-            <a:r>
-              <a:rPr lang="en-US" sz="2200" dirty="0" smtClean="0">
-                <a:effectLst/>
-              </a:rPr>
-              <a:t>:	</a:t>
-            </a:r>
-            <a:r>
-              <a:rPr lang="en-US" sz="2200" dirty="0" err="1" smtClean="0">
-                <a:effectLst/>
-              </a:rPr>
-              <a:t>lê</a:t>
-            </a:r>
-            <a:r>
-              <a:rPr lang="en-US" sz="2200" dirty="0" smtClean="0">
-                <a:effectLst/>
-              </a:rPr>
-              <a:t> </a:t>
-            </a:r>
-            <a:r>
-              <a:rPr lang="en-US" sz="2200" dirty="0" err="1" smtClean="0">
-                <a:effectLst/>
-              </a:rPr>
-              <a:t>trung</a:t>
-            </a:r>
-            <a:r>
-              <a:rPr lang="en-US" sz="2200" dirty="0" smtClean="0">
-                <a:effectLst/>
-              </a:rPr>
-              <a:t> </a:t>
-            </a:r>
-            <a:r>
-              <a:rPr lang="en-US" sz="2200" dirty="0" err="1" smtClean="0">
-                <a:effectLst/>
-              </a:rPr>
-              <a:t>hiếu</a:t>
-            </a:r>
-            <a:endParaRPr lang="en-US" sz="2200" dirty="0" smtClean="0">
-              <a:effectLst/>
-            </a:endParaRPr>
-          </a:p>
-          <a:p>
-            <a:pPr>
-              <a:lnSpc>
-                <a:spcPct val="150000"/>
-              </a:lnSpc>
-            </a:pPr>
-            <a:r>
-              <a:rPr lang="en-US" sz="2200" dirty="0" smtClean="0">
-                <a:effectLst/>
-              </a:rPr>
-              <a:t>					</a:t>
-            </a:r>
-            <a:r>
-              <a:rPr lang="en-US" sz="2200" dirty="0" err="1" smtClean="0">
-                <a:effectLst/>
-              </a:rPr>
-              <a:t>Phùng</a:t>
-            </a:r>
-            <a:r>
-              <a:rPr lang="en-US" sz="2200" dirty="0" smtClean="0">
-                <a:effectLst/>
-              </a:rPr>
-              <a:t> </a:t>
-            </a:r>
-            <a:r>
-              <a:rPr lang="en-US" sz="2200" dirty="0" err="1" smtClean="0">
-                <a:effectLst/>
-              </a:rPr>
-              <a:t>chí</a:t>
-            </a:r>
-            <a:r>
-              <a:rPr lang="en-US" sz="2200" dirty="0" smtClean="0">
-                <a:effectLst/>
-              </a:rPr>
-              <a:t> </a:t>
-            </a:r>
-            <a:r>
-              <a:rPr lang="en-US" sz="2200" dirty="0" err="1" smtClean="0">
-                <a:effectLst/>
-              </a:rPr>
-              <a:t>nguyên</a:t>
-            </a:r>
-            <a:endParaRPr lang="en-US" sz="2200" dirty="0" smtClean="0">
-              <a:effectLst/>
-            </a:endParaRPr>
-          </a:p>
-          <a:p>
-            <a:pPr>
-              <a:lnSpc>
-                <a:spcPct val="150000"/>
-              </a:lnSpc>
-            </a:pPr>
-            <a:r>
-              <a:rPr lang="en-US" sz="2200" dirty="0" smtClean="0">
-                <a:effectLst/>
-              </a:rPr>
-              <a:t>					</a:t>
-            </a:r>
-            <a:r>
-              <a:rPr lang="en-US" sz="2200" dirty="0" err="1" smtClean="0">
-                <a:effectLst/>
-              </a:rPr>
-              <a:t>Lê</a:t>
-            </a:r>
-            <a:r>
-              <a:rPr lang="en-US" sz="2200" dirty="0" smtClean="0">
-                <a:effectLst/>
-              </a:rPr>
-              <a:t> </a:t>
-            </a:r>
-            <a:r>
-              <a:rPr lang="en-US" sz="2200" dirty="0" err="1" smtClean="0">
-                <a:effectLst/>
-              </a:rPr>
-              <a:t>dương</a:t>
-            </a:r>
-            <a:r>
-              <a:rPr lang="en-US" sz="2200" dirty="0" smtClean="0">
-                <a:effectLst/>
-              </a:rPr>
-              <a:t> </a:t>
-            </a:r>
-            <a:r>
-              <a:rPr lang="en-US" sz="2200" dirty="0" err="1" smtClean="0">
-                <a:effectLst/>
-              </a:rPr>
-              <a:t>công</a:t>
-            </a:r>
-            <a:r>
-              <a:rPr lang="en-US" sz="2200" dirty="0" smtClean="0">
-                <a:effectLst/>
-              </a:rPr>
-              <a:t> </a:t>
-            </a:r>
-            <a:r>
-              <a:rPr lang="en-US" sz="2200" dirty="0" err="1" smtClean="0">
-                <a:effectLst/>
-              </a:rPr>
-              <a:t>phúc</a:t>
-            </a:r>
-            <a:endParaRPr lang="en-US" sz="2200" dirty="0" smtClean="0">
-              <a:effectLst/>
-            </a:endParaRPr>
-          </a:p>
-        </p:txBody>
-      </p:sp>
-    </p:spTree>
-  </p:cSld>
-  <p:clrMapOvr>
-    <a:masterClrMapping/>
-  </p:clrMapOvr>
-  <mc:AlternateContent xmlns:mc="http://schemas.openxmlformats.org/markup-compatibility/2006" xmlns:p14="http://schemas.microsoft.com/office/powerpoint/2010/main">
-    <mc:Choice Requires="p14">
-      <p:transition p14:dur="0"/>
-    </mc:Choice>
-    <mc:Fallback xmlns="">
-      <p:transition/>
-    </mc:Fallback>
-  </mc:AlternateContent>
-  <p:timing>
-    <p:tnLst>
-      <p:par>
-        <p:cTn id="1" dur="indefinite" restart="never" nodeType="tmRoot"/>
-      </p:par>
-    </p:tnLst>
-  </p:timing>
-</p:sld>
-</file>
-
-<file path=ppt/slides/slide20.xml><?xml version="1.0" encoding="utf-8"?>
+<file path=ppt/slides/slide19.xml><?xml version="1.0" encoding="utf-8"?>
 <p:sld xmlns:a="http://schemas.openxmlformats.org/drawingml/2006/main" xmlns:r="http://schemas.openxmlformats.org/officeDocument/2006/relationships" xmlns:p="http://schemas.openxmlformats.org/presentationml/2006/main">
   <p:cSld>
     <p:spTree>
@@ -12255,7 +11589,7 @@
             <a:fld id="{1AD93096-5B34-4342-9326-69289CEAE4C2}" type="slidenum">
               <a:rPr lang="en-US" smtClean="0"/>
               <a:pPr/>
-              <a:t>20</a:t>
+              <a:t>19</a:t>
             </a:fld>
             <a:endParaRPr lang="en-US" dirty="0">
               <a:solidFill>
@@ -13498,7 +12832,769 @@
 </p:sld>
 </file>
 
-<file path=ppt/slides/slide21.xml><?xml version="1.0" encoding="utf-8"?>
+<file path=ppt/slides/slide2.xml><?xml version="1.0" encoding="utf-8"?>
+<p:sld xmlns:a="http://schemas.openxmlformats.org/drawingml/2006/main" xmlns:r="http://schemas.openxmlformats.org/officeDocument/2006/relationships" xmlns:p="http://schemas.openxmlformats.org/presentationml/2006/main">
+  <p:cSld>
+    <p:spTree>
+      <p:nvGrpSpPr>
+        <p:cNvPr id="1" name=""/>
+        <p:cNvGrpSpPr/>
+        <p:nvPr/>
+      </p:nvGrpSpPr>
+      <p:grpSpPr>
+        <a:xfrm>
+          <a:off x="0" y="0"/>
+          <a:ext cx="0" cy="0"/>
+          <a:chOff x="0" y="0"/>
+          <a:chExt cx="0" cy="0"/>
+        </a:xfrm>
+      </p:grpSpPr>
+      <p:pic>
+        <p:nvPicPr>
+          <p:cNvPr id="3073" name="Picture 1"/>
+          <p:cNvPicPr>
+            <a:picLocks noChangeAspect="1" noChangeArrowheads="1"/>
+          </p:cNvPicPr>
+          <p:nvPr/>
+        </p:nvPicPr>
+        <p:blipFill>
+          <a:blip r:embed="rId3">
+            <a:duotone>
+              <a:schemeClr val="accent5">
+                <a:shade val="45000"/>
+                <a:satMod val="135000"/>
+              </a:schemeClr>
+              <a:prstClr val="white"/>
+            </a:duotone>
+            <a:extLst>
+              <a:ext uri="{BEBA8EAE-BF5A-486C-A8C5-ECC9F3942E4B}">
+                <a14:imgProps xmlns:a14="http://schemas.microsoft.com/office/drawing/2010/main">
+                  <a14:imgLayer r:embed="rId4">
+                    <a14:imgEffect>
+                      <a14:brightnessContrast bright="20000"/>
+                    </a14:imgEffect>
+                  </a14:imgLayer>
+                </a14:imgProps>
+              </a:ext>
+              <a:ext uri="{28A0092B-C50C-407E-A947-70E740481C1C}">
+                <a14:useLocalDpi xmlns:a14="http://schemas.microsoft.com/office/drawing/2010/main" val="0"/>
+              </a:ext>
+            </a:extLst>
+          </a:blip>
+          <a:srcRect/>
+          <a:stretch>
+            <a:fillRect/>
+          </a:stretch>
+        </p:blipFill>
+        <p:spPr bwMode="auto">
+          <a:xfrm>
+            <a:off x="9784" y="-27384"/>
+            <a:ext cx="9179902" cy="6058927"/>
+          </a:xfrm>
+          <a:prstGeom prst="rect">
+            <a:avLst/>
+          </a:prstGeom>
+          <a:noFill/>
+          <a:ln>
+            <a:noFill/>
+          </a:ln>
+          <a:effectLst/>
+          <a:extLst>
+            <a:ext uri="{909E8E84-426E-40DD-AFC4-6F175D3DCCD1}">
+              <a14:hiddenFill xmlns:a14="http://schemas.microsoft.com/office/drawing/2010/main">
+                <a:solidFill>
+                  <a:schemeClr val="accent1"/>
+                </a:solidFill>
+              </a14:hiddenFill>
+            </a:ext>
+            <a:ext uri="{91240B29-F687-4F45-9708-019B960494DF}">
+              <a14:hiddenLine xmlns:a14="http://schemas.microsoft.com/office/drawing/2010/main" w="9525">
+                <a:solidFill>
+                  <a:schemeClr val="tx1"/>
+                </a:solidFill>
+                <a:miter lim="800000"/>
+                <a:headEnd/>
+                <a:tailEnd/>
+              </a14:hiddenLine>
+            </a:ext>
+            <a:ext uri="{AF507438-7753-43E0-B8FC-AC1667EBCBE1}">
+              <a14:hiddenEffects xmlns:a14="http://schemas.microsoft.com/office/drawing/2010/main">
+                <a:effectLst>
+                  <a:outerShdw dist="35921" dir="2700000" algn="ctr" rotWithShape="0">
+                    <a:schemeClr val="bg2"/>
+                  </a:outerShdw>
+                </a:effectLst>
+              </a14:hiddenEffects>
+            </a:ext>
+          </a:extLst>
+        </p:spPr>
+      </p:pic>
+      <p:sp>
+        <p:nvSpPr>
+          <p:cNvPr id="2" name="Rectangle 1"/>
+          <p:cNvSpPr>
+            <a:spLocks noGrp="1"/>
+          </p:cNvSpPr>
+          <p:nvPr>
+            <p:ph type="ctrTitle"/>
+          </p:nvPr>
+        </p:nvSpPr>
+        <p:spPr>
+          <a:xfrm>
+            <a:off x="0" y="2062155"/>
+            <a:ext cx="9144000" cy="1879848"/>
+          </a:xfrm>
+        </p:spPr>
+        <p:txBody>
+          <a:bodyPr anchor="ctr">
+            <a:noAutofit/>
+            <a:scene3d>
+              <a:camera prst="orthographicFront">
+                <a:rot lat="0" lon="0" rev="0"/>
+              </a:camera>
+              <a:lightRig rig="contrasting" dir="t">
+                <a:rot lat="0" lon="0" rev="4500000"/>
+              </a:lightRig>
+            </a:scene3d>
+            <a:sp3d contourW="6350" prstMaterial="metal">
+              <a:bevelT w="127000" h="31750" prst="relaxedInset"/>
+              <a:contourClr>
+                <a:schemeClr val="accent1">
+                  <a:shade val="75000"/>
+                </a:schemeClr>
+              </a:contourClr>
+            </a:sp3d>
+          </a:bodyPr>
+          <a:lstStyle/>
+          <a:p>
+            <a:pPr algn="ctr"/>
+            <a:r>
+              <a:rPr lang="en-US" sz="4000" dirty="0" err="1" smtClean="0">
+                <a:latin typeface="Times New Roman" pitchFamily="18" charset="0"/>
+                <a:cs typeface="Times New Roman" pitchFamily="18" charset="0"/>
+              </a:rPr>
+              <a:t>Xây</a:t>
+            </a:r>
+            <a:r>
+              <a:rPr lang="en-US" sz="4000" dirty="0" smtClean="0">
+                <a:latin typeface="Times New Roman" pitchFamily="18" charset="0"/>
+                <a:cs typeface="Times New Roman" pitchFamily="18" charset="0"/>
+              </a:rPr>
+              <a:t> </a:t>
+            </a:r>
+            <a:r>
+              <a:rPr lang="en-US" sz="4000" dirty="0" err="1" smtClean="0">
+                <a:latin typeface="Times New Roman" pitchFamily="18" charset="0"/>
+                <a:cs typeface="Times New Roman" pitchFamily="18" charset="0"/>
+              </a:rPr>
+              <a:t>dựng</a:t>
+            </a:r>
+            <a:r>
+              <a:rPr lang="en-US" sz="4000" dirty="0" smtClean="0">
+                <a:latin typeface="Times New Roman" pitchFamily="18" charset="0"/>
+                <a:cs typeface="Times New Roman" pitchFamily="18" charset="0"/>
+              </a:rPr>
+              <a:t> </a:t>
+            </a:r>
+            <a:r>
+              <a:rPr lang="en-US" sz="4000" dirty="0" err="1" smtClean="0">
+                <a:latin typeface="Times New Roman" pitchFamily="18" charset="0"/>
+                <a:cs typeface="Times New Roman" pitchFamily="18" charset="0"/>
+              </a:rPr>
+              <a:t>kiến</a:t>
+            </a:r>
+            <a:r>
+              <a:rPr lang="en-US" sz="4000" dirty="0" smtClean="0">
+                <a:latin typeface="Times New Roman" pitchFamily="18" charset="0"/>
+                <a:cs typeface="Times New Roman" pitchFamily="18" charset="0"/>
+              </a:rPr>
+              <a:t> </a:t>
+            </a:r>
+            <a:r>
+              <a:rPr lang="en-US" sz="4000" dirty="0" err="1" smtClean="0">
+                <a:latin typeface="Times New Roman" pitchFamily="18" charset="0"/>
+                <a:cs typeface="Times New Roman" pitchFamily="18" charset="0"/>
+              </a:rPr>
+              <a:t>trúc</a:t>
+            </a:r>
+            <a:r>
+              <a:rPr lang="en-US" sz="4000" dirty="0" smtClean="0">
+                <a:latin typeface="Times New Roman" pitchFamily="18" charset="0"/>
+                <a:cs typeface="Times New Roman" pitchFamily="18" charset="0"/>
+              </a:rPr>
+              <a:t/>
+            </a:r>
+            <a:br>
+              <a:rPr lang="en-US" sz="4000" dirty="0" smtClean="0">
+                <a:latin typeface="Times New Roman" pitchFamily="18" charset="0"/>
+                <a:cs typeface="Times New Roman" pitchFamily="18" charset="0"/>
+              </a:rPr>
+            </a:br>
+            <a:r>
+              <a:rPr lang="en-US" sz="4000" dirty="0" err="1" smtClean="0">
+                <a:latin typeface="Times New Roman" pitchFamily="18" charset="0"/>
+                <a:cs typeface="Times New Roman" pitchFamily="18" charset="0"/>
+              </a:rPr>
+              <a:t>cổng</a:t>
+            </a:r>
+            <a:r>
+              <a:rPr lang="en-US" sz="4000" dirty="0" smtClean="0">
+                <a:latin typeface="Times New Roman" pitchFamily="18" charset="0"/>
+                <a:cs typeface="Times New Roman" pitchFamily="18" charset="0"/>
+              </a:rPr>
+              <a:t> </a:t>
+            </a:r>
+            <a:r>
+              <a:rPr lang="en-US" sz="4000" dirty="0" err="1" smtClean="0">
+                <a:latin typeface="Times New Roman" pitchFamily="18" charset="0"/>
+                <a:cs typeface="Times New Roman" pitchFamily="18" charset="0"/>
+              </a:rPr>
+              <a:t>thông</a:t>
+            </a:r>
+            <a:r>
+              <a:rPr lang="en-US" sz="4000" dirty="0" smtClean="0">
+                <a:latin typeface="Times New Roman" pitchFamily="18" charset="0"/>
+                <a:cs typeface="Times New Roman" pitchFamily="18" charset="0"/>
+              </a:rPr>
+              <a:t> tin </a:t>
+            </a:r>
+            <a:r>
+              <a:rPr lang="en-US" sz="4000" dirty="0" err="1" smtClean="0">
+                <a:latin typeface="Times New Roman" pitchFamily="18" charset="0"/>
+                <a:cs typeface="Times New Roman" pitchFamily="18" charset="0"/>
+              </a:rPr>
+              <a:t>tìm</a:t>
+            </a:r>
+            <a:r>
+              <a:rPr lang="en-US" sz="4000" dirty="0" smtClean="0">
+                <a:latin typeface="Times New Roman" pitchFamily="18" charset="0"/>
+                <a:cs typeface="Times New Roman" pitchFamily="18" charset="0"/>
+              </a:rPr>
+              <a:t> </a:t>
+            </a:r>
+            <a:r>
+              <a:rPr lang="en-US" sz="4000" dirty="0" err="1" smtClean="0">
+                <a:latin typeface="Times New Roman" pitchFamily="18" charset="0"/>
+                <a:cs typeface="Times New Roman" pitchFamily="18" charset="0"/>
+              </a:rPr>
+              <a:t>việc</a:t>
+            </a:r>
+            <a:endParaRPr lang="en-US" sz="4800" dirty="0">
+              <a:latin typeface="Times New Roman" pitchFamily="18" charset="0"/>
+              <a:cs typeface="Times New Roman" pitchFamily="18" charset="0"/>
+            </a:endParaRPr>
+          </a:p>
+        </p:txBody>
+      </p:sp>
+      <p:sp>
+        <p:nvSpPr>
+          <p:cNvPr id="3" name="Rectangle 2"/>
+          <p:cNvSpPr>
+            <a:spLocks noGrp="1"/>
+          </p:cNvSpPr>
+          <p:nvPr>
+            <p:ph type="subTitle" idx="1"/>
+          </p:nvPr>
+        </p:nvSpPr>
+        <p:spPr>
+          <a:xfrm>
+            <a:off x="-5444" y="6069023"/>
+            <a:ext cx="2201180" cy="685800"/>
+          </a:xfrm>
+        </p:spPr>
+        <p:txBody>
+          <a:bodyPr>
+            <a:normAutofit/>
+          </a:bodyPr>
+          <a:lstStyle/>
+          <a:p>
+            <a:pPr algn="ctr"/>
+            <a:r>
+              <a:rPr lang="en-US" dirty="0" smtClean="0"/>
+              <a:t>07/01/2012</a:t>
+            </a:r>
+          </a:p>
+        </p:txBody>
+      </p:sp>
+      <p:pic>
+        <p:nvPicPr>
+          <p:cNvPr id="6" name="Picture 5" descr="logoVNbottom.wmf"/>
+          <p:cNvPicPr>
+            <a:picLocks noChangeAspect="1"/>
+          </p:cNvPicPr>
+          <p:nvPr/>
+        </p:nvPicPr>
+        <p:blipFill>
+          <a:blip r:embed="rId5" cstate="print">
+            <a:duotone>
+              <a:schemeClr val="accent2">
+                <a:shade val="45000"/>
+                <a:satMod val="135000"/>
+              </a:schemeClr>
+              <a:prstClr val="white"/>
+            </a:duotone>
+            <a:lum contrast="-40000"/>
+          </a:blip>
+          <a:stretch>
+            <a:fillRect/>
+          </a:stretch>
+        </p:blipFill>
+        <p:spPr>
+          <a:xfrm>
+            <a:off x="323529" y="305063"/>
+            <a:ext cx="2520281" cy="1157237"/>
+          </a:xfrm>
+          <a:prstGeom prst="rect">
+            <a:avLst/>
+          </a:prstGeom>
+        </p:spPr>
+      </p:pic>
+      <p:sp>
+        <p:nvSpPr>
+          <p:cNvPr id="5" name="Rectangle 1"/>
+          <p:cNvSpPr txBox="1">
+            <a:spLocks/>
+          </p:cNvSpPr>
+          <p:nvPr/>
+        </p:nvSpPr>
+        <p:spPr>
+          <a:xfrm>
+            <a:off x="2339752" y="6031543"/>
+            <a:ext cx="4806752" cy="692696"/>
+          </a:xfrm>
+          <a:prstGeom prst="rect">
+            <a:avLst/>
+          </a:prstGeom>
+        </p:spPr>
+        <p:txBody>
+          <a:bodyPr vert="horz" anchor="ctr">
+            <a:noAutofit/>
+          </a:bodyPr>
+          <a:lstStyle>
+            <a:lvl1pPr algn="l" rtl="0" eaLnBrk="1" latinLnBrk="0" hangingPunct="1">
+              <a:spcBef>
+                <a:spcPct val="0"/>
+              </a:spcBef>
+              <a:buNone/>
+              <a:defRPr sz="4400" kern="1200" cap="all" baseline="0">
+                <a:solidFill>
+                  <a:schemeClr val="tx2"/>
+                </a:solidFill>
+                <a:latin typeface="+mj-lt"/>
+                <a:ea typeface="+mj-ea"/>
+                <a:cs typeface="+mj-cs"/>
+              </a:defRPr>
+            </a:lvl1pPr>
+          </a:lstStyle>
+          <a:p>
+            <a:pPr algn="ctr"/>
+            <a:r>
+              <a:rPr lang="en-US" sz="2800" cap="none" dirty="0" smtClean="0">
+                <a:ln w="18415" cmpd="sng">
+                  <a:solidFill>
+                    <a:srgbClr val="FFFFFF"/>
+                  </a:solidFill>
+                  <a:prstDash val="solid"/>
+                </a:ln>
+                <a:solidFill>
+                  <a:srgbClr val="FFFFFF"/>
+                </a:solidFill>
+                <a:effectLst>
+                  <a:outerShdw blurRad="63500" dir="3600000" algn="tl" rotWithShape="0">
+                    <a:srgbClr val="000000">
+                      <a:alpha val="70000"/>
+                    </a:srgbClr>
+                  </a:outerShdw>
+                </a:effectLst>
+                <a:latin typeface="Times New Roman" pitchFamily="18" charset="0"/>
+                <a:cs typeface="Times New Roman" pitchFamily="18" charset="0"/>
+              </a:rPr>
+              <a:t>KHOÁ LUẬN TỐT NGHIỆP</a:t>
+            </a:r>
+            <a:endParaRPr lang="en-US" sz="3600" cap="none" dirty="0">
+              <a:ln w="18415" cmpd="sng">
+                <a:solidFill>
+                  <a:srgbClr val="FFFFFF"/>
+                </a:solidFill>
+                <a:prstDash val="solid"/>
+              </a:ln>
+              <a:solidFill>
+                <a:srgbClr val="FFFFFF"/>
+              </a:solidFill>
+              <a:effectLst>
+                <a:outerShdw blurRad="63500" dir="3600000" algn="tl" rotWithShape="0">
+                  <a:srgbClr val="000000">
+                    <a:alpha val="70000"/>
+                  </a:srgbClr>
+                </a:outerShdw>
+              </a:effectLst>
+              <a:latin typeface="Times New Roman" pitchFamily="18" charset="0"/>
+              <a:cs typeface="Times New Roman" pitchFamily="18" charset="0"/>
+            </a:endParaRPr>
+          </a:p>
+        </p:txBody>
+      </p:sp>
+      <p:sp>
+        <p:nvSpPr>
+          <p:cNvPr id="7" name="Rectangle 1"/>
+          <p:cNvSpPr txBox="1">
+            <a:spLocks/>
+          </p:cNvSpPr>
+          <p:nvPr/>
+        </p:nvSpPr>
+        <p:spPr>
+          <a:xfrm>
+            <a:off x="0" y="4005064"/>
+            <a:ext cx="9144000" cy="1879848"/>
+          </a:xfrm>
+          <a:prstGeom prst="rect">
+            <a:avLst/>
+          </a:prstGeom>
+        </p:spPr>
+        <p:txBody>
+          <a:bodyPr vert="horz" anchor="ctr">
+            <a:noAutofit/>
+            <a:scene3d>
+              <a:camera prst="orthographicFront">
+                <a:rot lat="0" lon="0" rev="0"/>
+              </a:camera>
+              <a:lightRig rig="contrasting" dir="t">
+                <a:rot lat="0" lon="0" rev="4500000"/>
+              </a:lightRig>
+            </a:scene3d>
+            <a:sp3d contourW="6350" prstMaterial="metal">
+              <a:bevelT w="127000" h="31750" prst="relaxedInset"/>
+              <a:contourClr>
+                <a:schemeClr val="accent1">
+                  <a:shade val="75000"/>
+                </a:schemeClr>
+              </a:contourClr>
+            </a:sp3d>
+          </a:bodyPr>
+          <a:lstStyle>
+            <a:lvl1pPr algn="l" rtl="0" eaLnBrk="1" latinLnBrk="0" hangingPunct="1">
+              <a:spcBef>
+                <a:spcPct val="0"/>
+              </a:spcBef>
+              <a:buNone/>
+              <a:defRPr sz="4400" b="1" kern="1200" cap="all" spc="0" baseline="0">
+                <a:ln w="0"/>
+                <a:gradFill flip="none">
+                  <a:gsLst>
+                    <a:gs pos="0">
+                      <a:schemeClr val="accent1">
+                        <a:tint val="75000"/>
+                        <a:shade val="75000"/>
+                        <a:satMod val="170000"/>
+                      </a:schemeClr>
+                    </a:gs>
+                    <a:gs pos="49000">
+                      <a:schemeClr val="accent1">
+                        <a:tint val="88000"/>
+                        <a:shade val="65000"/>
+                        <a:satMod val="172000"/>
+                      </a:schemeClr>
+                    </a:gs>
+                    <a:gs pos="50000">
+                      <a:schemeClr val="accent1">
+                        <a:shade val="65000"/>
+                        <a:satMod val="130000"/>
+                      </a:schemeClr>
+                    </a:gs>
+                    <a:gs pos="92000">
+                      <a:schemeClr val="accent1">
+                        <a:shade val="50000"/>
+                        <a:satMod val="120000"/>
+                      </a:schemeClr>
+                    </a:gs>
+                    <a:gs pos="100000">
+                      <a:schemeClr val="accent1">
+                        <a:shade val="48000"/>
+                        <a:satMod val="120000"/>
+                      </a:schemeClr>
+                    </a:gs>
+                  </a:gsLst>
+                  <a:lin ang="5400000"/>
+                </a:gradFill>
+                <a:effectLst>
+                  <a:reflection blurRad="12700" stA="50000" endPos="50000" dist="5000" dir="5400000" sy="-100000" rotWithShape="0"/>
+                </a:effectLst>
+                <a:latin typeface="Times New Roman" pitchFamily="18" charset="0"/>
+                <a:ea typeface="+mj-ea"/>
+                <a:cs typeface="Times New Roman" pitchFamily="18" charset="0"/>
+              </a:defRPr>
+            </a:lvl1pPr>
+          </a:lstStyle>
+          <a:p>
+            <a:pPr>
+              <a:lnSpc>
+                <a:spcPct val="150000"/>
+              </a:lnSpc>
+            </a:pPr>
+            <a:r>
+              <a:rPr lang="en-US" sz="2200" dirty="0" smtClean="0">
+                <a:effectLst/>
+              </a:rPr>
+              <a:t>	GIẢNG VIÊN HƯỚNG DẪN:	 TS. </a:t>
+            </a:r>
+            <a:r>
+              <a:rPr lang="en-US" sz="2200" dirty="0" err="1" smtClean="0">
+                <a:effectLst/>
+              </a:rPr>
+              <a:t>Trần</a:t>
+            </a:r>
+            <a:r>
+              <a:rPr lang="en-US" sz="2200" dirty="0" smtClean="0">
+                <a:effectLst/>
+              </a:rPr>
+              <a:t> </a:t>
+            </a:r>
+            <a:r>
+              <a:rPr lang="en-US" sz="2200" dirty="0" err="1" smtClean="0">
+                <a:effectLst/>
+              </a:rPr>
+              <a:t>vũ</a:t>
+            </a:r>
+            <a:r>
+              <a:rPr lang="en-US" sz="2200" dirty="0" smtClean="0">
+                <a:effectLst/>
+              </a:rPr>
+              <a:t> </a:t>
+            </a:r>
+            <a:r>
+              <a:rPr lang="en-US" sz="2200" dirty="0" err="1" smtClean="0">
+                <a:effectLst/>
+              </a:rPr>
+              <a:t>bình</a:t>
+            </a:r>
+            <a:endParaRPr lang="en-US" sz="2200" dirty="0" smtClean="0">
+              <a:effectLst/>
+            </a:endParaRPr>
+          </a:p>
+          <a:p>
+            <a:pPr>
+              <a:lnSpc>
+                <a:spcPct val="150000"/>
+              </a:lnSpc>
+            </a:pPr>
+            <a:r>
+              <a:rPr lang="en-US" sz="2200" dirty="0" smtClean="0">
+                <a:effectLst/>
+              </a:rPr>
+              <a:t>	</a:t>
+            </a:r>
+            <a:r>
+              <a:rPr lang="en-US" sz="2200" dirty="0" err="1" smtClean="0">
+                <a:effectLst/>
+              </a:rPr>
+              <a:t>Sinh</a:t>
+            </a:r>
+            <a:r>
+              <a:rPr lang="en-US" sz="2200" dirty="0" smtClean="0">
+                <a:effectLst/>
+              </a:rPr>
+              <a:t> </a:t>
+            </a:r>
+            <a:r>
+              <a:rPr lang="en-US" sz="2200" dirty="0" err="1" smtClean="0">
+                <a:effectLst/>
+              </a:rPr>
+              <a:t>viên</a:t>
+            </a:r>
+            <a:r>
+              <a:rPr lang="en-US" sz="2200" dirty="0" smtClean="0">
+                <a:effectLst/>
+              </a:rPr>
+              <a:t> </a:t>
+            </a:r>
+            <a:r>
+              <a:rPr lang="en-US" sz="2200" dirty="0" err="1" smtClean="0">
+                <a:effectLst/>
+              </a:rPr>
+              <a:t>thực</a:t>
+            </a:r>
+            <a:r>
+              <a:rPr lang="en-US" sz="2200" dirty="0" smtClean="0">
+                <a:effectLst/>
+              </a:rPr>
+              <a:t> </a:t>
+            </a:r>
+            <a:r>
+              <a:rPr lang="en-US" sz="2200" dirty="0" err="1" smtClean="0">
+                <a:effectLst/>
+              </a:rPr>
+              <a:t>hiện</a:t>
+            </a:r>
+            <a:r>
+              <a:rPr lang="en-US" sz="2200" dirty="0" smtClean="0">
+                <a:effectLst/>
+              </a:rPr>
+              <a:t>:	</a:t>
+            </a:r>
+            <a:r>
+              <a:rPr lang="en-US" sz="2200" dirty="0" err="1" smtClean="0">
+                <a:effectLst/>
+              </a:rPr>
+              <a:t>lê</a:t>
+            </a:r>
+            <a:r>
+              <a:rPr lang="en-US" sz="2200" dirty="0" smtClean="0">
+                <a:effectLst/>
+              </a:rPr>
+              <a:t> </a:t>
+            </a:r>
+            <a:r>
+              <a:rPr lang="en-US" sz="2200" dirty="0" err="1" smtClean="0">
+                <a:effectLst/>
+              </a:rPr>
+              <a:t>trung</a:t>
+            </a:r>
+            <a:r>
+              <a:rPr lang="en-US" sz="2200" dirty="0" smtClean="0">
+                <a:effectLst/>
+              </a:rPr>
+              <a:t> </a:t>
+            </a:r>
+            <a:r>
+              <a:rPr lang="en-US" sz="2200" dirty="0" err="1" smtClean="0">
+                <a:effectLst/>
+              </a:rPr>
+              <a:t>hiếu</a:t>
+            </a:r>
+            <a:endParaRPr lang="en-US" sz="2200" dirty="0" smtClean="0">
+              <a:effectLst/>
+            </a:endParaRPr>
+          </a:p>
+          <a:p>
+            <a:pPr>
+              <a:lnSpc>
+                <a:spcPct val="150000"/>
+              </a:lnSpc>
+            </a:pPr>
+            <a:r>
+              <a:rPr lang="en-US" sz="2200" dirty="0" smtClean="0">
+                <a:effectLst/>
+              </a:rPr>
+              <a:t>					</a:t>
+            </a:r>
+            <a:r>
+              <a:rPr lang="en-US" sz="2200" dirty="0" err="1" smtClean="0">
+                <a:effectLst/>
+              </a:rPr>
+              <a:t>Phùng</a:t>
+            </a:r>
+            <a:r>
+              <a:rPr lang="en-US" sz="2200" dirty="0" smtClean="0">
+                <a:effectLst/>
+              </a:rPr>
+              <a:t> </a:t>
+            </a:r>
+            <a:r>
+              <a:rPr lang="en-US" sz="2200" dirty="0" err="1" smtClean="0">
+                <a:effectLst/>
+              </a:rPr>
+              <a:t>chí</a:t>
+            </a:r>
+            <a:r>
+              <a:rPr lang="en-US" sz="2200" dirty="0" smtClean="0">
+                <a:effectLst/>
+              </a:rPr>
+              <a:t> </a:t>
+            </a:r>
+            <a:r>
+              <a:rPr lang="en-US" sz="2200" dirty="0" err="1" smtClean="0">
+                <a:effectLst/>
+              </a:rPr>
+              <a:t>nguyên</a:t>
+            </a:r>
+            <a:endParaRPr lang="en-US" sz="2200" dirty="0" smtClean="0">
+              <a:effectLst/>
+            </a:endParaRPr>
+          </a:p>
+          <a:p>
+            <a:pPr>
+              <a:lnSpc>
+                <a:spcPct val="150000"/>
+              </a:lnSpc>
+            </a:pPr>
+            <a:r>
+              <a:rPr lang="en-US" sz="2200" dirty="0" smtClean="0">
+                <a:effectLst/>
+              </a:rPr>
+              <a:t>					</a:t>
+            </a:r>
+            <a:r>
+              <a:rPr lang="en-US" sz="2200" dirty="0" err="1" smtClean="0">
+                <a:effectLst/>
+              </a:rPr>
+              <a:t>Lê</a:t>
+            </a:r>
+            <a:r>
+              <a:rPr lang="en-US" sz="2200" dirty="0" smtClean="0">
+                <a:effectLst/>
+              </a:rPr>
+              <a:t> </a:t>
+            </a:r>
+            <a:r>
+              <a:rPr lang="en-US" sz="2200" dirty="0" err="1" smtClean="0">
+                <a:effectLst/>
+              </a:rPr>
+              <a:t>dương</a:t>
+            </a:r>
+            <a:r>
+              <a:rPr lang="en-US" sz="2200" dirty="0" smtClean="0">
+                <a:effectLst/>
+              </a:rPr>
+              <a:t> </a:t>
+            </a:r>
+            <a:r>
+              <a:rPr lang="en-US" sz="2200" dirty="0" err="1" smtClean="0">
+                <a:effectLst/>
+              </a:rPr>
+              <a:t>công</a:t>
+            </a:r>
+            <a:r>
+              <a:rPr lang="en-US" sz="2200" dirty="0" smtClean="0">
+                <a:effectLst/>
+              </a:rPr>
+              <a:t> </a:t>
+            </a:r>
+            <a:r>
+              <a:rPr lang="en-US" sz="2200" dirty="0" err="1" smtClean="0">
+                <a:effectLst/>
+              </a:rPr>
+              <a:t>phúc</a:t>
+            </a:r>
+            <a:endParaRPr lang="en-US" sz="2200" dirty="0" smtClean="0">
+              <a:effectLst/>
+            </a:endParaRPr>
+          </a:p>
+        </p:txBody>
+      </p:sp>
+    </p:spTree>
+  </p:cSld>
+  <p:clrMapOvr>
+    <a:masterClrMapping/>
+  </p:clrMapOvr>
+  <mc:AlternateContent xmlns:mc="http://schemas.openxmlformats.org/markup-compatibility/2006" xmlns:p14="http://schemas.microsoft.com/office/powerpoint/2010/main">
+    <mc:Choice Requires="p14">
+      <p:transition p14:dur="0"/>
+    </mc:Choice>
+    <mc:Fallback xmlns="">
+      <p:transition/>
+    </mc:Fallback>
+  </mc:AlternateContent>
+  <p:timing>
+    <p:tnLst>
+      <p:par>
+        <p:cTn id="1" dur="indefinite" restart="never" nodeType="tmRoot"/>
+      </p:par>
+    </p:tnLst>
+  </p:timing>
+</p:sld>
+</file>
+
+<file path=ppt/slides/slide20.xml><?xml version="1.0" encoding="utf-8"?>
 <p:sld xmlns:a="http://schemas.openxmlformats.org/drawingml/2006/main" xmlns:r="http://schemas.openxmlformats.org/officeDocument/2006/relationships" xmlns:p="http://schemas.openxmlformats.org/presentationml/2006/main">
   <p:cSld>
     <p:spTree>
@@ -13584,7 +13680,7 @@
             <a:fld id="{1AD93096-5B34-4342-9326-69289CEAE4C2}" type="slidenum">
               <a:rPr lang="en-US" smtClean="0"/>
               <a:pPr/>
-              <a:t>21</a:t>
+              <a:t>20</a:t>
             </a:fld>
             <a:endParaRPr lang="en-US" dirty="0">
               <a:solidFill>
@@ -13701,7 +13797,7 @@
 </p:sld>
 </file>
 
-<file path=ppt/slides/slide22.xml><?xml version="1.0" encoding="utf-8"?>
+<file path=ppt/slides/slide21.xml><?xml version="1.0" encoding="utf-8"?>
 <p:sld xmlns:a="http://schemas.openxmlformats.org/drawingml/2006/main" xmlns:r="http://schemas.openxmlformats.org/officeDocument/2006/relationships" xmlns:p="http://schemas.openxmlformats.org/presentationml/2006/main">
   <p:cSld>
     <p:spTree>
@@ -13949,7 +14045,7 @@
             <a:fld id="{1AD93096-5B34-4342-9326-69289CEAE4C2}" type="slidenum">
               <a:rPr lang="en-US" smtClean="0"/>
               <a:pPr/>
-              <a:t>22</a:t>
+              <a:t>21</a:t>
             </a:fld>
             <a:endParaRPr lang="en-US" dirty="0">
               <a:solidFill>
@@ -14076,7 +14172,7 @@
 </p:sld>
 </file>
 
-<file path=ppt/slides/slide23.xml><?xml version="1.0" encoding="utf-8"?>
+<file path=ppt/slides/slide22.xml><?xml version="1.0" encoding="utf-8"?>
 <p:sld xmlns:a="http://schemas.openxmlformats.org/drawingml/2006/main" xmlns:r="http://schemas.openxmlformats.org/officeDocument/2006/relationships" xmlns:p="http://schemas.openxmlformats.org/presentationml/2006/main">
   <p:cSld>
     <p:spTree>
@@ -14162,7 +14258,7 @@
             <a:fld id="{1AD93096-5B34-4342-9326-69289CEAE4C2}" type="slidenum">
               <a:rPr lang="en-US" smtClean="0"/>
               <a:pPr/>
-              <a:t>23</a:t>
+              <a:t>22</a:t>
             </a:fld>
             <a:endParaRPr lang="en-US" dirty="0">
               <a:solidFill>
@@ -14258,7 +14354,7 @@
 </p:sld>
 </file>
 
-<file path=ppt/slides/slide24.xml><?xml version="1.0" encoding="utf-8"?>
+<file path=ppt/slides/slide23.xml><?xml version="1.0" encoding="utf-8"?>
 <p:sld xmlns:a="http://schemas.openxmlformats.org/drawingml/2006/main" xmlns:r="http://schemas.openxmlformats.org/officeDocument/2006/relationships" xmlns:p="http://schemas.openxmlformats.org/presentationml/2006/main">
   <p:cSld>
     <p:spTree>
@@ -14321,7 +14417,7 @@
             <a:fld id="{1AD93096-5B34-4342-9326-69289CEAE4C2}" type="slidenum">
               <a:rPr lang="en-US" smtClean="0"/>
               <a:pPr algn="ctr"/>
-              <a:t>24</a:t>
+              <a:t>23</a:t>
             </a:fld>
             <a:endParaRPr lang="en-US" sz="2400" dirty="0">
               <a:solidFill>
@@ -14411,7 +14507,7 @@
 </p:sld>
 </file>
 
-<file path=ppt/slides/slide25.xml><?xml version="1.0" encoding="utf-8"?>
+<file path=ppt/slides/slide24.xml><?xml version="1.0" encoding="utf-8"?>
 <p:sld xmlns:a="http://schemas.openxmlformats.org/drawingml/2006/main" xmlns:r="http://schemas.openxmlformats.org/officeDocument/2006/relationships" xmlns:p="http://schemas.openxmlformats.org/presentationml/2006/main">
   <p:cSld>
     <p:spTree>
@@ -14517,7 +14613,7 @@
             <a:fld id="{1AD93096-5B34-4342-9326-69289CEAE4C2}" type="slidenum">
               <a:rPr lang="en-US" smtClean="0"/>
               <a:pPr/>
-              <a:t>25</a:t>
+              <a:t>24</a:t>
             </a:fld>
             <a:endParaRPr lang="en-US" dirty="0">
               <a:solidFill>
@@ -14643,7 +14739,7 @@
 </p:sld>
 </file>
 
-<file path=ppt/slides/slide26.xml><?xml version="1.0" encoding="utf-8"?>
+<file path=ppt/slides/slide25.xml><?xml version="1.0" encoding="utf-8"?>
 <p:sld xmlns:a="http://schemas.openxmlformats.org/drawingml/2006/main" xmlns:r="http://schemas.openxmlformats.org/officeDocument/2006/relationships" xmlns:p="http://schemas.openxmlformats.org/presentationml/2006/main">
   <p:cSld>
     <p:spTree>
@@ -14725,7 +14821,7 @@
             <a:fld id="{1AD93096-5B34-4342-9326-69289CEAE4C2}" type="slidenum">
               <a:rPr lang="en-US" smtClean="0"/>
               <a:pPr/>
-              <a:t>26</a:t>
+              <a:t>25</a:t>
             </a:fld>
             <a:endParaRPr lang="en-US" dirty="0">
               <a:solidFill>
@@ -14820,7 +14916,7 @@
           <a:graphicData uri="http://schemas.openxmlformats.org/presentationml/2006/ole">
             <mc:AlternateContent xmlns:mc="http://schemas.openxmlformats.org/markup-compatibility/2006">
               <mc:Choice xmlns:v="urn:schemas-microsoft-com:vml" Requires="v">
-                <p:oleObj spid="_x0000_s2071" name="Visio" r:id="rId3" imgW="5596684" imgH="6352347" progId="Visio.Drawing.11">
+                <p:oleObj spid="_x0000_s2089" name="Visio" r:id="rId3" imgW="5596684" imgH="6352347" progId="Visio.Drawing.11">
                   <p:embed/>
                 </p:oleObj>
               </mc:Choice>
@@ -14894,7 +14990,7 @@
 </p:sld>
 </file>
 
-<file path=ppt/slides/slide27.xml><?xml version="1.0" encoding="utf-8"?>
+<file path=ppt/slides/slide26.xml><?xml version="1.0" encoding="utf-8"?>
 <p:sld xmlns:a="http://schemas.openxmlformats.org/drawingml/2006/main" xmlns:r="http://schemas.openxmlformats.org/officeDocument/2006/relationships" xmlns:p="http://schemas.openxmlformats.org/presentationml/2006/main">
   <p:cSld>
     <p:spTree>
@@ -14956,7 +15052,7 @@
             <a:fld id="{1AD93096-5B34-4342-9326-69289CEAE4C2}" type="slidenum">
               <a:rPr lang="en-US" smtClean="0"/>
               <a:pPr/>
-              <a:t>27</a:t>
+              <a:t>26</a:t>
             </a:fld>
             <a:endParaRPr lang="en-US" dirty="0">
               <a:solidFill>
@@ -15052,7 +15148,7 @@
 </p:sld>
 </file>
 
-<file path=ppt/slides/slide28.xml><?xml version="1.0" encoding="utf-8"?>
+<file path=ppt/slides/slide27.xml><?xml version="1.0" encoding="utf-8"?>
 <p:sld xmlns:a="http://schemas.openxmlformats.org/drawingml/2006/main" xmlns:r="http://schemas.openxmlformats.org/officeDocument/2006/relationships" xmlns:p="http://schemas.openxmlformats.org/presentationml/2006/main">
   <p:cSld>
     <p:spTree>
@@ -15141,7 +15237,7 @@
             <a:fld id="{1AD93096-5B34-4342-9326-69289CEAE4C2}" type="slidenum">
               <a:rPr lang="en-US" smtClean="0"/>
               <a:pPr/>
-              <a:t>28</a:t>
+              <a:t>27</a:t>
             </a:fld>
             <a:endParaRPr lang="en-US" dirty="0">
               <a:solidFill>
@@ -15212,6 +15308,117 @@
 </p:sld>
 </file>
 
+<file path=ppt/slides/slide28.xml><?xml version="1.0" encoding="utf-8"?>
+<p:sld xmlns:a="http://schemas.openxmlformats.org/drawingml/2006/main" xmlns:r="http://schemas.openxmlformats.org/officeDocument/2006/relationships" xmlns:p="http://schemas.openxmlformats.org/presentationml/2006/main">
+  <p:cSld>
+    <p:spTree>
+      <p:nvGrpSpPr>
+        <p:cNvPr id="1" name=""/>
+        <p:cNvGrpSpPr/>
+        <p:nvPr/>
+      </p:nvGrpSpPr>
+      <p:grpSpPr>
+        <a:xfrm>
+          <a:off x="0" y="0"/>
+          <a:ext cx="0" cy="0"/>
+          <a:chOff x="0" y="0"/>
+          <a:chExt cx="0" cy="0"/>
+        </a:xfrm>
+      </p:grpSpPr>
+      <p:sp>
+        <p:nvSpPr>
+          <p:cNvPr id="2" name="Title 1"/>
+          <p:cNvSpPr>
+            <a:spLocks noGrp="1"/>
+          </p:cNvSpPr>
+          <p:nvPr>
+            <p:ph type="title"/>
+          </p:nvPr>
+        </p:nvSpPr>
+        <p:spPr/>
+        <p:txBody>
+          <a:bodyPr>
+            <a:normAutofit/>
+          </a:bodyPr>
+          <a:lstStyle/>
+          <a:p>
+            <a:r>
+              <a:rPr lang="en-US" dirty="0" smtClean="0"/>
+              <a:t>KẾT QUẢ ĐẠT ĐƯỢC</a:t>
+            </a:r>
+            <a:endParaRPr lang="vi-VN" dirty="0"/>
+          </a:p>
+        </p:txBody>
+      </p:sp>
+      <p:sp>
+        <p:nvSpPr>
+          <p:cNvPr id="3" name="Slide Number Placeholder 2"/>
+          <p:cNvSpPr>
+            <a:spLocks noGrp="1"/>
+          </p:cNvSpPr>
+          <p:nvPr>
+            <p:ph type="sldNum" sz="quarter" idx="12"/>
+          </p:nvPr>
+        </p:nvSpPr>
+        <p:spPr/>
+        <p:txBody>
+          <a:bodyPr>
+            <a:normAutofit fontScale="85000" lnSpcReduction="20000"/>
+          </a:bodyPr>
+          <a:lstStyle/>
+          <a:p>
+            <a:fld id="{1AD93096-5B34-4342-9326-69289CEAE4C2}" type="slidenum">
+              <a:rPr lang="en-US" smtClean="0"/>
+              <a:pPr/>
+              <a:t>28</a:t>
+            </a:fld>
+            <a:endParaRPr lang="en-US" dirty="0">
+              <a:solidFill>
+                <a:srgbClr val="FFFFFF"/>
+              </a:solidFill>
+            </a:endParaRPr>
+          </a:p>
+        </p:txBody>
+      </p:sp>
+      <p:sp>
+        <p:nvSpPr>
+          <p:cNvPr id="4" name="Content Placeholder 3"/>
+          <p:cNvSpPr>
+            <a:spLocks noGrp="1"/>
+          </p:cNvSpPr>
+          <p:nvPr>
+            <p:ph sz="quarter" idx="1"/>
+          </p:nvPr>
+        </p:nvSpPr>
+        <p:spPr/>
+        <p:txBody>
+          <a:bodyPr/>
+          <a:lstStyle/>
+          <a:p>
+            <a:endParaRPr lang="vi-VN"/>
+          </a:p>
+        </p:txBody>
+      </p:sp>
+    </p:spTree>
+    <p:extLst>
+      <p:ext uri="{BB962C8B-B14F-4D97-AF65-F5344CB8AC3E}">
+        <p14:creationId xmlns:p14="http://schemas.microsoft.com/office/powerpoint/2010/main" val="3067536780"/>
+      </p:ext>
+    </p:extLst>
+  </p:cSld>
+  <p:clrMapOvr>
+    <a:masterClrMapping/>
+  </p:clrMapOvr>
+  <p:timing>
+    <p:tnLst>
+      <p:par>
+        <p:cTn id="1" dur="indefinite" restart="never" nodeType="tmRoot"/>
+      </p:par>
+    </p:tnLst>
+  </p:timing>
+</p:sld>
+</file>
+
 <file path=ppt/slides/slide29.xml><?xml version="1.0" encoding="utf-8"?>
 <p:sld xmlns:a="http://schemas.openxmlformats.org/drawingml/2006/main" xmlns:r="http://schemas.openxmlformats.org/officeDocument/2006/relationships" xmlns:p="http://schemas.openxmlformats.org/presentationml/2006/main">
   <p:cSld>
@@ -15247,8 +15454,8 @@
           <a:lstStyle/>
           <a:p>
             <a:r>
-              <a:rPr lang="en-US" dirty="0" smtClean="0"/>
-              <a:t>KẾT QUẢ ĐẠT ĐƯỢC</a:t>
+              <a:rPr lang="en-US" smtClean="0"/>
+              <a:t>Đánh giá</a:t>
             </a:r>
             <a:endParaRPr lang="vi-VN" dirty="0"/>
           </a:p>
@@ -15276,17 +15483,13 @@
               <a:pPr/>
               <a:t>29</a:t>
             </a:fld>
-            <a:endParaRPr lang="en-US" dirty="0">
-              <a:solidFill>
-                <a:srgbClr val="FFFFFF"/>
-              </a:solidFill>
-            </a:endParaRPr>
+            <a:endParaRPr lang="en-US" dirty="0"/>
           </a:p>
         </p:txBody>
       </p:sp>
       <p:sp>
         <p:nvSpPr>
-          <p:cNvPr id="4" name="Content Placeholder 3"/>
+          <p:cNvPr id="6" name="Content Placeholder 5"/>
           <p:cNvSpPr>
             <a:spLocks noGrp="1"/>
           </p:cNvSpPr>
@@ -15306,7 +15509,7 @@
     </p:spTree>
     <p:extLst>
       <p:ext uri="{BB962C8B-B14F-4D97-AF65-F5344CB8AC3E}">
-        <p14:creationId xmlns:p14="http://schemas.microsoft.com/office/powerpoint/2010/main" val="3067536780"/>
+        <p14:creationId xmlns:p14="http://schemas.microsoft.com/office/powerpoint/2010/main" val="2449681135"/>
       </p:ext>
     </p:extLst>
   </p:cSld>
@@ -15653,8 +15856,24 @@
           <a:lstStyle/>
           <a:p>
             <a:r>
-              <a:rPr lang="en-US" smtClean="0"/>
-              <a:t>Đánh giá</a:t>
+              <a:rPr lang="en-US" dirty="0" err="1" smtClean="0"/>
+              <a:t>Những</a:t>
+            </a:r>
+            <a:r>
+              <a:rPr lang="en-US" dirty="0" smtClean="0"/>
+              <a:t> </a:t>
+            </a:r>
+            <a:r>
+              <a:rPr lang="en-US" dirty="0" err="1" smtClean="0"/>
+              <a:t>hạn</a:t>
+            </a:r>
+            <a:r>
+              <a:rPr lang="en-US" dirty="0" smtClean="0"/>
+              <a:t> </a:t>
+            </a:r>
+            <a:r>
+              <a:rPr lang="en-US" dirty="0" err="1" smtClean="0"/>
+              <a:t>chế</a:t>
             </a:r>
             <a:endParaRPr lang="vi-VN" dirty="0"/>
           </a:p>
@@ -15682,13 +15901,17 @@
               <a:pPr/>
               <a:t>30</a:t>
             </a:fld>
-            <a:endParaRPr lang="en-US" dirty="0"/>
+            <a:endParaRPr lang="en-US" dirty="0">
+              <a:solidFill>
+                <a:srgbClr val="FFFFFF"/>
+              </a:solidFill>
+            </a:endParaRPr>
           </a:p>
         </p:txBody>
       </p:sp>
       <p:sp>
         <p:nvSpPr>
-          <p:cNvPr id="6" name="Content Placeholder 5"/>
+          <p:cNvPr id="4" name="Content Placeholder 3"/>
           <p:cNvSpPr>
             <a:spLocks noGrp="1"/>
           </p:cNvSpPr>
@@ -15708,7 +15931,7 @@
     </p:spTree>
     <p:extLst>
       <p:ext uri="{BB962C8B-B14F-4D97-AF65-F5344CB8AC3E}">
-        <p14:creationId xmlns:p14="http://schemas.microsoft.com/office/powerpoint/2010/main" val="2449681135"/>
+        <p14:creationId xmlns:p14="http://schemas.microsoft.com/office/powerpoint/2010/main" val="1913792255"/>
       </p:ext>
     </p:extLst>
   </p:cSld>
@@ -15744,7 +15967,26 @@
       </p:grpSpPr>
       <p:sp>
         <p:nvSpPr>
-          <p:cNvPr id="2" name="Title 1"/>
+          <p:cNvPr id="5" name="Text Placeholder 4"/>
+          <p:cNvSpPr>
+            <a:spLocks noGrp="1"/>
+          </p:cNvSpPr>
+          <p:nvPr>
+            <p:ph type="body" idx="1"/>
+          </p:nvPr>
+        </p:nvSpPr>
+        <p:spPr/>
+        <p:txBody>
+          <a:bodyPr/>
+          <a:lstStyle/>
+          <a:p>
+            <a:endParaRPr lang="vi-VN"/>
+          </a:p>
+        </p:txBody>
+      </p:sp>
+      <p:sp>
+        <p:nvSpPr>
+          <p:cNvPr id="4" name="Title 3"/>
           <p:cNvSpPr>
             <a:spLocks noGrp="1"/>
           </p:cNvSpPr>
@@ -15760,24 +16002,8 @@
           <a:lstStyle/>
           <a:p>
             <a:r>
-              <a:rPr lang="en-US" dirty="0" err="1" smtClean="0"/>
-              <a:t>Những</a:t>
-            </a:r>
-            <a:r>
               <a:rPr lang="en-US" dirty="0" smtClean="0"/>
-              <a:t> </a:t>
-            </a:r>
-            <a:r>
-              <a:rPr lang="en-US" dirty="0" err="1" smtClean="0"/>
-              <a:t>hạn</a:t>
-            </a:r>
-            <a:r>
-              <a:rPr lang="en-US" dirty="0" smtClean="0"/>
-              <a:t> </a:t>
-            </a:r>
-            <a:r>
-              <a:rPr lang="en-US" dirty="0" err="1" smtClean="0"/>
-              <a:t>chế</a:t>
+              <a:t>DEMONSTRATION</a:t>
             </a:r>
             <a:endParaRPr lang="vi-VN" dirty="0"/>
           </a:p>
@@ -15790,13 +16016,13 @@
             <a:spLocks noGrp="1"/>
           </p:cNvSpPr>
           <p:nvPr>
-            <p:ph type="sldNum" sz="quarter" idx="12"/>
+            <p:ph type="sldNum" sz="quarter" idx="11"/>
           </p:nvPr>
         </p:nvSpPr>
         <p:spPr/>
         <p:txBody>
           <a:bodyPr>
-            <a:normAutofit fontScale="85000" lnSpcReduction="20000"/>
+            <a:normAutofit/>
           </a:bodyPr>
           <a:lstStyle/>
           <a:p>
@@ -15813,29 +16039,10 @@
           </a:p>
         </p:txBody>
       </p:sp>
-      <p:sp>
-        <p:nvSpPr>
-          <p:cNvPr id="4" name="Content Placeholder 3"/>
-          <p:cNvSpPr>
-            <a:spLocks noGrp="1"/>
-          </p:cNvSpPr>
-          <p:nvPr>
-            <p:ph sz="quarter" idx="1"/>
-          </p:nvPr>
-        </p:nvSpPr>
-        <p:spPr/>
-        <p:txBody>
-          <a:bodyPr/>
-          <a:lstStyle/>
-          <a:p>
-            <a:endParaRPr lang="vi-VN"/>
-          </a:p>
-        </p:txBody>
-      </p:sp>
     </p:spTree>
     <p:extLst>
       <p:ext uri="{BB962C8B-B14F-4D97-AF65-F5344CB8AC3E}">
-        <p14:creationId xmlns:p14="http://schemas.microsoft.com/office/powerpoint/2010/main" val="1913792255"/>
+        <p14:creationId xmlns:p14="http://schemas.microsoft.com/office/powerpoint/2010/main" val="1870866790"/>
       </p:ext>
     </p:extLst>
   </p:cSld>
@@ -15907,7 +16114,7 @@
           <a:p>
             <a:r>
               <a:rPr lang="en-US" dirty="0" smtClean="0"/>
-              <a:t>DEMONSTRATION</a:t>
+              <a:t>Q &amp; A</a:t>
             </a:r>
             <a:endParaRPr lang="vi-VN" dirty="0"/>
           </a:p>
@@ -15946,7 +16153,7 @@
     </p:spTree>
     <p:extLst>
       <p:ext uri="{BB962C8B-B14F-4D97-AF65-F5344CB8AC3E}">
-        <p14:creationId xmlns:p14="http://schemas.microsoft.com/office/powerpoint/2010/main" val="1870866790"/>
+        <p14:creationId xmlns:p14="http://schemas.microsoft.com/office/powerpoint/2010/main" val="2443692379"/>
       </p:ext>
     </p:extLst>
   </p:cSld>
@@ -15982,117 +16189,6 @@
       </p:grpSpPr>
       <p:sp>
         <p:nvSpPr>
-          <p:cNvPr id="5" name="Text Placeholder 4"/>
-          <p:cNvSpPr>
-            <a:spLocks noGrp="1"/>
-          </p:cNvSpPr>
-          <p:nvPr>
-            <p:ph type="body" idx="1"/>
-          </p:nvPr>
-        </p:nvSpPr>
-        <p:spPr/>
-        <p:txBody>
-          <a:bodyPr/>
-          <a:lstStyle/>
-          <a:p>
-            <a:endParaRPr lang="vi-VN"/>
-          </a:p>
-        </p:txBody>
-      </p:sp>
-      <p:sp>
-        <p:nvSpPr>
-          <p:cNvPr id="4" name="Title 3"/>
-          <p:cNvSpPr>
-            <a:spLocks noGrp="1"/>
-          </p:cNvSpPr>
-          <p:nvPr>
-            <p:ph type="title"/>
-          </p:nvPr>
-        </p:nvSpPr>
-        <p:spPr/>
-        <p:txBody>
-          <a:bodyPr>
-            <a:normAutofit/>
-          </a:bodyPr>
-          <a:lstStyle/>
-          <a:p>
-            <a:r>
-              <a:rPr lang="en-US" dirty="0" smtClean="0"/>
-              <a:t>Q &amp; A</a:t>
-            </a:r>
-            <a:endParaRPr lang="vi-VN" dirty="0"/>
-          </a:p>
-        </p:txBody>
-      </p:sp>
-      <p:sp>
-        <p:nvSpPr>
-          <p:cNvPr id="3" name="Slide Number Placeholder 2"/>
-          <p:cNvSpPr>
-            <a:spLocks noGrp="1"/>
-          </p:cNvSpPr>
-          <p:nvPr>
-            <p:ph type="sldNum" sz="quarter" idx="11"/>
-          </p:nvPr>
-        </p:nvSpPr>
-        <p:spPr/>
-        <p:txBody>
-          <a:bodyPr>
-            <a:normAutofit/>
-          </a:bodyPr>
-          <a:lstStyle/>
-          <a:p>
-            <a:fld id="{1AD93096-5B34-4342-9326-69289CEAE4C2}" type="slidenum">
-              <a:rPr lang="en-US" smtClean="0"/>
-              <a:pPr/>
-              <a:t>33</a:t>
-            </a:fld>
-            <a:endParaRPr lang="en-US" dirty="0">
-              <a:solidFill>
-                <a:srgbClr val="FFFFFF"/>
-              </a:solidFill>
-            </a:endParaRPr>
-          </a:p>
-        </p:txBody>
-      </p:sp>
-    </p:spTree>
-    <p:extLst>
-      <p:ext uri="{BB962C8B-B14F-4D97-AF65-F5344CB8AC3E}">
-        <p14:creationId xmlns:p14="http://schemas.microsoft.com/office/powerpoint/2010/main" val="2443692379"/>
-      </p:ext>
-    </p:extLst>
-  </p:cSld>
-  <p:clrMapOvr>
-    <a:masterClrMapping/>
-  </p:clrMapOvr>
-  <p:timing>
-    <p:tnLst>
-      <p:par>
-        <p:cTn id="1" dur="indefinite" restart="never" nodeType="tmRoot"/>
-      </p:par>
-    </p:tnLst>
-  </p:timing>
-</p:sld>
-</file>
-
-<file path=ppt/slides/slide34.xml><?xml version="1.0" encoding="utf-8"?>
-<p:sld xmlns:a="http://schemas.openxmlformats.org/drawingml/2006/main" xmlns:r="http://schemas.openxmlformats.org/officeDocument/2006/relationships" xmlns:p="http://schemas.openxmlformats.org/presentationml/2006/main">
-  <p:cSld>
-    <p:spTree>
-      <p:nvGrpSpPr>
-        <p:cNvPr id="1" name=""/>
-        <p:cNvGrpSpPr/>
-        <p:nvPr/>
-      </p:nvGrpSpPr>
-      <p:grpSpPr>
-        <a:xfrm>
-          <a:off x="0" y="0"/>
-          <a:ext cx="0" cy="0"/>
-          <a:chOff x="0" y="0"/>
-          <a:chExt cx="0" cy="0"/>
-        </a:xfrm>
-      </p:grpSpPr>
-      <p:sp>
-        <p:nvSpPr>
           <p:cNvPr id="8" name="Text Placeholder 7"/>
           <p:cNvSpPr>
             <a:spLocks noGrp="1"/>
@@ -16160,7 +16256,7 @@
             <a:fld id="{1AD93096-5B34-4342-9326-69289CEAE4C2}" type="slidenum">
               <a:rPr lang="en-US" smtClean="0"/>
               <a:pPr/>
-              <a:t>34</a:t>
+              <a:t>33</a:t>
             </a:fld>
             <a:endParaRPr lang="en-US" dirty="0">
               <a:solidFill>
@@ -16829,11 +16925,7 @@
             </a:r>
             <a:r>
               <a:rPr lang="en-US" smtClean="0"/>
-              <a:t> c</a:t>
-            </a:r>
-            <a:r>
-              <a:rPr lang="en-US" smtClean="0"/>
-              <a:t>ó thể </a:t>
+              <a:t> có thể </a:t>
             </a:r>
             <a:r>
               <a:rPr lang="en-US" i="1" smtClean="0">
@@ -17274,11 +17366,7 @@
           <a:p>
             <a:r>
               <a:rPr lang="en-US"/>
-              <a:t>Bài toán kiến </a:t>
-            </a:r>
-            <a:r>
-              <a:rPr lang="en-US"/>
-              <a:t>trúc </a:t>
+              <a:t>Bài toán kiến trúc </a:t>
             </a:r>
             <a:r>
               <a:rPr lang="en-US" smtClean="0"/>
